--- a/NIST_Data_Leakage_Case/NIST_Data_Leakage_02._WinEvt_XML.pptx
+++ b/NIST_Data_Leakage_Case/NIST_Data_Leakage_02._WinEvt_XML.pptx
@@ -5,55 +5,57 @@
     <p:sldMasterId id="2147483648" r:id="rId1"/>
   </p:sldMasterIdLst>
   <p:notesMasterIdLst>
-    <p:notesMasterId r:id="rId48"/>
+    <p:notesMasterId r:id="rId50"/>
   </p:notesMasterIdLst>
   <p:sldIdLst>
     <p:sldId id="256" r:id="rId2"/>
-    <p:sldId id="257" r:id="rId3"/>
-    <p:sldId id="277" r:id="rId4"/>
-    <p:sldId id="278" r:id="rId5"/>
-    <p:sldId id="279" r:id="rId6"/>
-    <p:sldId id="259" r:id="rId7"/>
-    <p:sldId id="260" r:id="rId8"/>
-    <p:sldId id="305" r:id="rId9"/>
-    <p:sldId id="275" r:id="rId10"/>
-    <p:sldId id="276" r:id="rId11"/>
-    <p:sldId id="267" r:id="rId12"/>
-    <p:sldId id="261" r:id="rId13"/>
-    <p:sldId id="264" r:id="rId14"/>
-    <p:sldId id="265" r:id="rId15"/>
-    <p:sldId id="266" r:id="rId16"/>
-    <p:sldId id="271" r:id="rId17"/>
-    <p:sldId id="272" r:id="rId18"/>
-    <p:sldId id="273" r:id="rId19"/>
-    <p:sldId id="268" r:id="rId20"/>
-    <p:sldId id="263" r:id="rId21"/>
-    <p:sldId id="269" r:id="rId22"/>
-    <p:sldId id="280" r:id="rId23"/>
-    <p:sldId id="281" r:id="rId24"/>
-    <p:sldId id="282" r:id="rId25"/>
-    <p:sldId id="270" r:id="rId26"/>
-    <p:sldId id="274" r:id="rId27"/>
-    <p:sldId id="283" r:id="rId28"/>
-    <p:sldId id="284" r:id="rId29"/>
-    <p:sldId id="285" r:id="rId30"/>
-    <p:sldId id="286" r:id="rId31"/>
-    <p:sldId id="258" r:id="rId32"/>
-    <p:sldId id="288" r:id="rId33"/>
-    <p:sldId id="302" r:id="rId34"/>
-    <p:sldId id="296" r:id="rId35"/>
-    <p:sldId id="299" r:id="rId36"/>
-    <p:sldId id="301" r:id="rId37"/>
-    <p:sldId id="291" r:id="rId38"/>
-    <p:sldId id="293" r:id="rId39"/>
-    <p:sldId id="300" r:id="rId40"/>
-    <p:sldId id="298" r:id="rId41"/>
-    <p:sldId id="295" r:id="rId42"/>
-    <p:sldId id="303" r:id="rId43"/>
-    <p:sldId id="287" r:id="rId44"/>
-    <p:sldId id="290" r:id="rId45"/>
-    <p:sldId id="292" r:id="rId46"/>
-    <p:sldId id="304" r:id="rId47"/>
+    <p:sldId id="306" r:id="rId3"/>
+    <p:sldId id="307" r:id="rId4"/>
+    <p:sldId id="277" r:id="rId5"/>
+    <p:sldId id="257" r:id="rId6"/>
+    <p:sldId id="278" r:id="rId7"/>
+    <p:sldId id="279" r:id="rId8"/>
+    <p:sldId id="259" r:id="rId9"/>
+    <p:sldId id="260" r:id="rId10"/>
+    <p:sldId id="305" r:id="rId11"/>
+    <p:sldId id="275" r:id="rId12"/>
+    <p:sldId id="276" r:id="rId13"/>
+    <p:sldId id="267" r:id="rId14"/>
+    <p:sldId id="261" r:id="rId15"/>
+    <p:sldId id="264" r:id="rId16"/>
+    <p:sldId id="265" r:id="rId17"/>
+    <p:sldId id="266" r:id="rId18"/>
+    <p:sldId id="271" r:id="rId19"/>
+    <p:sldId id="272" r:id="rId20"/>
+    <p:sldId id="273" r:id="rId21"/>
+    <p:sldId id="268" r:id="rId22"/>
+    <p:sldId id="263" r:id="rId23"/>
+    <p:sldId id="269" r:id="rId24"/>
+    <p:sldId id="280" r:id="rId25"/>
+    <p:sldId id="281" r:id="rId26"/>
+    <p:sldId id="282" r:id="rId27"/>
+    <p:sldId id="270" r:id="rId28"/>
+    <p:sldId id="274" r:id="rId29"/>
+    <p:sldId id="283" r:id="rId30"/>
+    <p:sldId id="284" r:id="rId31"/>
+    <p:sldId id="285" r:id="rId32"/>
+    <p:sldId id="286" r:id="rId33"/>
+    <p:sldId id="258" r:id="rId34"/>
+    <p:sldId id="288" r:id="rId35"/>
+    <p:sldId id="302" r:id="rId36"/>
+    <p:sldId id="296" r:id="rId37"/>
+    <p:sldId id="299" r:id="rId38"/>
+    <p:sldId id="301" r:id="rId39"/>
+    <p:sldId id="291" r:id="rId40"/>
+    <p:sldId id="293" r:id="rId41"/>
+    <p:sldId id="300" r:id="rId42"/>
+    <p:sldId id="298" r:id="rId43"/>
+    <p:sldId id="295" r:id="rId44"/>
+    <p:sldId id="303" r:id="rId45"/>
+    <p:sldId id="287" r:id="rId46"/>
+    <p:sldId id="290" r:id="rId47"/>
+    <p:sldId id="292" r:id="rId48"/>
+    <p:sldId id="304" r:id="rId49"/>
   </p:sldIdLst>
   <p:sldSz cx="12192000" cy="6858000"/>
   <p:notesSz cx="6858000" cy="9144000"/>
@@ -163,10 +165,7 @@
 <file path=ppt/revisionInfo.xml><?xml version="1.0" encoding="utf-8"?>
 <p1510:revInfo xmlns:a="http://schemas.openxmlformats.org/drawingml/2006/main" xmlns:r="http://schemas.openxmlformats.org/officeDocument/2006/relationships" xmlns:p1510="http://schemas.microsoft.com/office/powerpoint/2015/10/main">
   <p1510:revLst>
-    <p1510:client id="{1145B16C-5E93-681B-B9BA-C7C9CDE20735}" v="10" dt="2020-10-22T20:25:25.022"/>
-    <p1510:client id="{1CD4744B-46E9-485E-8B11-DDA791EF49FF}" v="7" dt="2020-10-19T08:22:19.562"/>
-    <p1510:client id="{958F2B95-A119-46FD-A9C8-D15EFF7E5855}" v="1" dt="2020-10-26T10:32:09.184"/>
-    <p1510:client id="{B83D6D4A-8526-ED03-5564-28094B8B860F}" v="1" dt="2020-10-14T02:33:05.698"/>
+    <p1510:client id="{1FE5BE91-3016-4039-8D51-36BC3D9F6FC1}" v="2" dt="2021-01-26T14:09:16.307"/>
   </p1510:revLst>
 </p1510:revInfo>
 </file>
@@ -198,24 +197,221 @@
     </pc:docChg>
   </pc:docChgLst>
   <pc:docChgLst>
-    <pc:chgData name="Richard Wheeless" userId="S::id63la41@ubalt.edu::edf7d7f9-5d95-4eec-886d-0f745236a21b" providerId="AD" clId="Web-{1145B16C-5E93-681B-B9BA-C7C9CDE20735}"/>
-    <pc:docChg chg="modSld">
-      <pc:chgData name="Richard Wheeless" userId="S::id63la41@ubalt.edu::edf7d7f9-5d95-4eec-886d-0f745236a21b" providerId="AD" clId="Web-{1145B16C-5E93-681B-B9BA-C7C9CDE20735}" dt="2020-10-22T20:25:25.022" v="9" actId="1076"/>
+    <pc:chgData name="Richard Wheeless" userId="S::id63la41@ubalt.edu::edf7d7f9-5d95-4eec-886d-0f745236a21b" providerId="AD" clId="Web-{958F2B95-A119-46FD-A9C8-D15EFF7E5855}"/>
+    <pc:docChg chg="sldOrd">
+      <pc:chgData name="Richard Wheeless" userId="S::id63la41@ubalt.edu::edf7d7f9-5d95-4eec-886d-0f745236a21b" providerId="AD" clId="Web-{958F2B95-A119-46FD-A9C8-D15EFF7E5855}" dt="2020-10-26T10:32:09.184" v="0"/>
       <pc:docMkLst>
         <pc:docMk/>
       </pc:docMkLst>
-      <pc:sldChg chg="modSp">
-        <pc:chgData name="Richard Wheeless" userId="S::id63la41@ubalt.edu::edf7d7f9-5d95-4eec-886d-0f745236a21b" providerId="AD" clId="Web-{1145B16C-5E93-681B-B9BA-C7C9CDE20735}" dt="2020-10-22T20:25:25.022" v="9" actId="1076"/>
+      <pc:sldChg chg="ord">
+        <pc:chgData name="Richard Wheeless" userId="S::id63la41@ubalt.edu::edf7d7f9-5d95-4eec-886d-0f745236a21b" providerId="AD" clId="Web-{958F2B95-A119-46FD-A9C8-D15EFF7E5855}" dt="2020-10-26T10:32:09.184" v="0"/>
         <pc:sldMkLst>
           <pc:docMk/>
-          <pc:sldMk cId="244327251" sldId="272"/>
+          <pc:sldMk cId="3280354511" sldId="273"/>
         </pc:sldMkLst>
+      </pc:sldChg>
+    </pc:docChg>
+  </pc:docChgLst>
+  <pc:docChgLst>
+    <pc:chgData name="Weifeng Xu" userId="e7aed605-a3dd-4d5a-a692-a87037af107b" providerId="ADAL" clId="{1FE5BE91-3016-4039-8D51-36BC3D9F6FC1}"/>
+    <pc:docChg chg="undo custSel addSld modSld sldOrd">
+      <pc:chgData name="Weifeng Xu" userId="e7aed605-a3dd-4d5a-a692-a87037af107b" providerId="ADAL" clId="{1FE5BE91-3016-4039-8D51-36BC3D9F6FC1}" dt="2021-01-26T14:09:38.328" v="333" actId="1076"/>
+      <pc:docMkLst>
+        <pc:docMk/>
+      </pc:docMkLst>
+      <pc:sldChg chg="addSp delSp modSp mod ord modClrScheme chgLayout">
+        <pc:chgData name="Weifeng Xu" userId="e7aed605-a3dd-4d5a-a692-a87037af107b" providerId="ADAL" clId="{1FE5BE91-3016-4039-8D51-36BC3D9F6FC1}" dt="2021-01-26T13:56:44.836" v="306" actId="1076"/>
+        <pc:sldMkLst>
+          <pc:docMk/>
+          <pc:sldMk cId="4272576379" sldId="257"/>
+        </pc:sldMkLst>
+        <pc:spChg chg="mod ord">
+          <ac:chgData name="Weifeng Xu" userId="e7aed605-a3dd-4d5a-a692-a87037af107b" providerId="ADAL" clId="{1FE5BE91-3016-4039-8D51-36BC3D9F6FC1}" dt="2021-01-26T13:56:40.704" v="305" actId="700"/>
+          <ac:spMkLst>
+            <pc:docMk/>
+            <pc:sldMk cId="4272576379" sldId="257"/>
+            <ac:spMk id="2" creationId="{00000000-0000-0000-0000-000000000000}"/>
+          </ac:spMkLst>
+        </pc:spChg>
+        <pc:spChg chg="del mod">
+          <ac:chgData name="Weifeng Xu" userId="e7aed605-a3dd-4d5a-a692-a87037af107b" providerId="ADAL" clId="{1FE5BE91-3016-4039-8D51-36BC3D9F6FC1}" dt="2021-01-26T13:56:40.704" v="305" actId="700"/>
+          <ac:spMkLst>
+            <pc:docMk/>
+            <pc:sldMk cId="4272576379" sldId="257"/>
+            <ac:spMk id="3" creationId="{00000000-0000-0000-0000-000000000000}"/>
+          </ac:spMkLst>
+        </pc:spChg>
+        <pc:spChg chg="mod">
+          <ac:chgData name="Weifeng Xu" userId="e7aed605-a3dd-4d5a-a692-a87037af107b" providerId="ADAL" clId="{1FE5BE91-3016-4039-8D51-36BC3D9F6FC1}" dt="2021-01-26T13:56:44.836" v="306" actId="1076"/>
+          <ac:spMkLst>
+            <pc:docMk/>
+            <pc:sldMk cId="4272576379" sldId="257"/>
+            <ac:spMk id="5" creationId="{00000000-0000-0000-0000-000000000000}"/>
+          </ac:spMkLst>
+        </pc:spChg>
+        <pc:spChg chg="add del">
+          <ac:chgData name="Weifeng Xu" userId="e7aed605-a3dd-4d5a-a692-a87037af107b" providerId="ADAL" clId="{1FE5BE91-3016-4039-8D51-36BC3D9F6FC1}" dt="2021-01-26T13:38:56.980" v="1" actId="22"/>
+          <ac:spMkLst>
+            <pc:docMk/>
+            <pc:sldMk cId="4272576379" sldId="257"/>
+            <ac:spMk id="7" creationId="{CED0C71C-5A20-45F4-9C81-5A6FB1B83547}"/>
+          </ac:spMkLst>
+        </pc:spChg>
         <pc:picChg chg="mod">
-          <ac:chgData name="Richard Wheeless" userId="S::id63la41@ubalt.edu::edf7d7f9-5d95-4eec-886d-0f745236a21b" providerId="AD" clId="Web-{1145B16C-5E93-681B-B9BA-C7C9CDE20735}" dt="2020-10-22T20:25:25.022" v="9" actId="1076"/>
+          <ac:chgData name="Weifeng Xu" userId="e7aed605-a3dd-4d5a-a692-a87037af107b" providerId="ADAL" clId="{1FE5BE91-3016-4039-8D51-36BC3D9F6FC1}" dt="2021-01-26T13:56:44.836" v="306" actId="1076"/>
           <ac:picMkLst>
             <pc:docMk/>
-            <pc:sldMk cId="244327251" sldId="272"/>
+            <pc:sldMk cId="4272576379" sldId="257"/>
             <ac:picMk id="4" creationId="{00000000-0000-0000-0000-000000000000}"/>
+          </ac:picMkLst>
+        </pc:picChg>
+      </pc:sldChg>
+      <pc:sldChg chg="modSp mod">
+        <pc:chgData name="Weifeng Xu" userId="e7aed605-a3dd-4d5a-a692-a87037af107b" providerId="ADAL" clId="{1FE5BE91-3016-4039-8D51-36BC3D9F6FC1}" dt="2021-01-26T13:52:32.384" v="204" actId="15"/>
+        <pc:sldMkLst>
+          <pc:docMk/>
+          <pc:sldMk cId="4132490787" sldId="277"/>
+        </pc:sldMkLst>
+        <pc:spChg chg="mod">
+          <ac:chgData name="Weifeng Xu" userId="e7aed605-a3dd-4d5a-a692-a87037af107b" providerId="ADAL" clId="{1FE5BE91-3016-4039-8D51-36BC3D9F6FC1}" dt="2021-01-26T13:52:32.384" v="204" actId="15"/>
+          <ac:spMkLst>
+            <pc:docMk/>
+            <pc:sldMk cId="4132490787" sldId="277"/>
+            <ac:spMk id="3" creationId="{00000000-0000-0000-0000-000000000000}"/>
+          </ac:spMkLst>
+        </pc:spChg>
+      </pc:sldChg>
+      <pc:sldChg chg="addSp delSp modSp add mod ord setBg setClrOvrMap">
+        <pc:chgData name="Weifeng Xu" userId="e7aed605-a3dd-4d5a-a692-a87037af107b" providerId="ADAL" clId="{1FE5BE91-3016-4039-8D51-36BC3D9F6FC1}" dt="2021-01-26T13:55:19.228" v="284" actId="6549"/>
+        <pc:sldMkLst>
+          <pc:docMk/>
+          <pc:sldMk cId="1256683201" sldId="306"/>
+        </pc:sldMkLst>
+        <pc:spChg chg="mod">
+          <ac:chgData name="Weifeng Xu" userId="e7aed605-a3dd-4d5a-a692-a87037af107b" providerId="ADAL" clId="{1FE5BE91-3016-4039-8D51-36BC3D9F6FC1}" dt="2021-01-26T13:44:02.092" v="43" actId="26606"/>
+          <ac:spMkLst>
+            <pc:docMk/>
+            <pc:sldMk cId="1256683201" sldId="306"/>
+            <ac:spMk id="2" creationId="{00000000-0000-0000-0000-000000000000}"/>
+          </ac:spMkLst>
+        </pc:spChg>
+        <pc:spChg chg="mod ord">
+          <ac:chgData name="Weifeng Xu" userId="e7aed605-a3dd-4d5a-a692-a87037af107b" providerId="ADAL" clId="{1FE5BE91-3016-4039-8D51-36BC3D9F6FC1}" dt="2021-01-26T13:55:19.228" v="284" actId="6549"/>
+          <ac:spMkLst>
+            <pc:docMk/>
+            <pc:sldMk cId="1256683201" sldId="306"/>
+            <ac:spMk id="3" creationId="{00000000-0000-0000-0000-000000000000}"/>
+          </ac:spMkLst>
+        </pc:spChg>
+        <pc:spChg chg="del">
+          <ac:chgData name="Weifeng Xu" userId="e7aed605-a3dd-4d5a-a692-a87037af107b" providerId="ADAL" clId="{1FE5BE91-3016-4039-8D51-36BC3D9F6FC1}" dt="2021-01-26T13:40:03.799" v="29" actId="478"/>
+          <ac:spMkLst>
+            <pc:docMk/>
+            <pc:sldMk cId="1256683201" sldId="306"/>
+            <ac:spMk id="5" creationId="{00000000-0000-0000-0000-000000000000}"/>
+          </ac:spMkLst>
+        </pc:spChg>
+        <pc:spChg chg="add mod">
+          <ac:chgData name="Weifeng Xu" userId="e7aed605-a3dd-4d5a-a692-a87037af107b" providerId="ADAL" clId="{1FE5BE91-3016-4039-8D51-36BC3D9F6FC1}" dt="2021-01-26T13:48:14.172" v="78" actId="1076"/>
+          <ac:spMkLst>
+            <pc:docMk/>
+            <pc:sldMk cId="1256683201" sldId="306"/>
+            <ac:spMk id="10" creationId="{4A6A8911-5559-4027-A3A7-B0DAEF9E57CF}"/>
+          </ac:spMkLst>
+        </pc:spChg>
+        <pc:spChg chg="add del">
+          <ac:chgData name="Weifeng Xu" userId="e7aed605-a3dd-4d5a-a692-a87037af107b" providerId="ADAL" clId="{1FE5BE91-3016-4039-8D51-36BC3D9F6FC1}" dt="2021-01-26T13:44:02.092" v="43" actId="26606"/>
+          <ac:spMkLst>
+            <pc:docMk/>
+            <pc:sldMk cId="1256683201" sldId="306"/>
+            <ac:spMk id="12" creationId="{56C20283-73E0-40EC-8AD8-057F581F64C2}"/>
+          </ac:spMkLst>
+        </pc:spChg>
+        <pc:spChg chg="add del">
+          <ac:chgData name="Weifeng Xu" userId="e7aed605-a3dd-4d5a-a692-a87037af107b" providerId="ADAL" clId="{1FE5BE91-3016-4039-8D51-36BC3D9F6FC1}" dt="2021-01-26T13:44:02.092" v="43" actId="26606"/>
+          <ac:spMkLst>
+            <pc:docMk/>
+            <pc:sldMk cId="1256683201" sldId="306"/>
+            <ac:spMk id="14" creationId="{3FCC729B-E528-40C3-82D3-BA4375575E87}"/>
+          </ac:spMkLst>
+        </pc:spChg>
+        <pc:spChg chg="add del">
+          <ac:chgData name="Weifeng Xu" userId="e7aed605-a3dd-4d5a-a692-a87037af107b" providerId="ADAL" clId="{1FE5BE91-3016-4039-8D51-36BC3D9F6FC1}" dt="2021-01-26T13:44:02.092" v="43" actId="26606"/>
+          <ac:spMkLst>
+            <pc:docMk/>
+            <pc:sldMk cId="1256683201" sldId="306"/>
+            <ac:spMk id="16" creationId="{58F1FB8D-1842-4A04-998D-6CF047AB2790}"/>
+          </ac:spMkLst>
+        </pc:spChg>
+        <pc:picChg chg="del">
+          <ac:chgData name="Weifeng Xu" userId="e7aed605-a3dd-4d5a-a692-a87037af107b" providerId="ADAL" clId="{1FE5BE91-3016-4039-8D51-36BC3D9F6FC1}" dt="2021-01-26T13:40:04.703" v="30" actId="478"/>
+          <ac:picMkLst>
+            <pc:docMk/>
+            <pc:sldMk cId="1256683201" sldId="306"/>
+            <ac:picMk id="4" creationId="{00000000-0000-0000-0000-000000000000}"/>
+          </ac:picMkLst>
+        </pc:picChg>
+        <pc:picChg chg="add mod">
+          <ac:chgData name="Weifeng Xu" userId="e7aed605-a3dd-4d5a-a692-a87037af107b" providerId="ADAL" clId="{1FE5BE91-3016-4039-8D51-36BC3D9F6FC1}" dt="2021-01-26T13:48:14.172" v="78" actId="1076"/>
+          <ac:picMkLst>
+            <pc:docMk/>
+            <pc:sldMk cId="1256683201" sldId="306"/>
+            <ac:picMk id="7" creationId="{FDDF9C26-00DF-42A2-8222-45044AEC9D64}"/>
+          </ac:picMkLst>
+        </pc:picChg>
+        <pc:picChg chg="add del mod">
+          <ac:chgData name="Weifeng Xu" userId="e7aed605-a3dd-4d5a-a692-a87037af107b" providerId="ADAL" clId="{1FE5BE91-3016-4039-8D51-36BC3D9F6FC1}" dt="2021-01-26T13:48:38.027" v="79" actId="478"/>
+          <ac:picMkLst>
+            <pc:docMk/>
+            <pc:sldMk cId="1256683201" sldId="306"/>
+            <ac:picMk id="9" creationId="{68546C58-7EA2-4CE8-A034-FBB6BC22C356}"/>
+          </ac:picMkLst>
+        </pc:picChg>
+        <pc:picChg chg="add mod">
+          <ac:chgData name="Weifeng Xu" userId="e7aed605-a3dd-4d5a-a692-a87037af107b" providerId="ADAL" clId="{1FE5BE91-3016-4039-8D51-36BC3D9F6FC1}" dt="2021-01-26T13:49:55.183" v="82" actId="1440"/>
+          <ac:picMkLst>
+            <pc:docMk/>
+            <pc:sldMk cId="1256683201" sldId="306"/>
+            <ac:picMk id="13" creationId="{9F0089FD-1362-4537-8760-C8FFA9EAD72E}"/>
+          </ac:picMkLst>
+        </pc:picChg>
+      </pc:sldChg>
+      <pc:sldChg chg="addSp delSp modSp new mod modClrScheme chgLayout">
+        <pc:chgData name="Weifeng Xu" userId="e7aed605-a3dd-4d5a-a692-a87037af107b" providerId="ADAL" clId="{1FE5BE91-3016-4039-8D51-36BC3D9F6FC1}" dt="2021-01-26T14:09:38.328" v="333" actId="1076"/>
+        <pc:sldMkLst>
+          <pc:docMk/>
+          <pc:sldMk cId="3056732691" sldId="307"/>
+        </pc:sldMkLst>
+        <pc:spChg chg="del">
+          <ac:chgData name="Weifeng Xu" userId="e7aed605-a3dd-4d5a-a692-a87037af107b" providerId="ADAL" clId="{1FE5BE91-3016-4039-8D51-36BC3D9F6FC1}" dt="2021-01-26T14:08:33.206" v="308" actId="700"/>
+          <ac:spMkLst>
+            <pc:docMk/>
+            <pc:sldMk cId="3056732691" sldId="307"/>
+            <ac:spMk id="2" creationId="{A7B1233B-B975-4B6F-ACB8-689F87DB1D1D}"/>
+          </ac:spMkLst>
+        </pc:spChg>
+        <pc:spChg chg="del">
+          <ac:chgData name="Weifeng Xu" userId="e7aed605-a3dd-4d5a-a692-a87037af107b" providerId="ADAL" clId="{1FE5BE91-3016-4039-8D51-36BC3D9F6FC1}" dt="2021-01-26T14:08:33.206" v="308" actId="700"/>
+          <ac:spMkLst>
+            <pc:docMk/>
+            <pc:sldMk cId="3056732691" sldId="307"/>
+            <ac:spMk id="3" creationId="{3580C7BF-08F6-4F04-BB56-197A16B207D1}"/>
+          </ac:spMkLst>
+        </pc:spChg>
+        <pc:spChg chg="add mod">
+          <ac:chgData name="Weifeng Xu" userId="e7aed605-a3dd-4d5a-a692-a87037af107b" providerId="ADAL" clId="{1FE5BE91-3016-4039-8D51-36BC3D9F6FC1}" dt="2021-01-26T14:09:38.328" v="333" actId="1076"/>
+          <ac:spMkLst>
+            <pc:docMk/>
+            <pc:sldMk cId="3056732691" sldId="307"/>
+            <ac:spMk id="6" creationId="{91BAA3C5-CB4D-45A7-9C2A-4F36C1719782}"/>
+          </ac:spMkLst>
+        </pc:spChg>
+        <pc:picChg chg="add mod">
+          <ac:chgData name="Weifeng Xu" userId="e7aed605-a3dd-4d5a-a692-a87037af107b" providerId="ADAL" clId="{1FE5BE91-3016-4039-8D51-36BC3D9F6FC1}" dt="2021-01-26T14:08:48.639" v="312" actId="1076"/>
+          <ac:picMkLst>
+            <pc:docMk/>
+            <pc:sldMk cId="3056732691" sldId="307"/>
+            <ac:picMk id="5" creationId="{95F58510-DF37-4D01-9393-C9D571CB7183}"/>
           </ac:picMkLst>
         </pc:picChg>
       </pc:sldChg>
@@ -254,18 +450,26 @@
     </pc:docChg>
   </pc:docChgLst>
   <pc:docChgLst>
-    <pc:chgData name="Richard Wheeless" userId="S::id63la41@ubalt.edu::edf7d7f9-5d95-4eec-886d-0f745236a21b" providerId="AD" clId="Web-{958F2B95-A119-46FD-A9C8-D15EFF7E5855}"/>
-    <pc:docChg chg="sldOrd">
-      <pc:chgData name="Richard Wheeless" userId="S::id63la41@ubalt.edu::edf7d7f9-5d95-4eec-886d-0f745236a21b" providerId="AD" clId="Web-{958F2B95-A119-46FD-A9C8-D15EFF7E5855}" dt="2020-10-26T10:32:09.184" v="0"/>
+    <pc:chgData name="Richard Wheeless" userId="S::id63la41@ubalt.edu::edf7d7f9-5d95-4eec-886d-0f745236a21b" providerId="AD" clId="Web-{1145B16C-5E93-681B-B9BA-C7C9CDE20735}"/>
+    <pc:docChg chg="modSld">
+      <pc:chgData name="Richard Wheeless" userId="S::id63la41@ubalt.edu::edf7d7f9-5d95-4eec-886d-0f745236a21b" providerId="AD" clId="Web-{1145B16C-5E93-681B-B9BA-C7C9CDE20735}" dt="2020-10-22T20:25:25.022" v="9" actId="1076"/>
       <pc:docMkLst>
         <pc:docMk/>
       </pc:docMkLst>
-      <pc:sldChg chg="ord">
-        <pc:chgData name="Richard Wheeless" userId="S::id63la41@ubalt.edu::edf7d7f9-5d95-4eec-886d-0f745236a21b" providerId="AD" clId="Web-{958F2B95-A119-46FD-A9C8-D15EFF7E5855}" dt="2020-10-26T10:32:09.184" v="0"/>
+      <pc:sldChg chg="modSp">
+        <pc:chgData name="Richard Wheeless" userId="S::id63la41@ubalt.edu::edf7d7f9-5d95-4eec-886d-0f745236a21b" providerId="AD" clId="Web-{1145B16C-5E93-681B-B9BA-C7C9CDE20735}" dt="2020-10-22T20:25:25.022" v="9" actId="1076"/>
         <pc:sldMkLst>
           <pc:docMk/>
-          <pc:sldMk cId="3280354511" sldId="273"/>
+          <pc:sldMk cId="244327251" sldId="272"/>
         </pc:sldMkLst>
+        <pc:picChg chg="mod">
+          <ac:chgData name="Richard Wheeless" userId="S::id63la41@ubalt.edu::edf7d7f9-5d95-4eec-886d-0f745236a21b" providerId="AD" clId="Web-{1145B16C-5E93-681B-B9BA-C7C9CDE20735}" dt="2020-10-22T20:25:25.022" v="9" actId="1076"/>
+          <ac:picMkLst>
+            <pc:docMk/>
+            <pc:sldMk cId="244327251" sldId="272"/>
+            <ac:picMk id="4" creationId="{00000000-0000-0000-0000-000000000000}"/>
+          </ac:picMkLst>
+        </pc:picChg>
       </pc:sldChg>
     </pc:docChg>
   </pc:docChgLst>
@@ -354,7 +558,7 @@
           <a:p>
             <a:fld id="{EE41F6E3-57F9-402E-BDBA-5B2DE11C8530}" type="datetimeFigureOut">
               <a:rPr lang="en-US" smtClean="0"/>
-              <a:t>12/21/2020</a:t>
+              <a:t>1/26/2021</a:t>
             </a:fld>
             <a:endParaRPr lang="en-US"/>
           </a:p>
@@ -666,10 +870,9 @@
           <a:lstStyle/>
           <a:p>
             <a:r>
-              <a:rPr lang="en-US" dirty="0" smtClean="0"/>
+              <a:rPr lang="en-US"/>
               <a:t>http://xmlstar.sourceforge.net/doc/UG/</a:t>
             </a:r>
-            <a:endParaRPr lang="en-US" dirty="0"/>
           </a:p>
         </p:txBody>
       </p:sp>
@@ -754,10 +957,21 @@
           <a:lstStyle/>
           <a:p>
             <a:r>
-              <a:rPr lang="en-US" dirty="0" smtClean="0"/>
-              <a:t>https://www.marklogic.com/blog/xpath-punctuation-part-1/</a:t>
-            </a:r>
-            <a:endParaRPr lang="en-US" dirty="0"/>
+              <a:rPr lang="en-US" err="1"/>
+              <a:t>xmlstarlet</a:t>
+            </a:r>
+            <a:r>
+              <a:rPr lang="en-US"/>
+              <a:t> </a:t>
+            </a:r>
+            <a:r>
+              <a:rPr lang="en-US" err="1"/>
+              <a:t>fo</a:t>
+            </a:r>
+            <a:r>
+              <a:rPr lang="en-US"/>
+              <a:t> -n SecurityEvt.xml | head -n 15</a:t>
+            </a:r>
           </a:p>
         </p:txBody>
       </p:sp>
@@ -778,7 +992,7 @@
           <a:p>
             <a:fld id="{DDBF98C7-164A-4723-84F0-B1E4B080DDEC}" type="slidenum">
               <a:rPr lang="en-US" smtClean="0"/>
-              <a:t>23</a:t>
+              <a:t>20</a:t>
             </a:fld>
             <a:endParaRPr lang="en-US"/>
           </a:p>
@@ -787,7 +1001,7 @@
     </p:spTree>
     <p:extLst>
       <p:ext uri="{BB962C8B-B14F-4D97-AF65-F5344CB8AC3E}">
-        <p14:creationId xmlns:p14="http://schemas.microsoft.com/office/powerpoint/2010/main" val="4290912733"/>
+        <p14:creationId xmlns:p14="http://schemas.microsoft.com/office/powerpoint/2010/main" val="1653227690"/>
       </p:ext>
     </p:extLst>
   </p:cSld>
@@ -842,30 +1056,9 @@
           <a:lstStyle/>
           <a:p>
             <a:r>
-              <a:rPr lang="en-US" dirty="0" err="1" smtClean="0"/>
-              <a:t>xmlstarlet</a:t>
-            </a:r>
-            <a:r>
-              <a:rPr lang="en-US" dirty="0" smtClean="0"/>
-              <a:t> </a:t>
-            </a:r>
-            <a:r>
-              <a:rPr lang="en-US" dirty="0" err="1" smtClean="0"/>
-              <a:t>sel</a:t>
-            </a:r>
-            <a:r>
-              <a:rPr lang="en-US" dirty="0" smtClean="0"/>
-              <a:t> -N x="http://schemas.microsoft.com/win/2004/08/events/event" -t -m "//</a:t>
-            </a:r>
-            <a:r>
-              <a:rPr lang="en-US" dirty="0" err="1" smtClean="0"/>
-              <a:t>x:Event</a:t>
-            </a:r>
-            <a:r>
-              <a:rPr lang="en-US" dirty="0" smtClean="0"/>
-              <a:t>[1]" -c .  SecurityEvt.xml</a:t>
-            </a:r>
-            <a:endParaRPr lang="en-US" dirty="0"/>
+              <a:rPr lang="en-US"/>
+              <a:t>https://www.marklogic.com/blog/xpath-punctuation-part-1/</a:t>
+            </a:r>
           </a:p>
         </p:txBody>
       </p:sp>
@@ -886,7 +1079,7 @@
           <a:p>
             <a:fld id="{DDBF98C7-164A-4723-84F0-B1E4B080DDEC}" type="slidenum">
               <a:rPr lang="en-US" smtClean="0"/>
-              <a:t>24</a:t>
+              <a:t>25</a:t>
             </a:fld>
             <a:endParaRPr lang="en-US"/>
           </a:p>
@@ -895,7 +1088,7 @@
     </p:spTree>
     <p:extLst>
       <p:ext uri="{BB962C8B-B14F-4D97-AF65-F5344CB8AC3E}">
-        <p14:creationId xmlns:p14="http://schemas.microsoft.com/office/powerpoint/2010/main" val="1941659153"/>
+        <p14:creationId xmlns:p14="http://schemas.microsoft.com/office/powerpoint/2010/main" val="4290912733"/>
       </p:ext>
     </p:extLst>
   </p:cSld>
@@ -950,36 +1143,29 @@
           <a:lstStyle/>
           <a:p>
             <a:r>
-              <a:rPr lang="en-US" dirty="0" err="1" smtClean="0"/>
+              <a:rPr lang="en-US" err="1"/>
               <a:t>xmlstarlet</a:t>
             </a:r>
             <a:r>
-              <a:rPr lang="en-US" dirty="0" smtClean="0"/>
+              <a:rPr lang="en-US"/>
               <a:t> </a:t>
             </a:r>
             <a:r>
-              <a:rPr lang="en-US" dirty="0" err="1" smtClean="0"/>
+              <a:rPr lang="en-US" err="1"/>
               <a:t>sel</a:t>
             </a:r>
             <a:r>
-              <a:rPr lang="en-US" dirty="0" smtClean="0"/>
+              <a:rPr lang="en-US"/>
               <a:t> -N x="http://schemas.microsoft.com/win/2004/08/events/event" -t -m "//</a:t>
             </a:r>
             <a:r>
-              <a:rPr lang="en-US" dirty="0" err="1" smtClean="0"/>
-              <a:t>x:TimeCreated</a:t>
-            </a:r>
-            <a:r>
-              <a:rPr lang="en-US" dirty="0" smtClean="0"/>
-              <a:t>" -c . -n SecurityEvt.xml</a:t>
-            </a:r>
-          </a:p>
-          <a:p>
-            <a:r>
-              <a:rPr lang="en-US" dirty="0" smtClean="0"/>
-              <a:t>http://xmlstar.sourceforge.net/doc/UG/xmlstarlet-ug.html#idm47077139523728</a:t>
-            </a:r>
-            <a:endParaRPr lang="en-US" dirty="0"/>
+              <a:rPr lang="en-US" err="1"/>
+              <a:t>x:Event</a:t>
+            </a:r>
+            <a:r>
+              <a:rPr lang="en-US"/>
+              <a:t>[1]" -c .  SecurityEvt.xml</a:t>
+            </a:r>
           </a:p>
         </p:txBody>
       </p:sp>
@@ -1000,7 +1186,7 @@
           <a:p>
             <a:fld id="{DDBF98C7-164A-4723-84F0-B1E4B080DDEC}" type="slidenum">
               <a:rPr lang="en-US" smtClean="0"/>
-              <a:t>25</a:t>
+              <a:t>26</a:t>
             </a:fld>
             <a:endParaRPr lang="en-US"/>
           </a:p>
@@ -1009,7 +1195,7 @@
     </p:spTree>
     <p:extLst>
       <p:ext uri="{BB962C8B-B14F-4D97-AF65-F5344CB8AC3E}">
-        <p14:creationId xmlns:p14="http://schemas.microsoft.com/office/powerpoint/2010/main" val="1233013455"/>
+        <p14:creationId xmlns:p14="http://schemas.microsoft.com/office/powerpoint/2010/main" val="1941659153"/>
       </p:ext>
     </p:extLst>
   </p:cSld>
@@ -1064,30 +1250,35 @@
           <a:lstStyle/>
           <a:p>
             <a:r>
-              <a:rPr lang="en-US" dirty="0" err="1" smtClean="0"/>
+              <a:rPr lang="en-US" err="1"/>
               <a:t>xmlstarlet</a:t>
             </a:r>
             <a:r>
-              <a:rPr lang="en-US" dirty="0" smtClean="0"/>
-              <a:t>  </a:t>
-            </a:r>
-            <a:r>
-              <a:rPr lang="en-US" dirty="0" err="1" smtClean="0"/>
+              <a:rPr lang="en-US"/>
+              <a:t> </a:t>
+            </a:r>
+            <a:r>
+              <a:rPr lang="en-US" err="1"/>
               <a:t>sel</a:t>
             </a:r>
             <a:r>
-              <a:rPr lang="en-US" dirty="0" smtClean="0"/>
+              <a:rPr lang="en-US"/>
               <a:t> -N x="http://schemas.microsoft.com/win/2004/08/events/event" -t -m "//</a:t>
             </a:r>
             <a:r>
-              <a:rPr lang="en-US" dirty="0" err="1" smtClean="0"/>
-              <a:t>x:EventID</a:t>
-            </a:r>
-            <a:r>
-              <a:rPr lang="en-US" dirty="0" smtClean="0"/>
-              <a:t>[@Qualifiers]" -c . -n  SecurityEvt.xml | head</a:t>
-            </a:r>
-            <a:endParaRPr lang="en-US" dirty="0"/>
+              <a:rPr lang="en-US" err="1"/>
+              <a:t>x:TimeCreated</a:t>
+            </a:r>
+            <a:r>
+              <a:rPr lang="en-US"/>
+              <a:t>" -c . -n SecurityEvt.xml</a:t>
+            </a:r>
+          </a:p>
+          <a:p>
+            <a:r>
+              <a:rPr lang="en-US"/>
+              <a:t>http://xmlstar.sourceforge.net/doc/UG/xmlstarlet-ug.html#idm47077139523728</a:t>
+            </a:r>
           </a:p>
         </p:txBody>
       </p:sp>
@@ -1108,7 +1299,7 @@
           <a:p>
             <a:fld id="{DDBF98C7-164A-4723-84F0-B1E4B080DDEC}" type="slidenum">
               <a:rPr lang="en-US" smtClean="0"/>
-              <a:t>26</a:t>
+              <a:t>27</a:t>
             </a:fld>
             <a:endParaRPr lang="en-US"/>
           </a:p>
@@ -1117,7 +1308,7 @@
     </p:spTree>
     <p:extLst>
       <p:ext uri="{BB962C8B-B14F-4D97-AF65-F5344CB8AC3E}">
-        <p14:creationId xmlns:p14="http://schemas.microsoft.com/office/powerpoint/2010/main" val="3879454730"/>
+        <p14:creationId xmlns:p14="http://schemas.microsoft.com/office/powerpoint/2010/main" val="1233013455"/>
       </p:ext>
     </p:extLst>
   </p:cSld>
@@ -1172,10 +1363,29 @@
           <a:lstStyle/>
           <a:p>
             <a:r>
-              <a:rPr lang="en-US" dirty="0" smtClean="0"/>
-              <a:t>https://www.grymoire.com/Unix/Sed.html#uh-1</a:t>
-            </a:r>
-            <a:endParaRPr lang="en-US" dirty="0"/>
+              <a:rPr lang="en-US" err="1"/>
+              <a:t>xmlstarlet</a:t>
+            </a:r>
+            <a:r>
+              <a:rPr lang="en-US"/>
+              <a:t>  </a:t>
+            </a:r>
+            <a:r>
+              <a:rPr lang="en-US" err="1"/>
+              <a:t>sel</a:t>
+            </a:r>
+            <a:r>
+              <a:rPr lang="en-US"/>
+              <a:t> -N x="http://schemas.microsoft.com/win/2004/08/events/event" -t -m "//</a:t>
+            </a:r>
+            <a:r>
+              <a:rPr lang="en-US" err="1"/>
+              <a:t>x:EventID</a:t>
+            </a:r>
+            <a:r>
+              <a:rPr lang="en-US"/>
+              <a:t>[@Qualifiers]" -c . -n  SecurityEvt.xml | head</a:t>
+            </a:r>
           </a:p>
         </p:txBody>
       </p:sp>
@@ -1196,7 +1406,7 @@
           <a:p>
             <a:fld id="{DDBF98C7-164A-4723-84F0-B1E4B080DDEC}" type="slidenum">
               <a:rPr lang="en-US" smtClean="0"/>
-              <a:t>27</a:t>
+              <a:t>28</a:t>
             </a:fld>
             <a:endParaRPr lang="en-US"/>
           </a:p>
@@ -1205,7 +1415,7 @@
     </p:spTree>
     <p:extLst>
       <p:ext uri="{BB962C8B-B14F-4D97-AF65-F5344CB8AC3E}">
-        <p14:creationId xmlns:p14="http://schemas.microsoft.com/office/powerpoint/2010/main" val="3188718458"/>
+        <p14:creationId xmlns:p14="http://schemas.microsoft.com/office/powerpoint/2010/main" val="3879454730"/>
       </p:ext>
     </p:extLst>
   </p:cSld>
@@ -1260,18 +1470,9 @@
           <a:lstStyle/>
           <a:p>
             <a:r>
-              <a:rPr lang="en-US" dirty="0" smtClean="0"/>
-              <a:t>echo good morning | </a:t>
-            </a:r>
-            <a:r>
-              <a:rPr lang="en-US" dirty="0" err="1" smtClean="0"/>
-              <a:t>sed</a:t>
-            </a:r>
-            <a:r>
-              <a:rPr lang="en-US" dirty="0" smtClean="0"/>
-              <a:t> "s/morning/afternoon/"</a:t>
-            </a:r>
-            <a:endParaRPr lang="en-US" dirty="0"/>
+              <a:rPr lang="en-US"/>
+              <a:t>https://www.grymoire.com/Unix/Sed.html#uh-1</a:t>
+            </a:r>
           </a:p>
         </p:txBody>
       </p:sp>
@@ -1292,7 +1493,7 @@
           <a:p>
             <a:fld id="{DDBF98C7-164A-4723-84F0-B1E4B080DDEC}" type="slidenum">
               <a:rPr lang="en-US" smtClean="0"/>
-              <a:t>28</a:t>
+              <a:t>29</a:t>
             </a:fld>
             <a:endParaRPr lang="en-US"/>
           </a:p>
@@ -1301,7 +1502,7 @@
     </p:spTree>
     <p:extLst>
       <p:ext uri="{BB962C8B-B14F-4D97-AF65-F5344CB8AC3E}">
-        <p14:creationId xmlns:p14="http://schemas.microsoft.com/office/powerpoint/2010/main" val="3569322030"/>
+        <p14:creationId xmlns:p14="http://schemas.microsoft.com/office/powerpoint/2010/main" val="3188718458"/>
       </p:ext>
     </p:extLst>
   </p:cSld>
@@ -1356,10 +1557,17 @@
           <a:lstStyle/>
           <a:p>
             <a:r>
-              <a:rPr lang="en-US" dirty="0" smtClean="0"/>
-              <a:t>https://www.grymoire.com/Unix/Sed.html</a:t>
-            </a:r>
-            <a:endParaRPr lang="en-US" dirty="0"/>
+              <a:rPr lang="en-US"/>
+              <a:t>echo good morning | </a:t>
+            </a:r>
+            <a:r>
+              <a:rPr lang="en-US" err="1"/>
+              <a:t>sed</a:t>
+            </a:r>
+            <a:r>
+              <a:rPr lang="en-US"/>
+              <a:t> "s/morning/afternoon/"</a:t>
+            </a:r>
           </a:p>
         </p:txBody>
       </p:sp>
@@ -1380,7 +1588,7 @@
           <a:p>
             <a:fld id="{DDBF98C7-164A-4723-84F0-B1E4B080DDEC}" type="slidenum">
               <a:rPr lang="en-US" smtClean="0"/>
-              <a:t>31</a:t>
+              <a:t>30</a:t>
             </a:fld>
             <a:endParaRPr lang="en-US"/>
           </a:p>
@@ -1389,7 +1597,7 @@
     </p:spTree>
     <p:extLst>
       <p:ext uri="{BB962C8B-B14F-4D97-AF65-F5344CB8AC3E}">
-        <p14:creationId xmlns:p14="http://schemas.microsoft.com/office/powerpoint/2010/main" val="837915341"/>
+        <p14:creationId xmlns:p14="http://schemas.microsoft.com/office/powerpoint/2010/main" val="3569322030"/>
       </p:ext>
     </p:extLst>
   </p:cSld>
@@ -1444,22 +1652,9 @@
           <a:lstStyle/>
           <a:p>
             <a:r>
-              <a:rPr lang="en-US" dirty="0" err="1" smtClean="0"/>
-              <a:t>xmlstarlet</a:t>
-            </a:r>
-            <a:r>
-              <a:rPr lang="en-US" dirty="0" smtClean="0"/>
-              <a:t> </a:t>
-            </a:r>
-            <a:r>
-              <a:rPr lang="en-US" dirty="0" err="1" smtClean="0"/>
-              <a:t>ed</a:t>
-            </a:r>
-            <a:r>
-              <a:rPr lang="en-US" dirty="0" smtClean="0"/>
-              <a:t> --help</a:t>
-            </a:r>
-            <a:endParaRPr lang="en-US" dirty="0"/>
+              <a:rPr lang="en-US"/>
+              <a:t>https://www.grymoire.com/Unix/Sed.html</a:t>
+            </a:r>
           </a:p>
         </p:txBody>
       </p:sp>
@@ -1489,7 +1684,7 @@
     </p:spTree>
     <p:extLst>
       <p:ext uri="{BB962C8B-B14F-4D97-AF65-F5344CB8AC3E}">
-        <p14:creationId xmlns:p14="http://schemas.microsoft.com/office/powerpoint/2010/main" val="3480134407"/>
+        <p14:creationId xmlns:p14="http://schemas.microsoft.com/office/powerpoint/2010/main" val="837915341"/>
       </p:ext>
     </p:extLst>
   </p:cSld>
@@ -1544,32 +1739,21 @@
           <a:lstStyle/>
           <a:p>
             <a:r>
-              <a:rPr lang="en-US" dirty="0" err="1" smtClean="0"/>
+              <a:rPr lang="en-US" err="1"/>
               <a:t>xmlstarlet</a:t>
             </a:r>
             <a:r>
-              <a:rPr lang="en-US" dirty="0" smtClean="0"/>
+              <a:rPr lang="en-US"/>
               <a:t> </a:t>
             </a:r>
             <a:r>
-              <a:rPr lang="en-US" dirty="0" err="1" smtClean="0"/>
-              <a:t>sel</a:t>
-            </a:r>
-            <a:r>
-              <a:rPr lang="en-US" dirty="0" smtClean="0"/>
-              <a:t> -N x="http://schemas.microsoft.com/win/2004/08/events/event" -t -m "//</a:t>
-            </a:r>
-            <a:r>
-              <a:rPr lang="en-US" dirty="0" err="1" smtClean="0"/>
-              <a:t>x:Event</a:t>
-            </a:r>
-            <a:r>
-              <a:rPr lang="en-US" dirty="0" smtClean="0"/>
-              <a:t>[1]" -c .  SecurityEvt.xml 2&gt;/dev/null &gt; SecurityEvent1.xml</a:t>
-            </a:r>
-          </a:p>
-          <a:p>
-            <a:endParaRPr lang="en-US" dirty="0" smtClean="0"/>
+              <a:rPr lang="en-US" err="1"/>
+              <a:t>ed</a:t>
+            </a:r>
+            <a:r>
+              <a:rPr lang="en-US"/>
+              <a:t> --help</a:t>
+            </a:r>
           </a:p>
         </p:txBody>
       </p:sp>
@@ -1590,7 +1774,7 @@
           <a:p>
             <a:fld id="{DDBF98C7-164A-4723-84F0-B1E4B080DDEC}" type="slidenum">
               <a:rPr lang="en-US" smtClean="0"/>
-              <a:t>34</a:t>
+              <a:t>35</a:t>
             </a:fld>
             <a:endParaRPr lang="en-US"/>
           </a:p>
@@ -1599,7 +1783,7 @@
     </p:spTree>
     <p:extLst>
       <p:ext uri="{BB962C8B-B14F-4D97-AF65-F5344CB8AC3E}">
-        <p14:creationId xmlns:p14="http://schemas.microsoft.com/office/powerpoint/2010/main" val="2194765272"/>
+        <p14:creationId xmlns:p14="http://schemas.microsoft.com/office/powerpoint/2010/main" val="3480134407"/>
       </p:ext>
     </p:extLst>
   </p:cSld>
@@ -1654,30 +1838,32 @@
           <a:lstStyle/>
           <a:p>
             <a:r>
-              <a:rPr lang="en-US" dirty="0" err="1" smtClean="0"/>
+              <a:rPr lang="en-US" err="1"/>
               <a:t>xmlstarlet</a:t>
             </a:r>
             <a:r>
-              <a:rPr lang="en-US" dirty="0" smtClean="0"/>
+              <a:rPr lang="en-US"/>
               <a:t> </a:t>
             </a:r>
             <a:r>
-              <a:rPr lang="en-US" dirty="0" err="1" smtClean="0"/>
-              <a:t>ed</a:t>
-            </a:r>
-            <a:r>
-              <a:rPr lang="en-US" dirty="0" smtClean="0"/>
-              <a:t>  -N x="http://schemas.microsoft.com/win/2004/08/events/event" -d '//</a:t>
-            </a:r>
-            <a:r>
-              <a:rPr lang="en-US" dirty="0" err="1" smtClean="0"/>
-              <a:t>x:Level</a:t>
-            </a:r>
-            <a:r>
-              <a:rPr lang="en-US" dirty="0" smtClean="0"/>
-              <a:t>' SecurityEvent1.xml</a:t>
-            </a:r>
-            <a:endParaRPr lang="en-US" dirty="0"/>
+              <a:rPr lang="en-US" err="1"/>
+              <a:t>sel</a:t>
+            </a:r>
+            <a:r>
+              <a:rPr lang="en-US"/>
+              <a:t> -N x="http://schemas.microsoft.com/win/2004/08/events/event" -t -m "//</a:t>
+            </a:r>
+            <a:r>
+              <a:rPr lang="en-US" err="1"/>
+              <a:t>x:Event</a:t>
+            </a:r>
+            <a:r>
+              <a:rPr lang="en-US"/>
+              <a:t>[1]" -c .  SecurityEvt.xml 2&gt;/dev/null &gt; SecurityEvent1.xml</a:t>
+            </a:r>
+          </a:p>
+          <a:p>
+            <a:endParaRPr lang="en-US"/>
           </a:p>
         </p:txBody>
       </p:sp>
@@ -1698,7 +1884,7 @@
           <a:p>
             <a:fld id="{DDBF98C7-164A-4723-84F0-B1E4B080DDEC}" type="slidenum">
               <a:rPr lang="en-US" smtClean="0"/>
-              <a:t>35</a:t>
+              <a:t>36</a:t>
             </a:fld>
             <a:endParaRPr lang="en-US"/>
           </a:p>
@@ -1707,7 +1893,7 @@
     </p:spTree>
     <p:extLst>
       <p:ext uri="{BB962C8B-B14F-4D97-AF65-F5344CB8AC3E}">
-        <p14:creationId xmlns:p14="http://schemas.microsoft.com/office/powerpoint/2010/main" val="4014902000"/>
+        <p14:creationId xmlns:p14="http://schemas.microsoft.com/office/powerpoint/2010/main" val="2194765272"/>
       </p:ext>
     </p:extLst>
   </p:cSld>
@@ -1762,18 +1948,17 @@
           <a:lstStyle/>
           <a:p>
             <a:r>
-              <a:rPr lang="en-US" dirty="0" smtClean="0"/>
+              <a:rPr lang="en-US"/>
               <a:t>evtx_dump.py </a:t>
             </a:r>
             <a:r>
-              <a:rPr lang="en-US" dirty="0" err="1" smtClean="0"/>
+              <a:rPr lang="en-US" err="1"/>
               <a:t>Security.evtx</a:t>
             </a:r>
             <a:r>
-              <a:rPr lang="en-US" dirty="0" smtClean="0"/>
+              <a:rPr lang="en-US"/>
               <a:t> &gt; SecurityEvt.xml</a:t>
             </a:r>
-            <a:endParaRPr lang="en-US" dirty="0"/>
           </a:p>
         </p:txBody>
       </p:sp>
@@ -1803,7 +1988,7 @@
     </p:spTree>
     <p:extLst>
       <p:ext uri="{BB962C8B-B14F-4D97-AF65-F5344CB8AC3E}">
-        <p14:creationId xmlns:p14="http://schemas.microsoft.com/office/powerpoint/2010/main" val="3023983889"/>
+        <p14:creationId xmlns:p14="http://schemas.microsoft.com/office/powerpoint/2010/main" val="3598655162"/>
       </p:ext>
     </p:extLst>
   </p:cSld>
@@ -1858,35 +2043,29 @@
           <a:lstStyle/>
           <a:p>
             <a:r>
-              <a:rPr lang="en-US" dirty="0" err="1" smtClean="0"/>
+              <a:rPr lang="en-US" err="1"/>
               <a:t>xmlstarlet</a:t>
             </a:r>
             <a:r>
-              <a:rPr lang="en-US" dirty="0" smtClean="0"/>
+              <a:rPr lang="en-US"/>
               <a:t> </a:t>
             </a:r>
             <a:r>
-              <a:rPr lang="en-US" dirty="0" err="1" smtClean="0"/>
+              <a:rPr lang="en-US" err="1"/>
               <a:t>ed</a:t>
             </a:r>
             <a:r>
-              <a:rPr lang="en-US" dirty="0" smtClean="0"/>
-              <a:t> -O  -N x="http://schemas.microsoft.com/win/2004/08/events/event" -d '//</a:t>
-            </a:r>
-            <a:r>
-              <a:rPr lang="en-US" dirty="0" err="1" smtClean="0"/>
+              <a:rPr lang="en-US"/>
+              <a:t>  -N x="http://schemas.microsoft.com/win/2004/08/events/event" -d '//</a:t>
+            </a:r>
+            <a:r>
+              <a:rPr lang="en-US" err="1"/>
               <a:t>x:Level</a:t>
             </a:r>
             <a:r>
-              <a:rPr lang="en-US" dirty="0" smtClean="0"/>
+              <a:rPr lang="en-US"/>
               <a:t>' SecurityEvent1.xml</a:t>
             </a:r>
-          </a:p>
-          <a:p>
-            <a:endParaRPr lang="en-US" dirty="0" smtClean="0"/>
-          </a:p>
-          <a:p>
-            <a:endParaRPr lang="en-US" dirty="0"/>
           </a:p>
         </p:txBody>
       </p:sp>
@@ -1907,7 +2086,7 @@
           <a:p>
             <a:fld id="{DDBF98C7-164A-4723-84F0-B1E4B080DDEC}" type="slidenum">
               <a:rPr lang="en-US" smtClean="0"/>
-              <a:t>36</a:t>
+              <a:t>37</a:t>
             </a:fld>
             <a:endParaRPr lang="en-US"/>
           </a:p>
@@ -1916,7 +2095,7 @@
     </p:spTree>
     <p:extLst>
       <p:ext uri="{BB962C8B-B14F-4D97-AF65-F5344CB8AC3E}">
-        <p14:creationId xmlns:p14="http://schemas.microsoft.com/office/powerpoint/2010/main" val="260150216"/>
+        <p14:creationId xmlns:p14="http://schemas.microsoft.com/office/powerpoint/2010/main" val="4014902000"/>
       </p:ext>
     </p:extLst>
   </p:cSld>
@@ -1971,16 +2150,35 @@
           <a:lstStyle/>
           <a:p>
             <a:r>
-              <a:rPr lang="en-US" dirty="0" smtClean="0"/>
-              <a:t>http://xmlstar.sourceforge.net/doc/UG/xmlstarlet-ug.html#idm47077139529952</a:t>
-            </a:r>
-          </a:p>
-          <a:p>
-            <a:r>
-              <a:rPr lang="pt-BR" dirty="0" smtClean="0"/>
-              <a:t>xml ed -N N="http://www.c.com/xyz" -d '//N:*' ns2.xml | \ sed -e 's/ xmlns.*=".*"//g'</a:t>
-            </a:r>
-            <a:endParaRPr lang="en-US" dirty="0"/>
+              <a:rPr lang="en-US" err="1"/>
+              <a:t>xmlstarlet</a:t>
+            </a:r>
+            <a:r>
+              <a:rPr lang="en-US"/>
+              <a:t> </a:t>
+            </a:r>
+            <a:r>
+              <a:rPr lang="en-US" err="1"/>
+              <a:t>ed</a:t>
+            </a:r>
+            <a:r>
+              <a:rPr lang="en-US"/>
+              <a:t> -O  -N x="http://schemas.microsoft.com/win/2004/08/events/event" -d '//</a:t>
+            </a:r>
+            <a:r>
+              <a:rPr lang="en-US" err="1"/>
+              <a:t>x:Level</a:t>
+            </a:r>
+            <a:r>
+              <a:rPr lang="en-US"/>
+              <a:t>' SecurityEvent1.xml</a:t>
+            </a:r>
+          </a:p>
+          <a:p>
+            <a:endParaRPr lang="en-US"/>
+          </a:p>
+          <a:p>
+            <a:endParaRPr lang="en-US"/>
           </a:p>
         </p:txBody>
       </p:sp>
@@ -2001,7 +2199,7 @@
           <a:p>
             <a:fld id="{DDBF98C7-164A-4723-84F0-B1E4B080DDEC}" type="slidenum">
               <a:rPr lang="en-US" smtClean="0"/>
-              <a:t>37</a:t>
+              <a:t>38</a:t>
             </a:fld>
             <a:endParaRPr lang="en-US"/>
           </a:p>
@@ -2010,7 +2208,7 @@
     </p:spTree>
     <p:extLst>
       <p:ext uri="{BB962C8B-B14F-4D97-AF65-F5344CB8AC3E}">
-        <p14:creationId xmlns:p14="http://schemas.microsoft.com/office/powerpoint/2010/main" val="2123255431"/>
+        <p14:creationId xmlns:p14="http://schemas.microsoft.com/office/powerpoint/2010/main" val="260150216"/>
       </p:ext>
     </p:extLst>
   </p:cSld>
@@ -2065,30 +2263,16 @@
           <a:lstStyle/>
           <a:p>
             <a:r>
-              <a:rPr lang="en-US" dirty="0" err="1" smtClean="0"/>
-              <a:t>xmlstarlet</a:t>
-            </a:r>
-            <a:r>
-              <a:rPr lang="en-US" dirty="0" smtClean="0"/>
-              <a:t> </a:t>
-            </a:r>
-            <a:r>
-              <a:rPr lang="en-US" dirty="0" err="1" smtClean="0"/>
-              <a:t>sel</a:t>
-            </a:r>
-            <a:r>
-              <a:rPr lang="en-US" dirty="0" smtClean="0"/>
-              <a:t> -N x="http://schemas.microsoft.com/win/2004/08/events/event" -t -m "//</a:t>
-            </a:r>
-            <a:r>
-              <a:rPr lang="en-US" dirty="0" err="1" smtClean="0"/>
-              <a:t>x:Event</a:t>
-            </a:r>
-            <a:r>
-              <a:rPr lang="en-US" dirty="0" smtClean="0"/>
-              <a:t>[1]" -c .  SecurityEvt.xml 2&gt;/dev/null &gt; SecurityEvent1.xml</a:t>
-            </a:r>
-            <a:endParaRPr lang="en-US" dirty="0"/>
+              <a:rPr lang="en-US"/>
+              <a:t>http://xmlstar.sourceforge.net/doc/UG/xmlstarlet-ug.html#idm47077139529952</a:t>
+            </a:r>
+          </a:p>
+          <a:p>
+            <a:r>
+              <a:rPr lang="pt-BR"/>
+              <a:t>xml ed -N N="http://www.c.com/xyz" -d '//N:*' ns2.xml | \ sed -e 's/ xmlns.*=".*"//g'</a:t>
+            </a:r>
+            <a:endParaRPr lang="en-US"/>
           </a:p>
         </p:txBody>
       </p:sp>
@@ -2109,7 +2293,7 @@
           <a:p>
             <a:fld id="{DDBF98C7-164A-4723-84F0-B1E4B080DDEC}" type="slidenum">
               <a:rPr lang="en-US" smtClean="0"/>
-              <a:t>38</a:t>
+              <a:t>39</a:t>
             </a:fld>
             <a:endParaRPr lang="en-US"/>
           </a:p>
@@ -2118,7 +2302,7 @@
     </p:spTree>
     <p:extLst>
       <p:ext uri="{BB962C8B-B14F-4D97-AF65-F5344CB8AC3E}">
-        <p14:creationId xmlns:p14="http://schemas.microsoft.com/office/powerpoint/2010/main" val="2103744018"/>
+        <p14:creationId xmlns:p14="http://schemas.microsoft.com/office/powerpoint/2010/main" val="2123255431"/>
       </p:ext>
     </p:extLst>
   </p:cSld>
@@ -2173,55 +2357,29 @@
           <a:lstStyle/>
           <a:p>
             <a:r>
-              <a:rPr lang="en-US" dirty="0" err="1" smtClean="0"/>
+              <a:rPr lang="en-US" err="1"/>
               <a:t>xmlstarlet</a:t>
             </a:r>
             <a:r>
-              <a:rPr lang="en-US" dirty="0" smtClean="0"/>
+              <a:rPr lang="en-US"/>
               <a:t> </a:t>
             </a:r>
             <a:r>
-              <a:rPr lang="en-US" dirty="0" err="1" smtClean="0"/>
-              <a:t>ed</a:t>
-            </a:r>
-            <a:r>
-              <a:rPr lang="en-US" dirty="0" smtClean="0"/>
-              <a:t> -O  -N x="http://schemas.microsoft.com/win/2004/08/events/event" -d '//</a:t>
-            </a:r>
-            <a:r>
-              <a:rPr lang="en-US" dirty="0" err="1" smtClean="0"/>
-              <a:t>x:Level</a:t>
-            </a:r>
-            <a:r>
-              <a:rPr lang="en-US" dirty="0" smtClean="0"/>
-              <a:t>' SecurityEvent1.xml | </a:t>
-            </a:r>
-            <a:r>
-              <a:rPr lang="en-US" dirty="0" err="1" smtClean="0"/>
-              <a:t>sed</a:t>
-            </a:r>
-            <a:r>
-              <a:rPr lang="en-US" dirty="0" smtClean="0"/>
-              <a:t> -e 's/</a:t>
-            </a:r>
-            <a:r>
-              <a:rPr lang="en-US" dirty="0" err="1" smtClean="0"/>
-              <a:t>xmlns</a:t>
-            </a:r>
-            <a:r>
-              <a:rPr lang="en-US" dirty="0" smtClean="0"/>
-              <a:t>.*=".*"//g'</a:t>
-            </a:r>
-          </a:p>
-          <a:p>
-            <a:endParaRPr lang="en-US" dirty="0" smtClean="0"/>
-          </a:p>
-          <a:p>
-            <a:r>
-              <a:rPr lang="en-US" dirty="0" smtClean="0"/>
-              <a:t>http://xmlstar.sourceforge.net/doc/UG/xmlstarlet-ug.html#idm47077139529952</a:t>
-            </a:r>
-            <a:endParaRPr lang="en-US" dirty="0"/>
+              <a:rPr lang="en-US" err="1"/>
+              <a:t>sel</a:t>
+            </a:r>
+            <a:r>
+              <a:rPr lang="en-US"/>
+              <a:t> -N x="http://schemas.microsoft.com/win/2004/08/events/event" -t -m "//</a:t>
+            </a:r>
+            <a:r>
+              <a:rPr lang="en-US" err="1"/>
+              <a:t>x:Event</a:t>
+            </a:r>
+            <a:r>
+              <a:rPr lang="en-US"/>
+              <a:t>[1]" -c .  SecurityEvt.xml 2&gt;/dev/null &gt; SecurityEvent1.xml</a:t>
+            </a:r>
           </a:p>
         </p:txBody>
       </p:sp>
@@ -2242,7 +2400,7 @@
           <a:p>
             <a:fld id="{DDBF98C7-164A-4723-84F0-B1E4B080DDEC}" type="slidenum">
               <a:rPr lang="en-US" smtClean="0"/>
-              <a:t>39</a:t>
+              <a:t>40</a:t>
             </a:fld>
             <a:endParaRPr lang="en-US"/>
           </a:p>
@@ -2251,7 +2409,7 @@
     </p:spTree>
     <p:extLst>
       <p:ext uri="{BB962C8B-B14F-4D97-AF65-F5344CB8AC3E}">
-        <p14:creationId xmlns:p14="http://schemas.microsoft.com/office/powerpoint/2010/main" val="3686130851"/>
+        <p14:creationId xmlns:p14="http://schemas.microsoft.com/office/powerpoint/2010/main" val="2103744018"/>
       </p:ext>
     </p:extLst>
   </p:cSld>
@@ -2305,90 +2463,55 @@
           <a:bodyPr/>
           <a:lstStyle/>
           <a:p>
-            <a:pPr marL="0" marR="0" lvl="0" indent="0" algn="l" defTabSz="914400" rtl="0" eaLnBrk="1" fontAlgn="auto" latinLnBrk="0" hangingPunct="1">
-              <a:lnSpc>
-                <a:spcPct val="100000"/>
-              </a:lnSpc>
-              <a:spcBef>
-                <a:spcPts val="0"/>
-              </a:spcBef>
-              <a:spcAft>
-                <a:spcPts val="0"/>
-              </a:spcAft>
-              <a:buClrTx/>
-              <a:buSzTx/>
-              <a:buFontTx/>
-              <a:buNone/>
-              <a:tabLst/>
-              <a:defRPr/>
-            </a:pPr>
-            <a:r>
-              <a:rPr lang="en-US" dirty="0" err="1" smtClean="0"/>
+            <a:r>
+              <a:rPr lang="en-US" err="1"/>
               <a:t>xmlstarlet</a:t>
             </a:r>
             <a:r>
-              <a:rPr lang="en-US" dirty="0" smtClean="0"/>
+              <a:rPr lang="en-US"/>
               <a:t> </a:t>
             </a:r>
             <a:r>
-              <a:rPr lang="en-US" dirty="0" err="1" smtClean="0"/>
-              <a:t>sel</a:t>
-            </a:r>
-            <a:r>
-              <a:rPr lang="en-US" dirty="0" smtClean="0"/>
-              <a:t> -N x="http://schemas.microsoft.com/win/2004/08/events/event" -t -m "//</a:t>
-            </a:r>
-            <a:r>
-              <a:rPr lang="en-US" dirty="0" err="1" smtClean="0"/>
-              <a:t>x:Event</a:t>
-            </a:r>
-            <a:r>
-              <a:rPr lang="en-US" dirty="0" smtClean="0"/>
-              <a:t>[1]" -c .  SecurityEvt.xml 2&gt;/dev/null &gt; SecurityEvent1.xml</a:t>
-            </a:r>
-          </a:p>
-          <a:p>
-            <a:r>
-              <a:rPr lang="en-US" dirty="0" err="1" smtClean="0"/>
-              <a:t>xmlstarlet</a:t>
-            </a:r>
-            <a:r>
-              <a:rPr lang="en-US" dirty="0" smtClean="0"/>
-              <a:t> </a:t>
-            </a:r>
-            <a:r>
-              <a:rPr lang="en-US" dirty="0" err="1" smtClean="0"/>
+              <a:rPr lang="en-US" err="1"/>
               <a:t>ed</a:t>
             </a:r>
             <a:r>
-              <a:rPr lang="en-US" dirty="0" smtClean="0"/>
+              <a:rPr lang="en-US"/>
               <a:t> -O  -N x="http://schemas.microsoft.com/win/2004/08/events/event" -d '//</a:t>
             </a:r>
             <a:r>
-              <a:rPr lang="en-US" dirty="0" err="1" smtClean="0"/>
+              <a:rPr lang="en-US" err="1"/>
               <a:t>x:Level</a:t>
             </a:r>
             <a:r>
-              <a:rPr lang="en-US" dirty="0" smtClean="0"/>
+              <a:rPr lang="en-US"/>
               <a:t>' SecurityEvent1.xml | </a:t>
             </a:r>
             <a:r>
-              <a:rPr lang="en-US" dirty="0" err="1" smtClean="0"/>
+              <a:rPr lang="en-US" err="1"/>
               <a:t>sed</a:t>
             </a:r>
             <a:r>
-              <a:rPr lang="en-US" dirty="0" smtClean="0"/>
+              <a:rPr lang="en-US"/>
               <a:t> -e 's/</a:t>
             </a:r>
             <a:r>
-              <a:rPr lang="en-US" dirty="0" err="1" smtClean="0"/>
+              <a:rPr lang="en-US" err="1"/>
               <a:t>xmlns</a:t>
             </a:r>
             <a:r>
-              <a:rPr lang="en-US" dirty="0" smtClean="0"/>
-              <a:t>.*=".*"//g' &gt; SecurityEvent1_clean.xml</a:t>
-            </a:r>
-            <a:endParaRPr lang="en-US" dirty="0"/>
+              <a:rPr lang="en-US"/>
+              <a:t>.*=".*"//g'</a:t>
+            </a:r>
+          </a:p>
+          <a:p>
+            <a:endParaRPr lang="en-US"/>
+          </a:p>
+          <a:p>
+            <a:r>
+              <a:rPr lang="en-US"/>
+              <a:t>http://xmlstar.sourceforge.net/doc/UG/xmlstarlet-ug.html#idm47077139529952</a:t>
+            </a:r>
           </a:p>
         </p:txBody>
       </p:sp>
@@ -2409,7 +2532,7 @@
           <a:p>
             <a:fld id="{DDBF98C7-164A-4723-84F0-B1E4B080DDEC}" type="slidenum">
               <a:rPr lang="en-US" smtClean="0"/>
-              <a:t>40</a:t>
+              <a:t>41</a:t>
             </a:fld>
             <a:endParaRPr lang="en-US"/>
           </a:p>
@@ -2418,7 +2541,7 @@
     </p:spTree>
     <p:extLst>
       <p:ext uri="{BB962C8B-B14F-4D97-AF65-F5344CB8AC3E}">
-        <p14:creationId xmlns:p14="http://schemas.microsoft.com/office/powerpoint/2010/main" val="79770221"/>
+        <p14:creationId xmlns:p14="http://schemas.microsoft.com/office/powerpoint/2010/main" val="3686130851"/>
       </p:ext>
     </p:extLst>
   </p:cSld>
@@ -2472,16 +2595,89 @@
           <a:bodyPr/>
           <a:lstStyle/>
           <a:p>
-            <a:r>
-              <a:rPr lang="en-US" dirty="0" smtClean="0"/>
-              <a:t>https://www.joyofdata.de/blog/transforming-xml-document-into-csv-using-xmlstarlet/</a:t>
-            </a:r>
-          </a:p>
-          <a:p>
-            <a:endParaRPr lang="en-US" dirty="0" smtClean="0"/>
-          </a:p>
-          <a:p>
-            <a:endParaRPr lang="en-US" dirty="0"/>
+            <a:pPr marL="0" marR="0" lvl="0" indent="0" algn="l" defTabSz="914400" rtl="0" eaLnBrk="1" fontAlgn="auto" latinLnBrk="0" hangingPunct="1">
+              <a:lnSpc>
+                <a:spcPct val="100000"/>
+              </a:lnSpc>
+              <a:spcBef>
+                <a:spcPts val="0"/>
+              </a:spcBef>
+              <a:spcAft>
+                <a:spcPts val="0"/>
+              </a:spcAft>
+              <a:buClrTx/>
+              <a:buSzTx/>
+              <a:buFontTx/>
+              <a:buNone/>
+              <a:tabLst/>
+              <a:defRPr/>
+            </a:pPr>
+            <a:r>
+              <a:rPr lang="en-US" err="1"/>
+              <a:t>xmlstarlet</a:t>
+            </a:r>
+            <a:r>
+              <a:rPr lang="en-US"/>
+              <a:t> </a:t>
+            </a:r>
+            <a:r>
+              <a:rPr lang="en-US" err="1"/>
+              <a:t>sel</a:t>
+            </a:r>
+            <a:r>
+              <a:rPr lang="en-US"/>
+              <a:t> -N x="http://schemas.microsoft.com/win/2004/08/events/event" -t -m "//</a:t>
+            </a:r>
+            <a:r>
+              <a:rPr lang="en-US" err="1"/>
+              <a:t>x:Event</a:t>
+            </a:r>
+            <a:r>
+              <a:rPr lang="en-US"/>
+              <a:t>[1]" -c .  SecurityEvt.xml 2&gt;/dev/null &gt; SecurityEvent1.xml</a:t>
+            </a:r>
+          </a:p>
+          <a:p>
+            <a:r>
+              <a:rPr lang="en-US" err="1"/>
+              <a:t>xmlstarlet</a:t>
+            </a:r>
+            <a:r>
+              <a:rPr lang="en-US"/>
+              <a:t> </a:t>
+            </a:r>
+            <a:r>
+              <a:rPr lang="en-US" err="1"/>
+              <a:t>ed</a:t>
+            </a:r>
+            <a:r>
+              <a:rPr lang="en-US"/>
+              <a:t> -O  -N x="http://schemas.microsoft.com/win/2004/08/events/event" -d '//</a:t>
+            </a:r>
+            <a:r>
+              <a:rPr lang="en-US" err="1"/>
+              <a:t>x:Level</a:t>
+            </a:r>
+            <a:r>
+              <a:rPr lang="en-US"/>
+              <a:t>' SecurityEvent1.xml | </a:t>
+            </a:r>
+            <a:r>
+              <a:rPr lang="en-US" err="1"/>
+              <a:t>sed</a:t>
+            </a:r>
+            <a:r>
+              <a:rPr lang="en-US"/>
+              <a:t> -e 's/</a:t>
+            </a:r>
+            <a:r>
+              <a:rPr lang="en-US" err="1"/>
+              <a:t>xmlns</a:t>
+            </a:r>
+            <a:r>
+              <a:rPr lang="en-US"/>
+              <a:t>.*=".*"//g' &gt; SecurityEvent1_clean.xml</a:t>
+            </a:r>
           </a:p>
         </p:txBody>
       </p:sp>
@@ -2502,7 +2698,7 @@
           <a:p>
             <a:fld id="{DDBF98C7-164A-4723-84F0-B1E4B080DDEC}" type="slidenum">
               <a:rPr lang="en-US" smtClean="0"/>
-              <a:t>43</a:t>
+              <a:t>42</a:t>
             </a:fld>
             <a:endParaRPr lang="en-US"/>
           </a:p>
@@ -2511,7 +2707,7 @@
     </p:spTree>
     <p:extLst>
       <p:ext uri="{BB962C8B-B14F-4D97-AF65-F5344CB8AC3E}">
-        <p14:creationId xmlns:p14="http://schemas.microsoft.com/office/powerpoint/2010/main" val="2072719678"/>
+        <p14:creationId xmlns:p14="http://schemas.microsoft.com/office/powerpoint/2010/main" val="79770221"/>
       </p:ext>
     </p:extLst>
   </p:cSld>
@@ -2565,6 +2761,99 @@
           <a:bodyPr/>
           <a:lstStyle/>
           <a:p>
+            <a:r>
+              <a:rPr lang="en-US"/>
+              <a:t>https://www.joyofdata.de/blog/transforming-xml-document-into-csv-using-xmlstarlet/</a:t>
+            </a:r>
+          </a:p>
+          <a:p>
+            <a:endParaRPr lang="en-US"/>
+          </a:p>
+          <a:p>
+            <a:endParaRPr lang="en-US"/>
+          </a:p>
+        </p:txBody>
+      </p:sp>
+      <p:sp>
+        <p:nvSpPr>
+          <p:cNvPr id="4" name="Slide Number Placeholder 3"/>
+          <p:cNvSpPr>
+            <a:spLocks noGrp="1"/>
+          </p:cNvSpPr>
+          <p:nvPr>
+            <p:ph type="sldNum" sz="quarter" idx="10"/>
+          </p:nvPr>
+        </p:nvSpPr>
+        <p:spPr/>
+        <p:txBody>
+          <a:bodyPr/>
+          <a:lstStyle/>
+          <a:p>
+            <a:fld id="{DDBF98C7-164A-4723-84F0-B1E4B080DDEC}" type="slidenum">
+              <a:rPr lang="en-US" smtClean="0"/>
+              <a:t>45</a:t>
+            </a:fld>
+            <a:endParaRPr lang="en-US"/>
+          </a:p>
+        </p:txBody>
+      </p:sp>
+    </p:spTree>
+    <p:extLst>
+      <p:ext uri="{BB962C8B-B14F-4D97-AF65-F5344CB8AC3E}">
+        <p14:creationId xmlns:p14="http://schemas.microsoft.com/office/powerpoint/2010/main" val="2072719678"/>
+      </p:ext>
+    </p:extLst>
+  </p:cSld>
+  <p:clrMapOvr>
+    <a:masterClrMapping/>
+  </p:clrMapOvr>
+</p:notes>
+</file>
+
+<file path=ppt/notesSlides/notesSlide27.xml><?xml version="1.0" encoding="utf-8"?>
+<p:notes xmlns:a="http://schemas.openxmlformats.org/drawingml/2006/main" xmlns:r="http://schemas.openxmlformats.org/officeDocument/2006/relationships" xmlns:p="http://schemas.openxmlformats.org/presentationml/2006/main">
+  <p:cSld>
+    <p:spTree>
+      <p:nvGrpSpPr>
+        <p:cNvPr id="1" name=""/>
+        <p:cNvGrpSpPr/>
+        <p:nvPr/>
+      </p:nvGrpSpPr>
+      <p:grpSpPr>
+        <a:xfrm>
+          <a:off x="0" y="0"/>
+          <a:ext cx="0" cy="0"/>
+          <a:chOff x="0" y="0"/>
+          <a:chExt cx="0" cy="0"/>
+        </a:xfrm>
+      </p:grpSpPr>
+      <p:sp>
+        <p:nvSpPr>
+          <p:cNvPr id="2" name="Slide Image Placeholder 1"/>
+          <p:cNvSpPr>
+            <a:spLocks noGrp="1" noRot="1" noChangeAspect="1"/>
+          </p:cNvSpPr>
+          <p:nvPr>
+            <p:ph type="sldImg"/>
+          </p:nvPr>
+        </p:nvSpPr>
+        <p:spPr/>
+      </p:sp>
+      <p:sp>
+        <p:nvSpPr>
+          <p:cNvPr id="3" name="Notes Placeholder 2"/>
+          <p:cNvSpPr>
+            <a:spLocks noGrp="1"/>
+          </p:cNvSpPr>
+          <p:nvPr>
+            <p:ph type="body" idx="1"/>
+          </p:nvPr>
+        </p:nvSpPr>
+        <p:spPr/>
+        <p:txBody>
+          <a:bodyPr/>
+          <a:lstStyle/>
+          <a:p>
             <a:pPr marL="0" marR="0" lvl="0" indent="0" algn="l" defTabSz="914400" rtl="0" eaLnBrk="1" fontAlgn="auto" latinLnBrk="0" hangingPunct="1">
               <a:lnSpc>
                 <a:spcPct val="100000"/>
@@ -2583,54 +2872,53 @@
               <a:defRPr/>
             </a:pPr>
             <a:r>
-              <a:rPr lang="en-US" dirty="0" err="1" smtClean="0"/>
+              <a:rPr lang="en-US" err="1"/>
               <a:t>xmlstarlet</a:t>
             </a:r>
             <a:r>
-              <a:rPr lang="en-US" dirty="0" smtClean="0"/>
+              <a:rPr lang="en-US"/>
               <a:t> </a:t>
             </a:r>
             <a:r>
-              <a:rPr lang="en-US" dirty="0" err="1" smtClean="0"/>
+              <a:rPr lang="en-US" err="1"/>
               <a:t>sel</a:t>
             </a:r>
             <a:r>
-              <a:rPr lang="en-US" dirty="0" smtClean="0"/>
+              <a:rPr lang="en-US"/>
               <a:t> -T  -t -m /Event/System  -v "</a:t>
             </a:r>
             <a:r>
-              <a:rPr lang="en-US" dirty="0" err="1" smtClean="0"/>
+              <a:rPr lang="en-US" err="1"/>
               <a:t>concat</a:t>
             </a:r>
             <a:r>
-              <a:rPr lang="en-US" dirty="0" smtClean="0"/>
+              <a:rPr lang="en-US"/>
               <a:t>(</a:t>
             </a:r>
             <a:r>
-              <a:rPr lang="en-US" dirty="0" err="1" smtClean="0"/>
+              <a:rPr lang="en-US" err="1"/>
               <a:t>EventID</a:t>
             </a:r>
             <a:r>
-              <a:rPr lang="en-US" dirty="0" smtClean="0"/>
+              <a:rPr lang="en-US"/>
               <a:t>, ';' ,</a:t>
             </a:r>
             <a:r>
-              <a:rPr lang="en-US" dirty="0" err="1" smtClean="0"/>
+              <a:rPr lang="en-US" err="1"/>
               <a:t>TimeCreated</a:t>
             </a:r>
             <a:r>
-              <a:rPr lang="en-US" dirty="0" smtClean="0"/>
+              <a:rPr lang="en-US"/>
               <a:t>/@</a:t>
             </a:r>
             <a:r>
-              <a:rPr lang="en-US" dirty="0" err="1" smtClean="0"/>
+              <a:rPr lang="en-US" err="1"/>
               <a:t>SystemTime</a:t>
             </a:r>
             <a:r>
-              <a:rPr lang="en-US" dirty="0" smtClean="0"/>
+              <a:rPr lang="en-US"/>
               <a:t>)" -n SecurityEvent1_clean.xml</a:t>
             </a:r>
-            <a:endParaRPr lang="en-US" dirty="0"/>
           </a:p>
         </p:txBody>
       </p:sp>
@@ -2651,7 +2939,7 @@
           <a:p>
             <a:fld id="{DDBF98C7-164A-4723-84F0-B1E4B080DDEC}" type="slidenum">
               <a:rPr lang="en-US" smtClean="0"/>
-              <a:t>44</a:t>
+              <a:t>46</a:t>
             </a:fld>
             <a:endParaRPr lang="en-US"/>
           </a:p>
@@ -2715,14 +3003,17 @@
           <a:lstStyle/>
           <a:p>
             <a:r>
-              <a:rPr lang="en-US" dirty="0" smtClean="0"/>
-              <a:t>apt-get install </a:t>
-            </a:r>
-            <a:r>
-              <a:rPr lang="en-US" dirty="0" err="1" smtClean="0"/>
-              <a:t>xmlstarlet</a:t>
-            </a:r>
-            <a:endParaRPr lang="en-US" dirty="0"/>
+              <a:rPr lang="en-US"/>
+              <a:t>evtx_dump.py </a:t>
+            </a:r>
+            <a:r>
+              <a:rPr lang="en-US" err="1"/>
+              <a:t>Security.evtx</a:t>
+            </a:r>
+            <a:r>
+              <a:rPr lang="en-US"/>
+              <a:t> &gt; SecurityEvt.xml</a:t>
+            </a:r>
           </a:p>
         </p:txBody>
       </p:sp>
@@ -2743,7 +3034,7 @@
           <a:p>
             <a:fld id="{DDBF98C7-164A-4723-84F0-B1E4B080DDEC}" type="slidenum">
               <a:rPr lang="en-US" smtClean="0"/>
-              <a:t>6</a:t>
+              <a:t>5</a:t>
             </a:fld>
             <a:endParaRPr lang="en-US"/>
           </a:p>
@@ -2752,7 +3043,7 @@
     </p:spTree>
     <p:extLst>
       <p:ext uri="{BB962C8B-B14F-4D97-AF65-F5344CB8AC3E}">
-        <p14:creationId xmlns:p14="http://schemas.microsoft.com/office/powerpoint/2010/main" val="1686623855"/>
+        <p14:creationId xmlns:p14="http://schemas.microsoft.com/office/powerpoint/2010/main" val="3023983889"/>
       </p:ext>
     </p:extLst>
   </p:cSld>
@@ -2807,10 +3098,14 @@
           <a:lstStyle/>
           <a:p>
             <a:r>
-              <a:rPr lang="en-US" dirty="0" smtClean="0"/>
-              <a:t>https://www.w3schools.com/xml/xml_namespaces.asp</a:t>
-            </a:r>
-            <a:endParaRPr lang="en-US" dirty="0"/>
+              <a:rPr lang="en-US"/>
+              <a:t>apt-get install </a:t>
+            </a:r>
+            <a:r>
+              <a:rPr lang="en-US" err="1"/>
+              <a:t>xmlstarlet</a:t>
+            </a:r>
+            <a:endParaRPr lang="en-US"/>
           </a:p>
         </p:txBody>
       </p:sp>
@@ -2840,7 +3135,7 @@
     </p:spTree>
     <p:extLst>
       <p:ext uri="{BB962C8B-B14F-4D97-AF65-F5344CB8AC3E}">
-        <p14:creationId xmlns:p14="http://schemas.microsoft.com/office/powerpoint/2010/main" val="1334210223"/>
+        <p14:creationId xmlns:p14="http://schemas.microsoft.com/office/powerpoint/2010/main" val="1686623855"/>
       </p:ext>
     </p:extLst>
   </p:cSld>
@@ -2895,22 +3190,9 @@
           <a:lstStyle/>
           <a:p>
             <a:r>
-              <a:rPr lang="en-US" dirty="0" err="1" smtClean="0"/>
-              <a:t>xmlstarlet</a:t>
-            </a:r>
-            <a:r>
-              <a:rPr lang="en-US" dirty="0" smtClean="0"/>
-              <a:t> </a:t>
-            </a:r>
-            <a:r>
-              <a:rPr lang="en-US" dirty="0" err="1" smtClean="0"/>
-              <a:t>val</a:t>
-            </a:r>
-            <a:r>
-              <a:rPr lang="en-US" dirty="0" smtClean="0"/>
-              <a:t>  SecurityEvt.xml</a:t>
-            </a:r>
-            <a:endParaRPr lang="en-US" dirty="0"/>
+              <a:rPr lang="en-US"/>
+              <a:t>https://www.w3schools.com/xml/xml_namespaces.asp</a:t>
+            </a:r>
           </a:p>
         </p:txBody>
       </p:sp>
@@ -2940,7 +3222,7 @@
     </p:spTree>
     <p:extLst>
       <p:ext uri="{BB962C8B-B14F-4D97-AF65-F5344CB8AC3E}">
-        <p14:creationId xmlns:p14="http://schemas.microsoft.com/office/powerpoint/2010/main" val="3606064782"/>
+        <p14:creationId xmlns:p14="http://schemas.microsoft.com/office/powerpoint/2010/main" val="1334210223"/>
       </p:ext>
     </p:extLst>
   </p:cSld>
@@ -2995,27 +3277,21 @@
           <a:lstStyle/>
           <a:p>
             <a:r>
-              <a:rPr lang="en-US" dirty="0" err="1" smtClean="0"/>
+              <a:rPr lang="en-US" err="1"/>
               <a:t>xmlstarlet</a:t>
             </a:r>
             <a:r>
-              <a:rPr lang="en-US" dirty="0" smtClean="0"/>
-              <a:t> el -u SecurityEvt.xml </a:t>
-            </a:r>
-          </a:p>
-          <a:p>
-            <a:endParaRPr lang="en-US" dirty="0" smtClean="0"/>
-          </a:p>
-          <a:p>
-            <a:r>
-              <a:rPr lang="en-US" dirty="0" err="1" smtClean="0"/>
-              <a:t>xmlstarlet</a:t>
-            </a:r>
-            <a:r>
-              <a:rPr lang="en-US" dirty="0" smtClean="0"/>
-              <a:t> el -u SecurityEvt.xml 2&gt;/dev/null</a:t>
-            </a:r>
-            <a:endParaRPr lang="en-US" dirty="0"/>
+              <a:rPr lang="en-US"/>
+              <a:t> </a:t>
+            </a:r>
+            <a:r>
+              <a:rPr lang="en-US" err="1"/>
+              <a:t>val</a:t>
+            </a:r>
+            <a:r>
+              <a:rPr lang="en-US"/>
+              <a:t>  SecurityEvt.xml</a:t>
+            </a:r>
           </a:p>
         </p:txBody>
       </p:sp>
@@ -3045,7 +3321,7 @@
     </p:spTree>
     <p:extLst>
       <p:ext uri="{BB962C8B-B14F-4D97-AF65-F5344CB8AC3E}">
-        <p14:creationId xmlns:p14="http://schemas.microsoft.com/office/powerpoint/2010/main" val="2186869350"/>
+        <p14:creationId xmlns:p14="http://schemas.microsoft.com/office/powerpoint/2010/main" val="3606064782"/>
       </p:ext>
     </p:extLst>
   </p:cSld>
@@ -3100,14 +3376,26 @@
           <a:lstStyle/>
           <a:p>
             <a:r>
-              <a:rPr lang="en-US" dirty="0" err="1" smtClean="0"/>
+              <a:rPr lang="en-US" err="1"/>
               <a:t>xmlstarlet</a:t>
             </a:r>
             <a:r>
-              <a:rPr lang="en-US" dirty="0" smtClean="0"/>
-              <a:t> el --help</a:t>
-            </a:r>
-            <a:endParaRPr lang="en-US" dirty="0"/>
+              <a:rPr lang="en-US"/>
+              <a:t> el -u SecurityEvt.xml </a:t>
+            </a:r>
+          </a:p>
+          <a:p>
+            <a:endParaRPr lang="en-US"/>
+          </a:p>
+          <a:p>
+            <a:r>
+              <a:rPr lang="en-US" err="1"/>
+              <a:t>xmlstarlet</a:t>
+            </a:r>
+            <a:r>
+              <a:rPr lang="en-US"/>
+              <a:t> el -u SecurityEvt.xml 2&gt;/dev/null</a:t>
+            </a:r>
           </a:p>
         </p:txBody>
       </p:sp>
@@ -3128,7 +3416,7 @@
           <a:p>
             <a:fld id="{DDBF98C7-164A-4723-84F0-B1E4B080DDEC}" type="slidenum">
               <a:rPr lang="en-US" smtClean="0"/>
-              <a:t>13</a:t>
+              <a:t>14</a:t>
             </a:fld>
             <a:endParaRPr lang="en-US"/>
           </a:p>
@@ -3137,7 +3425,7 @@
     </p:spTree>
     <p:extLst>
       <p:ext uri="{BB962C8B-B14F-4D97-AF65-F5344CB8AC3E}">
-        <p14:creationId xmlns:p14="http://schemas.microsoft.com/office/powerpoint/2010/main" val="1992470551"/>
+        <p14:creationId xmlns:p14="http://schemas.microsoft.com/office/powerpoint/2010/main" val="2186869350"/>
       </p:ext>
     </p:extLst>
   </p:cSld>
@@ -3192,14 +3480,13 @@
           <a:lstStyle/>
           <a:p>
             <a:r>
-              <a:rPr lang="en-US" dirty="0" err="1" smtClean="0"/>
+              <a:rPr lang="en-US" err="1"/>
               <a:t>xmlstarlet</a:t>
             </a:r>
             <a:r>
-              <a:rPr lang="en-US" dirty="0" smtClean="0"/>
-              <a:t> el -v SecurityEvt.xml 2&gt;/dev/null | head</a:t>
-            </a:r>
-            <a:endParaRPr lang="en-US" dirty="0"/>
+              <a:rPr lang="en-US"/>
+              <a:t> el --help</a:t>
+            </a:r>
           </a:p>
         </p:txBody>
       </p:sp>
@@ -3229,7 +3516,7 @@
     </p:spTree>
     <p:extLst>
       <p:ext uri="{BB962C8B-B14F-4D97-AF65-F5344CB8AC3E}">
-        <p14:creationId xmlns:p14="http://schemas.microsoft.com/office/powerpoint/2010/main" val="3756863120"/>
+        <p14:creationId xmlns:p14="http://schemas.microsoft.com/office/powerpoint/2010/main" val="1992470551"/>
       </p:ext>
     </p:extLst>
   </p:cSld>
@@ -3284,22 +3571,13 @@
           <a:lstStyle/>
           <a:p>
             <a:r>
-              <a:rPr lang="en-US" dirty="0" err="1" smtClean="0"/>
+              <a:rPr lang="en-US" err="1"/>
               <a:t>xmlstarlet</a:t>
             </a:r>
             <a:r>
-              <a:rPr lang="en-US" dirty="0" smtClean="0"/>
-              <a:t> </a:t>
-            </a:r>
-            <a:r>
-              <a:rPr lang="en-US" dirty="0" err="1" smtClean="0"/>
-              <a:t>fo</a:t>
-            </a:r>
-            <a:r>
-              <a:rPr lang="en-US" dirty="0" smtClean="0"/>
-              <a:t> -n SecurityEvt.xml | head -n 15</a:t>
-            </a:r>
-            <a:endParaRPr lang="en-US" dirty="0"/>
+              <a:rPr lang="en-US"/>
+              <a:t> el -v SecurityEvt.xml 2&gt;/dev/null | head</a:t>
+            </a:r>
           </a:p>
         </p:txBody>
       </p:sp>
@@ -3320,7 +3598,7 @@
           <a:p>
             <a:fld id="{DDBF98C7-164A-4723-84F0-B1E4B080DDEC}" type="slidenum">
               <a:rPr lang="en-US" smtClean="0"/>
-              <a:t>18</a:t>
+              <a:t>17</a:t>
             </a:fld>
             <a:endParaRPr lang="en-US"/>
           </a:p>
@@ -3329,7 +3607,7 @@
     </p:spTree>
     <p:extLst>
       <p:ext uri="{BB962C8B-B14F-4D97-AF65-F5344CB8AC3E}">
-        <p14:creationId xmlns:p14="http://schemas.microsoft.com/office/powerpoint/2010/main" val="1653227690"/>
+        <p14:creationId xmlns:p14="http://schemas.microsoft.com/office/powerpoint/2010/main" val="3756863120"/>
       </p:ext>
     </p:extLst>
   </p:cSld>
@@ -3468,7 +3746,7 @@
           <a:p>
             <a:fld id="{4263717A-E3C1-4BED-ABE0-B7069385E023}" type="datetimeFigureOut">
               <a:rPr lang="en-US" smtClean="0"/>
-              <a:t>12/21/2020</a:t>
+              <a:t>1/26/2021</a:t>
             </a:fld>
             <a:endParaRPr lang="en-US"/>
           </a:p>
@@ -3517,7 +3795,7 @@
               <a:rPr lang="en-US" smtClean="0"/>
               <a:t>‹#›</a:t>
             </a:fld>
-            <a:endParaRPr lang="en-US" dirty="0"/>
+            <a:endParaRPr lang="en-US"/>
           </a:p>
         </p:txBody>
       </p:sp>
@@ -3641,7 +3919,7 @@
           <a:p>
             <a:fld id="{4263717A-E3C1-4BED-ABE0-B7069385E023}" type="datetimeFigureOut">
               <a:rPr lang="en-US" smtClean="0"/>
-              <a:t>12/21/2020</a:t>
+              <a:t>1/26/2021</a:t>
             </a:fld>
             <a:endParaRPr lang="en-US"/>
           </a:p>
@@ -3819,7 +4097,7 @@
           <a:p>
             <a:fld id="{4263717A-E3C1-4BED-ABE0-B7069385E023}" type="datetimeFigureOut">
               <a:rPr lang="en-US" smtClean="0"/>
-              <a:t>12/21/2020</a:t>
+              <a:t>1/26/2021</a:t>
             </a:fld>
             <a:endParaRPr lang="en-US"/>
           </a:p>
@@ -3987,7 +4265,7 @@
           <a:p>
             <a:fld id="{4263717A-E3C1-4BED-ABE0-B7069385E023}" type="datetimeFigureOut">
               <a:rPr lang="en-US" smtClean="0"/>
-              <a:t>12/21/2020</a:t>
+              <a:t>1/26/2021</a:t>
             </a:fld>
             <a:endParaRPr lang="en-US"/>
           </a:p>
@@ -4232,7 +4510,7 @@
           <a:p>
             <a:fld id="{4263717A-E3C1-4BED-ABE0-B7069385E023}" type="datetimeFigureOut">
               <a:rPr lang="en-US" smtClean="0"/>
-              <a:t>12/21/2020</a:t>
+              <a:t>1/26/2021</a:t>
             </a:fld>
             <a:endParaRPr lang="en-US"/>
           </a:p>
@@ -4461,7 +4739,7 @@
           <a:p>
             <a:fld id="{4263717A-E3C1-4BED-ABE0-B7069385E023}" type="datetimeFigureOut">
               <a:rPr lang="en-US" smtClean="0"/>
-              <a:t>12/21/2020</a:t>
+              <a:t>1/26/2021</a:t>
             </a:fld>
             <a:endParaRPr lang="en-US"/>
           </a:p>
@@ -4825,7 +5103,7 @@
           <a:p>
             <a:fld id="{4263717A-E3C1-4BED-ABE0-B7069385E023}" type="datetimeFigureOut">
               <a:rPr lang="en-US" smtClean="0"/>
-              <a:t>12/21/2020</a:t>
+              <a:t>1/26/2021</a:t>
             </a:fld>
             <a:endParaRPr lang="en-US"/>
           </a:p>
@@ -4942,7 +5220,7 @@
           <a:p>
             <a:fld id="{4263717A-E3C1-4BED-ABE0-B7069385E023}" type="datetimeFigureOut">
               <a:rPr lang="en-US" smtClean="0"/>
-              <a:t>12/21/2020</a:t>
+              <a:t>1/26/2021</a:t>
             </a:fld>
             <a:endParaRPr lang="en-US"/>
           </a:p>
@@ -5037,7 +5315,7 @@
           <a:p>
             <a:fld id="{4263717A-E3C1-4BED-ABE0-B7069385E023}" type="datetimeFigureOut">
               <a:rPr lang="en-US" smtClean="0"/>
-              <a:t>12/21/2020</a:t>
+              <a:t>1/26/2021</a:t>
             </a:fld>
             <a:endParaRPr lang="en-US"/>
           </a:p>
@@ -5312,7 +5590,7 @@
           <a:p>
             <a:fld id="{4263717A-E3C1-4BED-ABE0-B7069385E023}" type="datetimeFigureOut">
               <a:rPr lang="en-US" smtClean="0"/>
-              <a:t>12/21/2020</a:t>
+              <a:t>1/26/2021</a:t>
             </a:fld>
             <a:endParaRPr lang="en-US"/>
           </a:p>
@@ -5564,7 +5842,7 @@
           <a:p>
             <a:fld id="{4263717A-E3C1-4BED-ABE0-B7069385E023}" type="datetimeFigureOut">
               <a:rPr lang="en-US" smtClean="0"/>
-              <a:t>12/21/2020</a:t>
+              <a:t>1/26/2021</a:t>
             </a:fld>
             <a:endParaRPr lang="en-US"/>
           </a:p>
@@ -5775,7 +6053,7 @@
           <a:p>
             <a:fld id="{4263717A-E3C1-4BED-ABE0-B7069385E023}" type="datetimeFigureOut">
               <a:rPr lang="en-US" smtClean="0"/>
-              <a:t>12/21/2020</a:t>
+              <a:t>1/26/2021</a:t>
             </a:fld>
             <a:endParaRPr lang="en-US"/>
           </a:p>
@@ -6360,7 +6638,7 @@
           <a:lstStyle/>
           <a:p>
             <a:r>
-              <a:rPr lang="en-US" dirty="0"/>
+              <a:rPr lang="en-US"/>
               <a:t>Investigate Data Leakage Case </a:t>
             </a:r>
           </a:p>
@@ -6382,21 +6660,12 @@
           <a:lstStyle/>
           <a:p>
             <a:r>
-              <a:rPr lang="en-US" dirty="0" smtClean="0"/>
-              <a:t>Keywords: </a:t>
-            </a:r>
-            <a:r>
-              <a:rPr lang="en-US" smtClean="0"/>
-              <a:t>Windows Security Event </a:t>
-            </a:r>
-            <a:r>
-              <a:rPr lang="en-US" dirty="0" smtClean="0"/>
-              <a:t>Logs, XML</a:t>
-            </a:r>
-            <a:endParaRPr lang="en-US" dirty="0"/>
-          </a:p>
-          <a:p>
-            <a:endParaRPr lang="en-US" dirty="0"/>
+              <a:rPr lang="en-US"/>
+              <a:t>Keywords: Windows Security Event Logs, XML</a:t>
+            </a:r>
+          </a:p>
+          <a:p>
+            <a:endParaRPr lang="en-US"/>
           </a:p>
         </p:txBody>
       </p:sp>
@@ -6414,6 +6683,1035 @@
 </file>
 
 <file path=ppt/slides/slide10.xml><?xml version="1.0" encoding="utf-8"?>
+<p:sld xmlns:a="http://schemas.openxmlformats.org/drawingml/2006/main" xmlns:r="http://schemas.openxmlformats.org/officeDocument/2006/relationships" xmlns:p="http://schemas.openxmlformats.org/presentationml/2006/main">
+  <p:cSld>
+    <p:spTree>
+      <p:nvGrpSpPr>
+        <p:cNvPr id="1" name=""/>
+        <p:cNvGrpSpPr/>
+        <p:nvPr/>
+      </p:nvGrpSpPr>
+      <p:grpSpPr>
+        <a:xfrm>
+          <a:off x="0" y="0"/>
+          <a:ext cx="0" cy="0"/>
+          <a:chOff x="0" y="0"/>
+          <a:chExt cx="0" cy="0"/>
+        </a:xfrm>
+      </p:grpSpPr>
+      <p:pic>
+        <p:nvPicPr>
+          <p:cNvPr id="2" name="Picture 1"/>
+          <p:cNvPicPr>
+            <a:picLocks noChangeAspect="1"/>
+          </p:cNvPicPr>
+          <p:nvPr/>
+        </p:nvPicPr>
+        <p:blipFill>
+          <a:blip r:embed="rId3"/>
+          <a:stretch>
+            <a:fillRect/>
+          </a:stretch>
+        </p:blipFill>
+        <p:spPr>
+          <a:xfrm>
+            <a:off x="2806243" y="229296"/>
+            <a:ext cx="8298899" cy="6477561"/>
+          </a:xfrm>
+          <a:prstGeom prst="rect">
+            <a:avLst/>
+          </a:prstGeom>
+        </p:spPr>
+      </p:pic>
+      <p:sp>
+        <p:nvSpPr>
+          <p:cNvPr id="3" name="TextBox 3"/>
+          <p:cNvSpPr txBox="1"/>
+          <p:nvPr/>
+        </p:nvSpPr>
+        <p:spPr>
+          <a:xfrm>
+            <a:off x="616541" y="229296"/>
+            <a:ext cx="2189702" cy="369332"/>
+          </a:xfrm>
+          <a:prstGeom prst="rect">
+            <a:avLst/>
+          </a:prstGeom>
+          <a:solidFill>
+            <a:srgbClr val="FFC000"/>
+          </a:solidFill>
+        </p:spPr>
+        <p:txBody>
+          <a:bodyPr wrap="none" rtlCol="0">
+            <a:spAutoFit/>
+          </a:bodyPr>
+          <a:lstStyle>
+            <a:defPPr>
+              <a:defRPr lang="en-US"/>
+            </a:defPPr>
+            <a:lvl1pPr marL="0" algn="l" defTabSz="914400" rtl="0" eaLnBrk="1" latinLnBrk="0" hangingPunct="1">
+              <a:defRPr sz="1800" kern="1200">
+                <a:solidFill>
+                  <a:schemeClr val="tx1"/>
+                </a:solidFill>
+                <a:latin typeface="+mn-lt"/>
+                <a:ea typeface="+mn-ea"/>
+                <a:cs typeface="+mn-cs"/>
+              </a:defRPr>
+            </a:lvl1pPr>
+            <a:lvl2pPr marL="457200" algn="l" defTabSz="914400" rtl="0" eaLnBrk="1" latinLnBrk="0" hangingPunct="1">
+              <a:defRPr sz="1800" kern="1200">
+                <a:solidFill>
+                  <a:schemeClr val="tx1"/>
+                </a:solidFill>
+                <a:latin typeface="+mn-lt"/>
+                <a:ea typeface="+mn-ea"/>
+                <a:cs typeface="+mn-cs"/>
+              </a:defRPr>
+            </a:lvl2pPr>
+            <a:lvl3pPr marL="914400" algn="l" defTabSz="914400" rtl="0" eaLnBrk="1" latinLnBrk="0" hangingPunct="1">
+              <a:defRPr sz="1800" kern="1200">
+                <a:solidFill>
+                  <a:schemeClr val="tx1"/>
+                </a:solidFill>
+                <a:latin typeface="+mn-lt"/>
+                <a:ea typeface="+mn-ea"/>
+                <a:cs typeface="+mn-cs"/>
+              </a:defRPr>
+            </a:lvl3pPr>
+            <a:lvl4pPr marL="1371600" algn="l" defTabSz="914400" rtl="0" eaLnBrk="1" latinLnBrk="0" hangingPunct="1">
+              <a:defRPr sz="1800" kern="1200">
+                <a:solidFill>
+                  <a:schemeClr val="tx1"/>
+                </a:solidFill>
+                <a:latin typeface="+mn-lt"/>
+                <a:ea typeface="+mn-ea"/>
+                <a:cs typeface="+mn-cs"/>
+              </a:defRPr>
+            </a:lvl4pPr>
+            <a:lvl5pPr marL="1828800" algn="l" defTabSz="914400" rtl="0" eaLnBrk="1" latinLnBrk="0" hangingPunct="1">
+              <a:defRPr sz="1800" kern="1200">
+                <a:solidFill>
+                  <a:schemeClr val="tx1"/>
+                </a:solidFill>
+                <a:latin typeface="+mn-lt"/>
+                <a:ea typeface="+mn-ea"/>
+                <a:cs typeface="+mn-cs"/>
+              </a:defRPr>
+            </a:lvl5pPr>
+            <a:lvl6pPr marL="2286000" algn="l" defTabSz="914400" rtl="0" eaLnBrk="1" latinLnBrk="0" hangingPunct="1">
+              <a:defRPr sz="1800" kern="1200">
+                <a:solidFill>
+                  <a:schemeClr val="tx1"/>
+                </a:solidFill>
+                <a:latin typeface="+mn-lt"/>
+                <a:ea typeface="+mn-ea"/>
+                <a:cs typeface="+mn-cs"/>
+              </a:defRPr>
+            </a:lvl6pPr>
+            <a:lvl7pPr marL="2743200" algn="l" defTabSz="914400" rtl="0" eaLnBrk="1" latinLnBrk="0" hangingPunct="1">
+              <a:defRPr sz="1800" kern="1200">
+                <a:solidFill>
+                  <a:schemeClr val="tx1"/>
+                </a:solidFill>
+                <a:latin typeface="+mn-lt"/>
+                <a:ea typeface="+mn-ea"/>
+                <a:cs typeface="+mn-cs"/>
+              </a:defRPr>
+            </a:lvl7pPr>
+            <a:lvl8pPr marL="3200400" algn="l" defTabSz="914400" rtl="0" eaLnBrk="1" latinLnBrk="0" hangingPunct="1">
+              <a:defRPr sz="1800" kern="1200">
+                <a:solidFill>
+                  <a:schemeClr val="tx1"/>
+                </a:solidFill>
+                <a:latin typeface="+mn-lt"/>
+                <a:ea typeface="+mn-ea"/>
+                <a:cs typeface="+mn-cs"/>
+              </a:defRPr>
+            </a:lvl8pPr>
+            <a:lvl9pPr marL="3657600" algn="l" defTabSz="914400" rtl="0" eaLnBrk="1" latinLnBrk="0" hangingPunct="1">
+              <a:defRPr sz="1800" kern="1200">
+                <a:solidFill>
+                  <a:schemeClr val="tx1"/>
+                </a:solidFill>
+                <a:latin typeface="+mn-lt"/>
+                <a:ea typeface="+mn-ea"/>
+                <a:cs typeface="+mn-cs"/>
+              </a:defRPr>
+            </a:lvl9pPr>
+          </a:lstStyle>
+          <a:p>
+            <a:r>
+              <a:rPr lang="en-US"/>
+              <a:t>Show </a:t>
+            </a:r>
+            <a:r>
+              <a:rPr lang="en-US" i="1">
+                <a:solidFill>
+                  <a:srgbClr val="007DB5"/>
+                </a:solidFill>
+              </a:rPr>
+              <a:t>SecurityEvt.xml</a:t>
+            </a:r>
+          </a:p>
+        </p:txBody>
+      </p:sp>
+      <p:sp>
+        <p:nvSpPr>
+          <p:cNvPr id="4" name="Rectangle 3"/>
+          <p:cNvSpPr/>
+          <p:nvPr/>
+        </p:nvSpPr>
+        <p:spPr>
+          <a:xfrm>
+            <a:off x="6752493" y="1847557"/>
+            <a:ext cx="4110892" cy="1138773"/>
+          </a:xfrm>
+          <a:prstGeom prst="rect">
+            <a:avLst/>
+          </a:prstGeom>
+          <a:solidFill>
+            <a:schemeClr val="accent4">
+              <a:lumMod val="20000"/>
+              <a:lumOff val="80000"/>
+            </a:schemeClr>
+          </a:solidFill>
+        </p:spPr>
+        <p:txBody>
+          <a:bodyPr wrap="square">
+            <a:spAutoFit/>
+          </a:bodyPr>
+          <a:lstStyle/>
+          <a:p>
+            <a:pPr marL="285750" indent="-285750">
+              <a:buFont typeface="Arial" panose="020B0604020202020204" pitchFamily="34" charset="0"/>
+              <a:buChar char="•"/>
+            </a:pPr>
+            <a:r>
+              <a:rPr lang="en-US" sz="1400">
+                <a:solidFill>
+                  <a:srgbClr val="FF0000"/>
+                </a:solidFill>
+              </a:rPr>
+              <a:t>XML Namespaces </a:t>
+            </a:r>
+            <a:r>
+              <a:rPr lang="en-US" sz="1400"/>
+              <a:t>provide a method to avoid element name conflicts.</a:t>
+            </a:r>
+          </a:p>
+          <a:p>
+            <a:pPr marL="742950" lvl="1" indent="-285750">
+              <a:buFont typeface="Arial" panose="020B0604020202020204" pitchFamily="34" charset="0"/>
+              <a:buChar char="•"/>
+            </a:pPr>
+            <a:r>
+              <a:rPr lang="en-US" sz="1400"/>
+              <a:t>defined by an </a:t>
+            </a:r>
+            <a:r>
+              <a:rPr lang="en-US" sz="1400" b="1" err="1"/>
+              <a:t>xmlns</a:t>
+            </a:r>
+            <a:r>
+              <a:rPr lang="en-US" sz="1400"/>
+              <a:t> attribute in the start tag of an element.</a:t>
+            </a:r>
+          </a:p>
+          <a:p>
+            <a:pPr marL="742950" lvl="1" indent="-285750">
+              <a:buFont typeface="Arial" panose="020B0604020202020204" pitchFamily="34" charset="0"/>
+              <a:buChar char="•"/>
+            </a:pPr>
+            <a:r>
+              <a:rPr lang="en-US" sz="1200" err="1">
+                <a:solidFill>
+                  <a:srgbClr val="007DB5"/>
+                </a:solidFill>
+              </a:rPr>
+              <a:t>xmlns:</a:t>
+            </a:r>
+            <a:r>
+              <a:rPr lang="en-US" sz="1200" i="1" err="1">
+                <a:solidFill>
+                  <a:srgbClr val="007DB5"/>
+                </a:solidFill>
+              </a:rPr>
+              <a:t>prefix</a:t>
+            </a:r>
+            <a:r>
+              <a:rPr lang="en-US" sz="1200">
+                <a:solidFill>
+                  <a:srgbClr val="007DB5"/>
+                </a:solidFill>
+              </a:rPr>
+              <a:t>="</a:t>
+            </a:r>
+            <a:r>
+              <a:rPr lang="en-US" sz="1200" i="1">
+                <a:solidFill>
+                  <a:srgbClr val="007DB5"/>
+                </a:solidFill>
+              </a:rPr>
+              <a:t>URI</a:t>
+            </a:r>
+            <a:r>
+              <a:rPr lang="en-US" sz="1200">
+                <a:solidFill>
+                  <a:srgbClr val="007DB5"/>
+                </a:solidFill>
+              </a:rPr>
+              <a:t>".</a:t>
+            </a:r>
+          </a:p>
+        </p:txBody>
+      </p:sp>
+      <p:cxnSp>
+        <p:nvCxnSpPr>
+          <p:cNvPr id="6" name="Straight Arrow Connector 5"/>
+          <p:cNvCxnSpPr/>
+          <p:nvPr/>
+        </p:nvCxnSpPr>
+        <p:spPr>
+          <a:xfrm flipH="1" flipV="1">
+            <a:off x="3868615" y="1524000"/>
+            <a:ext cx="3329354" cy="1281723"/>
+          </a:xfrm>
+          <a:prstGeom prst="straightConnector1">
+            <a:avLst/>
+          </a:prstGeom>
+          <a:ln w="28575">
+            <a:solidFill>
+              <a:srgbClr val="FF0000"/>
+            </a:solidFill>
+            <a:tailEnd type="triangle"/>
+          </a:ln>
+        </p:spPr>
+        <p:style>
+          <a:lnRef idx="1">
+            <a:schemeClr val="accent1"/>
+          </a:lnRef>
+          <a:fillRef idx="0">
+            <a:schemeClr val="accent1"/>
+          </a:fillRef>
+          <a:effectRef idx="0">
+            <a:schemeClr val="accent1"/>
+          </a:effectRef>
+          <a:fontRef idx="minor">
+            <a:schemeClr val="tx1"/>
+          </a:fontRef>
+        </p:style>
+      </p:cxnSp>
+      <p:sp>
+        <p:nvSpPr>
+          <p:cNvPr id="9" name="Rectangle 8"/>
+          <p:cNvSpPr/>
+          <p:nvPr/>
+        </p:nvSpPr>
+        <p:spPr>
+          <a:xfrm>
+            <a:off x="445477" y="2113225"/>
+            <a:ext cx="2290428" cy="1200329"/>
+          </a:xfrm>
+          <a:prstGeom prst="rect">
+            <a:avLst/>
+          </a:prstGeom>
+        </p:spPr>
+        <p:txBody>
+          <a:bodyPr wrap="square">
+            <a:spAutoFit/>
+          </a:bodyPr>
+          <a:lstStyle/>
+          <a:p>
+            <a:r>
+              <a:rPr lang="en-US" sz="1200">
+                <a:solidFill>
+                  <a:srgbClr val="0000CD"/>
+                </a:solidFill>
+                <a:latin typeface="Consolas" panose="020B0609020204030204" pitchFamily="49" charset="0"/>
+              </a:rPr>
+              <a:t>&lt;</a:t>
+            </a:r>
+            <a:r>
+              <a:rPr lang="en-US" sz="1200">
+                <a:solidFill>
+                  <a:srgbClr val="A52A2A"/>
+                </a:solidFill>
+                <a:latin typeface="Consolas" panose="020B0609020204030204" pitchFamily="49" charset="0"/>
+              </a:rPr>
+              <a:t>table</a:t>
+            </a:r>
+            <a:r>
+              <a:rPr lang="en-US" sz="1200">
+                <a:solidFill>
+                  <a:srgbClr val="0000CD"/>
+                </a:solidFill>
+                <a:latin typeface="Consolas" panose="020B0609020204030204" pitchFamily="49" charset="0"/>
+              </a:rPr>
+              <a:t>&gt;</a:t>
+            </a:r>
+            <a:br>
+              <a:rPr lang="en-US" sz="1200"/>
+            </a:br>
+            <a:r>
+              <a:rPr lang="en-US" sz="1200">
+                <a:solidFill>
+                  <a:srgbClr val="000000"/>
+                </a:solidFill>
+                <a:latin typeface="Consolas" panose="020B0609020204030204" pitchFamily="49" charset="0"/>
+              </a:rPr>
+              <a:t>  </a:t>
+            </a:r>
+            <a:r>
+              <a:rPr lang="en-US" sz="1200">
+                <a:solidFill>
+                  <a:srgbClr val="0000CD"/>
+                </a:solidFill>
+                <a:latin typeface="Consolas" panose="020B0609020204030204" pitchFamily="49" charset="0"/>
+              </a:rPr>
+              <a:t>&lt;</a:t>
+            </a:r>
+            <a:r>
+              <a:rPr lang="en-US" sz="1200" err="1">
+                <a:solidFill>
+                  <a:srgbClr val="A52A2A"/>
+                </a:solidFill>
+                <a:latin typeface="Consolas" panose="020B0609020204030204" pitchFamily="49" charset="0"/>
+              </a:rPr>
+              <a:t>tr</a:t>
+            </a:r>
+            <a:r>
+              <a:rPr lang="en-US" sz="1200">
+                <a:solidFill>
+                  <a:srgbClr val="0000CD"/>
+                </a:solidFill>
+                <a:latin typeface="Consolas" panose="020B0609020204030204" pitchFamily="49" charset="0"/>
+              </a:rPr>
+              <a:t>&gt;</a:t>
+            </a:r>
+            <a:br>
+              <a:rPr lang="en-US" sz="1200"/>
+            </a:br>
+            <a:r>
+              <a:rPr lang="en-US" sz="1200">
+                <a:solidFill>
+                  <a:srgbClr val="000000"/>
+                </a:solidFill>
+                <a:latin typeface="Consolas" panose="020B0609020204030204" pitchFamily="49" charset="0"/>
+              </a:rPr>
+              <a:t>    </a:t>
+            </a:r>
+            <a:r>
+              <a:rPr lang="en-US" sz="1200">
+                <a:solidFill>
+                  <a:srgbClr val="0000CD"/>
+                </a:solidFill>
+                <a:latin typeface="Consolas" panose="020B0609020204030204" pitchFamily="49" charset="0"/>
+              </a:rPr>
+              <a:t>&lt;</a:t>
+            </a:r>
+            <a:r>
+              <a:rPr lang="en-US" sz="1200">
+                <a:solidFill>
+                  <a:srgbClr val="A52A2A"/>
+                </a:solidFill>
+                <a:latin typeface="Consolas" panose="020B0609020204030204" pitchFamily="49" charset="0"/>
+              </a:rPr>
+              <a:t>td</a:t>
+            </a:r>
+            <a:r>
+              <a:rPr lang="en-US" sz="1200">
+                <a:solidFill>
+                  <a:srgbClr val="0000CD"/>
+                </a:solidFill>
+                <a:latin typeface="Consolas" panose="020B0609020204030204" pitchFamily="49" charset="0"/>
+              </a:rPr>
+              <a:t>&gt;</a:t>
+            </a:r>
+            <a:r>
+              <a:rPr lang="en-US" sz="1200">
+                <a:solidFill>
+                  <a:srgbClr val="000000"/>
+                </a:solidFill>
+                <a:latin typeface="Consolas" panose="020B0609020204030204" pitchFamily="49" charset="0"/>
+              </a:rPr>
+              <a:t>Apples</a:t>
+            </a:r>
+            <a:r>
+              <a:rPr lang="en-US" sz="1200">
+                <a:solidFill>
+                  <a:srgbClr val="0000CD"/>
+                </a:solidFill>
+                <a:latin typeface="Consolas" panose="020B0609020204030204" pitchFamily="49" charset="0"/>
+              </a:rPr>
+              <a:t>&lt;</a:t>
+            </a:r>
+            <a:r>
+              <a:rPr lang="en-US" sz="1200">
+                <a:solidFill>
+                  <a:srgbClr val="A52A2A"/>
+                </a:solidFill>
+                <a:latin typeface="Consolas" panose="020B0609020204030204" pitchFamily="49" charset="0"/>
+              </a:rPr>
+              <a:t>/td</a:t>
+            </a:r>
+            <a:r>
+              <a:rPr lang="en-US" sz="1200">
+                <a:solidFill>
+                  <a:srgbClr val="0000CD"/>
+                </a:solidFill>
+                <a:latin typeface="Consolas" panose="020B0609020204030204" pitchFamily="49" charset="0"/>
+              </a:rPr>
+              <a:t>&gt;</a:t>
+            </a:r>
+            <a:br>
+              <a:rPr lang="en-US" sz="1200"/>
+            </a:br>
+            <a:r>
+              <a:rPr lang="en-US" sz="1200">
+                <a:solidFill>
+                  <a:srgbClr val="000000"/>
+                </a:solidFill>
+                <a:latin typeface="Consolas" panose="020B0609020204030204" pitchFamily="49" charset="0"/>
+              </a:rPr>
+              <a:t>    </a:t>
+            </a:r>
+            <a:r>
+              <a:rPr lang="en-US" sz="1200">
+                <a:solidFill>
+                  <a:srgbClr val="0000CD"/>
+                </a:solidFill>
+                <a:latin typeface="Consolas" panose="020B0609020204030204" pitchFamily="49" charset="0"/>
+              </a:rPr>
+              <a:t>&lt;</a:t>
+            </a:r>
+            <a:r>
+              <a:rPr lang="en-US" sz="1200">
+                <a:solidFill>
+                  <a:srgbClr val="A52A2A"/>
+                </a:solidFill>
+                <a:latin typeface="Consolas" panose="020B0609020204030204" pitchFamily="49" charset="0"/>
+              </a:rPr>
+              <a:t>td</a:t>
+            </a:r>
+            <a:r>
+              <a:rPr lang="en-US" sz="1200">
+                <a:solidFill>
+                  <a:srgbClr val="0000CD"/>
+                </a:solidFill>
+                <a:latin typeface="Consolas" panose="020B0609020204030204" pitchFamily="49" charset="0"/>
+              </a:rPr>
+              <a:t>&gt;</a:t>
+            </a:r>
+            <a:r>
+              <a:rPr lang="en-US" sz="1200">
+                <a:solidFill>
+                  <a:srgbClr val="000000"/>
+                </a:solidFill>
+                <a:latin typeface="Consolas" panose="020B0609020204030204" pitchFamily="49" charset="0"/>
+              </a:rPr>
+              <a:t>Bananas</a:t>
+            </a:r>
+            <a:r>
+              <a:rPr lang="en-US" sz="1200">
+                <a:solidFill>
+                  <a:srgbClr val="0000CD"/>
+                </a:solidFill>
+                <a:latin typeface="Consolas" panose="020B0609020204030204" pitchFamily="49" charset="0"/>
+              </a:rPr>
+              <a:t>&lt;</a:t>
+            </a:r>
+            <a:r>
+              <a:rPr lang="en-US" sz="1200">
+                <a:solidFill>
+                  <a:srgbClr val="A52A2A"/>
+                </a:solidFill>
+                <a:latin typeface="Consolas" panose="020B0609020204030204" pitchFamily="49" charset="0"/>
+              </a:rPr>
+              <a:t>/td</a:t>
+            </a:r>
+            <a:r>
+              <a:rPr lang="en-US" sz="1200">
+                <a:solidFill>
+                  <a:srgbClr val="0000CD"/>
+                </a:solidFill>
+                <a:latin typeface="Consolas" panose="020B0609020204030204" pitchFamily="49" charset="0"/>
+              </a:rPr>
+              <a:t>&gt;</a:t>
+            </a:r>
+            <a:br>
+              <a:rPr lang="en-US" sz="1200"/>
+            </a:br>
+            <a:r>
+              <a:rPr lang="en-US" sz="1200">
+                <a:solidFill>
+                  <a:srgbClr val="000000"/>
+                </a:solidFill>
+                <a:latin typeface="Consolas" panose="020B0609020204030204" pitchFamily="49" charset="0"/>
+              </a:rPr>
+              <a:t>  </a:t>
+            </a:r>
+            <a:r>
+              <a:rPr lang="en-US" sz="1200">
+                <a:solidFill>
+                  <a:srgbClr val="0000CD"/>
+                </a:solidFill>
+                <a:latin typeface="Consolas" panose="020B0609020204030204" pitchFamily="49" charset="0"/>
+              </a:rPr>
+              <a:t>&lt;</a:t>
+            </a:r>
+            <a:r>
+              <a:rPr lang="en-US" sz="1200">
+                <a:solidFill>
+                  <a:srgbClr val="A52A2A"/>
+                </a:solidFill>
+                <a:latin typeface="Consolas" panose="020B0609020204030204" pitchFamily="49" charset="0"/>
+              </a:rPr>
+              <a:t>/</a:t>
+            </a:r>
+            <a:r>
+              <a:rPr lang="en-US" sz="1200" err="1">
+                <a:solidFill>
+                  <a:srgbClr val="A52A2A"/>
+                </a:solidFill>
+                <a:latin typeface="Consolas" panose="020B0609020204030204" pitchFamily="49" charset="0"/>
+              </a:rPr>
+              <a:t>tr</a:t>
+            </a:r>
+            <a:r>
+              <a:rPr lang="en-US" sz="1200">
+                <a:solidFill>
+                  <a:srgbClr val="0000CD"/>
+                </a:solidFill>
+                <a:latin typeface="Consolas" panose="020B0609020204030204" pitchFamily="49" charset="0"/>
+              </a:rPr>
+              <a:t>&gt;</a:t>
+            </a:r>
+            <a:br>
+              <a:rPr lang="en-US" sz="1200"/>
+            </a:br>
+            <a:r>
+              <a:rPr lang="en-US" sz="1200">
+                <a:solidFill>
+                  <a:srgbClr val="0000CD"/>
+                </a:solidFill>
+                <a:latin typeface="Consolas" panose="020B0609020204030204" pitchFamily="49" charset="0"/>
+              </a:rPr>
+              <a:t>&lt;</a:t>
+            </a:r>
+            <a:r>
+              <a:rPr lang="en-US" sz="1200">
+                <a:solidFill>
+                  <a:srgbClr val="A52A2A"/>
+                </a:solidFill>
+                <a:latin typeface="Consolas" panose="020B0609020204030204" pitchFamily="49" charset="0"/>
+              </a:rPr>
+              <a:t>/table</a:t>
+            </a:r>
+            <a:r>
+              <a:rPr lang="en-US" sz="1200">
+                <a:solidFill>
+                  <a:srgbClr val="0000CD"/>
+                </a:solidFill>
+                <a:latin typeface="Consolas" panose="020B0609020204030204" pitchFamily="49" charset="0"/>
+              </a:rPr>
+              <a:t>&gt;</a:t>
+            </a:r>
+            <a:endParaRPr lang="en-US" sz="1200"/>
+          </a:p>
+        </p:txBody>
+      </p:sp>
+      <p:sp>
+        <p:nvSpPr>
+          <p:cNvPr id="10" name="Rectangle 9"/>
+          <p:cNvSpPr/>
+          <p:nvPr/>
+        </p:nvSpPr>
+        <p:spPr>
+          <a:xfrm>
+            <a:off x="445477" y="3759718"/>
+            <a:ext cx="2290428" cy="1200329"/>
+          </a:xfrm>
+          <a:prstGeom prst="rect">
+            <a:avLst/>
+          </a:prstGeom>
+        </p:spPr>
+        <p:txBody>
+          <a:bodyPr wrap="square">
+            <a:spAutoFit/>
+          </a:bodyPr>
+          <a:lstStyle/>
+          <a:p>
+            <a:r>
+              <a:rPr lang="en-US" sz="1200">
+                <a:solidFill>
+                  <a:srgbClr val="0000CD"/>
+                </a:solidFill>
+                <a:latin typeface="Consolas" panose="020B0609020204030204" pitchFamily="49" charset="0"/>
+              </a:rPr>
+              <a:t>&lt;</a:t>
+            </a:r>
+            <a:r>
+              <a:rPr lang="en-US" sz="1200">
+                <a:solidFill>
+                  <a:srgbClr val="A52A2A"/>
+                </a:solidFill>
+                <a:latin typeface="Consolas" panose="020B0609020204030204" pitchFamily="49" charset="0"/>
+              </a:rPr>
+              <a:t>table</a:t>
+            </a:r>
+            <a:r>
+              <a:rPr lang="en-US" sz="1200">
+                <a:solidFill>
+                  <a:srgbClr val="0000CD"/>
+                </a:solidFill>
+                <a:latin typeface="Consolas" panose="020B0609020204030204" pitchFamily="49" charset="0"/>
+              </a:rPr>
+              <a:t>&gt;</a:t>
+            </a:r>
+            <a:br>
+              <a:rPr lang="en-US" sz="1200"/>
+            </a:br>
+            <a:r>
+              <a:rPr lang="en-US" sz="1200">
+                <a:solidFill>
+                  <a:srgbClr val="000000"/>
+                </a:solidFill>
+                <a:latin typeface="Consolas" panose="020B0609020204030204" pitchFamily="49" charset="0"/>
+              </a:rPr>
+              <a:t>  </a:t>
+            </a:r>
+            <a:r>
+              <a:rPr lang="en-US" sz="1200">
+                <a:solidFill>
+                  <a:srgbClr val="0000CD"/>
+                </a:solidFill>
+                <a:latin typeface="Consolas" panose="020B0609020204030204" pitchFamily="49" charset="0"/>
+              </a:rPr>
+              <a:t>&lt;</a:t>
+            </a:r>
+            <a:r>
+              <a:rPr lang="en-US" sz="1200">
+                <a:solidFill>
+                  <a:srgbClr val="A52A2A"/>
+                </a:solidFill>
+                <a:latin typeface="Consolas" panose="020B0609020204030204" pitchFamily="49" charset="0"/>
+              </a:rPr>
+              <a:t>name</a:t>
+            </a:r>
+            <a:r>
+              <a:rPr lang="en-US" sz="1200">
+                <a:solidFill>
+                  <a:srgbClr val="0000CD"/>
+                </a:solidFill>
+                <a:latin typeface="Consolas" panose="020B0609020204030204" pitchFamily="49" charset="0"/>
+              </a:rPr>
+              <a:t>&gt;</a:t>
+            </a:r>
+            <a:r>
+              <a:rPr lang="en-US" sz="1200">
+                <a:solidFill>
+                  <a:srgbClr val="000000"/>
+                </a:solidFill>
+                <a:latin typeface="Consolas" panose="020B0609020204030204" pitchFamily="49" charset="0"/>
+              </a:rPr>
+              <a:t>African Coffee Table</a:t>
+            </a:r>
+            <a:r>
+              <a:rPr lang="en-US" sz="1200">
+                <a:solidFill>
+                  <a:srgbClr val="0000CD"/>
+                </a:solidFill>
+                <a:latin typeface="Consolas" panose="020B0609020204030204" pitchFamily="49" charset="0"/>
+              </a:rPr>
+              <a:t>&lt;</a:t>
+            </a:r>
+            <a:r>
+              <a:rPr lang="en-US" sz="1200">
+                <a:solidFill>
+                  <a:srgbClr val="A52A2A"/>
+                </a:solidFill>
+                <a:latin typeface="Consolas" panose="020B0609020204030204" pitchFamily="49" charset="0"/>
+              </a:rPr>
+              <a:t>/name</a:t>
+            </a:r>
+            <a:r>
+              <a:rPr lang="en-US" sz="1200">
+                <a:solidFill>
+                  <a:srgbClr val="0000CD"/>
+                </a:solidFill>
+                <a:latin typeface="Consolas" panose="020B0609020204030204" pitchFamily="49" charset="0"/>
+              </a:rPr>
+              <a:t>&gt;</a:t>
+            </a:r>
+            <a:br>
+              <a:rPr lang="en-US" sz="1200"/>
+            </a:br>
+            <a:r>
+              <a:rPr lang="en-US" sz="1200">
+                <a:solidFill>
+                  <a:srgbClr val="000000"/>
+                </a:solidFill>
+                <a:latin typeface="Consolas" panose="020B0609020204030204" pitchFamily="49" charset="0"/>
+              </a:rPr>
+              <a:t>  </a:t>
+            </a:r>
+            <a:r>
+              <a:rPr lang="en-US" sz="1200">
+                <a:solidFill>
+                  <a:srgbClr val="0000CD"/>
+                </a:solidFill>
+                <a:latin typeface="Consolas" panose="020B0609020204030204" pitchFamily="49" charset="0"/>
+              </a:rPr>
+              <a:t>&lt;</a:t>
+            </a:r>
+            <a:r>
+              <a:rPr lang="en-US" sz="1200">
+                <a:solidFill>
+                  <a:srgbClr val="A52A2A"/>
+                </a:solidFill>
+                <a:latin typeface="Consolas" panose="020B0609020204030204" pitchFamily="49" charset="0"/>
+              </a:rPr>
+              <a:t>width</a:t>
+            </a:r>
+            <a:r>
+              <a:rPr lang="en-US" sz="1200">
+                <a:solidFill>
+                  <a:srgbClr val="0000CD"/>
+                </a:solidFill>
+                <a:latin typeface="Consolas" panose="020B0609020204030204" pitchFamily="49" charset="0"/>
+              </a:rPr>
+              <a:t>&gt;</a:t>
+            </a:r>
+            <a:r>
+              <a:rPr lang="en-US" sz="1200">
+                <a:solidFill>
+                  <a:srgbClr val="000000"/>
+                </a:solidFill>
+                <a:latin typeface="Consolas" panose="020B0609020204030204" pitchFamily="49" charset="0"/>
+              </a:rPr>
+              <a:t>80</a:t>
+            </a:r>
+            <a:r>
+              <a:rPr lang="en-US" sz="1200">
+                <a:solidFill>
+                  <a:srgbClr val="0000CD"/>
+                </a:solidFill>
+                <a:latin typeface="Consolas" panose="020B0609020204030204" pitchFamily="49" charset="0"/>
+              </a:rPr>
+              <a:t>&lt;</a:t>
+            </a:r>
+            <a:r>
+              <a:rPr lang="en-US" sz="1200">
+                <a:solidFill>
+                  <a:srgbClr val="A52A2A"/>
+                </a:solidFill>
+                <a:latin typeface="Consolas" panose="020B0609020204030204" pitchFamily="49" charset="0"/>
+              </a:rPr>
+              <a:t>/width</a:t>
+            </a:r>
+            <a:r>
+              <a:rPr lang="en-US" sz="1200">
+                <a:solidFill>
+                  <a:srgbClr val="0000CD"/>
+                </a:solidFill>
+                <a:latin typeface="Consolas" panose="020B0609020204030204" pitchFamily="49" charset="0"/>
+              </a:rPr>
+              <a:t>&gt;</a:t>
+            </a:r>
+            <a:br>
+              <a:rPr lang="en-US" sz="1200"/>
+            </a:br>
+            <a:r>
+              <a:rPr lang="en-US" sz="1200">
+                <a:solidFill>
+                  <a:srgbClr val="000000"/>
+                </a:solidFill>
+                <a:latin typeface="Consolas" panose="020B0609020204030204" pitchFamily="49" charset="0"/>
+              </a:rPr>
+              <a:t>  </a:t>
+            </a:r>
+            <a:r>
+              <a:rPr lang="en-US" sz="1200">
+                <a:solidFill>
+                  <a:srgbClr val="0000CD"/>
+                </a:solidFill>
+                <a:latin typeface="Consolas" panose="020B0609020204030204" pitchFamily="49" charset="0"/>
+              </a:rPr>
+              <a:t>&lt;</a:t>
+            </a:r>
+            <a:r>
+              <a:rPr lang="en-US" sz="1200">
+                <a:solidFill>
+                  <a:srgbClr val="A52A2A"/>
+                </a:solidFill>
+                <a:latin typeface="Consolas" panose="020B0609020204030204" pitchFamily="49" charset="0"/>
+              </a:rPr>
+              <a:t>length</a:t>
+            </a:r>
+            <a:r>
+              <a:rPr lang="en-US" sz="1200">
+                <a:solidFill>
+                  <a:srgbClr val="0000CD"/>
+                </a:solidFill>
+                <a:latin typeface="Consolas" panose="020B0609020204030204" pitchFamily="49" charset="0"/>
+              </a:rPr>
+              <a:t>&gt;</a:t>
+            </a:r>
+            <a:r>
+              <a:rPr lang="en-US" sz="1200">
+                <a:solidFill>
+                  <a:srgbClr val="000000"/>
+                </a:solidFill>
+                <a:latin typeface="Consolas" panose="020B0609020204030204" pitchFamily="49" charset="0"/>
+              </a:rPr>
+              <a:t>120</a:t>
+            </a:r>
+            <a:r>
+              <a:rPr lang="en-US" sz="1200">
+                <a:solidFill>
+                  <a:srgbClr val="0000CD"/>
+                </a:solidFill>
+                <a:latin typeface="Consolas" panose="020B0609020204030204" pitchFamily="49" charset="0"/>
+              </a:rPr>
+              <a:t>&lt;</a:t>
+            </a:r>
+            <a:r>
+              <a:rPr lang="en-US" sz="1200">
+                <a:solidFill>
+                  <a:srgbClr val="A52A2A"/>
+                </a:solidFill>
+                <a:latin typeface="Consolas" panose="020B0609020204030204" pitchFamily="49" charset="0"/>
+              </a:rPr>
+              <a:t>/length</a:t>
+            </a:r>
+            <a:r>
+              <a:rPr lang="en-US" sz="1200">
+                <a:solidFill>
+                  <a:srgbClr val="0000CD"/>
+                </a:solidFill>
+                <a:latin typeface="Consolas" panose="020B0609020204030204" pitchFamily="49" charset="0"/>
+              </a:rPr>
+              <a:t>&gt;</a:t>
+            </a:r>
+            <a:br>
+              <a:rPr lang="en-US" sz="1200"/>
+            </a:br>
+            <a:r>
+              <a:rPr lang="en-US" sz="1200">
+                <a:solidFill>
+                  <a:srgbClr val="0000CD"/>
+                </a:solidFill>
+                <a:latin typeface="Consolas" panose="020B0609020204030204" pitchFamily="49" charset="0"/>
+              </a:rPr>
+              <a:t>&lt;</a:t>
+            </a:r>
+            <a:r>
+              <a:rPr lang="en-US" sz="1200">
+                <a:solidFill>
+                  <a:srgbClr val="A52A2A"/>
+                </a:solidFill>
+                <a:latin typeface="Consolas" panose="020B0609020204030204" pitchFamily="49" charset="0"/>
+              </a:rPr>
+              <a:t>/table</a:t>
+            </a:r>
+            <a:endParaRPr lang="en-US" sz="1200"/>
+          </a:p>
+        </p:txBody>
+      </p:sp>
+    </p:spTree>
+    <p:extLst>
+      <p:ext uri="{BB962C8B-B14F-4D97-AF65-F5344CB8AC3E}">
+        <p14:creationId xmlns:p14="http://schemas.microsoft.com/office/powerpoint/2010/main" val="2014149104"/>
+      </p:ext>
+    </p:extLst>
+  </p:cSld>
+  <p:clrMapOvr>
+    <a:masterClrMapping/>
+  </p:clrMapOvr>
+</p:sld>
+</file>
+
+<file path=ppt/slides/slide11.xml><?xml version="1.0" encoding="utf-8"?>
+<p:sld xmlns:a="http://schemas.openxmlformats.org/drawingml/2006/main" xmlns:r="http://schemas.openxmlformats.org/officeDocument/2006/relationships" xmlns:p="http://schemas.openxmlformats.org/presentationml/2006/main">
+  <p:cSld>
+    <p:spTree>
+      <p:nvGrpSpPr>
+        <p:cNvPr id="1" name=""/>
+        <p:cNvGrpSpPr/>
+        <p:nvPr/>
+      </p:nvGrpSpPr>
+      <p:grpSpPr>
+        <a:xfrm>
+          <a:off x="0" y="0"/>
+          <a:ext cx="0" cy="0"/>
+          <a:chOff x="0" y="0"/>
+          <a:chExt cx="0" cy="0"/>
+        </a:xfrm>
+      </p:grpSpPr>
+      <p:sp>
+        <p:nvSpPr>
+          <p:cNvPr id="2" name="Title 1"/>
+          <p:cNvSpPr>
+            <a:spLocks noGrp="1"/>
+          </p:cNvSpPr>
+          <p:nvPr>
+            <p:ph type="title"/>
+          </p:nvPr>
+        </p:nvSpPr>
+        <p:spPr/>
+        <p:txBody>
+          <a:bodyPr/>
+          <a:lstStyle/>
+          <a:p>
+            <a:r>
+              <a:rPr lang="en-US">
+                <a:solidFill>
+                  <a:srgbClr val="FF0000"/>
+                </a:solidFill>
+              </a:rPr>
+              <a:t>val</a:t>
+            </a:r>
+            <a:r>
+              <a:rPr lang="en-US"/>
+              <a:t>idating XML documents</a:t>
+            </a:r>
+          </a:p>
+        </p:txBody>
+      </p:sp>
+      <p:sp>
+        <p:nvSpPr>
+          <p:cNvPr id="3" name="Text Placeholder 2"/>
+          <p:cNvSpPr>
+            <a:spLocks noGrp="1"/>
+          </p:cNvSpPr>
+          <p:nvPr>
+            <p:ph type="body" idx="1"/>
+          </p:nvPr>
+        </p:nvSpPr>
+        <p:spPr/>
+        <p:txBody>
+          <a:bodyPr/>
+          <a:lstStyle/>
+          <a:p>
+            <a:endParaRPr lang="en-US"/>
+          </a:p>
+        </p:txBody>
+      </p:sp>
+    </p:spTree>
+    <p:extLst>
+      <p:ext uri="{BB962C8B-B14F-4D97-AF65-F5344CB8AC3E}">
+        <p14:creationId xmlns:p14="http://schemas.microsoft.com/office/powerpoint/2010/main" val="1702509024"/>
+      </p:ext>
+    </p:extLst>
+  </p:cSld>
+  <p:clrMapOvr>
+    <a:masterClrMapping/>
+  </p:clrMapOvr>
+</p:sld>
+</file>
+
+<file path=ppt/slides/slide12.xml><?xml version="1.0" encoding="utf-8"?>
 <p:sld xmlns:a="http://schemas.openxmlformats.org/drawingml/2006/main" xmlns:r="http://schemas.openxmlformats.org/officeDocument/2006/relationships" xmlns:p="http://schemas.openxmlformats.org/presentationml/2006/main">
   <p:cSld>
     <p:spTree>
@@ -6467,7 +7765,7 @@
 </p:sld>
 </file>
 
-<file path=ppt/slides/slide11.xml><?xml version="1.0" encoding="utf-8"?>
+<file path=ppt/slides/slide13.xml><?xml version="1.0" encoding="utf-8"?>
 <p:sld xmlns:a="http://schemas.openxmlformats.org/drawingml/2006/main" xmlns:r="http://schemas.openxmlformats.org/officeDocument/2006/relationships" xmlns:p="http://schemas.openxmlformats.org/presentationml/2006/main">
   <p:cSld>
     <p:spTree>
@@ -6500,11 +7798,11 @@
           <a:lstStyle/>
           <a:p>
             <a:r>
-              <a:rPr lang="en-US" dirty="0" smtClean="0"/>
+              <a:rPr lang="en-US"/>
               <a:t>Display </a:t>
             </a:r>
             <a:r>
-              <a:rPr lang="en-US" dirty="0">
+              <a:rPr lang="en-US">
                 <a:solidFill>
                   <a:srgbClr val="FF0000"/>
                 </a:solidFill>
@@ -6512,14 +7810,10 @@
               <a:t>el</a:t>
             </a:r>
             <a:r>
-              <a:rPr lang="en-US" dirty="0"/>
-              <a:t>ement structure of XML </a:t>
-            </a:r>
-            <a:r>
-              <a:rPr lang="en-US" dirty="0" smtClean="0"/>
-              <a:t>document </a:t>
-            </a:r>
-            <a:endParaRPr lang="en-US" dirty="0">
+              <a:rPr lang="en-US"/>
+              <a:t>ement structure of XML document </a:t>
+            </a:r>
+            <a:endParaRPr lang="en-US">
               <a:solidFill>
                 <a:srgbClr val="FF0000"/>
               </a:solidFill>
@@ -6543,10 +7837,9 @@
           <a:lstStyle/>
           <a:p>
             <a:r>
-              <a:rPr lang="en-US" dirty="0" smtClean="0"/>
+              <a:rPr lang="en-US"/>
               <a:t>or elements</a:t>
             </a:r>
-            <a:endParaRPr lang="en-US" dirty="0"/>
           </a:p>
         </p:txBody>
       </p:sp>
@@ -6563,7 +7856,7 @@
 </p:sld>
 </file>
 
-<file path=ppt/slides/slide12.xml><?xml version="1.0" encoding="utf-8"?>
+<file path=ppt/slides/slide14.xml><?xml version="1.0" encoding="utf-8"?>
 <p:sld xmlns:a="http://schemas.openxmlformats.org/drawingml/2006/main" xmlns:r="http://schemas.openxmlformats.org/officeDocument/2006/relationships" xmlns:p="http://schemas.openxmlformats.org/presentationml/2006/main">
   <p:cSld>
     <p:spTree>
@@ -6636,32 +7929,16 @@
               <a:buChar char="•"/>
             </a:pPr>
             <a:r>
-              <a:rPr lang="en-US" dirty="0">
+              <a:rPr lang="en-US">
                 <a:solidFill>
                   <a:srgbClr val="FF0000"/>
                 </a:solidFill>
               </a:rPr>
-              <a:t> </a:t>
-            </a:r>
-            <a:r>
-              <a:rPr lang="en-US" dirty="0" smtClean="0">
-                <a:solidFill>
-                  <a:srgbClr val="FF0000"/>
-                </a:solidFill>
-              </a:rPr>
-              <a:t>el: </a:t>
-            </a:r>
-            <a:r>
-              <a:rPr lang="en-US" dirty="0" smtClean="0"/>
-              <a:t> </a:t>
-            </a:r>
-            <a:r>
-              <a:rPr lang="en-US" dirty="0"/>
-              <a:t>Display element structure of XML </a:t>
-            </a:r>
-            <a:r>
-              <a:rPr lang="en-US" dirty="0" smtClean="0"/>
-              <a:t>document</a:t>
+              <a:t> el: </a:t>
+            </a:r>
+            <a:r>
+              <a:rPr lang="en-US"/>
+              <a:t> Display element structure of XML document</a:t>
             </a:r>
           </a:p>
           <a:p>
@@ -6670,28 +7947,16 @@
               <a:buChar char="•"/>
             </a:pPr>
             <a:r>
-              <a:rPr lang="en-US" dirty="0">
+              <a:rPr lang="en-US">
                 <a:solidFill>
                   <a:srgbClr val="FF0000"/>
                 </a:solidFill>
               </a:rPr>
-              <a:t>-</a:t>
-            </a:r>
-            <a:r>
-              <a:rPr lang="en-US" dirty="0" smtClean="0">
-                <a:solidFill>
-                  <a:srgbClr val="FF0000"/>
-                </a:solidFill>
-              </a:rPr>
-              <a:t>u</a:t>
-            </a:r>
-            <a:r>
-              <a:rPr lang="en-US" dirty="0" smtClean="0"/>
-              <a:t>:   print </a:t>
-            </a:r>
-            <a:r>
-              <a:rPr lang="en-US" dirty="0"/>
-              <a:t>out sorted unique lines</a:t>
+              <a:t>-u</a:t>
+            </a:r>
+            <a:r>
+              <a:rPr lang="en-US"/>
+              <a:t>:   print out sorted unique lines</a:t>
             </a:r>
           </a:p>
         </p:txBody>
@@ -6815,22 +8080,17 @@
           </a:lstStyle>
           <a:p>
             <a:r>
-              <a:rPr lang="en-US" dirty="0" smtClean="0"/>
+              <a:rPr lang="en-US"/>
               <a:t>Show the element structure of </a:t>
             </a:r>
             <a:r>
-              <a:rPr lang="en-US" i="1" dirty="0" smtClean="0">
+              <a:rPr lang="en-US" i="1">
                 <a:solidFill>
                   <a:srgbClr val="007DB5"/>
                 </a:solidFill>
               </a:rPr>
               <a:t>SecurityEvt.xml</a:t>
             </a:r>
-            <a:endParaRPr lang="en-US" i="1" dirty="0">
-              <a:solidFill>
-                <a:srgbClr val="007DB5"/>
-              </a:solidFill>
-            </a:endParaRPr>
           </a:p>
         </p:txBody>
       </p:sp>
@@ -6847,7 +8107,7 @@
 </p:sld>
 </file>
 
-<file path=ppt/slides/slide13.xml><?xml version="1.0" encoding="utf-8"?>
+<file path=ppt/slides/slide15.xml><?xml version="1.0" encoding="utf-8"?>
 <p:sld xmlns:a="http://schemas.openxmlformats.org/drawingml/2006/main" xmlns:r="http://schemas.openxmlformats.org/officeDocument/2006/relationships" xmlns:p="http://schemas.openxmlformats.org/presentationml/2006/main">
   <p:cSld>
     <p:spTree>
@@ -6901,7 +8161,7 @@
 </p:sld>
 </file>
 
-<file path=ppt/slides/slide14.xml><?xml version="1.0" encoding="utf-8"?>
+<file path=ppt/slides/slide16.xml><?xml version="1.0" encoding="utf-8"?>
 <p:sld xmlns:a="http://schemas.openxmlformats.org/drawingml/2006/main" xmlns:r="http://schemas.openxmlformats.org/officeDocument/2006/relationships" xmlns:p="http://schemas.openxmlformats.org/presentationml/2006/main">
   <p:cSld>
     <p:spTree>
@@ -6970,28 +8230,16 @@
           <a:lstStyle/>
           <a:p>
             <a:r>
-              <a:rPr lang="en-US" sz="2400" dirty="0">
+              <a:rPr lang="en-US" sz="2400">
                 <a:solidFill>
                   <a:srgbClr val="FF0000"/>
                 </a:solidFill>
               </a:rPr>
-              <a:t>-</a:t>
-            </a:r>
-            <a:r>
-              <a:rPr lang="en-US" sz="2400" dirty="0" smtClean="0">
-                <a:solidFill>
-                  <a:srgbClr val="FF0000"/>
-                </a:solidFill>
-              </a:rPr>
-              <a:t>a</a:t>
-            </a:r>
-            <a:r>
-              <a:rPr lang="en-US" dirty="0" smtClean="0"/>
-              <a:t>: show </a:t>
-            </a:r>
-            <a:r>
-              <a:rPr lang="en-US" dirty="0"/>
-              <a:t>attributes</a:t>
+              <a:t>-a</a:t>
+            </a:r>
+            <a:r>
+              <a:rPr lang="en-US"/>
+              <a:t>: show attributes</a:t>
             </a:r>
           </a:p>
         </p:txBody>
@@ -7115,38 +8363,17 @@
           </a:lstStyle>
           <a:p>
             <a:r>
-              <a:rPr lang="en-US" dirty="0" smtClean="0"/>
-              <a:t>Show the </a:t>
-            </a:r>
-            <a:r>
-              <a:rPr lang="en-US" smtClean="0"/>
-              <a:t>element </a:t>
-            </a:r>
-            <a:r>
-              <a:rPr lang="en-US" smtClean="0"/>
-              <a:t>(attributes) </a:t>
-            </a:r>
-            <a:r>
-              <a:rPr lang="en-US" dirty="0" smtClean="0"/>
-              <a:t>structure </a:t>
-            </a:r>
-            <a:r>
-              <a:rPr lang="en-US" dirty="0" smtClean="0"/>
-              <a:t>of </a:t>
-            </a:r>
-            <a:r>
-              <a:rPr lang="en-US" i="1" dirty="0" smtClean="0">
+              <a:rPr lang="en-US"/>
+              <a:t>Show the element (attributes) structure of </a:t>
+            </a:r>
+            <a:r>
+              <a:rPr lang="en-US" i="1">
                 <a:solidFill>
                   <a:srgbClr val="007DB5"/>
                 </a:solidFill>
               </a:rPr>
               <a:t>SecurityEvt.xml</a:t>
             </a:r>
-            <a:endParaRPr lang="en-US" i="1" dirty="0">
-              <a:solidFill>
-                <a:srgbClr val="007DB5"/>
-              </a:solidFill>
-            </a:endParaRPr>
           </a:p>
         </p:txBody>
       </p:sp>
@@ -7163,7 +8390,7 @@
 </p:sld>
 </file>
 
-<file path=ppt/slides/slide15.xml><?xml version="1.0" encoding="utf-8"?>
+<file path=ppt/slides/slide17.xml><?xml version="1.0" encoding="utf-8"?>
 <p:sld xmlns:a="http://schemas.openxmlformats.org/drawingml/2006/main" xmlns:r="http://schemas.openxmlformats.org/officeDocument/2006/relationships" xmlns:p="http://schemas.openxmlformats.org/presentationml/2006/main">
   <p:cSld>
     <p:spTree>
@@ -7232,7 +8459,7 @@
           <a:lstStyle/>
           <a:p>
             <a:r>
-              <a:rPr lang="en-US" sz="2000" dirty="0">
+              <a:rPr lang="en-US" sz="2000">
                 <a:solidFill>
                   <a:srgbClr val="FF0000"/>
                 </a:solidFill>
@@ -7240,11 +8467,11 @@
               <a:t>-v </a:t>
             </a:r>
             <a:r>
-              <a:rPr lang="en-US" sz="2000" dirty="0" smtClean="0"/>
+              <a:rPr lang="en-US" sz="2000"/>
               <a:t>: </a:t>
             </a:r>
             <a:r>
-              <a:rPr lang="en-US" sz="2000" dirty="0" smtClean="0">
+              <a:rPr lang="en-US" sz="2000">
                 <a:solidFill>
                   <a:srgbClr val="FF0000"/>
                 </a:solidFill>
@@ -7252,12 +8479,8 @@
               <a:t> </a:t>
             </a:r>
             <a:r>
-              <a:rPr lang="en-US" sz="2000" dirty="0" smtClean="0"/>
-              <a:t> </a:t>
-            </a:r>
-            <a:r>
-              <a:rPr lang="en-US" sz="2000" dirty="0"/>
-              <a:t>show attributes and their values</a:t>
+              <a:rPr lang="en-US" sz="2000"/>
+              <a:t> show attributes and their values</a:t>
             </a:r>
           </a:p>
         </p:txBody>
@@ -7381,10 +8604,10 @@
           </a:lstStyle>
           <a:p>
             <a:r>
-              <a:rPr lang="en-US" dirty="0" smtClean="0"/>
+              <a:rPr lang="en-US"/>
               <a:t>Show element attributes and their values</a:t>
             </a:r>
-            <a:endParaRPr lang="en-US" i="1" dirty="0">
+            <a:endParaRPr lang="en-US" i="1">
               <a:solidFill>
                 <a:srgbClr val="007DB5"/>
               </a:solidFill>
@@ -7405,7 +8628,7 @@
 </p:sld>
 </file>
 
-<file path=ppt/slides/slide16.xml><?xml version="1.0" encoding="utf-8"?>
+<file path=ppt/slides/slide18.xml><?xml version="1.0" encoding="utf-8"?>
 <p:sld xmlns:a="http://schemas.openxmlformats.org/drawingml/2006/main" xmlns:r="http://schemas.openxmlformats.org/officeDocument/2006/relationships" xmlns:p="http://schemas.openxmlformats.org/presentationml/2006/main">
   <p:cSld>
     <p:spTree>
@@ -7438,34 +8661,18 @@
           <a:lstStyle/>
           <a:p>
             <a:r>
-              <a:rPr lang="en-US" dirty="0">
+              <a:rPr lang="en-US">
                 <a:solidFill>
                   <a:srgbClr val="FF0000"/>
                 </a:solidFill>
               </a:rPr>
-              <a:t>f</a:t>
-            </a:r>
-            <a:r>
-              <a:rPr lang="en-US" dirty="0" smtClean="0">
-                <a:solidFill>
-                  <a:srgbClr val="FF0000"/>
-                </a:solidFill>
-              </a:rPr>
-              <a:t>o</a:t>
-            </a:r>
-            <a:r>
-              <a:rPr lang="en-US" dirty="0" smtClean="0"/>
-              <a:t>rmat </a:t>
-            </a:r>
-            <a:r>
-              <a:rPr lang="en-US" dirty="0"/>
-              <a:t>XML </a:t>
-            </a:r>
-            <a:r>
-              <a:rPr lang="en-US" dirty="0" smtClean="0"/>
-              <a:t>document</a:t>
-            </a:r>
-            <a:endParaRPr lang="en-US" dirty="0">
+              <a:t>fo</a:t>
+            </a:r>
+            <a:r>
+              <a:rPr lang="en-US"/>
+              <a:t>rmat XML document</a:t>
+            </a:r>
+            <a:endParaRPr lang="en-US">
               <a:solidFill>
                 <a:srgbClr val="FF0000"/>
               </a:solidFill>
@@ -7505,7 +8712,7 @@
 </p:sld>
 </file>
 
-<file path=ppt/slides/slide17.xml><?xml version="1.0" encoding="utf-8"?>
+<file path=ppt/slides/slide19.xml><?xml version="1.0" encoding="utf-8"?>
 <p:sld xmlns:a="http://schemas.openxmlformats.org/drawingml/2006/main" xmlns:r="http://schemas.openxmlformats.org/officeDocument/2006/relationships" xmlns:p="http://schemas.openxmlformats.org/presentationml/2006/main">
   <p:cSld>
     <p:spTree>
@@ -7559,7 +8766,248 @@
 </p:sld>
 </file>
 
-<file path=ppt/slides/slide18.xml><?xml version="1.0" encoding="utf-8"?>
+<file path=ppt/slides/slide2.xml><?xml version="1.0" encoding="utf-8"?>
+<p:sld xmlns:a="http://schemas.openxmlformats.org/drawingml/2006/main" xmlns:r="http://schemas.openxmlformats.org/officeDocument/2006/relationships" xmlns:p="http://schemas.openxmlformats.org/presentationml/2006/main">
+  <p:cSld>
+    <p:spTree>
+      <p:nvGrpSpPr>
+        <p:cNvPr id="1" name=""/>
+        <p:cNvGrpSpPr/>
+        <p:nvPr/>
+      </p:nvGrpSpPr>
+      <p:grpSpPr>
+        <a:xfrm>
+          <a:off x="0" y="0"/>
+          <a:ext cx="0" cy="0"/>
+          <a:chOff x="0" y="0"/>
+          <a:chExt cx="0" cy="0"/>
+        </a:xfrm>
+      </p:grpSpPr>
+      <p:sp>
+        <p:nvSpPr>
+          <p:cNvPr id="2" name="Title 1"/>
+          <p:cNvSpPr>
+            <a:spLocks noGrp="1"/>
+          </p:cNvSpPr>
+          <p:nvPr>
+            <p:ph type="title"/>
+          </p:nvPr>
+        </p:nvSpPr>
+        <p:spPr/>
+        <p:txBody>
+          <a:bodyPr>
+            <a:normAutofit/>
+          </a:bodyPr>
+          <a:lstStyle/>
+          <a:p>
+            <a:r>
+              <a:rPr lang="en-US" sz="2400">
+                <a:solidFill>
+                  <a:srgbClr val="FF0000"/>
+                </a:solidFill>
+              </a:rPr>
+              <a:t>12.</a:t>
+            </a:r>
+            <a:r>
+              <a:rPr lang="en-US" sz="2400"/>
+              <a:t>	List all traces about the system on/off and the user logon/logoff (It should be considered only during a time range between 09:00 and 18:00 in the timezone (Eastern Time) from Question 4.</a:t>
+            </a:r>
+            <a:endParaRPr lang="en-US" sz="2400" dirty="0"/>
+          </a:p>
+        </p:txBody>
+      </p:sp>
+      <p:sp>
+        <p:nvSpPr>
+          <p:cNvPr id="3" name="Content Placeholder 2"/>
+          <p:cNvSpPr>
+            <a:spLocks noGrp="1"/>
+          </p:cNvSpPr>
+          <p:nvPr>
+            <p:ph idx="1"/>
+          </p:nvPr>
+        </p:nvSpPr>
+        <p:spPr>
+          <a:xfrm>
+            <a:off x="838200" y="1825625"/>
+            <a:ext cx="8724089" cy="1816344"/>
+          </a:xfrm>
+        </p:spPr>
+        <p:txBody>
+          <a:bodyPr>
+            <a:normAutofit fontScale="92500" lnSpcReduction="20000"/>
+          </a:bodyPr>
+          <a:lstStyle/>
+          <a:p>
+            <a:r>
+              <a:rPr lang="en-GB" dirty="0"/>
+              <a:t>The Windows event log is a detailed record of system, security and application notifications stored by the Windows</a:t>
+            </a:r>
+          </a:p>
+          <a:p>
+            <a:r>
+              <a:rPr lang="en-GB" dirty="0"/>
+              <a:t>It’s a useful tool for </a:t>
+            </a:r>
+          </a:p>
+          <a:p>
+            <a:pPr lvl="1"/>
+            <a:r>
+              <a:rPr lang="en-GB" dirty="0"/>
+              <a:t>troubleshooting all kinds of different Windows problems</a:t>
+            </a:r>
+          </a:p>
+          <a:p>
+            <a:pPr lvl="1"/>
+            <a:r>
+              <a:rPr lang="en-GB" dirty="0"/>
+              <a:t>forensics analysis </a:t>
+            </a:r>
+          </a:p>
+          <a:p>
+            <a:endParaRPr lang="en-US" dirty="0"/>
+          </a:p>
+        </p:txBody>
+      </p:sp>
+      <p:pic>
+        <p:nvPicPr>
+          <p:cNvPr id="7" name="Picture 6">
+            <a:extLst>
+              <a:ext uri="{FF2B5EF4-FFF2-40B4-BE49-F238E27FC236}">
+                <a16:creationId xmlns:a16="http://schemas.microsoft.com/office/drawing/2014/main" id="{FDDF9C26-00DF-42A2-8222-45044AEC9D64}"/>
+              </a:ext>
+            </a:extLst>
+          </p:cNvPr>
+          <p:cNvPicPr>
+            <a:picLocks noChangeAspect="1"/>
+          </p:cNvPicPr>
+          <p:nvPr/>
+        </p:nvPicPr>
+        <p:blipFill>
+          <a:blip r:embed="rId3"/>
+          <a:stretch>
+            <a:fillRect/>
+          </a:stretch>
+        </p:blipFill>
+        <p:spPr>
+          <a:xfrm>
+            <a:off x="1085278" y="3695923"/>
+            <a:ext cx="1344724" cy="2699097"/>
+          </a:xfrm>
+          <a:prstGeom prst="rect">
+            <a:avLst/>
+          </a:prstGeom>
+          <a:ln>
+            <a:noFill/>
+          </a:ln>
+          <a:effectLst>
+            <a:outerShdw blurRad="292100" dist="139700" dir="2700000" algn="tl" rotWithShape="0">
+              <a:srgbClr val="333333">
+                <a:alpha val="65000"/>
+              </a:srgbClr>
+            </a:outerShdw>
+          </a:effectLst>
+        </p:spPr>
+      </p:pic>
+      <p:sp>
+        <p:nvSpPr>
+          <p:cNvPr id="10" name="Arrow: Right 9">
+            <a:extLst>
+              <a:ext uri="{FF2B5EF4-FFF2-40B4-BE49-F238E27FC236}">
+                <a16:creationId xmlns:a16="http://schemas.microsoft.com/office/drawing/2014/main" id="{4A6A8911-5559-4027-A3A7-B0DAEF9E57CF}"/>
+              </a:ext>
+            </a:extLst>
+          </p:cNvPr>
+          <p:cNvSpPr/>
+          <p:nvPr/>
+        </p:nvSpPr>
+        <p:spPr>
+          <a:xfrm>
+            <a:off x="2513541" y="5021486"/>
+            <a:ext cx="203200" cy="99585"/>
+          </a:xfrm>
+          <a:prstGeom prst="rightArrow">
+            <a:avLst/>
+          </a:prstGeom>
+        </p:spPr>
+        <p:style>
+          <a:lnRef idx="2">
+            <a:schemeClr val="accent1">
+              <a:shade val="50000"/>
+            </a:schemeClr>
+          </a:lnRef>
+          <a:fillRef idx="1">
+            <a:schemeClr val="accent1"/>
+          </a:fillRef>
+          <a:effectRef idx="0">
+            <a:schemeClr val="accent1"/>
+          </a:effectRef>
+          <a:fontRef idx="minor">
+            <a:schemeClr val="lt1"/>
+          </a:fontRef>
+        </p:style>
+        <p:txBody>
+          <a:bodyPr rtlCol="0" anchor="ctr"/>
+          <a:lstStyle/>
+          <a:p>
+            <a:pPr algn="ctr"/>
+            <a:endParaRPr lang="en-US"/>
+          </a:p>
+        </p:txBody>
+      </p:sp>
+      <p:pic>
+        <p:nvPicPr>
+          <p:cNvPr id="13" name="Picture 12">
+            <a:extLst>
+              <a:ext uri="{FF2B5EF4-FFF2-40B4-BE49-F238E27FC236}">
+                <a16:creationId xmlns:a16="http://schemas.microsoft.com/office/drawing/2014/main" id="{9F0089FD-1362-4537-8760-C8FFA9EAD72E}"/>
+              </a:ext>
+            </a:extLst>
+          </p:cNvPr>
+          <p:cNvPicPr>
+            <a:picLocks noChangeAspect="1"/>
+          </p:cNvPicPr>
+          <p:nvPr/>
+        </p:nvPicPr>
+        <p:blipFill>
+          <a:blip r:embed="rId4"/>
+          <a:stretch>
+            <a:fillRect/>
+          </a:stretch>
+        </p:blipFill>
+        <p:spPr>
+          <a:xfrm>
+            <a:off x="3069123" y="3671517"/>
+            <a:ext cx="6241321" cy="2682472"/>
+          </a:xfrm>
+          <a:prstGeom prst="rect">
+            <a:avLst/>
+          </a:prstGeom>
+          <a:ln>
+            <a:noFill/>
+          </a:ln>
+          <a:effectLst>
+            <a:outerShdw blurRad="292100" dist="139700" dir="2700000" algn="tl" rotWithShape="0">
+              <a:srgbClr val="333333">
+                <a:alpha val="65000"/>
+              </a:srgbClr>
+            </a:outerShdw>
+          </a:effectLst>
+        </p:spPr>
+      </p:pic>
+    </p:spTree>
+    <p:extLst>
+      <p:ext uri="{BB962C8B-B14F-4D97-AF65-F5344CB8AC3E}">
+        <p14:creationId xmlns:p14="http://schemas.microsoft.com/office/powerpoint/2010/main" val="1256683201"/>
+      </p:ext>
+    </p:extLst>
+  </p:cSld>
+  <p:clrMapOvr>
+    <a:masterClrMapping/>
+  </p:clrMapOvr>
+</p:sld>
+</file>
+
+<file path=ppt/slides/slide20.xml><?xml version="1.0" encoding="utf-8"?>
 <p:sld xmlns:a="http://schemas.openxmlformats.org/drawingml/2006/main" xmlns:r="http://schemas.openxmlformats.org/officeDocument/2006/relationships" xmlns:p="http://schemas.openxmlformats.org/presentationml/2006/main">
   <p:cSld>
     <p:spTree>
@@ -7613,7 +9061,7 @@
 </p:sld>
 </file>
 
-<file path=ppt/slides/slide19.xml><?xml version="1.0" encoding="utf-8"?>
+<file path=ppt/slides/slide21.xml><?xml version="1.0" encoding="utf-8"?>
 <p:sld xmlns:a="http://schemas.openxmlformats.org/drawingml/2006/main" xmlns:r="http://schemas.openxmlformats.org/officeDocument/2006/relationships" xmlns:p="http://schemas.openxmlformats.org/presentationml/2006/main">
   <p:cSld>
     <p:spTree>
@@ -7646,7 +9094,7 @@
           <a:lstStyle/>
           <a:p>
             <a:r>
-              <a:rPr lang="en-US" dirty="0" smtClean="0">
+              <a:rPr lang="en-US">
                 <a:solidFill>
                   <a:srgbClr val="FF0000"/>
                 </a:solidFill>
@@ -7654,22 +9102,18 @@
               <a:t>sel</a:t>
             </a:r>
             <a:r>
-              <a:rPr lang="en-US" dirty="0" smtClean="0"/>
-              <a:t>ect </a:t>
-            </a:r>
-            <a:r>
-              <a:rPr lang="en-US" dirty="0"/>
-              <a:t>data or query XML document(s) (XPATH, </a:t>
-            </a:r>
-            <a:r>
-              <a:rPr lang="en-US" dirty="0" err="1"/>
+              <a:rPr lang="en-US"/>
+              <a:t>ect data or query XML document(s) (XPATH, </a:t>
+            </a:r>
+            <a:r>
+              <a:rPr lang="en-US" err="1"/>
               <a:t>etc</a:t>
             </a:r>
             <a:r>
-              <a:rPr lang="en-US" dirty="0" smtClean="0"/>
+              <a:rPr lang="en-US"/>
               <a:t>)</a:t>
             </a:r>
-            <a:endParaRPr lang="en-US" dirty="0">
+            <a:endParaRPr lang="en-US">
               <a:solidFill>
                 <a:srgbClr val="FF0000"/>
               </a:solidFill>
@@ -7692,7 +9136,7 @@
           <a:bodyPr/>
           <a:lstStyle/>
           <a:p>
-            <a:endParaRPr lang="en-US" dirty="0"/>
+            <a:endParaRPr lang="en-US"/>
           </a:p>
         </p:txBody>
       </p:sp>
@@ -7709,167 +9153,7 @@
 </p:sld>
 </file>
 
-<file path=ppt/slides/slide2.xml><?xml version="1.0" encoding="utf-8"?>
-<p:sld xmlns:a="http://schemas.openxmlformats.org/drawingml/2006/main" xmlns:r="http://schemas.openxmlformats.org/officeDocument/2006/relationships" xmlns:p="http://schemas.openxmlformats.org/presentationml/2006/main">
-  <p:cSld>
-    <p:spTree>
-      <p:nvGrpSpPr>
-        <p:cNvPr id="1" name=""/>
-        <p:cNvGrpSpPr/>
-        <p:nvPr/>
-      </p:nvGrpSpPr>
-      <p:grpSpPr>
-        <a:xfrm>
-          <a:off x="0" y="0"/>
-          <a:ext cx="0" cy="0"/>
-          <a:chOff x="0" y="0"/>
-          <a:chExt cx="0" cy="0"/>
-        </a:xfrm>
-      </p:grpSpPr>
-      <p:sp>
-        <p:nvSpPr>
-          <p:cNvPr id="2" name="Title 1"/>
-          <p:cNvSpPr>
-            <a:spLocks noGrp="1"/>
-          </p:cNvSpPr>
-          <p:nvPr>
-            <p:ph type="title"/>
-          </p:nvPr>
-        </p:nvSpPr>
-        <p:spPr/>
-        <p:txBody>
-          <a:bodyPr/>
-          <a:lstStyle/>
-          <a:p>
-            <a:r>
-              <a:rPr lang="en-US" dirty="0" smtClean="0">
-                <a:solidFill>
-                  <a:srgbClr val="FF0000"/>
-                </a:solidFill>
-              </a:rPr>
-              <a:t>12.</a:t>
-            </a:r>
-            <a:r>
-              <a:rPr lang="en-US" dirty="0"/>
-              <a:t>	List all traces about the system on/off and the user logon/logoff</a:t>
-            </a:r>
-          </a:p>
-        </p:txBody>
-      </p:sp>
-      <p:sp>
-        <p:nvSpPr>
-          <p:cNvPr id="3" name="Content Placeholder 2"/>
-          <p:cNvSpPr>
-            <a:spLocks noGrp="1"/>
-          </p:cNvSpPr>
-          <p:nvPr>
-            <p:ph idx="1"/>
-          </p:nvPr>
-        </p:nvSpPr>
-        <p:spPr>
-          <a:xfrm>
-            <a:off x="838200" y="1825625"/>
-            <a:ext cx="10515600" cy="1292713"/>
-          </a:xfrm>
-        </p:spPr>
-        <p:txBody>
-          <a:bodyPr/>
-          <a:lstStyle/>
-          <a:p>
-            <a:r>
-              <a:rPr lang="en-US" dirty="0"/>
-              <a:t>It should be considered only during a time range between 09:00 and 18:00 in the </a:t>
-            </a:r>
-            <a:r>
-              <a:rPr lang="en-US" dirty="0" err="1" smtClean="0"/>
-              <a:t>timezone</a:t>
-            </a:r>
-            <a:r>
-              <a:rPr lang="en-US" dirty="0" smtClean="0"/>
-              <a:t> (Eastern Time) </a:t>
-            </a:r>
-            <a:r>
-              <a:rPr lang="en-US" dirty="0"/>
-              <a:t>from Question 4</a:t>
-            </a:r>
-            <a:r>
-              <a:rPr lang="en-US" dirty="0" smtClean="0"/>
-              <a:t>.</a:t>
-            </a:r>
-            <a:endParaRPr lang="en-US" dirty="0"/>
-          </a:p>
-        </p:txBody>
-      </p:sp>
-      <p:pic>
-        <p:nvPicPr>
-          <p:cNvPr id="4" name="Picture 3"/>
-          <p:cNvPicPr>
-            <a:picLocks noChangeAspect="1"/>
-          </p:cNvPicPr>
-          <p:nvPr/>
-        </p:nvPicPr>
-        <p:blipFill>
-          <a:blip r:embed="rId3"/>
-          <a:stretch>
-            <a:fillRect/>
-          </a:stretch>
-        </p:blipFill>
-        <p:spPr>
-          <a:xfrm>
-            <a:off x="838200" y="3647652"/>
-            <a:ext cx="8767519" cy="1942504"/>
-          </a:xfrm>
-          <a:prstGeom prst="rect">
-            <a:avLst/>
-          </a:prstGeom>
-        </p:spPr>
-      </p:pic>
-      <p:sp>
-        <p:nvSpPr>
-          <p:cNvPr id="5" name="TextBox 4"/>
-          <p:cNvSpPr txBox="1"/>
-          <p:nvPr/>
-        </p:nvSpPr>
-        <p:spPr>
-          <a:xfrm>
-            <a:off x="838200" y="3259015"/>
-            <a:ext cx="4018280" cy="369332"/>
-          </a:xfrm>
-          <a:prstGeom prst="rect">
-            <a:avLst/>
-          </a:prstGeom>
-          <a:solidFill>
-            <a:srgbClr val="FFC000"/>
-          </a:solidFill>
-        </p:spPr>
-        <p:txBody>
-          <a:bodyPr wrap="none" rtlCol="0">
-            <a:spAutoFit/>
-          </a:bodyPr>
-          <a:lstStyle/>
-          <a:p>
-            <a:r>
-              <a:rPr lang="en-US" dirty="0" smtClean="0"/>
-              <a:t>Exam security event logs for logon/logoff</a:t>
-            </a:r>
-            <a:endParaRPr lang="en-US" dirty="0"/>
-          </a:p>
-        </p:txBody>
-      </p:sp>
-    </p:spTree>
-    <p:extLst>
-      <p:ext uri="{BB962C8B-B14F-4D97-AF65-F5344CB8AC3E}">
-        <p14:creationId xmlns:p14="http://schemas.microsoft.com/office/powerpoint/2010/main" val="4272576379"/>
-      </p:ext>
-    </p:extLst>
-  </p:cSld>
-  <p:clrMapOvr>
-    <a:masterClrMapping/>
-  </p:clrMapOvr>
-</p:sld>
-</file>
-
-<file path=ppt/slides/slide20.xml><?xml version="1.0" encoding="utf-8"?>
+<file path=ppt/slides/slide22.xml><?xml version="1.0" encoding="utf-8"?>
 <p:sld xmlns:a="http://schemas.openxmlformats.org/drawingml/2006/main" xmlns:r="http://schemas.openxmlformats.org/officeDocument/2006/relationships" xmlns:p="http://schemas.openxmlformats.org/presentationml/2006/main">
   <p:cSld>
     <p:spTree>
@@ -7922,7 +9206,7 @@
 </p:sld>
 </file>
 
-<file path=ppt/slides/slide21.xml><?xml version="1.0" encoding="utf-8"?>
+<file path=ppt/slides/slide23.xml><?xml version="1.0" encoding="utf-8"?>
 <p:sld xmlns:a="http://schemas.openxmlformats.org/drawingml/2006/main" xmlns:r="http://schemas.openxmlformats.org/officeDocument/2006/relationships" xmlns:p="http://schemas.openxmlformats.org/presentationml/2006/main">
   <p:cSld>
     <p:spTree>
@@ -7985,7 +9269,7 @@
           <a:lstStyle/>
           <a:p>
             <a:r>
-              <a:rPr lang="en-US" dirty="0">
+              <a:rPr lang="en-US">
                 <a:solidFill>
                   <a:srgbClr val="FF0000"/>
                 </a:solidFill>
@@ -8008,7 +9292,7 @@
 </p:sld>
 </file>
 
-<file path=ppt/slides/slide22.xml><?xml version="1.0" encoding="utf-8"?>
+<file path=ppt/slides/slide24.xml><?xml version="1.0" encoding="utf-8"?>
 <p:sld xmlns:a="http://schemas.openxmlformats.org/drawingml/2006/main" xmlns:r="http://schemas.openxmlformats.org/officeDocument/2006/relationships" xmlns:p="http://schemas.openxmlformats.org/presentationml/2006/main">
   <p:cSld>
     <p:spTree>
@@ -8065,7 +9349,7 @@
           <a:lstStyle/>
           <a:p>
             <a:r>
-              <a:rPr lang="en-US" i="1" dirty="0" err="1" smtClean="0">
+              <a:rPr lang="en-US" i="1" err="1">
                 <a:solidFill>
                   <a:srgbClr val="007DB5"/>
                 </a:solidFill>
@@ -8073,7 +9357,7 @@
               <a:t>Xpath</a:t>
             </a:r>
             <a:r>
-              <a:rPr lang="en-US" dirty="0" smtClean="0">
+              <a:rPr lang="en-US">
                 <a:solidFill>
                   <a:srgbClr val="007DB5"/>
                 </a:solidFill>
@@ -8081,7 +9365,7 @@
               <a:t> </a:t>
             </a:r>
             <a:r>
-              <a:rPr lang="en-US" dirty="0"/>
+              <a:rPr lang="en-US"/>
               <a:t>expressions </a:t>
             </a:r>
           </a:p>
@@ -8110,7 +9394,7 @@
           <a:lstStyle/>
           <a:p>
             <a:r>
-              <a:rPr lang="en-US" i="1" dirty="0" err="1" smtClean="0">
+              <a:rPr lang="en-US" i="1" err="1">
                 <a:solidFill>
                   <a:srgbClr val="007DB5"/>
                 </a:solidFill>
@@ -8118,17 +9402,13 @@
               <a:t>Xpath</a:t>
             </a:r>
             <a:r>
-              <a:rPr lang="en-US" dirty="0" smtClean="0"/>
-              <a:t> </a:t>
-            </a:r>
-            <a:r>
-              <a:rPr lang="en-US" dirty="0"/>
-              <a:t>uses path expressions to select nodes or node-sets in an XML document. </a:t>
-            </a:r>
-          </a:p>
-          <a:p>
-            <a:r>
-              <a:rPr lang="en-US" i="1" dirty="0" err="1">
+              <a:rPr lang="en-US"/>
+              <a:t> uses path expressions to select nodes or node-sets in an XML document. </a:t>
+            </a:r>
+          </a:p>
+          <a:p>
+            <a:r>
+              <a:rPr lang="en-US" i="1" err="1">
                 <a:solidFill>
                   <a:srgbClr val="007DB5"/>
                 </a:solidFill>
@@ -8136,17 +9416,13 @@
               <a:t>Xpath</a:t>
             </a:r>
             <a:r>
-              <a:rPr lang="en-US" dirty="0"/>
-              <a:t> expressions look very much like the expressions you see when you work with a traditional computer file system</a:t>
-            </a:r>
-            <a:r>
-              <a:rPr lang="en-US" dirty="0" smtClean="0"/>
-              <a:t>.</a:t>
-            </a:r>
-          </a:p>
-          <a:p>
-            <a:r>
-              <a:rPr lang="en-US" dirty="0" smtClean="0">
+              <a:rPr lang="en-US"/>
+              <a:t> expressions look very much like the expressions you see when you work with a traditional computer file system.</a:t>
+            </a:r>
+          </a:p>
+          <a:p>
+            <a:r>
+              <a:rPr lang="en-US">
                 <a:solidFill>
                   <a:srgbClr val="FF0000"/>
                 </a:solidFill>
@@ -8154,7 +9430,7 @@
               <a:t>Must</a:t>
             </a:r>
             <a:r>
-              <a:rPr lang="en-US" dirty="0" smtClean="0"/>
+              <a:rPr lang="en-US"/>
               <a:t> provide XML namespace for queuing data</a:t>
             </a:r>
           </a:p>
@@ -8209,7 +9485,7 @@
 </p:sld>
 </file>
 
-<file path=ppt/slides/slide23.xml><?xml version="1.0" encoding="utf-8"?>
+<file path=ppt/slides/slide25.xml><?xml version="1.0" encoding="utf-8"?>
 <p:sld xmlns:a="http://schemas.openxmlformats.org/drawingml/2006/main" xmlns:r="http://schemas.openxmlformats.org/officeDocument/2006/relationships" xmlns:p="http://schemas.openxmlformats.org/presentationml/2006/main">
   <p:cSld>
     <p:spTree>
@@ -8271,16 +9547,12 @@
           <a:lstStyle/>
           <a:p>
             <a:r>
-              <a:rPr lang="en-US" dirty="0" err="1" smtClean="0"/>
+              <a:rPr lang="en-US" err="1"/>
               <a:t>Xpath</a:t>
             </a:r>
             <a:r>
-              <a:rPr lang="en-US" dirty="0" smtClean="0"/>
-              <a:t> </a:t>
-            </a:r>
-            <a:r>
-              <a:rPr lang="en-US" dirty="0"/>
-              <a:t>expressions </a:t>
+              <a:rPr lang="en-US"/>
+              <a:t> expressions </a:t>
             </a:r>
           </a:p>
         </p:txBody>
@@ -8308,18 +9580,14 @@
           <a:lstStyle/>
           <a:p>
             <a:r>
-              <a:rPr lang="en-US" dirty="0" smtClean="0"/>
-              <a:t>First </a:t>
-            </a:r>
-            <a:r>
-              <a:rPr lang="en-US" dirty="0"/>
-              <a:t>Event node</a:t>
+              <a:rPr lang="en-US"/>
+              <a:t>First Event node</a:t>
             </a:r>
           </a:p>
           <a:p>
             <a:pPr lvl="1"/>
             <a:r>
-              <a:rPr lang="en-US" dirty="0" smtClean="0">
+              <a:rPr lang="en-US">
                 <a:solidFill>
                   <a:srgbClr val="FF0000"/>
                 </a:solidFill>
@@ -8327,7 +9595,7 @@
               <a:t>//</a:t>
             </a:r>
             <a:r>
-              <a:rPr lang="en-US" dirty="0" err="1" smtClean="0">
+              <a:rPr lang="en-US" err="1">
                 <a:solidFill>
                   <a:srgbClr val="7030A0"/>
                 </a:solidFill>
@@ -8335,25 +9603,24 @@
               <a:t>x</a:t>
             </a:r>
             <a:r>
-              <a:rPr lang="en-US" dirty="0" err="1" smtClean="0"/>
+              <a:rPr lang="en-US" err="1"/>
               <a:t>:Event</a:t>
             </a:r>
             <a:r>
-              <a:rPr lang="en-US" dirty="0" smtClean="0"/>
+              <a:rPr lang="en-US"/>
               <a:t>[1]</a:t>
             </a:r>
-            <a:endParaRPr lang="en-US" dirty="0"/>
-          </a:p>
-          <a:p>
-            <a:r>
-              <a:rPr lang="en-US" dirty="0" smtClean="0"/>
+          </a:p>
+          <a:p>
+            <a:r>
+              <a:rPr lang="en-US"/>
               <a:t>Last event</a:t>
             </a:r>
           </a:p>
           <a:p>
             <a:pPr lvl="1"/>
             <a:r>
-              <a:rPr lang="en-US" dirty="0">
+              <a:rPr lang="en-US">
                 <a:solidFill>
                   <a:srgbClr val="FF0000"/>
                 </a:solidFill>
@@ -8361,7 +9628,7 @@
               <a:t>//</a:t>
             </a:r>
             <a:r>
-              <a:rPr lang="en-US" dirty="0" err="1">
+              <a:rPr lang="en-US" err="1">
                 <a:solidFill>
                   <a:srgbClr val="7030A0"/>
                 </a:solidFill>
@@ -8369,24 +9636,24 @@
               <a:t>x</a:t>
             </a:r>
             <a:r>
-              <a:rPr lang="en-US" dirty="0" err="1" smtClean="0"/>
+              <a:rPr lang="en-US" err="1"/>
               <a:t>:Event</a:t>
             </a:r>
             <a:r>
-              <a:rPr lang="en-US" dirty="0" smtClean="0"/>
+              <a:rPr lang="en-US"/>
               <a:t>[last()]</a:t>
             </a:r>
           </a:p>
           <a:p>
             <a:r>
-              <a:rPr lang="en-US" dirty="0" smtClean="0"/>
+              <a:rPr lang="en-US"/>
               <a:t>Last two events</a:t>
             </a:r>
           </a:p>
           <a:p>
             <a:pPr lvl="1"/>
             <a:r>
-              <a:rPr lang="en-US" dirty="0">
+              <a:rPr lang="en-US">
                 <a:solidFill>
                   <a:srgbClr val="FF0000"/>
                 </a:solidFill>
@@ -8394,7 +9661,7 @@
               <a:t>//</a:t>
             </a:r>
             <a:r>
-              <a:rPr lang="en-US" dirty="0" err="1">
+              <a:rPr lang="en-US" err="1">
                 <a:solidFill>
                   <a:srgbClr val="7030A0"/>
                 </a:solidFill>
@@ -8402,25 +9669,17 @@
               <a:t>x</a:t>
             </a:r>
             <a:r>
-              <a:rPr lang="en-US" dirty="0" err="1" smtClean="0"/>
+              <a:rPr lang="en-US" err="1"/>
               <a:t>:Event</a:t>
             </a:r>
             <a:r>
-              <a:rPr lang="en-US" dirty="0" smtClean="0"/>
-              <a:t>[position</a:t>
-            </a:r>
-            <a:r>
-              <a:rPr lang="en-US" dirty="0"/>
-              <a:t>()&lt;3</a:t>
-            </a:r>
-            <a:r>
-              <a:rPr lang="en-US" dirty="0" smtClean="0"/>
-              <a:t>]</a:t>
-            </a:r>
-          </a:p>
-          <a:p>
-            <a:r>
-              <a:rPr lang="en-US" i="1" dirty="0" err="1" smtClean="0">
+              <a:rPr lang="en-US"/>
+              <a:t>[position()&lt;3]</a:t>
+            </a:r>
+          </a:p>
+          <a:p>
+            <a:r>
+              <a:rPr lang="en-US" i="1" err="1">
                 <a:solidFill>
                   <a:schemeClr val="accent6"/>
                 </a:solidFill>
@@ -8428,7 +9687,7 @@
               <a:t>EventID</a:t>
             </a:r>
             <a:r>
-              <a:rPr lang="en-US" dirty="0" smtClean="0">
+              <a:rPr lang="en-US">
                 <a:solidFill>
                   <a:schemeClr val="accent6"/>
                 </a:solidFill>
@@ -8436,11 +9695,11 @@
               <a:t> </a:t>
             </a:r>
             <a:r>
-              <a:rPr lang="en-US" dirty="0" smtClean="0"/>
+              <a:rPr lang="en-US"/>
               <a:t>with an attribute named </a:t>
             </a:r>
             <a:r>
-              <a:rPr lang="en-US" i="1" dirty="0" smtClean="0">
+              <a:rPr lang="en-US" i="1">
                 <a:solidFill>
                   <a:schemeClr val="accent6"/>
                 </a:solidFill>
@@ -8451,7 +9710,7 @@
           <a:p>
             <a:pPr lvl="1"/>
             <a:r>
-              <a:rPr lang="en-US" dirty="0">
+              <a:rPr lang="en-US">
                 <a:solidFill>
                   <a:srgbClr val="FF0000"/>
                 </a:solidFill>
@@ -8459,7 +9718,7 @@
               <a:t>//</a:t>
             </a:r>
             <a:r>
-              <a:rPr lang="en-US" dirty="0" err="1">
+              <a:rPr lang="en-US" err="1">
                 <a:solidFill>
                   <a:srgbClr val="7030A0"/>
                 </a:solidFill>
@@ -8467,11 +9726,11 @@
               <a:t>x</a:t>
             </a:r>
             <a:r>
-              <a:rPr lang="en-US" dirty="0" err="1" smtClean="0"/>
+              <a:rPr lang="en-US" err="1"/>
               <a:t>:EventID</a:t>
             </a:r>
             <a:r>
-              <a:rPr lang="en-US" dirty="0"/>
+              <a:rPr lang="en-US"/>
               <a:t>[@Qualifiers]</a:t>
             </a:r>
           </a:p>
@@ -8505,11 +9764,11 @@
           <a:lstStyle/>
           <a:p>
             <a:r>
-              <a:rPr lang="en-US" sz="1600" dirty="0"/>
+              <a:rPr lang="en-US" sz="1600"/>
               <a:t>“</a:t>
             </a:r>
             <a:r>
-              <a:rPr lang="en-US" sz="1600" dirty="0">
+              <a:rPr lang="en-US" sz="1600">
                 <a:solidFill>
                   <a:srgbClr val="FF0000"/>
                 </a:solidFill>
@@ -8517,17 +9776,13 @@
               <a:t>//</a:t>
             </a:r>
             <a:r>
-              <a:rPr lang="en-US" sz="1600" dirty="0"/>
-              <a:t>” operator, a convenient shorthand for selecting nodes at any level in a document</a:t>
-            </a:r>
-            <a:r>
-              <a:rPr lang="en-US" sz="1600" dirty="0" smtClean="0"/>
-              <a:t>.</a:t>
-            </a:r>
-          </a:p>
-          <a:p>
-            <a:r>
-              <a:rPr lang="en-US" sz="1600" dirty="0" smtClean="0">
+              <a:rPr lang="en-US" sz="1600"/>
+              <a:t>” operator, a convenient shorthand for selecting nodes at any level in a document.</a:t>
+            </a:r>
+          </a:p>
+          <a:p>
+            <a:r>
+              <a:rPr lang="en-US" sz="1600">
                 <a:solidFill>
                   <a:srgbClr val="7030A0"/>
                 </a:solidFill>
@@ -8535,54 +9790,20 @@
               <a:t>x</a:t>
             </a:r>
             <a:r>
-              <a:rPr lang="en-US" sz="1600" dirty="0" smtClean="0"/>
-              <a:t>: namespace variable</a:t>
-            </a:r>
-            <a:r>
-              <a:rPr lang="en-US" sz="1600" dirty="0"/>
-              <a:t>, e.g., </a:t>
-            </a:r>
-            <a:r>
-              <a:rPr lang="en-US" sz="1400" i="1" dirty="0">
+              <a:rPr lang="en-US" sz="1600"/>
+              <a:t>: namespace variable, e.g., </a:t>
+            </a:r>
+            <a:r>
+              <a:rPr lang="en-US" sz="1400" i="1">
                 <a:solidFill>
                   <a:schemeClr val="accent6">
                     <a:lumMod val="50000"/>
                   </a:schemeClr>
                 </a:solidFill>
               </a:rPr>
-              <a:t>x=</a:t>
-            </a:r>
-            <a:r>
-              <a:rPr lang="en-US" sz="1400" i="1" dirty="0" smtClean="0">
-                <a:solidFill>
-                  <a:schemeClr val="accent6">
-                    <a:lumMod val="50000"/>
-                  </a:schemeClr>
-                </a:solidFill>
-              </a:rPr>
-              <a:t>http</a:t>
-            </a:r>
-            <a:r>
-              <a:rPr lang="en-US" sz="1400" i="1" dirty="0">
-                <a:solidFill>
-                  <a:schemeClr val="accent6">
-                    <a:lumMod val="50000"/>
-                  </a:schemeClr>
-                </a:solidFill>
-              </a:rPr>
-              <a:t>://</a:t>
-            </a:r>
-            <a:r>
-              <a:rPr lang="en-US" sz="1400" i="1" dirty="0" smtClean="0">
-                <a:solidFill>
-                  <a:schemeClr val="accent6">
-                    <a:lumMod val="50000"/>
-                  </a:schemeClr>
-                </a:solidFill>
-              </a:rPr>
-              <a:t>schemas.microsoft.com/win/2004/08/events/event</a:t>
-            </a:r>
-            <a:endParaRPr lang="en-US" i="1" dirty="0">
+              <a:t>x=http://schemas.microsoft.com/win/2004/08/events/event</a:t>
+            </a:r>
+            <a:endParaRPr lang="en-US" i="1">
               <a:solidFill>
                 <a:schemeClr val="accent6">
                   <a:lumMod val="50000"/>
@@ -8605,7 +9826,7 @@
 </p:sld>
 </file>
 
-<file path=ppt/slides/slide24.xml><?xml version="1.0" encoding="utf-8"?>
+<file path=ppt/slides/slide26.xml><?xml version="1.0" encoding="utf-8"?>
 <p:sld xmlns:a="http://schemas.openxmlformats.org/drawingml/2006/main" xmlns:r="http://schemas.openxmlformats.org/officeDocument/2006/relationships" xmlns:p="http://schemas.openxmlformats.org/presentationml/2006/main">
   <p:cSld>
     <p:spTree>
@@ -8678,11 +9899,11 @@
               <a:buChar char="•"/>
             </a:pPr>
             <a:r>
-              <a:rPr lang="en-US" sz="1600" dirty="0" smtClean="0"/>
+              <a:rPr lang="en-US" sz="1600"/>
               <a:t>The </a:t>
             </a:r>
             <a:r>
-              <a:rPr lang="en-US" sz="1600" b="1" dirty="0" smtClean="0">
+              <a:rPr lang="en-US" sz="1600" b="1">
                 <a:solidFill>
                   <a:srgbClr val="FF0000"/>
                 </a:solidFill>
@@ -8690,7 +9911,7 @@
               <a:t>dot</a:t>
             </a:r>
             <a:r>
-              <a:rPr lang="en-US" sz="1600" dirty="0">
+              <a:rPr lang="en-US" sz="1600">
                 <a:solidFill>
                   <a:srgbClr val="FF0000"/>
                 </a:solidFill>
@@ -8698,11 +9919,11 @@
               <a:t> </a:t>
             </a:r>
             <a:r>
-              <a:rPr lang="en-US" sz="1600" dirty="0" smtClean="0"/>
+              <a:rPr lang="en-US" sz="1600"/>
               <a:t>(“</a:t>
             </a:r>
             <a:r>
-              <a:rPr lang="en-US" sz="1600" b="1" dirty="0" smtClean="0">
+              <a:rPr lang="en-US" sz="1600" b="1">
                 <a:solidFill>
                   <a:srgbClr val="FF0000"/>
                 </a:solidFill>
@@ -8710,14 +9931,9 @@
               <a:t>.</a:t>
             </a:r>
             <a:r>
-              <a:rPr lang="en-US" sz="1600" dirty="0" smtClean="0"/>
-              <a:t>”) : the </a:t>
-            </a:r>
-            <a:r>
-              <a:rPr lang="en-US" sz="1600" dirty="0"/>
-              <a:t>“context item expression” because it refers to the context item. </a:t>
-            </a:r>
-            <a:endParaRPr lang="en-US" sz="1600" dirty="0" smtClean="0"/>
+              <a:rPr lang="en-US" sz="1600"/>
+              <a:t>”) : the “context item expression” because it refers to the context item. </a:t>
+            </a:r>
           </a:p>
           <a:p>
             <a:pPr marL="742950" lvl="1" indent="-285750">
@@ -8725,22 +9941,17 @@
               <a:buChar char="•"/>
             </a:pPr>
             <a:r>
-              <a:rPr lang="en-US" sz="1600" dirty="0" smtClean="0"/>
-              <a:t>This </a:t>
-            </a:r>
-            <a:r>
-              <a:rPr lang="en-US" sz="1600" dirty="0"/>
-              <a:t>could be a node (such as an element, attribute, or text node), or an atomic value (such as a string, number, or </a:t>
-            </a:r>
-            <a:r>
-              <a:rPr lang="en-US" sz="1600" dirty="0" err="1"/>
+              <a:rPr lang="en-US" sz="1600"/>
+              <a:t>This could be a node (such as an element, attribute, or text node), or an atomic value (such as a string, number, or </a:t>
+            </a:r>
+            <a:r>
+              <a:rPr lang="en-US" sz="1600" err="1"/>
               <a:t>boolean</a:t>
             </a:r>
             <a:r>
-              <a:rPr lang="en-US" sz="1600" dirty="0"/>
+              <a:rPr lang="en-US" sz="1600"/>
               <a:t>). </a:t>
             </a:r>
-            <a:endParaRPr lang="en-US" sz="1600" dirty="0" smtClean="0"/>
           </a:p>
           <a:p>
             <a:pPr marL="742950" lvl="1" indent="-285750">
@@ -8748,16 +9959,8 @@
               <a:buChar char="•"/>
             </a:pPr>
             <a:r>
-              <a:rPr lang="en-US" sz="1600" dirty="0" smtClean="0"/>
-              <a:t>When </a:t>
-            </a:r>
-            <a:r>
-              <a:rPr lang="en-US" sz="1600" dirty="0"/>
-              <a:t>it’s a node, it’s also called the context node</a:t>
-            </a:r>
-            <a:r>
-              <a:rPr lang="en-US" sz="1600" dirty="0" smtClean="0"/>
-              <a:t>.</a:t>
+              <a:rPr lang="en-US" sz="1600"/>
+              <a:t>When it’s a node, it’s also called the context node.</a:t>
             </a:r>
           </a:p>
           <a:p>
@@ -8766,7 +9969,7 @@
               <a:buChar char="•"/>
             </a:pPr>
             <a:r>
-              <a:rPr lang="en-US" sz="1600" b="1" dirty="0">
+              <a:rPr lang="en-US" sz="1600" b="1">
                 <a:solidFill>
                   <a:srgbClr val="FF0000"/>
                 </a:solidFill>
@@ -8774,11 +9977,11 @@
               <a:t>-c </a:t>
             </a:r>
             <a:r>
-              <a:rPr lang="en-US" sz="1600" dirty="0"/>
+              <a:rPr lang="en-US" sz="1600"/>
               <a:t>or --copy-of </a:t>
             </a:r>
             <a:r>
-              <a:rPr lang="en-US" sz="1600" dirty="0">
+              <a:rPr lang="en-US" sz="1600">
                 <a:solidFill>
                   <a:srgbClr val="FF0000"/>
                 </a:solidFill>
@@ -8786,7 +9989,7 @@
               <a:t>&lt;</a:t>
             </a:r>
             <a:r>
-              <a:rPr lang="en-US" sz="1600" dirty="0" err="1">
+              <a:rPr lang="en-US" sz="1600" err="1">
                 <a:solidFill>
                   <a:srgbClr val="FF0000"/>
                 </a:solidFill>
@@ -8794,7 +9997,7 @@
               <a:t>xpath</a:t>
             </a:r>
             <a:r>
-              <a:rPr lang="en-US" sz="1600" dirty="0">
+              <a:rPr lang="en-US" sz="1600">
                 <a:solidFill>
                   <a:srgbClr val="FF0000"/>
                 </a:solidFill>
@@ -8802,11 +10005,11 @@
               <a:t>&gt;</a:t>
             </a:r>
             <a:r>
-              <a:rPr lang="en-US" sz="1600" dirty="0"/>
+              <a:rPr lang="en-US" sz="1600"/>
               <a:t>:  </a:t>
             </a:r>
             <a:r>
-              <a:rPr lang="en-US" sz="1600" dirty="0">
+              <a:rPr lang="en-US" sz="1600">
                 <a:solidFill>
                   <a:srgbClr val="FF0000"/>
                 </a:solidFill>
@@ -8814,12 +10017,8 @@
               <a:t> </a:t>
             </a:r>
             <a:r>
-              <a:rPr lang="en-US" sz="1600" dirty="0"/>
-              <a:t>print copy of XPATH </a:t>
-            </a:r>
-            <a:r>
-              <a:rPr lang="en-US" sz="1600" dirty="0" smtClean="0"/>
-              <a:t>expression</a:t>
+              <a:rPr lang="en-US" sz="1600"/>
+              <a:t>print copy of XPATH expression</a:t>
             </a:r>
           </a:p>
           <a:p>
@@ -8828,7 +10027,7 @@
               <a:buChar char="•"/>
             </a:pPr>
             <a:r>
-              <a:rPr lang="en-US" sz="1600" dirty="0">
+              <a:rPr lang="en-US" sz="1600">
                 <a:solidFill>
                   <a:srgbClr val="7030A0"/>
                 </a:solidFill>
@@ -8842,7 +10041,7 @@
               <a:buChar char="•"/>
             </a:pPr>
             <a:r>
-              <a:rPr lang="en-US" sz="1600" b="1" dirty="0">
+              <a:rPr lang="en-US" sz="1600" b="1">
                 <a:solidFill>
                   <a:srgbClr val="FF0000"/>
                 </a:solidFill>
@@ -8850,12 +10049,8 @@
               <a:t>-m</a:t>
             </a:r>
             <a:r>
-              <a:rPr lang="en-US" sz="1600" dirty="0"/>
-              <a:t>: match XPATH </a:t>
-            </a:r>
-            <a:r>
-              <a:rPr lang="en-US" sz="1600" dirty="0" smtClean="0"/>
-              <a:t>expression</a:t>
+              <a:rPr lang="en-US" sz="1600"/>
+              <a:t>: match XPATH expression</a:t>
             </a:r>
           </a:p>
           <a:p>
@@ -8864,7 +10059,7 @@
               <a:buChar char="•"/>
             </a:pPr>
             <a:r>
-              <a:rPr lang="en-US" sz="1600" b="1" dirty="0">
+              <a:rPr lang="en-US" sz="1600" b="1">
                 <a:solidFill>
                   <a:srgbClr val="FF0000"/>
                 </a:solidFill>
@@ -8872,11 +10067,11 @@
               <a:t>-t</a:t>
             </a:r>
             <a:r>
-              <a:rPr lang="en-US" sz="1600" dirty="0"/>
+              <a:rPr lang="en-US" sz="1600"/>
               <a:t>|--template &lt;</a:t>
             </a:r>
             <a:r>
-              <a:rPr lang="en-US" sz="1600" dirty="0">
+              <a:rPr lang="en-US" sz="1600">
                 <a:solidFill>
                   <a:srgbClr val="7030A0"/>
                 </a:solidFill>
@@ -8884,10 +10079,9 @@
               <a:t>options</a:t>
             </a:r>
             <a:r>
-              <a:rPr lang="en-US" sz="1600" dirty="0" smtClean="0"/>
+              <a:rPr lang="en-US" sz="1600"/>
               <a:t>&gt;</a:t>
             </a:r>
-            <a:endParaRPr lang="en-US" sz="1600" dirty="0"/>
           </a:p>
         </p:txBody>
       </p:sp>
@@ -8916,18 +10110,17 @@
           <a:lstStyle/>
           <a:p>
             <a:r>
-              <a:rPr lang="en-US" dirty="0" smtClean="0"/>
+              <a:rPr lang="en-US"/>
               <a:t>Select the first event by matching the </a:t>
             </a:r>
             <a:r>
-              <a:rPr lang="en-US" dirty="0" err="1" smtClean="0"/>
+              <a:rPr lang="en-US" err="1"/>
               <a:t>xpath</a:t>
             </a:r>
             <a:r>
-              <a:rPr lang="en-US" dirty="0" smtClean="0"/>
+              <a:rPr lang="en-US"/>
               <a:t> and print the context node</a:t>
             </a:r>
-            <a:endParaRPr lang="en-US" dirty="0"/>
           </a:p>
         </p:txBody>
       </p:sp>
@@ -9103,7 +10296,7 @@
           <a:lstStyle/>
           <a:p>
             <a:r>
-              <a:rPr lang="en-US" sz="1600" b="1" dirty="0" smtClean="0">
+              <a:rPr lang="en-US" sz="1600" b="1">
                 <a:solidFill>
                   <a:srgbClr val="FF0000"/>
                 </a:solidFill>
@@ -9111,10 +10304,10 @@
               <a:t>-N: </a:t>
             </a:r>
             <a:r>
-              <a:rPr lang="en-US" sz="1600" dirty="0"/>
+              <a:rPr lang="en-US" sz="1600"/>
               <a:t>namespace </a:t>
             </a:r>
-            <a:endParaRPr lang="en-US" sz="1600" b="1" dirty="0" smtClean="0">
+            <a:endParaRPr lang="en-US" sz="1600" b="1">
               <a:solidFill>
                 <a:srgbClr val="FF0000"/>
               </a:solidFill>
@@ -9122,7 +10315,7 @@
           </a:p>
           <a:p>
             <a:r>
-              <a:rPr lang="en-US" sz="1600" b="1" dirty="0" smtClean="0">
+              <a:rPr lang="en-US" sz="1600" b="1">
                 <a:solidFill>
                   <a:srgbClr val="FF0000"/>
                 </a:solidFill>
@@ -9130,7 +10323,7 @@
               <a:t>x</a:t>
             </a:r>
             <a:r>
-              <a:rPr lang="en-US" sz="1600" dirty="0"/>
+              <a:rPr lang="en-US" sz="1600"/>
               <a:t>: namespace variable</a:t>
             </a:r>
           </a:p>
@@ -9187,7 +10380,7 @@
 </p:sld>
 </file>
 
-<file path=ppt/slides/slide25.xml><?xml version="1.0" encoding="utf-8"?>
+<file path=ppt/slides/slide27.xml><?xml version="1.0" encoding="utf-8"?>
 <p:sld xmlns:a="http://schemas.openxmlformats.org/drawingml/2006/main" xmlns:r="http://schemas.openxmlformats.org/officeDocument/2006/relationships" xmlns:p="http://schemas.openxmlformats.org/presentationml/2006/main">
   <p:cSld>
     <p:spTree>
@@ -9253,18 +10446,17 @@
           <a:lstStyle/>
           <a:p>
             <a:r>
-              <a:rPr lang="en-US" dirty="0" smtClean="0"/>
+              <a:rPr lang="en-US"/>
               <a:t>Select </a:t>
             </a:r>
             <a:r>
-              <a:rPr lang="en-US" dirty="0" err="1" smtClean="0"/>
+              <a:rPr lang="en-US" err="1"/>
               <a:t>TimeCreated</a:t>
             </a:r>
             <a:r>
-              <a:rPr lang="en-US" dirty="0" smtClean="0"/>
+              <a:rPr lang="en-US"/>
               <a:t> of events and print the context node</a:t>
             </a:r>
-            <a:endParaRPr lang="en-US" dirty="0"/>
           </a:p>
         </p:txBody>
       </p:sp>
@@ -9281,7 +10473,7 @@
 </p:sld>
 </file>
 
-<file path=ppt/slides/slide26.xml><?xml version="1.0" encoding="utf-8"?>
+<file path=ppt/slides/slide28.xml><?xml version="1.0" encoding="utf-8"?>
 <p:sld xmlns:a="http://schemas.openxmlformats.org/drawingml/2006/main" xmlns:r="http://schemas.openxmlformats.org/officeDocument/2006/relationships" xmlns:p="http://schemas.openxmlformats.org/presentationml/2006/main">
   <p:cSld>
     <p:spTree>
@@ -9350,28 +10542,16 @@
           <a:lstStyle/>
           <a:p>
             <a:r>
-              <a:rPr lang="en-US" b="1" dirty="0">
+              <a:rPr lang="en-US" b="1">
                 <a:solidFill>
                   <a:srgbClr val="FF0000"/>
                 </a:solidFill>
               </a:rPr>
-              <a:t>-</a:t>
-            </a:r>
-            <a:r>
-              <a:rPr lang="en-US" b="1" dirty="0" smtClean="0">
-                <a:solidFill>
-                  <a:srgbClr val="FF0000"/>
-                </a:solidFill>
-              </a:rPr>
-              <a:t>n</a:t>
-            </a:r>
-            <a:r>
-              <a:rPr lang="en-US" dirty="0" smtClean="0"/>
-              <a:t>:  </a:t>
-            </a:r>
-            <a:r>
-              <a:rPr lang="en-US" dirty="0"/>
-              <a:t>print new line</a:t>
+              <a:t>-n</a:t>
+            </a:r>
+            <a:r>
+              <a:rPr lang="en-US"/>
+              <a:t>:  print new line</a:t>
             </a:r>
           </a:p>
         </p:txBody>
@@ -9401,18 +10581,17 @@
           <a:lstStyle/>
           <a:p>
             <a:r>
-              <a:rPr lang="en-US" dirty="0" smtClean="0"/>
+              <a:rPr lang="en-US"/>
               <a:t>Select a property of </a:t>
             </a:r>
             <a:r>
-              <a:rPr lang="en-US" dirty="0" err="1" smtClean="0"/>
+              <a:rPr lang="en-US" err="1"/>
               <a:t>EventID</a:t>
             </a:r>
             <a:r>
-              <a:rPr lang="en-US" dirty="0" smtClean="0"/>
+              <a:rPr lang="en-US"/>
               <a:t> and print the context node</a:t>
             </a:r>
-            <a:endParaRPr lang="en-US" dirty="0"/>
           </a:p>
         </p:txBody>
       </p:sp>
@@ -9444,78 +10623,38 @@
           <a:lstStyle/>
           <a:p>
             <a:r>
-              <a:rPr lang="en-US" dirty="0" smtClean="0"/>
-              <a:t>4608 </a:t>
-            </a:r>
-            <a:r>
-              <a:rPr lang="en-US" dirty="0"/>
-              <a:t>(Windows is starting up</a:t>
-            </a:r>
-            <a:r>
-              <a:rPr lang="en-US" dirty="0" smtClean="0"/>
-              <a:t>)</a:t>
-            </a:r>
-          </a:p>
-          <a:p>
-            <a:r>
-              <a:rPr lang="en-US" dirty="0" smtClean="0"/>
-              <a:t>1100 </a:t>
-            </a:r>
-            <a:r>
-              <a:rPr lang="en-US" dirty="0"/>
-              <a:t>(service shutdown)</a:t>
-            </a:r>
-          </a:p>
-          <a:p>
-            <a:r>
-              <a:rPr lang="en-US" dirty="0" smtClean="0"/>
-              <a:t>4624 </a:t>
-            </a:r>
-            <a:r>
-              <a:rPr lang="en-US" dirty="0"/>
-              <a:t>(successful logon</a:t>
-            </a:r>
-            <a:r>
-              <a:rPr lang="en-US" dirty="0" smtClean="0"/>
-              <a:t>)</a:t>
-            </a:r>
-          </a:p>
-          <a:p>
-            <a:r>
-              <a:rPr lang="en-US" dirty="0" smtClean="0"/>
-              <a:t>4634 </a:t>
-            </a:r>
-            <a:r>
-              <a:rPr lang="en-US" dirty="0"/>
-              <a:t>(</a:t>
-            </a:r>
-            <a:r>
-              <a:rPr lang="en-US" dirty="0" smtClean="0"/>
-              <a:t>logoff)</a:t>
-            </a:r>
-          </a:p>
-          <a:p>
-            <a:r>
-              <a:rPr lang="en-US" dirty="0" smtClean="0"/>
-              <a:t>4625 </a:t>
-            </a:r>
-            <a:r>
-              <a:rPr lang="en-US" dirty="0"/>
-              <a:t>(logon failure</a:t>
-            </a:r>
-            <a:r>
-              <a:rPr lang="en-US" dirty="0" smtClean="0"/>
-              <a:t>)</a:t>
-            </a:r>
-          </a:p>
-          <a:p>
-            <a:r>
-              <a:rPr lang="en-US" dirty="0" smtClean="0"/>
-              <a:t>4647 </a:t>
-            </a:r>
-            <a:r>
-              <a:rPr lang="en-US" dirty="0"/>
-              <a:t>(a user initiated the logoff process)...</a:t>
+              <a:rPr lang="en-US"/>
+              <a:t>4608 (Windows is starting up)</a:t>
+            </a:r>
+          </a:p>
+          <a:p>
+            <a:r>
+              <a:rPr lang="en-US"/>
+              <a:t>1100 (service shutdown)</a:t>
+            </a:r>
+          </a:p>
+          <a:p>
+            <a:r>
+              <a:rPr lang="en-US"/>
+              <a:t>4624 (successful logon)</a:t>
+            </a:r>
+          </a:p>
+          <a:p>
+            <a:r>
+              <a:rPr lang="en-US"/>
+              <a:t>4634 (logoff)</a:t>
+            </a:r>
+          </a:p>
+          <a:p>
+            <a:r>
+              <a:rPr lang="en-US"/>
+              <a:t>4625 (logon failure)</a:t>
+            </a:r>
+          </a:p>
+          <a:p>
+            <a:r>
+              <a:rPr lang="en-US"/>
+              <a:t>4647 (a user initiated the logoff process)...</a:t>
             </a:r>
           </a:p>
         </p:txBody>
@@ -9533,7 +10672,7 @@
 </p:sld>
 </file>
 
-<file path=ppt/slides/slide27.xml><?xml version="1.0" encoding="utf-8"?>
+<file path=ppt/slides/slide29.xml><?xml version="1.0" encoding="utf-8"?>
 <p:sld xmlns:a="http://schemas.openxmlformats.org/drawingml/2006/main" xmlns:r="http://schemas.openxmlformats.org/officeDocument/2006/relationships" xmlns:p="http://schemas.openxmlformats.org/presentationml/2006/main">
   <p:cSld>
     <p:spTree>
@@ -9566,11 +10705,11 @@
           <a:lstStyle/>
           <a:p>
             <a:r>
-              <a:rPr lang="en-US" dirty="0" smtClean="0"/>
+              <a:rPr lang="en-US"/>
               <a:t>Substitute </a:t>
             </a:r>
             <a:r>
-              <a:rPr lang="en-US" i="1" dirty="0" err="1" smtClean="0">
+              <a:rPr lang="en-US" i="1" err="1">
                 <a:solidFill>
                   <a:srgbClr val="7030A0"/>
                 </a:solidFill>
@@ -9578,7 +10717,7 @@
               <a:t>xmlstarlet</a:t>
             </a:r>
             <a:r>
-              <a:rPr lang="en-US" i="1" dirty="0" smtClean="0">
+              <a:rPr lang="en-US" i="1">
                 <a:solidFill>
                   <a:srgbClr val="7030A0"/>
                 </a:solidFill>
@@ -9586,7 +10725,7 @@
               <a:t> </a:t>
             </a:r>
             <a:r>
-              <a:rPr lang="en-US" i="1" dirty="0" err="1" smtClean="0">
+              <a:rPr lang="en-US" i="1" err="1">
                 <a:solidFill>
                   <a:srgbClr val="FF0000"/>
                 </a:solidFill>
@@ -9594,7 +10733,7 @@
               <a:t>sel</a:t>
             </a:r>
             <a:r>
-              <a:rPr lang="en-US" i="1" dirty="0" smtClean="0">
+              <a:rPr lang="en-US" i="1">
                 <a:solidFill>
                   <a:srgbClr val="FF0000"/>
                 </a:solidFill>
@@ -9602,18 +10741,18 @@
               <a:t> </a:t>
             </a:r>
             <a:r>
-              <a:rPr lang="en-US" dirty="0" smtClean="0"/>
+              <a:rPr lang="en-US"/>
               <a:t>results using </a:t>
             </a:r>
             <a:r>
-              <a:rPr lang="en-US" dirty="0" err="1" smtClean="0">
+              <a:rPr lang="en-US" err="1">
                 <a:solidFill>
                   <a:srgbClr val="FF0000"/>
                 </a:solidFill>
               </a:rPr>
               <a:t>sed</a:t>
             </a:r>
-            <a:endParaRPr lang="en-US" dirty="0">
+            <a:endParaRPr lang="en-US">
               <a:solidFill>
                 <a:srgbClr val="FF0000"/>
               </a:solidFill>
@@ -9653,7 +10792,7 @@
 </p:sld>
 </file>
 
-<file path=ppt/slides/slide28.xml><?xml version="1.0" encoding="utf-8"?>
+<file path=ppt/slides/slide3.xml><?xml version="1.0" encoding="utf-8"?>
 <p:sld xmlns:a="http://schemas.openxmlformats.org/drawingml/2006/main" xmlns:r="http://schemas.openxmlformats.org/officeDocument/2006/relationships" xmlns:p="http://schemas.openxmlformats.org/presentationml/2006/main">
   <p:cSld>
     <p:spTree>
@@ -9670,6 +10809,116 @@
           <a:chExt cx="0" cy="0"/>
         </a:xfrm>
       </p:grpSpPr>
+      <p:pic>
+        <p:nvPicPr>
+          <p:cNvPr id="5" name="Picture 4">
+            <a:extLst>
+              <a:ext uri="{FF2B5EF4-FFF2-40B4-BE49-F238E27FC236}">
+                <a16:creationId xmlns:a16="http://schemas.microsoft.com/office/drawing/2014/main" id="{95F58510-DF37-4D01-9393-C9D571CB7183}"/>
+              </a:ext>
+            </a:extLst>
+          </p:cNvPr>
+          <p:cNvPicPr>
+            <a:picLocks noChangeAspect="1"/>
+          </p:cNvPicPr>
+          <p:nvPr/>
+        </p:nvPicPr>
+        <p:blipFill>
+          <a:blip r:embed="rId2"/>
+          <a:stretch>
+            <a:fillRect/>
+          </a:stretch>
+        </p:blipFill>
+        <p:spPr>
+          <a:xfrm>
+            <a:off x="1916636" y="471791"/>
+            <a:ext cx="7561010" cy="5914417"/>
+          </a:xfrm>
+          <a:prstGeom prst="rect">
+            <a:avLst/>
+          </a:prstGeom>
+          <a:ln>
+            <a:noFill/>
+          </a:ln>
+          <a:effectLst>
+            <a:outerShdw blurRad="292100" dist="139700" dir="2700000" algn="tl" rotWithShape="0">
+              <a:srgbClr val="333333">
+                <a:alpha val="65000"/>
+              </a:srgbClr>
+            </a:outerShdw>
+          </a:effectLst>
+        </p:spPr>
+      </p:pic>
+      <p:sp>
+        <p:nvSpPr>
+          <p:cNvPr id="6" name="TextBox 5">
+            <a:extLst>
+              <a:ext uri="{FF2B5EF4-FFF2-40B4-BE49-F238E27FC236}">
+                <a16:creationId xmlns:a16="http://schemas.microsoft.com/office/drawing/2014/main" id="{91BAA3C5-CB4D-45A7-9C2A-4F36C1719782}"/>
+              </a:ext>
+            </a:extLst>
+          </p:cNvPr>
+          <p:cNvSpPr txBox="1"/>
+          <p:nvPr/>
+        </p:nvSpPr>
+        <p:spPr>
+          <a:xfrm>
+            <a:off x="6096000" y="631965"/>
+            <a:ext cx="1857496" cy="369332"/>
+          </a:xfrm>
+          <a:prstGeom prst="rect">
+            <a:avLst/>
+          </a:prstGeom>
+          <a:solidFill>
+            <a:schemeClr val="accent4">
+              <a:lumMod val="20000"/>
+              <a:lumOff val="80000"/>
+            </a:schemeClr>
+          </a:solidFill>
+        </p:spPr>
+        <p:txBody>
+          <a:bodyPr wrap="none" rtlCol="0">
+            <a:spAutoFit/>
+          </a:bodyPr>
+          <a:lstStyle/>
+          <a:p>
+            <a:r>
+              <a:rPr lang="en-US" dirty="0"/>
+              <a:t>Logon event 4624</a:t>
+            </a:r>
+          </a:p>
+        </p:txBody>
+      </p:sp>
+    </p:spTree>
+    <p:extLst>
+      <p:ext uri="{BB962C8B-B14F-4D97-AF65-F5344CB8AC3E}">
+        <p14:creationId xmlns:p14="http://schemas.microsoft.com/office/powerpoint/2010/main" val="3056732691"/>
+      </p:ext>
+    </p:extLst>
+  </p:cSld>
+  <p:clrMapOvr>
+    <a:masterClrMapping/>
+  </p:clrMapOvr>
+</p:sld>
+</file>
+
+<file path=ppt/slides/slide30.xml><?xml version="1.0" encoding="utf-8"?>
+<p:sld xmlns:a="http://schemas.openxmlformats.org/drawingml/2006/main" xmlns:r="http://schemas.openxmlformats.org/officeDocument/2006/relationships" xmlns:p="http://schemas.openxmlformats.org/presentationml/2006/main">
+  <p:cSld>
+    <p:spTree>
+      <p:nvGrpSpPr>
+        <p:cNvPr id="1" name=""/>
+        <p:cNvGrpSpPr/>
+        <p:nvPr/>
+      </p:nvGrpSpPr>
+      <p:grpSpPr>
+        <a:xfrm>
+          <a:off x="0" y="0"/>
+          <a:ext cx="0" cy="0"/>
+          <a:chOff x="0" y="0"/>
+          <a:chExt cx="0" cy="0"/>
+        </a:xfrm>
+      </p:grpSpPr>
       <p:sp>
         <p:nvSpPr>
           <p:cNvPr id="5" name="Title 4"/>
@@ -9686,7 +10935,7 @@
           <a:lstStyle/>
           <a:p>
             <a:r>
-              <a:rPr lang="en-US" dirty="0">
+              <a:rPr lang="en-US">
                 <a:solidFill>
                   <a:srgbClr val="FF0000"/>
                 </a:solidFill>
@@ -9694,11 +10943,11 @@
               <a:t>s</a:t>
             </a:r>
             <a:r>
-              <a:rPr lang="en-US" dirty="0"/>
+              <a:rPr lang="en-US"/>
               <a:t>tream </a:t>
             </a:r>
             <a:r>
-              <a:rPr lang="en-US" dirty="0">
+              <a:rPr lang="en-US">
                 <a:solidFill>
                   <a:srgbClr val="FF0000"/>
                 </a:solidFill>
@@ -9706,7 +10955,7 @@
               <a:t>ed</a:t>
             </a:r>
             <a:r>
-              <a:rPr lang="en-US" dirty="0"/>
+              <a:rPr lang="en-US"/>
               <a:t>itor</a:t>
             </a:r>
           </a:p>
@@ -9735,32 +10984,15 @@
           <a:lstStyle/>
           <a:p>
             <a:r>
-              <a:rPr lang="en-US" dirty="0" smtClean="0"/>
-              <a:t>Used </a:t>
-            </a:r>
-            <a:r>
-              <a:rPr lang="en-US" dirty="0"/>
-              <a:t>to perform basic text transformations </a:t>
-            </a:r>
-            <a:r>
-              <a:rPr lang="en-US" dirty="0" smtClean="0"/>
-              <a:t>on an </a:t>
-            </a:r>
-            <a:r>
-              <a:rPr lang="en-US" dirty="0"/>
-              <a:t>input stream (a file or input from a pipeline</a:t>
-            </a:r>
-            <a:r>
-              <a:rPr lang="en-US" dirty="0" smtClean="0"/>
-              <a:t>).</a:t>
-            </a:r>
-          </a:p>
-          <a:p>
-            <a:r>
-              <a:rPr lang="en-US" dirty="0" smtClean="0"/>
+              <a:rPr lang="en-US"/>
+              <a:t>Used to perform basic text transformations on an input stream (a file or input from a pipeline).</a:t>
+            </a:r>
+          </a:p>
+          <a:p>
+            <a:r>
+              <a:rPr lang="en-US"/>
               <a:t>Can apply regular expression</a:t>
             </a:r>
-            <a:endParaRPr lang="en-US" dirty="0"/>
           </a:p>
         </p:txBody>
       </p:sp>
@@ -9813,11 +11045,11 @@
           <a:lstStyle/>
           <a:p>
             <a:r>
-              <a:rPr lang="en-US" dirty="0" smtClean="0"/>
+              <a:rPr lang="en-US"/>
               <a:t>Substitute </a:t>
             </a:r>
             <a:r>
-              <a:rPr lang="en-US" i="1" dirty="0" smtClean="0">
+              <a:rPr lang="en-US" i="1">
                 <a:solidFill>
                   <a:srgbClr val="7030A0"/>
                 </a:solidFill>
@@ -9825,11 +11057,11 @@
               <a:t>morning</a:t>
             </a:r>
             <a:r>
-              <a:rPr lang="en-US" dirty="0" smtClean="0"/>
+              <a:rPr lang="en-US"/>
               <a:t> in text stream with </a:t>
             </a:r>
             <a:r>
-              <a:rPr lang="en-US" i="1" dirty="0">
+              <a:rPr lang="en-US" i="1">
                 <a:solidFill>
                   <a:srgbClr val="7030A0"/>
                 </a:solidFill>
@@ -9852,7 +11084,7 @@
 </p:sld>
 </file>
 
-<file path=ppt/slides/slide29.xml><?xml version="1.0" encoding="utf-8"?>
+<file path=ppt/slides/slide31.xml><?xml version="1.0" encoding="utf-8"?>
 <p:sld xmlns:a="http://schemas.openxmlformats.org/drawingml/2006/main" xmlns:r="http://schemas.openxmlformats.org/officeDocument/2006/relationships" xmlns:p="http://schemas.openxmlformats.org/presentationml/2006/main">
   <p:cSld>
     <p:spTree>
@@ -9918,11 +11150,11 @@
           <a:lstStyle/>
           <a:p>
             <a:r>
-              <a:rPr lang="en-US" dirty="0" smtClean="0"/>
+              <a:rPr lang="en-US"/>
               <a:t>Substitute </a:t>
             </a:r>
             <a:r>
-              <a:rPr lang="en-US" i="1" dirty="0" smtClean="0">
+              <a:rPr lang="en-US" i="1">
                 <a:solidFill>
                   <a:srgbClr val="7030A0"/>
                 </a:solidFill>
@@ -9930,11 +11162,11 @@
               <a:t>morning</a:t>
             </a:r>
             <a:r>
-              <a:rPr lang="en-US" dirty="0" smtClean="0"/>
+              <a:rPr lang="en-US"/>
               <a:t> in text stream with </a:t>
             </a:r>
             <a:r>
-              <a:rPr lang="en-US" i="1" dirty="0">
+              <a:rPr lang="en-US" i="1">
                 <a:solidFill>
                   <a:srgbClr val="7030A0"/>
                 </a:solidFill>
@@ -9957,126 +11189,7 @@
 </p:sld>
 </file>
 
-<file path=ppt/slides/slide3.xml><?xml version="1.0" encoding="utf-8"?>
-<p:sld xmlns:a="http://schemas.openxmlformats.org/drawingml/2006/main" xmlns:r="http://schemas.openxmlformats.org/officeDocument/2006/relationships" xmlns:p="http://schemas.openxmlformats.org/presentationml/2006/main">
-  <p:cSld>
-    <p:spTree>
-      <p:nvGrpSpPr>
-        <p:cNvPr id="1" name=""/>
-        <p:cNvGrpSpPr/>
-        <p:nvPr/>
-      </p:nvGrpSpPr>
-      <p:grpSpPr>
-        <a:xfrm>
-          <a:off x="0" y="0"/>
-          <a:ext cx="0" cy="0"/>
-          <a:chOff x="0" y="0"/>
-          <a:chExt cx="0" cy="0"/>
-        </a:xfrm>
-      </p:grpSpPr>
-      <p:sp>
-        <p:nvSpPr>
-          <p:cNvPr id="2" name="Title 1"/>
-          <p:cNvSpPr>
-            <a:spLocks noGrp="1"/>
-          </p:cNvSpPr>
-          <p:nvPr>
-            <p:ph type="title"/>
-          </p:nvPr>
-        </p:nvSpPr>
-        <p:spPr/>
-        <p:txBody>
-          <a:bodyPr/>
-          <a:lstStyle/>
-          <a:p>
-            <a:r>
-              <a:rPr lang="en-US" dirty="0" smtClean="0"/>
-              <a:t>Overview</a:t>
-            </a:r>
-            <a:endParaRPr lang="en-US" dirty="0"/>
-          </a:p>
-        </p:txBody>
-      </p:sp>
-      <p:sp>
-        <p:nvSpPr>
-          <p:cNvPr id="3" name="Content Placeholder 2"/>
-          <p:cNvSpPr>
-            <a:spLocks noGrp="1"/>
-          </p:cNvSpPr>
-          <p:nvPr>
-            <p:ph idx="1"/>
-          </p:nvPr>
-        </p:nvSpPr>
-        <p:spPr/>
-        <p:txBody>
-          <a:bodyPr/>
-          <a:lstStyle/>
-          <a:p>
-            <a:r>
-              <a:rPr lang="en-US" dirty="0" smtClean="0"/>
-              <a:t>Install XML parser (</a:t>
-            </a:r>
-            <a:r>
-              <a:rPr lang="en-US" dirty="0" err="1" smtClean="0"/>
-              <a:t>xmlstarlet</a:t>
-            </a:r>
-            <a:r>
-              <a:rPr lang="en-US" dirty="0" smtClean="0"/>
-              <a:t>)</a:t>
-            </a:r>
-          </a:p>
-          <a:p>
-            <a:r>
-              <a:rPr lang="en-US" dirty="0" smtClean="0"/>
-              <a:t>Validating Security Event Log XML documents</a:t>
-            </a:r>
-          </a:p>
-          <a:p>
-            <a:r>
-              <a:rPr lang="en-US" dirty="0"/>
-              <a:t>Display element structure of XML document </a:t>
-            </a:r>
-            <a:endParaRPr lang="en-US" dirty="0" smtClean="0"/>
-          </a:p>
-          <a:p>
-            <a:r>
-              <a:rPr lang="en-US" dirty="0"/>
-              <a:t>Format XML document </a:t>
-            </a:r>
-          </a:p>
-          <a:p>
-            <a:r>
-              <a:rPr lang="en-US" dirty="0" smtClean="0"/>
-              <a:t>Query </a:t>
-            </a:r>
-            <a:r>
-              <a:rPr lang="en-US" dirty="0"/>
-              <a:t>XML documents </a:t>
-            </a:r>
-            <a:endParaRPr lang="en-US" dirty="0" smtClean="0"/>
-          </a:p>
-          <a:p>
-            <a:r>
-              <a:rPr lang="en-US" dirty="0"/>
-              <a:t>Modify or edit XML documents</a:t>
-            </a:r>
-          </a:p>
-        </p:txBody>
-      </p:sp>
-    </p:spTree>
-    <p:extLst>
-      <p:ext uri="{BB962C8B-B14F-4D97-AF65-F5344CB8AC3E}">
-        <p14:creationId xmlns:p14="http://schemas.microsoft.com/office/powerpoint/2010/main" val="4132490787"/>
-      </p:ext>
-    </p:extLst>
-  </p:cSld>
-  <p:clrMapOvr>
-    <a:masterClrMapping/>
-  </p:clrMapOvr>
-</p:sld>
-</file>
-
-<file path=ppt/slides/slide30.xml><?xml version="1.0" encoding="utf-8"?>
+<file path=ppt/slides/slide32.xml><?xml version="1.0" encoding="utf-8"?>
 <p:sld xmlns:a="http://schemas.openxmlformats.org/drawingml/2006/main" xmlns:r="http://schemas.openxmlformats.org/officeDocument/2006/relationships" xmlns:p="http://schemas.openxmlformats.org/presentationml/2006/main">
   <p:cSld>
     <p:spTree>
@@ -10145,11 +11258,11 @@
           <a:lstStyle/>
           <a:p>
             <a:r>
-              <a:rPr lang="en-US" dirty="0"/>
+              <a:rPr lang="en-US"/>
               <a:t>/</a:t>
             </a:r>
             <a:r>
-              <a:rPr lang="en-US" b="1" dirty="0">
+              <a:rPr lang="en-US" b="1">
                 <a:solidFill>
                   <a:srgbClr val="FF0000"/>
                 </a:solidFill>
@@ -10157,7 +11270,7 @@
               <a:t>g </a:t>
             </a:r>
             <a:r>
-              <a:rPr lang="en-US" dirty="0"/>
+              <a:rPr lang="en-US"/>
               <a:t>- Global replacement</a:t>
             </a:r>
           </a:p>
@@ -10176,7 +11289,7 @@
 </p:sld>
 </file>
 
-<file path=ppt/slides/slide31.xml><?xml version="1.0" encoding="utf-8"?>
+<file path=ppt/slides/slide33.xml><?xml version="1.0" encoding="utf-8"?>
 <p:sld xmlns:a="http://schemas.openxmlformats.org/drawingml/2006/main" xmlns:r="http://schemas.openxmlformats.org/officeDocument/2006/relationships" xmlns:p="http://schemas.openxmlformats.org/presentationml/2006/main">
   <p:cSld>
     <p:spTree>
@@ -10221,90 +11334,42 @@
           <a:lstStyle/>
           <a:p>
             <a:r>
-              <a:rPr lang="en-US" dirty="0" smtClean="0">
+              <a:rPr lang="en-US">
                 <a:solidFill>
                   <a:srgbClr val="FF0000"/>
                 </a:solidFill>
               </a:rPr>
-              <a:t>4608 </a:t>
-            </a:r>
-            <a:r>
-              <a:rPr lang="en-US" dirty="0">
-                <a:solidFill>
-                  <a:srgbClr val="FF0000"/>
-                </a:solidFill>
-              </a:rPr>
-              <a:t>(Windows is starting up</a:t>
-            </a:r>
-            <a:r>
-              <a:rPr lang="en-US" dirty="0" smtClean="0">
-                <a:solidFill>
-                  <a:srgbClr val="FF0000"/>
-                </a:solidFill>
-              </a:rPr>
-              <a:t>)</a:t>
-            </a:r>
-          </a:p>
-          <a:p>
-            <a:r>
-              <a:rPr lang="en-US" dirty="0" smtClean="0"/>
-              <a:t>1100 </a:t>
-            </a:r>
-            <a:r>
-              <a:rPr lang="en-US" dirty="0"/>
-              <a:t>(service shutdown)</a:t>
-            </a:r>
-          </a:p>
-          <a:p>
-            <a:r>
-              <a:rPr lang="en-US" dirty="0" smtClean="0"/>
-              <a:t>4624 </a:t>
-            </a:r>
-            <a:r>
-              <a:rPr lang="en-US" dirty="0"/>
-              <a:t>(successful logon</a:t>
-            </a:r>
-            <a:r>
-              <a:rPr lang="en-US" dirty="0" smtClean="0"/>
-              <a:t>)</a:t>
-            </a:r>
-          </a:p>
-          <a:p>
-            <a:r>
-              <a:rPr lang="en-US" dirty="0" smtClean="0"/>
-              <a:t>4634 </a:t>
-            </a:r>
-            <a:r>
-              <a:rPr lang="en-US" dirty="0"/>
-              <a:t>(</a:t>
-            </a:r>
-            <a:r>
-              <a:rPr lang="en-US" dirty="0" smtClean="0"/>
-              <a:t>logoff)</a:t>
-            </a:r>
-          </a:p>
-          <a:p>
-            <a:r>
-              <a:rPr lang="en-US" dirty="0" smtClean="0"/>
-              <a:t>4625 </a:t>
-            </a:r>
-            <a:r>
-              <a:rPr lang="en-US" dirty="0"/>
-              <a:t>(logon failure</a:t>
-            </a:r>
-            <a:r>
-              <a:rPr lang="en-US" dirty="0" smtClean="0"/>
-              <a:t>)</a:t>
-            </a:r>
-          </a:p>
-          <a:p>
-            <a:r>
-              <a:rPr lang="en-US" dirty="0" smtClean="0"/>
-              <a:t>4647 </a:t>
-            </a:r>
-            <a:r>
-              <a:rPr lang="en-US" dirty="0"/>
-              <a:t>(a user initiated the logoff process)...</a:t>
+              <a:t>4608 (Windows is starting up)</a:t>
+            </a:r>
+          </a:p>
+          <a:p>
+            <a:r>
+              <a:rPr lang="en-US"/>
+              <a:t>1100 (service shutdown)</a:t>
+            </a:r>
+          </a:p>
+          <a:p>
+            <a:r>
+              <a:rPr lang="en-US"/>
+              <a:t>4624 (successful logon)</a:t>
+            </a:r>
+          </a:p>
+          <a:p>
+            <a:r>
+              <a:rPr lang="en-US"/>
+              <a:t>4634 (logoff)</a:t>
+            </a:r>
+          </a:p>
+          <a:p>
+            <a:r>
+              <a:rPr lang="en-US"/>
+              <a:t>4625 (logon failure)</a:t>
+            </a:r>
+          </a:p>
+          <a:p>
+            <a:r>
+              <a:rPr lang="en-US"/>
+              <a:t>4647 (a user initiated the logoff process)...</a:t>
             </a:r>
           </a:p>
         </p:txBody>
@@ -10346,7 +11411,7 @@
 </p:sld>
 </file>
 
-<file path=ppt/slides/slide32.xml><?xml version="1.0" encoding="utf-8"?>
+<file path=ppt/slides/slide34.xml><?xml version="1.0" encoding="utf-8"?>
 <p:sld xmlns:a="http://schemas.openxmlformats.org/drawingml/2006/main" xmlns:r="http://schemas.openxmlformats.org/officeDocument/2006/relationships" xmlns:p="http://schemas.openxmlformats.org/presentationml/2006/main">
   <p:cSld>
     <p:spTree>
@@ -10379,7 +11444,7 @@
           <a:lstStyle/>
           <a:p>
             <a:r>
-              <a:rPr lang="en-US" dirty="0" smtClean="0">
+              <a:rPr lang="en-US">
                 <a:solidFill>
                   <a:srgbClr val="FF0000"/>
                 </a:solidFill>
@@ -10387,12 +11452,8 @@
               <a:t>ed</a:t>
             </a:r>
             <a:r>
-              <a:rPr lang="en-US" dirty="0" smtClean="0"/>
-              <a:t>it XML </a:t>
-            </a:r>
-            <a:r>
-              <a:rPr lang="en-US" dirty="0"/>
-              <a:t>document(s) </a:t>
+              <a:rPr lang="en-US"/>
+              <a:t>it XML document(s) </a:t>
             </a:r>
           </a:p>
         </p:txBody>
@@ -10429,7 +11490,7 @@
 </p:sld>
 </file>
 
-<file path=ppt/slides/slide33.xml><?xml version="1.0" encoding="utf-8"?>
+<file path=ppt/slides/slide35.xml><?xml version="1.0" encoding="utf-8"?>
 <p:sld xmlns:a="http://schemas.openxmlformats.org/drawingml/2006/main" xmlns:r="http://schemas.openxmlformats.org/officeDocument/2006/relationships" xmlns:p="http://schemas.openxmlformats.org/presentationml/2006/main">
   <p:cSld>
     <p:spTree>
@@ -10483,7 +11544,7 @@
 </p:sld>
 </file>
 
-<file path=ppt/slides/slide34.xml><?xml version="1.0" encoding="utf-8"?>
+<file path=ppt/slides/slide36.xml><?xml version="1.0" encoding="utf-8"?>
 <p:sld xmlns:a="http://schemas.openxmlformats.org/drawingml/2006/main" xmlns:r="http://schemas.openxmlformats.org/officeDocument/2006/relationships" xmlns:p="http://schemas.openxmlformats.org/presentationml/2006/main">
   <p:cSld>
     <p:spTree>
@@ -10537,7 +11598,7 @@
 </p:sld>
 </file>
 
-<file path=ppt/slides/slide35.xml><?xml version="1.0" encoding="utf-8"?>
+<file path=ppt/slides/slide37.xml><?xml version="1.0" encoding="utf-8"?>
 <p:sld xmlns:a="http://schemas.openxmlformats.org/drawingml/2006/main" xmlns:r="http://schemas.openxmlformats.org/officeDocument/2006/relationships" xmlns:p="http://schemas.openxmlformats.org/presentationml/2006/main">
   <p:cSld>
     <p:spTree>
@@ -10603,7 +11664,7 @@
           <a:lstStyle/>
           <a:p>
             <a:r>
-              <a:rPr lang="en-US" b="1" dirty="0" smtClean="0">
+              <a:rPr lang="en-US" b="1">
                 <a:solidFill>
                   <a:srgbClr val="FF0000"/>
                 </a:solidFill>
@@ -10611,22 +11672,17 @@
               <a:t>“d</a:t>
             </a:r>
             <a:r>
-              <a:rPr lang="en-US" dirty="0" smtClean="0"/>
+              <a:rPr lang="en-US"/>
               <a:t>elete” the node </a:t>
             </a:r>
             <a:r>
-              <a:rPr lang="en-US" i="1" dirty="0" smtClean="0">
+              <a:rPr lang="en-US" i="1">
                 <a:solidFill>
                   <a:srgbClr val="7030A0"/>
                 </a:solidFill>
               </a:rPr>
               <a:t>&lt;Level&gt;&lt;/Level&gt;</a:t>
             </a:r>
-            <a:endParaRPr lang="en-US" i="1" dirty="0">
-              <a:solidFill>
-                <a:srgbClr val="7030A0"/>
-              </a:solidFill>
-            </a:endParaRPr>
           </a:p>
         </p:txBody>
       </p:sp>
@@ -10643,7 +11699,7 @@
 </p:sld>
 </file>
 
-<file path=ppt/slides/slide36.xml><?xml version="1.0" encoding="utf-8"?>
+<file path=ppt/slides/slide38.xml><?xml version="1.0" encoding="utf-8"?>
 <p:sld xmlns:a="http://schemas.openxmlformats.org/drawingml/2006/main" xmlns:r="http://schemas.openxmlformats.org/officeDocument/2006/relationships" xmlns:p="http://schemas.openxmlformats.org/presentationml/2006/main">
   <p:cSld>
     <p:spTree>
@@ -10709,7 +11765,7 @@
           <a:lstStyle/>
           <a:p>
             <a:r>
-              <a:rPr lang="en-US" b="1" i="1" dirty="0" smtClean="0">
+              <a:rPr lang="en-US" b="1" i="1">
                 <a:solidFill>
                   <a:srgbClr val="FF0000"/>
                 </a:solidFill>
@@ -10717,78 +11773,57 @@
               <a:t>O</a:t>
             </a:r>
             <a:r>
-              <a:rPr lang="en-US" i="1" dirty="0" smtClean="0">
+              <a:rPr lang="en-US" i="1">
                 <a:solidFill>
                   <a:srgbClr val="7030A0"/>
                 </a:solidFill>
               </a:rPr>
-              <a:t>mit </a:t>
-            </a:r>
-            <a:r>
-              <a:rPr lang="en-US" i="1" dirty="0">
+              <a:t>mit XML declaration (&lt;?xml ...?&gt;) </a:t>
+            </a:r>
+            <a:r>
+              <a:rPr lang="en-US"/>
+              <a:t>and</a:t>
+            </a:r>
+            <a:r>
+              <a:rPr lang="en-US" i="1">
                 <a:solidFill>
                   <a:srgbClr val="7030A0"/>
                 </a:solidFill>
               </a:rPr>
-              <a:t>XML declaration (&lt;?xml </a:t>
-            </a:r>
-            <a:r>
-              <a:rPr lang="en-US" i="1" dirty="0" smtClean="0">
+              <a:t> “</a:t>
+            </a:r>
+            <a:r>
+              <a:rPr lang="en-US" b="1" i="1">
+                <a:solidFill>
+                  <a:srgbClr val="FF0000"/>
+                </a:solidFill>
+              </a:rPr>
+              <a:t>d</a:t>
+            </a:r>
+            <a:r>
+              <a:rPr lang="en-US"/>
+              <a:t>elete”</a:t>
+            </a:r>
+            <a:r>
+              <a:rPr lang="en-US" i="1">
                 <a:solidFill>
                   <a:srgbClr val="7030A0"/>
                 </a:solidFill>
               </a:rPr>
-              <a:t>...?&gt;) </a:t>
-            </a:r>
-            <a:r>
-              <a:rPr lang="en-US" dirty="0"/>
-              <a:t>and</a:t>
-            </a:r>
-            <a:r>
-              <a:rPr lang="en-US" i="1" dirty="0" smtClean="0">
+              <a:t> </a:t>
+            </a:r>
+            <a:r>
+              <a:rPr lang="en-US"/>
+              <a:t>the node </a:t>
+            </a:r>
+            <a:r>
+              <a:rPr lang="en-US" i="1">
                 <a:solidFill>
                   <a:srgbClr val="7030A0"/>
                 </a:solidFill>
               </a:rPr>
-              <a:t> “</a:t>
-            </a:r>
-            <a:r>
-              <a:rPr lang="en-US" b="1" i="1" dirty="0" smtClean="0">
-                <a:solidFill>
-                  <a:srgbClr val="FF0000"/>
-                </a:solidFill>
-              </a:rPr>
-              <a:t>d</a:t>
-            </a:r>
-            <a:r>
-              <a:rPr lang="en-US" dirty="0" smtClean="0"/>
-              <a:t>elete”</a:t>
-            </a:r>
-            <a:r>
-              <a:rPr lang="en-US" i="1" dirty="0" smtClean="0">
-                <a:solidFill>
-                  <a:srgbClr val="7030A0"/>
-                </a:solidFill>
-              </a:rPr>
-              <a:t> </a:t>
-            </a:r>
-            <a:r>
-              <a:rPr lang="en-US" dirty="0" smtClean="0"/>
-              <a:t>the node </a:t>
-            </a:r>
-            <a:r>
-              <a:rPr lang="en-US" i="1" dirty="0" smtClean="0">
-                <a:solidFill>
-                  <a:srgbClr val="7030A0"/>
-                </a:solidFill>
-              </a:rPr>
               <a:t>&lt;Level&gt;&lt;/Level&gt;</a:t>
             </a:r>
-            <a:endParaRPr lang="en-US" i="1" dirty="0">
-              <a:solidFill>
-                <a:srgbClr val="7030A0"/>
-              </a:solidFill>
-            </a:endParaRPr>
           </a:p>
         </p:txBody>
       </p:sp>
@@ -10820,7 +11855,7 @@
           <a:lstStyle/>
           <a:p>
             <a:r>
-              <a:rPr lang="en-US" dirty="0" smtClean="0">
+              <a:rPr lang="en-US">
                 <a:solidFill>
                   <a:srgbClr val="FF0000"/>
                 </a:solidFill>
@@ -10828,11 +11863,11 @@
               <a:t>-d</a:t>
             </a:r>
             <a:r>
-              <a:rPr lang="en-US" dirty="0" smtClean="0"/>
+              <a:rPr lang="en-US"/>
               <a:t>: is not </a:t>
             </a:r>
             <a:r>
-              <a:rPr lang="en-US" dirty="0" smtClean="0">
+              <a:rPr lang="en-US">
                 <a:solidFill>
                   <a:srgbClr val="FF0000"/>
                 </a:solidFill>
@@ -10840,37 +11875,28 @@
               <a:t>actually</a:t>
             </a:r>
             <a:r>
-              <a:rPr lang="en-US" dirty="0" smtClean="0"/>
+              <a:rPr lang="en-US"/>
               <a:t> deleting the note, </a:t>
             </a:r>
           </a:p>
           <a:p>
             <a:r>
-              <a:rPr lang="en-US" dirty="0"/>
-              <a:t>o</a:t>
-            </a:r>
-            <a:r>
-              <a:rPr lang="en-US" dirty="0" smtClean="0"/>
-              <a:t>nly show deleted stream</a:t>
-            </a:r>
-          </a:p>
-          <a:p>
-            <a:endParaRPr lang="en-US" dirty="0"/>
-          </a:p>
-          <a:p>
-            <a:r>
-              <a:rPr lang="en-US" b="1" dirty="0" smtClean="0">
+              <a:rPr lang="en-US"/>
+              <a:t>only show deleted stream</a:t>
+            </a:r>
+          </a:p>
+          <a:p>
+            <a:endParaRPr lang="en-US"/>
+          </a:p>
+          <a:p>
+            <a:r>
+              <a:rPr lang="en-US" b="1">
                 <a:solidFill>
                   <a:srgbClr val="7030A0"/>
                 </a:solidFill>
               </a:rPr>
               <a:t>How to actually delete a node?</a:t>
             </a:r>
-            <a:endParaRPr lang="en-US" b="1" dirty="0">
-              <a:solidFill>
-                <a:srgbClr val="7030A0"/>
-              </a:solidFill>
-            </a:endParaRPr>
           </a:p>
         </p:txBody>
       </p:sp>
@@ -10887,7 +11913,7 @@
 </p:sld>
 </file>
 
-<file path=ppt/slides/slide37.xml><?xml version="1.0" encoding="utf-8"?>
+<file path=ppt/slides/slide39.xml><?xml version="1.0" encoding="utf-8"?>
 <p:sld xmlns:a="http://schemas.openxmlformats.org/drawingml/2006/main" xmlns:r="http://schemas.openxmlformats.org/officeDocument/2006/relationships" xmlns:p="http://schemas.openxmlformats.org/presentationml/2006/main">
   <p:cSld>
     <p:spTree>
@@ -10920,7 +11946,7 @@
           <a:lstStyle/>
           <a:p>
             <a:r>
-              <a:rPr lang="en-US" dirty="0"/>
+              <a:rPr lang="en-US"/>
               <a:t>Deleting namespace declarations</a:t>
             </a:r>
           </a:p>
@@ -10958,7 +11984,137 @@
 </p:sld>
 </file>
 
-<file path=ppt/slides/slide38.xml><?xml version="1.0" encoding="utf-8"?>
+<file path=ppt/slides/slide4.xml><?xml version="1.0" encoding="utf-8"?>
+<p:sld xmlns:a="http://schemas.openxmlformats.org/drawingml/2006/main" xmlns:r="http://schemas.openxmlformats.org/officeDocument/2006/relationships" xmlns:p="http://schemas.openxmlformats.org/presentationml/2006/main">
+  <p:cSld>
+    <p:spTree>
+      <p:nvGrpSpPr>
+        <p:cNvPr id="1" name=""/>
+        <p:cNvGrpSpPr/>
+        <p:nvPr/>
+      </p:nvGrpSpPr>
+      <p:grpSpPr>
+        <a:xfrm>
+          <a:off x="0" y="0"/>
+          <a:ext cx="0" cy="0"/>
+          <a:chOff x="0" y="0"/>
+          <a:chExt cx="0" cy="0"/>
+        </a:xfrm>
+      </p:grpSpPr>
+      <p:sp>
+        <p:nvSpPr>
+          <p:cNvPr id="2" name="Title 1"/>
+          <p:cNvSpPr>
+            <a:spLocks noGrp="1"/>
+          </p:cNvSpPr>
+          <p:nvPr>
+            <p:ph type="title"/>
+          </p:nvPr>
+        </p:nvSpPr>
+        <p:spPr/>
+        <p:txBody>
+          <a:bodyPr/>
+          <a:lstStyle/>
+          <a:p>
+            <a:r>
+              <a:rPr lang="en-US" dirty="0"/>
+              <a:t>Overview</a:t>
+            </a:r>
+          </a:p>
+        </p:txBody>
+      </p:sp>
+      <p:sp>
+        <p:nvSpPr>
+          <p:cNvPr id="3" name="Content Placeholder 2"/>
+          <p:cNvSpPr>
+            <a:spLocks noGrp="1"/>
+          </p:cNvSpPr>
+          <p:nvPr>
+            <p:ph idx="1"/>
+          </p:nvPr>
+        </p:nvSpPr>
+        <p:spPr/>
+        <p:txBody>
+          <a:bodyPr/>
+          <a:lstStyle/>
+          <a:p>
+            <a:r>
+              <a:rPr lang="en-US" dirty="0"/>
+              <a:t>Get a copy of security event log</a:t>
+            </a:r>
+          </a:p>
+          <a:p>
+            <a:r>
+              <a:rPr lang="en-US" dirty="0"/>
+              <a:t>Analyze the event log</a:t>
+            </a:r>
+          </a:p>
+          <a:p>
+            <a:pPr lvl="1"/>
+            <a:r>
+              <a:rPr lang="en-US" dirty="0"/>
+              <a:t>Install XML parser (</a:t>
+            </a:r>
+            <a:r>
+              <a:rPr lang="en-US" dirty="0" err="1"/>
+              <a:t>xmlstarlet</a:t>
+            </a:r>
+            <a:r>
+              <a:rPr lang="en-US" dirty="0"/>
+              <a:t>)</a:t>
+            </a:r>
+          </a:p>
+          <a:p>
+            <a:pPr lvl="1"/>
+            <a:r>
+              <a:rPr lang="en-US" dirty="0"/>
+              <a:t>Validating Security Event Log XML documents</a:t>
+            </a:r>
+          </a:p>
+          <a:p>
+            <a:pPr lvl="1"/>
+            <a:r>
+              <a:rPr lang="en-US" dirty="0"/>
+              <a:t>Display element structure of XML document </a:t>
+            </a:r>
+          </a:p>
+          <a:p>
+            <a:pPr lvl="1"/>
+            <a:r>
+              <a:rPr lang="en-US" dirty="0"/>
+              <a:t>Format XML document </a:t>
+            </a:r>
+          </a:p>
+          <a:p>
+            <a:pPr lvl="1"/>
+            <a:r>
+              <a:rPr lang="en-US" dirty="0"/>
+              <a:t>Query XML documents </a:t>
+            </a:r>
+          </a:p>
+          <a:p>
+            <a:pPr lvl="1"/>
+            <a:r>
+              <a:rPr lang="en-US" dirty="0"/>
+              <a:t>Modify or edit XML documents</a:t>
+            </a:r>
+          </a:p>
+        </p:txBody>
+      </p:sp>
+    </p:spTree>
+    <p:extLst>
+      <p:ext uri="{BB962C8B-B14F-4D97-AF65-F5344CB8AC3E}">
+        <p14:creationId xmlns:p14="http://schemas.microsoft.com/office/powerpoint/2010/main" val="4132490787"/>
+      </p:ext>
+    </p:extLst>
+  </p:cSld>
+  <p:clrMapOvr>
+    <a:masterClrMapping/>
+  </p:clrMapOvr>
+</p:sld>
+</file>
+
+<file path=ppt/slides/slide40.xml><?xml version="1.0" encoding="utf-8"?>
 <p:sld xmlns:a="http://schemas.openxmlformats.org/drawingml/2006/main" xmlns:r="http://schemas.openxmlformats.org/officeDocument/2006/relationships" xmlns:p="http://schemas.openxmlformats.org/presentationml/2006/main">
   <p:cSld>
     <p:spTree>
@@ -11012,7 +12168,7 @@
 </p:sld>
 </file>
 
-<file path=ppt/slides/slide39.xml><?xml version="1.0" encoding="utf-8"?>
+<file path=ppt/slides/slide41.xml><?xml version="1.0" encoding="utf-8"?>
 <p:sld xmlns:a="http://schemas.openxmlformats.org/drawingml/2006/main" xmlns:r="http://schemas.openxmlformats.org/officeDocument/2006/relationships" xmlns:p="http://schemas.openxmlformats.org/presentationml/2006/main">
   <p:cSld>
     <p:spTree>
@@ -11078,11 +12234,11 @@
           <a:lstStyle/>
           <a:p>
             <a:r>
-              <a:rPr lang="en-US" dirty="0" smtClean="0"/>
+              <a:rPr lang="en-US"/>
               <a:t>Substitute </a:t>
             </a:r>
             <a:r>
-              <a:rPr lang="en-US" i="1" dirty="0" err="1" smtClean="0">
+              <a:rPr lang="en-US" i="1" err="1">
                 <a:solidFill>
                   <a:srgbClr val="7030A0"/>
                 </a:solidFill>
@@ -11090,7 +12246,7 @@
               <a:t>xmlns</a:t>
             </a:r>
             <a:r>
-              <a:rPr lang="en-US" dirty="0" smtClean="0">
+              <a:rPr lang="en-US">
                 <a:solidFill>
                   <a:srgbClr val="7030A0"/>
                 </a:solidFill>
@@ -11098,11 +12254,11 @@
               <a:t> </a:t>
             </a:r>
             <a:r>
-              <a:rPr lang="en-US" dirty="0" smtClean="0"/>
+              <a:rPr lang="en-US"/>
               <a:t>with nothing (remove </a:t>
             </a:r>
             <a:r>
-              <a:rPr lang="en-US" i="1" dirty="0" err="1" smtClean="0">
+              <a:rPr lang="en-US" i="1" err="1">
                 <a:solidFill>
                   <a:srgbClr val="7030A0"/>
                 </a:solidFill>
@@ -11110,10 +12266,9 @@
               <a:t>xmlns</a:t>
             </a:r>
             <a:r>
-              <a:rPr lang="en-US" dirty="0" smtClean="0"/>
+              <a:rPr lang="en-US"/>
               <a:t>)</a:t>
             </a:r>
-            <a:endParaRPr lang="en-US" dirty="0"/>
           </a:p>
         </p:txBody>
       </p:sp>
@@ -11149,7 +12304,7 @@
               <a:buChar char="•"/>
             </a:pPr>
             <a:r>
-              <a:rPr lang="en-US" dirty="0" smtClean="0">
+              <a:rPr lang="en-US">
                 <a:solidFill>
                   <a:srgbClr val="FF0000"/>
                 </a:solidFill>
@@ -11157,7 +12312,7 @@
               <a:t>-e</a:t>
             </a:r>
             <a:r>
-              <a:rPr lang="en-US" dirty="0" smtClean="0"/>
+              <a:rPr lang="en-US"/>
               <a:t>: regular expression</a:t>
             </a:r>
           </a:p>
@@ -11167,7 +12322,7 @@
               <a:buChar char="•"/>
             </a:pPr>
             <a:r>
-              <a:rPr lang="en-US" dirty="0" smtClean="0">
+              <a:rPr lang="en-US">
                 <a:solidFill>
                   <a:srgbClr val="FF0000"/>
                 </a:solidFill>
@@ -11175,7 +12330,7 @@
               <a:t>s/</a:t>
             </a:r>
             <a:r>
-              <a:rPr lang="en-US" dirty="0" smtClean="0">
+              <a:rPr lang="en-US">
                 <a:solidFill>
                   <a:srgbClr val="7030A0"/>
                 </a:solidFill>
@@ -11183,7 +12338,7 @@
               <a:t>e1</a:t>
             </a:r>
             <a:r>
-              <a:rPr lang="en-US" dirty="0" smtClean="0">
+              <a:rPr lang="en-US">
                 <a:solidFill>
                   <a:srgbClr val="FF0000"/>
                 </a:solidFill>
@@ -11191,7 +12346,7 @@
               <a:t>/</a:t>
             </a:r>
             <a:r>
-              <a:rPr lang="en-US" dirty="0" smtClean="0">
+              <a:rPr lang="en-US">
                 <a:solidFill>
                   <a:srgbClr val="7030A0"/>
                 </a:solidFill>
@@ -11199,7 +12354,7 @@
               <a:t>e2</a:t>
             </a:r>
             <a:r>
-              <a:rPr lang="en-US" dirty="0" smtClean="0">
+              <a:rPr lang="en-US">
                 <a:solidFill>
                   <a:srgbClr val="FF0000"/>
                 </a:solidFill>
@@ -11213,7 +12368,7 @@
               <a:buChar char="•"/>
             </a:pPr>
             <a:r>
-              <a:rPr lang="en-US" dirty="0" smtClean="0">
+              <a:rPr lang="en-US">
                 <a:solidFill>
                   <a:srgbClr val="FF0000"/>
                 </a:solidFill>
@@ -11221,7 +12376,7 @@
               <a:t>s: </a:t>
             </a:r>
             <a:r>
-              <a:rPr lang="en-US" dirty="0" smtClean="0"/>
+              <a:rPr lang="en-US"/>
               <a:t>substitute</a:t>
             </a:r>
           </a:p>
@@ -11231,7 +12386,7 @@
               <a:buChar char="•"/>
             </a:pPr>
             <a:r>
-              <a:rPr lang="en-US" dirty="0" smtClean="0">
+              <a:rPr lang="en-US">
                 <a:solidFill>
                   <a:srgbClr val="7030A0"/>
                 </a:solidFill>
@@ -11245,22 +12400,14 @@
               <a:buChar char="•"/>
             </a:pPr>
             <a:r>
-              <a:rPr lang="en-US" dirty="0" smtClean="0">
+              <a:rPr lang="en-US">
                 <a:solidFill>
                   <a:srgbClr val="7030A0"/>
                 </a:solidFill>
               </a:rPr>
-              <a:t>e2: </a:t>
-            </a:r>
-            <a:r>
-              <a:rPr lang="en-US" dirty="0">
-                <a:solidFill>
-                  <a:srgbClr val="7030A0"/>
-                </a:solidFill>
-              </a:rPr>
-              <a:t>regex</a:t>
-            </a:r>
-            <a:endParaRPr lang="en-US" dirty="0">
+              <a:t>e2: regex</a:t>
+            </a:r>
+            <a:endParaRPr lang="en-US">
               <a:solidFill>
                 <a:srgbClr val="FF0000"/>
               </a:solidFill>
@@ -11272,7 +12419,7 @@
               <a:buChar char="•"/>
             </a:pPr>
             <a:r>
-              <a:rPr lang="en-US" dirty="0" smtClean="0">
+              <a:rPr lang="en-US">
                 <a:solidFill>
                   <a:srgbClr val="FF0000"/>
                 </a:solidFill>
@@ -11280,10 +12427,9 @@
               <a:t>g: </a:t>
             </a:r>
             <a:r>
-              <a:rPr lang="en-US" dirty="0" smtClean="0"/>
+              <a:rPr lang="en-US"/>
               <a:t>globe</a:t>
             </a:r>
-            <a:endParaRPr lang="en-US" dirty="0"/>
           </a:p>
         </p:txBody>
       </p:sp>
@@ -11300,79 +12446,7 @@
 </p:sld>
 </file>
 
-<file path=ppt/slides/slide4.xml><?xml version="1.0" encoding="utf-8"?>
-<p:sld xmlns:a="http://schemas.openxmlformats.org/drawingml/2006/main" xmlns:r="http://schemas.openxmlformats.org/officeDocument/2006/relationships" xmlns:p="http://schemas.openxmlformats.org/presentationml/2006/main">
-  <p:cSld>
-    <p:spTree>
-      <p:nvGrpSpPr>
-        <p:cNvPr id="1" name=""/>
-        <p:cNvGrpSpPr/>
-        <p:nvPr/>
-      </p:nvGrpSpPr>
-      <p:grpSpPr>
-        <a:xfrm>
-          <a:off x="0" y="0"/>
-          <a:ext cx="0" cy="0"/>
-          <a:chOff x="0" y="0"/>
-          <a:chExt cx="0" cy="0"/>
-        </a:xfrm>
-      </p:grpSpPr>
-      <p:sp>
-        <p:nvSpPr>
-          <p:cNvPr id="4" name="Title 3"/>
-          <p:cNvSpPr>
-            <a:spLocks noGrp="1"/>
-          </p:cNvSpPr>
-          <p:nvPr>
-            <p:ph type="title"/>
-          </p:nvPr>
-        </p:nvSpPr>
-        <p:spPr/>
-        <p:txBody>
-          <a:bodyPr/>
-          <a:lstStyle/>
-          <a:p>
-            <a:r>
-              <a:rPr lang="en-US" dirty="0" smtClean="0"/>
-              <a:t>Install XML parser</a:t>
-            </a:r>
-            <a:endParaRPr lang="en-US" dirty="0"/>
-          </a:p>
-        </p:txBody>
-      </p:sp>
-      <p:sp>
-        <p:nvSpPr>
-          <p:cNvPr id="5" name="Text Placeholder 4"/>
-          <p:cNvSpPr>
-            <a:spLocks noGrp="1"/>
-          </p:cNvSpPr>
-          <p:nvPr>
-            <p:ph type="body" idx="1"/>
-          </p:nvPr>
-        </p:nvSpPr>
-        <p:spPr/>
-        <p:txBody>
-          <a:bodyPr/>
-          <a:lstStyle/>
-          <a:p>
-            <a:endParaRPr lang="en-US" dirty="0"/>
-          </a:p>
-        </p:txBody>
-      </p:sp>
-    </p:spTree>
-    <p:extLst>
-      <p:ext uri="{BB962C8B-B14F-4D97-AF65-F5344CB8AC3E}">
-        <p14:creationId xmlns:p14="http://schemas.microsoft.com/office/powerpoint/2010/main" val="1690331404"/>
-      </p:ext>
-    </p:extLst>
-  </p:cSld>
-  <p:clrMapOvr>
-    <a:masterClrMapping/>
-  </p:clrMapOvr>
-</p:sld>
-</file>
-
-<file path=ppt/slides/slide40.xml><?xml version="1.0" encoding="utf-8"?>
+<file path=ppt/slides/slide42.xml><?xml version="1.0" encoding="utf-8"?>
 <p:sld xmlns:a="http://schemas.openxmlformats.org/drawingml/2006/main" xmlns:r="http://schemas.openxmlformats.org/officeDocument/2006/relationships" xmlns:p="http://schemas.openxmlformats.org/presentationml/2006/main">
   <p:cSld>
     <p:spTree>
@@ -11426,7 +12500,7 @@
 </p:sld>
 </file>
 
-<file path=ppt/slides/slide41.xml><?xml version="1.0" encoding="utf-8"?>
+<file path=ppt/slides/slide43.xml><?xml version="1.0" encoding="utf-8"?>
 <p:sld xmlns:a="http://schemas.openxmlformats.org/drawingml/2006/main" xmlns:r="http://schemas.openxmlformats.org/officeDocument/2006/relationships" xmlns:p="http://schemas.openxmlformats.org/presentationml/2006/main">
   <p:cSld>
     <p:spTree>
@@ -11459,7 +12533,7 @@
           <a:lstStyle/>
           <a:p>
             <a:r>
-              <a:rPr lang="en-US" dirty="0"/>
+              <a:rPr lang="en-US"/>
               <a:t>Transforming an XML Document into a CSV</a:t>
             </a:r>
           </a:p>
@@ -11497,7 +12571,7 @@
 </p:sld>
 </file>
 
-<file path=ppt/slides/slide42.xml><?xml version="1.0" encoding="utf-8"?>
+<file path=ppt/slides/slide44.xml><?xml version="1.0" encoding="utf-8"?>
 <p:sld xmlns:a="http://schemas.openxmlformats.org/drawingml/2006/main" xmlns:r="http://schemas.openxmlformats.org/officeDocument/2006/relationships" xmlns:p="http://schemas.openxmlformats.org/presentationml/2006/main">
   <p:cSld>
     <p:spTree>
@@ -11563,11 +12637,11 @@
           <a:lstStyle/>
           <a:p>
             <a:r>
-              <a:rPr lang="en-US" dirty="0" smtClean="0"/>
+              <a:rPr lang="en-US"/>
               <a:t>We want to save </a:t>
             </a:r>
             <a:r>
-              <a:rPr lang="en-US" i="1" dirty="0" err="1" smtClean="0">
+              <a:rPr lang="en-US" i="1" err="1">
                 <a:solidFill>
                   <a:srgbClr val="007DB5"/>
                 </a:solidFill>
@@ -11575,7 +12649,7 @@
               <a:t>EventID</a:t>
             </a:r>
             <a:r>
-              <a:rPr lang="en-US" dirty="0" smtClean="0">
+              <a:rPr lang="en-US">
                 <a:solidFill>
                   <a:srgbClr val="007DB5"/>
                 </a:solidFill>
@@ -11583,11 +12657,11 @@
               <a:t> </a:t>
             </a:r>
             <a:r>
-              <a:rPr lang="en-US" dirty="0" smtClean="0"/>
+              <a:rPr lang="en-US"/>
               <a:t>and </a:t>
             </a:r>
             <a:r>
-              <a:rPr lang="en-US" i="1" dirty="0" err="1">
+              <a:rPr lang="en-US" i="1" err="1">
                 <a:solidFill>
                   <a:srgbClr val="007DB5"/>
                 </a:solidFill>
@@ -11595,11 +12669,11 @@
               <a:t>ItemCreated</a:t>
             </a:r>
             <a:r>
-              <a:rPr lang="en-US" dirty="0" smtClean="0"/>
+              <a:rPr lang="en-US"/>
               <a:t> to .</a:t>
             </a:r>
             <a:r>
-              <a:rPr lang="en-US" i="1" dirty="0">
+              <a:rPr lang="en-US" i="1">
                 <a:solidFill>
                   <a:srgbClr val="007DB5"/>
                 </a:solidFill>
@@ -11622,7 +12696,7 @@
 </p:sld>
 </file>
 
-<file path=ppt/slides/slide43.xml><?xml version="1.0" encoding="utf-8"?>
+<file path=ppt/slides/slide45.xml><?xml version="1.0" encoding="utf-8"?>
 <p:sld xmlns:a="http://schemas.openxmlformats.org/drawingml/2006/main" xmlns:r="http://schemas.openxmlformats.org/officeDocument/2006/relationships" xmlns:p="http://schemas.openxmlformats.org/presentationml/2006/main">
   <p:cSld>
     <p:spTree>
@@ -11661,21 +12735,21 @@
           <a:lstStyle/>
           <a:p>
             <a:r>
-              <a:rPr lang="en-US" dirty="0" smtClean="0"/>
+              <a:rPr lang="en-US"/>
               <a:t>&lt;Event&gt;&lt;System&gt;&lt;Provider Name="Microsoft-Windows-Security-Auditing" </a:t>
             </a:r>
             <a:r>
-              <a:rPr lang="en-US" dirty="0" err="1" smtClean="0"/>
+              <a:rPr lang="en-US" err="1"/>
               <a:t>Guid</a:t>
             </a:r>
             <a:r>
-              <a:rPr lang="en-US" dirty="0" smtClean="0"/>
+              <a:rPr lang="en-US"/>
               <a:t>="{54849625-5478-4994-a5ba-3e3b0328c30d}"&gt;&lt;/Provider&gt;</a:t>
             </a:r>
           </a:p>
           <a:p>
             <a:r>
-              <a:rPr lang="en-US" dirty="0" smtClean="0">
+              <a:rPr lang="en-US">
                 <a:solidFill>
                   <a:srgbClr val="FF0000"/>
                 </a:solidFill>
@@ -11683,7 +12757,7 @@
               <a:t>&lt;</a:t>
             </a:r>
             <a:r>
-              <a:rPr lang="en-US" dirty="0" err="1" smtClean="0">
+              <a:rPr lang="en-US" err="1">
                 <a:solidFill>
                   <a:srgbClr val="FF0000"/>
                 </a:solidFill>
@@ -11691,7 +12765,7 @@
               <a:t>EventID</a:t>
             </a:r>
             <a:r>
-              <a:rPr lang="en-US" dirty="0" smtClean="0">
+              <a:rPr lang="en-US">
                 <a:solidFill>
                   <a:srgbClr val="FF0000"/>
                 </a:solidFill>
@@ -11699,7 +12773,7 @@
               <a:t> Qualifiers=""&gt;</a:t>
             </a:r>
             <a:r>
-              <a:rPr lang="en-US" dirty="0" smtClean="0">
+              <a:rPr lang="en-US">
                 <a:solidFill>
                   <a:srgbClr val="7030A0"/>
                 </a:solidFill>
@@ -11707,7 +12781,7 @@
               <a:t>4608</a:t>
             </a:r>
             <a:r>
-              <a:rPr lang="en-US" dirty="0" smtClean="0">
+              <a:rPr lang="en-US">
                 <a:solidFill>
                   <a:srgbClr val="FF0000"/>
                 </a:solidFill>
@@ -11715,7 +12789,7 @@
               <a:t>&lt;/</a:t>
             </a:r>
             <a:r>
-              <a:rPr lang="en-US" dirty="0" err="1" smtClean="0">
+              <a:rPr lang="en-US" err="1">
                 <a:solidFill>
                   <a:srgbClr val="FF0000"/>
                 </a:solidFill>
@@ -11723,43 +12797,43 @@
               <a:t>EventID</a:t>
             </a:r>
             <a:r>
-              <a:rPr lang="en-US" dirty="0" smtClean="0"/>
+              <a:rPr lang="en-US"/>
               <a:t>&gt;</a:t>
             </a:r>
           </a:p>
           <a:p>
             <a:r>
-              <a:rPr lang="en-US" dirty="0" smtClean="0"/>
+              <a:rPr lang="en-US"/>
               <a:t>&lt;Version&gt;0&lt;/Version&gt;</a:t>
             </a:r>
           </a:p>
           <a:p>
             <a:r>
-              <a:rPr lang="en-US" dirty="0" smtClean="0"/>
+              <a:rPr lang="en-US"/>
               <a:t>&lt;Level&gt;0&lt;/Level&gt;</a:t>
             </a:r>
           </a:p>
           <a:p>
             <a:r>
-              <a:rPr lang="en-US" dirty="0" smtClean="0"/>
+              <a:rPr lang="en-US"/>
               <a:t>&lt;Task&gt;12288&lt;/Task&gt;</a:t>
             </a:r>
           </a:p>
           <a:p>
             <a:r>
-              <a:rPr lang="en-US" dirty="0" smtClean="0"/>
+              <a:rPr lang="en-US"/>
               <a:t>&lt;Opcode&gt;0&lt;/Opcode&gt;</a:t>
             </a:r>
           </a:p>
           <a:p>
             <a:r>
-              <a:rPr lang="en-US" dirty="0" smtClean="0"/>
+              <a:rPr lang="en-US"/>
               <a:t>&lt;Keywords&gt;0x8020000000000000&lt;/Keywords&gt;</a:t>
             </a:r>
           </a:p>
           <a:p>
             <a:r>
-              <a:rPr lang="en-US" dirty="0" smtClean="0">
+              <a:rPr lang="en-US">
                 <a:solidFill>
                   <a:srgbClr val="FF0000"/>
                 </a:solidFill>
@@ -11767,7 +12841,7 @@
               <a:t>&lt;</a:t>
             </a:r>
             <a:r>
-              <a:rPr lang="en-US" dirty="0" err="1" smtClean="0">
+              <a:rPr lang="en-US" err="1">
                 <a:solidFill>
                   <a:srgbClr val="FF0000"/>
                 </a:solidFill>
@@ -11775,7 +12849,7 @@
               <a:t>TimeCreated</a:t>
             </a:r>
             <a:r>
-              <a:rPr lang="en-US" dirty="0" smtClean="0">
+              <a:rPr lang="en-US">
                 <a:solidFill>
                   <a:srgbClr val="FF0000"/>
                 </a:solidFill>
@@ -11783,7 +12857,7 @@
               <a:t> </a:t>
             </a:r>
             <a:r>
-              <a:rPr lang="en-US" dirty="0" err="1" smtClean="0">
+              <a:rPr lang="en-US" err="1">
                 <a:solidFill>
                   <a:srgbClr val="FF0000"/>
                 </a:solidFill>
@@ -11791,7 +12865,7 @@
               <a:t>SystemTime</a:t>
             </a:r>
             <a:r>
-              <a:rPr lang="en-US" dirty="0" smtClean="0">
+              <a:rPr lang="en-US">
                 <a:solidFill>
                   <a:srgbClr val="FF0000"/>
                 </a:solidFill>
@@ -11799,7 +12873,7 @@
               <a:t>="2015-03-25 10:15:35.248869"&gt;&lt;/</a:t>
             </a:r>
             <a:r>
-              <a:rPr lang="en-US" dirty="0" err="1" smtClean="0">
+              <a:rPr lang="en-US" err="1">
                 <a:solidFill>
                   <a:srgbClr val="FF0000"/>
                 </a:solidFill>
@@ -11807,7 +12881,7 @@
               <a:t>TimeCreated</a:t>
             </a:r>
             <a:r>
-              <a:rPr lang="en-US" dirty="0" smtClean="0">
+              <a:rPr lang="en-US">
                 <a:solidFill>
                   <a:srgbClr val="FF0000"/>
                 </a:solidFill>
@@ -11817,127 +12891,127 @@
           </a:p>
           <a:p>
             <a:r>
-              <a:rPr lang="en-US" dirty="0" smtClean="0"/>
+              <a:rPr lang="en-US"/>
               <a:t>&lt;</a:t>
             </a:r>
             <a:r>
-              <a:rPr lang="en-US" dirty="0" err="1" smtClean="0"/>
+              <a:rPr lang="en-US" err="1"/>
               <a:t>EventRecordID</a:t>
             </a:r>
             <a:r>
-              <a:rPr lang="en-US" dirty="0" smtClean="0"/>
+              <a:rPr lang="en-US"/>
               <a:t>&gt;1&lt;/</a:t>
             </a:r>
             <a:r>
-              <a:rPr lang="en-US" dirty="0" err="1" smtClean="0"/>
+              <a:rPr lang="en-US" err="1"/>
               <a:t>EventRecordID</a:t>
             </a:r>
             <a:r>
-              <a:rPr lang="en-US" dirty="0" smtClean="0"/>
+              <a:rPr lang="en-US"/>
               <a:t>&gt;</a:t>
             </a:r>
           </a:p>
           <a:p>
             <a:r>
-              <a:rPr lang="en-US" dirty="0" smtClean="0"/>
+              <a:rPr lang="en-US"/>
               <a:t>&lt;Correlation </a:t>
             </a:r>
             <a:r>
-              <a:rPr lang="en-US" dirty="0" err="1" smtClean="0"/>
+              <a:rPr lang="en-US" err="1"/>
               <a:t>ActivityID</a:t>
             </a:r>
             <a:r>
-              <a:rPr lang="en-US" dirty="0" smtClean="0"/>
+              <a:rPr lang="en-US"/>
               <a:t>="" </a:t>
             </a:r>
             <a:r>
-              <a:rPr lang="en-US" dirty="0" err="1" smtClean="0"/>
+              <a:rPr lang="en-US" err="1"/>
               <a:t>RelatedActivityID</a:t>
             </a:r>
             <a:r>
-              <a:rPr lang="en-US" dirty="0" smtClean="0"/>
+              <a:rPr lang="en-US"/>
               <a:t>=""&gt;&lt;/Correlation&gt;</a:t>
             </a:r>
           </a:p>
           <a:p>
             <a:r>
-              <a:rPr lang="en-US" dirty="0" smtClean="0"/>
+              <a:rPr lang="en-US"/>
               <a:t>&lt;Execution </a:t>
             </a:r>
             <a:r>
-              <a:rPr lang="en-US" dirty="0" err="1" smtClean="0"/>
+              <a:rPr lang="en-US" err="1"/>
               <a:t>ProcessID</a:t>
             </a:r>
             <a:r>
-              <a:rPr lang="en-US" dirty="0" smtClean="0"/>
+              <a:rPr lang="en-US"/>
               <a:t>="464" </a:t>
             </a:r>
             <a:r>
-              <a:rPr lang="en-US" dirty="0" err="1" smtClean="0"/>
+              <a:rPr lang="en-US" err="1"/>
               <a:t>ThreadID</a:t>
             </a:r>
             <a:r>
-              <a:rPr lang="en-US" dirty="0" smtClean="0"/>
+              <a:rPr lang="en-US"/>
               <a:t>="468"&gt;&lt;/Execution&gt;</a:t>
             </a:r>
           </a:p>
           <a:p>
             <a:r>
-              <a:rPr lang="en-US" dirty="0" smtClean="0"/>
+              <a:rPr lang="en-US"/>
               <a:t>&lt;Channel&gt;Security&lt;/Channel&gt;</a:t>
             </a:r>
           </a:p>
           <a:p>
             <a:r>
-              <a:rPr lang="en-US" dirty="0" smtClean="0"/>
+              <a:rPr lang="en-US"/>
               <a:t>&lt;Computer&gt;37L4247F27-25&lt;/Computer&gt;</a:t>
             </a:r>
           </a:p>
           <a:p>
             <a:r>
-              <a:rPr lang="en-US" dirty="0" smtClean="0"/>
+              <a:rPr lang="en-US"/>
               <a:t>&lt;Security </a:t>
             </a:r>
             <a:r>
-              <a:rPr lang="en-US" dirty="0" err="1" smtClean="0"/>
+              <a:rPr lang="en-US" err="1"/>
               <a:t>UserID</a:t>
             </a:r>
             <a:r>
-              <a:rPr lang="en-US" dirty="0" smtClean="0"/>
+              <a:rPr lang="en-US"/>
               <a:t>=""&gt;&lt;/Security&gt;</a:t>
             </a:r>
           </a:p>
           <a:p>
             <a:r>
-              <a:rPr lang="en-US" dirty="0" smtClean="0"/>
+              <a:rPr lang="en-US"/>
               <a:t>&lt;/System&gt;</a:t>
             </a:r>
           </a:p>
           <a:p>
             <a:r>
-              <a:rPr lang="en-US" dirty="0" smtClean="0"/>
+              <a:rPr lang="en-US"/>
               <a:t>&lt;</a:t>
             </a:r>
             <a:r>
-              <a:rPr lang="en-US" dirty="0" err="1" smtClean="0"/>
+              <a:rPr lang="en-US" err="1"/>
               <a:t>EventData</a:t>
             </a:r>
             <a:r>
-              <a:rPr lang="en-US" dirty="0" smtClean="0"/>
+              <a:rPr lang="en-US"/>
               <a:t>&gt;&lt;/</a:t>
             </a:r>
             <a:r>
-              <a:rPr lang="en-US" dirty="0" err="1" smtClean="0"/>
+              <a:rPr lang="en-US" err="1"/>
               <a:t>EventData</a:t>
             </a:r>
             <a:r>
-              <a:rPr lang="en-US" dirty="0" smtClean="0"/>
+              <a:rPr lang="en-US"/>
               <a:t>&gt;</a:t>
             </a:r>
           </a:p>
           <a:p>
             <a:r>
-              <a:rPr lang="en-US" dirty="0" smtClean="0"/>
+              <a:rPr lang="en-US"/>
               <a:t>&lt;/Event&gt;</a:t>
             </a:r>
           </a:p>
@@ -11956,7 +13030,7 @@
 </p:sld>
 </file>
 
-<file path=ppt/slides/slide44.xml><?xml version="1.0" encoding="utf-8"?>
+<file path=ppt/slides/slide46.xml><?xml version="1.0" encoding="utf-8"?>
 <p:sld xmlns:a="http://schemas.openxmlformats.org/drawingml/2006/main" xmlns:r="http://schemas.openxmlformats.org/officeDocument/2006/relationships" xmlns:p="http://schemas.openxmlformats.org/presentationml/2006/main">
   <p:cSld>
     <p:spTree>
@@ -12025,7 +13099,7 @@
           <a:lstStyle/>
           <a:p>
             <a:r>
-              <a:rPr lang="en-US" dirty="0" smtClean="0">
+              <a:rPr lang="en-US">
                 <a:solidFill>
                   <a:srgbClr val="FF0000"/>
                 </a:solidFill>
@@ -12033,13 +13107,13 @@
               <a:t>-T</a:t>
             </a:r>
             <a:r>
-              <a:rPr lang="en-US" dirty="0" smtClean="0"/>
+              <a:rPr lang="en-US"/>
               <a:t>: output is text</a:t>
             </a:r>
           </a:p>
           <a:p>
             <a:r>
-              <a:rPr lang="en-US" dirty="0" smtClean="0">
+              <a:rPr lang="en-US">
                 <a:solidFill>
                   <a:srgbClr val="FF0000"/>
                 </a:solidFill>
@@ -12047,13 +13121,13 @@
               <a:t>-t</a:t>
             </a:r>
             <a:r>
-              <a:rPr lang="en-US" dirty="0" smtClean="0"/>
+              <a:rPr lang="en-US"/>
               <a:t>: template</a:t>
             </a:r>
           </a:p>
           <a:p>
             <a:r>
-              <a:rPr lang="en-US" dirty="0" smtClean="0">
+              <a:rPr lang="en-US">
                 <a:solidFill>
                   <a:srgbClr val="FF0000"/>
                 </a:solidFill>
@@ -12061,13 +13135,13 @@
               <a:t>-m</a:t>
             </a:r>
             <a:r>
-              <a:rPr lang="en-US" dirty="0" smtClean="0"/>
+              <a:rPr lang="en-US"/>
               <a:t>: template</a:t>
             </a:r>
           </a:p>
           <a:p>
             <a:r>
-              <a:rPr lang="en-US" dirty="0" smtClean="0">
+              <a:rPr lang="en-US">
                 <a:solidFill>
                   <a:srgbClr val="FF0000"/>
                 </a:solidFill>
@@ -12075,18 +13149,18 @@
               <a:t>-v</a:t>
             </a:r>
             <a:r>
-              <a:rPr lang="en-US" dirty="0" smtClean="0"/>
+              <a:rPr lang="en-US"/>
               <a:t>: print value of </a:t>
             </a:r>
             <a:r>
-              <a:rPr lang="en-US" dirty="0" err="1" smtClean="0"/>
+              <a:rPr lang="en-US" err="1"/>
               <a:t>xpath</a:t>
             </a:r>
-            <a:endParaRPr lang="en-US" dirty="0" smtClean="0"/>
-          </a:p>
-          <a:p>
-            <a:r>
-              <a:rPr lang="en-US" dirty="0" smtClean="0">
+            <a:endParaRPr lang="en-US"/>
+          </a:p>
+          <a:p>
+            <a:r>
+              <a:rPr lang="en-US">
                 <a:solidFill>
                   <a:srgbClr val="FF0000"/>
                 </a:solidFill>
@@ -12094,10 +13168,9 @@
               <a:t>-n</a:t>
             </a:r>
             <a:r>
-              <a:rPr lang="en-US" dirty="0" smtClean="0"/>
+              <a:rPr lang="en-US"/>
               <a:t>: new line</a:t>
             </a:r>
-            <a:endParaRPr lang="en-US" dirty="0"/>
           </a:p>
         </p:txBody>
       </p:sp>
@@ -12126,11 +13199,11 @@
           <a:lstStyle/>
           <a:p>
             <a:r>
-              <a:rPr lang="en-US" dirty="0" smtClean="0"/>
+              <a:rPr lang="en-US"/>
               <a:t>Display </a:t>
             </a:r>
             <a:r>
-              <a:rPr lang="en-US" i="1" dirty="0" err="1" smtClean="0">
+              <a:rPr lang="en-US" i="1" err="1">
                 <a:solidFill>
                   <a:srgbClr val="007DB5"/>
                 </a:solidFill>
@@ -12138,7 +13211,7 @@
               <a:t>EventID</a:t>
             </a:r>
             <a:r>
-              <a:rPr lang="en-US" dirty="0" smtClean="0">
+              <a:rPr lang="en-US">
                 <a:solidFill>
                   <a:srgbClr val="007DB5"/>
                 </a:solidFill>
@@ -12146,11 +13219,11 @@
               <a:t> </a:t>
             </a:r>
             <a:r>
-              <a:rPr lang="en-US" dirty="0" smtClean="0"/>
+              <a:rPr lang="en-US"/>
               <a:t>and </a:t>
             </a:r>
             <a:r>
-              <a:rPr lang="en-US" i="1" dirty="0" err="1">
+              <a:rPr lang="en-US" i="1" err="1">
                 <a:solidFill>
                   <a:srgbClr val="007DB5"/>
                 </a:solidFill>
@@ -12158,10 +13231,10 @@
               <a:t>ItemCreated</a:t>
             </a:r>
             <a:r>
-              <a:rPr lang="en-US" dirty="0" smtClean="0"/>
+              <a:rPr lang="en-US"/>
               <a:t>  in text</a:t>
             </a:r>
-            <a:endParaRPr lang="en-US" i="1" dirty="0">
+            <a:endParaRPr lang="en-US" i="1">
               <a:solidFill>
                 <a:srgbClr val="007DB5"/>
               </a:solidFill>
@@ -12182,7 +13255,7 @@
 </p:sld>
 </file>
 
-<file path=ppt/slides/slide45.xml><?xml version="1.0" encoding="utf-8"?>
+<file path=ppt/slides/slide47.xml><?xml version="1.0" encoding="utf-8"?>
 <p:sld xmlns:a="http://schemas.openxmlformats.org/drawingml/2006/main" xmlns:r="http://schemas.openxmlformats.org/officeDocument/2006/relationships" xmlns:p="http://schemas.openxmlformats.org/presentationml/2006/main">
   <p:cSld>
     <p:spTree>
@@ -12215,10 +13288,9 @@
           <a:lstStyle/>
           <a:p>
             <a:r>
-              <a:rPr lang="en-US" dirty="0" smtClean="0"/>
+              <a:rPr lang="en-US"/>
               <a:t>Assignments</a:t>
             </a:r>
-            <a:endParaRPr lang="en-US" dirty="0"/>
           </a:p>
         </p:txBody>
       </p:sp>
@@ -12254,7 +13326,7 @@
 </p:sld>
 </file>
 
-<file path=ppt/slides/slide46.xml><?xml version="1.0" encoding="utf-8"?>
+<file path=ppt/slides/slide48.xml><?xml version="1.0" encoding="utf-8"?>
 <p:sld xmlns:a="http://schemas.openxmlformats.org/drawingml/2006/main" xmlns:r="http://schemas.openxmlformats.org/officeDocument/2006/relationships" xmlns:p="http://schemas.openxmlformats.org/presentationml/2006/main">
   <p:cSld>
     <p:spTree>
@@ -12287,7 +13359,7 @@
           <a:lstStyle/>
           <a:p>
             <a:r>
-              <a:rPr lang="en-US" dirty="0"/>
+              <a:rPr lang="en-US"/>
               <a:t>Assignments</a:t>
             </a:r>
           </a:p>
@@ -12309,16 +13381,15 @@
           <a:lstStyle/>
           <a:p>
             <a:r>
-              <a:rPr lang="en-US" dirty="0" smtClean="0"/>
+              <a:rPr lang="en-US"/>
               <a:t>Timestamp conversion</a:t>
             </a:r>
           </a:p>
           <a:p>
             <a:r>
-              <a:rPr lang="en-US" dirty="0" smtClean="0"/>
+              <a:rPr lang="en-US"/>
               <a:t>Convert all events to .csv</a:t>
             </a:r>
-            <a:endParaRPr lang="en-US" dirty="0"/>
           </a:p>
         </p:txBody>
       </p:sp>
@@ -12354,6 +13425,113 @@
       </p:grpSpPr>
       <p:sp>
         <p:nvSpPr>
+          <p:cNvPr id="2" name="Title 1"/>
+          <p:cNvSpPr>
+            <a:spLocks noGrp="1"/>
+          </p:cNvSpPr>
+          <p:nvPr>
+            <p:ph type="title"/>
+          </p:nvPr>
+        </p:nvSpPr>
+        <p:spPr/>
+        <p:txBody>
+          <a:bodyPr/>
+          <a:lstStyle/>
+          <a:p>
+            <a:r>
+              <a:rPr lang="en-US" dirty="0"/>
+              <a:t>Get a copy of security event log</a:t>
+            </a:r>
+          </a:p>
+        </p:txBody>
+      </p:sp>
+      <p:pic>
+        <p:nvPicPr>
+          <p:cNvPr id="4" name="Picture 3"/>
+          <p:cNvPicPr>
+            <a:picLocks noChangeAspect="1"/>
+          </p:cNvPicPr>
+          <p:nvPr/>
+        </p:nvPicPr>
+        <p:blipFill>
+          <a:blip r:embed="rId3"/>
+          <a:stretch>
+            <a:fillRect/>
+          </a:stretch>
+        </p:blipFill>
+        <p:spPr>
+          <a:xfrm>
+            <a:off x="838200" y="2709806"/>
+            <a:ext cx="8767519" cy="1942504"/>
+          </a:xfrm>
+          <a:prstGeom prst="rect">
+            <a:avLst/>
+          </a:prstGeom>
+        </p:spPr>
+      </p:pic>
+      <p:sp>
+        <p:nvSpPr>
+          <p:cNvPr id="5" name="TextBox 4"/>
+          <p:cNvSpPr txBox="1"/>
+          <p:nvPr/>
+        </p:nvSpPr>
+        <p:spPr>
+          <a:xfrm>
+            <a:off x="838200" y="2321169"/>
+            <a:ext cx="4018280" cy="369332"/>
+          </a:xfrm>
+          <a:prstGeom prst="rect">
+            <a:avLst/>
+          </a:prstGeom>
+          <a:solidFill>
+            <a:srgbClr val="FFC000"/>
+          </a:solidFill>
+        </p:spPr>
+        <p:txBody>
+          <a:bodyPr wrap="none" rtlCol="0">
+            <a:spAutoFit/>
+          </a:bodyPr>
+          <a:lstStyle/>
+          <a:p>
+            <a:r>
+              <a:rPr lang="en-US"/>
+              <a:t>Exam security event logs for logon/logoff</a:t>
+            </a:r>
+          </a:p>
+        </p:txBody>
+      </p:sp>
+    </p:spTree>
+    <p:extLst>
+      <p:ext uri="{BB962C8B-B14F-4D97-AF65-F5344CB8AC3E}">
+        <p14:creationId xmlns:p14="http://schemas.microsoft.com/office/powerpoint/2010/main" val="4272576379"/>
+      </p:ext>
+    </p:extLst>
+  </p:cSld>
+  <p:clrMapOvr>
+    <a:masterClrMapping/>
+  </p:clrMapOvr>
+</p:sld>
+</file>
+
+<file path=ppt/slides/slide6.xml><?xml version="1.0" encoding="utf-8"?>
+<p:sld xmlns:a="http://schemas.openxmlformats.org/drawingml/2006/main" xmlns:r="http://schemas.openxmlformats.org/officeDocument/2006/relationships" xmlns:p="http://schemas.openxmlformats.org/presentationml/2006/main">
+  <p:cSld>
+    <p:spTree>
+      <p:nvGrpSpPr>
+        <p:cNvPr id="1" name=""/>
+        <p:cNvGrpSpPr/>
+        <p:nvPr/>
+      </p:nvGrpSpPr>
+      <p:grpSpPr>
+        <a:xfrm>
+          <a:off x="0" y="0"/>
+          <a:ext cx="0" cy="0"/>
+          <a:chOff x="0" y="0"/>
+          <a:chExt cx="0" cy="0"/>
+        </a:xfrm>
+      </p:grpSpPr>
+      <p:sp>
+        <p:nvSpPr>
           <p:cNvPr id="4" name="Title 3"/>
           <p:cNvSpPr>
             <a:spLocks noGrp="1"/>
@@ -12368,10 +13546,81 @@
           <a:lstStyle/>
           <a:p>
             <a:r>
-              <a:rPr lang="en-US" dirty="0" err="1"/>
+              <a:rPr lang="en-US"/>
+              <a:t>Install XML parser</a:t>
+            </a:r>
+          </a:p>
+        </p:txBody>
+      </p:sp>
+      <p:sp>
+        <p:nvSpPr>
+          <p:cNvPr id="5" name="Text Placeholder 4"/>
+          <p:cNvSpPr>
+            <a:spLocks noGrp="1"/>
+          </p:cNvSpPr>
+          <p:nvPr>
+            <p:ph type="body" idx="1"/>
+          </p:nvPr>
+        </p:nvSpPr>
+        <p:spPr/>
+        <p:txBody>
+          <a:bodyPr/>
+          <a:lstStyle/>
+          <a:p>
+            <a:endParaRPr lang="en-US"/>
+          </a:p>
+        </p:txBody>
+      </p:sp>
+    </p:spTree>
+    <p:extLst>
+      <p:ext uri="{BB962C8B-B14F-4D97-AF65-F5344CB8AC3E}">
+        <p14:creationId xmlns:p14="http://schemas.microsoft.com/office/powerpoint/2010/main" val="1690331404"/>
+      </p:ext>
+    </p:extLst>
+  </p:cSld>
+  <p:clrMapOvr>
+    <a:masterClrMapping/>
+  </p:clrMapOvr>
+</p:sld>
+</file>
+
+<file path=ppt/slides/slide7.xml><?xml version="1.0" encoding="utf-8"?>
+<p:sld xmlns:a="http://schemas.openxmlformats.org/drawingml/2006/main" xmlns:r="http://schemas.openxmlformats.org/officeDocument/2006/relationships" xmlns:p="http://schemas.openxmlformats.org/presentationml/2006/main">
+  <p:cSld>
+    <p:spTree>
+      <p:nvGrpSpPr>
+        <p:cNvPr id="1" name=""/>
+        <p:cNvGrpSpPr/>
+        <p:nvPr/>
+      </p:nvGrpSpPr>
+      <p:grpSpPr>
+        <a:xfrm>
+          <a:off x="0" y="0"/>
+          <a:ext cx="0" cy="0"/>
+          <a:chOff x="0" y="0"/>
+          <a:chExt cx="0" cy="0"/>
+        </a:xfrm>
+      </p:grpSpPr>
+      <p:sp>
+        <p:nvSpPr>
+          <p:cNvPr id="4" name="Title 3"/>
+          <p:cNvSpPr>
+            <a:spLocks noGrp="1"/>
+          </p:cNvSpPr>
+          <p:nvPr>
+            <p:ph type="title"/>
+          </p:nvPr>
+        </p:nvSpPr>
+        <p:spPr/>
+        <p:txBody>
+          <a:bodyPr/>
+          <a:lstStyle/>
+          <a:p>
+            <a:r>
+              <a:rPr lang="en-US" err="1"/>
               <a:t>xmlstarlet</a:t>
             </a:r>
-            <a:endParaRPr lang="en-US" dirty="0"/>
+            <a:endParaRPr lang="en-US"/>
           </a:p>
         </p:txBody>
       </p:sp>
@@ -12391,27 +13640,18 @@
           <a:lstStyle/>
           <a:p>
             <a:r>
-              <a:rPr lang="en-US" dirty="0" smtClean="0"/>
-              <a:t>Is </a:t>
-            </a:r>
-            <a:r>
-              <a:rPr lang="en-US" dirty="0"/>
-              <a:t>a set of command line utilities (tools) </a:t>
-            </a:r>
-            <a:endParaRPr lang="en-US" dirty="0" smtClean="0"/>
+              <a:rPr lang="en-US"/>
+              <a:t>Is a set of command line utilities (tools) </a:t>
+            </a:r>
           </a:p>
           <a:p>
             <a:pPr lvl="1"/>
             <a:r>
-              <a:rPr lang="en-US" dirty="0" smtClean="0"/>
-              <a:t>transform</a:t>
-            </a:r>
-            <a:r>
-              <a:rPr lang="en-US" dirty="0"/>
-              <a:t>, query, validate, and edit </a:t>
-            </a:r>
-            <a:r>
-              <a:rPr lang="en-US" dirty="0">
+              <a:rPr lang="en-US"/>
+              <a:t>transform, query, validate, and edit </a:t>
+            </a:r>
+            <a:r>
+              <a:rPr lang="en-US">
                 <a:solidFill>
                   <a:srgbClr val="FF0000"/>
                 </a:solidFill>
@@ -12419,29 +13659,24 @@
               <a:t>XML</a:t>
             </a:r>
             <a:r>
-              <a:rPr lang="en-US" dirty="0"/>
+              <a:rPr lang="en-US"/>
               <a:t> documents and files </a:t>
             </a:r>
-            <a:endParaRPr lang="en-US" dirty="0" smtClean="0"/>
-          </a:p>
-          <a:p>
-            <a:r>
-              <a:rPr lang="en-US" dirty="0" smtClean="0"/>
-              <a:t>Using </a:t>
-            </a:r>
-            <a:r>
-              <a:rPr lang="en-US" dirty="0"/>
-              <a:t>simple set of shell commands </a:t>
+          </a:p>
+          <a:p>
+            <a:r>
+              <a:rPr lang="en-US"/>
+              <a:t>Using simple set of shell commands </a:t>
             </a:r>
           </a:p>
           <a:p>
             <a:pPr lvl="1"/>
             <a:r>
-              <a:rPr lang="en-US" dirty="0" smtClean="0"/>
+              <a:rPr lang="en-US"/>
               <a:t>Similar to </a:t>
             </a:r>
             <a:r>
-              <a:rPr lang="en-US" i="1" dirty="0">
+              <a:rPr lang="en-US" i="1">
                 <a:solidFill>
                   <a:srgbClr val="FF0000"/>
                 </a:solidFill>
@@ -12449,7 +13684,7 @@
               <a:t>grep, </a:t>
             </a:r>
             <a:r>
-              <a:rPr lang="en-US" i="1" dirty="0" err="1">
+              <a:rPr lang="en-US" i="1" err="1">
                 <a:solidFill>
                   <a:srgbClr val="FF0000"/>
                 </a:solidFill>
@@ -12457,7 +13692,7 @@
               <a:t>sed</a:t>
             </a:r>
             <a:r>
-              <a:rPr lang="en-US" i="1" dirty="0">
+              <a:rPr lang="en-US" i="1">
                 <a:solidFill>
                   <a:srgbClr val="FF0000"/>
                 </a:solidFill>
@@ -12465,14 +13700,14 @@
               <a:t>, </a:t>
             </a:r>
             <a:r>
-              <a:rPr lang="en-US" i="1" dirty="0" err="1" smtClean="0">
+              <a:rPr lang="en-US" i="1" err="1">
                 <a:solidFill>
                   <a:srgbClr val="FF0000"/>
                 </a:solidFill>
               </a:rPr>
               <a:t>awk</a:t>
             </a:r>
-            <a:endParaRPr lang="en-US" i="1" dirty="0" smtClean="0">
+            <a:endParaRPr lang="en-US" i="1">
               <a:solidFill>
                 <a:srgbClr val="FF0000"/>
               </a:solidFill>
@@ -12480,12 +13715,12 @@
           </a:p>
           <a:p>
             <a:r>
-              <a:rPr lang="en-US" dirty="0"/>
+              <a:rPr lang="en-US"/>
               <a:t>http://xmlstar.sourceforge.net/doc</a:t>
             </a:r>
           </a:p>
           <a:p>
-            <a:endParaRPr lang="en-US" i="1" dirty="0">
+            <a:endParaRPr lang="en-US" i="1">
               <a:solidFill>
                 <a:srgbClr val="FF0000"/>
               </a:solidFill>
@@ -12506,7 +13741,7 @@
 </p:sld>
 </file>
 
-<file path=ppt/slides/slide6.xml><?xml version="1.0" encoding="utf-8"?>
+<file path=ppt/slides/slide8.xml><?xml version="1.0" encoding="utf-8"?>
 <p:sld xmlns:a="http://schemas.openxmlformats.org/drawingml/2006/main" xmlns:r="http://schemas.openxmlformats.org/officeDocument/2006/relationships" xmlns:p="http://schemas.openxmlformats.org/presentationml/2006/main">
   <p:cSld>
     <p:spTree>
@@ -12666,18 +13901,18 @@
           </a:lstStyle>
           <a:p>
             <a:r>
-              <a:rPr lang="en-US" dirty="0" smtClean="0"/>
+              <a:rPr lang="en-US"/>
               <a:t>Install </a:t>
             </a:r>
             <a:r>
-              <a:rPr lang="en-US" i="1" dirty="0" err="1" smtClean="0">
+              <a:rPr lang="en-US" i="1" err="1">
                 <a:solidFill>
                   <a:srgbClr val="007DB5"/>
                 </a:solidFill>
               </a:rPr>
               <a:t>xmlstartlet</a:t>
             </a:r>
-            <a:endParaRPr lang="en-US" i="1" dirty="0">
+            <a:endParaRPr lang="en-US" i="1">
               <a:solidFill>
                 <a:srgbClr val="007DB5"/>
               </a:solidFill>
@@ -12698,7 +13933,7 @@
 </p:sld>
 </file>
 
-<file path=ppt/slides/slide7.xml><?xml version="1.0" encoding="utf-8"?>
+<file path=ppt/slides/slide9.xml><?xml version="1.0" encoding="utf-8"?>
 <p:sld xmlns:a="http://schemas.openxmlformats.org/drawingml/2006/main" xmlns:r="http://schemas.openxmlformats.org/officeDocument/2006/relationships" xmlns:p="http://schemas.openxmlformats.org/presentationml/2006/main">
   <p:cSld>
     <p:spTree>
@@ -12743,1092 +13978,6 @@
     <p:extLst>
       <p:ext uri="{BB962C8B-B14F-4D97-AF65-F5344CB8AC3E}">
         <p14:creationId xmlns:p14="http://schemas.microsoft.com/office/powerpoint/2010/main" val="2104393614"/>
-      </p:ext>
-    </p:extLst>
-  </p:cSld>
-  <p:clrMapOvr>
-    <a:masterClrMapping/>
-  </p:clrMapOvr>
-</p:sld>
-</file>
-
-<file path=ppt/slides/slide8.xml><?xml version="1.0" encoding="utf-8"?>
-<p:sld xmlns:a="http://schemas.openxmlformats.org/drawingml/2006/main" xmlns:r="http://schemas.openxmlformats.org/officeDocument/2006/relationships" xmlns:p="http://schemas.openxmlformats.org/presentationml/2006/main">
-  <p:cSld>
-    <p:spTree>
-      <p:nvGrpSpPr>
-        <p:cNvPr id="1" name=""/>
-        <p:cNvGrpSpPr/>
-        <p:nvPr/>
-      </p:nvGrpSpPr>
-      <p:grpSpPr>
-        <a:xfrm>
-          <a:off x="0" y="0"/>
-          <a:ext cx="0" cy="0"/>
-          <a:chOff x="0" y="0"/>
-          <a:chExt cx="0" cy="0"/>
-        </a:xfrm>
-      </p:grpSpPr>
-      <p:pic>
-        <p:nvPicPr>
-          <p:cNvPr id="2" name="Picture 1"/>
-          <p:cNvPicPr>
-            <a:picLocks noChangeAspect="1"/>
-          </p:cNvPicPr>
-          <p:nvPr/>
-        </p:nvPicPr>
-        <p:blipFill>
-          <a:blip r:embed="rId3"/>
-          <a:stretch>
-            <a:fillRect/>
-          </a:stretch>
-        </p:blipFill>
-        <p:spPr>
-          <a:xfrm>
-            <a:off x="2806243" y="229296"/>
-            <a:ext cx="8298899" cy="6477561"/>
-          </a:xfrm>
-          <a:prstGeom prst="rect">
-            <a:avLst/>
-          </a:prstGeom>
-        </p:spPr>
-      </p:pic>
-      <p:sp>
-        <p:nvSpPr>
-          <p:cNvPr id="3" name="TextBox 3"/>
-          <p:cNvSpPr txBox="1"/>
-          <p:nvPr/>
-        </p:nvSpPr>
-        <p:spPr>
-          <a:xfrm>
-            <a:off x="616541" y="229296"/>
-            <a:ext cx="2189702" cy="369332"/>
-          </a:xfrm>
-          <a:prstGeom prst="rect">
-            <a:avLst/>
-          </a:prstGeom>
-          <a:solidFill>
-            <a:srgbClr val="FFC000"/>
-          </a:solidFill>
-        </p:spPr>
-        <p:txBody>
-          <a:bodyPr wrap="none" rtlCol="0">
-            <a:spAutoFit/>
-          </a:bodyPr>
-          <a:lstStyle>
-            <a:defPPr>
-              <a:defRPr lang="en-US"/>
-            </a:defPPr>
-            <a:lvl1pPr marL="0" algn="l" defTabSz="914400" rtl="0" eaLnBrk="1" latinLnBrk="0" hangingPunct="1">
-              <a:defRPr sz="1800" kern="1200">
-                <a:solidFill>
-                  <a:schemeClr val="tx1"/>
-                </a:solidFill>
-                <a:latin typeface="+mn-lt"/>
-                <a:ea typeface="+mn-ea"/>
-                <a:cs typeface="+mn-cs"/>
-              </a:defRPr>
-            </a:lvl1pPr>
-            <a:lvl2pPr marL="457200" algn="l" defTabSz="914400" rtl="0" eaLnBrk="1" latinLnBrk="0" hangingPunct="1">
-              <a:defRPr sz="1800" kern="1200">
-                <a:solidFill>
-                  <a:schemeClr val="tx1"/>
-                </a:solidFill>
-                <a:latin typeface="+mn-lt"/>
-                <a:ea typeface="+mn-ea"/>
-                <a:cs typeface="+mn-cs"/>
-              </a:defRPr>
-            </a:lvl2pPr>
-            <a:lvl3pPr marL="914400" algn="l" defTabSz="914400" rtl="0" eaLnBrk="1" latinLnBrk="0" hangingPunct="1">
-              <a:defRPr sz="1800" kern="1200">
-                <a:solidFill>
-                  <a:schemeClr val="tx1"/>
-                </a:solidFill>
-                <a:latin typeface="+mn-lt"/>
-                <a:ea typeface="+mn-ea"/>
-                <a:cs typeface="+mn-cs"/>
-              </a:defRPr>
-            </a:lvl3pPr>
-            <a:lvl4pPr marL="1371600" algn="l" defTabSz="914400" rtl="0" eaLnBrk="1" latinLnBrk="0" hangingPunct="1">
-              <a:defRPr sz="1800" kern="1200">
-                <a:solidFill>
-                  <a:schemeClr val="tx1"/>
-                </a:solidFill>
-                <a:latin typeface="+mn-lt"/>
-                <a:ea typeface="+mn-ea"/>
-                <a:cs typeface="+mn-cs"/>
-              </a:defRPr>
-            </a:lvl4pPr>
-            <a:lvl5pPr marL="1828800" algn="l" defTabSz="914400" rtl="0" eaLnBrk="1" latinLnBrk="0" hangingPunct="1">
-              <a:defRPr sz="1800" kern="1200">
-                <a:solidFill>
-                  <a:schemeClr val="tx1"/>
-                </a:solidFill>
-                <a:latin typeface="+mn-lt"/>
-                <a:ea typeface="+mn-ea"/>
-                <a:cs typeface="+mn-cs"/>
-              </a:defRPr>
-            </a:lvl5pPr>
-            <a:lvl6pPr marL="2286000" algn="l" defTabSz="914400" rtl="0" eaLnBrk="1" latinLnBrk="0" hangingPunct="1">
-              <a:defRPr sz="1800" kern="1200">
-                <a:solidFill>
-                  <a:schemeClr val="tx1"/>
-                </a:solidFill>
-                <a:latin typeface="+mn-lt"/>
-                <a:ea typeface="+mn-ea"/>
-                <a:cs typeface="+mn-cs"/>
-              </a:defRPr>
-            </a:lvl6pPr>
-            <a:lvl7pPr marL="2743200" algn="l" defTabSz="914400" rtl="0" eaLnBrk="1" latinLnBrk="0" hangingPunct="1">
-              <a:defRPr sz="1800" kern="1200">
-                <a:solidFill>
-                  <a:schemeClr val="tx1"/>
-                </a:solidFill>
-                <a:latin typeface="+mn-lt"/>
-                <a:ea typeface="+mn-ea"/>
-                <a:cs typeface="+mn-cs"/>
-              </a:defRPr>
-            </a:lvl7pPr>
-            <a:lvl8pPr marL="3200400" algn="l" defTabSz="914400" rtl="0" eaLnBrk="1" latinLnBrk="0" hangingPunct="1">
-              <a:defRPr sz="1800" kern="1200">
-                <a:solidFill>
-                  <a:schemeClr val="tx1"/>
-                </a:solidFill>
-                <a:latin typeface="+mn-lt"/>
-                <a:ea typeface="+mn-ea"/>
-                <a:cs typeface="+mn-cs"/>
-              </a:defRPr>
-            </a:lvl8pPr>
-            <a:lvl9pPr marL="3657600" algn="l" defTabSz="914400" rtl="0" eaLnBrk="1" latinLnBrk="0" hangingPunct="1">
-              <a:defRPr sz="1800" kern="1200">
-                <a:solidFill>
-                  <a:schemeClr val="tx1"/>
-                </a:solidFill>
-                <a:latin typeface="+mn-lt"/>
-                <a:ea typeface="+mn-ea"/>
-                <a:cs typeface="+mn-cs"/>
-              </a:defRPr>
-            </a:lvl9pPr>
-          </a:lstStyle>
-          <a:p>
-            <a:r>
-              <a:rPr lang="en-US" dirty="0" smtClean="0"/>
-              <a:t>Show </a:t>
-            </a:r>
-            <a:r>
-              <a:rPr lang="en-US" i="1" dirty="0" smtClean="0">
-                <a:solidFill>
-                  <a:srgbClr val="007DB5"/>
-                </a:solidFill>
-              </a:rPr>
-              <a:t>SecurityEvt.xml</a:t>
-            </a:r>
-            <a:endParaRPr lang="en-US" i="1" dirty="0">
-              <a:solidFill>
-                <a:srgbClr val="007DB5"/>
-              </a:solidFill>
-            </a:endParaRPr>
-          </a:p>
-        </p:txBody>
-      </p:sp>
-      <p:sp>
-        <p:nvSpPr>
-          <p:cNvPr id="4" name="Rectangle 3"/>
-          <p:cNvSpPr/>
-          <p:nvPr/>
-        </p:nvSpPr>
-        <p:spPr>
-          <a:xfrm>
-            <a:off x="6752493" y="1847557"/>
-            <a:ext cx="4110892" cy="1138773"/>
-          </a:xfrm>
-          <a:prstGeom prst="rect">
-            <a:avLst/>
-          </a:prstGeom>
-          <a:solidFill>
-            <a:schemeClr val="accent4">
-              <a:lumMod val="20000"/>
-              <a:lumOff val="80000"/>
-            </a:schemeClr>
-          </a:solidFill>
-        </p:spPr>
-        <p:txBody>
-          <a:bodyPr wrap="square">
-            <a:spAutoFit/>
-          </a:bodyPr>
-          <a:lstStyle/>
-          <a:p>
-            <a:pPr marL="285750" indent="-285750">
-              <a:buFont typeface="Arial" panose="020B0604020202020204" pitchFamily="34" charset="0"/>
-              <a:buChar char="•"/>
-            </a:pPr>
-            <a:r>
-              <a:rPr lang="en-US" sz="1400" dirty="0">
-                <a:solidFill>
-                  <a:srgbClr val="FF0000"/>
-                </a:solidFill>
-              </a:rPr>
-              <a:t>XML Namespaces </a:t>
-            </a:r>
-            <a:r>
-              <a:rPr lang="en-US" sz="1400" dirty="0"/>
-              <a:t>provide a method to avoid element name conflicts</a:t>
-            </a:r>
-            <a:r>
-              <a:rPr lang="en-US" sz="1400" dirty="0" smtClean="0"/>
-              <a:t>.</a:t>
-            </a:r>
-          </a:p>
-          <a:p>
-            <a:pPr marL="742950" lvl="1" indent="-285750">
-              <a:buFont typeface="Arial" panose="020B0604020202020204" pitchFamily="34" charset="0"/>
-              <a:buChar char="•"/>
-            </a:pPr>
-            <a:r>
-              <a:rPr lang="en-US" sz="1400" dirty="0" smtClean="0"/>
-              <a:t>defined </a:t>
-            </a:r>
-            <a:r>
-              <a:rPr lang="en-US" sz="1400" dirty="0"/>
-              <a:t>by an </a:t>
-            </a:r>
-            <a:r>
-              <a:rPr lang="en-US" sz="1400" b="1" dirty="0" err="1"/>
-              <a:t>xmlns</a:t>
-            </a:r>
-            <a:r>
-              <a:rPr lang="en-US" sz="1400" dirty="0"/>
-              <a:t> attribute in the start tag of an element</a:t>
-            </a:r>
-            <a:r>
-              <a:rPr lang="en-US" sz="1400" dirty="0" smtClean="0"/>
-              <a:t>.</a:t>
-            </a:r>
-          </a:p>
-          <a:p>
-            <a:pPr marL="742950" lvl="1" indent="-285750">
-              <a:buFont typeface="Arial" panose="020B0604020202020204" pitchFamily="34" charset="0"/>
-              <a:buChar char="•"/>
-            </a:pPr>
-            <a:r>
-              <a:rPr lang="en-US" sz="1200" dirty="0" err="1">
-                <a:solidFill>
-                  <a:srgbClr val="007DB5"/>
-                </a:solidFill>
-              </a:rPr>
-              <a:t>xmlns:</a:t>
-            </a:r>
-            <a:r>
-              <a:rPr lang="en-US" sz="1200" i="1" dirty="0" err="1">
-                <a:solidFill>
-                  <a:srgbClr val="007DB5"/>
-                </a:solidFill>
-              </a:rPr>
-              <a:t>prefix</a:t>
-            </a:r>
-            <a:r>
-              <a:rPr lang="en-US" sz="1200" dirty="0">
-                <a:solidFill>
-                  <a:srgbClr val="007DB5"/>
-                </a:solidFill>
-              </a:rPr>
-              <a:t>="</a:t>
-            </a:r>
-            <a:r>
-              <a:rPr lang="en-US" sz="1200" i="1" dirty="0">
-                <a:solidFill>
-                  <a:srgbClr val="007DB5"/>
-                </a:solidFill>
-              </a:rPr>
-              <a:t>URI</a:t>
-            </a:r>
-            <a:r>
-              <a:rPr lang="en-US" sz="1200" dirty="0">
-                <a:solidFill>
-                  <a:srgbClr val="007DB5"/>
-                </a:solidFill>
-              </a:rPr>
-              <a:t>".</a:t>
-            </a:r>
-          </a:p>
-        </p:txBody>
-      </p:sp>
-      <p:cxnSp>
-        <p:nvCxnSpPr>
-          <p:cNvPr id="6" name="Straight Arrow Connector 5"/>
-          <p:cNvCxnSpPr/>
-          <p:nvPr/>
-        </p:nvCxnSpPr>
-        <p:spPr>
-          <a:xfrm flipH="1" flipV="1">
-            <a:off x="3868615" y="1524000"/>
-            <a:ext cx="3329354" cy="1281723"/>
-          </a:xfrm>
-          <a:prstGeom prst="straightConnector1">
-            <a:avLst/>
-          </a:prstGeom>
-          <a:ln w="28575">
-            <a:solidFill>
-              <a:srgbClr val="FF0000"/>
-            </a:solidFill>
-            <a:tailEnd type="triangle"/>
-          </a:ln>
-        </p:spPr>
-        <p:style>
-          <a:lnRef idx="1">
-            <a:schemeClr val="accent1"/>
-          </a:lnRef>
-          <a:fillRef idx="0">
-            <a:schemeClr val="accent1"/>
-          </a:fillRef>
-          <a:effectRef idx="0">
-            <a:schemeClr val="accent1"/>
-          </a:effectRef>
-          <a:fontRef idx="minor">
-            <a:schemeClr val="tx1"/>
-          </a:fontRef>
-        </p:style>
-      </p:cxnSp>
-      <p:sp>
-        <p:nvSpPr>
-          <p:cNvPr id="9" name="Rectangle 8"/>
-          <p:cNvSpPr/>
-          <p:nvPr/>
-        </p:nvSpPr>
-        <p:spPr>
-          <a:xfrm>
-            <a:off x="445477" y="2113225"/>
-            <a:ext cx="2290428" cy="1200329"/>
-          </a:xfrm>
-          <a:prstGeom prst="rect">
-            <a:avLst/>
-          </a:prstGeom>
-        </p:spPr>
-        <p:txBody>
-          <a:bodyPr wrap="square">
-            <a:spAutoFit/>
-          </a:bodyPr>
-          <a:lstStyle/>
-          <a:p>
-            <a:r>
-              <a:rPr lang="en-US" sz="1200" dirty="0">
-                <a:solidFill>
-                  <a:srgbClr val="0000CD"/>
-                </a:solidFill>
-                <a:latin typeface="Consolas" panose="020B0609020204030204" pitchFamily="49" charset="0"/>
-              </a:rPr>
-              <a:t>&lt;</a:t>
-            </a:r>
-            <a:r>
-              <a:rPr lang="en-US" sz="1200" dirty="0">
-                <a:solidFill>
-                  <a:srgbClr val="A52A2A"/>
-                </a:solidFill>
-                <a:latin typeface="Consolas" panose="020B0609020204030204" pitchFamily="49" charset="0"/>
-              </a:rPr>
-              <a:t>table</a:t>
-            </a:r>
-            <a:r>
-              <a:rPr lang="en-US" sz="1200" dirty="0">
-                <a:solidFill>
-                  <a:srgbClr val="0000CD"/>
-                </a:solidFill>
-                <a:latin typeface="Consolas" panose="020B0609020204030204" pitchFamily="49" charset="0"/>
-              </a:rPr>
-              <a:t>&gt;</a:t>
-            </a:r>
-            <a:r>
-              <a:rPr lang="en-US" sz="1200" dirty="0"/>
-              <a:t/>
-            </a:r>
-            <a:br>
-              <a:rPr lang="en-US" sz="1200" dirty="0"/>
-            </a:br>
-            <a:r>
-              <a:rPr lang="en-US" sz="1200" dirty="0">
-                <a:solidFill>
-                  <a:srgbClr val="000000"/>
-                </a:solidFill>
-                <a:latin typeface="Consolas" panose="020B0609020204030204" pitchFamily="49" charset="0"/>
-              </a:rPr>
-              <a:t>  </a:t>
-            </a:r>
-            <a:r>
-              <a:rPr lang="en-US" sz="1200" dirty="0">
-                <a:solidFill>
-                  <a:srgbClr val="0000CD"/>
-                </a:solidFill>
-                <a:latin typeface="Consolas" panose="020B0609020204030204" pitchFamily="49" charset="0"/>
-              </a:rPr>
-              <a:t>&lt;</a:t>
-            </a:r>
-            <a:r>
-              <a:rPr lang="en-US" sz="1200" dirty="0" err="1">
-                <a:solidFill>
-                  <a:srgbClr val="A52A2A"/>
-                </a:solidFill>
-                <a:latin typeface="Consolas" panose="020B0609020204030204" pitchFamily="49" charset="0"/>
-              </a:rPr>
-              <a:t>tr</a:t>
-            </a:r>
-            <a:r>
-              <a:rPr lang="en-US" sz="1200" dirty="0">
-                <a:solidFill>
-                  <a:srgbClr val="0000CD"/>
-                </a:solidFill>
-                <a:latin typeface="Consolas" panose="020B0609020204030204" pitchFamily="49" charset="0"/>
-              </a:rPr>
-              <a:t>&gt;</a:t>
-            </a:r>
-            <a:r>
-              <a:rPr lang="en-US" sz="1200" dirty="0"/>
-              <a:t/>
-            </a:r>
-            <a:br>
-              <a:rPr lang="en-US" sz="1200" dirty="0"/>
-            </a:br>
-            <a:r>
-              <a:rPr lang="en-US" sz="1200" dirty="0">
-                <a:solidFill>
-                  <a:srgbClr val="000000"/>
-                </a:solidFill>
-                <a:latin typeface="Consolas" panose="020B0609020204030204" pitchFamily="49" charset="0"/>
-              </a:rPr>
-              <a:t>    </a:t>
-            </a:r>
-            <a:r>
-              <a:rPr lang="en-US" sz="1200" dirty="0">
-                <a:solidFill>
-                  <a:srgbClr val="0000CD"/>
-                </a:solidFill>
-                <a:latin typeface="Consolas" panose="020B0609020204030204" pitchFamily="49" charset="0"/>
-              </a:rPr>
-              <a:t>&lt;</a:t>
-            </a:r>
-            <a:r>
-              <a:rPr lang="en-US" sz="1200" dirty="0">
-                <a:solidFill>
-                  <a:srgbClr val="A52A2A"/>
-                </a:solidFill>
-                <a:latin typeface="Consolas" panose="020B0609020204030204" pitchFamily="49" charset="0"/>
-              </a:rPr>
-              <a:t>td</a:t>
-            </a:r>
-            <a:r>
-              <a:rPr lang="en-US" sz="1200" dirty="0">
-                <a:solidFill>
-                  <a:srgbClr val="0000CD"/>
-                </a:solidFill>
-                <a:latin typeface="Consolas" panose="020B0609020204030204" pitchFamily="49" charset="0"/>
-              </a:rPr>
-              <a:t>&gt;</a:t>
-            </a:r>
-            <a:r>
-              <a:rPr lang="en-US" sz="1200" dirty="0">
-                <a:solidFill>
-                  <a:srgbClr val="000000"/>
-                </a:solidFill>
-                <a:latin typeface="Consolas" panose="020B0609020204030204" pitchFamily="49" charset="0"/>
-              </a:rPr>
-              <a:t>Apples</a:t>
-            </a:r>
-            <a:r>
-              <a:rPr lang="en-US" sz="1200" dirty="0">
-                <a:solidFill>
-                  <a:srgbClr val="0000CD"/>
-                </a:solidFill>
-                <a:latin typeface="Consolas" panose="020B0609020204030204" pitchFamily="49" charset="0"/>
-              </a:rPr>
-              <a:t>&lt;</a:t>
-            </a:r>
-            <a:r>
-              <a:rPr lang="en-US" sz="1200" dirty="0">
-                <a:solidFill>
-                  <a:srgbClr val="A52A2A"/>
-                </a:solidFill>
-                <a:latin typeface="Consolas" panose="020B0609020204030204" pitchFamily="49" charset="0"/>
-              </a:rPr>
-              <a:t>/td</a:t>
-            </a:r>
-            <a:r>
-              <a:rPr lang="en-US" sz="1200" dirty="0">
-                <a:solidFill>
-                  <a:srgbClr val="0000CD"/>
-                </a:solidFill>
-                <a:latin typeface="Consolas" panose="020B0609020204030204" pitchFamily="49" charset="0"/>
-              </a:rPr>
-              <a:t>&gt;</a:t>
-            </a:r>
-            <a:r>
-              <a:rPr lang="en-US" sz="1200" dirty="0"/>
-              <a:t/>
-            </a:r>
-            <a:br>
-              <a:rPr lang="en-US" sz="1200" dirty="0"/>
-            </a:br>
-            <a:r>
-              <a:rPr lang="en-US" sz="1200" dirty="0">
-                <a:solidFill>
-                  <a:srgbClr val="000000"/>
-                </a:solidFill>
-                <a:latin typeface="Consolas" panose="020B0609020204030204" pitchFamily="49" charset="0"/>
-              </a:rPr>
-              <a:t>    </a:t>
-            </a:r>
-            <a:r>
-              <a:rPr lang="en-US" sz="1200" dirty="0">
-                <a:solidFill>
-                  <a:srgbClr val="0000CD"/>
-                </a:solidFill>
-                <a:latin typeface="Consolas" panose="020B0609020204030204" pitchFamily="49" charset="0"/>
-              </a:rPr>
-              <a:t>&lt;</a:t>
-            </a:r>
-            <a:r>
-              <a:rPr lang="en-US" sz="1200" dirty="0">
-                <a:solidFill>
-                  <a:srgbClr val="A52A2A"/>
-                </a:solidFill>
-                <a:latin typeface="Consolas" panose="020B0609020204030204" pitchFamily="49" charset="0"/>
-              </a:rPr>
-              <a:t>td</a:t>
-            </a:r>
-            <a:r>
-              <a:rPr lang="en-US" sz="1200" dirty="0">
-                <a:solidFill>
-                  <a:srgbClr val="0000CD"/>
-                </a:solidFill>
-                <a:latin typeface="Consolas" panose="020B0609020204030204" pitchFamily="49" charset="0"/>
-              </a:rPr>
-              <a:t>&gt;</a:t>
-            </a:r>
-            <a:r>
-              <a:rPr lang="en-US" sz="1200" dirty="0">
-                <a:solidFill>
-                  <a:srgbClr val="000000"/>
-                </a:solidFill>
-                <a:latin typeface="Consolas" panose="020B0609020204030204" pitchFamily="49" charset="0"/>
-              </a:rPr>
-              <a:t>Bananas</a:t>
-            </a:r>
-            <a:r>
-              <a:rPr lang="en-US" sz="1200" dirty="0">
-                <a:solidFill>
-                  <a:srgbClr val="0000CD"/>
-                </a:solidFill>
-                <a:latin typeface="Consolas" panose="020B0609020204030204" pitchFamily="49" charset="0"/>
-              </a:rPr>
-              <a:t>&lt;</a:t>
-            </a:r>
-            <a:r>
-              <a:rPr lang="en-US" sz="1200" dirty="0">
-                <a:solidFill>
-                  <a:srgbClr val="A52A2A"/>
-                </a:solidFill>
-                <a:latin typeface="Consolas" panose="020B0609020204030204" pitchFamily="49" charset="0"/>
-              </a:rPr>
-              <a:t>/td</a:t>
-            </a:r>
-            <a:r>
-              <a:rPr lang="en-US" sz="1200" dirty="0">
-                <a:solidFill>
-                  <a:srgbClr val="0000CD"/>
-                </a:solidFill>
-                <a:latin typeface="Consolas" panose="020B0609020204030204" pitchFamily="49" charset="0"/>
-              </a:rPr>
-              <a:t>&gt;</a:t>
-            </a:r>
-            <a:r>
-              <a:rPr lang="en-US" sz="1200" dirty="0"/>
-              <a:t/>
-            </a:r>
-            <a:br>
-              <a:rPr lang="en-US" sz="1200" dirty="0"/>
-            </a:br>
-            <a:r>
-              <a:rPr lang="en-US" sz="1200" dirty="0">
-                <a:solidFill>
-                  <a:srgbClr val="000000"/>
-                </a:solidFill>
-                <a:latin typeface="Consolas" panose="020B0609020204030204" pitchFamily="49" charset="0"/>
-              </a:rPr>
-              <a:t>  </a:t>
-            </a:r>
-            <a:r>
-              <a:rPr lang="en-US" sz="1200" dirty="0">
-                <a:solidFill>
-                  <a:srgbClr val="0000CD"/>
-                </a:solidFill>
-                <a:latin typeface="Consolas" panose="020B0609020204030204" pitchFamily="49" charset="0"/>
-              </a:rPr>
-              <a:t>&lt;</a:t>
-            </a:r>
-            <a:r>
-              <a:rPr lang="en-US" sz="1200" dirty="0">
-                <a:solidFill>
-                  <a:srgbClr val="A52A2A"/>
-                </a:solidFill>
-                <a:latin typeface="Consolas" panose="020B0609020204030204" pitchFamily="49" charset="0"/>
-              </a:rPr>
-              <a:t>/</a:t>
-            </a:r>
-            <a:r>
-              <a:rPr lang="en-US" sz="1200" dirty="0" err="1">
-                <a:solidFill>
-                  <a:srgbClr val="A52A2A"/>
-                </a:solidFill>
-                <a:latin typeface="Consolas" panose="020B0609020204030204" pitchFamily="49" charset="0"/>
-              </a:rPr>
-              <a:t>tr</a:t>
-            </a:r>
-            <a:r>
-              <a:rPr lang="en-US" sz="1200" dirty="0">
-                <a:solidFill>
-                  <a:srgbClr val="0000CD"/>
-                </a:solidFill>
-                <a:latin typeface="Consolas" panose="020B0609020204030204" pitchFamily="49" charset="0"/>
-              </a:rPr>
-              <a:t>&gt;</a:t>
-            </a:r>
-            <a:r>
-              <a:rPr lang="en-US" sz="1200" dirty="0"/>
-              <a:t/>
-            </a:r>
-            <a:br>
-              <a:rPr lang="en-US" sz="1200" dirty="0"/>
-            </a:br>
-            <a:r>
-              <a:rPr lang="en-US" sz="1200" dirty="0">
-                <a:solidFill>
-                  <a:srgbClr val="0000CD"/>
-                </a:solidFill>
-                <a:latin typeface="Consolas" panose="020B0609020204030204" pitchFamily="49" charset="0"/>
-              </a:rPr>
-              <a:t>&lt;</a:t>
-            </a:r>
-            <a:r>
-              <a:rPr lang="en-US" sz="1200" dirty="0">
-                <a:solidFill>
-                  <a:srgbClr val="A52A2A"/>
-                </a:solidFill>
-                <a:latin typeface="Consolas" panose="020B0609020204030204" pitchFamily="49" charset="0"/>
-              </a:rPr>
-              <a:t>/table</a:t>
-            </a:r>
-            <a:r>
-              <a:rPr lang="en-US" sz="1200" dirty="0">
-                <a:solidFill>
-                  <a:srgbClr val="0000CD"/>
-                </a:solidFill>
-                <a:latin typeface="Consolas" panose="020B0609020204030204" pitchFamily="49" charset="0"/>
-              </a:rPr>
-              <a:t>&gt;</a:t>
-            </a:r>
-            <a:endParaRPr lang="en-US" sz="1200" dirty="0"/>
-          </a:p>
-        </p:txBody>
-      </p:sp>
-      <p:sp>
-        <p:nvSpPr>
-          <p:cNvPr id="10" name="Rectangle 9"/>
-          <p:cNvSpPr/>
-          <p:nvPr/>
-        </p:nvSpPr>
-        <p:spPr>
-          <a:xfrm>
-            <a:off x="445477" y="3759718"/>
-            <a:ext cx="2290428" cy="1200329"/>
-          </a:xfrm>
-          <a:prstGeom prst="rect">
-            <a:avLst/>
-          </a:prstGeom>
-        </p:spPr>
-        <p:txBody>
-          <a:bodyPr wrap="square">
-            <a:spAutoFit/>
-          </a:bodyPr>
-          <a:lstStyle/>
-          <a:p>
-            <a:r>
-              <a:rPr lang="en-US" sz="1200" dirty="0">
-                <a:solidFill>
-                  <a:srgbClr val="0000CD"/>
-                </a:solidFill>
-                <a:latin typeface="Consolas" panose="020B0609020204030204" pitchFamily="49" charset="0"/>
-              </a:rPr>
-              <a:t>&lt;</a:t>
-            </a:r>
-            <a:r>
-              <a:rPr lang="en-US" sz="1200" dirty="0">
-                <a:solidFill>
-                  <a:srgbClr val="A52A2A"/>
-                </a:solidFill>
-                <a:latin typeface="Consolas" panose="020B0609020204030204" pitchFamily="49" charset="0"/>
-              </a:rPr>
-              <a:t>table</a:t>
-            </a:r>
-            <a:r>
-              <a:rPr lang="en-US" sz="1200" dirty="0">
-                <a:solidFill>
-                  <a:srgbClr val="0000CD"/>
-                </a:solidFill>
-                <a:latin typeface="Consolas" panose="020B0609020204030204" pitchFamily="49" charset="0"/>
-              </a:rPr>
-              <a:t>&gt;</a:t>
-            </a:r>
-            <a:r>
-              <a:rPr lang="en-US" sz="1200" dirty="0"/>
-              <a:t/>
-            </a:r>
-            <a:br>
-              <a:rPr lang="en-US" sz="1200" dirty="0"/>
-            </a:br>
-            <a:r>
-              <a:rPr lang="en-US" sz="1200" dirty="0">
-                <a:solidFill>
-                  <a:srgbClr val="000000"/>
-                </a:solidFill>
-                <a:latin typeface="Consolas" panose="020B0609020204030204" pitchFamily="49" charset="0"/>
-              </a:rPr>
-              <a:t>  </a:t>
-            </a:r>
-            <a:r>
-              <a:rPr lang="en-US" sz="1200" dirty="0">
-                <a:solidFill>
-                  <a:srgbClr val="0000CD"/>
-                </a:solidFill>
-                <a:latin typeface="Consolas" panose="020B0609020204030204" pitchFamily="49" charset="0"/>
-              </a:rPr>
-              <a:t>&lt;</a:t>
-            </a:r>
-            <a:r>
-              <a:rPr lang="en-US" sz="1200" dirty="0">
-                <a:solidFill>
-                  <a:srgbClr val="A52A2A"/>
-                </a:solidFill>
-                <a:latin typeface="Consolas" panose="020B0609020204030204" pitchFamily="49" charset="0"/>
-              </a:rPr>
-              <a:t>name</a:t>
-            </a:r>
-            <a:r>
-              <a:rPr lang="en-US" sz="1200" dirty="0">
-                <a:solidFill>
-                  <a:srgbClr val="0000CD"/>
-                </a:solidFill>
-                <a:latin typeface="Consolas" panose="020B0609020204030204" pitchFamily="49" charset="0"/>
-              </a:rPr>
-              <a:t>&gt;</a:t>
-            </a:r>
-            <a:r>
-              <a:rPr lang="en-US" sz="1200" dirty="0">
-                <a:solidFill>
-                  <a:srgbClr val="000000"/>
-                </a:solidFill>
-                <a:latin typeface="Consolas" panose="020B0609020204030204" pitchFamily="49" charset="0"/>
-              </a:rPr>
-              <a:t>African Coffee Table</a:t>
-            </a:r>
-            <a:r>
-              <a:rPr lang="en-US" sz="1200" dirty="0">
-                <a:solidFill>
-                  <a:srgbClr val="0000CD"/>
-                </a:solidFill>
-                <a:latin typeface="Consolas" panose="020B0609020204030204" pitchFamily="49" charset="0"/>
-              </a:rPr>
-              <a:t>&lt;</a:t>
-            </a:r>
-            <a:r>
-              <a:rPr lang="en-US" sz="1200" dirty="0">
-                <a:solidFill>
-                  <a:srgbClr val="A52A2A"/>
-                </a:solidFill>
-                <a:latin typeface="Consolas" panose="020B0609020204030204" pitchFamily="49" charset="0"/>
-              </a:rPr>
-              <a:t>/name</a:t>
-            </a:r>
-            <a:r>
-              <a:rPr lang="en-US" sz="1200" dirty="0">
-                <a:solidFill>
-                  <a:srgbClr val="0000CD"/>
-                </a:solidFill>
-                <a:latin typeface="Consolas" panose="020B0609020204030204" pitchFamily="49" charset="0"/>
-              </a:rPr>
-              <a:t>&gt;</a:t>
-            </a:r>
-            <a:r>
-              <a:rPr lang="en-US" sz="1200" dirty="0"/>
-              <a:t/>
-            </a:r>
-            <a:br>
-              <a:rPr lang="en-US" sz="1200" dirty="0"/>
-            </a:br>
-            <a:r>
-              <a:rPr lang="en-US" sz="1200" dirty="0">
-                <a:solidFill>
-                  <a:srgbClr val="000000"/>
-                </a:solidFill>
-                <a:latin typeface="Consolas" panose="020B0609020204030204" pitchFamily="49" charset="0"/>
-              </a:rPr>
-              <a:t>  </a:t>
-            </a:r>
-            <a:r>
-              <a:rPr lang="en-US" sz="1200" dirty="0">
-                <a:solidFill>
-                  <a:srgbClr val="0000CD"/>
-                </a:solidFill>
-                <a:latin typeface="Consolas" panose="020B0609020204030204" pitchFamily="49" charset="0"/>
-              </a:rPr>
-              <a:t>&lt;</a:t>
-            </a:r>
-            <a:r>
-              <a:rPr lang="en-US" sz="1200" dirty="0">
-                <a:solidFill>
-                  <a:srgbClr val="A52A2A"/>
-                </a:solidFill>
-                <a:latin typeface="Consolas" panose="020B0609020204030204" pitchFamily="49" charset="0"/>
-              </a:rPr>
-              <a:t>width</a:t>
-            </a:r>
-            <a:r>
-              <a:rPr lang="en-US" sz="1200" dirty="0">
-                <a:solidFill>
-                  <a:srgbClr val="0000CD"/>
-                </a:solidFill>
-                <a:latin typeface="Consolas" panose="020B0609020204030204" pitchFamily="49" charset="0"/>
-              </a:rPr>
-              <a:t>&gt;</a:t>
-            </a:r>
-            <a:r>
-              <a:rPr lang="en-US" sz="1200" dirty="0">
-                <a:solidFill>
-                  <a:srgbClr val="000000"/>
-                </a:solidFill>
-                <a:latin typeface="Consolas" panose="020B0609020204030204" pitchFamily="49" charset="0"/>
-              </a:rPr>
-              <a:t>80</a:t>
-            </a:r>
-            <a:r>
-              <a:rPr lang="en-US" sz="1200" dirty="0">
-                <a:solidFill>
-                  <a:srgbClr val="0000CD"/>
-                </a:solidFill>
-                <a:latin typeface="Consolas" panose="020B0609020204030204" pitchFamily="49" charset="0"/>
-              </a:rPr>
-              <a:t>&lt;</a:t>
-            </a:r>
-            <a:r>
-              <a:rPr lang="en-US" sz="1200" dirty="0">
-                <a:solidFill>
-                  <a:srgbClr val="A52A2A"/>
-                </a:solidFill>
-                <a:latin typeface="Consolas" panose="020B0609020204030204" pitchFamily="49" charset="0"/>
-              </a:rPr>
-              <a:t>/width</a:t>
-            </a:r>
-            <a:r>
-              <a:rPr lang="en-US" sz="1200" dirty="0">
-                <a:solidFill>
-                  <a:srgbClr val="0000CD"/>
-                </a:solidFill>
-                <a:latin typeface="Consolas" panose="020B0609020204030204" pitchFamily="49" charset="0"/>
-              </a:rPr>
-              <a:t>&gt;</a:t>
-            </a:r>
-            <a:r>
-              <a:rPr lang="en-US" sz="1200" dirty="0"/>
-              <a:t/>
-            </a:r>
-            <a:br>
-              <a:rPr lang="en-US" sz="1200" dirty="0"/>
-            </a:br>
-            <a:r>
-              <a:rPr lang="en-US" sz="1200" dirty="0">
-                <a:solidFill>
-                  <a:srgbClr val="000000"/>
-                </a:solidFill>
-                <a:latin typeface="Consolas" panose="020B0609020204030204" pitchFamily="49" charset="0"/>
-              </a:rPr>
-              <a:t>  </a:t>
-            </a:r>
-            <a:r>
-              <a:rPr lang="en-US" sz="1200" dirty="0">
-                <a:solidFill>
-                  <a:srgbClr val="0000CD"/>
-                </a:solidFill>
-                <a:latin typeface="Consolas" panose="020B0609020204030204" pitchFamily="49" charset="0"/>
-              </a:rPr>
-              <a:t>&lt;</a:t>
-            </a:r>
-            <a:r>
-              <a:rPr lang="en-US" sz="1200" dirty="0">
-                <a:solidFill>
-                  <a:srgbClr val="A52A2A"/>
-                </a:solidFill>
-                <a:latin typeface="Consolas" panose="020B0609020204030204" pitchFamily="49" charset="0"/>
-              </a:rPr>
-              <a:t>length</a:t>
-            </a:r>
-            <a:r>
-              <a:rPr lang="en-US" sz="1200" dirty="0">
-                <a:solidFill>
-                  <a:srgbClr val="0000CD"/>
-                </a:solidFill>
-                <a:latin typeface="Consolas" panose="020B0609020204030204" pitchFamily="49" charset="0"/>
-              </a:rPr>
-              <a:t>&gt;</a:t>
-            </a:r>
-            <a:r>
-              <a:rPr lang="en-US" sz="1200" dirty="0">
-                <a:solidFill>
-                  <a:srgbClr val="000000"/>
-                </a:solidFill>
-                <a:latin typeface="Consolas" panose="020B0609020204030204" pitchFamily="49" charset="0"/>
-              </a:rPr>
-              <a:t>120</a:t>
-            </a:r>
-            <a:r>
-              <a:rPr lang="en-US" sz="1200" dirty="0">
-                <a:solidFill>
-                  <a:srgbClr val="0000CD"/>
-                </a:solidFill>
-                <a:latin typeface="Consolas" panose="020B0609020204030204" pitchFamily="49" charset="0"/>
-              </a:rPr>
-              <a:t>&lt;</a:t>
-            </a:r>
-            <a:r>
-              <a:rPr lang="en-US" sz="1200" dirty="0">
-                <a:solidFill>
-                  <a:srgbClr val="A52A2A"/>
-                </a:solidFill>
-                <a:latin typeface="Consolas" panose="020B0609020204030204" pitchFamily="49" charset="0"/>
-              </a:rPr>
-              <a:t>/length</a:t>
-            </a:r>
-            <a:r>
-              <a:rPr lang="en-US" sz="1200" dirty="0">
-                <a:solidFill>
-                  <a:srgbClr val="0000CD"/>
-                </a:solidFill>
-                <a:latin typeface="Consolas" panose="020B0609020204030204" pitchFamily="49" charset="0"/>
-              </a:rPr>
-              <a:t>&gt;</a:t>
-            </a:r>
-            <a:r>
-              <a:rPr lang="en-US" sz="1200" dirty="0"/>
-              <a:t/>
-            </a:r>
-            <a:br>
-              <a:rPr lang="en-US" sz="1200" dirty="0"/>
-            </a:br>
-            <a:r>
-              <a:rPr lang="en-US" sz="1200" dirty="0">
-                <a:solidFill>
-                  <a:srgbClr val="0000CD"/>
-                </a:solidFill>
-                <a:latin typeface="Consolas" panose="020B0609020204030204" pitchFamily="49" charset="0"/>
-              </a:rPr>
-              <a:t>&lt;</a:t>
-            </a:r>
-            <a:r>
-              <a:rPr lang="en-US" sz="1200" dirty="0">
-                <a:solidFill>
-                  <a:srgbClr val="A52A2A"/>
-                </a:solidFill>
-                <a:latin typeface="Consolas" panose="020B0609020204030204" pitchFamily="49" charset="0"/>
-              </a:rPr>
-              <a:t>/table</a:t>
-            </a:r>
-            <a:endParaRPr lang="en-US" sz="1200" dirty="0"/>
-          </a:p>
-        </p:txBody>
-      </p:sp>
-    </p:spTree>
-    <p:extLst>
-      <p:ext uri="{BB962C8B-B14F-4D97-AF65-F5344CB8AC3E}">
-        <p14:creationId xmlns:p14="http://schemas.microsoft.com/office/powerpoint/2010/main" val="2014149104"/>
-      </p:ext>
-    </p:extLst>
-  </p:cSld>
-  <p:clrMapOvr>
-    <a:masterClrMapping/>
-  </p:clrMapOvr>
-</p:sld>
-</file>
-
-<file path=ppt/slides/slide9.xml><?xml version="1.0" encoding="utf-8"?>
-<p:sld xmlns:a="http://schemas.openxmlformats.org/drawingml/2006/main" xmlns:r="http://schemas.openxmlformats.org/officeDocument/2006/relationships" xmlns:p="http://schemas.openxmlformats.org/presentationml/2006/main">
-  <p:cSld>
-    <p:spTree>
-      <p:nvGrpSpPr>
-        <p:cNvPr id="1" name=""/>
-        <p:cNvGrpSpPr/>
-        <p:nvPr/>
-      </p:nvGrpSpPr>
-      <p:grpSpPr>
-        <a:xfrm>
-          <a:off x="0" y="0"/>
-          <a:ext cx="0" cy="0"/>
-          <a:chOff x="0" y="0"/>
-          <a:chExt cx="0" cy="0"/>
-        </a:xfrm>
-      </p:grpSpPr>
-      <p:sp>
-        <p:nvSpPr>
-          <p:cNvPr id="2" name="Title 1"/>
-          <p:cNvSpPr>
-            <a:spLocks noGrp="1"/>
-          </p:cNvSpPr>
-          <p:nvPr>
-            <p:ph type="title"/>
-          </p:nvPr>
-        </p:nvSpPr>
-        <p:spPr/>
-        <p:txBody>
-          <a:bodyPr/>
-          <a:lstStyle/>
-          <a:p>
-            <a:r>
-              <a:rPr lang="en-US" dirty="0" smtClean="0">
-                <a:solidFill>
-                  <a:srgbClr val="FF0000"/>
-                </a:solidFill>
-              </a:rPr>
-              <a:t>val</a:t>
-            </a:r>
-            <a:r>
-              <a:rPr lang="en-US" dirty="0" smtClean="0"/>
-              <a:t>idating </a:t>
-            </a:r>
-            <a:r>
-              <a:rPr lang="en-US" dirty="0"/>
-              <a:t>XML documents</a:t>
-            </a:r>
-          </a:p>
-        </p:txBody>
-      </p:sp>
-      <p:sp>
-        <p:nvSpPr>
-          <p:cNvPr id="3" name="Text Placeholder 2"/>
-          <p:cNvSpPr>
-            <a:spLocks noGrp="1"/>
-          </p:cNvSpPr>
-          <p:nvPr>
-            <p:ph type="body" idx="1"/>
-          </p:nvPr>
-        </p:nvSpPr>
-        <p:spPr/>
-        <p:txBody>
-          <a:bodyPr/>
-          <a:lstStyle/>
-          <a:p>
-            <a:endParaRPr lang="en-US"/>
-          </a:p>
-        </p:txBody>
-      </p:sp>
-    </p:spTree>
-    <p:extLst>
-      <p:ext uri="{BB962C8B-B14F-4D97-AF65-F5344CB8AC3E}">
-        <p14:creationId xmlns:p14="http://schemas.microsoft.com/office/powerpoint/2010/main" val="1702509024"/>
       </p:ext>
     </p:extLst>
   </p:cSld>

--- a/NIST_Data_Leakage_Case/NIST_Data_Leakage_02._WinEvt_XML.pptx
+++ b/NIST_Data_Leakage_Case/NIST_Data_Leakage_02._WinEvt_XML.pptx
@@ -5,57 +5,58 @@
     <p:sldMasterId id="2147483648" r:id="rId1"/>
   </p:sldMasterIdLst>
   <p:notesMasterIdLst>
-    <p:notesMasterId r:id="rId50"/>
+    <p:notesMasterId r:id="rId51"/>
   </p:notesMasterIdLst>
   <p:sldIdLst>
     <p:sldId id="256" r:id="rId2"/>
     <p:sldId id="306" r:id="rId3"/>
     <p:sldId id="307" r:id="rId4"/>
-    <p:sldId id="277" r:id="rId5"/>
-    <p:sldId id="257" r:id="rId6"/>
-    <p:sldId id="278" r:id="rId7"/>
-    <p:sldId id="279" r:id="rId8"/>
-    <p:sldId id="259" r:id="rId9"/>
-    <p:sldId id="260" r:id="rId10"/>
-    <p:sldId id="305" r:id="rId11"/>
-    <p:sldId id="275" r:id="rId12"/>
-    <p:sldId id="276" r:id="rId13"/>
-    <p:sldId id="267" r:id="rId14"/>
-    <p:sldId id="261" r:id="rId15"/>
-    <p:sldId id="264" r:id="rId16"/>
-    <p:sldId id="265" r:id="rId17"/>
-    <p:sldId id="266" r:id="rId18"/>
-    <p:sldId id="271" r:id="rId19"/>
-    <p:sldId id="272" r:id="rId20"/>
-    <p:sldId id="273" r:id="rId21"/>
-    <p:sldId id="268" r:id="rId22"/>
-    <p:sldId id="263" r:id="rId23"/>
-    <p:sldId id="269" r:id="rId24"/>
-    <p:sldId id="280" r:id="rId25"/>
-    <p:sldId id="281" r:id="rId26"/>
-    <p:sldId id="282" r:id="rId27"/>
-    <p:sldId id="270" r:id="rId28"/>
-    <p:sldId id="274" r:id="rId29"/>
-    <p:sldId id="283" r:id="rId30"/>
-    <p:sldId id="284" r:id="rId31"/>
-    <p:sldId id="285" r:id="rId32"/>
-    <p:sldId id="286" r:id="rId33"/>
-    <p:sldId id="258" r:id="rId34"/>
-    <p:sldId id="288" r:id="rId35"/>
-    <p:sldId id="302" r:id="rId36"/>
-    <p:sldId id="296" r:id="rId37"/>
-    <p:sldId id="299" r:id="rId38"/>
-    <p:sldId id="301" r:id="rId39"/>
-    <p:sldId id="291" r:id="rId40"/>
-    <p:sldId id="293" r:id="rId41"/>
-    <p:sldId id="300" r:id="rId42"/>
-    <p:sldId id="298" r:id="rId43"/>
-    <p:sldId id="295" r:id="rId44"/>
-    <p:sldId id="303" r:id="rId45"/>
-    <p:sldId id="287" r:id="rId46"/>
-    <p:sldId id="290" r:id="rId47"/>
-    <p:sldId id="292" r:id="rId48"/>
-    <p:sldId id="304" r:id="rId49"/>
+    <p:sldId id="308" r:id="rId5"/>
+    <p:sldId id="277" r:id="rId6"/>
+    <p:sldId id="257" r:id="rId7"/>
+    <p:sldId id="278" r:id="rId8"/>
+    <p:sldId id="279" r:id="rId9"/>
+    <p:sldId id="259" r:id="rId10"/>
+    <p:sldId id="260" r:id="rId11"/>
+    <p:sldId id="305" r:id="rId12"/>
+    <p:sldId id="275" r:id="rId13"/>
+    <p:sldId id="276" r:id="rId14"/>
+    <p:sldId id="267" r:id="rId15"/>
+    <p:sldId id="261" r:id="rId16"/>
+    <p:sldId id="264" r:id="rId17"/>
+    <p:sldId id="265" r:id="rId18"/>
+    <p:sldId id="266" r:id="rId19"/>
+    <p:sldId id="271" r:id="rId20"/>
+    <p:sldId id="272" r:id="rId21"/>
+    <p:sldId id="273" r:id="rId22"/>
+    <p:sldId id="268" r:id="rId23"/>
+    <p:sldId id="263" r:id="rId24"/>
+    <p:sldId id="269" r:id="rId25"/>
+    <p:sldId id="280" r:id="rId26"/>
+    <p:sldId id="281" r:id="rId27"/>
+    <p:sldId id="282" r:id="rId28"/>
+    <p:sldId id="270" r:id="rId29"/>
+    <p:sldId id="274" r:id="rId30"/>
+    <p:sldId id="283" r:id="rId31"/>
+    <p:sldId id="284" r:id="rId32"/>
+    <p:sldId id="285" r:id="rId33"/>
+    <p:sldId id="286" r:id="rId34"/>
+    <p:sldId id="258" r:id="rId35"/>
+    <p:sldId id="288" r:id="rId36"/>
+    <p:sldId id="302" r:id="rId37"/>
+    <p:sldId id="296" r:id="rId38"/>
+    <p:sldId id="299" r:id="rId39"/>
+    <p:sldId id="301" r:id="rId40"/>
+    <p:sldId id="291" r:id="rId41"/>
+    <p:sldId id="293" r:id="rId42"/>
+    <p:sldId id="300" r:id="rId43"/>
+    <p:sldId id="298" r:id="rId44"/>
+    <p:sldId id="295" r:id="rId45"/>
+    <p:sldId id="303" r:id="rId46"/>
+    <p:sldId id="287" r:id="rId47"/>
+    <p:sldId id="290" r:id="rId48"/>
+    <p:sldId id="292" r:id="rId49"/>
+    <p:sldId id="304" r:id="rId50"/>
   </p:sldIdLst>
   <p:sldSz cx="12192000" cy="6858000"/>
   <p:notesSz cx="6858000" cy="9144000"/>
@@ -215,7 +216,7 @@
   <pc:docChgLst>
     <pc:chgData name="Weifeng Xu" userId="e7aed605-a3dd-4d5a-a692-a87037af107b" providerId="ADAL" clId="{1FE5BE91-3016-4039-8D51-36BC3D9F6FC1}"/>
     <pc:docChg chg="undo custSel addSld modSld sldOrd">
-      <pc:chgData name="Weifeng Xu" userId="e7aed605-a3dd-4d5a-a692-a87037af107b" providerId="ADAL" clId="{1FE5BE91-3016-4039-8D51-36BC3D9F6FC1}" dt="2021-01-26T14:09:38.328" v="333" actId="1076"/>
+      <pc:chgData name="Weifeng Xu" userId="e7aed605-a3dd-4d5a-a692-a87037af107b" providerId="ADAL" clId="{1FE5BE91-3016-4039-8D51-36BC3D9F6FC1}" dt="2021-02-26T00:28:58.028" v="495" actId="313"/>
       <pc:docMkLst>
         <pc:docMk/>
       </pc:docMkLst>
@@ -278,6 +279,36 @@
             <pc:docMk/>
             <pc:sldMk cId="4132490787" sldId="277"/>
             <ac:spMk id="3" creationId="{00000000-0000-0000-0000-000000000000}"/>
+          </ac:spMkLst>
+        </pc:spChg>
+      </pc:sldChg>
+      <pc:sldChg chg="modSp mod">
+        <pc:chgData name="Weifeng Xu" userId="e7aed605-a3dd-4d5a-a692-a87037af107b" providerId="ADAL" clId="{1FE5BE91-3016-4039-8D51-36BC3D9F6FC1}" dt="2021-02-25T23:37:01.067" v="442" actId="20577"/>
+        <pc:sldMkLst>
+          <pc:docMk/>
+          <pc:sldMk cId="3117129762" sldId="281"/>
+        </pc:sldMkLst>
+        <pc:spChg chg="mod">
+          <ac:chgData name="Weifeng Xu" userId="e7aed605-a3dd-4d5a-a692-a87037af107b" providerId="ADAL" clId="{1FE5BE91-3016-4039-8D51-36BC3D9F6FC1}" dt="2021-02-25T23:37:01.067" v="442" actId="20577"/>
+          <ac:spMkLst>
+            <pc:docMk/>
+            <pc:sldMk cId="3117129762" sldId="281"/>
+            <ac:spMk id="7" creationId="{00000000-0000-0000-0000-000000000000}"/>
+          </ac:spMkLst>
+        </pc:spChg>
+      </pc:sldChg>
+      <pc:sldChg chg="modSp mod">
+        <pc:chgData name="Weifeng Xu" userId="e7aed605-a3dd-4d5a-a692-a87037af107b" providerId="ADAL" clId="{1FE5BE91-3016-4039-8D51-36BC3D9F6FC1}" dt="2021-02-26T00:28:58.028" v="495" actId="313"/>
+        <pc:sldMkLst>
+          <pc:docMk/>
+          <pc:sldMk cId="37395222" sldId="304"/>
+        </pc:sldMkLst>
+        <pc:spChg chg="mod">
+          <ac:chgData name="Weifeng Xu" userId="e7aed605-a3dd-4d5a-a692-a87037af107b" providerId="ADAL" clId="{1FE5BE91-3016-4039-8D51-36BC3D9F6FC1}" dt="2021-02-26T00:28:58.028" v="495" actId="313"/>
+          <ac:spMkLst>
+            <pc:docMk/>
+            <pc:sldMk cId="37395222" sldId="304"/>
+            <ac:spMk id="5" creationId="{00000000-0000-0000-0000-000000000000}"/>
           </ac:spMkLst>
         </pc:spChg>
       </pc:sldChg>
@@ -415,6 +446,53 @@
           </ac:picMkLst>
         </pc:picChg>
       </pc:sldChg>
+      <pc:sldChg chg="addSp delSp modSp new mod ord modClrScheme chgLayout">
+        <pc:chgData name="Weifeng Xu" userId="e7aed605-a3dd-4d5a-a692-a87037af107b" providerId="ADAL" clId="{1FE5BE91-3016-4039-8D51-36BC3D9F6FC1}" dt="2021-02-25T14:50:13.305" v="373" actId="1076"/>
+        <pc:sldMkLst>
+          <pc:docMk/>
+          <pc:sldMk cId="1823173735" sldId="308"/>
+        </pc:sldMkLst>
+        <pc:spChg chg="del mod ord">
+          <ac:chgData name="Weifeng Xu" userId="e7aed605-a3dd-4d5a-a692-a87037af107b" providerId="ADAL" clId="{1FE5BE91-3016-4039-8D51-36BC3D9F6FC1}" dt="2021-02-25T14:48:10.314" v="335" actId="700"/>
+          <ac:spMkLst>
+            <pc:docMk/>
+            <pc:sldMk cId="1823173735" sldId="308"/>
+            <ac:spMk id="2" creationId="{F56E7FB3-F658-423F-AAB5-A17A95CAE040}"/>
+          </ac:spMkLst>
+        </pc:spChg>
+        <pc:spChg chg="del">
+          <ac:chgData name="Weifeng Xu" userId="e7aed605-a3dd-4d5a-a692-a87037af107b" providerId="ADAL" clId="{1FE5BE91-3016-4039-8D51-36BC3D9F6FC1}" dt="2021-02-25T14:48:10.314" v="335" actId="700"/>
+          <ac:spMkLst>
+            <pc:docMk/>
+            <pc:sldMk cId="1823173735" sldId="308"/>
+            <ac:spMk id="3" creationId="{FE170FE2-ED02-4753-BEEF-FA5A1D33FFA7}"/>
+          </ac:spMkLst>
+        </pc:spChg>
+        <pc:spChg chg="add mod ord">
+          <ac:chgData name="Weifeng Xu" userId="e7aed605-a3dd-4d5a-a692-a87037af107b" providerId="ADAL" clId="{1FE5BE91-3016-4039-8D51-36BC3D9F6FC1}" dt="2021-02-25T14:49:24.329" v="364" actId="20577"/>
+          <ac:spMkLst>
+            <pc:docMk/>
+            <pc:sldMk cId="1823173735" sldId="308"/>
+            <ac:spMk id="4" creationId="{4E93FFAF-3A41-495F-89E5-A5172E405081}"/>
+          </ac:spMkLst>
+        </pc:spChg>
+        <pc:spChg chg="add mod">
+          <ac:chgData name="Weifeng Xu" userId="e7aed605-a3dd-4d5a-a692-a87037af107b" providerId="ADAL" clId="{1FE5BE91-3016-4039-8D51-36BC3D9F6FC1}" dt="2021-02-25T14:50:13.305" v="373" actId="1076"/>
+          <ac:spMkLst>
+            <pc:docMk/>
+            <pc:sldMk cId="1823173735" sldId="308"/>
+            <ac:spMk id="8" creationId="{FFEB6DD8-F063-4B01-9846-0A255FFCA60C}"/>
+          </ac:spMkLst>
+        </pc:spChg>
+        <pc:picChg chg="add mod">
+          <ac:chgData name="Weifeng Xu" userId="e7aed605-a3dd-4d5a-a692-a87037af107b" providerId="ADAL" clId="{1FE5BE91-3016-4039-8D51-36BC3D9F6FC1}" dt="2021-02-25T14:49:33.974" v="365" actId="1076"/>
+          <ac:picMkLst>
+            <pc:docMk/>
+            <pc:sldMk cId="1823173735" sldId="308"/>
+            <ac:picMk id="6" creationId="{7B62DDD4-AD77-487C-BE30-ADE9DBA74144}"/>
+          </ac:picMkLst>
+        </pc:picChg>
+      </pc:sldChg>
     </pc:docChg>
   </pc:docChgLst>
   <pc:docChgLst>
@@ -558,7 +636,7 @@
           <a:p>
             <a:fld id="{EE41F6E3-57F9-402E-BDBA-5B2DE11C8530}" type="datetimeFigureOut">
               <a:rPr lang="en-US" smtClean="0"/>
-              <a:t>1/26/2021</a:t>
+              <a:t>2/25/2021</a:t>
             </a:fld>
             <a:endParaRPr lang="en-US"/>
           </a:p>
@@ -992,7 +1070,7 @@
           <a:p>
             <a:fld id="{DDBF98C7-164A-4723-84F0-B1E4B080DDEC}" type="slidenum">
               <a:rPr lang="en-US" smtClean="0"/>
-              <a:t>20</a:t>
+              <a:t>21</a:t>
             </a:fld>
             <a:endParaRPr lang="en-US"/>
           </a:p>
@@ -1079,7 +1157,7 @@
           <a:p>
             <a:fld id="{DDBF98C7-164A-4723-84F0-B1E4B080DDEC}" type="slidenum">
               <a:rPr lang="en-US" smtClean="0"/>
-              <a:t>25</a:t>
+              <a:t>26</a:t>
             </a:fld>
             <a:endParaRPr lang="en-US"/>
           </a:p>
@@ -1143,27 +1221,27 @@
           <a:lstStyle/>
           <a:p>
             <a:r>
-              <a:rPr lang="en-US" err="1"/>
+              <a:rPr lang="en-US" dirty="0" err="1"/>
               <a:t>xmlstarlet</a:t>
             </a:r>
             <a:r>
-              <a:rPr lang="en-US"/>
+              <a:rPr lang="en-US" dirty="0"/>
               <a:t> </a:t>
             </a:r>
             <a:r>
-              <a:rPr lang="en-US" err="1"/>
+              <a:rPr lang="en-US" dirty="0" err="1"/>
               <a:t>sel</a:t>
             </a:r>
             <a:r>
-              <a:rPr lang="en-US"/>
+              <a:rPr lang="en-US" dirty="0"/>
               <a:t> -N x="http://schemas.microsoft.com/win/2004/08/events/event" -t -m "//</a:t>
             </a:r>
             <a:r>
-              <a:rPr lang="en-US" err="1"/>
+              <a:rPr lang="en-US" dirty="0" err="1"/>
               <a:t>x:Event</a:t>
             </a:r>
             <a:r>
-              <a:rPr lang="en-US"/>
+              <a:rPr lang="en-US" dirty="0"/>
               <a:t>[1]" -c .  SecurityEvt.xml</a:t>
             </a:r>
           </a:p>
@@ -1186,7 +1264,7 @@
           <a:p>
             <a:fld id="{DDBF98C7-164A-4723-84F0-B1E4B080DDEC}" type="slidenum">
               <a:rPr lang="en-US" smtClean="0"/>
-              <a:t>26</a:t>
+              <a:t>27</a:t>
             </a:fld>
             <a:endParaRPr lang="en-US"/>
           </a:p>
@@ -1299,7 +1377,7 @@
           <a:p>
             <a:fld id="{DDBF98C7-164A-4723-84F0-B1E4B080DDEC}" type="slidenum">
               <a:rPr lang="en-US" smtClean="0"/>
-              <a:t>27</a:t>
+              <a:t>28</a:t>
             </a:fld>
             <a:endParaRPr lang="en-US"/>
           </a:p>
@@ -1406,7 +1484,7 @@
           <a:p>
             <a:fld id="{DDBF98C7-164A-4723-84F0-B1E4B080DDEC}" type="slidenum">
               <a:rPr lang="en-US" smtClean="0"/>
-              <a:t>28</a:t>
+              <a:t>29</a:t>
             </a:fld>
             <a:endParaRPr lang="en-US"/>
           </a:p>
@@ -1493,7 +1571,7 @@
           <a:p>
             <a:fld id="{DDBF98C7-164A-4723-84F0-B1E4B080DDEC}" type="slidenum">
               <a:rPr lang="en-US" smtClean="0"/>
-              <a:t>29</a:t>
+              <a:t>30</a:t>
             </a:fld>
             <a:endParaRPr lang="en-US"/>
           </a:p>
@@ -1588,7 +1666,7 @@
           <a:p>
             <a:fld id="{DDBF98C7-164A-4723-84F0-B1E4B080DDEC}" type="slidenum">
               <a:rPr lang="en-US" smtClean="0"/>
-              <a:t>30</a:t>
+              <a:t>31</a:t>
             </a:fld>
             <a:endParaRPr lang="en-US"/>
           </a:p>
@@ -1675,7 +1753,7 @@
           <a:p>
             <a:fld id="{DDBF98C7-164A-4723-84F0-B1E4B080DDEC}" type="slidenum">
               <a:rPr lang="en-US" smtClean="0"/>
-              <a:t>33</a:t>
+              <a:t>34</a:t>
             </a:fld>
             <a:endParaRPr lang="en-US"/>
           </a:p>
@@ -1774,7 +1852,7 @@
           <a:p>
             <a:fld id="{DDBF98C7-164A-4723-84F0-B1E4B080DDEC}" type="slidenum">
               <a:rPr lang="en-US" smtClean="0"/>
-              <a:t>35</a:t>
+              <a:t>36</a:t>
             </a:fld>
             <a:endParaRPr lang="en-US"/>
           </a:p>
@@ -1884,7 +1962,7 @@
           <a:p>
             <a:fld id="{DDBF98C7-164A-4723-84F0-B1E4B080DDEC}" type="slidenum">
               <a:rPr lang="en-US" smtClean="0"/>
-              <a:t>36</a:t>
+              <a:t>37</a:t>
             </a:fld>
             <a:endParaRPr lang="en-US"/>
           </a:p>
@@ -2086,7 +2164,7 @@
           <a:p>
             <a:fld id="{DDBF98C7-164A-4723-84F0-B1E4B080DDEC}" type="slidenum">
               <a:rPr lang="en-US" smtClean="0"/>
-              <a:t>37</a:t>
+              <a:t>38</a:t>
             </a:fld>
             <a:endParaRPr lang="en-US"/>
           </a:p>
@@ -2199,7 +2277,7 @@
           <a:p>
             <a:fld id="{DDBF98C7-164A-4723-84F0-B1E4B080DDEC}" type="slidenum">
               <a:rPr lang="en-US" smtClean="0"/>
-              <a:t>38</a:t>
+              <a:t>39</a:t>
             </a:fld>
             <a:endParaRPr lang="en-US"/>
           </a:p>
@@ -2293,7 +2371,7 @@
           <a:p>
             <a:fld id="{DDBF98C7-164A-4723-84F0-B1E4B080DDEC}" type="slidenum">
               <a:rPr lang="en-US" smtClean="0"/>
-              <a:t>39</a:t>
+              <a:t>40</a:t>
             </a:fld>
             <a:endParaRPr lang="en-US"/>
           </a:p>
@@ -2357,27 +2435,27 @@
           <a:lstStyle/>
           <a:p>
             <a:r>
-              <a:rPr lang="en-US" err="1"/>
+              <a:rPr lang="en-US" dirty="0" err="1"/>
               <a:t>xmlstarlet</a:t>
             </a:r>
             <a:r>
-              <a:rPr lang="en-US"/>
+              <a:rPr lang="en-US" dirty="0"/>
               <a:t> </a:t>
             </a:r>
             <a:r>
-              <a:rPr lang="en-US" err="1"/>
+              <a:rPr lang="en-US" dirty="0" err="1"/>
               <a:t>sel</a:t>
             </a:r>
             <a:r>
-              <a:rPr lang="en-US"/>
+              <a:rPr lang="en-US" dirty="0"/>
               <a:t> -N x="http://schemas.microsoft.com/win/2004/08/events/event" -t -m "//</a:t>
             </a:r>
             <a:r>
-              <a:rPr lang="en-US" err="1"/>
+              <a:rPr lang="en-US" dirty="0" err="1"/>
               <a:t>x:Event</a:t>
             </a:r>
             <a:r>
-              <a:rPr lang="en-US"/>
+              <a:rPr lang="en-US" dirty="0"/>
               <a:t>[1]" -c .  SecurityEvt.xml 2&gt;/dev/null &gt; SecurityEvent1.xml</a:t>
             </a:r>
           </a:p>
@@ -2400,7 +2478,7 @@
           <a:p>
             <a:fld id="{DDBF98C7-164A-4723-84F0-B1E4B080DDEC}" type="slidenum">
               <a:rPr lang="en-US" smtClean="0"/>
-              <a:t>40</a:t>
+              <a:t>41</a:t>
             </a:fld>
             <a:endParaRPr lang="en-US"/>
           </a:p>
@@ -2464,52 +2542,36 @@
           <a:lstStyle/>
           <a:p>
             <a:r>
-              <a:rPr lang="en-US" err="1"/>
+              <a:rPr lang="en-US" dirty="0" err="1"/>
               <a:t>xmlstarlet</a:t>
             </a:r>
             <a:r>
-              <a:rPr lang="en-US"/>
-              <a:t> </a:t>
-            </a:r>
-            <a:r>
-              <a:rPr lang="en-US" err="1"/>
-              <a:t>ed</a:t>
-            </a:r>
-            <a:r>
-              <a:rPr lang="en-US"/>
-              <a:t> -O  -N x="http://schemas.microsoft.com/win/2004/08/events/event" -d '//</a:t>
-            </a:r>
-            <a:r>
-              <a:rPr lang="en-US" err="1"/>
+              <a:rPr lang="en-US" dirty="0"/>
+              <a:t> ed -O  -N x="http://schemas.microsoft.com/win/2004/08/events/event" -d '//</a:t>
+            </a:r>
+            <a:r>
+              <a:rPr lang="en-US" dirty="0" err="1"/>
               <a:t>x:Level</a:t>
             </a:r>
             <a:r>
-              <a:rPr lang="en-US"/>
-              <a:t>' SecurityEvent1.xml | </a:t>
-            </a:r>
-            <a:r>
-              <a:rPr lang="en-US" err="1"/>
-              <a:t>sed</a:t>
-            </a:r>
-            <a:r>
-              <a:rPr lang="en-US"/>
-              <a:t> -e 's/</a:t>
-            </a:r>
-            <a:r>
-              <a:rPr lang="en-US" err="1"/>
+              <a:rPr lang="en-US" dirty="0"/>
+              <a:t>' SecurityEvent1.xml | sed -e 's/</a:t>
+            </a:r>
+            <a:r>
+              <a:rPr lang="en-US" dirty="0" err="1"/>
               <a:t>xmlns</a:t>
             </a:r>
             <a:r>
-              <a:rPr lang="en-US"/>
+              <a:rPr lang="en-US" dirty="0"/>
               <a:t>.*=".*"//g'</a:t>
             </a:r>
           </a:p>
           <a:p>
-            <a:endParaRPr lang="en-US"/>
-          </a:p>
-          <a:p>
-            <a:r>
-              <a:rPr lang="en-US"/>
+            <a:endParaRPr lang="en-US" dirty="0"/>
+          </a:p>
+          <a:p>
+            <a:r>
+              <a:rPr lang="en-US" dirty="0"/>
               <a:t>http://xmlstar.sourceforge.net/doc/UG/xmlstarlet-ug.html#idm47077139529952</a:t>
             </a:r>
           </a:p>
@@ -2532,7 +2594,7 @@
           <a:p>
             <a:fld id="{DDBF98C7-164A-4723-84F0-B1E4B080DDEC}" type="slidenum">
               <a:rPr lang="en-US" smtClean="0"/>
-              <a:t>41</a:t>
+              <a:t>42</a:t>
             </a:fld>
             <a:endParaRPr lang="en-US"/>
           </a:p>
@@ -2698,7 +2760,7 @@
           <a:p>
             <a:fld id="{DDBF98C7-164A-4723-84F0-B1E4B080DDEC}" type="slidenum">
               <a:rPr lang="en-US" smtClean="0"/>
-              <a:t>42</a:t>
+              <a:t>43</a:t>
             </a:fld>
             <a:endParaRPr lang="en-US"/>
           </a:p>
@@ -2791,7 +2853,7 @@
           <a:p>
             <a:fld id="{DDBF98C7-164A-4723-84F0-B1E4B080DDEC}" type="slidenum">
               <a:rPr lang="en-US" smtClean="0"/>
-              <a:t>45</a:t>
+              <a:t>46</a:t>
             </a:fld>
             <a:endParaRPr lang="en-US"/>
           </a:p>
@@ -2872,52 +2934,44 @@
               <a:defRPr/>
             </a:pPr>
             <a:r>
-              <a:rPr lang="en-US" err="1"/>
+              <a:rPr lang="en-US" dirty="0" err="1"/>
               <a:t>xmlstarlet</a:t>
             </a:r>
             <a:r>
-              <a:rPr lang="en-US"/>
+              <a:rPr lang="en-US" dirty="0"/>
               <a:t> </a:t>
             </a:r>
             <a:r>
-              <a:rPr lang="en-US" err="1"/>
+              <a:rPr lang="en-US" dirty="0" err="1"/>
               <a:t>sel</a:t>
             </a:r>
             <a:r>
-              <a:rPr lang="en-US"/>
+              <a:rPr lang="en-US" dirty="0"/>
               <a:t> -T  -t -m /Event/System  -v "</a:t>
             </a:r>
             <a:r>
-              <a:rPr lang="en-US" err="1"/>
+              <a:rPr lang="en-US" dirty="0" err="1"/>
               <a:t>concat</a:t>
             </a:r>
             <a:r>
-              <a:rPr lang="en-US"/>
+              <a:rPr lang="en-US" dirty="0"/>
               <a:t>(</a:t>
             </a:r>
             <a:r>
-              <a:rPr lang="en-US" err="1"/>
+              <a:rPr lang="en-US" dirty="0" err="1"/>
               <a:t>EventID</a:t>
             </a:r>
             <a:r>
-              <a:rPr lang="en-US"/>
+              <a:rPr lang="en-US" dirty="0"/>
               <a:t>, ';' ,</a:t>
             </a:r>
             <a:r>
-              <a:rPr lang="en-US" err="1"/>
+              <a:rPr lang="en-US" dirty="0" err="1"/>
               <a:t>TimeCreated</a:t>
             </a:r>
             <a:r>
-              <a:rPr lang="en-US"/>
-              <a:t>/@</a:t>
-            </a:r>
-            <a:r>
-              <a:rPr lang="en-US" err="1"/>
-              <a:t>SystemTime</a:t>
-            </a:r>
-            <a:r>
-              <a:rPr lang="en-US"/>
-              <a:t>)" -n SecurityEvent1_clean.xml</a:t>
+              <a:rPr lang="en-US" dirty="0"/>
+              <a:t>/@SystemTime)" -n SecurityEvent1_clean.xml</a:t>
             </a:r>
           </a:p>
         </p:txBody>
@@ -2939,7 +2993,7 @@
           <a:p>
             <a:fld id="{DDBF98C7-164A-4723-84F0-B1E4B080DDEC}" type="slidenum">
               <a:rPr lang="en-US" smtClean="0"/>
-              <a:t>46</a:t>
+              <a:t>47</a:t>
             </a:fld>
             <a:endParaRPr lang="en-US"/>
           </a:p>
@@ -3034,7 +3088,7 @@
           <a:p>
             <a:fld id="{DDBF98C7-164A-4723-84F0-B1E4B080DDEC}" type="slidenum">
               <a:rPr lang="en-US" smtClean="0"/>
-              <a:t>5</a:t>
+              <a:t>6</a:t>
             </a:fld>
             <a:endParaRPr lang="en-US"/>
           </a:p>
@@ -3126,7 +3180,7 @@
           <a:p>
             <a:fld id="{DDBF98C7-164A-4723-84F0-B1E4B080DDEC}" type="slidenum">
               <a:rPr lang="en-US" smtClean="0"/>
-              <a:t>8</a:t>
+              <a:t>9</a:t>
             </a:fld>
             <a:endParaRPr lang="en-US"/>
           </a:p>
@@ -3213,7 +3267,7 @@
           <a:p>
             <a:fld id="{DDBF98C7-164A-4723-84F0-B1E4B080DDEC}" type="slidenum">
               <a:rPr lang="en-US" smtClean="0"/>
-              <a:t>10</a:t>
+              <a:t>11</a:t>
             </a:fld>
             <a:endParaRPr lang="en-US"/>
           </a:p>
@@ -3312,7 +3366,7 @@
           <a:p>
             <a:fld id="{DDBF98C7-164A-4723-84F0-B1E4B080DDEC}" type="slidenum">
               <a:rPr lang="en-US" smtClean="0"/>
-              <a:t>12</a:t>
+              <a:t>13</a:t>
             </a:fld>
             <a:endParaRPr lang="en-US"/>
           </a:p>
@@ -3416,7 +3470,7 @@
           <a:p>
             <a:fld id="{DDBF98C7-164A-4723-84F0-B1E4B080DDEC}" type="slidenum">
               <a:rPr lang="en-US" smtClean="0"/>
-              <a:t>14</a:t>
+              <a:t>15</a:t>
             </a:fld>
             <a:endParaRPr lang="en-US"/>
           </a:p>
@@ -3507,7 +3561,7 @@
           <a:p>
             <a:fld id="{DDBF98C7-164A-4723-84F0-B1E4B080DDEC}" type="slidenum">
               <a:rPr lang="en-US" smtClean="0"/>
-              <a:t>15</a:t>
+              <a:t>16</a:t>
             </a:fld>
             <a:endParaRPr lang="en-US"/>
           </a:p>
@@ -3598,7 +3652,7 @@
           <a:p>
             <a:fld id="{DDBF98C7-164A-4723-84F0-B1E4B080DDEC}" type="slidenum">
               <a:rPr lang="en-US" smtClean="0"/>
-              <a:t>17</a:t>
+              <a:t>18</a:t>
             </a:fld>
             <a:endParaRPr lang="en-US"/>
           </a:p>
@@ -3746,7 +3800,7 @@
           <a:p>
             <a:fld id="{4263717A-E3C1-4BED-ABE0-B7069385E023}" type="datetimeFigureOut">
               <a:rPr lang="en-US" smtClean="0"/>
-              <a:t>1/26/2021</a:t>
+              <a:t>2/25/2021</a:t>
             </a:fld>
             <a:endParaRPr lang="en-US"/>
           </a:p>
@@ -3919,7 +3973,7 @@
           <a:p>
             <a:fld id="{4263717A-E3C1-4BED-ABE0-B7069385E023}" type="datetimeFigureOut">
               <a:rPr lang="en-US" smtClean="0"/>
-              <a:t>1/26/2021</a:t>
+              <a:t>2/25/2021</a:t>
             </a:fld>
             <a:endParaRPr lang="en-US"/>
           </a:p>
@@ -4097,7 +4151,7 @@
           <a:p>
             <a:fld id="{4263717A-E3C1-4BED-ABE0-B7069385E023}" type="datetimeFigureOut">
               <a:rPr lang="en-US" smtClean="0"/>
-              <a:t>1/26/2021</a:t>
+              <a:t>2/25/2021</a:t>
             </a:fld>
             <a:endParaRPr lang="en-US"/>
           </a:p>
@@ -4265,7 +4319,7 @@
           <a:p>
             <a:fld id="{4263717A-E3C1-4BED-ABE0-B7069385E023}" type="datetimeFigureOut">
               <a:rPr lang="en-US" smtClean="0"/>
-              <a:t>1/26/2021</a:t>
+              <a:t>2/25/2021</a:t>
             </a:fld>
             <a:endParaRPr lang="en-US"/>
           </a:p>
@@ -4510,7 +4564,7 @@
           <a:p>
             <a:fld id="{4263717A-E3C1-4BED-ABE0-B7069385E023}" type="datetimeFigureOut">
               <a:rPr lang="en-US" smtClean="0"/>
-              <a:t>1/26/2021</a:t>
+              <a:t>2/25/2021</a:t>
             </a:fld>
             <a:endParaRPr lang="en-US"/>
           </a:p>
@@ -4739,7 +4793,7 @@
           <a:p>
             <a:fld id="{4263717A-E3C1-4BED-ABE0-B7069385E023}" type="datetimeFigureOut">
               <a:rPr lang="en-US" smtClean="0"/>
-              <a:t>1/26/2021</a:t>
+              <a:t>2/25/2021</a:t>
             </a:fld>
             <a:endParaRPr lang="en-US"/>
           </a:p>
@@ -5103,7 +5157,7 @@
           <a:p>
             <a:fld id="{4263717A-E3C1-4BED-ABE0-B7069385E023}" type="datetimeFigureOut">
               <a:rPr lang="en-US" smtClean="0"/>
-              <a:t>1/26/2021</a:t>
+              <a:t>2/25/2021</a:t>
             </a:fld>
             <a:endParaRPr lang="en-US"/>
           </a:p>
@@ -5220,7 +5274,7 @@
           <a:p>
             <a:fld id="{4263717A-E3C1-4BED-ABE0-B7069385E023}" type="datetimeFigureOut">
               <a:rPr lang="en-US" smtClean="0"/>
-              <a:t>1/26/2021</a:t>
+              <a:t>2/25/2021</a:t>
             </a:fld>
             <a:endParaRPr lang="en-US"/>
           </a:p>
@@ -5315,7 +5369,7 @@
           <a:p>
             <a:fld id="{4263717A-E3C1-4BED-ABE0-B7069385E023}" type="datetimeFigureOut">
               <a:rPr lang="en-US" smtClean="0"/>
-              <a:t>1/26/2021</a:t>
+              <a:t>2/25/2021</a:t>
             </a:fld>
             <a:endParaRPr lang="en-US"/>
           </a:p>
@@ -5590,7 +5644,7 @@
           <a:p>
             <a:fld id="{4263717A-E3C1-4BED-ABE0-B7069385E023}" type="datetimeFigureOut">
               <a:rPr lang="en-US" smtClean="0"/>
-              <a:t>1/26/2021</a:t>
+              <a:t>2/25/2021</a:t>
             </a:fld>
             <a:endParaRPr lang="en-US"/>
           </a:p>
@@ -5842,7 +5896,7 @@
           <a:p>
             <a:fld id="{4263717A-E3C1-4BED-ABE0-B7069385E023}" type="datetimeFigureOut">
               <a:rPr lang="en-US" smtClean="0"/>
-              <a:t>1/26/2021</a:t>
+              <a:t>2/25/2021</a:t>
             </a:fld>
             <a:endParaRPr lang="en-US"/>
           </a:p>
@@ -6053,7 +6107,7 @@
           <a:p>
             <a:fld id="{4263717A-E3C1-4BED-ABE0-B7069385E023}" type="datetimeFigureOut">
               <a:rPr lang="en-US" smtClean="0"/>
-              <a:t>1/26/2021</a:t>
+              <a:t>2/25/2021</a:t>
             </a:fld>
             <a:endParaRPr lang="en-US"/>
           </a:p>
@@ -6660,12 +6714,12 @@
           <a:lstStyle/>
           <a:p>
             <a:r>
-              <a:rPr lang="en-US"/>
+              <a:rPr lang="en-US" dirty="0"/>
               <a:t>Keywords: Windows Security Event Logs, XML</a:t>
             </a:r>
           </a:p>
           <a:p>
-            <a:endParaRPr lang="en-US"/>
+            <a:endParaRPr lang="en-US" dirty="0"/>
           </a:p>
         </p:txBody>
       </p:sp>
@@ -6683,6 +6737,60 @@
 </file>
 
 <file path=ppt/slides/slide10.xml><?xml version="1.0" encoding="utf-8"?>
+<p:sld xmlns:a="http://schemas.openxmlformats.org/drawingml/2006/main" xmlns:r="http://schemas.openxmlformats.org/officeDocument/2006/relationships" xmlns:p="http://schemas.openxmlformats.org/presentationml/2006/main">
+  <p:cSld>
+    <p:spTree>
+      <p:nvGrpSpPr>
+        <p:cNvPr id="1" name=""/>
+        <p:cNvGrpSpPr/>
+        <p:nvPr/>
+      </p:nvGrpSpPr>
+      <p:grpSpPr>
+        <a:xfrm>
+          <a:off x="0" y="0"/>
+          <a:ext cx="0" cy="0"/>
+          <a:chOff x="0" y="0"/>
+          <a:chExt cx="0" cy="0"/>
+        </a:xfrm>
+      </p:grpSpPr>
+      <p:pic>
+        <p:nvPicPr>
+          <p:cNvPr id="3" name="Picture 2"/>
+          <p:cNvPicPr>
+            <a:picLocks noChangeAspect="1"/>
+          </p:cNvPicPr>
+          <p:nvPr/>
+        </p:nvPicPr>
+        <p:blipFill>
+          <a:blip r:embed="rId2"/>
+          <a:stretch>
+            <a:fillRect/>
+          </a:stretch>
+        </p:blipFill>
+        <p:spPr>
+          <a:xfrm>
+            <a:off x="2642522" y="186872"/>
+            <a:ext cx="8287651" cy="6542040"/>
+          </a:xfrm>
+          <a:prstGeom prst="rect">
+            <a:avLst/>
+          </a:prstGeom>
+        </p:spPr>
+      </p:pic>
+    </p:spTree>
+    <p:extLst>
+      <p:ext uri="{BB962C8B-B14F-4D97-AF65-F5344CB8AC3E}">
+        <p14:creationId xmlns:p14="http://schemas.microsoft.com/office/powerpoint/2010/main" val="2104393614"/>
+      </p:ext>
+    </p:extLst>
+  </p:cSld>
+  <p:clrMapOvr>
+    <a:masterClrMapping/>
+  </p:clrMapOvr>
+</p:sld>
+</file>
+
+<file path=ppt/slides/slide11.xml><?xml version="1.0" encoding="utf-8"?>
 <p:sld xmlns:a="http://schemas.openxmlformats.org/drawingml/2006/main" xmlns:r="http://schemas.openxmlformats.org/officeDocument/2006/relationships" xmlns:p="http://schemas.openxmlformats.org/presentationml/2006/main">
   <p:cSld>
     <p:spTree>
@@ -7632,7 +7740,7 @@
 </p:sld>
 </file>
 
-<file path=ppt/slides/slide11.xml><?xml version="1.0" encoding="utf-8"?>
+<file path=ppt/slides/slide12.xml><?xml version="1.0" encoding="utf-8"?>
 <p:sld xmlns:a="http://schemas.openxmlformats.org/drawingml/2006/main" xmlns:r="http://schemas.openxmlformats.org/officeDocument/2006/relationships" xmlns:p="http://schemas.openxmlformats.org/presentationml/2006/main">
   <p:cSld>
     <p:spTree>
@@ -7711,7 +7819,7 @@
 </p:sld>
 </file>
 
-<file path=ppt/slides/slide12.xml><?xml version="1.0" encoding="utf-8"?>
+<file path=ppt/slides/slide13.xml><?xml version="1.0" encoding="utf-8"?>
 <p:sld xmlns:a="http://schemas.openxmlformats.org/drawingml/2006/main" xmlns:r="http://schemas.openxmlformats.org/officeDocument/2006/relationships" xmlns:p="http://schemas.openxmlformats.org/presentationml/2006/main">
   <p:cSld>
     <p:spTree>
@@ -7765,7 +7873,7 @@
 </p:sld>
 </file>
 
-<file path=ppt/slides/slide13.xml><?xml version="1.0" encoding="utf-8"?>
+<file path=ppt/slides/slide14.xml><?xml version="1.0" encoding="utf-8"?>
 <p:sld xmlns:a="http://schemas.openxmlformats.org/drawingml/2006/main" xmlns:r="http://schemas.openxmlformats.org/officeDocument/2006/relationships" xmlns:p="http://schemas.openxmlformats.org/presentationml/2006/main">
   <p:cSld>
     <p:spTree>
@@ -7856,7 +7964,7 @@
 </p:sld>
 </file>
 
-<file path=ppt/slides/slide14.xml><?xml version="1.0" encoding="utf-8"?>
+<file path=ppt/slides/slide15.xml><?xml version="1.0" encoding="utf-8"?>
 <p:sld xmlns:a="http://schemas.openxmlformats.org/drawingml/2006/main" xmlns:r="http://schemas.openxmlformats.org/officeDocument/2006/relationships" xmlns:p="http://schemas.openxmlformats.org/presentationml/2006/main">
   <p:cSld>
     <p:spTree>
@@ -8107,7 +8215,7 @@
 </p:sld>
 </file>
 
-<file path=ppt/slides/slide15.xml><?xml version="1.0" encoding="utf-8"?>
+<file path=ppt/slides/slide16.xml><?xml version="1.0" encoding="utf-8"?>
 <p:sld xmlns:a="http://schemas.openxmlformats.org/drawingml/2006/main" xmlns:r="http://schemas.openxmlformats.org/officeDocument/2006/relationships" xmlns:p="http://schemas.openxmlformats.org/presentationml/2006/main">
   <p:cSld>
     <p:spTree>
@@ -8161,7 +8269,7 @@
 </p:sld>
 </file>
 
-<file path=ppt/slides/slide16.xml><?xml version="1.0" encoding="utf-8"?>
+<file path=ppt/slides/slide17.xml><?xml version="1.0" encoding="utf-8"?>
 <p:sld xmlns:a="http://schemas.openxmlformats.org/drawingml/2006/main" xmlns:r="http://schemas.openxmlformats.org/officeDocument/2006/relationships" xmlns:p="http://schemas.openxmlformats.org/presentationml/2006/main">
   <p:cSld>
     <p:spTree>
@@ -8390,7 +8498,7 @@
 </p:sld>
 </file>
 
-<file path=ppt/slides/slide17.xml><?xml version="1.0" encoding="utf-8"?>
+<file path=ppt/slides/slide18.xml><?xml version="1.0" encoding="utf-8"?>
 <p:sld xmlns:a="http://schemas.openxmlformats.org/drawingml/2006/main" xmlns:r="http://schemas.openxmlformats.org/officeDocument/2006/relationships" xmlns:p="http://schemas.openxmlformats.org/presentationml/2006/main">
   <p:cSld>
     <p:spTree>
@@ -8628,90 +8736,6 @@
 </p:sld>
 </file>
 
-<file path=ppt/slides/slide18.xml><?xml version="1.0" encoding="utf-8"?>
-<p:sld xmlns:a="http://schemas.openxmlformats.org/drawingml/2006/main" xmlns:r="http://schemas.openxmlformats.org/officeDocument/2006/relationships" xmlns:p="http://schemas.openxmlformats.org/presentationml/2006/main">
-  <p:cSld>
-    <p:spTree>
-      <p:nvGrpSpPr>
-        <p:cNvPr id="1" name=""/>
-        <p:cNvGrpSpPr/>
-        <p:nvPr/>
-      </p:nvGrpSpPr>
-      <p:grpSpPr>
-        <a:xfrm>
-          <a:off x="0" y="0"/>
-          <a:ext cx="0" cy="0"/>
-          <a:chOff x="0" y="0"/>
-          <a:chExt cx="0" cy="0"/>
-        </a:xfrm>
-      </p:grpSpPr>
-      <p:sp>
-        <p:nvSpPr>
-          <p:cNvPr id="2" name="Title 1"/>
-          <p:cNvSpPr>
-            <a:spLocks noGrp="1"/>
-          </p:cNvSpPr>
-          <p:nvPr>
-            <p:ph type="title"/>
-          </p:nvPr>
-        </p:nvSpPr>
-        <p:spPr/>
-        <p:txBody>
-          <a:bodyPr/>
-          <a:lstStyle/>
-          <a:p>
-            <a:r>
-              <a:rPr lang="en-US">
-                <a:solidFill>
-                  <a:srgbClr val="FF0000"/>
-                </a:solidFill>
-              </a:rPr>
-              <a:t>fo</a:t>
-            </a:r>
-            <a:r>
-              <a:rPr lang="en-US"/>
-              <a:t>rmat XML document</a:t>
-            </a:r>
-            <a:endParaRPr lang="en-US">
-              <a:solidFill>
-                <a:srgbClr val="FF0000"/>
-              </a:solidFill>
-            </a:endParaRPr>
-          </a:p>
-        </p:txBody>
-      </p:sp>
-      <p:sp>
-        <p:nvSpPr>
-          <p:cNvPr id="3" name="Text Placeholder 2"/>
-          <p:cNvSpPr>
-            <a:spLocks noGrp="1"/>
-          </p:cNvSpPr>
-          <p:nvPr>
-            <p:ph type="body" idx="1"/>
-          </p:nvPr>
-        </p:nvSpPr>
-        <p:spPr/>
-        <p:txBody>
-          <a:bodyPr/>
-          <a:lstStyle/>
-          <a:p>
-            <a:endParaRPr lang="en-US"/>
-          </a:p>
-        </p:txBody>
-      </p:sp>
-    </p:spTree>
-    <p:extLst>
-      <p:ext uri="{BB962C8B-B14F-4D97-AF65-F5344CB8AC3E}">
-        <p14:creationId xmlns:p14="http://schemas.microsoft.com/office/powerpoint/2010/main" val="1532368080"/>
-      </p:ext>
-    </p:extLst>
-  </p:cSld>
-  <p:clrMapOvr>
-    <a:masterClrMapping/>
-  </p:clrMapOvr>
-</p:sld>
-</file>
-
 <file path=ppt/slides/slide19.xml><?xml version="1.0" encoding="utf-8"?>
 <p:sld xmlns:a="http://schemas.openxmlformats.org/drawingml/2006/main" xmlns:r="http://schemas.openxmlformats.org/officeDocument/2006/relationships" xmlns:p="http://schemas.openxmlformats.org/presentationml/2006/main">
   <p:cSld>
@@ -8729,34 +8753,64 @@
           <a:chExt cx="0" cy="0"/>
         </a:xfrm>
       </p:grpSpPr>
-      <p:pic>
-        <p:nvPicPr>
-          <p:cNvPr id="5" name="Picture 4"/>
-          <p:cNvPicPr>
-            <a:picLocks noChangeAspect="1"/>
-          </p:cNvPicPr>
-          <p:nvPr/>
-        </p:nvPicPr>
-        <p:blipFill>
-          <a:blip r:embed="rId2"/>
-          <a:stretch>
-            <a:fillRect/>
-          </a:stretch>
-        </p:blipFill>
-        <p:spPr>
-          <a:xfrm>
-            <a:off x="1187699" y="1504809"/>
-            <a:ext cx="9317795" cy="4000064"/>
-          </a:xfrm>
-          <a:prstGeom prst="rect">
-            <a:avLst/>
-          </a:prstGeom>
-        </p:spPr>
-      </p:pic>
+      <p:sp>
+        <p:nvSpPr>
+          <p:cNvPr id="2" name="Title 1"/>
+          <p:cNvSpPr>
+            <a:spLocks noGrp="1"/>
+          </p:cNvSpPr>
+          <p:nvPr>
+            <p:ph type="title"/>
+          </p:nvPr>
+        </p:nvSpPr>
+        <p:spPr/>
+        <p:txBody>
+          <a:bodyPr/>
+          <a:lstStyle/>
+          <a:p>
+            <a:r>
+              <a:rPr lang="en-US">
+                <a:solidFill>
+                  <a:srgbClr val="FF0000"/>
+                </a:solidFill>
+              </a:rPr>
+              <a:t>fo</a:t>
+            </a:r>
+            <a:r>
+              <a:rPr lang="en-US"/>
+              <a:t>rmat XML document</a:t>
+            </a:r>
+            <a:endParaRPr lang="en-US">
+              <a:solidFill>
+                <a:srgbClr val="FF0000"/>
+              </a:solidFill>
+            </a:endParaRPr>
+          </a:p>
+        </p:txBody>
+      </p:sp>
+      <p:sp>
+        <p:nvSpPr>
+          <p:cNvPr id="3" name="Text Placeholder 2"/>
+          <p:cNvSpPr>
+            <a:spLocks noGrp="1"/>
+          </p:cNvSpPr>
+          <p:nvPr>
+            <p:ph type="body" idx="1"/>
+          </p:nvPr>
+        </p:nvSpPr>
+        <p:spPr/>
+        <p:txBody>
+          <a:bodyPr/>
+          <a:lstStyle/>
+          <a:p>
+            <a:endParaRPr lang="en-US"/>
+          </a:p>
+        </p:txBody>
+      </p:sp>
     </p:spTree>
     <p:extLst>
       <p:ext uri="{BB962C8B-B14F-4D97-AF65-F5344CB8AC3E}">
-        <p14:creationId xmlns:p14="http://schemas.microsoft.com/office/powerpoint/2010/main" val="1978419304"/>
+        <p14:creationId xmlns:p14="http://schemas.microsoft.com/office/powerpoint/2010/main" val="1532368080"/>
       </p:ext>
     </p:extLst>
   </p:cSld>
@@ -8801,7 +8855,7 @@
           <a:lstStyle/>
           <a:p>
             <a:r>
-              <a:rPr lang="en-US" sz="2400">
+              <a:rPr lang="en-US" sz="2400" dirty="0">
                 <a:solidFill>
                   <a:srgbClr val="FF0000"/>
                 </a:solidFill>
@@ -8809,10 +8863,17 @@
               <a:t>12.</a:t>
             </a:r>
             <a:r>
-              <a:rPr lang="en-US" sz="2400"/>
-              <a:t>	List all traces about the system on/off and the user logon/logoff (It should be considered only during a time range between 09:00 and 18:00 in the timezone (Eastern Time) from Question 4.</a:t>
-            </a:r>
-            <a:endParaRPr lang="en-US" sz="2400" dirty="0"/>
+              <a:rPr lang="en-US" sz="2400" dirty="0"/>
+              <a:t>	List all traces about the system on/off and the user logon/logoff (It should be considered only during a time range between 09:00 and 18:00 in the </a:t>
+            </a:r>
+            <a:r>
+              <a:rPr lang="en-US" sz="2400" dirty="0" err="1"/>
+              <a:t>timezone</a:t>
+            </a:r>
+            <a:r>
+              <a:rPr lang="en-US" sz="2400" dirty="0"/>
+              <a:t> (Eastern Time) from Question 4.</a:t>
+            </a:r>
           </a:p>
         </p:txBody>
       </p:sp>
@@ -9026,6 +9087,60 @@
       </p:grpSpPr>
       <p:pic>
         <p:nvPicPr>
+          <p:cNvPr id="5" name="Picture 4"/>
+          <p:cNvPicPr>
+            <a:picLocks noChangeAspect="1"/>
+          </p:cNvPicPr>
+          <p:nvPr/>
+        </p:nvPicPr>
+        <p:blipFill>
+          <a:blip r:embed="rId2"/>
+          <a:stretch>
+            <a:fillRect/>
+          </a:stretch>
+        </p:blipFill>
+        <p:spPr>
+          <a:xfrm>
+            <a:off x="1187699" y="1504809"/>
+            <a:ext cx="9317795" cy="4000064"/>
+          </a:xfrm>
+          <a:prstGeom prst="rect">
+            <a:avLst/>
+          </a:prstGeom>
+        </p:spPr>
+      </p:pic>
+    </p:spTree>
+    <p:extLst>
+      <p:ext uri="{BB962C8B-B14F-4D97-AF65-F5344CB8AC3E}">
+        <p14:creationId xmlns:p14="http://schemas.microsoft.com/office/powerpoint/2010/main" val="1978419304"/>
+      </p:ext>
+    </p:extLst>
+  </p:cSld>
+  <p:clrMapOvr>
+    <a:masterClrMapping/>
+  </p:clrMapOvr>
+</p:sld>
+</file>
+
+<file path=ppt/slides/slide21.xml><?xml version="1.0" encoding="utf-8"?>
+<p:sld xmlns:a="http://schemas.openxmlformats.org/drawingml/2006/main" xmlns:r="http://schemas.openxmlformats.org/officeDocument/2006/relationships" xmlns:p="http://schemas.openxmlformats.org/presentationml/2006/main">
+  <p:cSld>
+    <p:spTree>
+      <p:nvGrpSpPr>
+        <p:cNvPr id="1" name=""/>
+        <p:cNvGrpSpPr/>
+        <p:nvPr/>
+      </p:nvGrpSpPr>
+      <p:grpSpPr>
+        <a:xfrm>
+          <a:off x="0" y="0"/>
+          <a:ext cx="0" cy="0"/>
+          <a:chOff x="0" y="0"/>
+          <a:chExt cx="0" cy="0"/>
+        </a:xfrm>
+      </p:grpSpPr>
+      <p:pic>
+        <p:nvPicPr>
           <p:cNvPr id="2" name="Picture 1"/>
           <p:cNvPicPr>
             <a:picLocks noChangeAspect="1"/>
@@ -9061,7 +9176,7 @@
 </p:sld>
 </file>
 
-<file path=ppt/slides/slide21.xml><?xml version="1.0" encoding="utf-8"?>
+<file path=ppt/slides/slide22.xml><?xml version="1.0" encoding="utf-8"?>
 <p:sld xmlns:a="http://schemas.openxmlformats.org/drawingml/2006/main" xmlns:r="http://schemas.openxmlformats.org/officeDocument/2006/relationships" xmlns:p="http://schemas.openxmlformats.org/presentationml/2006/main">
   <p:cSld>
     <p:spTree>
@@ -9153,7 +9268,7 @@
 </p:sld>
 </file>
 
-<file path=ppt/slides/slide22.xml><?xml version="1.0" encoding="utf-8"?>
+<file path=ppt/slides/slide23.xml><?xml version="1.0" encoding="utf-8"?>
 <p:sld xmlns:a="http://schemas.openxmlformats.org/drawingml/2006/main" xmlns:r="http://schemas.openxmlformats.org/officeDocument/2006/relationships" xmlns:p="http://schemas.openxmlformats.org/presentationml/2006/main">
   <p:cSld>
     <p:spTree>
@@ -9206,7 +9321,7 @@
 </p:sld>
 </file>
 
-<file path=ppt/slides/slide23.xml><?xml version="1.0" encoding="utf-8"?>
+<file path=ppt/slides/slide24.xml><?xml version="1.0" encoding="utf-8"?>
 <p:sld xmlns:a="http://schemas.openxmlformats.org/drawingml/2006/main" xmlns:r="http://schemas.openxmlformats.org/officeDocument/2006/relationships" xmlns:p="http://schemas.openxmlformats.org/presentationml/2006/main">
   <p:cSld>
     <p:spTree>
@@ -9292,7 +9407,7 @@
 </p:sld>
 </file>
 
-<file path=ppt/slides/slide24.xml><?xml version="1.0" encoding="utf-8"?>
+<file path=ppt/slides/slide25.xml><?xml version="1.0" encoding="utf-8"?>
 <p:sld xmlns:a="http://schemas.openxmlformats.org/drawingml/2006/main" xmlns:r="http://schemas.openxmlformats.org/officeDocument/2006/relationships" xmlns:p="http://schemas.openxmlformats.org/presentationml/2006/main">
   <p:cSld>
     <p:spTree>
@@ -9394,7 +9509,7 @@
           <a:lstStyle/>
           <a:p>
             <a:r>
-              <a:rPr lang="en-US" i="1" err="1">
+              <a:rPr lang="en-US" i="1" dirty="0" err="1">
                 <a:solidFill>
                   <a:srgbClr val="007DB5"/>
                 </a:solidFill>
@@ -9402,13 +9517,13 @@
               <a:t>Xpath</a:t>
             </a:r>
             <a:r>
-              <a:rPr lang="en-US"/>
+              <a:rPr lang="en-US" dirty="0"/>
               <a:t> uses path expressions to select nodes or node-sets in an XML document. </a:t>
             </a:r>
           </a:p>
           <a:p>
             <a:r>
-              <a:rPr lang="en-US" i="1" err="1">
+              <a:rPr lang="en-US" i="1" dirty="0" err="1">
                 <a:solidFill>
                   <a:srgbClr val="007DB5"/>
                 </a:solidFill>
@@ -9416,13 +9531,13 @@
               <a:t>Xpath</a:t>
             </a:r>
             <a:r>
-              <a:rPr lang="en-US"/>
+              <a:rPr lang="en-US" dirty="0"/>
               <a:t> expressions look very much like the expressions you see when you work with a traditional computer file system.</a:t>
             </a:r>
           </a:p>
           <a:p>
             <a:r>
-              <a:rPr lang="en-US">
+              <a:rPr lang="en-US" dirty="0">
                 <a:solidFill>
                   <a:srgbClr val="FF0000"/>
                 </a:solidFill>
@@ -9430,7 +9545,7 @@
               <a:t>Must</a:t>
             </a:r>
             <a:r>
-              <a:rPr lang="en-US"/>
+              <a:rPr lang="en-US" dirty="0"/>
               <a:t> provide XML namespace for queuing data</a:t>
             </a:r>
           </a:p>
@@ -9485,7 +9600,7 @@
 </p:sld>
 </file>
 
-<file path=ppt/slides/slide25.xml><?xml version="1.0" encoding="utf-8"?>
+<file path=ppt/slides/slide26.xml><?xml version="1.0" encoding="utf-8"?>
 <p:sld xmlns:a="http://schemas.openxmlformats.org/drawingml/2006/main" xmlns:r="http://schemas.openxmlformats.org/officeDocument/2006/relationships" xmlns:p="http://schemas.openxmlformats.org/presentationml/2006/main">
   <p:cSld>
     <p:spTree>
@@ -9580,14 +9695,14 @@
           <a:lstStyle/>
           <a:p>
             <a:r>
-              <a:rPr lang="en-US"/>
+              <a:rPr lang="en-US" dirty="0"/>
               <a:t>First Event node</a:t>
             </a:r>
           </a:p>
           <a:p>
             <a:pPr lvl="1"/>
             <a:r>
-              <a:rPr lang="en-US">
+              <a:rPr lang="en-US" dirty="0">
                 <a:solidFill>
                   <a:srgbClr val="FF0000"/>
                 </a:solidFill>
@@ -9595,7 +9710,7 @@
               <a:t>//</a:t>
             </a:r>
             <a:r>
-              <a:rPr lang="en-US" err="1">
+              <a:rPr lang="en-US" dirty="0" err="1">
                 <a:solidFill>
                   <a:srgbClr val="7030A0"/>
                 </a:solidFill>
@@ -9603,24 +9718,24 @@
               <a:t>x</a:t>
             </a:r>
             <a:r>
-              <a:rPr lang="en-US" err="1"/>
+              <a:rPr lang="en-US" dirty="0" err="1"/>
               <a:t>:Event</a:t>
             </a:r>
             <a:r>
-              <a:rPr lang="en-US"/>
+              <a:rPr lang="en-US" dirty="0"/>
               <a:t>[1]</a:t>
             </a:r>
           </a:p>
           <a:p>
             <a:r>
-              <a:rPr lang="en-US"/>
+              <a:rPr lang="en-US" dirty="0"/>
               <a:t>Last event</a:t>
             </a:r>
           </a:p>
           <a:p>
             <a:pPr lvl="1"/>
             <a:r>
-              <a:rPr lang="en-US">
+              <a:rPr lang="en-US" dirty="0">
                 <a:solidFill>
                   <a:srgbClr val="FF0000"/>
                 </a:solidFill>
@@ -9628,7 +9743,7 @@
               <a:t>//</a:t>
             </a:r>
             <a:r>
-              <a:rPr lang="en-US" err="1">
+              <a:rPr lang="en-US" dirty="0" err="1">
                 <a:solidFill>
                   <a:srgbClr val="7030A0"/>
                 </a:solidFill>
@@ -9636,24 +9751,24 @@
               <a:t>x</a:t>
             </a:r>
             <a:r>
-              <a:rPr lang="en-US" err="1"/>
+              <a:rPr lang="en-US" dirty="0" err="1"/>
               <a:t>:Event</a:t>
             </a:r>
             <a:r>
-              <a:rPr lang="en-US"/>
+              <a:rPr lang="en-US" dirty="0"/>
               <a:t>[last()]</a:t>
             </a:r>
           </a:p>
           <a:p>
             <a:r>
-              <a:rPr lang="en-US"/>
-              <a:t>Last two events</a:t>
+              <a:rPr lang="en-US" dirty="0"/>
+              <a:t>First two events</a:t>
             </a:r>
           </a:p>
           <a:p>
             <a:pPr lvl="1"/>
             <a:r>
-              <a:rPr lang="en-US">
+              <a:rPr lang="en-US" dirty="0">
                 <a:solidFill>
                   <a:srgbClr val="FF0000"/>
                 </a:solidFill>
@@ -9661,7 +9776,7 @@
               <a:t>//</a:t>
             </a:r>
             <a:r>
-              <a:rPr lang="en-US" err="1">
+              <a:rPr lang="en-US" dirty="0" err="1">
                 <a:solidFill>
                   <a:srgbClr val="7030A0"/>
                 </a:solidFill>
@@ -9669,17 +9784,17 @@
               <a:t>x</a:t>
             </a:r>
             <a:r>
-              <a:rPr lang="en-US" err="1"/>
+              <a:rPr lang="en-US" dirty="0" err="1"/>
               <a:t>:Event</a:t>
             </a:r>
             <a:r>
-              <a:rPr lang="en-US"/>
+              <a:rPr lang="en-US" dirty="0"/>
               <a:t>[position()&lt;3]</a:t>
             </a:r>
           </a:p>
           <a:p>
             <a:r>
-              <a:rPr lang="en-US" i="1" err="1">
+              <a:rPr lang="en-US" i="1" dirty="0" err="1">
                 <a:solidFill>
                   <a:schemeClr val="accent6"/>
                 </a:solidFill>
@@ -9687,7 +9802,7 @@
               <a:t>EventID</a:t>
             </a:r>
             <a:r>
-              <a:rPr lang="en-US">
+              <a:rPr lang="en-US" dirty="0">
                 <a:solidFill>
                   <a:schemeClr val="accent6"/>
                 </a:solidFill>
@@ -9695,11 +9810,11 @@
               <a:t> </a:t>
             </a:r>
             <a:r>
-              <a:rPr lang="en-US"/>
+              <a:rPr lang="en-US" dirty="0"/>
               <a:t>with an attribute named </a:t>
             </a:r>
             <a:r>
-              <a:rPr lang="en-US" i="1">
+              <a:rPr lang="en-US" i="1" dirty="0">
                 <a:solidFill>
                   <a:schemeClr val="accent6"/>
                 </a:solidFill>
@@ -9710,7 +9825,7 @@
           <a:p>
             <a:pPr lvl="1"/>
             <a:r>
-              <a:rPr lang="en-US">
+              <a:rPr lang="en-US" dirty="0">
                 <a:solidFill>
                   <a:srgbClr val="FF0000"/>
                 </a:solidFill>
@@ -9718,7 +9833,7 @@
               <a:t>//</a:t>
             </a:r>
             <a:r>
-              <a:rPr lang="en-US" err="1">
+              <a:rPr lang="en-US" dirty="0" err="1">
                 <a:solidFill>
                   <a:srgbClr val="7030A0"/>
                 </a:solidFill>
@@ -9726,11 +9841,11 @@
               <a:t>x</a:t>
             </a:r>
             <a:r>
-              <a:rPr lang="en-US" err="1"/>
+              <a:rPr lang="en-US" dirty="0" err="1"/>
               <a:t>:EventID</a:t>
             </a:r>
             <a:r>
-              <a:rPr lang="en-US"/>
+              <a:rPr lang="en-US" dirty="0"/>
               <a:t>[@Qualifiers]</a:t>
             </a:r>
           </a:p>
@@ -9764,11 +9879,11 @@
           <a:lstStyle/>
           <a:p>
             <a:r>
-              <a:rPr lang="en-US" sz="1600"/>
+              <a:rPr lang="en-US" sz="1600" dirty="0"/>
               <a:t>“</a:t>
             </a:r>
             <a:r>
-              <a:rPr lang="en-US" sz="1600">
+              <a:rPr lang="en-US" sz="1600" dirty="0">
                 <a:solidFill>
                   <a:srgbClr val="FF0000"/>
                 </a:solidFill>
@@ -9776,13 +9891,13 @@
               <a:t>//</a:t>
             </a:r>
             <a:r>
-              <a:rPr lang="en-US" sz="1600"/>
+              <a:rPr lang="en-US" sz="1600" dirty="0"/>
               <a:t>” operator, a convenient shorthand for selecting nodes at any level in a document.</a:t>
             </a:r>
           </a:p>
           <a:p>
             <a:r>
-              <a:rPr lang="en-US" sz="1600">
+              <a:rPr lang="en-US" sz="1600" dirty="0">
                 <a:solidFill>
                   <a:srgbClr val="7030A0"/>
                 </a:solidFill>
@@ -9790,11 +9905,11 @@
               <a:t>x</a:t>
             </a:r>
             <a:r>
-              <a:rPr lang="en-US" sz="1600"/>
+              <a:rPr lang="en-US" sz="1600" dirty="0"/>
               <a:t>: namespace variable, e.g., </a:t>
             </a:r>
             <a:r>
-              <a:rPr lang="en-US" sz="1400" i="1">
+              <a:rPr lang="en-US" sz="1400" i="1" dirty="0">
                 <a:solidFill>
                   <a:schemeClr val="accent6">
                     <a:lumMod val="50000"/>
@@ -9803,7 +9918,7 @@
               </a:rPr>
               <a:t>x=http://schemas.microsoft.com/win/2004/08/events/event</a:t>
             </a:r>
-            <a:endParaRPr lang="en-US" i="1">
+            <a:endParaRPr lang="en-US" i="1" dirty="0">
               <a:solidFill>
                 <a:schemeClr val="accent6">
                   <a:lumMod val="50000"/>
@@ -9826,7 +9941,7 @@
 </p:sld>
 </file>
 
-<file path=ppt/slides/slide26.xml><?xml version="1.0" encoding="utf-8"?>
+<file path=ppt/slides/slide27.xml><?xml version="1.0" encoding="utf-8"?>
 <p:sld xmlns:a="http://schemas.openxmlformats.org/drawingml/2006/main" xmlns:r="http://schemas.openxmlformats.org/officeDocument/2006/relationships" xmlns:p="http://schemas.openxmlformats.org/presentationml/2006/main">
   <p:cSld>
     <p:spTree>
@@ -10380,7 +10495,7 @@
 </p:sld>
 </file>
 
-<file path=ppt/slides/slide27.xml><?xml version="1.0" encoding="utf-8"?>
+<file path=ppt/slides/slide28.xml><?xml version="1.0" encoding="utf-8"?>
 <p:sld xmlns:a="http://schemas.openxmlformats.org/drawingml/2006/main" xmlns:r="http://schemas.openxmlformats.org/officeDocument/2006/relationships" xmlns:p="http://schemas.openxmlformats.org/presentationml/2006/main">
   <p:cSld>
     <p:spTree>
@@ -10473,7 +10588,7 @@
 </p:sld>
 </file>
 
-<file path=ppt/slides/slide28.xml><?xml version="1.0" encoding="utf-8"?>
+<file path=ppt/slides/slide29.xml><?xml version="1.0" encoding="utf-8"?>
 <p:sld xmlns:a="http://schemas.openxmlformats.org/drawingml/2006/main" xmlns:r="http://schemas.openxmlformats.org/officeDocument/2006/relationships" xmlns:p="http://schemas.openxmlformats.org/presentationml/2006/main">
   <p:cSld>
     <p:spTree>
@@ -10663,126 +10778,6 @@
     <p:extLst>
       <p:ext uri="{BB962C8B-B14F-4D97-AF65-F5344CB8AC3E}">
         <p14:creationId xmlns:p14="http://schemas.microsoft.com/office/powerpoint/2010/main" val="2884910"/>
-      </p:ext>
-    </p:extLst>
-  </p:cSld>
-  <p:clrMapOvr>
-    <a:masterClrMapping/>
-  </p:clrMapOvr>
-</p:sld>
-</file>
-
-<file path=ppt/slides/slide29.xml><?xml version="1.0" encoding="utf-8"?>
-<p:sld xmlns:a="http://schemas.openxmlformats.org/drawingml/2006/main" xmlns:r="http://schemas.openxmlformats.org/officeDocument/2006/relationships" xmlns:p="http://schemas.openxmlformats.org/presentationml/2006/main">
-  <p:cSld>
-    <p:spTree>
-      <p:nvGrpSpPr>
-        <p:cNvPr id="1" name=""/>
-        <p:cNvGrpSpPr/>
-        <p:nvPr/>
-      </p:nvGrpSpPr>
-      <p:grpSpPr>
-        <a:xfrm>
-          <a:off x="0" y="0"/>
-          <a:ext cx="0" cy="0"/>
-          <a:chOff x="0" y="0"/>
-          <a:chExt cx="0" cy="0"/>
-        </a:xfrm>
-      </p:grpSpPr>
-      <p:sp>
-        <p:nvSpPr>
-          <p:cNvPr id="2" name="Title 1"/>
-          <p:cNvSpPr>
-            <a:spLocks noGrp="1"/>
-          </p:cNvSpPr>
-          <p:nvPr>
-            <p:ph type="title"/>
-          </p:nvPr>
-        </p:nvSpPr>
-        <p:spPr/>
-        <p:txBody>
-          <a:bodyPr/>
-          <a:lstStyle/>
-          <a:p>
-            <a:r>
-              <a:rPr lang="en-US"/>
-              <a:t>Substitute </a:t>
-            </a:r>
-            <a:r>
-              <a:rPr lang="en-US" i="1" err="1">
-                <a:solidFill>
-                  <a:srgbClr val="7030A0"/>
-                </a:solidFill>
-              </a:rPr>
-              <a:t>xmlstarlet</a:t>
-            </a:r>
-            <a:r>
-              <a:rPr lang="en-US" i="1">
-                <a:solidFill>
-                  <a:srgbClr val="7030A0"/>
-                </a:solidFill>
-              </a:rPr>
-              <a:t> </a:t>
-            </a:r>
-            <a:r>
-              <a:rPr lang="en-US" i="1" err="1">
-                <a:solidFill>
-                  <a:srgbClr val="FF0000"/>
-                </a:solidFill>
-              </a:rPr>
-              <a:t>sel</a:t>
-            </a:r>
-            <a:r>
-              <a:rPr lang="en-US" i="1">
-                <a:solidFill>
-                  <a:srgbClr val="FF0000"/>
-                </a:solidFill>
-              </a:rPr>
-              <a:t> </a:t>
-            </a:r>
-            <a:r>
-              <a:rPr lang="en-US"/>
-              <a:t>results using </a:t>
-            </a:r>
-            <a:r>
-              <a:rPr lang="en-US" err="1">
-                <a:solidFill>
-                  <a:srgbClr val="FF0000"/>
-                </a:solidFill>
-              </a:rPr>
-              <a:t>sed</a:t>
-            </a:r>
-            <a:endParaRPr lang="en-US">
-              <a:solidFill>
-                <a:srgbClr val="FF0000"/>
-              </a:solidFill>
-            </a:endParaRPr>
-          </a:p>
-        </p:txBody>
-      </p:sp>
-      <p:sp>
-        <p:nvSpPr>
-          <p:cNvPr id="3" name="Text Placeholder 2"/>
-          <p:cNvSpPr>
-            <a:spLocks noGrp="1"/>
-          </p:cNvSpPr>
-          <p:nvPr>
-            <p:ph type="body" idx="1"/>
-          </p:nvPr>
-        </p:nvSpPr>
-        <p:spPr/>
-        <p:txBody>
-          <a:bodyPr/>
-          <a:lstStyle/>
-          <a:p>
-            <a:endParaRPr lang="en-US"/>
-          </a:p>
-        </p:txBody>
-      </p:sp>
-    </p:spTree>
-    <p:extLst>
-      <p:ext uri="{BB962C8B-B14F-4D97-AF65-F5344CB8AC3E}">
-        <p14:creationId xmlns:p14="http://schemas.microsoft.com/office/powerpoint/2010/main" val="2819587148"/>
       </p:ext>
     </p:extLst>
   </p:cSld>
@@ -10921,6 +10916,121 @@
       </p:grpSpPr>
       <p:sp>
         <p:nvSpPr>
+          <p:cNvPr id="2" name="Title 1"/>
+          <p:cNvSpPr>
+            <a:spLocks noGrp="1"/>
+          </p:cNvSpPr>
+          <p:nvPr>
+            <p:ph type="title"/>
+          </p:nvPr>
+        </p:nvSpPr>
+        <p:spPr/>
+        <p:txBody>
+          <a:bodyPr/>
+          <a:lstStyle/>
+          <a:p>
+            <a:r>
+              <a:rPr lang="en-US" dirty="0"/>
+              <a:t>Substitute </a:t>
+            </a:r>
+            <a:r>
+              <a:rPr lang="en-US" i="1" dirty="0" err="1">
+                <a:solidFill>
+                  <a:srgbClr val="7030A0"/>
+                </a:solidFill>
+              </a:rPr>
+              <a:t>xmlstarlet</a:t>
+            </a:r>
+            <a:r>
+              <a:rPr lang="en-US" i="1" dirty="0">
+                <a:solidFill>
+                  <a:srgbClr val="7030A0"/>
+                </a:solidFill>
+              </a:rPr>
+              <a:t> </a:t>
+            </a:r>
+            <a:r>
+              <a:rPr lang="en-US" i="1" dirty="0" err="1">
+                <a:solidFill>
+                  <a:srgbClr val="FF0000"/>
+                </a:solidFill>
+              </a:rPr>
+              <a:t>sel</a:t>
+            </a:r>
+            <a:r>
+              <a:rPr lang="en-US" i="1" dirty="0">
+                <a:solidFill>
+                  <a:srgbClr val="FF0000"/>
+                </a:solidFill>
+              </a:rPr>
+              <a:t> </a:t>
+            </a:r>
+            <a:r>
+              <a:rPr lang="en-US" dirty="0"/>
+              <a:t>results using </a:t>
+            </a:r>
+            <a:r>
+              <a:rPr lang="en-US" dirty="0">
+                <a:solidFill>
+                  <a:srgbClr val="FF0000"/>
+                </a:solidFill>
+              </a:rPr>
+              <a:t>sed</a:t>
+            </a:r>
+          </a:p>
+        </p:txBody>
+      </p:sp>
+      <p:sp>
+        <p:nvSpPr>
+          <p:cNvPr id="3" name="Text Placeholder 2"/>
+          <p:cNvSpPr>
+            <a:spLocks noGrp="1"/>
+          </p:cNvSpPr>
+          <p:nvPr>
+            <p:ph type="body" idx="1"/>
+          </p:nvPr>
+        </p:nvSpPr>
+        <p:spPr/>
+        <p:txBody>
+          <a:bodyPr/>
+          <a:lstStyle/>
+          <a:p>
+            <a:endParaRPr lang="en-US"/>
+          </a:p>
+        </p:txBody>
+      </p:sp>
+    </p:spTree>
+    <p:extLst>
+      <p:ext uri="{BB962C8B-B14F-4D97-AF65-F5344CB8AC3E}">
+        <p14:creationId xmlns:p14="http://schemas.microsoft.com/office/powerpoint/2010/main" val="2819587148"/>
+      </p:ext>
+    </p:extLst>
+  </p:cSld>
+  <p:clrMapOvr>
+    <a:masterClrMapping/>
+  </p:clrMapOvr>
+</p:sld>
+</file>
+
+<file path=ppt/slides/slide31.xml><?xml version="1.0" encoding="utf-8"?>
+<p:sld xmlns:a="http://schemas.openxmlformats.org/drawingml/2006/main" xmlns:r="http://schemas.openxmlformats.org/officeDocument/2006/relationships" xmlns:p="http://schemas.openxmlformats.org/presentationml/2006/main">
+  <p:cSld>
+    <p:spTree>
+      <p:nvGrpSpPr>
+        <p:cNvPr id="1" name=""/>
+        <p:cNvGrpSpPr/>
+        <p:nvPr/>
+      </p:nvGrpSpPr>
+      <p:grpSpPr>
+        <a:xfrm>
+          <a:off x="0" y="0"/>
+          <a:ext cx="0" cy="0"/>
+          <a:chOff x="0" y="0"/>
+          <a:chExt cx="0" cy="0"/>
+        </a:xfrm>
+      </p:grpSpPr>
+      <p:sp>
+        <p:nvSpPr>
           <p:cNvPr id="5" name="Title 4"/>
           <p:cNvSpPr>
             <a:spLocks noGrp="1"/>
@@ -10984,13 +11094,13 @@
           <a:lstStyle/>
           <a:p>
             <a:r>
-              <a:rPr lang="en-US"/>
+              <a:rPr lang="en-US" dirty="0"/>
               <a:t>Used to perform basic text transformations on an input stream (a file or input from a pipeline).</a:t>
             </a:r>
           </a:p>
           <a:p>
             <a:r>
-              <a:rPr lang="en-US"/>
+              <a:rPr lang="en-US" dirty="0"/>
               <a:t>Can apply regular expression</a:t>
             </a:r>
           </a:p>
@@ -11084,7 +11194,7 @@
 </p:sld>
 </file>
 
-<file path=ppt/slides/slide31.xml><?xml version="1.0" encoding="utf-8"?>
+<file path=ppt/slides/slide32.xml><?xml version="1.0" encoding="utf-8"?>
 <p:sld xmlns:a="http://schemas.openxmlformats.org/drawingml/2006/main" xmlns:r="http://schemas.openxmlformats.org/officeDocument/2006/relationships" xmlns:p="http://schemas.openxmlformats.org/presentationml/2006/main">
   <p:cSld>
     <p:spTree>
@@ -11189,7 +11299,7 @@
 </p:sld>
 </file>
 
-<file path=ppt/slides/slide32.xml><?xml version="1.0" encoding="utf-8"?>
+<file path=ppt/slides/slide33.xml><?xml version="1.0" encoding="utf-8"?>
 <p:sld xmlns:a="http://schemas.openxmlformats.org/drawingml/2006/main" xmlns:r="http://schemas.openxmlformats.org/officeDocument/2006/relationships" xmlns:p="http://schemas.openxmlformats.org/presentationml/2006/main">
   <p:cSld>
     <p:spTree>
@@ -11289,7 +11399,7 @@
 </p:sld>
 </file>
 
-<file path=ppt/slides/slide33.xml><?xml version="1.0" encoding="utf-8"?>
+<file path=ppt/slides/slide34.xml><?xml version="1.0" encoding="utf-8"?>
 <p:sld xmlns:a="http://schemas.openxmlformats.org/drawingml/2006/main" xmlns:r="http://schemas.openxmlformats.org/officeDocument/2006/relationships" xmlns:p="http://schemas.openxmlformats.org/presentationml/2006/main">
   <p:cSld>
     <p:spTree>
@@ -11334,7 +11444,7 @@
           <a:lstStyle/>
           <a:p>
             <a:r>
-              <a:rPr lang="en-US">
+              <a:rPr lang="en-US" dirty="0">
                 <a:solidFill>
                   <a:srgbClr val="FF0000"/>
                 </a:solidFill>
@@ -11344,31 +11454,31 @@
           </a:p>
           <a:p>
             <a:r>
-              <a:rPr lang="en-US"/>
+              <a:rPr lang="en-US" dirty="0"/>
               <a:t>1100 (service shutdown)</a:t>
             </a:r>
           </a:p>
           <a:p>
             <a:r>
-              <a:rPr lang="en-US"/>
+              <a:rPr lang="en-US" dirty="0"/>
               <a:t>4624 (successful logon)</a:t>
             </a:r>
           </a:p>
           <a:p>
             <a:r>
-              <a:rPr lang="en-US"/>
+              <a:rPr lang="en-US" dirty="0"/>
               <a:t>4634 (logoff)</a:t>
             </a:r>
           </a:p>
           <a:p>
             <a:r>
-              <a:rPr lang="en-US"/>
+              <a:rPr lang="en-US" dirty="0"/>
               <a:t>4625 (logon failure)</a:t>
             </a:r>
           </a:p>
           <a:p>
             <a:r>
-              <a:rPr lang="en-US"/>
+              <a:rPr lang="en-US" dirty="0"/>
               <a:t>4647 (a user initiated the logoff process)...</a:t>
             </a:r>
           </a:p>
@@ -11411,7 +11521,7 @@
 </p:sld>
 </file>
 
-<file path=ppt/slides/slide34.xml><?xml version="1.0" encoding="utf-8"?>
+<file path=ppt/slides/slide35.xml><?xml version="1.0" encoding="utf-8"?>
 <p:sld xmlns:a="http://schemas.openxmlformats.org/drawingml/2006/main" xmlns:r="http://schemas.openxmlformats.org/officeDocument/2006/relationships" xmlns:p="http://schemas.openxmlformats.org/presentationml/2006/main">
   <p:cSld>
     <p:spTree>
@@ -11490,7 +11600,7 @@
 </p:sld>
 </file>
 
-<file path=ppt/slides/slide35.xml><?xml version="1.0" encoding="utf-8"?>
+<file path=ppt/slides/slide36.xml><?xml version="1.0" encoding="utf-8"?>
 <p:sld xmlns:a="http://schemas.openxmlformats.org/drawingml/2006/main" xmlns:r="http://schemas.openxmlformats.org/officeDocument/2006/relationships" xmlns:p="http://schemas.openxmlformats.org/presentationml/2006/main">
   <p:cSld>
     <p:spTree>
@@ -11544,7 +11654,7 @@
 </p:sld>
 </file>
 
-<file path=ppt/slides/slide36.xml><?xml version="1.0" encoding="utf-8"?>
+<file path=ppt/slides/slide37.xml><?xml version="1.0" encoding="utf-8"?>
 <p:sld xmlns:a="http://schemas.openxmlformats.org/drawingml/2006/main" xmlns:r="http://schemas.openxmlformats.org/officeDocument/2006/relationships" xmlns:p="http://schemas.openxmlformats.org/presentationml/2006/main">
   <p:cSld>
     <p:spTree>
@@ -11598,7 +11708,7 @@
 </p:sld>
 </file>
 
-<file path=ppt/slides/slide37.xml><?xml version="1.0" encoding="utf-8"?>
+<file path=ppt/slides/slide38.xml><?xml version="1.0" encoding="utf-8"?>
 <p:sld xmlns:a="http://schemas.openxmlformats.org/drawingml/2006/main" xmlns:r="http://schemas.openxmlformats.org/officeDocument/2006/relationships" xmlns:p="http://schemas.openxmlformats.org/presentationml/2006/main">
   <p:cSld>
     <p:spTree>
@@ -11699,7 +11809,7 @@
 </p:sld>
 </file>
 
-<file path=ppt/slides/slide38.xml><?xml version="1.0" encoding="utf-8"?>
+<file path=ppt/slides/slide39.xml><?xml version="1.0" encoding="utf-8"?>
 <p:sld xmlns:a="http://schemas.openxmlformats.org/drawingml/2006/main" xmlns:r="http://schemas.openxmlformats.org/officeDocument/2006/relationships" xmlns:p="http://schemas.openxmlformats.org/presentationml/2006/main">
   <p:cSld>
     <p:spTree>
@@ -11913,77 +12023,6 @@
 </p:sld>
 </file>
 
-<file path=ppt/slides/slide39.xml><?xml version="1.0" encoding="utf-8"?>
-<p:sld xmlns:a="http://schemas.openxmlformats.org/drawingml/2006/main" xmlns:r="http://schemas.openxmlformats.org/officeDocument/2006/relationships" xmlns:p="http://schemas.openxmlformats.org/presentationml/2006/main">
-  <p:cSld>
-    <p:spTree>
-      <p:nvGrpSpPr>
-        <p:cNvPr id="1" name=""/>
-        <p:cNvGrpSpPr/>
-        <p:nvPr/>
-      </p:nvGrpSpPr>
-      <p:grpSpPr>
-        <a:xfrm>
-          <a:off x="0" y="0"/>
-          <a:ext cx="0" cy="0"/>
-          <a:chOff x="0" y="0"/>
-          <a:chExt cx="0" cy="0"/>
-        </a:xfrm>
-      </p:grpSpPr>
-      <p:sp>
-        <p:nvSpPr>
-          <p:cNvPr id="2" name="Title 1"/>
-          <p:cNvSpPr>
-            <a:spLocks noGrp="1"/>
-          </p:cNvSpPr>
-          <p:nvPr>
-            <p:ph type="title"/>
-          </p:nvPr>
-        </p:nvSpPr>
-        <p:spPr/>
-        <p:txBody>
-          <a:bodyPr/>
-          <a:lstStyle/>
-          <a:p>
-            <a:r>
-              <a:rPr lang="en-US"/>
-              <a:t>Deleting namespace declarations</a:t>
-            </a:r>
-          </a:p>
-        </p:txBody>
-      </p:sp>
-      <p:sp>
-        <p:nvSpPr>
-          <p:cNvPr id="3" name="Text Placeholder 2"/>
-          <p:cNvSpPr>
-            <a:spLocks noGrp="1"/>
-          </p:cNvSpPr>
-          <p:nvPr>
-            <p:ph type="body" idx="1"/>
-          </p:nvPr>
-        </p:nvSpPr>
-        <p:spPr/>
-        <p:txBody>
-          <a:bodyPr/>
-          <a:lstStyle/>
-          <a:p>
-            <a:endParaRPr lang="en-US"/>
-          </a:p>
-        </p:txBody>
-      </p:sp>
-    </p:spTree>
-    <p:extLst>
-      <p:ext uri="{BB962C8B-B14F-4D97-AF65-F5344CB8AC3E}">
-        <p14:creationId xmlns:p14="http://schemas.microsoft.com/office/powerpoint/2010/main" val="1010073087"/>
-      </p:ext>
-    </p:extLst>
-  </p:cSld>
-  <p:clrMapOvr>
-    <a:masterClrMapping/>
-  </p:clrMapOvr>
-</p:sld>
-</file>
-
 <file path=ppt/slides/slide4.xml><?xml version="1.0" encoding="utf-8"?>
 <p:sld xmlns:a="http://schemas.openxmlformats.org/drawingml/2006/main" xmlns:r="http://schemas.openxmlformats.org/officeDocument/2006/relationships" xmlns:p="http://schemas.openxmlformats.org/presentationml/2006/main">
   <p:cSld>
@@ -12003,7 +12042,13 @@
       </p:grpSpPr>
       <p:sp>
         <p:nvSpPr>
-          <p:cNvPr id="2" name="Title 1"/>
+          <p:cNvPr id="4" name="Title 3">
+            <a:extLst>
+              <a:ext uri="{FF2B5EF4-FFF2-40B4-BE49-F238E27FC236}">
+                <a16:creationId xmlns:a16="http://schemas.microsoft.com/office/drawing/2014/main" id="{4E93FFAF-3A41-495F-89E5-A5172E405081}"/>
+              </a:ext>
+            </a:extLst>
+          </p:cNvPr>
           <p:cNvSpPr>
             <a:spLocks noGrp="1"/>
           </p:cNvSpPr>
@@ -12018,85 +12063,72 @@
           <a:p>
             <a:r>
               <a:rPr lang="en-US" dirty="0"/>
-              <a:t>Overview</a:t>
-            </a:r>
-          </a:p>
-        </p:txBody>
-      </p:sp>
-      <p:sp>
-        <p:nvSpPr>
-          <p:cNvPr id="3" name="Content Placeholder 2"/>
-          <p:cNvSpPr>
-            <a:spLocks noGrp="1"/>
-          </p:cNvSpPr>
-          <p:nvPr>
-            <p:ph idx="1"/>
-          </p:nvPr>
-        </p:nvSpPr>
-        <p:spPr/>
-        <p:txBody>
-          <a:bodyPr/>
-          <a:lstStyle/>
-          <a:p>
-            <a:r>
-              <a:rPr lang="en-US" dirty="0"/>
-              <a:t>Get a copy of security event log</a:t>
-            </a:r>
-          </a:p>
-          <a:p>
-            <a:r>
-              <a:rPr lang="en-US" dirty="0"/>
-              <a:t>Analyze the event log</a:t>
-            </a:r>
-          </a:p>
-          <a:p>
-            <a:pPr lvl="1"/>
-            <a:r>
-              <a:rPr lang="en-US" dirty="0"/>
-              <a:t>Install XML parser (</a:t>
-            </a:r>
-            <a:r>
-              <a:rPr lang="en-US" dirty="0" err="1"/>
-              <a:t>xmlstarlet</a:t>
-            </a:r>
-            <a:r>
-              <a:rPr lang="en-US" dirty="0"/>
-              <a:t>)</a:t>
-            </a:r>
-          </a:p>
-          <a:p>
-            <a:pPr lvl="1"/>
-            <a:r>
-              <a:rPr lang="en-US" dirty="0"/>
-              <a:t>Validating Security Event Log XML documents</a:t>
-            </a:r>
-          </a:p>
-          <a:p>
-            <a:pPr lvl="1"/>
-            <a:r>
-              <a:rPr lang="en-US" dirty="0"/>
-              <a:t>Display element structure of XML document </a:t>
-            </a:r>
-          </a:p>
-          <a:p>
-            <a:pPr lvl="1"/>
-            <a:r>
-              <a:rPr lang="en-US" dirty="0"/>
-              <a:t>Format XML document </a:t>
-            </a:r>
-          </a:p>
-          <a:p>
-            <a:pPr lvl="1"/>
-            <a:r>
-              <a:rPr lang="en-US" dirty="0"/>
-              <a:t>Query XML documents </a:t>
-            </a:r>
-          </a:p>
-          <a:p>
-            <a:pPr lvl="1"/>
-            <a:r>
-              <a:rPr lang="en-US" dirty="0"/>
-              <a:t>Modify or edit XML documents</a:t>
+              <a:t>How to search events?</a:t>
+            </a:r>
+          </a:p>
+        </p:txBody>
+      </p:sp>
+      <p:pic>
+        <p:nvPicPr>
+          <p:cNvPr id="6" name="Picture 5">
+            <a:extLst>
+              <a:ext uri="{FF2B5EF4-FFF2-40B4-BE49-F238E27FC236}">
+                <a16:creationId xmlns:a16="http://schemas.microsoft.com/office/drawing/2014/main" id="{7B62DDD4-AD77-487C-BE30-ADE9DBA74144}"/>
+              </a:ext>
+            </a:extLst>
+          </p:cNvPr>
+          <p:cNvPicPr>
+            <a:picLocks noChangeAspect="1"/>
+          </p:cNvPicPr>
+          <p:nvPr/>
+        </p:nvPicPr>
+        <p:blipFill>
+          <a:blip r:embed="rId2"/>
+          <a:stretch>
+            <a:fillRect/>
+          </a:stretch>
+        </p:blipFill>
+        <p:spPr>
+          <a:xfrm>
+            <a:off x="838200" y="1690688"/>
+            <a:ext cx="7506081" cy="4532630"/>
+          </a:xfrm>
+          <a:prstGeom prst="rect">
+            <a:avLst/>
+          </a:prstGeom>
+        </p:spPr>
+      </p:pic>
+      <p:sp>
+        <p:nvSpPr>
+          <p:cNvPr id="8" name="TextBox 7">
+            <a:extLst>
+              <a:ext uri="{FF2B5EF4-FFF2-40B4-BE49-F238E27FC236}">
+                <a16:creationId xmlns:a16="http://schemas.microsoft.com/office/drawing/2014/main" id="{FFEB6DD8-F063-4B01-9846-0A255FFCA60C}"/>
+              </a:ext>
+            </a:extLst>
+          </p:cNvPr>
+          <p:cNvSpPr txBox="1"/>
+          <p:nvPr/>
+        </p:nvSpPr>
+        <p:spPr>
+          <a:xfrm>
+            <a:off x="732981" y="1398469"/>
+            <a:ext cx="6185979" cy="307777"/>
+          </a:xfrm>
+          <a:prstGeom prst="rect">
+            <a:avLst/>
+          </a:prstGeom>
+          <a:noFill/>
+        </p:spPr>
+        <p:txBody>
+          <a:bodyPr wrap="square">
+            <a:spAutoFit/>
+          </a:bodyPr>
+          <a:lstStyle/>
+          <a:p>
+            <a:r>
+              <a:rPr lang="en-US" sz="1400" dirty="0"/>
+              <a:t>https://www.ultimatewindowssecurity.com/securitylog/encyclopedia/default.aspx</a:t>
             </a:r>
           </a:p>
         </p:txBody>
@@ -12104,7 +12136,7 @@
     </p:spTree>
     <p:extLst>
       <p:ext uri="{BB962C8B-B14F-4D97-AF65-F5344CB8AC3E}">
-        <p14:creationId xmlns:p14="http://schemas.microsoft.com/office/powerpoint/2010/main" val="4132490787"/>
+        <p14:creationId xmlns:p14="http://schemas.microsoft.com/office/powerpoint/2010/main" val="1823173735"/>
       </p:ext>
     </p:extLst>
   </p:cSld>
@@ -12115,6 +12147,77 @@
 </file>
 
 <file path=ppt/slides/slide40.xml><?xml version="1.0" encoding="utf-8"?>
+<p:sld xmlns:a="http://schemas.openxmlformats.org/drawingml/2006/main" xmlns:r="http://schemas.openxmlformats.org/officeDocument/2006/relationships" xmlns:p="http://schemas.openxmlformats.org/presentationml/2006/main">
+  <p:cSld>
+    <p:spTree>
+      <p:nvGrpSpPr>
+        <p:cNvPr id="1" name=""/>
+        <p:cNvGrpSpPr/>
+        <p:nvPr/>
+      </p:nvGrpSpPr>
+      <p:grpSpPr>
+        <a:xfrm>
+          <a:off x="0" y="0"/>
+          <a:ext cx="0" cy="0"/>
+          <a:chOff x="0" y="0"/>
+          <a:chExt cx="0" cy="0"/>
+        </a:xfrm>
+      </p:grpSpPr>
+      <p:sp>
+        <p:nvSpPr>
+          <p:cNvPr id="2" name="Title 1"/>
+          <p:cNvSpPr>
+            <a:spLocks noGrp="1"/>
+          </p:cNvSpPr>
+          <p:nvPr>
+            <p:ph type="title"/>
+          </p:nvPr>
+        </p:nvSpPr>
+        <p:spPr/>
+        <p:txBody>
+          <a:bodyPr/>
+          <a:lstStyle/>
+          <a:p>
+            <a:r>
+              <a:rPr lang="en-US"/>
+              <a:t>Deleting namespace declarations</a:t>
+            </a:r>
+          </a:p>
+        </p:txBody>
+      </p:sp>
+      <p:sp>
+        <p:nvSpPr>
+          <p:cNvPr id="3" name="Text Placeholder 2"/>
+          <p:cNvSpPr>
+            <a:spLocks noGrp="1"/>
+          </p:cNvSpPr>
+          <p:nvPr>
+            <p:ph type="body" idx="1"/>
+          </p:nvPr>
+        </p:nvSpPr>
+        <p:spPr/>
+        <p:txBody>
+          <a:bodyPr/>
+          <a:lstStyle/>
+          <a:p>
+            <a:endParaRPr lang="en-US"/>
+          </a:p>
+        </p:txBody>
+      </p:sp>
+    </p:spTree>
+    <p:extLst>
+      <p:ext uri="{BB962C8B-B14F-4D97-AF65-F5344CB8AC3E}">
+        <p14:creationId xmlns:p14="http://schemas.microsoft.com/office/powerpoint/2010/main" val="1010073087"/>
+      </p:ext>
+    </p:extLst>
+  </p:cSld>
+  <p:clrMapOvr>
+    <a:masterClrMapping/>
+  </p:clrMapOvr>
+</p:sld>
+</file>
+
+<file path=ppt/slides/slide41.xml><?xml version="1.0" encoding="utf-8"?>
 <p:sld xmlns:a="http://schemas.openxmlformats.org/drawingml/2006/main" xmlns:r="http://schemas.openxmlformats.org/officeDocument/2006/relationships" xmlns:p="http://schemas.openxmlformats.org/presentationml/2006/main">
   <p:cSld>
     <p:spTree>
@@ -12168,7 +12271,7 @@
 </p:sld>
 </file>
 
-<file path=ppt/slides/slide41.xml><?xml version="1.0" encoding="utf-8"?>
+<file path=ppt/slides/slide42.xml><?xml version="1.0" encoding="utf-8"?>
 <p:sld xmlns:a="http://schemas.openxmlformats.org/drawingml/2006/main" xmlns:r="http://schemas.openxmlformats.org/officeDocument/2006/relationships" xmlns:p="http://schemas.openxmlformats.org/presentationml/2006/main">
   <p:cSld>
     <p:spTree>
@@ -12446,7 +12549,7 @@
 </p:sld>
 </file>
 
-<file path=ppt/slides/slide42.xml><?xml version="1.0" encoding="utf-8"?>
+<file path=ppt/slides/slide43.xml><?xml version="1.0" encoding="utf-8"?>
 <p:sld xmlns:a="http://schemas.openxmlformats.org/drawingml/2006/main" xmlns:r="http://schemas.openxmlformats.org/officeDocument/2006/relationships" xmlns:p="http://schemas.openxmlformats.org/presentationml/2006/main">
   <p:cSld>
     <p:spTree>
@@ -12500,7 +12603,7 @@
 </p:sld>
 </file>
 
-<file path=ppt/slides/slide43.xml><?xml version="1.0" encoding="utf-8"?>
+<file path=ppt/slides/slide44.xml><?xml version="1.0" encoding="utf-8"?>
 <p:sld xmlns:a="http://schemas.openxmlformats.org/drawingml/2006/main" xmlns:r="http://schemas.openxmlformats.org/officeDocument/2006/relationships" xmlns:p="http://schemas.openxmlformats.org/presentationml/2006/main">
   <p:cSld>
     <p:spTree>
@@ -12571,7 +12674,7 @@
 </p:sld>
 </file>
 
-<file path=ppt/slides/slide44.xml><?xml version="1.0" encoding="utf-8"?>
+<file path=ppt/slides/slide45.xml><?xml version="1.0" encoding="utf-8"?>
 <p:sld xmlns:a="http://schemas.openxmlformats.org/drawingml/2006/main" xmlns:r="http://schemas.openxmlformats.org/officeDocument/2006/relationships" xmlns:p="http://schemas.openxmlformats.org/presentationml/2006/main">
   <p:cSld>
     <p:spTree>
@@ -12696,7 +12799,7 @@
 </p:sld>
 </file>
 
-<file path=ppt/slides/slide45.xml><?xml version="1.0" encoding="utf-8"?>
+<file path=ppt/slides/slide46.xml><?xml version="1.0" encoding="utf-8"?>
 <p:sld xmlns:a="http://schemas.openxmlformats.org/drawingml/2006/main" xmlns:r="http://schemas.openxmlformats.org/officeDocument/2006/relationships" xmlns:p="http://schemas.openxmlformats.org/presentationml/2006/main">
   <p:cSld>
     <p:spTree>
@@ -13030,7 +13133,7 @@
 </p:sld>
 </file>
 
-<file path=ppt/slides/slide46.xml><?xml version="1.0" encoding="utf-8"?>
+<file path=ppt/slides/slide47.xml><?xml version="1.0" encoding="utf-8"?>
 <p:sld xmlns:a="http://schemas.openxmlformats.org/drawingml/2006/main" xmlns:r="http://schemas.openxmlformats.org/officeDocument/2006/relationships" xmlns:p="http://schemas.openxmlformats.org/presentationml/2006/main">
   <p:cSld>
     <p:spTree>
@@ -13255,77 +13358,6 @@
 </p:sld>
 </file>
 
-<file path=ppt/slides/slide47.xml><?xml version="1.0" encoding="utf-8"?>
-<p:sld xmlns:a="http://schemas.openxmlformats.org/drawingml/2006/main" xmlns:r="http://schemas.openxmlformats.org/officeDocument/2006/relationships" xmlns:p="http://schemas.openxmlformats.org/presentationml/2006/main">
-  <p:cSld>
-    <p:spTree>
-      <p:nvGrpSpPr>
-        <p:cNvPr id="1" name=""/>
-        <p:cNvGrpSpPr/>
-        <p:nvPr/>
-      </p:nvGrpSpPr>
-      <p:grpSpPr>
-        <a:xfrm>
-          <a:off x="0" y="0"/>
-          <a:ext cx="0" cy="0"/>
-          <a:chOff x="0" y="0"/>
-          <a:chExt cx="0" cy="0"/>
-        </a:xfrm>
-      </p:grpSpPr>
-      <p:sp>
-        <p:nvSpPr>
-          <p:cNvPr id="2" name="Title 1"/>
-          <p:cNvSpPr>
-            <a:spLocks noGrp="1"/>
-          </p:cNvSpPr>
-          <p:nvPr>
-            <p:ph type="title"/>
-          </p:nvPr>
-        </p:nvSpPr>
-        <p:spPr/>
-        <p:txBody>
-          <a:bodyPr/>
-          <a:lstStyle/>
-          <a:p>
-            <a:r>
-              <a:rPr lang="en-US"/>
-              <a:t>Assignments</a:t>
-            </a:r>
-          </a:p>
-        </p:txBody>
-      </p:sp>
-      <p:sp>
-        <p:nvSpPr>
-          <p:cNvPr id="3" name="Text Placeholder 2"/>
-          <p:cNvSpPr>
-            <a:spLocks noGrp="1"/>
-          </p:cNvSpPr>
-          <p:nvPr>
-            <p:ph type="body" idx="1"/>
-          </p:nvPr>
-        </p:nvSpPr>
-        <p:spPr/>
-        <p:txBody>
-          <a:bodyPr/>
-          <a:lstStyle/>
-          <a:p>
-            <a:endParaRPr lang="en-US"/>
-          </a:p>
-        </p:txBody>
-      </p:sp>
-    </p:spTree>
-    <p:extLst>
-      <p:ext uri="{BB962C8B-B14F-4D97-AF65-F5344CB8AC3E}">
-        <p14:creationId xmlns:p14="http://schemas.microsoft.com/office/powerpoint/2010/main" val="1410740005"/>
-      </p:ext>
-    </p:extLst>
-  </p:cSld>
-  <p:clrMapOvr>
-    <a:masterClrMapping/>
-  </p:clrMapOvr>
-</p:sld>
-</file>
-
 <file path=ppt/slides/slide48.xml><?xml version="1.0" encoding="utf-8"?>
 <p:sld xmlns:a="http://schemas.openxmlformats.org/drawingml/2006/main" xmlns:r="http://schemas.openxmlformats.org/officeDocument/2006/relationships" xmlns:p="http://schemas.openxmlformats.org/presentationml/2006/main">
   <p:cSld>
@@ -13345,6 +13377,77 @@
       </p:grpSpPr>
       <p:sp>
         <p:nvSpPr>
+          <p:cNvPr id="2" name="Title 1"/>
+          <p:cNvSpPr>
+            <a:spLocks noGrp="1"/>
+          </p:cNvSpPr>
+          <p:nvPr>
+            <p:ph type="title"/>
+          </p:nvPr>
+        </p:nvSpPr>
+        <p:spPr/>
+        <p:txBody>
+          <a:bodyPr/>
+          <a:lstStyle/>
+          <a:p>
+            <a:r>
+              <a:rPr lang="en-US"/>
+              <a:t>Assignments</a:t>
+            </a:r>
+          </a:p>
+        </p:txBody>
+      </p:sp>
+      <p:sp>
+        <p:nvSpPr>
+          <p:cNvPr id="3" name="Text Placeholder 2"/>
+          <p:cNvSpPr>
+            <a:spLocks noGrp="1"/>
+          </p:cNvSpPr>
+          <p:nvPr>
+            <p:ph type="body" idx="1"/>
+          </p:nvPr>
+        </p:nvSpPr>
+        <p:spPr/>
+        <p:txBody>
+          <a:bodyPr/>
+          <a:lstStyle/>
+          <a:p>
+            <a:endParaRPr lang="en-US"/>
+          </a:p>
+        </p:txBody>
+      </p:sp>
+    </p:spTree>
+    <p:extLst>
+      <p:ext uri="{BB962C8B-B14F-4D97-AF65-F5344CB8AC3E}">
+        <p14:creationId xmlns:p14="http://schemas.microsoft.com/office/powerpoint/2010/main" val="1410740005"/>
+      </p:ext>
+    </p:extLst>
+  </p:cSld>
+  <p:clrMapOvr>
+    <a:masterClrMapping/>
+  </p:clrMapOvr>
+</p:sld>
+</file>
+
+<file path=ppt/slides/slide49.xml><?xml version="1.0" encoding="utf-8"?>
+<p:sld xmlns:a="http://schemas.openxmlformats.org/drawingml/2006/main" xmlns:r="http://schemas.openxmlformats.org/officeDocument/2006/relationships" xmlns:p="http://schemas.openxmlformats.org/presentationml/2006/main">
+  <p:cSld>
+    <p:spTree>
+      <p:nvGrpSpPr>
+        <p:cNvPr id="1" name=""/>
+        <p:cNvGrpSpPr/>
+        <p:nvPr/>
+      </p:nvGrpSpPr>
+      <p:grpSpPr>
+        <a:xfrm>
+          <a:off x="0" y="0"/>
+          <a:ext cx="0" cy="0"/>
+          <a:chOff x="0" y="0"/>
+          <a:chExt cx="0" cy="0"/>
+        </a:xfrm>
+      </p:grpSpPr>
+      <p:sp>
+        <p:nvSpPr>
           <p:cNvPr id="4" name="Title 3"/>
           <p:cNvSpPr>
             <a:spLocks noGrp="1"/>
@@ -13359,7 +13462,7 @@
           <a:lstStyle/>
           <a:p>
             <a:r>
-              <a:rPr lang="en-US"/>
+              <a:rPr lang="en-US" dirty="0"/>
               <a:t>Assignments</a:t>
             </a:r>
           </a:p>
@@ -13381,15 +13484,41 @@
           <a:lstStyle/>
           <a:p>
             <a:r>
-              <a:rPr lang="en-US"/>
-              <a:t>Timestamp conversion</a:t>
-            </a:r>
-          </a:p>
-          <a:p>
-            <a:r>
-              <a:rPr lang="en-US"/>
+              <a:rPr lang="en-US" dirty="0"/>
               <a:t>Convert all events to .csv</a:t>
             </a:r>
+          </a:p>
+          <a:p>
+            <a:r>
+              <a:rPr lang="en-US" sz="2800" dirty="0"/>
+              <a:t>Find system on/off timestamp using </a:t>
+            </a:r>
+            <a:r>
+              <a:rPr lang="en-US" sz="2800" dirty="0" err="1"/>
+              <a:t>XMLstartlet</a:t>
+            </a:r>
+            <a:endParaRPr lang="en-US" sz="2800" dirty="0"/>
+          </a:p>
+          <a:p>
+            <a:r>
+              <a:rPr lang="en-US" dirty="0"/>
+              <a:t>Substitute </a:t>
+            </a:r>
+            <a:r>
+              <a:rPr lang="en-US" dirty="0" err="1"/>
+              <a:t>eventid</a:t>
+            </a:r>
+            <a:r>
+              <a:rPr lang="en-US"/>
+              <a:t> “4634”  </a:t>
+            </a:r>
+            <a:r>
+              <a:rPr lang="en-US" dirty="0"/>
+              <a:t>with “logoff”</a:t>
+            </a:r>
+          </a:p>
+          <a:p>
+            <a:endParaRPr lang="en-US" dirty="0"/>
           </a:p>
         </p:txBody>
       </p:sp>
@@ -13440,62 +13569,85 @@
           <a:p>
             <a:r>
               <a:rPr lang="en-US" dirty="0"/>
+              <a:t>Overview</a:t>
+            </a:r>
+          </a:p>
+        </p:txBody>
+      </p:sp>
+      <p:sp>
+        <p:nvSpPr>
+          <p:cNvPr id="3" name="Content Placeholder 2"/>
+          <p:cNvSpPr>
+            <a:spLocks noGrp="1"/>
+          </p:cNvSpPr>
+          <p:nvPr>
+            <p:ph idx="1"/>
+          </p:nvPr>
+        </p:nvSpPr>
+        <p:spPr/>
+        <p:txBody>
+          <a:bodyPr/>
+          <a:lstStyle/>
+          <a:p>
+            <a:r>
+              <a:rPr lang="en-US" dirty="0"/>
               <a:t>Get a copy of security event log</a:t>
             </a:r>
           </a:p>
-        </p:txBody>
-      </p:sp>
-      <p:pic>
-        <p:nvPicPr>
-          <p:cNvPr id="4" name="Picture 3"/>
-          <p:cNvPicPr>
-            <a:picLocks noChangeAspect="1"/>
-          </p:cNvPicPr>
-          <p:nvPr/>
-        </p:nvPicPr>
-        <p:blipFill>
-          <a:blip r:embed="rId3"/>
-          <a:stretch>
-            <a:fillRect/>
-          </a:stretch>
-        </p:blipFill>
-        <p:spPr>
-          <a:xfrm>
-            <a:off x="838200" y="2709806"/>
-            <a:ext cx="8767519" cy="1942504"/>
-          </a:xfrm>
-          <a:prstGeom prst="rect">
-            <a:avLst/>
-          </a:prstGeom>
-        </p:spPr>
-      </p:pic>
-      <p:sp>
-        <p:nvSpPr>
-          <p:cNvPr id="5" name="TextBox 4"/>
-          <p:cNvSpPr txBox="1"/>
-          <p:nvPr/>
-        </p:nvSpPr>
-        <p:spPr>
-          <a:xfrm>
-            <a:off x="838200" y="2321169"/>
-            <a:ext cx="4018280" cy="369332"/>
-          </a:xfrm>
-          <a:prstGeom prst="rect">
-            <a:avLst/>
-          </a:prstGeom>
-          <a:solidFill>
-            <a:srgbClr val="FFC000"/>
-          </a:solidFill>
-        </p:spPr>
-        <p:txBody>
-          <a:bodyPr wrap="none" rtlCol="0">
-            <a:spAutoFit/>
-          </a:bodyPr>
-          <a:lstStyle/>
-          <a:p>
-            <a:r>
-              <a:rPr lang="en-US"/>
-              <a:t>Exam security event logs for logon/logoff</a:t>
+          <a:p>
+            <a:r>
+              <a:rPr lang="en-US" dirty="0"/>
+              <a:t>Analyze the event log</a:t>
+            </a:r>
+          </a:p>
+          <a:p>
+            <a:pPr lvl="1"/>
+            <a:r>
+              <a:rPr lang="en-US" dirty="0"/>
+              <a:t>Install XML parser (</a:t>
+            </a:r>
+            <a:r>
+              <a:rPr lang="en-US" dirty="0" err="1"/>
+              <a:t>xmlstarlet</a:t>
+            </a:r>
+            <a:r>
+              <a:rPr lang="en-US" dirty="0"/>
+              <a:t>)</a:t>
+            </a:r>
+          </a:p>
+          <a:p>
+            <a:pPr lvl="1"/>
+            <a:r>
+              <a:rPr lang="en-US" dirty="0"/>
+              <a:t>Validating Security Event Log XML documents</a:t>
+            </a:r>
+          </a:p>
+          <a:p>
+            <a:pPr lvl="1"/>
+            <a:r>
+              <a:rPr lang="en-US" dirty="0"/>
+              <a:t>Display element structure of XML document </a:t>
+            </a:r>
+          </a:p>
+          <a:p>
+            <a:pPr lvl="1"/>
+            <a:r>
+              <a:rPr lang="en-US" dirty="0"/>
+              <a:t>Format XML document </a:t>
+            </a:r>
+          </a:p>
+          <a:p>
+            <a:pPr lvl="1"/>
+            <a:r>
+              <a:rPr lang="en-US" dirty="0"/>
+              <a:t>Query XML documents </a:t>
+            </a:r>
+          </a:p>
+          <a:p>
+            <a:pPr lvl="1"/>
+            <a:r>
+              <a:rPr lang="en-US" dirty="0"/>
+              <a:t>Modify or edit XML documents</a:t>
             </a:r>
           </a:p>
         </p:txBody>
@@ -13503,7 +13655,7 @@
     </p:spTree>
     <p:extLst>
       <p:ext uri="{BB962C8B-B14F-4D97-AF65-F5344CB8AC3E}">
-        <p14:creationId xmlns:p14="http://schemas.microsoft.com/office/powerpoint/2010/main" val="4272576379"/>
+        <p14:creationId xmlns:p14="http://schemas.microsoft.com/office/powerpoint/2010/main" val="4132490787"/>
       </p:ext>
     </p:extLst>
   </p:cSld>
@@ -13532,7 +13684,7 @@
       </p:grpSpPr>
       <p:sp>
         <p:nvSpPr>
-          <p:cNvPr id="4" name="Title 3"/>
+          <p:cNvPr id="2" name="Title 1"/>
           <p:cNvSpPr>
             <a:spLocks noGrp="1"/>
           </p:cNvSpPr>
@@ -13546,35 +13698,71 @@
           <a:lstStyle/>
           <a:p>
             <a:r>
-              <a:rPr lang="en-US"/>
-              <a:t>Install XML parser</a:t>
-            </a:r>
-          </a:p>
-        </p:txBody>
-      </p:sp>
-      <p:sp>
-        <p:nvSpPr>
-          <p:cNvPr id="5" name="Text Placeholder 4"/>
-          <p:cNvSpPr>
-            <a:spLocks noGrp="1"/>
-          </p:cNvSpPr>
-          <p:nvPr>
-            <p:ph type="body" idx="1"/>
-          </p:nvPr>
-        </p:nvSpPr>
-        <p:spPr/>
-        <p:txBody>
-          <a:bodyPr/>
-          <a:lstStyle/>
-          <a:p>
-            <a:endParaRPr lang="en-US"/>
+              <a:rPr lang="en-US" dirty="0"/>
+              <a:t>Get a copy of security event log</a:t>
+            </a:r>
+          </a:p>
+        </p:txBody>
+      </p:sp>
+      <p:pic>
+        <p:nvPicPr>
+          <p:cNvPr id="4" name="Picture 3"/>
+          <p:cNvPicPr>
+            <a:picLocks noChangeAspect="1"/>
+          </p:cNvPicPr>
+          <p:nvPr/>
+        </p:nvPicPr>
+        <p:blipFill>
+          <a:blip r:embed="rId3"/>
+          <a:stretch>
+            <a:fillRect/>
+          </a:stretch>
+        </p:blipFill>
+        <p:spPr>
+          <a:xfrm>
+            <a:off x="838200" y="2709806"/>
+            <a:ext cx="8767519" cy="1942504"/>
+          </a:xfrm>
+          <a:prstGeom prst="rect">
+            <a:avLst/>
+          </a:prstGeom>
+        </p:spPr>
+      </p:pic>
+      <p:sp>
+        <p:nvSpPr>
+          <p:cNvPr id="5" name="TextBox 4"/>
+          <p:cNvSpPr txBox="1"/>
+          <p:nvPr/>
+        </p:nvSpPr>
+        <p:spPr>
+          <a:xfrm>
+            <a:off x="838200" y="2321169"/>
+            <a:ext cx="4018280" cy="369332"/>
+          </a:xfrm>
+          <a:prstGeom prst="rect">
+            <a:avLst/>
+          </a:prstGeom>
+          <a:solidFill>
+            <a:srgbClr val="FFC000"/>
+          </a:solidFill>
+        </p:spPr>
+        <p:txBody>
+          <a:bodyPr wrap="none" rtlCol="0">
+            <a:spAutoFit/>
+          </a:bodyPr>
+          <a:lstStyle/>
+          <a:p>
+            <a:r>
+              <a:rPr lang="en-US"/>
+              <a:t>Exam security event logs for logon/logoff</a:t>
+            </a:r>
           </a:p>
         </p:txBody>
       </p:sp>
     </p:spTree>
     <p:extLst>
       <p:ext uri="{BB962C8B-B14F-4D97-AF65-F5344CB8AC3E}">
-        <p14:creationId xmlns:p14="http://schemas.microsoft.com/office/powerpoint/2010/main" val="1690331404"/>
+        <p14:creationId xmlns:p14="http://schemas.microsoft.com/office/powerpoint/2010/main" val="4272576379"/>
       </p:ext>
     </p:extLst>
   </p:cSld>
@@ -13617,6 +13805,77 @@
           <a:lstStyle/>
           <a:p>
             <a:r>
+              <a:rPr lang="en-US"/>
+              <a:t>Install XML parser</a:t>
+            </a:r>
+          </a:p>
+        </p:txBody>
+      </p:sp>
+      <p:sp>
+        <p:nvSpPr>
+          <p:cNvPr id="5" name="Text Placeholder 4"/>
+          <p:cNvSpPr>
+            <a:spLocks noGrp="1"/>
+          </p:cNvSpPr>
+          <p:nvPr>
+            <p:ph type="body" idx="1"/>
+          </p:nvPr>
+        </p:nvSpPr>
+        <p:spPr/>
+        <p:txBody>
+          <a:bodyPr/>
+          <a:lstStyle/>
+          <a:p>
+            <a:endParaRPr lang="en-US"/>
+          </a:p>
+        </p:txBody>
+      </p:sp>
+    </p:spTree>
+    <p:extLst>
+      <p:ext uri="{BB962C8B-B14F-4D97-AF65-F5344CB8AC3E}">
+        <p14:creationId xmlns:p14="http://schemas.microsoft.com/office/powerpoint/2010/main" val="1690331404"/>
+      </p:ext>
+    </p:extLst>
+  </p:cSld>
+  <p:clrMapOvr>
+    <a:masterClrMapping/>
+  </p:clrMapOvr>
+</p:sld>
+</file>
+
+<file path=ppt/slides/slide8.xml><?xml version="1.0" encoding="utf-8"?>
+<p:sld xmlns:a="http://schemas.openxmlformats.org/drawingml/2006/main" xmlns:r="http://schemas.openxmlformats.org/officeDocument/2006/relationships" xmlns:p="http://schemas.openxmlformats.org/presentationml/2006/main">
+  <p:cSld>
+    <p:spTree>
+      <p:nvGrpSpPr>
+        <p:cNvPr id="1" name=""/>
+        <p:cNvGrpSpPr/>
+        <p:nvPr/>
+      </p:nvGrpSpPr>
+      <p:grpSpPr>
+        <a:xfrm>
+          <a:off x="0" y="0"/>
+          <a:ext cx="0" cy="0"/>
+          <a:chOff x="0" y="0"/>
+          <a:chExt cx="0" cy="0"/>
+        </a:xfrm>
+      </p:grpSpPr>
+      <p:sp>
+        <p:nvSpPr>
+          <p:cNvPr id="4" name="Title 3"/>
+          <p:cNvSpPr>
+            <a:spLocks noGrp="1"/>
+          </p:cNvSpPr>
+          <p:nvPr>
+            <p:ph type="title"/>
+          </p:nvPr>
+        </p:nvSpPr>
+        <p:spPr/>
+        <p:txBody>
+          <a:bodyPr/>
+          <a:lstStyle/>
+          <a:p>
+            <a:r>
               <a:rPr lang="en-US" err="1"/>
               <a:t>xmlstarlet</a:t>
             </a:r>
@@ -13741,7 +14000,7 @@
 </p:sld>
 </file>
 
-<file path=ppt/slides/slide8.xml><?xml version="1.0" encoding="utf-8"?>
+<file path=ppt/slides/slide9.xml><?xml version="1.0" encoding="utf-8"?>
 <p:sld xmlns:a="http://schemas.openxmlformats.org/drawingml/2006/main" xmlns:r="http://schemas.openxmlformats.org/officeDocument/2006/relationships" xmlns:p="http://schemas.openxmlformats.org/presentationml/2006/main">
   <p:cSld>
     <p:spTree>
@@ -13924,60 +14183,6 @@
     <p:extLst>
       <p:ext uri="{BB962C8B-B14F-4D97-AF65-F5344CB8AC3E}">
         <p14:creationId xmlns:p14="http://schemas.microsoft.com/office/powerpoint/2010/main" val="3174242878"/>
-      </p:ext>
-    </p:extLst>
-  </p:cSld>
-  <p:clrMapOvr>
-    <a:masterClrMapping/>
-  </p:clrMapOvr>
-</p:sld>
-</file>
-
-<file path=ppt/slides/slide9.xml><?xml version="1.0" encoding="utf-8"?>
-<p:sld xmlns:a="http://schemas.openxmlformats.org/drawingml/2006/main" xmlns:r="http://schemas.openxmlformats.org/officeDocument/2006/relationships" xmlns:p="http://schemas.openxmlformats.org/presentationml/2006/main">
-  <p:cSld>
-    <p:spTree>
-      <p:nvGrpSpPr>
-        <p:cNvPr id="1" name=""/>
-        <p:cNvGrpSpPr/>
-        <p:nvPr/>
-      </p:nvGrpSpPr>
-      <p:grpSpPr>
-        <a:xfrm>
-          <a:off x="0" y="0"/>
-          <a:ext cx="0" cy="0"/>
-          <a:chOff x="0" y="0"/>
-          <a:chExt cx="0" cy="0"/>
-        </a:xfrm>
-      </p:grpSpPr>
-      <p:pic>
-        <p:nvPicPr>
-          <p:cNvPr id="3" name="Picture 2"/>
-          <p:cNvPicPr>
-            <a:picLocks noChangeAspect="1"/>
-          </p:cNvPicPr>
-          <p:nvPr/>
-        </p:nvPicPr>
-        <p:blipFill>
-          <a:blip r:embed="rId2"/>
-          <a:stretch>
-            <a:fillRect/>
-          </a:stretch>
-        </p:blipFill>
-        <p:spPr>
-          <a:xfrm>
-            <a:off x="2642522" y="186872"/>
-            <a:ext cx="8287651" cy="6542040"/>
-          </a:xfrm>
-          <a:prstGeom prst="rect">
-            <a:avLst/>
-          </a:prstGeom>
-        </p:spPr>
-      </p:pic>
-    </p:spTree>
-    <p:extLst>
-      <p:ext uri="{BB962C8B-B14F-4D97-AF65-F5344CB8AC3E}">
-        <p14:creationId xmlns:p14="http://schemas.microsoft.com/office/powerpoint/2010/main" val="2104393614"/>
       </p:ext>
     </p:extLst>
   </p:cSld>

--- a/NIST_Data_Leakage_Case/NIST_Data_Leakage_02._WinEvt_XML.pptx
+++ b/NIST_Data_Leakage_Case/NIST_Data_Leakage_02._WinEvt_XML.pptx
@@ -5,7 +5,7 @@
     <p:sldMasterId id="2147483648" r:id="rId1"/>
   </p:sldMasterIdLst>
   <p:notesMasterIdLst>
-    <p:notesMasterId r:id="rId51"/>
+    <p:notesMasterId r:id="rId52"/>
   </p:notesMasterIdLst>
   <p:sldIdLst>
     <p:sldId id="256" r:id="rId2"/>
@@ -14,49 +14,50 @@
     <p:sldId id="308" r:id="rId5"/>
     <p:sldId id="277" r:id="rId6"/>
     <p:sldId id="257" r:id="rId7"/>
-    <p:sldId id="278" r:id="rId8"/>
-    <p:sldId id="279" r:id="rId9"/>
-    <p:sldId id="259" r:id="rId10"/>
-    <p:sldId id="260" r:id="rId11"/>
-    <p:sldId id="305" r:id="rId12"/>
-    <p:sldId id="275" r:id="rId13"/>
-    <p:sldId id="276" r:id="rId14"/>
-    <p:sldId id="267" r:id="rId15"/>
-    <p:sldId id="261" r:id="rId16"/>
-    <p:sldId id="264" r:id="rId17"/>
-    <p:sldId id="265" r:id="rId18"/>
-    <p:sldId id="266" r:id="rId19"/>
-    <p:sldId id="271" r:id="rId20"/>
-    <p:sldId id="272" r:id="rId21"/>
-    <p:sldId id="273" r:id="rId22"/>
-    <p:sldId id="268" r:id="rId23"/>
-    <p:sldId id="263" r:id="rId24"/>
-    <p:sldId id="269" r:id="rId25"/>
-    <p:sldId id="280" r:id="rId26"/>
-    <p:sldId id="281" r:id="rId27"/>
-    <p:sldId id="282" r:id="rId28"/>
-    <p:sldId id="270" r:id="rId29"/>
-    <p:sldId id="274" r:id="rId30"/>
-    <p:sldId id="283" r:id="rId31"/>
-    <p:sldId id="284" r:id="rId32"/>
-    <p:sldId id="285" r:id="rId33"/>
-    <p:sldId id="286" r:id="rId34"/>
-    <p:sldId id="258" r:id="rId35"/>
-    <p:sldId id="288" r:id="rId36"/>
-    <p:sldId id="302" r:id="rId37"/>
-    <p:sldId id="296" r:id="rId38"/>
-    <p:sldId id="299" r:id="rId39"/>
-    <p:sldId id="301" r:id="rId40"/>
-    <p:sldId id="291" r:id="rId41"/>
-    <p:sldId id="293" r:id="rId42"/>
-    <p:sldId id="300" r:id="rId43"/>
-    <p:sldId id="298" r:id="rId44"/>
-    <p:sldId id="295" r:id="rId45"/>
-    <p:sldId id="303" r:id="rId46"/>
-    <p:sldId id="287" r:id="rId47"/>
-    <p:sldId id="290" r:id="rId48"/>
-    <p:sldId id="292" r:id="rId49"/>
-    <p:sldId id="304" r:id="rId50"/>
+    <p:sldId id="309" r:id="rId8"/>
+    <p:sldId id="278" r:id="rId9"/>
+    <p:sldId id="279" r:id="rId10"/>
+    <p:sldId id="259" r:id="rId11"/>
+    <p:sldId id="260" r:id="rId12"/>
+    <p:sldId id="305" r:id="rId13"/>
+    <p:sldId id="275" r:id="rId14"/>
+    <p:sldId id="276" r:id="rId15"/>
+    <p:sldId id="267" r:id="rId16"/>
+    <p:sldId id="261" r:id="rId17"/>
+    <p:sldId id="264" r:id="rId18"/>
+    <p:sldId id="265" r:id="rId19"/>
+    <p:sldId id="266" r:id="rId20"/>
+    <p:sldId id="271" r:id="rId21"/>
+    <p:sldId id="272" r:id="rId22"/>
+    <p:sldId id="273" r:id="rId23"/>
+    <p:sldId id="268" r:id="rId24"/>
+    <p:sldId id="263" r:id="rId25"/>
+    <p:sldId id="269" r:id="rId26"/>
+    <p:sldId id="280" r:id="rId27"/>
+    <p:sldId id="281" r:id="rId28"/>
+    <p:sldId id="282" r:id="rId29"/>
+    <p:sldId id="270" r:id="rId30"/>
+    <p:sldId id="274" r:id="rId31"/>
+    <p:sldId id="283" r:id="rId32"/>
+    <p:sldId id="284" r:id="rId33"/>
+    <p:sldId id="285" r:id="rId34"/>
+    <p:sldId id="286" r:id="rId35"/>
+    <p:sldId id="258" r:id="rId36"/>
+    <p:sldId id="288" r:id="rId37"/>
+    <p:sldId id="302" r:id="rId38"/>
+    <p:sldId id="296" r:id="rId39"/>
+    <p:sldId id="299" r:id="rId40"/>
+    <p:sldId id="301" r:id="rId41"/>
+    <p:sldId id="291" r:id="rId42"/>
+    <p:sldId id="293" r:id="rId43"/>
+    <p:sldId id="300" r:id="rId44"/>
+    <p:sldId id="298" r:id="rId45"/>
+    <p:sldId id="295" r:id="rId46"/>
+    <p:sldId id="303" r:id="rId47"/>
+    <p:sldId id="287" r:id="rId48"/>
+    <p:sldId id="290" r:id="rId49"/>
+    <p:sldId id="292" r:id="rId50"/>
+    <p:sldId id="304" r:id="rId51"/>
   </p:sldIdLst>
   <p:sldSz cx="12192000" cy="6858000"/>
   <p:notesSz cx="6858000" cy="9144000"/>
@@ -166,7 +167,7 @@
 <file path=ppt/revisionInfo.xml><?xml version="1.0" encoding="utf-8"?>
 <p1510:revInfo xmlns:a="http://schemas.openxmlformats.org/drawingml/2006/main" xmlns:r="http://schemas.openxmlformats.org/officeDocument/2006/relationships" xmlns:p1510="http://schemas.microsoft.com/office/powerpoint/2015/10/main">
   <p1510:revLst>
-    <p1510:client id="{1FE5BE91-3016-4039-8D51-36BC3D9F6FC1}" v="2" dt="2021-01-26T14:09:16.307"/>
+    <p1510:client id="{763D7CBC-195E-480C-A07D-648228AD4295}" v="3" dt="2021-09-21T01:55:42.552"/>
   </p1510:revLst>
 </p1510:revInfo>
 </file>
@@ -210,6 +211,129 @@
           <pc:docMk/>
           <pc:sldMk cId="3280354511" sldId="273"/>
         </pc:sldMkLst>
+      </pc:sldChg>
+    </pc:docChg>
+  </pc:docChgLst>
+  <pc:docChgLst>
+    <pc:chgData name="Weifeng Xu" userId="e7aed605-a3dd-4d5a-a692-a87037af107b" providerId="ADAL" clId="{763D7CBC-195E-480C-A07D-648228AD4295}"/>
+    <pc:docChg chg="undo custSel addSld modSld">
+      <pc:chgData name="Weifeng Xu" userId="e7aed605-a3dd-4d5a-a692-a87037af107b" providerId="ADAL" clId="{763D7CBC-195E-480C-A07D-648228AD4295}" dt="2021-09-21T01:56:20.722" v="364" actId="20577"/>
+      <pc:docMkLst>
+        <pc:docMk/>
+      </pc:docMkLst>
+      <pc:sldChg chg="addSp modSp mod">
+        <pc:chgData name="Weifeng Xu" userId="e7aed605-a3dd-4d5a-a692-a87037af107b" providerId="ADAL" clId="{763D7CBC-195E-480C-A07D-648228AD4295}" dt="2021-09-20T22:17:56.982" v="246" actId="20577"/>
+        <pc:sldMkLst>
+          <pc:docMk/>
+          <pc:sldMk cId="4272576379" sldId="257"/>
+        </pc:sldMkLst>
+        <pc:spChg chg="add mod">
+          <ac:chgData name="Weifeng Xu" userId="e7aed605-a3dd-4d5a-a692-a87037af107b" providerId="ADAL" clId="{763D7CBC-195E-480C-A07D-648228AD4295}" dt="2021-09-20T22:17:56.982" v="246" actId="20577"/>
+          <ac:spMkLst>
+            <pc:docMk/>
+            <pc:sldMk cId="4272576379" sldId="257"/>
+            <ac:spMk id="3" creationId="{D794352B-B7DB-4F2F-9E7A-1788BF39C2E1}"/>
+          </ac:spMkLst>
+        </pc:spChg>
+        <pc:spChg chg="mod">
+          <ac:chgData name="Weifeng Xu" userId="e7aed605-a3dd-4d5a-a692-a87037af107b" providerId="ADAL" clId="{763D7CBC-195E-480C-A07D-648228AD4295}" dt="2021-09-20T22:03:41.463" v="0" actId="1076"/>
+          <ac:spMkLst>
+            <pc:docMk/>
+            <pc:sldMk cId="4272576379" sldId="257"/>
+            <ac:spMk id="5" creationId="{00000000-0000-0000-0000-000000000000}"/>
+          </ac:spMkLst>
+        </pc:spChg>
+        <pc:picChg chg="mod">
+          <ac:chgData name="Weifeng Xu" userId="e7aed605-a3dd-4d5a-a692-a87037af107b" providerId="ADAL" clId="{763D7CBC-195E-480C-A07D-648228AD4295}" dt="2021-09-20T22:03:41.463" v="0" actId="1076"/>
+          <ac:picMkLst>
+            <pc:docMk/>
+            <pc:sldMk cId="4272576379" sldId="257"/>
+            <ac:picMk id="4" creationId="{00000000-0000-0000-0000-000000000000}"/>
+          </ac:picMkLst>
+        </pc:picChg>
+      </pc:sldChg>
+      <pc:sldChg chg="addSp modSp mod">
+        <pc:chgData name="Weifeng Xu" userId="e7aed605-a3dd-4d5a-a692-a87037af107b" providerId="ADAL" clId="{763D7CBC-195E-480C-A07D-648228AD4295}" dt="2021-09-21T01:43:10.068" v="283" actId="1076"/>
+        <pc:sldMkLst>
+          <pc:docMk/>
+          <pc:sldMk cId="3531219429" sldId="270"/>
+        </pc:sldMkLst>
+        <pc:spChg chg="add mod">
+          <ac:chgData name="Weifeng Xu" userId="e7aed605-a3dd-4d5a-a692-a87037af107b" providerId="ADAL" clId="{763D7CBC-195E-480C-A07D-648228AD4295}" dt="2021-09-21T01:43:10.068" v="283" actId="1076"/>
+          <ac:spMkLst>
+            <pc:docMk/>
+            <pc:sldMk cId="3531219429" sldId="270"/>
+            <ac:spMk id="4" creationId="{C08ED75A-BB81-4FCE-B5C7-CB1A9C89830C}"/>
+          </ac:spMkLst>
+        </pc:spChg>
+      </pc:sldChg>
+      <pc:sldChg chg="modSp mod">
+        <pc:chgData name="Weifeng Xu" userId="e7aed605-a3dd-4d5a-a692-a87037af107b" providerId="ADAL" clId="{763D7CBC-195E-480C-A07D-648228AD4295}" dt="2021-09-20T23:00:00.433" v="248" actId="114"/>
+        <pc:sldMkLst>
+          <pc:docMk/>
+          <pc:sldMk cId="1341317686" sldId="279"/>
+        </pc:sldMkLst>
+        <pc:spChg chg="mod">
+          <ac:chgData name="Weifeng Xu" userId="e7aed605-a3dd-4d5a-a692-a87037af107b" providerId="ADAL" clId="{763D7CBC-195E-480C-A07D-648228AD4295}" dt="2021-09-20T23:00:00.433" v="248" actId="114"/>
+          <ac:spMkLst>
+            <pc:docMk/>
+            <pc:sldMk cId="1341317686" sldId="279"/>
+            <ac:spMk id="4" creationId="{00000000-0000-0000-0000-000000000000}"/>
+          </ac:spMkLst>
+        </pc:spChg>
+      </pc:sldChg>
+      <pc:sldChg chg="modSp mod">
+        <pc:chgData name="Weifeng Xu" userId="e7aed605-a3dd-4d5a-a692-a87037af107b" providerId="ADAL" clId="{763D7CBC-195E-480C-A07D-648228AD4295}" dt="2021-09-21T01:38:33.277" v="281" actId="20577"/>
+        <pc:sldMkLst>
+          <pc:docMk/>
+          <pc:sldMk cId="575133242" sldId="282"/>
+        </pc:sldMkLst>
+        <pc:spChg chg="mod">
+          <ac:chgData name="Weifeng Xu" userId="e7aed605-a3dd-4d5a-a692-a87037af107b" providerId="ADAL" clId="{763D7CBC-195E-480C-A07D-648228AD4295}" dt="2021-09-21T01:38:33.277" v="281" actId="20577"/>
+          <ac:spMkLst>
+            <pc:docMk/>
+            <pc:sldMk cId="575133242" sldId="282"/>
+            <ac:spMk id="6" creationId="{00000000-0000-0000-0000-000000000000}"/>
+          </ac:spMkLst>
+        </pc:spChg>
+      </pc:sldChg>
+      <pc:sldChg chg="addSp modSp mod">
+        <pc:chgData name="Weifeng Xu" userId="e7aed605-a3dd-4d5a-a692-a87037af107b" providerId="ADAL" clId="{763D7CBC-195E-480C-A07D-648228AD4295}" dt="2021-09-21T01:56:20.722" v="364" actId="20577"/>
+        <pc:sldMkLst>
+          <pc:docMk/>
+          <pc:sldMk cId="245378617" sldId="296"/>
+        </pc:sldMkLst>
+        <pc:spChg chg="add mod">
+          <ac:chgData name="Weifeng Xu" userId="e7aed605-a3dd-4d5a-a692-a87037af107b" providerId="ADAL" clId="{763D7CBC-195E-480C-A07D-648228AD4295}" dt="2021-09-21T01:56:20.722" v="364" actId="20577"/>
+          <ac:spMkLst>
+            <pc:docMk/>
+            <pc:sldMk cId="245378617" sldId="296"/>
+            <ac:spMk id="3" creationId="{07357821-C5F7-4C3D-BD9C-52457382E87F}"/>
+          </ac:spMkLst>
+        </pc:spChg>
+      </pc:sldChg>
+      <pc:sldChg chg="addSp delSp modSp new mod modClrScheme chgLayout">
+        <pc:chgData name="Weifeng Xu" userId="e7aed605-a3dd-4d5a-a692-a87037af107b" providerId="ADAL" clId="{763D7CBC-195E-480C-A07D-648228AD4295}" dt="2021-09-20T22:10:29.834" v="82" actId="1076"/>
+        <pc:sldMkLst>
+          <pc:docMk/>
+          <pc:sldMk cId="322537141" sldId="309"/>
+        </pc:sldMkLst>
+        <pc:spChg chg="del">
+          <ac:chgData name="Weifeng Xu" userId="e7aed605-a3dd-4d5a-a692-a87037af107b" providerId="ADAL" clId="{763D7CBC-195E-480C-A07D-648228AD4295}" dt="2021-09-20T22:08:18.129" v="2" actId="700"/>
+          <ac:spMkLst>
+            <pc:docMk/>
+            <pc:sldMk cId="322537141" sldId="309"/>
+            <ac:spMk id="2" creationId="{C6506B05-32FD-4363-81D2-B5E922A2623B}"/>
+          </ac:spMkLst>
+        </pc:spChg>
+        <pc:picChg chg="add mod">
+          <ac:chgData name="Weifeng Xu" userId="e7aed605-a3dd-4d5a-a692-a87037af107b" providerId="ADAL" clId="{763D7CBC-195E-480C-A07D-648228AD4295}" dt="2021-09-20T22:10:29.834" v="82" actId="1076"/>
+          <ac:picMkLst>
+            <pc:docMk/>
+            <pc:sldMk cId="322537141" sldId="309"/>
+            <ac:picMk id="4" creationId="{5480A98E-07B1-4509-BB5B-E0C419FA4C22}"/>
+          </ac:picMkLst>
+        </pc:picChg>
       </pc:sldChg>
     </pc:docChg>
   </pc:docChgLst>
@@ -636,7 +760,7 @@
           <a:p>
             <a:fld id="{EE41F6E3-57F9-402E-BDBA-5B2DE11C8530}" type="datetimeFigureOut">
               <a:rPr lang="en-US" smtClean="0"/>
-              <a:t>2/25/2021</a:t>
+              <a:t>9/20/2021</a:t>
             </a:fld>
             <a:endParaRPr lang="en-US"/>
           </a:p>
@@ -1070,7 +1194,7 @@
           <a:p>
             <a:fld id="{DDBF98C7-164A-4723-84F0-B1E4B080DDEC}" type="slidenum">
               <a:rPr lang="en-US" smtClean="0"/>
-              <a:t>21</a:t>
+              <a:t>22</a:t>
             </a:fld>
             <a:endParaRPr lang="en-US"/>
           </a:p>
@@ -1157,7 +1281,7 @@
           <a:p>
             <a:fld id="{DDBF98C7-164A-4723-84F0-B1E4B080DDEC}" type="slidenum">
               <a:rPr lang="en-US" smtClean="0"/>
-              <a:t>26</a:t>
+              <a:t>27</a:t>
             </a:fld>
             <a:endParaRPr lang="en-US"/>
           </a:p>
@@ -1264,7 +1388,7 @@
           <a:p>
             <a:fld id="{DDBF98C7-164A-4723-84F0-B1E4B080DDEC}" type="slidenum">
               <a:rPr lang="en-US" smtClean="0"/>
-              <a:t>27</a:t>
+              <a:t>28</a:t>
             </a:fld>
             <a:endParaRPr lang="en-US"/>
           </a:p>
@@ -1328,33 +1452,33 @@
           <a:lstStyle/>
           <a:p>
             <a:r>
-              <a:rPr lang="en-US" err="1"/>
+              <a:rPr lang="en-US" dirty="0" err="1"/>
               <a:t>xmlstarlet</a:t>
             </a:r>
             <a:r>
-              <a:rPr lang="en-US"/>
+              <a:rPr lang="en-US" dirty="0"/>
               <a:t> </a:t>
             </a:r>
             <a:r>
-              <a:rPr lang="en-US" err="1"/>
+              <a:rPr lang="en-US" dirty="0" err="1"/>
               <a:t>sel</a:t>
             </a:r>
             <a:r>
-              <a:rPr lang="en-US"/>
+              <a:rPr lang="en-US" dirty="0"/>
               <a:t> -N x="http://schemas.microsoft.com/win/2004/08/events/event" -t -m "//</a:t>
             </a:r>
             <a:r>
-              <a:rPr lang="en-US" err="1"/>
+              <a:rPr lang="en-US" dirty="0" err="1"/>
               <a:t>x:TimeCreated</a:t>
             </a:r>
             <a:r>
-              <a:rPr lang="en-US"/>
+              <a:rPr lang="en-US" dirty="0"/>
               <a:t>" -c . -n SecurityEvt.xml</a:t>
             </a:r>
           </a:p>
           <a:p>
             <a:r>
-              <a:rPr lang="en-US"/>
+              <a:rPr lang="en-US" dirty="0"/>
               <a:t>http://xmlstar.sourceforge.net/doc/UG/xmlstarlet-ug.html#idm47077139523728</a:t>
             </a:r>
           </a:p>
@@ -1377,7 +1501,7 @@
           <a:p>
             <a:fld id="{DDBF98C7-164A-4723-84F0-B1E4B080DDEC}" type="slidenum">
               <a:rPr lang="en-US" smtClean="0"/>
-              <a:t>28</a:t>
+              <a:t>29</a:t>
             </a:fld>
             <a:endParaRPr lang="en-US"/>
           </a:p>
@@ -1484,7 +1608,7 @@
           <a:p>
             <a:fld id="{DDBF98C7-164A-4723-84F0-B1E4B080DDEC}" type="slidenum">
               <a:rPr lang="en-US" smtClean="0"/>
-              <a:t>29</a:t>
+              <a:t>30</a:t>
             </a:fld>
             <a:endParaRPr lang="en-US"/>
           </a:p>
@@ -1571,7 +1695,7 @@
           <a:p>
             <a:fld id="{DDBF98C7-164A-4723-84F0-B1E4B080DDEC}" type="slidenum">
               <a:rPr lang="en-US" smtClean="0"/>
-              <a:t>30</a:t>
+              <a:t>31</a:t>
             </a:fld>
             <a:endParaRPr lang="en-US"/>
           </a:p>
@@ -1666,7 +1790,7 @@
           <a:p>
             <a:fld id="{DDBF98C7-164A-4723-84F0-B1E4B080DDEC}" type="slidenum">
               <a:rPr lang="en-US" smtClean="0"/>
-              <a:t>31</a:t>
+              <a:t>32</a:t>
             </a:fld>
             <a:endParaRPr lang="en-US"/>
           </a:p>
@@ -1753,7 +1877,7 @@
           <a:p>
             <a:fld id="{DDBF98C7-164A-4723-84F0-B1E4B080DDEC}" type="slidenum">
               <a:rPr lang="en-US" smtClean="0"/>
-              <a:t>34</a:t>
+              <a:t>35</a:t>
             </a:fld>
             <a:endParaRPr lang="en-US"/>
           </a:p>
@@ -1852,7 +1976,7 @@
           <a:p>
             <a:fld id="{DDBF98C7-164A-4723-84F0-B1E4B080DDEC}" type="slidenum">
               <a:rPr lang="en-US" smtClean="0"/>
-              <a:t>36</a:t>
+              <a:t>37</a:t>
             </a:fld>
             <a:endParaRPr lang="en-US"/>
           </a:p>
@@ -1962,7 +2086,7 @@
           <a:p>
             <a:fld id="{DDBF98C7-164A-4723-84F0-B1E4B080DDEC}" type="slidenum">
               <a:rPr lang="en-US" smtClean="0"/>
-              <a:t>37</a:t>
+              <a:t>38</a:t>
             </a:fld>
             <a:endParaRPr lang="en-US"/>
           </a:p>
@@ -2164,7 +2288,7 @@
           <a:p>
             <a:fld id="{DDBF98C7-164A-4723-84F0-B1E4B080DDEC}" type="slidenum">
               <a:rPr lang="en-US" smtClean="0"/>
-              <a:t>38</a:t>
+              <a:t>39</a:t>
             </a:fld>
             <a:endParaRPr lang="en-US"/>
           </a:p>
@@ -2277,7 +2401,7 @@
           <a:p>
             <a:fld id="{DDBF98C7-164A-4723-84F0-B1E4B080DDEC}" type="slidenum">
               <a:rPr lang="en-US" smtClean="0"/>
-              <a:t>39</a:t>
+              <a:t>40</a:t>
             </a:fld>
             <a:endParaRPr lang="en-US"/>
           </a:p>
@@ -2371,7 +2495,7 @@
           <a:p>
             <a:fld id="{DDBF98C7-164A-4723-84F0-B1E4B080DDEC}" type="slidenum">
               <a:rPr lang="en-US" smtClean="0"/>
-              <a:t>40</a:t>
+              <a:t>41</a:t>
             </a:fld>
             <a:endParaRPr lang="en-US"/>
           </a:p>
@@ -2478,7 +2602,7 @@
           <a:p>
             <a:fld id="{DDBF98C7-164A-4723-84F0-B1E4B080DDEC}" type="slidenum">
               <a:rPr lang="en-US" smtClean="0"/>
-              <a:t>41</a:t>
+              <a:t>42</a:t>
             </a:fld>
             <a:endParaRPr lang="en-US"/>
           </a:p>
@@ -2594,7 +2718,7 @@
           <a:p>
             <a:fld id="{DDBF98C7-164A-4723-84F0-B1E4B080DDEC}" type="slidenum">
               <a:rPr lang="en-US" smtClean="0"/>
-              <a:t>42</a:t>
+              <a:t>43</a:t>
             </a:fld>
             <a:endParaRPr lang="en-US"/>
           </a:p>
@@ -2760,7 +2884,7 @@
           <a:p>
             <a:fld id="{DDBF98C7-164A-4723-84F0-B1E4B080DDEC}" type="slidenum">
               <a:rPr lang="en-US" smtClean="0"/>
-              <a:t>43</a:t>
+              <a:t>44</a:t>
             </a:fld>
             <a:endParaRPr lang="en-US"/>
           </a:p>
@@ -2853,7 +2977,7 @@
           <a:p>
             <a:fld id="{DDBF98C7-164A-4723-84F0-B1E4B080DDEC}" type="slidenum">
               <a:rPr lang="en-US" smtClean="0"/>
-              <a:t>46</a:t>
+              <a:t>47</a:t>
             </a:fld>
             <a:endParaRPr lang="en-US"/>
           </a:p>
@@ -2993,7 +3117,7 @@
           <a:p>
             <a:fld id="{DDBF98C7-164A-4723-84F0-B1E4B080DDEC}" type="slidenum">
               <a:rPr lang="en-US" smtClean="0"/>
-              <a:t>47</a:t>
+              <a:t>48</a:t>
             </a:fld>
             <a:endParaRPr lang="en-US"/>
           </a:p>
@@ -3057,15 +3181,15 @@
           <a:lstStyle/>
           <a:p>
             <a:r>
-              <a:rPr lang="en-US"/>
+              <a:rPr lang="en-US" dirty="0"/>
               <a:t>evtx_dump.py </a:t>
             </a:r>
             <a:r>
-              <a:rPr lang="en-US" err="1"/>
+              <a:rPr lang="en-US" dirty="0" err="1"/>
               <a:t>Security.evtx</a:t>
             </a:r>
             <a:r>
-              <a:rPr lang="en-US"/>
+              <a:rPr lang="en-US" dirty="0"/>
               <a:t> &gt; SecurityEvt.xml</a:t>
             </a:r>
           </a:p>
@@ -3152,14 +3276,14 @@
           <a:lstStyle/>
           <a:p>
             <a:r>
-              <a:rPr lang="en-US"/>
+              <a:rPr lang="en-US" dirty="0"/>
               <a:t>apt-get install </a:t>
             </a:r>
             <a:r>
-              <a:rPr lang="en-US" err="1"/>
+              <a:rPr lang="en-US" dirty="0" err="1"/>
               <a:t>xmlstarlet</a:t>
             </a:r>
-            <a:endParaRPr lang="en-US"/>
+            <a:endParaRPr lang="en-US" dirty="0"/>
           </a:p>
         </p:txBody>
       </p:sp>
@@ -3180,7 +3304,7 @@
           <a:p>
             <a:fld id="{DDBF98C7-164A-4723-84F0-B1E4B080DDEC}" type="slidenum">
               <a:rPr lang="en-US" smtClean="0"/>
-              <a:t>9</a:t>
+              <a:t>10</a:t>
             </a:fld>
             <a:endParaRPr lang="en-US"/>
           </a:p>
@@ -3267,7 +3391,7 @@
           <a:p>
             <a:fld id="{DDBF98C7-164A-4723-84F0-B1E4B080DDEC}" type="slidenum">
               <a:rPr lang="en-US" smtClean="0"/>
-              <a:t>11</a:t>
+              <a:t>12</a:t>
             </a:fld>
             <a:endParaRPr lang="en-US"/>
           </a:p>
@@ -3366,7 +3490,7 @@
           <a:p>
             <a:fld id="{DDBF98C7-164A-4723-84F0-B1E4B080DDEC}" type="slidenum">
               <a:rPr lang="en-US" smtClean="0"/>
-              <a:t>13</a:t>
+              <a:t>14</a:t>
             </a:fld>
             <a:endParaRPr lang="en-US"/>
           </a:p>
@@ -3470,7 +3594,7 @@
           <a:p>
             <a:fld id="{DDBF98C7-164A-4723-84F0-B1E4B080DDEC}" type="slidenum">
               <a:rPr lang="en-US" smtClean="0"/>
-              <a:t>15</a:t>
+              <a:t>16</a:t>
             </a:fld>
             <a:endParaRPr lang="en-US"/>
           </a:p>
@@ -3561,7 +3685,7 @@
           <a:p>
             <a:fld id="{DDBF98C7-164A-4723-84F0-B1E4B080DDEC}" type="slidenum">
               <a:rPr lang="en-US" smtClean="0"/>
-              <a:t>16</a:t>
+              <a:t>17</a:t>
             </a:fld>
             <a:endParaRPr lang="en-US"/>
           </a:p>
@@ -3652,7 +3776,7 @@
           <a:p>
             <a:fld id="{DDBF98C7-164A-4723-84F0-B1E4B080DDEC}" type="slidenum">
               <a:rPr lang="en-US" smtClean="0"/>
-              <a:t>18</a:t>
+              <a:t>19</a:t>
             </a:fld>
             <a:endParaRPr lang="en-US"/>
           </a:p>
@@ -3800,7 +3924,7 @@
           <a:p>
             <a:fld id="{4263717A-E3C1-4BED-ABE0-B7069385E023}" type="datetimeFigureOut">
               <a:rPr lang="en-US" smtClean="0"/>
-              <a:t>2/25/2021</a:t>
+              <a:t>9/20/2021</a:t>
             </a:fld>
             <a:endParaRPr lang="en-US"/>
           </a:p>
@@ -3973,7 +4097,7 @@
           <a:p>
             <a:fld id="{4263717A-E3C1-4BED-ABE0-B7069385E023}" type="datetimeFigureOut">
               <a:rPr lang="en-US" smtClean="0"/>
-              <a:t>2/25/2021</a:t>
+              <a:t>9/20/2021</a:t>
             </a:fld>
             <a:endParaRPr lang="en-US"/>
           </a:p>
@@ -4151,7 +4275,7 @@
           <a:p>
             <a:fld id="{4263717A-E3C1-4BED-ABE0-B7069385E023}" type="datetimeFigureOut">
               <a:rPr lang="en-US" smtClean="0"/>
-              <a:t>2/25/2021</a:t>
+              <a:t>9/20/2021</a:t>
             </a:fld>
             <a:endParaRPr lang="en-US"/>
           </a:p>
@@ -4319,7 +4443,7 @@
           <a:p>
             <a:fld id="{4263717A-E3C1-4BED-ABE0-B7069385E023}" type="datetimeFigureOut">
               <a:rPr lang="en-US" smtClean="0"/>
-              <a:t>2/25/2021</a:t>
+              <a:t>9/20/2021</a:t>
             </a:fld>
             <a:endParaRPr lang="en-US"/>
           </a:p>
@@ -4564,7 +4688,7 @@
           <a:p>
             <a:fld id="{4263717A-E3C1-4BED-ABE0-B7069385E023}" type="datetimeFigureOut">
               <a:rPr lang="en-US" smtClean="0"/>
-              <a:t>2/25/2021</a:t>
+              <a:t>9/20/2021</a:t>
             </a:fld>
             <a:endParaRPr lang="en-US"/>
           </a:p>
@@ -4793,7 +4917,7 @@
           <a:p>
             <a:fld id="{4263717A-E3C1-4BED-ABE0-B7069385E023}" type="datetimeFigureOut">
               <a:rPr lang="en-US" smtClean="0"/>
-              <a:t>2/25/2021</a:t>
+              <a:t>9/20/2021</a:t>
             </a:fld>
             <a:endParaRPr lang="en-US"/>
           </a:p>
@@ -5157,7 +5281,7 @@
           <a:p>
             <a:fld id="{4263717A-E3C1-4BED-ABE0-B7069385E023}" type="datetimeFigureOut">
               <a:rPr lang="en-US" smtClean="0"/>
-              <a:t>2/25/2021</a:t>
+              <a:t>9/20/2021</a:t>
             </a:fld>
             <a:endParaRPr lang="en-US"/>
           </a:p>
@@ -5274,7 +5398,7 @@
           <a:p>
             <a:fld id="{4263717A-E3C1-4BED-ABE0-B7069385E023}" type="datetimeFigureOut">
               <a:rPr lang="en-US" smtClean="0"/>
-              <a:t>2/25/2021</a:t>
+              <a:t>9/20/2021</a:t>
             </a:fld>
             <a:endParaRPr lang="en-US"/>
           </a:p>
@@ -5369,7 +5493,7 @@
           <a:p>
             <a:fld id="{4263717A-E3C1-4BED-ABE0-B7069385E023}" type="datetimeFigureOut">
               <a:rPr lang="en-US" smtClean="0"/>
-              <a:t>2/25/2021</a:t>
+              <a:t>9/20/2021</a:t>
             </a:fld>
             <a:endParaRPr lang="en-US"/>
           </a:p>
@@ -5644,7 +5768,7 @@
           <a:p>
             <a:fld id="{4263717A-E3C1-4BED-ABE0-B7069385E023}" type="datetimeFigureOut">
               <a:rPr lang="en-US" smtClean="0"/>
-              <a:t>2/25/2021</a:t>
+              <a:t>9/20/2021</a:t>
             </a:fld>
             <a:endParaRPr lang="en-US"/>
           </a:p>
@@ -5896,7 +6020,7 @@
           <a:p>
             <a:fld id="{4263717A-E3C1-4BED-ABE0-B7069385E023}" type="datetimeFigureOut">
               <a:rPr lang="en-US" smtClean="0"/>
-              <a:t>2/25/2021</a:t>
+              <a:t>9/20/2021</a:t>
             </a:fld>
             <a:endParaRPr lang="en-US"/>
           </a:p>
@@ -6107,7 +6231,7 @@
           <a:p>
             <a:fld id="{4263717A-E3C1-4BED-ABE0-B7069385E023}" type="datetimeFigureOut">
               <a:rPr lang="en-US" smtClean="0"/>
-              <a:t>2/25/2021</a:t>
+              <a:t>9/20/2021</a:t>
             </a:fld>
             <a:endParaRPr lang="en-US"/>
           </a:p>
@@ -6755,6 +6879,198 @@
       </p:grpSpPr>
       <p:pic>
         <p:nvPicPr>
+          <p:cNvPr id="5" name="Picture 4"/>
+          <p:cNvPicPr>
+            <a:picLocks noChangeAspect="1"/>
+          </p:cNvPicPr>
+          <p:nvPr/>
+        </p:nvPicPr>
+        <p:blipFill>
+          <a:blip r:embed="rId3"/>
+          <a:stretch>
+            <a:fillRect/>
+          </a:stretch>
+        </p:blipFill>
+        <p:spPr>
+          <a:xfrm>
+            <a:off x="1830277" y="2219704"/>
+            <a:ext cx="7035725" cy="1852037"/>
+          </a:xfrm>
+          <a:prstGeom prst="rect">
+            <a:avLst/>
+          </a:prstGeom>
+        </p:spPr>
+      </p:pic>
+      <p:sp>
+        <p:nvSpPr>
+          <p:cNvPr id="3" name="TextBox 3"/>
+          <p:cNvSpPr txBox="1"/>
+          <p:nvPr/>
+        </p:nvSpPr>
+        <p:spPr>
+          <a:xfrm>
+            <a:off x="1830277" y="1850372"/>
+            <a:ext cx="1804533" cy="369332"/>
+          </a:xfrm>
+          <a:prstGeom prst="rect">
+            <a:avLst/>
+          </a:prstGeom>
+          <a:solidFill>
+            <a:srgbClr val="FFC000"/>
+          </a:solidFill>
+        </p:spPr>
+        <p:txBody>
+          <a:bodyPr wrap="none" rtlCol="0">
+            <a:spAutoFit/>
+          </a:bodyPr>
+          <a:lstStyle>
+            <a:defPPr>
+              <a:defRPr lang="en-US"/>
+            </a:defPPr>
+            <a:lvl1pPr marL="0" algn="l" defTabSz="914400" rtl="0" eaLnBrk="1" latinLnBrk="0" hangingPunct="1">
+              <a:defRPr sz="1800" kern="1200">
+                <a:solidFill>
+                  <a:schemeClr val="tx1"/>
+                </a:solidFill>
+                <a:latin typeface="+mn-lt"/>
+                <a:ea typeface="+mn-ea"/>
+                <a:cs typeface="+mn-cs"/>
+              </a:defRPr>
+            </a:lvl1pPr>
+            <a:lvl2pPr marL="457200" algn="l" defTabSz="914400" rtl="0" eaLnBrk="1" latinLnBrk="0" hangingPunct="1">
+              <a:defRPr sz="1800" kern="1200">
+                <a:solidFill>
+                  <a:schemeClr val="tx1"/>
+                </a:solidFill>
+                <a:latin typeface="+mn-lt"/>
+                <a:ea typeface="+mn-ea"/>
+                <a:cs typeface="+mn-cs"/>
+              </a:defRPr>
+            </a:lvl2pPr>
+            <a:lvl3pPr marL="914400" algn="l" defTabSz="914400" rtl="0" eaLnBrk="1" latinLnBrk="0" hangingPunct="1">
+              <a:defRPr sz="1800" kern="1200">
+                <a:solidFill>
+                  <a:schemeClr val="tx1"/>
+                </a:solidFill>
+                <a:latin typeface="+mn-lt"/>
+                <a:ea typeface="+mn-ea"/>
+                <a:cs typeface="+mn-cs"/>
+              </a:defRPr>
+            </a:lvl3pPr>
+            <a:lvl4pPr marL="1371600" algn="l" defTabSz="914400" rtl="0" eaLnBrk="1" latinLnBrk="0" hangingPunct="1">
+              <a:defRPr sz="1800" kern="1200">
+                <a:solidFill>
+                  <a:schemeClr val="tx1"/>
+                </a:solidFill>
+                <a:latin typeface="+mn-lt"/>
+                <a:ea typeface="+mn-ea"/>
+                <a:cs typeface="+mn-cs"/>
+              </a:defRPr>
+            </a:lvl4pPr>
+            <a:lvl5pPr marL="1828800" algn="l" defTabSz="914400" rtl="0" eaLnBrk="1" latinLnBrk="0" hangingPunct="1">
+              <a:defRPr sz="1800" kern="1200">
+                <a:solidFill>
+                  <a:schemeClr val="tx1"/>
+                </a:solidFill>
+                <a:latin typeface="+mn-lt"/>
+                <a:ea typeface="+mn-ea"/>
+                <a:cs typeface="+mn-cs"/>
+              </a:defRPr>
+            </a:lvl5pPr>
+            <a:lvl6pPr marL="2286000" algn="l" defTabSz="914400" rtl="0" eaLnBrk="1" latinLnBrk="0" hangingPunct="1">
+              <a:defRPr sz="1800" kern="1200">
+                <a:solidFill>
+                  <a:schemeClr val="tx1"/>
+                </a:solidFill>
+                <a:latin typeface="+mn-lt"/>
+                <a:ea typeface="+mn-ea"/>
+                <a:cs typeface="+mn-cs"/>
+              </a:defRPr>
+            </a:lvl6pPr>
+            <a:lvl7pPr marL="2743200" algn="l" defTabSz="914400" rtl="0" eaLnBrk="1" latinLnBrk="0" hangingPunct="1">
+              <a:defRPr sz="1800" kern="1200">
+                <a:solidFill>
+                  <a:schemeClr val="tx1"/>
+                </a:solidFill>
+                <a:latin typeface="+mn-lt"/>
+                <a:ea typeface="+mn-ea"/>
+                <a:cs typeface="+mn-cs"/>
+              </a:defRPr>
+            </a:lvl7pPr>
+            <a:lvl8pPr marL="3200400" algn="l" defTabSz="914400" rtl="0" eaLnBrk="1" latinLnBrk="0" hangingPunct="1">
+              <a:defRPr sz="1800" kern="1200">
+                <a:solidFill>
+                  <a:schemeClr val="tx1"/>
+                </a:solidFill>
+                <a:latin typeface="+mn-lt"/>
+                <a:ea typeface="+mn-ea"/>
+                <a:cs typeface="+mn-cs"/>
+              </a:defRPr>
+            </a:lvl8pPr>
+            <a:lvl9pPr marL="3657600" algn="l" defTabSz="914400" rtl="0" eaLnBrk="1" latinLnBrk="0" hangingPunct="1">
+              <a:defRPr sz="1800" kern="1200">
+                <a:solidFill>
+                  <a:schemeClr val="tx1"/>
+                </a:solidFill>
+                <a:latin typeface="+mn-lt"/>
+                <a:ea typeface="+mn-ea"/>
+                <a:cs typeface="+mn-cs"/>
+              </a:defRPr>
+            </a:lvl9pPr>
+          </a:lstStyle>
+          <a:p>
+            <a:r>
+              <a:rPr lang="en-US"/>
+              <a:t>Install </a:t>
+            </a:r>
+            <a:r>
+              <a:rPr lang="en-US" i="1" err="1">
+                <a:solidFill>
+                  <a:srgbClr val="007DB5"/>
+                </a:solidFill>
+              </a:rPr>
+              <a:t>xmlstartlet</a:t>
+            </a:r>
+            <a:endParaRPr lang="en-US" i="1">
+              <a:solidFill>
+                <a:srgbClr val="007DB5"/>
+              </a:solidFill>
+            </a:endParaRPr>
+          </a:p>
+        </p:txBody>
+      </p:sp>
+    </p:spTree>
+    <p:extLst>
+      <p:ext uri="{BB962C8B-B14F-4D97-AF65-F5344CB8AC3E}">
+        <p14:creationId xmlns:p14="http://schemas.microsoft.com/office/powerpoint/2010/main" val="3174242878"/>
+      </p:ext>
+    </p:extLst>
+  </p:cSld>
+  <p:clrMapOvr>
+    <a:masterClrMapping/>
+  </p:clrMapOvr>
+</p:sld>
+</file>
+
+<file path=ppt/slides/slide11.xml><?xml version="1.0" encoding="utf-8"?>
+<p:sld xmlns:a="http://schemas.openxmlformats.org/drawingml/2006/main" xmlns:r="http://schemas.openxmlformats.org/officeDocument/2006/relationships" xmlns:p="http://schemas.openxmlformats.org/presentationml/2006/main">
+  <p:cSld>
+    <p:spTree>
+      <p:nvGrpSpPr>
+        <p:cNvPr id="1" name=""/>
+        <p:cNvGrpSpPr/>
+        <p:nvPr/>
+      </p:nvGrpSpPr>
+      <p:grpSpPr>
+        <a:xfrm>
+          <a:off x="0" y="0"/>
+          <a:ext cx="0" cy="0"/>
+          <a:chOff x="0" y="0"/>
+          <a:chExt cx="0" cy="0"/>
+        </a:xfrm>
+      </p:grpSpPr>
+      <p:pic>
+        <p:nvPicPr>
           <p:cNvPr id="3" name="Picture 2"/>
           <p:cNvPicPr>
             <a:picLocks noChangeAspect="1"/>
@@ -6790,7 +7106,7 @@
 </p:sld>
 </file>
 
-<file path=ppt/slides/slide11.xml><?xml version="1.0" encoding="utf-8"?>
+<file path=ppt/slides/slide12.xml><?xml version="1.0" encoding="utf-8"?>
 <p:sld xmlns:a="http://schemas.openxmlformats.org/drawingml/2006/main" xmlns:r="http://schemas.openxmlformats.org/officeDocument/2006/relationships" xmlns:p="http://schemas.openxmlformats.org/presentationml/2006/main">
   <p:cSld>
     <p:spTree>
@@ -7740,7 +8056,7 @@
 </p:sld>
 </file>
 
-<file path=ppt/slides/slide12.xml><?xml version="1.0" encoding="utf-8"?>
+<file path=ppt/slides/slide13.xml><?xml version="1.0" encoding="utf-8"?>
 <p:sld xmlns:a="http://schemas.openxmlformats.org/drawingml/2006/main" xmlns:r="http://schemas.openxmlformats.org/officeDocument/2006/relationships" xmlns:p="http://schemas.openxmlformats.org/presentationml/2006/main">
   <p:cSld>
     <p:spTree>
@@ -7819,7 +8135,7 @@
 </p:sld>
 </file>
 
-<file path=ppt/slides/slide13.xml><?xml version="1.0" encoding="utf-8"?>
+<file path=ppt/slides/slide14.xml><?xml version="1.0" encoding="utf-8"?>
 <p:sld xmlns:a="http://schemas.openxmlformats.org/drawingml/2006/main" xmlns:r="http://schemas.openxmlformats.org/officeDocument/2006/relationships" xmlns:p="http://schemas.openxmlformats.org/presentationml/2006/main">
   <p:cSld>
     <p:spTree>
@@ -7873,7 +8189,7 @@
 </p:sld>
 </file>
 
-<file path=ppt/slides/slide14.xml><?xml version="1.0" encoding="utf-8"?>
+<file path=ppt/slides/slide15.xml><?xml version="1.0" encoding="utf-8"?>
 <p:sld xmlns:a="http://schemas.openxmlformats.org/drawingml/2006/main" xmlns:r="http://schemas.openxmlformats.org/officeDocument/2006/relationships" xmlns:p="http://schemas.openxmlformats.org/presentationml/2006/main">
   <p:cSld>
     <p:spTree>
@@ -7964,7 +8280,7 @@
 </p:sld>
 </file>
 
-<file path=ppt/slides/slide15.xml><?xml version="1.0" encoding="utf-8"?>
+<file path=ppt/slides/slide16.xml><?xml version="1.0" encoding="utf-8"?>
 <p:sld xmlns:a="http://schemas.openxmlformats.org/drawingml/2006/main" xmlns:r="http://schemas.openxmlformats.org/officeDocument/2006/relationships" xmlns:p="http://schemas.openxmlformats.org/presentationml/2006/main">
   <p:cSld>
     <p:spTree>
@@ -8215,7 +8531,7 @@
 </p:sld>
 </file>
 
-<file path=ppt/slides/slide16.xml><?xml version="1.0" encoding="utf-8"?>
+<file path=ppt/slides/slide17.xml><?xml version="1.0" encoding="utf-8"?>
 <p:sld xmlns:a="http://schemas.openxmlformats.org/drawingml/2006/main" xmlns:r="http://schemas.openxmlformats.org/officeDocument/2006/relationships" xmlns:p="http://schemas.openxmlformats.org/presentationml/2006/main">
   <p:cSld>
     <p:spTree>
@@ -8269,7 +8585,7 @@
 </p:sld>
 </file>
 
-<file path=ppt/slides/slide17.xml><?xml version="1.0" encoding="utf-8"?>
+<file path=ppt/slides/slide18.xml><?xml version="1.0" encoding="utf-8"?>
 <p:sld xmlns:a="http://schemas.openxmlformats.org/drawingml/2006/main" xmlns:r="http://schemas.openxmlformats.org/officeDocument/2006/relationships" xmlns:p="http://schemas.openxmlformats.org/presentationml/2006/main">
   <p:cSld>
     <p:spTree>
@@ -8498,7 +8814,7 @@
 </p:sld>
 </file>
 
-<file path=ppt/slides/slide18.xml><?xml version="1.0" encoding="utf-8"?>
+<file path=ppt/slides/slide19.xml><?xml version="1.0" encoding="utf-8"?>
 <p:sld xmlns:a="http://schemas.openxmlformats.org/drawingml/2006/main" xmlns:r="http://schemas.openxmlformats.org/officeDocument/2006/relationships" xmlns:p="http://schemas.openxmlformats.org/presentationml/2006/main">
   <p:cSld>
     <p:spTree>
@@ -8727,90 +9043,6 @@
     <p:extLst>
       <p:ext uri="{BB962C8B-B14F-4D97-AF65-F5344CB8AC3E}">
         <p14:creationId xmlns:p14="http://schemas.microsoft.com/office/powerpoint/2010/main" val="3341397945"/>
-      </p:ext>
-    </p:extLst>
-  </p:cSld>
-  <p:clrMapOvr>
-    <a:masterClrMapping/>
-  </p:clrMapOvr>
-</p:sld>
-</file>
-
-<file path=ppt/slides/slide19.xml><?xml version="1.0" encoding="utf-8"?>
-<p:sld xmlns:a="http://schemas.openxmlformats.org/drawingml/2006/main" xmlns:r="http://schemas.openxmlformats.org/officeDocument/2006/relationships" xmlns:p="http://schemas.openxmlformats.org/presentationml/2006/main">
-  <p:cSld>
-    <p:spTree>
-      <p:nvGrpSpPr>
-        <p:cNvPr id="1" name=""/>
-        <p:cNvGrpSpPr/>
-        <p:nvPr/>
-      </p:nvGrpSpPr>
-      <p:grpSpPr>
-        <a:xfrm>
-          <a:off x="0" y="0"/>
-          <a:ext cx="0" cy="0"/>
-          <a:chOff x="0" y="0"/>
-          <a:chExt cx="0" cy="0"/>
-        </a:xfrm>
-      </p:grpSpPr>
-      <p:sp>
-        <p:nvSpPr>
-          <p:cNvPr id="2" name="Title 1"/>
-          <p:cNvSpPr>
-            <a:spLocks noGrp="1"/>
-          </p:cNvSpPr>
-          <p:nvPr>
-            <p:ph type="title"/>
-          </p:nvPr>
-        </p:nvSpPr>
-        <p:spPr/>
-        <p:txBody>
-          <a:bodyPr/>
-          <a:lstStyle/>
-          <a:p>
-            <a:r>
-              <a:rPr lang="en-US">
-                <a:solidFill>
-                  <a:srgbClr val="FF0000"/>
-                </a:solidFill>
-              </a:rPr>
-              <a:t>fo</a:t>
-            </a:r>
-            <a:r>
-              <a:rPr lang="en-US"/>
-              <a:t>rmat XML document</a:t>
-            </a:r>
-            <a:endParaRPr lang="en-US">
-              <a:solidFill>
-                <a:srgbClr val="FF0000"/>
-              </a:solidFill>
-            </a:endParaRPr>
-          </a:p>
-        </p:txBody>
-      </p:sp>
-      <p:sp>
-        <p:nvSpPr>
-          <p:cNvPr id="3" name="Text Placeholder 2"/>
-          <p:cNvSpPr>
-            <a:spLocks noGrp="1"/>
-          </p:cNvSpPr>
-          <p:nvPr>
-            <p:ph type="body" idx="1"/>
-          </p:nvPr>
-        </p:nvSpPr>
-        <p:spPr/>
-        <p:txBody>
-          <a:bodyPr/>
-          <a:lstStyle/>
-          <a:p>
-            <a:endParaRPr lang="en-US"/>
-          </a:p>
-        </p:txBody>
-      </p:sp>
-    </p:spTree>
-    <p:extLst>
-      <p:ext uri="{BB962C8B-B14F-4D97-AF65-F5344CB8AC3E}">
-        <p14:creationId xmlns:p14="http://schemas.microsoft.com/office/powerpoint/2010/main" val="1532368080"/>
       </p:ext>
     </p:extLst>
   </p:cSld>
@@ -9085,6 +9317,90 @@
           <a:chExt cx="0" cy="0"/>
         </a:xfrm>
       </p:grpSpPr>
+      <p:sp>
+        <p:nvSpPr>
+          <p:cNvPr id="2" name="Title 1"/>
+          <p:cNvSpPr>
+            <a:spLocks noGrp="1"/>
+          </p:cNvSpPr>
+          <p:nvPr>
+            <p:ph type="title"/>
+          </p:nvPr>
+        </p:nvSpPr>
+        <p:spPr/>
+        <p:txBody>
+          <a:bodyPr/>
+          <a:lstStyle/>
+          <a:p>
+            <a:r>
+              <a:rPr lang="en-US">
+                <a:solidFill>
+                  <a:srgbClr val="FF0000"/>
+                </a:solidFill>
+              </a:rPr>
+              <a:t>fo</a:t>
+            </a:r>
+            <a:r>
+              <a:rPr lang="en-US"/>
+              <a:t>rmat XML document</a:t>
+            </a:r>
+            <a:endParaRPr lang="en-US">
+              <a:solidFill>
+                <a:srgbClr val="FF0000"/>
+              </a:solidFill>
+            </a:endParaRPr>
+          </a:p>
+        </p:txBody>
+      </p:sp>
+      <p:sp>
+        <p:nvSpPr>
+          <p:cNvPr id="3" name="Text Placeholder 2"/>
+          <p:cNvSpPr>
+            <a:spLocks noGrp="1"/>
+          </p:cNvSpPr>
+          <p:nvPr>
+            <p:ph type="body" idx="1"/>
+          </p:nvPr>
+        </p:nvSpPr>
+        <p:spPr/>
+        <p:txBody>
+          <a:bodyPr/>
+          <a:lstStyle/>
+          <a:p>
+            <a:endParaRPr lang="en-US"/>
+          </a:p>
+        </p:txBody>
+      </p:sp>
+    </p:spTree>
+    <p:extLst>
+      <p:ext uri="{BB962C8B-B14F-4D97-AF65-F5344CB8AC3E}">
+        <p14:creationId xmlns:p14="http://schemas.microsoft.com/office/powerpoint/2010/main" val="1532368080"/>
+      </p:ext>
+    </p:extLst>
+  </p:cSld>
+  <p:clrMapOvr>
+    <a:masterClrMapping/>
+  </p:clrMapOvr>
+</p:sld>
+</file>
+
+<file path=ppt/slides/slide21.xml><?xml version="1.0" encoding="utf-8"?>
+<p:sld xmlns:a="http://schemas.openxmlformats.org/drawingml/2006/main" xmlns:r="http://schemas.openxmlformats.org/officeDocument/2006/relationships" xmlns:p="http://schemas.openxmlformats.org/presentationml/2006/main">
+  <p:cSld>
+    <p:spTree>
+      <p:nvGrpSpPr>
+        <p:cNvPr id="1" name=""/>
+        <p:cNvGrpSpPr/>
+        <p:nvPr/>
+      </p:nvGrpSpPr>
+      <p:grpSpPr>
+        <a:xfrm>
+          <a:off x="0" y="0"/>
+          <a:ext cx="0" cy="0"/>
+          <a:chOff x="0" y="0"/>
+          <a:chExt cx="0" cy="0"/>
+        </a:xfrm>
+      </p:grpSpPr>
       <p:pic>
         <p:nvPicPr>
           <p:cNvPr id="5" name="Picture 4"/>
@@ -9122,7 +9438,7 @@
 </p:sld>
 </file>
 
-<file path=ppt/slides/slide21.xml><?xml version="1.0" encoding="utf-8"?>
+<file path=ppt/slides/slide22.xml><?xml version="1.0" encoding="utf-8"?>
 <p:sld xmlns:a="http://schemas.openxmlformats.org/drawingml/2006/main" xmlns:r="http://schemas.openxmlformats.org/officeDocument/2006/relationships" xmlns:p="http://schemas.openxmlformats.org/presentationml/2006/main">
   <p:cSld>
     <p:spTree>
@@ -9176,7 +9492,7 @@
 </p:sld>
 </file>
 
-<file path=ppt/slides/slide22.xml><?xml version="1.0" encoding="utf-8"?>
+<file path=ppt/slides/slide23.xml><?xml version="1.0" encoding="utf-8"?>
 <p:sld xmlns:a="http://schemas.openxmlformats.org/drawingml/2006/main" xmlns:r="http://schemas.openxmlformats.org/officeDocument/2006/relationships" xmlns:p="http://schemas.openxmlformats.org/presentationml/2006/main">
   <p:cSld>
     <p:spTree>
@@ -9268,7 +9584,7 @@
 </p:sld>
 </file>
 
-<file path=ppt/slides/slide23.xml><?xml version="1.0" encoding="utf-8"?>
+<file path=ppt/slides/slide24.xml><?xml version="1.0" encoding="utf-8"?>
 <p:sld xmlns:a="http://schemas.openxmlformats.org/drawingml/2006/main" xmlns:r="http://schemas.openxmlformats.org/officeDocument/2006/relationships" xmlns:p="http://schemas.openxmlformats.org/presentationml/2006/main">
   <p:cSld>
     <p:spTree>
@@ -9321,7 +9637,7 @@
 </p:sld>
 </file>
 
-<file path=ppt/slides/slide24.xml><?xml version="1.0" encoding="utf-8"?>
+<file path=ppt/slides/slide25.xml><?xml version="1.0" encoding="utf-8"?>
 <p:sld xmlns:a="http://schemas.openxmlformats.org/drawingml/2006/main" xmlns:r="http://schemas.openxmlformats.org/officeDocument/2006/relationships" xmlns:p="http://schemas.openxmlformats.org/presentationml/2006/main">
   <p:cSld>
     <p:spTree>
@@ -9407,7 +9723,7 @@
 </p:sld>
 </file>
 
-<file path=ppt/slides/slide25.xml><?xml version="1.0" encoding="utf-8"?>
+<file path=ppt/slides/slide26.xml><?xml version="1.0" encoding="utf-8"?>
 <p:sld xmlns:a="http://schemas.openxmlformats.org/drawingml/2006/main" xmlns:r="http://schemas.openxmlformats.org/officeDocument/2006/relationships" xmlns:p="http://schemas.openxmlformats.org/presentationml/2006/main">
   <p:cSld>
     <p:spTree>
@@ -9600,7 +9916,7 @@
 </p:sld>
 </file>
 
-<file path=ppt/slides/slide26.xml><?xml version="1.0" encoding="utf-8"?>
+<file path=ppt/slides/slide27.xml><?xml version="1.0" encoding="utf-8"?>
 <p:sld xmlns:a="http://schemas.openxmlformats.org/drawingml/2006/main" xmlns:r="http://schemas.openxmlformats.org/officeDocument/2006/relationships" xmlns:p="http://schemas.openxmlformats.org/presentationml/2006/main">
   <p:cSld>
     <p:spTree>
@@ -9941,7 +10257,7 @@
 </p:sld>
 </file>
 
-<file path=ppt/slides/slide27.xml><?xml version="1.0" encoding="utf-8"?>
+<file path=ppt/slides/slide28.xml><?xml version="1.0" encoding="utf-8"?>
 <p:sld xmlns:a="http://schemas.openxmlformats.org/drawingml/2006/main" xmlns:r="http://schemas.openxmlformats.org/officeDocument/2006/relationships" xmlns:p="http://schemas.openxmlformats.org/presentationml/2006/main">
   <p:cSld>
     <p:spTree>
@@ -10209,7 +10525,7 @@
         <p:spPr>
           <a:xfrm>
             <a:off x="769479" y="412988"/>
-            <a:ext cx="6829498" cy="369332"/>
+            <a:ext cx="9298508" cy="369332"/>
           </a:xfrm>
           <a:prstGeom prst="rect">
             <a:avLst/>
@@ -10225,16 +10541,16 @@
           <a:lstStyle/>
           <a:p>
             <a:r>
-              <a:rPr lang="en-US"/>
-              <a:t>Select the first event by matching the </a:t>
-            </a:r>
-            <a:r>
-              <a:rPr lang="en-US" err="1"/>
+              <a:rPr lang="en-US" dirty="0"/>
+              <a:t>Select the first event by using template to match the </a:t>
+            </a:r>
+            <a:r>
+              <a:rPr lang="en-US" dirty="0" err="1"/>
               <a:t>xpath</a:t>
             </a:r>
             <a:r>
-              <a:rPr lang="en-US"/>
-              <a:t> and print the context node</a:t>
+              <a:rPr lang="en-US" dirty="0"/>
+              <a:t> and print the copy of the context node</a:t>
             </a:r>
           </a:p>
         </p:txBody>
@@ -10495,7 +10811,7 @@
 </p:sld>
 </file>
 
-<file path=ppt/slides/slide28.xml><?xml version="1.0" encoding="utf-8"?>
+<file path=ppt/slides/slide29.xml><?xml version="1.0" encoding="utf-8"?>
 <p:sld xmlns:a="http://schemas.openxmlformats.org/drawingml/2006/main" xmlns:r="http://schemas.openxmlformats.org/officeDocument/2006/relationships" xmlns:p="http://schemas.openxmlformats.org/presentationml/2006/main">
   <p:cSld>
     <p:spTree>
@@ -10575,69 +10891,21 @@
           </a:p>
         </p:txBody>
       </p:sp>
-    </p:spTree>
-    <p:extLst>
-      <p:ext uri="{BB962C8B-B14F-4D97-AF65-F5344CB8AC3E}">
-        <p14:creationId xmlns:p14="http://schemas.microsoft.com/office/powerpoint/2010/main" val="3531219429"/>
-      </p:ext>
-    </p:extLst>
-  </p:cSld>
-  <p:clrMapOvr>
-    <a:masterClrMapping/>
-  </p:clrMapOvr>
-</p:sld>
-</file>
-
-<file path=ppt/slides/slide29.xml><?xml version="1.0" encoding="utf-8"?>
-<p:sld xmlns:a="http://schemas.openxmlformats.org/drawingml/2006/main" xmlns:r="http://schemas.openxmlformats.org/officeDocument/2006/relationships" xmlns:p="http://schemas.openxmlformats.org/presentationml/2006/main">
-  <p:cSld>
-    <p:spTree>
-      <p:nvGrpSpPr>
-        <p:cNvPr id="1" name=""/>
-        <p:cNvGrpSpPr/>
-        <p:nvPr/>
-      </p:nvGrpSpPr>
-      <p:grpSpPr>
-        <a:xfrm>
-          <a:off x="0" y="0"/>
-          <a:ext cx="0" cy="0"/>
-          <a:chOff x="0" y="0"/>
-          <a:chExt cx="0" cy="0"/>
-        </a:xfrm>
-      </p:grpSpPr>
-      <p:pic>
-        <p:nvPicPr>
-          <p:cNvPr id="2" name="Picture 1"/>
-          <p:cNvPicPr>
-            <a:picLocks noChangeAspect="1"/>
-          </p:cNvPicPr>
+      <p:sp>
+        <p:nvSpPr>
+          <p:cNvPr id="4" name="Rectangle 3">
+            <a:extLst>
+              <a:ext uri="{FF2B5EF4-FFF2-40B4-BE49-F238E27FC236}">
+                <a16:creationId xmlns:a16="http://schemas.microsoft.com/office/drawing/2014/main" id="{C08ED75A-BB81-4FCE-B5C7-CB1A9C89830C}"/>
+              </a:ext>
+            </a:extLst>
+          </p:cNvPr>
+          <p:cNvSpPr/>
           <p:nvPr/>
-        </p:nvPicPr>
-        <p:blipFill>
-          <a:blip r:embed="rId3"/>
-          <a:stretch>
-            <a:fillRect/>
-          </a:stretch>
-        </p:blipFill>
+        </p:nvSpPr>
         <p:spPr>
           <a:xfrm>
-            <a:off x="483471" y="2123658"/>
-            <a:ext cx="11164554" cy="3952382"/>
-          </a:xfrm>
-          <a:prstGeom prst="rect">
-            <a:avLst/>
-          </a:prstGeom>
-        </p:spPr>
-      </p:pic>
-      <p:sp>
-        <p:nvSpPr>
-          <p:cNvPr id="3" name="Rectangle 2"/>
-          <p:cNvSpPr/>
-          <p:nvPr/>
-        </p:nvSpPr>
-        <p:spPr>
-          <a:xfrm>
-            <a:off x="7172727" y="2960214"/>
+            <a:off x="6395127" y="2557014"/>
             <a:ext cx="1846916" cy="369332"/>
           </a:xfrm>
           <a:prstGeom prst="rect">
@@ -10671,113 +10939,10 @@
           </a:p>
         </p:txBody>
       </p:sp>
-      <p:sp>
-        <p:nvSpPr>
-          <p:cNvPr id="4" name="TextBox 3"/>
-          <p:cNvSpPr txBox="1"/>
-          <p:nvPr/>
-        </p:nvSpPr>
-        <p:spPr>
-          <a:xfrm>
-            <a:off x="483471" y="1754326"/>
-            <a:ext cx="5369547" cy="369332"/>
-          </a:xfrm>
-          <a:prstGeom prst="rect">
-            <a:avLst/>
-          </a:prstGeom>
-          <a:solidFill>
-            <a:srgbClr val="FFC000"/>
-          </a:solidFill>
-        </p:spPr>
-        <p:txBody>
-          <a:bodyPr wrap="none" rtlCol="0">
-            <a:spAutoFit/>
-          </a:bodyPr>
-          <a:lstStyle/>
-          <a:p>
-            <a:r>
-              <a:rPr lang="en-US"/>
-              <a:t>Select a property of </a:t>
-            </a:r>
-            <a:r>
-              <a:rPr lang="en-US" err="1"/>
-              <a:t>EventID</a:t>
-            </a:r>
-            <a:r>
-              <a:rPr lang="en-US"/>
-              <a:t> and print the context node</a:t>
-            </a:r>
-          </a:p>
-        </p:txBody>
-      </p:sp>
-      <p:sp>
-        <p:nvSpPr>
-          <p:cNvPr id="5" name="Rectangle 4"/>
-          <p:cNvSpPr/>
-          <p:nvPr/>
-        </p:nvSpPr>
-        <p:spPr>
-          <a:xfrm>
-            <a:off x="7107363" y="359172"/>
-            <a:ext cx="4540662" cy="1754326"/>
-          </a:xfrm>
-          <a:prstGeom prst="rect">
-            <a:avLst/>
-          </a:prstGeom>
-          <a:solidFill>
-            <a:schemeClr val="accent4">
-              <a:lumMod val="20000"/>
-              <a:lumOff val="80000"/>
-            </a:schemeClr>
-          </a:solidFill>
-        </p:spPr>
-        <p:txBody>
-          <a:bodyPr wrap="square">
-            <a:spAutoFit/>
-          </a:bodyPr>
-          <a:lstStyle/>
-          <a:p>
-            <a:r>
-              <a:rPr lang="en-US"/>
-              <a:t>4608 (Windows is starting up)</a:t>
-            </a:r>
-          </a:p>
-          <a:p>
-            <a:r>
-              <a:rPr lang="en-US"/>
-              <a:t>1100 (service shutdown)</a:t>
-            </a:r>
-          </a:p>
-          <a:p>
-            <a:r>
-              <a:rPr lang="en-US"/>
-              <a:t>4624 (successful logon)</a:t>
-            </a:r>
-          </a:p>
-          <a:p>
-            <a:r>
-              <a:rPr lang="en-US"/>
-              <a:t>4634 (logoff)</a:t>
-            </a:r>
-          </a:p>
-          <a:p>
-            <a:r>
-              <a:rPr lang="en-US"/>
-              <a:t>4625 (logon failure)</a:t>
-            </a:r>
-          </a:p>
-          <a:p>
-            <a:r>
-              <a:rPr lang="en-US"/>
-              <a:t>4647 (a user initiated the logoff process)...</a:t>
-            </a:r>
-          </a:p>
-        </p:txBody>
-      </p:sp>
     </p:spTree>
     <p:extLst>
       <p:ext uri="{BB962C8B-B14F-4D97-AF65-F5344CB8AC3E}">
-        <p14:creationId xmlns:p14="http://schemas.microsoft.com/office/powerpoint/2010/main" val="2884910"/>
+        <p14:creationId xmlns:p14="http://schemas.microsoft.com/office/powerpoint/2010/main" val="3531219429"/>
       </p:ext>
     </p:extLst>
   </p:cSld>
@@ -10914,95 +11079,179 @@
           <a:chExt cx="0" cy="0"/>
         </a:xfrm>
       </p:grpSpPr>
-      <p:sp>
-        <p:nvSpPr>
-          <p:cNvPr id="2" name="Title 1"/>
-          <p:cNvSpPr>
-            <a:spLocks noGrp="1"/>
-          </p:cNvSpPr>
-          <p:nvPr>
-            <p:ph type="title"/>
-          </p:nvPr>
-        </p:nvSpPr>
-        <p:spPr/>
-        <p:txBody>
-          <a:bodyPr/>
-          <a:lstStyle/>
-          <a:p>
-            <a:r>
-              <a:rPr lang="en-US" dirty="0"/>
-              <a:t>Substitute </a:t>
-            </a:r>
-            <a:r>
-              <a:rPr lang="en-US" i="1" dirty="0" err="1">
-                <a:solidFill>
-                  <a:srgbClr val="7030A0"/>
-                </a:solidFill>
-              </a:rPr>
-              <a:t>xmlstarlet</a:t>
-            </a:r>
-            <a:r>
-              <a:rPr lang="en-US" i="1" dirty="0">
-                <a:solidFill>
-                  <a:srgbClr val="7030A0"/>
-                </a:solidFill>
-              </a:rPr>
-              <a:t> </a:t>
-            </a:r>
-            <a:r>
-              <a:rPr lang="en-US" i="1" dirty="0" err="1">
+      <p:pic>
+        <p:nvPicPr>
+          <p:cNvPr id="2" name="Picture 1"/>
+          <p:cNvPicPr>
+            <a:picLocks noChangeAspect="1"/>
+          </p:cNvPicPr>
+          <p:nvPr/>
+        </p:nvPicPr>
+        <p:blipFill>
+          <a:blip r:embed="rId3"/>
+          <a:stretch>
+            <a:fillRect/>
+          </a:stretch>
+        </p:blipFill>
+        <p:spPr>
+          <a:xfrm>
+            <a:off x="483471" y="2123658"/>
+            <a:ext cx="11164554" cy="3952382"/>
+          </a:xfrm>
+          <a:prstGeom prst="rect">
+            <a:avLst/>
+          </a:prstGeom>
+        </p:spPr>
+      </p:pic>
+      <p:sp>
+        <p:nvSpPr>
+          <p:cNvPr id="3" name="Rectangle 2"/>
+          <p:cNvSpPr/>
+          <p:nvPr/>
+        </p:nvSpPr>
+        <p:spPr>
+          <a:xfrm>
+            <a:off x="7172727" y="2960214"/>
+            <a:ext cx="1846916" cy="369332"/>
+          </a:xfrm>
+          <a:prstGeom prst="rect">
+            <a:avLst/>
+          </a:prstGeom>
+          <a:solidFill>
+            <a:schemeClr val="accent4">
+              <a:lumMod val="20000"/>
+              <a:lumOff val="80000"/>
+            </a:schemeClr>
+          </a:solidFill>
+        </p:spPr>
+        <p:txBody>
+          <a:bodyPr wrap="none">
+            <a:spAutoFit/>
+          </a:bodyPr>
+          <a:lstStyle/>
+          <a:p>
+            <a:r>
+              <a:rPr lang="en-US" b="1">
                 <a:solidFill>
                   <a:srgbClr val="FF0000"/>
                 </a:solidFill>
               </a:rPr>
-              <a:t>sel</a:t>
-            </a:r>
-            <a:r>
-              <a:rPr lang="en-US" i="1" dirty="0">
-                <a:solidFill>
-                  <a:srgbClr val="FF0000"/>
-                </a:solidFill>
-              </a:rPr>
-              <a:t> </a:t>
-            </a:r>
-            <a:r>
-              <a:rPr lang="en-US" dirty="0"/>
-              <a:t>results using </a:t>
-            </a:r>
-            <a:r>
-              <a:rPr lang="en-US" dirty="0">
-                <a:solidFill>
-                  <a:srgbClr val="FF0000"/>
-                </a:solidFill>
-              </a:rPr>
-              <a:t>sed</a:t>
-            </a:r>
-          </a:p>
-        </p:txBody>
-      </p:sp>
-      <p:sp>
-        <p:nvSpPr>
-          <p:cNvPr id="3" name="Text Placeholder 2"/>
-          <p:cNvSpPr>
-            <a:spLocks noGrp="1"/>
-          </p:cNvSpPr>
-          <p:nvPr>
-            <p:ph type="body" idx="1"/>
-          </p:nvPr>
-        </p:nvSpPr>
-        <p:spPr/>
-        <p:txBody>
-          <a:bodyPr/>
-          <a:lstStyle/>
-          <a:p>
-            <a:endParaRPr lang="en-US"/>
+              <a:t>-n</a:t>
+            </a:r>
+            <a:r>
+              <a:rPr lang="en-US"/>
+              <a:t>:  print new line</a:t>
+            </a:r>
+          </a:p>
+        </p:txBody>
+      </p:sp>
+      <p:sp>
+        <p:nvSpPr>
+          <p:cNvPr id="4" name="TextBox 3"/>
+          <p:cNvSpPr txBox="1"/>
+          <p:nvPr/>
+        </p:nvSpPr>
+        <p:spPr>
+          <a:xfrm>
+            <a:off x="483471" y="1754326"/>
+            <a:ext cx="5369547" cy="369332"/>
+          </a:xfrm>
+          <a:prstGeom prst="rect">
+            <a:avLst/>
+          </a:prstGeom>
+          <a:solidFill>
+            <a:srgbClr val="FFC000"/>
+          </a:solidFill>
+        </p:spPr>
+        <p:txBody>
+          <a:bodyPr wrap="none" rtlCol="0">
+            <a:spAutoFit/>
+          </a:bodyPr>
+          <a:lstStyle/>
+          <a:p>
+            <a:r>
+              <a:rPr lang="en-US"/>
+              <a:t>Select a property of </a:t>
+            </a:r>
+            <a:r>
+              <a:rPr lang="en-US" err="1"/>
+              <a:t>EventID</a:t>
+            </a:r>
+            <a:r>
+              <a:rPr lang="en-US"/>
+              <a:t> and print the context node</a:t>
+            </a:r>
+          </a:p>
+        </p:txBody>
+      </p:sp>
+      <p:sp>
+        <p:nvSpPr>
+          <p:cNvPr id="5" name="Rectangle 4"/>
+          <p:cNvSpPr/>
+          <p:nvPr/>
+        </p:nvSpPr>
+        <p:spPr>
+          <a:xfrm>
+            <a:off x="7107363" y="359172"/>
+            <a:ext cx="4540662" cy="1754326"/>
+          </a:xfrm>
+          <a:prstGeom prst="rect">
+            <a:avLst/>
+          </a:prstGeom>
+          <a:solidFill>
+            <a:schemeClr val="accent4">
+              <a:lumMod val="20000"/>
+              <a:lumOff val="80000"/>
+            </a:schemeClr>
+          </a:solidFill>
+        </p:spPr>
+        <p:txBody>
+          <a:bodyPr wrap="square">
+            <a:spAutoFit/>
+          </a:bodyPr>
+          <a:lstStyle/>
+          <a:p>
+            <a:r>
+              <a:rPr lang="en-US"/>
+              <a:t>4608 (Windows is starting up)</a:t>
+            </a:r>
+          </a:p>
+          <a:p>
+            <a:r>
+              <a:rPr lang="en-US"/>
+              <a:t>1100 (service shutdown)</a:t>
+            </a:r>
+          </a:p>
+          <a:p>
+            <a:r>
+              <a:rPr lang="en-US"/>
+              <a:t>4624 (successful logon)</a:t>
+            </a:r>
+          </a:p>
+          <a:p>
+            <a:r>
+              <a:rPr lang="en-US"/>
+              <a:t>4634 (logoff)</a:t>
+            </a:r>
+          </a:p>
+          <a:p>
+            <a:r>
+              <a:rPr lang="en-US"/>
+              <a:t>4625 (logon failure)</a:t>
+            </a:r>
+          </a:p>
+          <a:p>
+            <a:r>
+              <a:rPr lang="en-US"/>
+              <a:t>4647 (a user initiated the logoff process)...</a:t>
+            </a:r>
           </a:p>
         </p:txBody>
       </p:sp>
     </p:spTree>
     <p:extLst>
       <p:ext uri="{BB962C8B-B14F-4D97-AF65-F5344CB8AC3E}">
-        <p14:creationId xmlns:p14="http://schemas.microsoft.com/office/powerpoint/2010/main" val="2819587148"/>
+        <p14:creationId xmlns:p14="http://schemas.microsoft.com/office/powerpoint/2010/main" val="2884910"/>
       </p:ext>
     </p:extLst>
   </p:cSld>
@@ -11031,6 +11280,121 @@
       </p:grpSpPr>
       <p:sp>
         <p:nvSpPr>
+          <p:cNvPr id="2" name="Title 1"/>
+          <p:cNvSpPr>
+            <a:spLocks noGrp="1"/>
+          </p:cNvSpPr>
+          <p:nvPr>
+            <p:ph type="title"/>
+          </p:nvPr>
+        </p:nvSpPr>
+        <p:spPr/>
+        <p:txBody>
+          <a:bodyPr/>
+          <a:lstStyle/>
+          <a:p>
+            <a:r>
+              <a:rPr lang="en-US" dirty="0"/>
+              <a:t>Substitute </a:t>
+            </a:r>
+            <a:r>
+              <a:rPr lang="en-US" i="1" dirty="0" err="1">
+                <a:solidFill>
+                  <a:srgbClr val="7030A0"/>
+                </a:solidFill>
+              </a:rPr>
+              <a:t>xmlstarlet</a:t>
+            </a:r>
+            <a:r>
+              <a:rPr lang="en-US" i="1" dirty="0">
+                <a:solidFill>
+                  <a:srgbClr val="7030A0"/>
+                </a:solidFill>
+              </a:rPr>
+              <a:t> </a:t>
+            </a:r>
+            <a:r>
+              <a:rPr lang="en-US" i="1" dirty="0" err="1">
+                <a:solidFill>
+                  <a:srgbClr val="FF0000"/>
+                </a:solidFill>
+              </a:rPr>
+              <a:t>sel</a:t>
+            </a:r>
+            <a:r>
+              <a:rPr lang="en-US" i="1" dirty="0">
+                <a:solidFill>
+                  <a:srgbClr val="FF0000"/>
+                </a:solidFill>
+              </a:rPr>
+              <a:t> </a:t>
+            </a:r>
+            <a:r>
+              <a:rPr lang="en-US" dirty="0"/>
+              <a:t>results using </a:t>
+            </a:r>
+            <a:r>
+              <a:rPr lang="en-US" dirty="0">
+                <a:solidFill>
+                  <a:srgbClr val="FF0000"/>
+                </a:solidFill>
+              </a:rPr>
+              <a:t>sed</a:t>
+            </a:r>
+          </a:p>
+        </p:txBody>
+      </p:sp>
+      <p:sp>
+        <p:nvSpPr>
+          <p:cNvPr id="3" name="Text Placeholder 2"/>
+          <p:cNvSpPr>
+            <a:spLocks noGrp="1"/>
+          </p:cNvSpPr>
+          <p:nvPr>
+            <p:ph type="body" idx="1"/>
+          </p:nvPr>
+        </p:nvSpPr>
+        <p:spPr/>
+        <p:txBody>
+          <a:bodyPr/>
+          <a:lstStyle/>
+          <a:p>
+            <a:endParaRPr lang="en-US"/>
+          </a:p>
+        </p:txBody>
+      </p:sp>
+    </p:spTree>
+    <p:extLst>
+      <p:ext uri="{BB962C8B-B14F-4D97-AF65-F5344CB8AC3E}">
+        <p14:creationId xmlns:p14="http://schemas.microsoft.com/office/powerpoint/2010/main" val="2819587148"/>
+      </p:ext>
+    </p:extLst>
+  </p:cSld>
+  <p:clrMapOvr>
+    <a:masterClrMapping/>
+  </p:clrMapOvr>
+</p:sld>
+</file>
+
+<file path=ppt/slides/slide32.xml><?xml version="1.0" encoding="utf-8"?>
+<p:sld xmlns:a="http://schemas.openxmlformats.org/drawingml/2006/main" xmlns:r="http://schemas.openxmlformats.org/officeDocument/2006/relationships" xmlns:p="http://schemas.openxmlformats.org/presentationml/2006/main">
+  <p:cSld>
+    <p:spTree>
+      <p:nvGrpSpPr>
+        <p:cNvPr id="1" name=""/>
+        <p:cNvGrpSpPr/>
+        <p:nvPr/>
+      </p:nvGrpSpPr>
+      <p:grpSpPr>
+        <a:xfrm>
+          <a:off x="0" y="0"/>
+          <a:ext cx="0" cy="0"/>
+          <a:chOff x="0" y="0"/>
+          <a:chExt cx="0" cy="0"/>
+        </a:xfrm>
+      </p:grpSpPr>
+      <p:sp>
+        <p:nvSpPr>
           <p:cNvPr id="5" name="Title 4"/>
           <p:cNvSpPr>
             <a:spLocks noGrp="1"/>
@@ -11194,7 +11558,7 @@
 </p:sld>
 </file>
 
-<file path=ppt/slides/slide32.xml><?xml version="1.0" encoding="utf-8"?>
+<file path=ppt/slides/slide33.xml><?xml version="1.0" encoding="utf-8"?>
 <p:sld xmlns:a="http://schemas.openxmlformats.org/drawingml/2006/main" xmlns:r="http://schemas.openxmlformats.org/officeDocument/2006/relationships" xmlns:p="http://schemas.openxmlformats.org/presentationml/2006/main">
   <p:cSld>
     <p:spTree>
@@ -11299,7 +11663,7 @@
 </p:sld>
 </file>
 
-<file path=ppt/slides/slide33.xml><?xml version="1.0" encoding="utf-8"?>
+<file path=ppt/slides/slide34.xml><?xml version="1.0" encoding="utf-8"?>
 <p:sld xmlns:a="http://schemas.openxmlformats.org/drawingml/2006/main" xmlns:r="http://schemas.openxmlformats.org/officeDocument/2006/relationships" xmlns:p="http://schemas.openxmlformats.org/presentationml/2006/main">
   <p:cSld>
     <p:spTree>
@@ -11399,7 +11763,7 @@
 </p:sld>
 </file>
 
-<file path=ppt/slides/slide34.xml><?xml version="1.0" encoding="utf-8"?>
+<file path=ppt/slides/slide35.xml><?xml version="1.0" encoding="utf-8"?>
 <p:sld xmlns:a="http://schemas.openxmlformats.org/drawingml/2006/main" xmlns:r="http://schemas.openxmlformats.org/officeDocument/2006/relationships" xmlns:p="http://schemas.openxmlformats.org/presentationml/2006/main">
   <p:cSld>
     <p:spTree>
@@ -11521,7 +11885,7 @@
 </p:sld>
 </file>
 
-<file path=ppt/slides/slide35.xml><?xml version="1.0" encoding="utf-8"?>
+<file path=ppt/slides/slide36.xml><?xml version="1.0" encoding="utf-8"?>
 <p:sld xmlns:a="http://schemas.openxmlformats.org/drawingml/2006/main" xmlns:r="http://schemas.openxmlformats.org/officeDocument/2006/relationships" xmlns:p="http://schemas.openxmlformats.org/presentationml/2006/main">
   <p:cSld>
     <p:spTree>
@@ -11600,7 +11964,7 @@
 </p:sld>
 </file>
 
-<file path=ppt/slides/slide36.xml><?xml version="1.0" encoding="utf-8"?>
+<file path=ppt/slides/slide37.xml><?xml version="1.0" encoding="utf-8"?>
 <p:sld xmlns:a="http://schemas.openxmlformats.org/drawingml/2006/main" xmlns:r="http://schemas.openxmlformats.org/officeDocument/2006/relationships" xmlns:p="http://schemas.openxmlformats.org/presentationml/2006/main">
   <p:cSld>
     <p:spTree>
@@ -11654,7 +12018,7 @@
 </p:sld>
 </file>
 
-<file path=ppt/slides/slide37.xml><?xml version="1.0" encoding="utf-8"?>
+<file path=ppt/slides/slide38.xml><?xml version="1.0" encoding="utf-8"?>
 <p:sld xmlns:a="http://schemas.openxmlformats.org/drawingml/2006/main" xmlns:r="http://schemas.openxmlformats.org/officeDocument/2006/relationships" xmlns:p="http://schemas.openxmlformats.org/presentationml/2006/main">
   <p:cSld>
     <p:spTree>
@@ -11695,70 +12059,22 @@
           </a:prstGeom>
         </p:spPr>
       </p:pic>
-    </p:spTree>
-    <p:extLst>
-      <p:ext uri="{BB962C8B-B14F-4D97-AF65-F5344CB8AC3E}">
-        <p14:creationId xmlns:p14="http://schemas.microsoft.com/office/powerpoint/2010/main" val="245378617"/>
-      </p:ext>
-    </p:extLst>
-  </p:cSld>
-  <p:clrMapOvr>
-    <a:masterClrMapping/>
-  </p:clrMapOvr>
-</p:sld>
-</file>
-
-<file path=ppt/slides/slide38.xml><?xml version="1.0" encoding="utf-8"?>
-<p:sld xmlns:a="http://schemas.openxmlformats.org/drawingml/2006/main" xmlns:r="http://schemas.openxmlformats.org/officeDocument/2006/relationships" xmlns:p="http://schemas.openxmlformats.org/presentationml/2006/main">
-  <p:cSld>
-    <p:spTree>
-      <p:nvGrpSpPr>
-        <p:cNvPr id="1" name=""/>
-        <p:cNvGrpSpPr/>
-        <p:nvPr/>
-      </p:nvGrpSpPr>
-      <p:grpSpPr>
-        <a:xfrm>
-          <a:off x="0" y="0"/>
-          <a:ext cx="0" cy="0"/>
-          <a:chOff x="0" y="0"/>
-          <a:chExt cx="0" cy="0"/>
-        </a:xfrm>
-      </p:grpSpPr>
-      <p:pic>
-        <p:nvPicPr>
-          <p:cNvPr id="2" name="Picture 1"/>
-          <p:cNvPicPr>
-            <a:picLocks noChangeAspect="1"/>
-          </p:cNvPicPr>
+      <p:sp>
+        <p:nvSpPr>
+          <p:cNvPr id="3" name="TextBox 2">
+            <a:extLst>
+              <a:ext uri="{FF2B5EF4-FFF2-40B4-BE49-F238E27FC236}">
+                <a16:creationId xmlns:a16="http://schemas.microsoft.com/office/drawing/2014/main" id="{07357821-C5F7-4C3D-BD9C-52457382E87F}"/>
+              </a:ext>
+            </a:extLst>
+          </p:cNvPr>
+          <p:cNvSpPr txBox="1"/>
           <p:nvPr/>
-        </p:nvPicPr>
-        <p:blipFill>
-          <a:blip r:embed="rId3"/>
-          <a:stretch>
-            <a:fillRect/>
-          </a:stretch>
-        </p:blipFill>
+        </p:nvSpPr>
         <p:spPr>
           <a:xfrm>
-            <a:off x="1553534" y="1647570"/>
-            <a:ext cx="8512278" cy="4541914"/>
-          </a:xfrm>
-          <a:prstGeom prst="rect">
-            <a:avLst/>
-          </a:prstGeom>
-        </p:spPr>
-      </p:pic>
-      <p:sp>
-        <p:nvSpPr>
-          <p:cNvPr id="3" name="TextBox 2"/>
-          <p:cNvSpPr txBox="1"/>
-          <p:nvPr/>
-        </p:nvSpPr>
-        <p:spPr>
-          <a:xfrm>
-            <a:off x="1553534" y="1278238"/>
-            <a:ext cx="3416641" cy="369332"/>
+            <a:off x="1607431" y="853487"/>
+            <a:ext cx="5414239" cy="369332"/>
           </a:xfrm>
           <a:prstGeom prst="rect">
             <a:avLst/>
@@ -11774,24 +12090,8 @@
           <a:lstStyle/>
           <a:p>
             <a:r>
-              <a:rPr lang="en-US" b="1">
-                <a:solidFill>
-                  <a:srgbClr val="FF0000"/>
-                </a:solidFill>
-              </a:rPr>
-              <a:t>“d</a:t>
-            </a:r>
-            <a:r>
-              <a:rPr lang="en-US"/>
-              <a:t>elete” the node </a:t>
-            </a:r>
-            <a:r>
-              <a:rPr lang="en-US" i="1">
-                <a:solidFill>
-                  <a:srgbClr val="7030A0"/>
-                </a:solidFill>
-              </a:rPr>
-              <a:t>&lt;Level&gt;&lt;/Level&gt;</a:t>
+              <a:rPr lang="en-US" dirty="0"/>
+              <a:t>Show the first event and we will make change the event</a:t>
             </a:r>
           </a:p>
         </p:txBody>
@@ -11799,7 +12099,7 @@
     </p:spTree>
     <p:extLst>
       <p:ext uri="{BB962C8B-B14F-4D97-AF65-F5344CB8AC3E}">
-        <p14:creationId xmlns:p14="http://schemas.microsoft.com/office/powerpoint/2010/main" val="3387639174"/>
+        <p14:creationId xmlns:p14="http://schemas.microsoft.com/office/powerpoint/2010/main" val="245378617"/>
       </p:ext>
     </p:extLst>
   </p:cSld>
@@ -11842,8 +12142,8 @@
         </p:blipFill>
         <p:spPr>
           <a:xfrm>
-            <a:off x="890320" y="1165663"/>
-            <a:ext cx="10178913" cy="4856445"/>
+            <a:off x="1553534" y="1647570"/>
+            <a:ext cx="8512278" cy="4541914"/>
           </a:xfrm>
           <a:prstGeom prst="rect">
             <a:avLst/>
@@ -11858,8 +12158,8 @@
         </p:nvSpPr>
         <p:spPr>
           <a:xfrm>
-            <a:off x="890320" y="796331"/>
-            <a:ext cx="9057244" cy="369332"/>
+            <a:off x="1553534" y="1278238"/>
+            <a:ext cx="3416641" cy="369332"/>
           </a:xfrm>
           <a:prstGeom prst="rect">
             <a:avLst/>
@@ -11869,143 +12169,30 @@
           </a:solidFill>
         </p:spPr>
         <p:txBody>
-          <a:bodyPr wrap="square" rtlCol="0">
-            <a:spAutoFit/>
-          </a:bodyPr>
-          <a:lstStyle/>
-          <a:p>
-            <a:r>
-              <a:rPr lang="en-US" b="1" i="1">
-                <a:solidFill>
-                  <a:srgbClr val="FF0000"/>
-                </a:solidFill>
-              </a:rPr>
-              <a:t>O</a:t>
-            </a:r>
-            <a:r>
-              <a:rPr lang="en-US" i="1">
-                <a:solidFill>
-                  <a:srgbClr val="7030A0"/>
-                </a:solidFill>
-              </a:rPr>
-              <a:t>mit XML declaration (&lt;?xml ...?&gt;) </a:t>
-            </a:r>
-            <a:r>
-              <a:rPr lang="en-US"/>
-              <a:t>and</a:t>
-            </a:r>
-            <a:r>
-              <a:rPr lang="en-US" i="1">
-                <a:solidFill>
-                  <a:srgbClr val="7030A0"/>
-                </a:solidFill>
-              </a:rPr>
-              <a:t> “</a:t>
-            </a:r>
-            <a:r>
-              <a:rPr lang="en-US" b="1" i="1">
-                <a:solidFill>
-                  <a:srgbClr val="FF0000"/>
-                </a:solidFill>
-              </a:rPr>
-              <a:t>d</a:t>
-            </a:r>
-            <a:r>
-              <a:rPr lang="en-US"/>
-              <a:t>elete”</a:t>
-            </a:r>
-            <a:r>
-              <a:rPr lang="en-US" i="1">
-                <a:solidFill>
-                  <a:srgbClr val="7030A0"/>
-                </a:solidFill>
-              </a:rPr>
-              <a:t> </a:t>
-            </a:r>
-            <a:r>
-              <a:rPr lang="en-US"/>
-              <a:t>the node </a:t>
-            </a:r>
-            <a:r>
-              <a:rPr lang="en-US" i="1">
-                <a:solidFill>
-                  <a:srgbClr val="7030A0"/>
-                </a:solidFill>
-              </a:rPr>
-              <a:t>&lt;Level&gt;&lt;/Level&gt;</a:t>
-            </a:r>
-          </a:p>
-        </p:txBody>
-      </p:sp>
-      <p:sp>
-        <p:nvSpPr>
-          <p:cNvPr id="4" name="TextBox 3"/>
-          <p:cNvSpPr txBox="1"/>
-          <p:nvPr/>
-        </p:nvSpPr>
-        <p:spPr>
-          <a:xfrm>
-            <a:off x="7269017" y="2855190"/>
-            <a:ext cx="3571299" cy="1200329"/>
-          </a:xfrm>
-          <a:prstGeom prst="rect">
-            <a:avLst/>
-          </a:prstGeom>
-          <a:solidFill>
-            <a:schemeClr val="accent4">
-              <a:lumMod val="20000"/>
-              <a:lumOff val="80000"/>
-            </a:schemeClr>
-          </a:solidFill>
-        </p:spPr>
-        <p:txBody>
           <a:bodyPr wrap="none" rtlCol="0">
             <a:spAutoFit/>
           </a:bodyPr>
           <a:lstStyle/>
           <a:p>
             <a:r>
-              <a:rPr lang="en-US">
+              <a:rPr lang="en-US" b="1" dirty="0">
                 <a:solidFill>
                   <a:srgbClr val="FF0000"/>
                 </a:solidFill>
               </a:rPr>
-              <a:t>-d</a:t>
-            </a:r>
-            <a:r>
-              <a:rPr lang="en-US"/>
-              <a:t>: is not </a:t>
-            </a:r>
-            <a:r>
-              <a:rPr lang="en-US">
-                <a:solidFill>
-                  <a:srgbClr val="FF0000"/>
-                </a:solidFill>
-              </a:rPr>
-              <a:t>actually</a:t>
-            </a:r>
-            <a:r>
-              <a:rPr lang="en-US"/>
-              <a:t> deleting the note, </a:t>
-            </a:r>
-          </a:p>
-          <a:p>
-            <a:r>
-              <a:rPr lang="en-US"/>
-              <a:t>only show deleted stream</a:t>
-            </a:r>
-          </a:p>
-          <a:p>
-            <a:endParaRPr lang="en-US"/>
-          </a:p>
-          <a:p>
-            <a:r>
-              <a:rPr lang="en-US" b="1">
+              <a:t>“d</a:t>
+            </a:r>
+            <a:r>
+              <a:rPr lang="en-US" dirty="0"/>
+              <a:t>elete” the node </a:t>
+            </a:r>
+            <a:r>
+              <a:rPr lang="en-US" i="1" dirty="0">
                 <a:solidFill>
                   <a:srgbClr val="7030A0"/>
                 </a:solidFill>
               </a:rPr>
-              <a:t>How to actually delete a node?</a:t>
+              <a:t>&lt;Level&gt;&lt;/Level&gt;</a:t>
             </a:r>
           </a:p>
         </p:txBody>
@@ -12013,7 +12200,7 @@
     </p:spTree>
     <p:extLst>
       <p:ext uri="{BB962C8B-B14F-4D97-AF65-F5344CB8AC3E}">
-        <p14:creationId xmlns:p14="http://schemas.microsoft.com/office/powerpoint/2010/main" val="2352346831"/>
+        <p14:creationId xmlns:p14="http://schemas.microsoft.com/office/powerpoint/2010/main" val="3387639174"/>
       </p:ext>
     </p:extLst>
   </p:cSld>
@@ -12163,6 +12350,220 @@
           <a:chExt cx="0" cy="0"/>
         </a:xfrm>
       </p:grpSpPr>
+      <p:pic>
+        <p:nvPicPr>
+          <p:cNvPr id="2" name="Picture 1"/>
+          <p:cNvPicPr>
+            <a:picLocks noChangeAspect="1"/>
+          </p:cNvPicPr>
+          <p:nvPr/>
+        </p:nvPicPr>
+        <p:blipFill>
+          <a:blip r:embed="rId3"/>
+          <a:stretch>
+            <a:fillRect/>
+          </a:stretch>
+        </p:blipFill>
+        <p:spPr>
+          <a:xfrm>
+            <a:off x="890320" y="1165663"/>
+            <a:ext cx="10178913" cy="4856445"/>
+          </a:xfrm>
+          <a:prstGeom prst="rect">
+            <a:avLst/>
+          </a:prstGeom>
+        </p:spPr>
+      </p:pic>
+      <p:sp>
+        <p:nvSpPr>
+          <p:cNvPr id="3" name="TextBox 2"/>
+          <p:cNvSpPr txBox="1"/>
+          <p:nvPr/>
+        </p:nvSpPr>
+        <p:spPr>
+          <a:xfrm>
+            <a:off x="890320" y="796331"/>
+            <a:ext cx="9057244" cy="369332"/>
+          </a:xfrm>
+          <a:prstGeom prst="rect">
+            <a:avLst/>
+          </a:prstGeom>
+          <a:solidFill>
+            <a:srgbClr val="FFC000"/>
+          </a:solidFill>
+        </p:spPr>
+        <p:txBody>
+          <a:bodyPr wrap="square" rtlCol="0">
+            <a:spAutoFit/>
+          </a:bodyPr>
+          <a:lstStyle/>
+          <a:p>
+            <a:r>
+              <a:rPr lang="en-US" b="1" i="1">
+                <a:solidFill>
+                  <a:srgbClr val="FF0000"/>
+                </a:solidFill>
+              </a:rPr>
+              <a:t>O</a:t>
+            </a:r>
+            <a:r>
+              <a:rPr lang="en-US" i="1">
+                <a:solidFill>
+                  <a:srgbClr val="7030A0"/>
+                </a:solidFill>
+              </a:rPr>
+              <a:t>mit XML declaration (&lt;?xml ...?&gt;) </a:t>
+            </a:r>
+            <a:r>
+              <a:rPr lang="en-US"/>
+              <a:t>and</a:t>
+            </a:r>
+            <a:r>
+              <a:rPr lang="en-US" i="1">
+                <a:solidFill>
+                  <a:srgbClr val="7030A0"/>
+                </a:solidFill>
+              </a:rPr>
+              <a:t> “</a:t>
+            </a:r>
+            <a:r>
+              <a:rPr lang="en-US" b="1" i="1">
+                <a:solidFill>
+                  <a:srgbClr val="FF0000"/>
+                </a:solidFill>
+              </a:rPr>
+              <a:t>d</a:t>
+            </a:r>
+            <a:r>
+              <a:rPr lang="en-US"/>
+              <a:t>elete”</a:t>
+            </a:r>
+            <a:r>
+              <a:rPr lang="en-US" i="1">
+                <a:solidFill>
+                  <a:srgbClr val="7030A0"/>
+                </a:solidFill>
+              </a:rPr>
+              <a:t> </a:t>
+            </a:r>
+            <a:r>
+              <a:rPr lang="en-US"/>
+              <a:t>the node </a:t>
+            </a:r>
+            <a:r>
+              <a:rPr lang="en-US" i="1">
+                <a:solidFill>
+                  <a:srgbClr val="7030A0"/>
+                </a:solidFill>
+              </a:rPr>
+              <a:t>&lt;Level&gt;&lt;/Level&gt;</a:t>
+            </a:r>
+          </a:p>
+        </p:txBody>
+      </p:sp>
+      <p:sp>
+        <p:nvSpPr>
+          <p:cNvPr id="4" name="TextBox 3"/>
+          <p:cNvSpPr txBox="1"/>
+          <p:nvPr/>
+        </p:nvSpPr>
+        <p:spPr>
+          <a:xfrm>
+            <a:off x="7269017" y="2855190"/>
+            <a:ext cx="3571299" cy="1200329"/>
+          </a:xfrm>
+          <a:prstGeom prst="rect">
+            <a:avLst/>
+          </a:prstGeom>
+          <a:solidFill>
+            <a:schemeClr val="accent4">
+              <a:lumMod val="20000"/>
+              <a:lumOff val="80000"/>
+            </a:schemeClr>
+          </a:solidFill>
+        </p:spPr>
+        <p:txBody>
+          <a:bodyPr wrap="none" rtlCol="0">
+            <a:spAutoFit/>
+          </a:bodyPr>
+          <a:lstStyle/>
+          <a:p>
+            <a:r>
+              <a:rPr lang="en-US">
+                <a:solidFill>
+                  <a:srgbClr val="FF0000"/>
+                </a:solidFill>
+              </a:rPr>
+              <a:t>-d</a:t>
+            </a:r>
+            <a:r>
+              <a:rPr lang="en-US"/>
+              <a:t>: is not </a:t>
+            </a:r>
+            <a:r>
+              <a:rPr lang="en-US">
+                <a:solidFill>
+                  <a:srgbClr val="FF0000"/>
+                </a:solidFill>
+              </a:rPr>
+              <a:t>actually</a:t>
+            </a:r>
+            <a:r>
+              <a:rPr lang="en-US"/>
+              <a:t> deleting the note, </a:t>
+            </a:r>
+          </a:p>
+          <a:p>
+            <a:r>
+              <a:rPr lang="en-US"/>
+              <a:t>only show deleted stream</a:t>
+            </a:r>
+          </a:p>
+          <a:p>
+            <a:endParaRPr lang="en-US"/>
+          </a:p>
+          <a:p>
+            <a:r>
+              <a:rPr lang="en-US" b="1">
+                <a:solidFill>
+                  <a:srgbClr val="7030A0"/>
+                </a:solidFill>
+              </a:rPr>
+              <a:t>How to actually delete a node?</a:t>
+            </a:r>
+          </a:p>
+        </p:txBody>
+      </p:sp>
+    </p:spTree>
+    <p:extLst>
+      <p:ext uri="{BB962C8B-B14F-4D97-AF65-F5344CB8AC3E}">
+        <p14:creationId xmlns:p14="http://schemas.microsoft.com/office/powerpoint/2010/main" val="2352346831"/>
+      </p:ext>
+    </p:extLst>
+  </p:cSld>
+  <p:clrMapOvr>
+    <a:masterClrMapping/>
+  </p:clrMapOvr>
+</p:sld>
+</file>
+
+<file path=ppt/slides/slide41.xml><?xml version="1.0" encoding="utf-8"?>
+<p:sld xmlns:a="http://schemas.openxmlformats.org/drawingml/2006/main" xmlns:r="http://schemas.openxmlformats.org/officeDocument/2006/relationships" xmlns:p="http://schemas.openxmlformats.org/presentationml/2006/main">
+  <p:cSld>
+    <p:spTree>
+      <p:nvGrpSpPr>
+        <p:cNvPr id="1" name=""/>
+        <p:cNvGrpSpPr/>
+        <p:nvPr/>
+      </p:nvGrpSpPr>
+      <p:grpSpPr>
+        <a:xfrm>
+          <a:off x="0" y="0"/>
+          <a:ext cx="0" cy="0"/>
+          <a:chOff x="0" y="0"/>
+          <a:chExt cx="0" cy="0"/>
+        </a:xfrm>
+      </p:grpSpPr>
       <p:sp>
         <p:nvSpPr>
           <p:cNvPr id="2" name="Title 1"/>
@@ -12217,7 +12618,7 @@
 </p:sld>
 </file>
 
-<file path=ppt/slides/slide41.xml><?xml version="1.0" encoding="utf-8"?>
+<file path=ppt/slides/slide42.xml><?xml version="1.0" encoding="utf-8"?>
 <p:sld xmlns:a="http://schemas.openxmlformats.org/drawingml/2006/main" xmlns:r="http://schemas.openxmlformats.org/officeDocument/2006/relationships" xmlns:p="http://schemas.openxmlformats.org/presentationml/2006/main">
   <p:cSld>
     <p:spTree>
@@ -12271,7 +12672,7 @@
 </p:sld>
 </file>
 
-<file path=ppt/slides/slide42.xml><?xml version="1.0" encoding="utf-8"?>
+<file path=ppt/slides/slide43.xml><?xml version="1.0" encoding="utf-8"?>
 <p:sld xmlns:a="http://schemas.openxmlformats.org/drawingml/2006/main" xmlns:r="http://schemas.openxmlformats.org/officeDocument/2006/relationships" xmlns:p="http://schemas.openxmlformats.org/presentationml/2006/main">
   <p:cSld>
     <p:spTree>
@@ -12549,7 +12950,7 @@
 </p:sld>
 </file>
 
-<file path=ppt/slides/slide43.xml><?xml version="1.0" encoding="utf-8"?>
+<file path=ppt/slides/slide44.xml><?xml version="1.0" encoding="utf-8"?>
 <p:sld xmlns:a="http://schemas.openxmlformats.org/drawingml/2006/main" xmlns:r="http://schemas.openxmlformats.org/officeDocument/2006/relationships" xmlns:p="http://schemas.openxmlformats.org/presentationml/2006/main">
   <p:cSld>
     <p:spTree>
@@ -12603,7 +13004,7 @@
 </p:sld>
 </file>
 
-<file path=ppt/slides/slide44.xml><?xml version="1.0" encoding="utf-8"?>
+<file path=ppt/slides/slide45.xml><?xml version="1.0" encoding="utf-8"?>
 <p:sld xmlns:a="http://schemas.openxmlformats.org/drawingml/2006/main" xmlns:r="http://schemas.openxmlformats.org/officeDocument/2006/relationships" xmlns:p="http://schemas.openxmlformats.org/presentationml/2006/main">
   <p:cSld>
     <p:spTree>
@@ -12674,7 +13075,7 @@
 </p:sld>
 </file>
 
-<file path=ppt/slides/slide45.xml><?xml version="1.0" encoding="utf-8"?>
+<file path=ppt/slides/slide46.xml><?xml version="1.0" encoding="utf-8"?>
 <p:sld xmlns:a="http://schemas.openxmlformats.org/drawingml/2006/main" xmlns:r="http://schemas.openxmlformats.org/officeDocument/2006/relationships" xmlns:p="http://schemas.openxmlformats.org/presentationml/2006/main">
   <p:cSld>
     <p:spTree>
@@ -12799,7 +13200,7 @@
 </p:sld>
 </file>
 
-<file path=ppt/slides/slide46.xml><?xml version="1.0" encoding="utf-8"?>
+<file path=ppt/slides/slide47.xml><?xml version="1.0" encoding="utf-8"?>
 <p:sld xmlns:a="http://schemas.openxmlformats.org/drawingml/2006/main" xmlns:r="http://schemas.openxmlformats.org/officeDocument/2006/relationships" xmlns:p="http://schemas.openxmlformats.org/presentationml/2006/main">
   <p:cSld>
     <p:spTree>
@@ -13133,7 +13534,7 @@
 </p:sld>
 </file>
 
-<file path=ppt/slides/slide47.xml><?xml version="1.0" encoding="utf-8"?>
+<file path=ppt/slides/slide48.xml><?xml version="1.0" encoding="utf-8"?>
 <p:sld xmlns:a="http://schemas.openxmlformats.org/drawingml/2006/main" xmlns:r="http://schemas.openxmlformats.org/officeDocument/2006/relationships" xmlns:p="http://schemas.openxmlformats.org/presentationml/2006/main">
   <p:cSld>
     <p:spTree>
@@ -13358,77 +13759,6 @@
 </p:sld>
 </file>
 
-<file path=ppt/slides/slide48.xml><?xml version="1.0" encoding="utf-8"?>
-<p:sld xmlns:a="http://schemas.openxmlformats.org/drawingml/2006/main" xmlns:r="http://schemas.openxmlformats.org/officeDocument/2006/relationships" xmlns:p="http://schemas.openxmlformats.org/presentationml/2006/main">
-  <p:cSld>
-    <p:spTree>
-      <p:nvGrpSpPr>
-        <p:cNvPr id="1" name=""/>
-        <p:cNvGrpSpPr/>
-        <p:nvPr/>
-      </p:nvGrpSpPr>
-      <p:grpSpPr>
-        <a:xfrm>
-          <a:off x="0" y="0"/>
-          <a:ext cx="0" cy="0"/>
-          <a:chOff x="0" y="0"/>
-          <a:chExt cx="0" cy="0"/>
-        </a:xfrm>
-      </p:grpSpPr>
-      <p:sp>
-        <p:nvSpPr>
-          <p:cNvPr id="2" name="Title 1"/>
-          <p:cNvSpPr>
-            <a:spLocks noGrp="1"/>
-          </p:cNvSpPr>
-          <p:nvPr>
-            <p:ph type="title"/>
-          </p:nvPr>
-        </p:nvSpPr>
-        <p:spPr/>
-        <p:txBody>
-          <a:bodyPr/>
-          <a:lstStyle/>
-          <a:p>
-            <a:r>
-              <a:rPr lang="en-US"/>
-              <a:t>Assignments</a:t>
-            </a:r>
-          </a:p>
-        </p:txBody>
-      </p:sp>
-      <p:sp>
-        <p:nvSpPr>
-          <p:cNvPr id="3" name="Text Placeholder 2"/>
-          <p:cNvSpPr>
-            <a:spLocks noGrp="1"/>
-          </p:cNvSpPr>
-          <p:nvPr>
-            <p:ph type="body" idx="1"/>
-          </p:nvPr>
-        </p:nvSpPr>
-        <p:spPr/>
-        <p:txBody>
-          <a:bodyPr/>
-          <a:lstStyle/>
-          <a:p>
-            <a:endParaRPr lang="en-US"/>
-          </a:p>
-        </p:txBody>
-      </p:sp>
-    </p:spTree>
-    <p:extLst>
-      <p:ext uri="{BB962C8B-B14F-4D97-AF65-F5344CB8AC3E}">
-        <p14:creationId xmlns:p14="http://schemas.microsoft.com/office/powerpoint/2010/main" val="1410740005"/>
-      </p:ext>
-    </p:extLst>
-  </p:cSld>
-  <p:clrMapOvr>
-    <a:masterClrMapping/>
-  </p:clrMapOvr>
-</p:sld>
-</file>
-
 <file path=ppt/slides/slide49.xml><?xml version="1.0" encoding="utf-8"?>
 <p:sld xmlns:a="http://schemas.openxmlformats.org/drawingml/2006/main" xmlns:r="http://schemas.openxmlformats.org/officeDocument/2006/relationships" xmlns:p="http://schemas.openxmlformats.org/presentationml/2006/main">
   <p:cSld>
@@ -13448,7 +13778,7 @@
       </p:grpSpPr>
       <p:sp>
         <p:nvSpPr>
-          <p:cNvPr id="4" name="Title 3"/>
+          <p:cNvPr id="2" name="Title 1"/>
           <p:cNvSpPr>
             <a:spLocks noGrp="1"/>
           </p:cNvSpPr>
@@ -13462,7 +13792,7 @@
           <a:lstStyle/>
           <a:p>
             <a:r>
-              <a:rPr lang="en-US" dirty="0"/>
+              <a:rPr lang="en-US"/>
               <a:t>Assignments</a:t>
             </a:r>
           </a:p>
@@ -13470,12 +13800,12 @@
       </p:sp>
       <p:sp>
         <p:nvSpPr>
-          <p:cNvPr id="5" name="Content Placeholder 4"/>
-          <p:cNvSpPr>
-            <a:spLocks noGrp="1"/>
-          </p:cNvSpPr>
-          <p:nvPr>
-            <p:ph idx="1"/>
+          <p:cNvPr id="3" name="Text Placeholder 2"/>
+          <p:cNvSpPr>
+            <a:spLocks noGrp="1"/>
+          </p:cNvSpPr>
+          <p:nvPr>
+            <p:ph type="body" idx="1"/>
           </p:nvPr>
         </p:nvSpPr>
         <p:spPr/>
@@ -13483,49 +13813,14 @@
           <a:bodyPr/>
           <a:lstStyle/>
           <a:p>
-            <a:r>
-              <a:rPr lang="en-US" dirty="0"/>
-              <a:t>Convert all events to .csv</a:t>
-            </a:r>
-          </a:p>
-          <a:p>
-            <a:r>
-              <a:rPr lang="en-US" sz="2800" dirty="0"/>
-              <a:t>Find system on/off timestamp using </a:t>
-            </a:r>
-            <a:r>
-              <a:rPr lang="en-US" sz="2800" dirty="0" err="1"/>
-              <a:t>XMLstartlet</a:t>
-            </a:r>
-            <a:endParaRPr lang="en-US" sz="2800" dirty="0"/>
-          </a:p>
-          <a:p>
-            <a:r>
-              <a:rPr lang="en-US" dirty="0"/>
-              <a:t>Substitute </a:t>
-            </a:r>
-            <a:r>
-              <a:rPr lang="en-US" dirty="0" err="1"/>
-              <a:t>eventid</a:t>
-            </a:r>
-            <a:r>
-              <a:rPr lang="en-US"/>
-              <a:t> “4634”  </a:t>
-            </a:r>
-            <a:r>
-              <a:rPr lang="en-US" dirty="0"/>
-              <a:t>with “logoff”</a:t>
-            </a:r>
-          </a:p>
-          <a:p>
-            <a:endParaRPr lang="en-US" dirty="0"/>
+            <a:endParaRPr lang="en-US"/>
           </a:p>
         </p:txBody>
       </p:sp>
     </p:spTree>
     <p:extLst>
       <p:ext uri="{BB962C8B-B14F-4D97-AF65-F5344CB8AC3E}">
-        <p14:creationId xmlns:p14="http://schemas.microsoft.com/office/powerpoint/2010/main" val="37395222"/>
+        <p14:creationId xmlns:p14="http://schemas.microsoft.com/office/powerpoint/2010/main" val="1410740005"/>
       </p:ext>
     </p:extLst>
   </p:cSld>
@@ -13665,6 +13960,112 @@
 </p:sld>
 </file>
 
+<file path=ppt/slides/slide50.xml><?xml version="1.0" encoding="utf-8"?>
+<p:sld xmlns:a="http://schemas.openxmlformats.org/drawingml/2006/main" xmlns:r="http://schemas.openxmlformats.org/officeDocument/2006/relationships" xmlns:p="http://schemas.openxmlformats.org/presentationml/2006/main">
+  <p:cSld>
+    <p:spTree>
+      <p:nvGrpSpPr>
+        <p:cNvPr id="1" name=""/>
+        <p:cNvGrpSpPr/>
+        <p:nvPr/>
+      </p:nvGrpSpPr>
+      <p:grpSpPr>
+        <a:xfrm>
+          <a:off x="0" y="0"/>
+          <a:ext cx="0" cy="0"/>
+          <a:chOff x="0" y="0"/>
+          <a:chExt cx="0" cy="0"/>
+        </a:xfrm>
+      </p:grpSpPr>
+      <p:sp>
+        <p:nvSpPr>
+          <p:cNvPr id="4" name="Title 3"/>
+          <p:cNvSpPr>
+            <a:spLocks noGrp="1"/>
+          </p:cNvSpPr>
+          <p:nvPr>
+            <p:ph type="title"/>
+          </p:nvPr>
+        </p:nvSpPr>
+        <p:spPr/>
+        <p:txBody>
+          <a:bodyPr/>
+          <a:lstStyle/>
+          <a:p>
+            <a:r>
+              <a:rPr lang="en-US" dirty="0"/>
+              <a:t>Assignments</a:t>
+            </a:r>
+          </a:p>
+        </p:txBody>
+      </p:sp>
+      <p:sp>
+        <p:nvSpPr>
+          <p:cNvPr id="5" name="Content Placeholder 4"/>
+          <p:cNvSpPr>
+            <a:spLocks noGrp="1"/>
+          </p:cNvSpPr>
+          <p:nvPr>
+            <p:ph idx="1"/>
+          </p:nvPr>
+        </p:nvSpPr>
+        <p:spPr/>
+        <p:txBody>
+          <a:bodyPr/>
+          <a:lstStyle/>
+          <a:p>
+            <a:r>
+              <a:rPr lang="en-US" dirty="0"/>
+              <a:t>Convert all events to .csv</a:t>
+            </a:r>
+          </a:p>
+          <a:p>
+            <a:r>
+              <a:rPr lang="en-US" sz="2800" dirty="0"/>
+              <a:t>Find system on/off timestamp using </a:t>
+            </a:r>
+            <a:r>
+              <a:rPr lang="en-US" sz="2800" dirty="0" err="1"/>
+              <a:t>XMLstartlet</a:t>
+            </a:r>
+            <a:endParaRPr lang="en-US" sz="2800" dirty="0"/>
+          </a:p>
+          <a:p>
+            <a:r>
+              <a:rPr lang="en-US" dirty="0"/>
+              <a:t>Substitute </a:t>
+            </a:r>
+            <a:r>
+              <a:rPr lang="en-US" dirty="0" err="1"/>
+              <a:t>eventid</a:t>
+            </a:r>
+            <a:r>
+              <a:rPr lang="en-US"/>
+              <a:t> “4634”  </a:t>
+            </a:r>
+            <a:r>
+              <a:rPr lang="en-US" dirty="0"/>
+              <a:t>with “logoff”</a:t>
+            </a:r>
+          </a:p>
+          <a:p>
+            <a:endParaRPr lang="en-US" dirty="0"/>
+          </a:p>
+        </p:txBody>
+      </p:sp>
+    </p:spTree>
+    <p:extLst>
+      <p:ext uri="{BB962C8B-B14F-4D97-AF65-F5344CB8AC3E}">
+        <p14:creationId xmlns:p14="http://schemas.microsoft.com/office/powerpoint/2010/main" val="37395222"/>
+      </p:ext>
+    </p:extLst>
+  </p:cSld>
+  <p:clrMapOvr>
+    <a:masterClrMapping/>
+  </p:clrMapOvr>
+</p:sld>
+</file>
+
 <file path=ppt/slides/slide6.xml><?xml version="1.0" encoding="utf-8"?>
 <p:sld xmlns:a="http://schemas.openxmlformats.org/drawingml/2006/main" xmlns:r="http://schemas.openxmlformats.org/officeDocument/2006/relationships" xmlns:p="http://schemas.openxmlformats.org/presentationml/2006/main">
   <p:cSld>
@@ -13720,7 +14121,7 @@
         </p:blipFill>
         <p:spPr>
           <a:xfrm>
-            <a:off x="838200" y="2709806"/>
+            <a:off x="838200" y="2155406"/>
             <a:ext cx="8767519" cy="1942504"/>
           </a:xfrm>
           <a:prstGeom prst="rect">
@@ -13736,7 +14137,7 @@
         </p:nvSpPr>
         <p:spPr>
           <a:xfrm>
-            <a:off x="838200" y="2321169"/>
+            <a:off x="838200" y="1766769"/>
             <a:ext cx="4018280" cy="369332"/>
           </a:xfrm>
           <a:prstGeom prst="rect">
@@ -13756,6 +14157,56 @@
               <a:rPr lang="en-US"/>
               <a:t>Exam security event logs for logon/logoff</a:t>
             </a:r>
+          </a:p>
+        </p:txBody>
+      </p:sp>
+      <p:sp>
+        <p:nvSpPr>
+          <p:cNvPr id="3" name="TextBox 2">
+            <a:extLst>
+              <a:ext uri="{FF2B5EF4-FFF2-40B4-BE49-F238E27FC236}">
+                <a16:creationId xmlns:a16="http://schemas.microsoft.com/office/drawing/2014/main" id="{D794352B-B7DB-4F2F-9E7A-1788BF39C2E1}"/>
+              </a:ext>
+            </a:extLst>
+          </p:cNvPr>
+          <p:cNvSpPr txBox="1"/>
+          <p:nvPr/>
+        </p:nvSpPr>
+        <p:spPr>
+          <a:xfrm>
+            <a:off x="838200" y="4562628"/>
+            <a:ext cx="10468187" cy="646331"/>
+          </a:xfrm>
+          <a:prstGeom prst="rect">
+            <a:avLst/>
+          </a:prstGeom>
+          <a:noFill/>
+        </p:spPr>
+        <p:txBody>
+          <a:bodyPr wrap="none" rtlCol="0">
+            <a:spAutoFit/>
+          </a:bodyPr>
+          <a:lstStyle/>
+          <a:p>
+            <a:r>
+              <a:rPr lang="en-GB" dirty="0">
+                <a:solidFill>
+                  <a:srgbClr val="FF0000"/>
+                </a:solidFill>
+              </a:rPr>
+              <a:t>Notes</a:t>
+            </a:r>
+            <a:r>
+              <a:rPr lang="en-GB" dirty="0"/>
+              <a:t>: If you are not in root, you will see an error message. You need to check the permission of the lab folder </a:t>
+            </a:r>
+          </a:p>
+          <a:p>
+            <a:r>
+              <a:rPr lang="en-GB" dirty="0"/>
+              <a:t>See next slide debugs error messages if you see any. </a:t>
+            </a:r>
+            <a:endParaRPr lang="en-US" dirty="0"/>
           </a:p>
         </p:txBody>
       </p:sp>
@@ -13789,51 +14240,40 @@
           <a:chExt cx="0" cy="0"/>
         </a:xfrm>
       </p:grpSpPr>
-      <p:sp>
-        <p:nvSpPr>
-          <p:cNvPr id="4" name="Title 3"/>
-          <p:cNvSpPr>
-            <a:spLocks noGrp="1"/>
-          </p:cNvSpPr>
-          <p:nvPr>
-            <p:ph type="title"/>
-          </p:nvPr>
-        </p:nvSpPr>
-        <p:spPr/>
-        <p:txBody>
-          <a:bodyPr/>
-          <a:lstStyle/>
-          <a:p>
-            <a:r>
-              <a:rPr lang="en-US"/>
-              <a:t>Install XML parser</a:t>
-            </a:r>
-          </a:p>
-        </p:txBody>
-      </p:sp>
-      <p:sp>
-        <p:nvSpPr>
-          <p:cNvPr id="5" name="Text Placeholder 4"/>
-          <p:cNvSpPr>
-            <a:spLocks noGrp="1"/>
-          </p:cNvSpPr>
-          <p:nvPr>
-            <p:ph type="body" idx="1"/>
-          </p:nvPr>
-        </p:nvSpPr>
-        <p:spPr/>
-        <p:txBody>
-          <a:bodyPr/>
-          <a:lstStyle/>
-          <a:p>
-            <a:endParaRPr lang="en-US"/>
-          </a:p>
-        </p:txBody>
-      </p:sp>
+      <p:pic>
+        <p:nvPicPr>
+          <p:cNvPr id="4" name="Picture 3">
+            <a:extLst>
+              <a:ext uri="{FF2B5EF4-FFF2-40B4-BE49-F238E27FC236}">
+                <a16:creationId xmlns:a16="http://schemas.microsoft.com/office/drawing/2014/main" id="{5480A98E-07B1-4509-BB5B-E0C419FA4C22}"/>
+              </a:ext>
+            </a:extLst>
+          </p:cNvPr>
+          <p:cNvPicPr>
+            <a:picLocks noChangeAspect="1"/>
+          </p:cNvPicPr>
+          <p:nvPr/>
+        </p:nvPicPr>
+        <p:blipFill>
+          <a:blip r:embed="rId2"/>
+          <a:stretch>
+            <a:fillRect/>
+          </a:stretch>
+        </p:blipFill>
+        <p:spPr>
+          <a:xfrm>
+            <a:off x="1739634" y="1711876"/>
+            <a:ext cx="7056732" cy="3779848"/>
+          </a:xfrm>
+          <a:prstGeom prst="rect">
+            <a:avLst/>
+          </a:prstGeom>
+        </p:spPr>
+      </p:pic>
     </p:spTree>
     <p:extLst>
       <p:ext uri="{BB962C8B-B14F-4D97-AF65-F5344CB8AC3E}">
-        <p14:creationId xmlns:p14="http://schemas.microsoft.com/office/powerpoint/2010/main" val="1690331404"/>
+        <p14:creationId xmlns:p14="http://schemas.microsoft.com/office/powerpoint/2010/main" val="322537141"/>
       </p:ext>
     </p:extLst>
   </p:cSld>
@@ -13876,121 +14316,35 @@
           <a:lstStyle/>
           <a:p>
             <a:r>
-              <a:rPr lang="en-US" err="1"/>
-              <a:t>xmlstarlet</a:t>
-            </a:r>
+              <a:rPr lang="en-US"/>
+              <a:t>Install XML parser</a:t>
+            </a:r>
+          </a:p>
+        </p:txBody>
+      </p:sp>
+      <p:sp>
+        <p:nvSpPr>
+          <p:cNvPr id="5" name="Text Placeholder 4"/>
+          <p:cNvSpPr>
+            <a:spLocks noGrp="1"/>
+          </p:cNvSpPr>
+          <p:nvPr>
+            <p:ph type="body" idx="1"/>
+          </p:nvPr>
+        </p:nvSpPr>
+        <p:spPr/>
+        <p:txBody>
+          <a:bodyPr/>
+          <a:lstStyle/>
+          <a:p>
             <a:endParaRPr lang="en-US"/>
-          </a:p>
-        </p:txBody>
-      </p:sp>
-      <p:sp>
-        <p:nvSpPr>
-          <p:cNvPr id="5" name="Content Placeholder 4"/>
-          <p:cNvSpPr>
-            <a:spLocks noGrp="1"/>
-          </p:cNvSpPr>
-          <p:nvPr>
-            <p:ph idx="1"/>
-          </p:nvPr>
-        </p:nvSpPr>
-        <p:spPr/>
-        <p:txBody>
-          <a:bodyPr/>
-          <a:lstStyle/>
-          <a:p>
-            <a:r>
-              <a:rPr lang="en-US"/>
-              <a:t>Is a set of command line utilities (tools) </a:t>
-            </a:r>
-          </a:p>
-          <a:p>
-            <a:pPr lvl="1"/>
-            <a:r>
-              <a:rPr lang="en-US"/>
-              <a:t>transform, query, validate, and edit </a:t>
-            </a:r>
-            <a:r>
-              <a:rPr lang="en-US">
-                <a:solidFill>
-                  <a:srgbClr val="FF0000"/>
-                </a:solidFill>
-              </a:rPr>
-              <a:t>XML</a:t>
-            </a:r>
-            <a:r>
-              <a:rPr lang="en-US"/>
-              <a:t> documents and files </a:t>
-            </a:r>
-          </a:p>
-          <a:p>
-            <a:r>
-              <a:rPr lang="en-US"/>
-              <a:t>Using simple set of shell commands </a:t>
-            </a:r>
-          </a:p>
-          <a:p>
-            <a:pPr lvl="1"/>
-            <a:r>
-              <a:rPr lang="en-US"/>
-              <a:t>Similar to </a:t>
-            </a:r>
-            <a:r>
-              <a:rPr lang="en-US" i="1">
-                <a:solidFill>
-                  <a:srgbClr val="FF0000"/>
-                </a:solidFill>
-              </a:rPr>
-              <a:t>grep, </a:t>
-            </a:r>
-            <a:r>
-              <a:rPr lang="en-US" i="1" err="1">
-                <a:solidFill>
-                  <a:srgbClr val="FF0000"/>
-                </a:solidFill>
-              </a:rPr>
-              <a:t>sed</a:t>
-            </a:r>
-            <a:r>
-              <a:rPr lang="en-US" i="1">
-                <a:solidFill>
-                  <a:srgbClr val="FF0000"/>
-                </a:solidFill>
-              </a:rPr>
-              <a:t>, </a:t>
-            </a:r>
-            <a:r>
-              <a:rPr lang="en-US" i="1" err="1">
-                <a:solidFill>
-                  <a:srgbClr val="FF0000"/>
-                </a:solidFill>
-              </a:rPr>
-              <a:t>awk</a:t>
-            </a:r>
-            <a:endParaRPr lang="en-US" i="1">
-              <a:solidFill>
-                <a:srgbClr val="FF0000"/>
-              </a:solidFill>
-            </a:endParaRPr>
-          </a:p>
-          <a:p>
-            <a:r>
-              <a:rPr lang="en-US"/>
-              <a:t>http://xmlstar.sourceforge.net/doc</a:t>
-            </a:r>
-          </a:p>
-          <a:p>
-            <a:endParaRPr lang="en-US" i="1">
-              <a:solidFill>
-                <a:srgbClr val="FF0000"/>
-              </a:solidFill>
-            </a:endParaRPr>
           </a:p>
         </p:txBody>
       </p:sp>
     </p:spTree>
     <p:extLst>
       <p:ext uri="{BB962C8B-B14F-4D97-AF65-F5344CB8AC3E}">
-        <p14:creationId xmlns:p14="http://schemas.microsoft.com/office/powerpoint/2010/main" val="1341317686"/>
+        <p14:creationId xmlns:p14="http://schemas.microsoft.com/office/powerpoint/2010/main" val="1690331404"/>
       </p:ext>
     </p:extLst>
   </p:cSld>
@@ -14017,163 +14371,107 @@
           <a:chExt cx="0" cy="0"/>
         </a:xfrm>
       </p:grpSpPr>
-      <p:pic>
-        <p:nvPicPr>
-          <p:cNvPr id="5" name="Picture 4"/>
-          <p:cNvPicPr>
-            <a:picLocks noChangeAspect="1"/>
-          </p:cNvPicPr>
-          <p:nvPr/>
-        </p:nvPicPr>
-        <p:blipFill>
-          <a:blip r:embed="rId3"/>
-          <a:stretch>
-            <a:fillRect/>
-          </a:stretch>
-        </p:blipFill>
-        <p:spPr>
-          <a:xfrm>
-            <a:off x="1830277" y="2219704"/>
-            <a:ext cx="7035725" cy="1852037"/>
-          </a:xfrm>
-          <a:prstGeom prst="rect">
-            <a:avLst/>
-          </a:prstGeom>
-        </p:spPr>
-      </p:pic>
-      <p:sp>
-        <p:nvSpPr>
-          <p:cNvPr id="3" name="TextBox 3"/>
-          <p:cNvSpPr txBox="1"/>
-          <p:nvPr/>
-        </p:nvSpPr>
-        <p:spPr>
-          <a:xfrm>
-            <a:off x="1830277" y="1850372"/>
-            <a:ext cx="1804533" cy="369332"/>
-          </a:xfrm>
-          <a:prstGeom prst="rect">
-            <a:avLst/>
-          </a:prstGeom>
-          <a:solidFill>
-            <a:srgbClr val="FFC000"/>
-          </a:solidFill>
-        </p:spPr>
-        <p:txBody>
-          <a:bodyPr wrap="none" rtlCol="0">
-            <a:spAutoFit/>
-          </a:bodyPr>
-          <a:lstStyle>
-            <a:defPPr>
-              <a:defRPr lang="en-US"/>
-            </a:defPPr>
-            <a:lvl1pPr marL="0" algn="l" defTabSz="914400" rtl="0" eaLnBrk="1" latinLnBrk="0" hangingPunct="1">
-              <a:defRPr sz="1800" kern="1200">
-                <a:solidFill>
-                  <a:schemeClr val="tx1"/>
-                </a:solidFill>
-                <a:latin typeface="+mn-lt"/>
-                <a:ea typeface="+mn-ea"/>
-                <a:cs typeface="+mn-cs"/>
-              </a:defRPr>
-            </a:lvl1pPr>
-            <a:lvl2pPr marL="457200" algn="l" defTabSz="914400" rtl="0" eaLnBrk="1" latinLnBrk="0" hangingPunct="1">
-              <a:defRPr sz="1800" kern="1200">
-                <a:solidFill>
-                  <a:schemeClr val="tx1"/>
-                </a:solidFill>
-                <a:latin typeface="+mn-lt"/>
-                <a:ea typeface="+mn-ea"/>
-                <a:cs typeface="+mn-cs"/>
-              </a:defRPr>
-            </a:lvl2pPr>
-            <a:lvl3pPr marL="914400" algn="l" defTabSz="914400" rtl="0" eaLnBrk="1" latinLnBrk="0" hangingPunct="1">
-              <a:defRPr sz="1800" kern="1200">
-                <a:solidFill>
-                  <a:schemeClr val="tx1"/>
-                </a:solidFill>
-                <a:latin typeface="+mn-lt"/>
-                <a:ea typeface="+mn-ea"/>
-                <a:cs typeface="+mn-cs"/>
-              </a:defRPr>
-            </a:lvl3pPr>
-            <a:lvl4pPr marL="1371600" algn="l" defTabSz="914400" rtl="0" eaLnBrk="1" latinLnBrk="0" hangingPunct="1">
-              <a:defRPr sz="1800" kern="1200">
-                <a:solidFill>
-                  <a:schemeClr val="tx1"/>
-                </a:solidFill>
-                <a:latin typeface="+mn-lt"/>
-                <a:ea typeface="+mn-ea"/>
-                <a:cs typeface="+mn-cs"/>
-              </a:defRPr>
-            </a:lvl4pPr>
-            <a:lvl5pPr marL="1828800" algn="l" defTabSz="914400" rtl="0" eaLnBrk="1" latinLnBrk="0" hangingPunct="1">
-              <a:defRPr sz="1800" kern="1200">
-                <a:solidFill>
-                  <a:schemeClr val="tx1"/>
-                </a:solidFill>
-                <a:latin typeface="+mn-lt"/>
-                <a:ea typeface="+mn-ea"/>
-                <a:cs typeface="+mn-cs"/>
-              </a:defRPr>
-            </a:lvl5pPr>
-            <a:lvl6pPr marL="2286000" algn="l" defTabSz="914400" rtl="0" eaLnBrk="1" latinLnBrk="0" hangingPunct="1">
-              <a:defRPr sz="1800" kern="1200">
-                <a:solidFill>
-                  <a:schemeClr val="tx1"/>
-                </a:solidFill>
-                <a:latin typeface="+mn-lt"/>
-                <a:ea typeface="+mn-ea"/>
-                <a:cs typeface="+mn-cs"/>
-              </a:defRPr>
-            </a:lvl6pPr>
-            <a:lvl7pPr marL="2743200" algn="l" defTabSz="914400" rtl="0" eaLnBrk="1" latinLnBrk="0" hangingPunct="1">
-              <a:defRPr sz="1800" kern="1200">
-                <a:solidFill>
-                  <a:schemeClr val="tx1"/>
-                </a:solidFill>
-                <a:latin typeface="+mn-lt"/>
-                <a:ea typeface="+mn-ea"/>
-                <a:cs typeface="+mn-cs"/>
-              </a:defRPr>
-            </a:lvl7pPr>
-            <a:lvl8pPr marL="3200400" algn="l" defTabSz="914400" rtl="0" eaLnBrk="1" latinLnBrk="0" hangingPunct="1">
-              <a:defRPr sz="1800" kern="1200">
-                <a:solidFill>
-                  <a:schemeClr val="tx1"/>
-                </a:solidFill>
-                <a:latin typeface="+mn-lt"/>
-                <a:ea typeface="+mn-ea"/>
-                <a:cs typeface="+mn-cs"/>
-              </a:defRPr>
-            </a:lvl8pPr>
-            <a:lvl9pPr marL="3657600" algn="l" defTabSz="914400" rtl="0" eaLnBrk="1" latinLnBrk="0" hangingPunct="1">
-              <a:defRPr sz="1800" kern="1200">
-                <a:solidFill>
-                  <a:schemeClr val="tx1"/>
-                </a:solidFill>
-                <a:latin typeface="+mn-lt"/>
-                <a:ea typeface="+mn-ea"/>
-                <a:cs typeface="+mn-cs"/>
-              </a:defRPr>
-            </a:lvl9pPr>
-          </a:lstStyle>
-          <a:p>
-            <a:r>
-              <a:rPr lang="en-US"/>
-              <a:t>Install </a:t>
-            </a:r>
-            <a:r>
-              <a:rPr lang="en-US" i="1" err="1">
-                <a:solidFill>
-                  <a:srgbClr val="007DB5"/>
-                </a:solidFill>
-              </a:rPr>
-              <a:t>xmlstartlet</a:t>
-            </a:r>
-            <a:endParaRPr lang="en-US" i="1">
+      <p:sp>
+        <p:nvSpPr>
+          <p:cNvPr id="4" name="Title 3"/>
+          <p:cNvSpPr>
+            <a:spLocks noGrp="1"/>
+          </p:cNvSpPr>
+          <p:nvPr>
+            <p:ph type="title"/>
+          </p:nvPr>
+        </p:nvSpPr>
+        <p:spPr/>
+        <p:txBody>
+          <a:bodyPr/>
+          <a:lstStyle/>
+          <a:p>
+            <a:r>
+              <a:rPr lang="en-US" i="1" dirty="0" err="1">
+                <a:solidFill>
+                  <a:srgbClr val="7030A0"/>
+                </a:solidFill>
+              </a:rPr>
+              <a:t>xmlstarlet</a:t>
+            </a:r>
+            <a:endParaRPr lang="en-US" i="1" dirty="0">
               <a:solidFill>
-                <a:srgbClr val="007DB5"/>
+                <a:srgbClr val="7030A0"/>
+              </a:solidFill>
+            </a:endParaRPr>
+          </a:p>
+        </p:txBody>
+      </p:sp>
+      <p:sp>
+        <p:nvSpPr>
+          <p:cNvPr id="5" name="Content Placeholder 4"/>
+          <p:cNvSpPr>
+            <a:spLocks noGrp="1"/>
+          </p:cNvSpPr>
+          <p:nvPr>
+            <p:ph idx="1"/>
+          </p:nvPr>
+        </p:nvSpPr>
+        <p:spPr/>
+        <p:txBody>
+          <a:bodyPr/>
+          <a:lstStyle/>
+          <a:p>
+            <a:r>
+              <a:rPr lang="en-US" dirty="0"/>
+              <a:t>Is a set of command line utilities (tools) </a:t>
+            </a:r>
+          </a:p>
+          <a:p>
+            <a:pPr lvl="1"/>
+            <a:r>
+              <a:rPr lang="en-US" dirty="0"/>
+              <a:t>transform, query, validate, and edit </a:t>
+            </a:r>
+            <a:r>
+              <a:rPr lang="en-US" dirty="0">
+                <a:solidFill>
+                  <a:srgbClr val="FF0000"/>
+                </a:solidFill>
+              </a:rPr>
+              <a:t>XML</a:t>
+            </a:r>
+            <a:r>
+              <a:rPr lang="en-US" dirty="0"/>
+              <a:t> documents and files </a:t>
+            </a:r>
+          </a:p>
+          <a:p>
+            <a:r>
+              <a:rPr lang="en-US" dirty="0"/>
+              <a:t>Using simple set of shell commands </a:t>
+            </a:r>
+          </a:p>
+          <a:p>
+            <a:pPr lvl="1"/>
+            <a:r>
+              <a:rPr lang="en-US" dirty="0"/>
+              <a:t>Similar to </a:t>
+            </a:r>
+            <a:r>
+              <a:rPr lang="en-US" i="1" dirty="0">
+                <a:solidFill>
+                  <a:srgbClr val="FF0000"/>
+                </a:solidFill>
+              </a:rPr>
+              <a:t>grep, sed, awk</a:t>
+            </a:r>
+          </a:p>
+          <a:p>
+            <a:r>
+              <a:rPr lang="en-US" dirty="0"/>
+              <a:t>http://xmlstar.sourceforge.net/doc</a:t>
+            </a:r>
+          </a:p>
+          <a:p>
+            <a:endParaRPr lang="en-US" i="1" dirty="0">
+              <a:solidFill>
+                <a:srgbClr val="FF0000"/>
               </a:solidFill>
             </a:endParaRPr>
           </a:p>
@@ -14182,7 +14480,7 @@
     </p:spTree>
     <p:extLst>
       <p:ext uri="{BB962C8B-B14F-4D97-AF65-F5344CB8AC3E}">
-        <p14:creationId xmlns:p14="http://schemas.microsoft.com/office/powerpoint/2010/main" val="3174242878"/>
+        <p14:creationId xmlns:p14="http://schemas.microsoft.com/office/powerpoint/2010/main" val="1341317686"/>
       </p:ext>
     </p:extLst>
   </p:cSld>

--- a/NIST_Data_Leakage_Case/NIST_Data_Leakage_02._WinEvt_XML.pptx
+++ b/NIST_Data_Leakage_Case/NIST_Data_Leakage_02._WinEvt_XML.pptx
@@ -167,7 +167,7 @@
 <file path=ppt/revisionInfo.xml><?xml version="1.0" encoding="utf-8"?>
 <p1510:revInfo xmlns:a="http://schemas.openxmlformats.org/drawingml/2006/main" xmlns:r="http://schemas.openxmlformats.org/officeDocument/2006/relationships" xmlns:p1510="http://schemas.microsoft.com/office/powerpoint/2015/10/main">
   <p1510:revLst>
-    <p1510:client id="{763D7CBC-195E-480C-A07D-648228AD4295}" v="3" dt="2021-09-21T01:55:42.552"/>
+    <p1510:client id="{763D7CBC-195E-480C-A07D-648228AD4295}" v="4" dt="2021-11-12T23:55:39.920"/>
   </p1510:revLst>
 </p1510:revInfo>
 </file>
@@ -217,7 +217,7 @@
   <pc:docChgLst>
     <pc:chgData name="Weifeng Xu" userId="e7aed605-a3dd-4d5a-a692-a87037af107b" providerId="ADAL" clId="{763D7CBC-195E-480C-A07D-648228AD4295}"/>
     <pc:docChg chg="undo custSel addSld modSld">
-      <pc:chgData name="Weifeng Xu" userId="e7aed605-a3dd-4d5a-a692-a87037af107b" providerId="ADAL" clId="{763D7CBC-195E-480C-A07D-648228AD4295}" dt="2021-09-21T01:56:20.722" v="364" actId="20577"/>
+      <pc:chgData name="Weifeng Xu" userId="e7aed605-a3dd-4d5a-a692-a87037af107b" providerId="ADAL" clId="{763D7CBC-195E-480C-A07D-648228AD4295}" dt="2021-11-12T23:55:50.645" v="409" actId="11529"/>
       <pc:docMkLst>
         <pc:docMk/>
       </pc:docMkLst>
@@ -252,6 +252,13 @@
           </ac:picMkLst>
         </pc:picChg>
       </pc:sldChg>
+      <pc:sldChg chg="modNotesTx">
+        <pc:chgData name="Weifeng Xu" userId="e7aed605-a3dd-4d5a-a692-a87037af107b" providerId="ADAL" clId="{763D7CBC-195E-480C-A07D-648228AD4295}" dt="2021-09-28T14:40:43.941" v="366"/>
+        <pc:sldMkLst>
+          <pc:docMk/>
+          <pc:sldMk cId="173997947" sldId="258"/>
+        </pc:sldMkLst>
+      </pc:sldChg>
       <pc:sldChg chg="addSp modSp mod">
         <pc:chgData name="Weifeng Xu" userId="e7aed605-a3dd-4d5a-a692-a87037af107b" providerId="ADAL" clId="{763D7CBC-195E-480C-A07D-648228AD4295}" dt="2021-09-21T01:43:10.068" v="283" actId="1076"/>
         <pc:sldMkLst>
@@ -283,6 +290,21 @@
         </pc:spChg>
       </pc:sldChg>
       <pc:sldChg chg="modSp mod">
+        <pc:chgData name="Weifeng Xu" userId="e7aed605-a3dd-4d5a-a692-a87037af107b" providerId="ADAL" clId="{763D7CBC-195E-480C-A07D-648228AD4295}" dt="2021-11-12T20:08:39.410" v="403" actId="1037"/>
+        <pc:sldMkLst>
+          <pc:docMk/>
+          <pc:sldMk cId="3117129762" sldId="281"/>
+        </pc:sldMkLst>
+        <pc:picChg chg="mod">
+          <ac:chgData name="Weifeng Xu" userId="e7aed605-a3dd-4d5a-a692-a87037af107b" providerId="ADAL" clId="{763D7CBC-195E-480C-A07D-648228AD4295}" dt="2021-11-12T20:08:39.410" v="403" actId="1037"/>
+          <ac:picMkLst>
+            <pc:docMk/>
+            <pc:sldMk cId="3117129762" sldId="281"/>
+            <ac:picMk id="5" creationId="{00000000-0000-0000-0000-000000000000}"/>
+          </ac:picMkLst>
+        </pc:picChg>
+      </pc:sldChg>
+      <pc:sldChg chg="modSp mod">
         <pc:chgData name="Weifeng Xu" userId="e7aed605-a3dd-4d5a-a692-a87037af107b" providerId="ADAL" clId="{763D7CBC-195E-480C-A07D-648228AD4295}" dt="2021-09-21T01:38:33.277" v="281" actId="20577"/>
         <pc:sldMkLst>
           <pc:docMk/>
@@ -309,6 +331,44 @@
             <pc:docMk/>
             <pc:sldMk cId="245378617" sldId="296"/>
             <ac:spMk id="3" creationId="{07357821-C5F7-4C3D-BD9C-52457382E87F}"/>
+          </ac:spMkLst>
+        </pc:spChg>
+      </pc:sldChg>
+      <pc:sldChg chg="addSp modSp mod">
+        <pc:chgData name="Weifeng Xu" userId="e7aed605-a3dd-4d5a-a692-a87037af107b" providerId="ADAL" clId="{763D7CBC-195E-480C-A07D-648228AD4295}" dt="2021-11-12T23:55:50.645" v="409" actId="11529"/>
+        <pc:sldMkLst>
+          <pc:docMk/>
+          <pc:sldMk cId="3441779522" sldId="303"/>
+        </pc:sldMkLst>
+        <pc:spChg chg="add mod">
+          <ac:chgData name="Weifeng Xu" userId="e7aed605-a3dd-4d5a-a692-a87037af107b" providerId="ADAL" clId="{763D7CBC-195E-480C-A07D-648228AD4295}" dt="2021-11-12T23:55:45.751" v="408" actId="207"/>
+          <ac:spMkLst>
+            <pc:docMk/>
+            <pc:sldMk cId="3441779522" sldId="303"/>
+            <ac:spMk id="4" creationId="{65429067-4F3D-497C-93BB-9EC92CA7DB10}"/>
+          </ac:spMkLst>
+        </pc:spChg>
+        <pc:cxnChg chg="add">
+          <ac:chgData name="Weifeng Xu" userId="e7aed605-a3dd-4d5a-a692-a87037af107b" providerId="ADAL" clId="{763D7CBC-195E-480C-A07D-648228AD4295}" dt="2021-11-12T23:55:50.645" v="409" actId="11529"/>
+          <ac:cxnSpMkLst>
+            <pc:docMk/>
+            <pc:sldMk cId="3441779522" sldId="303"/>
+            <ac:cxnSpMk id="6" creationId="{3F8C1E6A-5FC7-4706-9A1E-D789143B614F}"/>
+          </ac:cxnSpMkLst>
+        </pc:cxnChg>
+      </pc:sldChg>
+      <pc:sldChg chg="modSp mod">
+        <pc:chgData name="Weifeng Xu" userId="e7aed605-a3dd-4d5a-a692-a87037af107b" providerId="ADAL" clId="{763D7CBC-195E-480C-A07D-648228AD4295}" dt="2021-10-05T21:54:33.910" v="385" actId="20577"/>
+        <pc:sldMkLst>
+          <pc:docMk/>
+          <pc:sldMk cId="37395222" sldId="304"/>
+        </pc:sldMkLst>
+        <pc:spChg chg="mod">
+          <ac:chgData name="Weifeng Xu" userId="e7aed605-a3dd-4d5a-a692-a87037af107b" providerId="ADAL" clId="{763D7CBC-195E-480C-A07D-648228AD4295}" dt="2021-10-05T21:54:33.910" v="385" actId="20577"/>
+          <ac:spMkLst>
+            <pc:docMk/>
+            <pc:sldMk cId="37395222" sldId="304"/>
+            <ac:spMk id="5" creationId="{00000000-0000-0000-0000-000000000000}"/>
           </ac:spMkLst>
         </pc:spChg>
       </pc:sldChg>
@@ -760,7 +820,7 @@
           <a:p>
             <a:fld id="{EE41F6E3-57F9-402E-BDBA-5B2DE11C8530}" type="datetimeFigureOut">
               <a:rPr lang="en-US" smtClean="0"/>
-              <a:t>9/20/2021</a:t>
+              <a:t>11/12/2021</a:t>
             </a:fld>
             <a:endParaRPr lang="en-US"/>
           </a:p>
@@ -1565,27 +1625,27 @@
           <a:lstStyle/>
           <a:p>
             <a:r>
-              <a:rPr lang="en-US" err="1"/>
+              <a:rPr lang="en-US" dirty="0" err="1"/>
               <a:t>xmlstarlet</a:t>
             </a:r>
             <a:r>
-              <a:rPr lang="en-US"/>
+              <a:rPr lang="en-US" dirty="0"/>
               <a:t>  </a:t>
             </a:r>
             <a:r>
-              <a:rPr lang="en-US" err="1"/>
+              <a:rPr lang="en-US" dirty="0" err="1"/>
               <a:t>sel</a:t>
             </a:r>
             <a:r>
-              <a:rPr lang="en-US"/>
+              <a:rPr lang="en-US" dirty="0"/>
               <a:t> -N x="http://schemas.microsoft.com/win/2004/08/events/event" -t -m "//</a:t>
             </a:r>
             <a:r>
-              <a:rPr lang="en-US" err="1"/>
+              <a:rPr lang="en-US" dirty="0" err="1"/>
               <a:t>x:EventID</a:t>
             </a:r>
             <a:r>
-              <a:rPr lang="en-US"/>
+              <a:rPr lang="en-US" dirty="0"/>
               <a:t>[@Qualifiers]" -c . -n  SecurityEvt.xml | head</a:t>
             </a:r>
           </a:p>
@@ -1854,9 +1914,55 @@
           <a:lstStyle/>
           <a:p>
             <a:r>
-              <a:rPr lang="en-US"/>
+              <a:rPr lang="en-US" dirty="0"/>
               <a:t>https://www.grymoire.com/Unix/Sed.html</a:t>
             </a:r>
+          </a:p>
+          <a:p>
+            <a:pPr marL="0" marR="0" lvl="0" indent="0" algn="l" defTabSz="914400" rtl="0" eaLnBrk="1" fontAlgn="auto" latinLnBrk="0" hangingPunct="1">
+              <a:lnSpc>
+                <a:spcPct val="100000"/>
+              </a:lnSpc>
+              <a:spcBef>
+                <a:spcPts val="0"/>
+              </a:spcBef>
+              <a:spcAft>
+                <a:spcPts val="0"/>
+              </a:spcAft>
+              <a:buClrTx/>
+              <a:buSzTx/>
+              <a:buFontTx/>
+              <a:buNone/>
+              <a:tabLst/>
+              <a:defRPr/>
+            </a:pPr>
+            <a:r>
+              <a:rPr lang="en-US" dirty="0" err="1"/>
+              <a:t>xmlstarlet</a:t>
+            </a:r>
+            <a:r>
+              <a:rPr lang="en-US" dirty="0"/>
+              <a:t>  </a:t>
+            </a:r>
+            <a:r>
+              <a:rPr lang="en-US" dirty="0" err="1"/>
+              <a:t>sel</a:t>
+            </a:r>
+            <a:r>
+              <a:rPr lang="en-US" dirty="0"/>
+              <a:t> -N x="http://schemas.microsoft.com/win/2004/08/events/event" -t -m "//</a:t>
+            </a:r>
+            <a:r>
+              <a:rPr lang="en-US" dirty="0" err="1"/>
+              <a:t>x:EventID</a:t>
+            </a:r>
+            <a:r>
+              <a:rPr lang="en-US" dirty="0"/>
+              <a:t>[@Qualifiers]" -c . -n  SecurityEvt.xml | head</a:t>
+            </a:r>
+          </a:p>
+          <a:p>
+            <a:endParaRPr lang="en-US" dirty="0"/>
           </a:p>
         </p:txBody>
       </p:sp>
@@ -2947,6 +3053,90 @@
           <a:bodyPr/>
           <a:lstStyle/>
           <a:p>
+            <a:endParaRPr lang="en-US" dirty="0"/>
+          </a:p>
+        </p:txBody>
+      </p:sp>
+      <p:sp>
+        <p:nvSpPr>
+          <p:cNvPr id="4" name="Slide Number Placeholder 3"/>
+          <p:cNvSpPr>
+            <a:spLocks noGrp="1"/>
+          </p:cNvSpPr>
+          <p:nvPr>
+            <p:ph type="sldNum" sz="quarter" idx="5"/>
+          </p:nvPr>
+        </p:nvSpPr>
+        <p:spPr/>
+        <p:txBody>
+          <a:bodyPr/>
+          <a:lstStyle/>
+          <a:p>
+            <a:fld id="{DDBF98C7-164A-4723-84F0-B1E4B080DDEC}" type="slidenum">
+              <a:rPr lang="en-US" smtClean="0"/>
+              <a:t>46</a:t>
+            </a:fld>
+            <a:endParaRPr lang="en-US"/>
+          </a:p>
+        </p:txBody>
+      </p:sp>
+    </p:spTree>
+    <p:extLst>
+      <p:ext uri="{BB962C8B-B14F-4D97-AF65-F5344CB8AC3E}">
+        <p14:creationId xmlns:p14="http://schemas.microsoft.com/office/powerpoint/2010/main" val="2362373012"/>
+      </p:ext>
+    </p:extLst>
+  </p:cSld>
+  <p:clrMapOvr>
+    <a:masterClrMapping/>
+  </p:clrMapOvr>
+</p:notes>
+</file>
+
+<file path=ppt/notesSlides/notesSlide27.xml><?xml version="1.0" encoding="utf-8"?>
+<p:notes xmlns:a="http://schemas.openxmlformats.org/drawingml/2006/main" xmlns:r="http://schemas.openxmlformats.org/officeDocument/2006/relationships" xmlns:p="http://schemas.openxmlformats.org/presentationml/2006/main">
+  <p:cSld>
+    <p:spTree>
+      <p:nvGrpSpPr>
+        <p:cNvPr id="1" name=""/>
+        <p:cNvGrpSpPr/>
+        <p:nvPr/>
+      </p:nvGrpSpPr>
+      <p:grpSpPr>
+        <a:xfrm>
+          <a:off x="0" y="0"/>
+          <a:ext cx="0" cy="0"/>
+          <a:chOff x="0" y="0"/>
+          <a:chExt cx="0" cy="0"/>
+        </a:xfrm>
+      </p:grpSpPr>
+      <p:sp>
+        <p:nvSpPr>
+          <p:cNvPr id="2" name="Slide Image Placeholder 1"/>
+          <p:cNvSpPr>
+            <a:spLocks noGrp="1" noRot="1" noChangeAspect="1"/>
+          </p:cNvSpPr>
+          <p:nvPr>
+            <p:ph type="sldImg"/>
+          </p:nvPr>
+        </p:nvSpPr>
+        <p:spPr/>
+      </p:sp>
+      <p:sp>
+        <p:nvSpPr>
+          <p:cNvPr id="3" name="Notes Placeholder 2"/>
+          <p:cNvSpPr>
+            <a:spLocks noGrp="1"/>
+          </p:cNvSpPr>
+          <p:nvPr>
+            <p:ph type="body" idx="1"/>
+          </p:nvPr>
+        </p:nvSpPr>
+        <p:spPr/>
+        <p:txBody>
+          <a:bodyPr/>
+          <a:lstStyle/>
+          <a:p>
             <a:r>
               <a:rPr lang="en-US"/>
               <a:t>https://www.joyofdata.de/blog/transforming-xml-document-into-csv-using-xmlstarlet/</a:t>
@@ -2996,7 +3186,7 @@
 </p:notes>
 </file>
 
-<file path=ppt/notesSlides/notesSlide27.xml><?xml version="1.0" encoding="utf-8"?>
+<file path=ppt/notesSlides/notesSlide28.xml><?xml version="1.0" encoding="utf-8"?>
 <p:notes xmlns:a="http://schemas.openxmlformats.org/drawingml/2006/main" xmlns:r="http://schemas.openxmlformats.org/officeDocument/2006/relationships" xmlns:p="http://schemas.openxmlformats.org/presentationml/2006/main">
   <p:cSld>
     <p:spTree>
@@ -3924,7 +4114,7 @@
           <a:p>
             <a:fld id="{4263717A-E3C1-4BED-ABE0-B7069385E023}" type="datetimeFigureOut">
               <a:rPr lang="en-US" smtClean="0"/>
-              <a:t>9/20/2021</a:t>
+              <a:t>11/12/2021</a:t>
             </a:fld>
             <a:endParaRPr lang="en-US"/>
           </a:p>
@@ -4097,7 +4287,7 @@
           <a:p>
             <a:fld id="{4263717A-E3C1-4BED-ABE0-B7069385E023}" type="datetimeFigureOut">
               <a:rPr lang="en-US" smtClean="0"/>
-              <a:t>9/20/2021</a:t>
+              <a:t>11/12/2021</a:t>
             </a:fld>
             <a:endParaRPr lang="en-US"/>
           </a:p>
@@ -4275,7 +4465,7 @@
           <a:p>
             <a:fld id="{4263717A-E3C1-4BED-ABE0-B7069385E023}" type="datetimeFigureOut">
               <a:rPr lang="en-US" smtClean="0"/>
-              <a:t>9/20/2021</a:t>
+              <a:t>11/12/2021</a:t>
             </a:fld>
             <a:endParaRPr lang="en-US"/>
           </a:p>
@@ -4443,7 +4633,7 @@
           <a:p>
             <a:fld id="{4263717A-E3C1-4BED-ABE0-B7069385E023}" type="datetimeFigureOut">
               <a:rPr lang="en-US" smtClean="0"/>
-              <a:t>9/20/2021</a:t>
+              <a:t>11/12/2021</a:t>
             </a:fld>
             <a:endParaRPr lang="en-US"/>
           </a:p>
@@ -4688,7 +4878,7 @@
           <a:p>
             <a:fld id="{4263717A-E3C1-4BED-ABE0-B7069385E023}" type="datetimeFigureOut">
               <a:rPr lang="en-US" smtClean="0"/>
-              <a:t>9/20/2021</a:t>
+              <a:t>11/12/2021</a:t>
             </a:fld>
             <a:endParaRPr lang="en-US"/>
           </a:p>
@@ -4917,7 +5107,7 @@
           <a:p>
             <a:fld id="{4263717A-E3C1-4BED-ABE0-B7069385E023}" type="datetimeFigureOut">
               <a:rPr lang="en-US" smtClean="0"/>
-              <a:t>9/20/2021</a:t>
+              <a:t>11/12/2021</a:t>
             </a:fld>
             <a:endParaRPr lang="en-US"/>
           </a:p>
@@ -5281,7 +5471,7 @@
           <a:p>
             <a:fld id="{4263717A-E3C1-4BED-ABE0-B7069385E023}" type="datetimeFigureOut">
               <a:rPr lang="en-US" smtClean="0"/>
-              <a:t>9/20/2021</a:t>
+              <a:t>11/12/2021</a:t>
             </a:fld>
             <a:endParaRPr lang="en-US"/>
           </a:p>
@@ -5398,7 +5588,7 @@
           <a:p>
             <a:fld id="{4263717A-E3C1-4BED-ABE0-B7069385E023}" type="datetimeFigureOut">
               <a:rPr lang="en-US" smtClean="0"/>
-              <a:t>9/20/2021</a:t>
+              <a:t>11/12/2021</a:t>
             </a:fld>
             <a:endParaRPr lang="en-US"/>
           </a:p>
@@ -5493,7 +5683,7 @@
           <a:p>
             <a:fld id="{4263717A-E3C1-4BED-ABE0-B7069385E023}" type="datetimeFigureOut">
               <a:rPr lang="en-US" smtClean="0"/>
-              <a:t>9/20/2021</a:t>
+              <a:t>11/12/2021</a:t>
             </a:fld>
             <a:endParaRPr lang="en-US"/>
           </a:p>
@@ -5768,7 +5958,7 @@
           <a:p>
             <a:fld id="{4263717A-E3C1-4BED-ABE0-B7069385E023}" type="datetimeFigureOut">
               <a:rPr lang="en-US" smtClean="0"/>
-              <a:t>9/20/2021</a:t>
+              <a:t>11/12/2021</a:t>
             </a:fld>
             <a:endParaRPr lang="en-US"/>
           </a:p>
@@ -6020,7 +6210,7 @@
           <a:p>
             <a:fld id="{4263717A-E3C1-4BED-ABE0-B7069385E023}" type="datetimeFigureOut">
               <a:rPr lang="en-US" smtClean="0"/>
-              <a:t>9/20/2021</a:t>
+              <a:t>11/12/2021</a:t>
             </a:fld>
             <a:endParaRPr lang="en-US"/>
           </a:p>
@@ -6231,7 +6421,7 @@
           <a:p>
             <a:fld id="{4263717A-E3C1-4BED-ABE0-B7069385E023}" type="datetimeFigureOut">
               <a:rPr lang="en-US" smtClean="0"/>
-              <a:t>9/20/2021</a:t>
+              <a:t>11/12/2021</a:t>
             </a:fld>
             <a:endParaRPr lang="en-US"/>
           </a:p>
@@ -13101,7 +13291,7 @@
           <p:nvPr/>
         </p:nvPicPr>
         <p:blipFill>
-          <a:blip r:embed="rId2"/>
+          <a:blip r:embed="rId3"/>
           <a:stretch>
             <a:fillRect/>
           </a:stretch>
@@ -13187,6 +13377,85 @@
           </a:p>
         </p:txBody>
       </p:sp>
+      <p:sp>
+        <p:nvSpPr>
+          <p:cNvPr id="4" name="TextBox 3">
+            <a:extLst>
+              <a:ext uri="{FF2B5EF4-FFF2-40B4-BE49-F238E27FC236}">
+                <a16:creationId xmlns:a16="http://schemas.microsoft.com/office/drawing/2014/main" id="{65429067-4F3D-497C-93BB-9EC92CA7DB10}"/>
+              </a:ext>
+            </a:extLst>
+          </p:cNvPr>
+          <p:cNvSpPr txBox="1"/>
+          <p:nvPr/>
+        </p:nvSpPr>
+        <p:spPr>
+          <a:xfrm>
+            <a:off x="7711200" y="4399200"/>
+            <a:ext cx="563039" cy="369332"/>
+          </a:xfrm>
+          <a:prstGeom prst="rect">
+            <a:avLst/>
+          </a:prstGeom>
+          <a:solidFill>
+            <a:schemeClr val="accent4">
+              <a:lumMod val="20000"/>
+              <a:lumOff val="80000"/>
+            </a:schemeClr>
+          </a:solidFill>
+        </p:spPr>
+        <p:txBody>
+          <a:bodyPr wrap="none" rtlCol="0">
+            <a:spAutoFit/>
+          </a:bodyPr>
+          <a:lstStyle/>
+          <a:p>
+            <a:r>
+              <a:rPr lang="en-US" dirty="0"/>
+              <a:t>UTC</a:t>
+            </a:r>
+          </a:p>
+        </p:txBody>
+      </p:sp>
+      <p:cxnSp>
+        <p:nvCxnSpPr>
+          <p:cNvPr id="6" name="Straight Arrow Connector 5">
+            <a:extLst>
+              <a:ext uri="{FF2B5EF4-FFF2-40B4-BE49-F238E27FC236}">
+                <a16:creationId xmlns:a16="http://schemas.microsoft.com/office/drawing/2014/main" id="{3F8C1E6A-5FC7-4706-9A1E-D789143B614F}"/>
+              </a:ext>
+            </a:extLst>
+          </p:cNvPr>
+          <p:cNvCxnSpPr/>
+          <p:nvPr/>
+        </p:nvCxnSpPr>
+        <p:spPr>
+          <a:xfrm flipH="1" flipV="1">
+            <a:off x="6559200" y="3880800"/>
+            <a:ext cx="1116000" cy="691200"/>
+          </a:xfrm>
+          <a:prstGeom prst="straightConnector1">
+            <a:avLst/>
+          </a:prstGeom>
+          <a:ln>
+            <a:tailEnd type="triangle"/>
+          </a:ln>
+        </p:spPr>
+        <p:style>
+          <a:lnRef idx="1">
+            <a:schemeClr val="accent1"/>
+          </a:lnRef>
+          <a:fillRef idx="0">
+            <a:schemeClr val="accent1"/>
+          </a:fillRef>
+          <a:effectRef idx="0">
+            <a:schemeClr val="accent1"/>
+          </a:effectRef>
+          <a:fontRef idx="minor">
+            <a:schemeClr val="tx1"/>
+          </a:fontRef>
+        </p:style>
+      </p:cxnSp>
     </p:spTree>
     <p:extLst>
       <p:ext uri="{BB962C8B-B14F-4D97-AF65-F5344CB8AC3E}">
@@ -13239,21 +13508,21 @@
           <a:lstStyle/>
           <a:p>
             <a:r>
-              <a:rPr lang="en-US"/>
+              <a:rPr lang="en-US" dirty="0"/>
               <a:t>&lt;Event&gt;&lt;System&gt;&lt;Provider Name="Microsoft-Windows-Security-Auditing" </a:t>
             </a:r>
             <a:r>
-              <a:rPr lang="en-US" err="1"/>
+              <a:rPr lang="en-US" dirty="0" err="1"/>
               <a:t>Guid</a:t>
             </a:r>
             <a:r>
-              <a:rPr lang="en-US"/>
+              <a:rPr lang="en-US" dirty="0"/>
               <a:t>="{54849625-5478-4994-a5ba-3e3b0328c30d}"&gt;&lt;/Provider&gt;</a:t>
             </a:r>
           </a:p>
           <a:p>
             <a:r>
-              <a:rPr lang="en-US">
+              <a:rPr lang="en-US" dirty="0">
                 <a:solidFill>
                   <a:srgbClr val="FF0000"/>
                 </a:solidFill>
@@ -13261,7 +13530,7 @@
               <a:t>&lt;</a:t>
             </a:r>
             <a:r>
-              <a:rPr lang="en-US" err="1">
+              <a:rPr lang="en-US" dirty="0" err="1">
                 <a:solidFill>
                   <a:srgbClr val="FF0000"/>
                 </a:solidFill>
@@ -13269,7 +13538,7 @@
               <a:t>EventID</a:t>
             </a:r>
             <a:r>
-              <a:rPr lang="en-US">
+              <a:rPr lang="en-US" dirty="0">
                 <a:solidFill>
                   <a:srgbClr val="FF0000"/>
                 </a:solidFill>
@@ -13277,7 +13546,7 @@
               <a:t> Qualifiers=""&gt;</a:t>
             </a:r>
             <a:r>
-              <a:rPr lang="en-US">
+              <a:rPr lang="en-US" dirty="0">
                 <a:solidFill>
                   <a:srgbClr val="7030A0"/>
                 </a:solidFill>
@@ -13285,7 +13554,7 @@
               <a:t>4608</a:t>
             </a:r>
             <a:r>
-              <a:rPr lang="en-US">
+              <a:rPr lang="en-US" dirty="0">
                 <a:solidFill>
                   <a:srgbClr val="FF0000"/>
                 </a:solidFill>
@@ -13293,7 +13562,7 @@
               <a:t>&lt;/</a:t>
             </a:r>
             <a:r>
-              <a:rPr lang="en-US" err="1">
+              <a:rPr lang="en-US" dirty="0" err="1">
                 <a:solidFill>
                   <a:srgbClr val="FF0000"/>
                 </a:solidFill>
@@ -13301,43 +13570,43 @@
               <a:t>EventID</a:t>
             </a:r>
             <a:r>
-              <a:rPr lang="en-US"/>
+              <a:rPr lang="en-US" dirty="0"/>
               <a:t>&gt;</a:t>
             </a:r>
           </a:p>
           <a:p>
             <a:r>
-              <a:rPr lang="en-US"/>
+              <a:rPr lang="en-US" dirty="0"/>
               <a:t>&lt;Version&gt;0&lt;/Version&gt;</a:t>
             </a:r>
           </a:p>
           <a:p>
             <a:r>
-              <a:rPr lang="en-US"/>
+              <a:rPr lang="en-US" dirty="0"/>
               <a:t>&lt;Level&gt;0&lt;/Level&gt;</a:t>
             </a:r>
           </a:p>
           <a:p>
             <a:r>
-              <a:rPr lang="en-US"/>
+              <a:rPr lang="en-US" dirty="0"/>
               <a:t>&lt;Task&gt;12288&lt;/Task&gt;</a:t>
             </a:r>
           </a:p>
           <a:p>
             <a:r>
-              <a:rPr lang="en-US"/>
+              <a:rPr lang="en-US" dirty="0"/>
               <a:t>&lt;Opcode&gt;0&lt;/Opcode&gt;</a:t>
             </a:r>
           </a:p>
           <a:p>
             <a:r>
-              <a:rPr lang="en-US"/>
+              <a:rPr lang="en-US" dirty="0"/>
               <a:t>&lt;Keywords&gt;0x8020000000000000&lt;/Keywords&gt;</a:t>
             </a:r>
           </a:p>
           <a:p>
             <a:r>
-              <a:rPr lang="en-US">
+              <a:rPr lang="en-US" dirty="0">
                 <a:solidFill>
                   <a:srgbClr val="FF0000"/>
                 </a:solidFill>
@@ -13345,7 +13614,7 @@
               <a:t>&lt;</a:t>
             </a:r>
             <a:r>
-              <a:rPr lang="en-US" err="1">
+              <a:rPr lang="en-US" dirty="0" err="1">
                 <a:solidFill>
                   <a:srgbClr val="FF0000"/>
                 </a:solidFill>
@@ -13353,7 +13622,7 @@
               <a:t>TimeCreated</a:t>
             </a:r>
             <a:r>
-              <a:rPr lang="en-US">
+              <a:rPr lang="en-US" dirty="0">
                 <a:solidFill>
                   <a:srgbClr val="FF0000"/>
                 </a:solidFill>
@@ -13361,7 +13630,7 @@
               <a:t> </a:t>
             </a:r>
             <a:r>
-              <a:rPr lang="en-US" err="1">
+              <a:rPr lang="en-US" dirty="0" err="1">
                 <a:solidFill>
                   <a:srgbClr val="FF0000"/>
                 </a:solidFill>
@@ -13369,7 +13638,7 @@
               <a:t>SystemTime</a:t>
             </a:r>
             <a:r>
-              <a:rPr lang="en-US">
+              <a:rPr lang="en-US" dirty="0">
                 <a:solidFill>
                   <a:srgbClr val="FF0000"/>
                 </a:solidFill>
@@ -13377,7 +13646,7 @@
               <a:t>="2015-03-25 10:15:35.248869"&gt;&lt;/</a:t>
             </a:r>
             <a:r>
-              <a:rPr lang="en-US" err="1">
+              <a:rPr lang="en-US" dirty="0" err="1">
                 <a:solidFill>
                   <a:srgbClr val="FF0000"/>
                 </a:solidFill>
@@ -13385,7 +13654,7 @@
               <a:t>TimeCreated</a:t>
             </a:r>
             <a:r>
-              <a:rPr lang="en-US">
+              <a:rPr lang="en-US" dirty="0">
                 <a:solidFill>
                   <a:srgbClr val="FF0000"/>
                 </a:solidFill>
@@ -13395,127 +13664,127 @@
           </a:p>
           <a:p>
             <a:r>
-              <a:rPr lang="en-US"/>
+              <a:rPr lang="en-US" dirty="0"/>
               <a:t>&lt;</a:t>
             </a:r>
             <a:r>
-              <a:rPr lang="en-US" err="1"/>
+              <a:rPr lang="en-US" dirty="0" err="1"/>
               <a:t>EventRecordID</a:t>
             </a:r>
             <a:r>
-              <a:rPr lang="en-US"/>
+              <a:rPr lang="en-US" dirty="0"/>
               <a:t>&gt;1&lt;/</a:t>
             </a:r>
             <a:r>
-              <a:rPr lang="en-US" err="1"/>
+              <a:rPr lang="en-US" dirty="0" err="1"/>
               <a:t>EventRecordID</a:t>
             </a:r>
             <a:r>
-              <a:rPr lang="en-US"/>
+              <a:rPr lang="en-US" dirty="0"/>
               <a:t>&gt;</a:t>
             </a:r>
           </a:p>
           <a:p>
             <a:r>
-              <a:rPr lang="en-US"/>
+              <a:rPr lang="en-US" dirty="0"/>
               <a:t>&lt;Correlation </a:t>
             </a:r>
             <a:r>
-              <a:rPr lang="en-US" err="1"/>
+              <a:rPr lang="en-US" dirty="0" err="1"/>
               <a:t>ActivityID</a:t>
             </a:r>
             <a:r>
-              <a:rPr lang="en-US"/>
+              <a:rPr lang="en-US" dirty="0"/>
               <a:t>="" </a:t>
             </a:r>
             <a:r>
-              <a:rPr lang="en-US" err="1"/>
+              <a:rPr lang="en-US" dirty="0" err="1"/>
               <a:t>RelatedActivityID</a:t>
             </a:r>
             <a:r>
-              <a:rPr lang="en-US"/>
+              <a:rPr lang="en-US" dirty="0"/>
               <a:t>=""&gt;&lt;/Correlation&gt;</a:t>
             </a:r>
           </a:p>
           <a:p>
             <a:r>
-              <a:rPr lang="en-US"/>
+              <a:rPr lang="en-US" dirty="0"/>
               <a:t>&lt;Execution </a:t>
             </a:r>
             <a:r>
-              <a:rPr lang="en-US" err="1"/>
+              <a:rPr lang="en-US" dirty="0" err="1"/>
               <a:t>ProcessID</a:t>
             </a:r>
             <a:r>
-              <a:rPr lang="en-US"/>
+              <a:rPr lang="en-US" dirty="0"/>
               <a:t>="464" </a:t>
             </a:r>
             <a:r>
-              <a:rPr lang="en-US" err="1"/>
+              <a:rPr lang="en-US" dirty="0" err="1"/>
               <a:t>ThreadID</a:t>
             </a:r>
             <a:r>
-              <a:rPr lang="en-US"/>
+              <a:rPr lang="en-US" dirty="0"/>
               <a:t>="468"&gt;&lt;/Execution&gt;</a:t>
             </a:r>
           </a:p>
           <a:p>
             <a:r>
-              <a:rPr lang="en-US"/>
+              <a:rPr lang="en-US" dirty="0"/>
               <a:t>&lt;Channel&gt;Security&lt;/Channel&gt;</a:t>
             </a:r>
           </a:p>
           <a:p>
             <a:r>
-              <a:rPr lang="en-US"/>
+              <a:rPr lang="en-US" dirty="0"/>
               <a:t>&lt;Computer&gt;37L4247F27-25&lt;/Computer&gt;</a:t>
             </a:r>
           </a:p>
           <a:p>
             <a:r>
-              <a:rPr lang="en-US"/>
+              <a:rPr lang="en-US" dirty="0"/>
               <a:t>&lt;Security </a:t>
             </a:r>
             <a:r>
-              <a:rPr lang="en-US" err="1"/>
+              <a:rPr lang="en-US" dirty="0" err="1"/>
               <a:t>UserID</a:t>
             </a:r>
             <a:r>
-              <a:rPr lang="en-US"/>
+              <a:rPr lang="en-US" dirty="0"/>
               <a:t>=""&gt;&lt;/Security&gt;</a:t>
             </a:r>
           </a:p>
           <a:p>
             <a:r>
-              <a:rPr lang="en-US"/>
+              <a:rPr lang="en-US" dirty="0"/>
               <a:t>&lt;/System&gt;</a:t>
             </a:r>
           </a:p>
           <a:p>
             <a:r>
-              <a:rPr lang="en-US"/>
+              <a:rPr lang="en-US" dirty="0"/>
               <a:t>&lt;</a:t>
             </a:r>
             <a:r>
-              <a:rPr lang="en-US" err="1"/>
+              <a:rPr lang="en-US" dirty="0" err="1"/>
               <a:t>EventData</a:t>
             </a:r>
             <a:r>
-              <a:rPr lang="en-US"/>
+              <a:rPr lang="en-US" dirty="0"/>
               <a:t>&gt;&lt;/</a:t>
             </a:r>
             <a:r>
-              <a:rPr lang="en-US" err="1"/>
+              <a:rPr lang="en-US" dirty="0" err="1"/>
               <a:t>EventData</a:t>
             </a:r>
             <a:r>
-              <a:rPr lang="en-US"/>
+              <a:rPr lang="en-US" dirty="0"/>
               <a:t>&gt;</a:t>
             </a:r>
           </a:p>
           <a:p>
             <a:r>
-              <a:rPr lang="en-US"/>
+              <a:rPr lang="en-US" dirty="0"/>
               <a:t>&lt;/Event&gt;</a:t>
             </a:r>
           </a:p>
@@ -14016,7 +14285,15 @@
           <a:p>
             <a:r>
               <a:rPr lang="en-US" dirty="0"/>
-              <a:t>Convert all events to .csv</a:t>
+              <a:t>Convert all event IDs</a:t>
+            </a:r>
+            <a:r>
+              <a:rPr lang="en-US"/>
+              <a:t>, timestamps </a:t>
+            </a:r>
+            <a:r>
+              <a:rPr lang="en-US" dirty="0"/>
+              <a:t>to .csv</a:t>
             </a:r>
           </a:p>
           <a:p>
@@ -14040,12 +14317,8 @@
               <a:t>eventid</a:t>
             </a:r>
             <a:r>
-              <a:rPr lang="en-US"/>
-              <a:t> “4634”  </a:t>
-            </a:r>
-            <a:r>
               <a:rPr lang="en-US" dirty="0"/>
-              <a:t>with “logoff”</a:t>
+              <a:t> “4634”  with “logoff”</a:t>
             </a:r>
           </a:p>
           <a:p>

--- a/NIST_Data_Leakage_Case/NIST_Data_Leakage_02._WinEvt_XML.pptx
+++ b/NIST_Data_Leakage_Case/NIST_Data_Leakage_02._WinEvt_XML.pptx
@@ -5,7 +5,7 @@
     <p:sldMasterId id="2147483648" r:id="rId1"/>
   </p:sldMasterIdLst>
   <p:notesMasterIdLst>
-    <p:notesMasterId r:id="rId52"/>
+    <p:notesMasterId r:id="rId53"/>
   </p:notesMasterIdLst>
   <p:sldIdLst>
     <p:sldId id="256" r:id="rId2"/>
@@ -19,45 +19,46 @@
     <p:sldId id="279" r:id="rId10"/>
     <p:sldId id="259" r:id="rId11"/>
     <p:sldId id="260" r:id="rId12"/>
-    <p:sldId id="305" r:id="rId13"/>
-    <p:sldId id="275" r:id="rId14"/>
-    <p:sldId id="276" r:id="rId15"/>
-    <p:sldId id="267" r:id="rId16"/>
-    <p:sldId id="261" r:id="rId17"/>
-    <p:sldId id="264" r:id="rId18"/>
-    <p:sldId id="265" r:id="rId19"/>
-    <p:sldId id="266" r:id="rId20"/>
-    <p:sldId id="271" r:id="rId21"/>
-    <p:sldId id="272" r:id="rId22"/>
-    <p:sldId id="273" r:id="rId23"/>
-    <p:sldId id="268" r:id="rId24"/>
-    <p:sldId id="263" r:id="rId25"/>
-    <p:sldId id="269" r:id="rId26"/>
-    <p:sldId id="280" r:id="rId27"/>
-    <p:sldId id="281" r:id="rId28"/>
-    <p:sldId id="282" r:id="rId29"/>
-    <p:sldId id="270" r:id="rId30"/>
-    <p:sldId id="274" r:id="rId31"/>
-    <p:sldId id="283" r:id="rId32"/>
-    <p:sldId id="284" r:id="rId33"/>
-    <p:sldId id="285" r:id="rId34"/>
-    <p:sldId id="286" r:id="rId35"/>
-    <p:sldId id="258" r:id="rId36"/>
-    <p:sldId id="288" r:id="rId37"/>
-    <p:sldId id="302" r:id="rId38"/>
-    <p:sldId id="296" r:id="rId39"/>
-    <p:sldId id="299" r:id="rId40"/>
-    <p:sldId id="301" r:id="rId41"/>
-    <p:sldId id="291" r:id="rId42"/>
-    <p:sldId id="293" r:id="rId43"/>
-    <p:sldId id="300" r:id="rId44"/>
-    <p:sldId id="298" r:id="rId45"/>
-    <p:sldId id="295" r:id="rId46"/>
-    <p:sldId id="303" r:id="rId47"/>
-    <p:sldId id="287" r:id="rId48"/>
-    <p:sldId id="290" r:id="rId49"/>
-    <p:sldId id="292" r:id="rId50"/>
-    <p:sldId id="304" r:id="rId51"/>
+    <p:sldId id="310" r:id="rId13"/>
+    <p:sldId id="305" r:id="rId14"/>
+    <p:sldId id="275" r:id="rId15"/>
+    <p:sldId id="276" r:id="rId16"/>
+    <p:sldId id="267" r:id="rId17"/>
+    <p:sldId id="261" r:id="rId18"/>
+    <p:sldId id="264" r:id="rId19"/>
+    <p:sldId id="265" r:id="rId20"/>
+    <p:sldId id="266" r:id="rId21"/>
+    <p:sldId id="271" r:id="rId22"/>
+    <p:sldId id="272" r:id="rId23"/>
+    <p:sldId id="273" r:id="rId24"/>
+    <p:sldId id="268" r:id="rId25"/>
+    <p:sldId id="263" r:id="rId26"/>
+    <p:sldId id="269" r:id="rId27"/>
+    <p:sldId id="280" r:id="rId28"/>
+    <p:sldId id="281" r:id="rId29"/>
+    <p:sldId id="282" r:id="rId30"/>
+    <p:sldId id="270" r:id="rId31"/>
+    <p:sldId id="274" r:id="rId32"/>
+    <p:sldId id="283" r:id="rId33"/>
+    <p:sldId id="284" r:id="rId34"/>
+    <p:sldId id="285" r:id="rId35"/>
+    <p:sldId id="286" r:id="rId36"/>
+    <p:sldId id="258" r:id="rId37"/>
+    <p:sldId id="288" r:id="rId38"/>
+    <p:sldId id="302" r:id="rId39"/>
+    <p:sldId id="296" r:id="rId40"/>
+    <p:sldId id="299" r:id="rId41"/>
+    <p:sldId id="301" r:id="rId42"/>
+    <p:sldId id="291" r:id="rId43"/>
+    <p:sldId id="293" r:id="rId44"/>
+    <p:sldId id="300" r:id="rId45"/>
+    <p:sldId id="298" r:id="rId46"/>
+    <p:sldId id="295" r:id="rId47"/>
+    <p:sldId id="303" r:id="rId48"/>
+    <p:sldId id="287" r:id="rId49"/>
+    <p:sldId id="290" r:id="rId50"/>
+    <p:sldId id="292" r:id="rId51"/>
+    <p:sldId id="304" r:id="rId52"/>
   </p:sldIdLst>
   <p:sldSz cx="12192000" cy="6858000"/>
   <p:notesSz cx="6858000" cy="9144000"/>
@@ -167,7 +168,7 @@
 <file path=ppt/revisionInfo.xml><?xml version="1.0" encoding="utf-8"?>
 <p1510:revInfo xmlns:a="http://schemas.openxmlformats.org/drawingml/2006/main" xmlns:r="http://schemas.openxmlformats.org/officeDocument/2006/relationships" xmlns:p1510="http://schemas.microsoft.com/office/powerpoint/2015/10/main">
   <p1510:revLst>
-    <p1510:client id="{763D7CBC-195E-480C-A07D-648228AD4295}" v="4" dt="2021-11-12T23:55:39.920"/>
+    <p1510:client id="{763D7CBC-195E-480C-A07D-648228AD4295}" v="9" dt="2022-03-01T16:52:58.225"/>
   </p1510:revLst>
 </p1510:revInfo>
 </file>
@@ -217,7 +218,7 @@
   <pc:docChgLst>
     <pc:chgData name="Weifeng Xu" userId="e7aed605-a3dd-4d5a-a692-a87037af107b" providerId="ADAL" clId="{763D7CBC-195E-480C-A07D-648228AD4295}"/>
     <pc:docChg chg="undo custSel addSld modSld">
-      <pc:chgData name="Weifeng Xu" userId="e7aed605-a3dd-4d5a-a692-a87037af107b" providerId="ADAL" clId="{763D7CBC-195E-480C-A07D-648228AD4295}" dt="2021-11-12T23:55:50.645" v="409" actId="11529"/>
+      <pc:chgData name="Weifeng Xu" userId="e7aed605-a3dd-4d5a-a692-a87037af107b" providerId="ADAL" clId="{763D7CBC-195E-480C-A07D-648228AD4295}" dt="2022-03-01T17:14:26.273" v="535" actId="20577"/>
       <pc:docMkLst>
         <pc:docMk/>
       </pc:docMkLst>
@@ -258,6 +259,21 @@
           <pc:docMk/>
           <pc:sldMk cId="173997947" sldId="258"/>
         </pc:sldMkLst>
+      </pc:sldChg>
+      <pc:sldChg chg="addSp modSp mod">
+        <pc:chgData name="Weifeng Xu" userId="e7aed605-a3dd-4d5a-a692-a87037af107b" providerId="ADAL" clId="{763D7CBC-195E-480C-A07D-648228AD4295}" dt="2022-02-26T16:00:10.656" v="451" actId="1076"/>
+        <pc:sldMkLst>
+          <pc:docMk/>
+          <pc:sldMk cId="3341397945" sldId="266"/>
+        </pc:sldMkLst>
+        <pc:picChg chg="add mod">
+          <ac:chgData name="Weifeng Xu" userId="e7aed605-a3dd-4d5a-a692-a87037af107b" providerId="ADAL" clId="{763D7CBC-195E-480C-A07D-648228AD4295}" dt="2022-02-26T16:00:10.656" v="451" actId="1076"/>
+          <ac:picMkLst>
+            <pc:docMk/>
+            <pc:sldMk cId="3341397945" sldId="266"/>
+            <ac:picMk id="6" creationId="{F21F091E-62A3-4824-8C0E-F5F3309A58B2}"/>
+          </ac:picMkLst>
+        </pc:picChg>
       </pc:sldChg>
       <pc:sldChg chg="addSp modSp mod">
         <pc:chgData name="Weifeng Xu" userId="e7aed605-a3dd-4d5a-a692-a87037af107b" providerId="ADAL" clId="{763D7CBC-195E-480C-A07D-648228AD4295}" dt="2021-09-21T01:43:10.068" v="283" actId="1076"/>
@@ -320,6 +336,21 @@
         </pc:spChg>
       </pc:sldChg>
       <pc:sldChg chg="addSp modSp mod">
+        <pc:chgData name="Weifeng Xu" userId="e7aed605-a3dd-4d5a-a692-a87037af107b" providerId="ADAL" clId="{763D7CBC-195E-480C-A07D-648228AD4295}" dt="2022-03-01T17:14:26.273" v="535" actId="20577"/>
+        <pc:sldMkLst>
+          <pc:docMk/>
+          <pc:sldMk cId="2682351958" sldId="293"/>
+        </pc:sldMkLst>
+        <pc:spChg chg="add mod">
+          <ac:chgData name="Weifeng Xu" userId="e7aed605-a3dd-4d5a-a692-a87037af107b" providerId="ADAL" clId="{763D7CBC-195E-480C-A07D-648228AD4295}" dt="2022-03-01T17:14:26.273" v="535" actId="20577"/>
+          <ac:spMkLst>
+            <pc:docMk/>
+            <pc:sldMk cId="2682351958" sldId="293"/>
+            <ac:spMk id="3" creationId="{0CA099BB-4022-4256-A17F-713905E134BF}"/>
+          </ac:spMkLst>
+        </pc:spChg>
+      </pc:sldChg>
+      <pc:sldChg chg="addSp modSp mod">
         <pc:chgData name="Weifeng Xu" userId="e7aed605-a3dd-4d5a-a692-a87037af107b" providerId="ADAL" clId="{763D7CBC-195E-480C-A07D-648228AD4295}" dt="2021-09-21T01:56:20.722" v="364" actId="20577"/>
         <pc:sldMkLst>
           <pc:docMk/>
@@ -358,19 +389,66 @@
         </pc:cxnChg>
       </pc:sldChg>
       <pc:sldChg chg="modSp mod">
-        <pc:chgData name="Weifeng Xu" userId="e7aed605-a3dd-4d5a-a692-a87037af107b" providerId="ADAL" clId="{763D7CBC-195E-480C-A07D-648228AD4295}" dt="2021-10-05T21:54:33.910" v="385" actId="20577"/>
+        <pc:chgData name="Weifeng Xu" userId="e7aed605-a3dd-4d5a-a692-a87037af107b" providerId="ADAL" clId="{763D7CBC-195E-480C-A07D-648228AD4295}" dt="2022-02-26T16:49:28.676" v="474" actId="20577"/>
         <pc:sldMkLst>
           <pc:docMk/>
           <pc:sldMk cId="37395222" sldId="304"/>
         </pc:sldMkLst>
         <pc:spChg chg="mod">
-          <ac:chgData name="Weifeng Xu" userId="e7aed605-a3dd-4d5a-a692-a87037af107b" providerId="ADAL" clId="{763D7CBC-195E-480C-A07D-648228AD4295}" dt="2021-10-05T21:54:33.910" v="385" actId="20577"/>
+          <ac:chgData name="Weifeng Xu" userId="e7aed605-a3dd-4d5a-a692-a87037af107b" providerId="ADAL" clId="{763D7CBC-195E-480C-A07D-648228AD4295}" dt="2022-02-26T16:49:28.676" v="474" actId="20577"/>
           <ac:spMkLst>
             <pc:docMk/>
             <pc:sldMk cId="37395222" sldId="304"/>
             <ac:spMk id="5" creationId="{00000000-0000-0000-0000-000000000000}"/>
           </ac:spMkLst>
         </pc:spChg>
+      </pc:sldChg>
+      <pc:sldChg chg="addSp delSp modSp mod">
+        <pc:chgData name="Weifeng Xu" userId="e7aed605-a3dd-4d5a-a692-a87037af107b" providerId="ADAL" clId="{763D7CBC-195E-480C-A07D-648228AD4295}" dt="2022-02-26T15:52:01.941" v="447" actId="404"/>
+        <pc:sldMkLst>
+          <pc:docMk/>
+          <pc:sldMk cId="2014149104" sldId="305"/>
+        </pc:sldMkLst>
+        <pc:spChg chg="add del">
+          <ac:chgData name="Weifeng Xu" userId="e7aed605-a3dd-4d5a-a692-a87037af107b" providerId="ADAL" clId="{763D7CBC-195E-480C-A07D-648228AD4295}" dt="2022-02-26T15:50:23.398" v="426" actId="478"/>
+          <ac:spMkLst>
+            <pc:docMk/>
+            <pc:sldMk cId="2014149104" sldId="305"/>
+            <ac:spMk id="9" creationId="{00000000-0000-0000-0000-000000000000}"/>
+          </ac:spMkLst>
+        </pc:spChg>
+        <pc:spChg chg="add del">
+          <ac:chgData name="Weifeng Xu" userId="e7aed605-a3dd-4d5a-a692-a87037af107b" providerId="ADAL" clId="{763D7CBC-195E-480C-A07D-648228AD4295}" dt="2022-02-26T15:50:22.895" v="425" actId="478"/>
+          <ac:spMkLst>
+            <pc:docMk/>
+            <pc:sldMk cId="2014149104" sldId="305"/>
+            <ac:spMk id="10" creationId="{00000000-0000-0000-0000-000000000000}"/>
+          </ac:spMkLst>
+        </pc:spChg>
+        <pc:spChg chg="add mod">
+          <ac:chgData name="Weifeng Xu" userId="e7aed605-a3dd-4d5a-a692-a87037af107b" providerId="ADAL" clId="{763D7CBC-195E-480C-A07D-648228AD4295}" dt="2022-02-26T15:52:01.941" v="447" actId="404"/>
+          <ac:spMkLst>
+            <pc:docMk/>
+            <pc:sldMk cId="2014149104" sldId="305"/>
+            <ac:spMk id="12" creationId="{C406EAF0-EC4B-4A3A-91C8-D029878FA3D1}"/>
+          </ac:spMkLst>
+        </pc:spChg>
+        <pc:cxnChg chg="add mod">
+          <ac:chgData name="Weifeng Xu" userId="e7aed605-a3dd-4d5a-a692-a87037af107b" providerId="ADAL" clId="{763D7CBC-195E-480C-A07D-648228AD4295}" dt="2022-02-26T15:50:42.297" v="428" actId="13822"/>
+          <ac:cxnSpMkLst>
+            <pc:docMk/>
+            <pc:sldMk cId="2014149104" sldId="305"/>
+            <ac:cxnSpMk id="7" creationId="{64D2F3A9-A395-492B-B773-9442BE5CBE4F}"/>
+          </ac:cxnSpMkLst>
+        </pc:cxnChg>
+        <pc:cxnChg chg="add mod">
+          <ac:chgData name="Weifeng Xu" userId="e7aed605-a3dd-4d5a-a692-a87037af107b" providerId="ADAL" clId="{763D7CBC-195E-480C-A07D-648228AD4295}" dt="2022-02-26T15:50:50.112" v="430" actId="13822"/>
+          <ac:cxnSpMkLst>
+            <pc:docMk/>
+            <pc:sldMk cId="2014149104" sldId="305"/>
+            <ac:cxnSpMk id="11" creationId="{37EFBBAE-6FAA-4427-AB50-78A99215E4F6}"/>
+          </ac:cxnSpMkLst>
+        </pc:cxnChg>
       </pc:sldChg>
       <pc:sldChg chg="addSp delSp modSp new mod modClrScheme chgLayout">
         <pc:chgData name="Weifeng Xu" userId="e7aed605-a3dd-4d5a-a692-a87037af107b" providerId="ADAL" clId="{763D7CBC-195E-480C-A07D-648228AD4295}" dt="2021-09-20T22:10:29.834" v="82" actId="1076"/>
@@ -392,6 +470,37 @@
             <pc:docMk/>
             <pc:sldMk cId="322537141" sldId="309"/>
             <ac:picMk id="4" creationId="{5480A98E-07B1-4509-BB5B-E0C419FA4C22}"/>
+          </ac:picMkLst>
+        </pc:picChg>
+      </pc:sldChg>
+      <pc:sldChg chg="addSp modSp new mod modNotesTx">
+        <pc:chgData name="Weifeng Xu" userId="e7aed605-a3dd-4d5a-a692-a87037af107b" providerId="ADAL" clId="{763D7CBC-195E-480C-A07D-648228AD4295}" dt="2022-02-26T15:48:08.591" v="422"/>
+        <pc:sldMkLst>
+          <pc:docMk/>
+          <pc:sldMk cId="4148218689" sldId="310"/>
+        </pc:sldMkLst>
+        <pc:spChg chg="add mod">
+          <ac:chgData name="Weifeng Xu" userId="e7aed605-a3dd-4d5a-a692-a87037af107b" providerId="ADAL" clId="{763D7CBC-195E-480C-A07D-648228AD4295}" dt="2022-02-26T15:47:56.730" v="419" actId="1076"/>
+          <ac:spMkLst>
+            <pc:docMk/>
+            <pc:sldMk cId="4148218689" sldId="310"/>
+            <ac:spMk id="6" creationId="{4CA861C0-3573-4850-A014-659075081C98}"/>
+          </ac:spMkLst>
+        </pc:spChg>
+        <pc:picChg chg="add mod">
+          <ac:chgData name="Weifeng Xu" userId="e7aed605-a3dd-4d5a-a692-a87037af107b" providerId="ADAL" clId="{763D7CBC-195E-480C-A07D-648228AD4295}" dt="2022-02-26T15:48:00.460" v="421" actId="1076"/>
+          <ac:picMkLst>
+            <pc:docMk/>
+            <pc:sldMk cId="4148218689" sldId="310"/>
+            <ac:picMk id="3" creationId="{098D9CA7-35F4-44B8-ABE6-8A9CBC2F3013}"/>
+          </ac:picMkLst>
+        </pc:picChg>
+        <pc:picChg chg="add mod">
+          <ac:chgData name="Weifeng Xu" userId="e7aed605-a3dd-4d5a-a692-a87037af107b" providerId="ADAL" clId="{763D7CBC-195E-480C-A07D-648228AD4295}" dt="2022-02-26T15:47:48.715" v="416" actId="1076"/>
+          <ac:picMkLst>
+            <pc:docMk/>
+            <pc:sldMk cId="4148218689" sldId="310"/>
+            <ac:picMk id="1026" creationId="{DD027756-84C2-439B-B80F-7F26B75424A5}"/>
           </ac:picMkLst>
         </pc:picChg>
       </pc:sldChg>
@@ -820,7 +929,7 @@
           <a:p>
             <a:fld id="{EE41F6E3-57F9-402E-BDBA-5B2DE11C8530}" type="datetimeFigureOut">
               <a:rPr lang="en-US" smtClean="0"/>
-              <a:t>11/12/2021</a:t>
+              <a:t>3/1/2022</a:t>
             </a:fld>
             <a:endParaRPr lang="en-US"/>
           </a:p>
@@ -1224,15 +1333,7 @@
             </a:r>
             <a:r>
               <a:rPr lang="en-US"/>
-              <a:t> </a:t>
-            </a:r>
-            <a:r>
-              <a:rPr lang="en-US" err="1"/>
-              <a:t>fo</a:t>
-            </a:r>
-            <a:r>
-              <a:rPr lang="en-US"/>
-              <a:t> -n SecurityEvt.xml | head -n 15</a:t>
+              <a:t> el -v SecurityEvt.xml 2&gt;/dev/null | head</a:t>
             </a:r>
           </a:p>
         </p:txBody>
@@ -1254,7 +1355,7 @@
           <a:p>
             <a:fld id="{DDBF98C7-164A-4723-84F0-B1E4B080DDEC}" type="slidenum">
               <a:rPr lang="en-US" smtClean="0"/>
-              <a:t>22</a:t>
+              <a:t>20</a:t>
             </a:fld>
             <a:endParaRPr lang="en-US"/>
           </a:p>
@@ -1263,7 +1364,7 @@
     </p:spTree>
     <p:extLst>
       <p:ext uri="{BB962C8B-B14F-4D97-AF65-F5344CB8AC3E}">
-        <p14:creationId xmlns:p14="http://schemas.microsoft.com/office/powerpoint/2010/main" val="1653227690"/>
+        <p14:creationId xmlns:p14="http://schemas.microsoft.com/office/powerpoint/2010/main" val="3756863120"/>
       </p:ext>
     </p:extLst>
   </p:cSld>
@@ -1318,8 +1419,20 @@
           <a:lstStyle/>
           <a:p>
             <a:r>
+              <a:rPr lang="en-US" err="1"/>
+              <a:t>xmlstarlet</a:t>
+            </a:r>
+            <a:r>
               <a:rPr lang="en-US"/>
-              <a:t>https://www.marklogic.com/blog/xpath-punctuation-part-1/</a:t>
+              <a:t> </a:t>
+            </a:r>
+            <a:r>
+              <a:rPr lang="en-US" err="1"/>
+              <a:t>fo</a:t>
+            </a:r>
+            <a:r>
+              <a:rPr lang="en-US"/>
+              <a:t> -n SecurityEvt.xml | head -n 15</a:t>
             </a:r>
           </a:p>
         </p:txBody>
@@ -1341,7 +1454,7 @@
           <a:p>
             <a:fld id="{DDBF98C7-164A-4723-84F0-B1E4B080DDEC}" type="slidenum">
               <a:rPr lang="en-US" smtClean="0"/>
-              <a:t>27</a:t>
+              <a:t>23</a:t>
             </a:fld>
             <a:endParaRPr lang="en-US"/>
           </a:p>
@@ -1350,7 +1463,7 @@
     </p:spTree>
     <p:extLst>
       <p:ext uri="{BB962C8B-B14F-4D97-AF65-F5344CB8AC3E}">
-        <p14:creationId xmlns:p14="http://schemas.microsoft.com/office/powerpoint/2010/main" val="4290912733"/>
+        <p14:creationId xmlns:p14="http://schemas.microsoft.com/office/powerpoint/2010/main" val="1653227690"/>
       </p:ext>
     </p:extLst>
   </p:cSld>
@@ -1405,28 +1518,8 @@
           <a:lstStyle/>
           <a:p>
             <a:r>
-              <a:rPr lang="en-US" dirty="0" err="1"/>
-              <a:t>xmlstarlet</a:t>
-            </a:r>
-            <a:r>
-              <a:rPr lang="en-US" dirty="0"/>
-              <a:t> </a:t>
-            </a:r>
-            <a:r>
-              <a:rPr lang="en-US" dirty="0" err="1"/>
-              <a:t>sel</a:t>
-            </a:r>
-            <a:r>
-              <a:rPr lang="en-US" dirty="0"/>
-              <a:t> -N x="http://schemas.microsoft.com/win/2004/08/events/event" -t -m "//</a:t>
-            </a:r>
-            <a:r>
-              <a:rPr lang="en-US" dirty="0" err="1"/>
-              <a:t>x:Event</a:t>
-            </a:r>
-            <a:r>
-              <a:rPr lang="en-US" dirty="0"/>
-              <a:t>[1]" -c .  SecurityEvt.xml</a:t>
+              <a:rPr lang="en-US"/>
+              <a:t>https://www.marklogic.com/blog/xpath-punctuation-part-1/</a:t>
             </a:r>
           </a:p>
         </p:txBody>
@@ -1457,7 +1550,7 @@
     </p:spTree>
     <p:extLst>
       <p:ext uri="{BB962C8B-B14F-4D97-AF65-F5344CB8AC3E}">
-        <p14:creationId xmlns:p14="http://schemas.microsoft.com/office/powerpoint/2010/main" val="1941659153"/>
+        <p14:creationId xmlns:p14="http://schemas.microsoft.com/office/powerpoint/2010/main" val="4290912733"/>
       </p:ext>
     </p:extLst>
   </p:cSld>
@@ -1529,17 +1622,11 @@
             </a:r>
             <a:r>
               <a:rPr lang="en-US" dirty="0" err="1"/>
-              <a:t>x:TimeCreated</a:t>
+              <a:t>x:Event</a:t>
             </a:r>
             <a:r>
               <a:rPr lang="en-US" dirty="0"/>
-              <a:t>" -c . -n SecurityEvt.xml</a:t>
-            </a:r>
-          </a:p>
-          <a:p>
-            <a:r>
-              <a:rPr lang="en-US" dirty="0"/>
-              <a:t>http://xmlstar.sourceforge.net/doc/UG/xmlstarlet-ug.html#idm47077139523728</a:t>
+              <a:t>[1]" -c .  SecurityEvt.xml</a:t>
             </a:r>
           </a:p>
         </p:txBody>
@@ -1570,7 +1657,7 @@
     </p:spTree>
     <p:extLst>
       <p:ext uri="{BB962C8B-B14F-4D97-AF65-F5344CB8AC3E}">
-        <p14:creationId xmlns:p14="http://schemas.microsoft.com/office/powerpoint/2010/main" val="1233013455"/>
+        <p14:creationId xmlns:p14="http://schemas.microsoft.com/office/powerpoint/2010/main" val="1941659153"/>
       </p:ext>
     </p:extLst>
   </p:cSld>
@@ -1630,7 +1717,7 @@
             </a:r>
             <a:r>
               <a:rPr lang="en-US" dirty="0"/>
-              <a:t>  </a:t>
+              <a:t> </a:t>
             </a:r>
             <a:r>
               <a:rPr lang="en-US" dirty="0" err="1"/>
@@ -1642,11 +1729,17 @@
             </a:r>
             <a:r>
               <a:rPr lang="en-US" dirty="0" err="1"/>
-              <a:t>x:EventID</a:t>
+              <a:t>x:TimeCreated</a:t>
             </a:r>
             <a:r>
               <a:rPr lang="en-US" dirty="0"/>
-              <a:t>[@Qualifiers]" -c . -n  SecurityEvt.xml | head</a:t>
+              <a:t>" -c . -n SecurityEvt.xml</a:t>
+            </a:r>
+          </a:p>
+          <a:p>
+            <a:r>
+              <a:rPr lang="en-US" dirty="0"/>
+              <a:t>http://xmlstar.sourceforge.net/doc/UG/xmlstarlet-ug.html#idm47077139523728</a:t>
             </a:r>
           </a:p>
         </p:txBody>
@@ -1677,7 +1770,7 @@
     </p:spTree>
     <p:extLst>
       <p:ext uri="{BB962C8B-B14F-4D97-AF65-F5344CB8AC3E}">
-        <p14:creationId xmlns:p14="http://schemas.microsoft.com/office/powerpoint/2010/main" val="3879454730"/>
+        <p14:creationId xmlns:p14="http://schemas.microsoft.com/office/powerpoint/2010/main" val="1233013455"/>
       </p:ext>
     </p:extLst>
   </p:cSld>
@@ -1732,8 +1825,28 @@
           <a:lstStyle/>
           <a:p>
             <a:r>
-              <a:rPr lang="en-US"/>
-              <a:t>https://www.grymoire.com/Unix/Sed.html#uh-1</a:t>
+              <a:rPr lang="en-US" dirty="0" err="1"/>
+              <a:t>xmlstarlet</a:t>
+            </a:r>
+            <a:r>
+              <a:rPr lang="en-US" dirty="0"/>
+              <a:t>  </a:t>
+            </a:r>
+            <a:r>
+              <a:rPr lang="en-US" dirty="0" err="1"/>
+              <a:t>sel</a:t>
+            </a:r>
+            <a:r>
+              <a:rPr lang="en-US" dirty="0"/>
+              <a:t> -N x="http://schemas.microsoft.com/win/2004/08/events/event" -t -m "//</a:t>
+            </a:r>
+            <a:r>
+              <a:rPr lang="en-US" dirty="0" err="1"/>
+              <a:t>x:EventID</a:t>
+            </a:r>
+            <a:r>
+              <a:rPr lang="en-US" dirty="0"/>
+              <a:t>[@Qualifiers]" -c . -n  SecurityEvt.xml | head</a:t>
             </a:r>
           </a:p>
         </p:txBody>
@@ -1764,7 +1877,7 @@
     </p:spTree>
     <p:extLst>
       <p:ext uri="{BB962C8B-B14F-4D97-AF65-F5344CB8AC3E}">
-        <p14:creationId xmlns:p14="http://schemas.microsoft.com/office/powerpoint/2010/main" val="3188718458"/>
+        <p14:creationId xmlns:p14="http://schemas.microsoft.com/office/powerpoint/2010/main" val="3879454730"/>
       </p:ext>
     </p:extLst>
   </p:cSld>
@@ -1820,15 +1933,7 @@
           <a:p>
             <a:r>
               <a:rPr lang="en-US"/>
-              <a:t>echo good morning | </a:t>
-            </a:r>
-            <a:r>
-              <a:rPr lang="en-US" err="1"/>
-              <a:t>sed</a:t>
-            </a:r>
-            <a:r>
-              <a:rPr lang="en-US"/>
-              <a:t> "s/morning/afternoon/"</a:t>
+              <a:t>https://www.grymoire.com/Unix/Sed.html#uh-1</a:t>
             </a:r>
           </a:p>
         </p:txBody>
@@ -1859,7 +1964,7 @@
     </p:spTree>
     <p:extLst>
       <p:ext uri="{BB962C8B-B14F-4D97-AF65-F5344CB8AC3E}">
-        <p14:creationId xmlns:p14="http://schemas.microsoft.com/office/powerpoint/2010/main" val="3569322030"/>
+        <p14:creationId xmlns:p14="http://schemas.microsoft.com/office/powerpoint/2010/main" val="3188718458"/>
       </p:ext>
     </p:extLst>
   </p:cSld>
@@ -1914,55 +2019,17 @@
           <a:lstStyle/>
           <a:p>
             <a:r>
-              <a:rPr lang="en-US" dirty="0"/>
-              <a:t>https://www.grymoire.com/Unix/Sed.html</a:t>
-            </a:r>
-          </a:p>
-          <a:p>
-            <a:pPr marL="0" marR="0" lvl="0" indent="0" algn="l" defTabSz="914400" rtl="0" eaLnBrk="1" fontAlgn="auto" latinLnBrk="0" hangingPunct="1">
-              <a:lnSpc>
-                <a:spcPct val="100000"/>
-              </a:lnSpc>
-              <a:spcBef>
-                <a:spcPts val="0"/>
-              </a:spcBef>
-              <a:spcAft>
-                <a:spcPts val="0"/>
-              </a:spcAft>
-              <a:buClrTx/>
-              <a:buSzTx/>
-              <a:buFontTx/>
-              <a:buNone/>
-              <a:tabLst/>
-              <a:defRPr/>
-            </a:pPr>
-            <a:r>
-              <a:rPr lang="en-US" dirty="0" err="1"/>
-              <a:t>xmlstarlet</a:t>
-            </a:r>
-            <a:r>
-              <a:rPr lang="en-US" dirty="0"/>
-              <a:t>  </a:t>
-            </a:r>
-            <a:r>
-              <a:rPr lang="en-US" dirty="0" err="1"/>
-              <a:t>sel</a:t>
-            </a:r>
-            <a:r>
-              <a:rPr lang="en-US" dirty="0"/>
-              <a:t> -N x="http://schemas.microsoft.com/win/2004/08/events/event" -t -m "//</a:t>
-            </a:r>
-            <a:r>
-              <a:rPr lang="en-US" dirty="0" err="1"/>
-              <a:t>x:EventID</a:t>
-            </a:r>
-            <a:r>
-              <a:rPr lang="en-US" dirty="0"/>
-              <a:t>[@Qualifiers]" -c . -n  SecurityEvt.xml | head</a:t>
-            </a:r>
-          </a:p>
-          <a:p>
-            <a:endParaRPr lang="en-US" dirty="0"/>
+              <a:rPr lang="en-US"/>
+              <a:t>echo good morning | </a:t>
+            </a:r>
+            <a:r>
+              <a:rPr lang="en-US" err="1"/>
+              <a:t>sed</a:t>
+            </a:r>
+            <a:r>
+              <a:rPr lang="en-US"/>
+              <a:t> "s/morning/afternoon/"</a:t>
+            </a:r>
           </a:p>
         </p:txBody>
       </p:sp>
@@ -1983,7 +2050,7 @@
           <a:p>
             <a:fld id="{DDBF98C7-164A-4723-84F0-B1E4B080DDEC}" type="slidenum">
               <a:rPr lang="en-US" smtClean="0"/>
-              <a:t>35</a:t>
+              <a:t>33</a:t>
             </a:fld>
             <a:endParaRPr lang="en-US"/>
           </a:p>
@@ -1992,7 +2059,7 @@
     </p:spTree>
     <p:extLst>
       <p:ext uri="{BB962C8B-B14F-4D97-AF65-F5344CB8AC3E}">
-        <p14:creationId xmlns:p14="http://schemas.microsoft.com/office/powerpoint/2010/main" val="837915341"/>
+        <p14:creationId xmlns:p14="http://schemas.microsoft.com/office/powerpoint/2010/main" val="3569322030"/>
       </p:ext>
     </p:extLst>
   </p:cSld>
@@ -2047,21 +2114,55 @@
           <a:lstStyle/>
           <a:p>
             <a:r>
-              <a:rPr lang="en-US" err="1"/>
+              <a:rPr lang="en-US" dirty="0"/>
+              <a:t>https://www.grymoire.com/Unix/Sed.html</a:t>
+            </a:r>
+          </a:p>
+          <a:p>
+            <a:pPr marL="0" marR="0" lvl="0" indent="0" algn="l" defTabSz="914400" rtl="0" eaLnBrk="1" fontAlgn="auto" latinLnBrk="0" hangingPunct="1">
+              <a:lnSpc>
+                <a:spcPct val="100000"/>
+              </a:lnSpc>
+              <a:spcBef>
+                <a:spcPts val="0"/>
+              </a:spcBef>
+              <a:spcAft>
+                <a:spcPts val="0"/>
+              </a:spcAft>
+              <a:buClrTx/>
+              <a:buSzTx/>
+              <a:buFontTx/>
+              <a:buNone/>
+              <a:tabLst/>
+              <a:defRPr/>
+            </a:pPr>
+            <a:r>
+              <a:rPr lang="en-US" dirty="0" err="1"/>
               <a:t>xmlstarlet</a:t>
             </a:r>
             <a:r>
-              <a:rPr lang="en-US"/>
-              <a:t> </a:t>
-            </a:r>
-            <a:r>
-              <a:rPr lang="en-US" err="1"/>
-              <a:t>ed</a:t>
-            </a:r>
-            <a:r>
-              <a:rPr lang="en-US"/>
-              <a:t> --help</a:t>
-            </a:r>
+              <a:rPr lang="en-US" dirty="0"/>
+              <a:t>  </a:t>
+            </a:r>
+            <a:r>
+              <a:rPr lang="en-US" dirty="0" err="1"/>
+              <a:t>sel</a:t>
+            </a:r>
+            <a:r>
+              <a:rPr lang="en-US" dirty="0"/>
+              <a:t> -N x="http://schemas.microsoft.com/win/2004/08/events/event" -t -m "//</a:t>
+            </a:r>
+            <a:r>
+              <a:rPr lang="en-US" dirty="0" err="1"/>
+              <a:t>x:EventID</a:t>
+            </a:r>
+            <a:r>
+              <a:rPr lang="en-US" dirty="0"/>
+              <a:t>[@Qualifiers]" -c . -n  SecurityEvt.xml | head</a:t>
+            </a:r>
+          </a:p>
+          <a:p>
+            <a:endParaRPr lang="en-US" dirty="0"/>
           </a:p>
         </p:txBody>
       </p:sp>
@@ -2082,7 +2183,7 @@
           <a:p>
             <a:fld id="{DDBF98C7-164A-4723-84F0-B1E4B080DDEC}" type="slidenum">
               <a:rPr lang="en-US" smtClean="0"/>
-              <a:t>37</a:t>
+              <a:t>36</a:t>
             </a:fld>
             <a:endParaRPr lang="en-US"/>
           </a:p>
@@ -2091,7 +2192,7 @@
     </p:spTree>
     <p:extLst>
       <p:ext uri="{BB962C8B-B14F-4D97-AF65-F5344CB8AC3E}">
-        <p14:creationId xmlns:p14="http://schemas.microsoft.com/office/powerpoint/2010/main" val="3480134407"/>
+        <p14:creationId xmlns:p14="http://schemas.microsoft.com/office/powerpoint/2010/main" val="837915341"/>
       </p:ext>
     </p:extLst>
   </p:cSld>
@@ -2155,23 +2256,12 @@
             </a:r>
             <a:r>
               <a:rPr lang="en-US" err="1"/>
-              <a:t>sel</a:t>
+              <a:t>ed</a:t>
             </a:r>
             <a:r>
               <a:rPr lang="en-US"/>
-              <a:t> -N x="http://schemas.microsoft.com/win/2004/08/events/event" -t -m "//</a:t>
-            </a:r>
-            <a:r>
-              <a:rPr lang="en-US" err="1"/>
-              <a:t>x:Event</a:t>
-            </a:r>
-            <a:r>
-              <a:rPr lang="en-US"/>
-              <a:t>[1]" -c .  SecurityEvt.xml 2&gt;/dev/null &gt; SecurityEvent1.xml</a:t>
-            </a:r>
-          </a:p>
-          <a:p>
-            <a:endParaRPr lang="en-US"/>
+              <a:t> --help</a:t>
+            </a:r>
           </a:p>
         </p:txBody>
       </p:sp>
@@ -2201,7 +2291,7 @@
     </p:spTree>
     <p:extLst>
       <p:ext uri="{BB962C8B-B14F-4D97-AF65-F5344CB8AC3E}">
-        <p14:creationId xmlns:p14="http://schemas.microsoft.com/office/powerpoint/2010/main" val="2194765272"/>
+        <p14:creationId xmlns:p14="http://schemas.microsoft.com/office/powerpoint/2010/main" val="3480134407"/>
       </p:ext>
     </p:extLst>
   </p:cSld>
@@ -2360,20 +2450,23 @@
             </a:r>
             <a:r>
               <a:rPr lang="en-US" err="1"/>
-              <a:t>ed</a:t>
+              <a:t>sel</a:t>
             </a:r>
             <a:r>
               <a:rPr lang="en-US"/>
-              <a:t>  -N x="http://schemas.microsoft.com/win/2004/08/events/event" -d '//</a:t>
+              <a:t> -N x="http://schemas.microsoft.com/win/2004/08/events/event" -t -m "//</a:t>
             </a:r>
             <a:r>
               <a:rPr lang="en-US" err="1"/>
-              <a:t>x:Level</a:t>
+              <a:t>x:Event</a:t>
             </a:r>
             <a:r>
               <a:rPr lang="en-US"/>
-              <a:t>' SecurityEvent1.xml</a:t>
-            </a:r>
+              <a:t>[1]" -c .  SecurityEvt.xml 2&gt;/dev/null &gt; SecurityEvent1.xml</a:t>
+            </a:r>
+          </a:p>
+          <a:p>
+            <a:endParaRPr lang="en-US"/>
           </a:p>
         </p:txBody>
       </p:sp>
@@ -2403,7 +2496,7 @@
     </p:spTree>
     <p:extLst>
       <p:ext uri="{BB962C8B-B14F-4D97-AF65-F5344CB8AC3E}">
-        <p14:creationId xmlns:p14="http://schemas.microsoft.com/office/powerpoint/2010/main" val="4014902000"/>
+        <p14:creationId xmlns:p14="http://schemas.microsoft.com/office/powerpoint/2010/main" val="2194765272"/>
       </p:ext>
     </p:extLst>
   </p:cSld>
@@ -2471,7 +2564,7 @@
             </a:r>
             <a:r>
               <a:rPr lang="en-US"/>
-              <a:t> -O  -N x="http://schemas.microsoft.com/win/2004/08/events/event" -d '//</a:t>
+              <a:t>  -N x="http://schemas.microsoft.com/win/2004/08/events/event" -d '//</a:t>
             </a:r>
             <a:r>
               <a:rPr lang="en-US" err="1"/>
@@ -2481,12 +2574,6 @@
               <a:rPr lang="en-US"/>
               <a:t>' SecurityEvent1.xml</a:t>
             </a:r>
-          </a:p>
-          <a:p>
-            <a:endParaRPr lang="en-US"/>
-          </a:p>
-          <a:p>
-            <a:endParaRPr lang="en-US"/>
           </a:p>
         </p:txBody>
       </p:sp>
@@ -2516,7 +2603,7 @@
     </p:spTree>
     <p:extLst>
       <p:ext uri="{BB962C8B-B14F-4D97-AF65-F5344CB8AC3E}">
-        <p14:creationId xmlns:p14="http://schemas.microsoft.com/office/powerpoint/2010/main" val="260150216"/>
+        <p14:creationId xmlns:p14="http://schemas.microsoft.com/office/powerpoint/2010/main" val="4014902000"/>
       </p:ext>
     </p:extLst>
   </p:cSld>
@@ -2571,15 +2658,34 @@
           <a:lstStyle/>
           <a:p>
             <a:r>
+              <a:rPr lang="en-US" err="1"/>
+              <a:t>xmlstarlet</a:t>
+            </a:r>
+            <a:r>
               <a:rPr lang="en-US"/>
-              <a:t>http://xmlstar.sourceforge.net/doc/UG/xmlstarlet-ug.html#idm47077139529952</a:t>
-            </a:r>
-          </a:p>
-          <a:p>
-            <a:r>
-              <a:rPr lang="pt-BR"/>
-              <a:t>xml ed -N N="http://www.c.com/xyz" -d '//N:*' ns2.xml | \ sed -e 's/ xmlns.*=".*"//g'</a:t>
-            </a:r>
+              <a:t> </a:t>
+            </a:r>
+            <a:r>
+              <a:rPr lang="en-US" err="1"/>
+              <a:t>ed</a:t>
+            </a:r>
+            <a:r>
+              <a:rPr lang="en-US"/>
+              <a:t> -O  -N x="http://schemas.microsoft.com/win/2004/08/events/event" -d '//</a:t>
+            </a:r>
+            <a:r>
+              <a:rPr lang="en-US" err="1"/>
+              <a:t>x:Level</a:t>
+            </a:r>
+            <a:r>
+              <a:rPr lang="en-US"/>
+              <a:t>' SecurityEvent1.xml</a:t>
+            </a:r>
+          </a:p>
+          <a:p>
+            <a:endParaRPr lang="en-US"/>
+          </a:p>
+          <a:p>
             <a:endParaRPr lang="en-US"/>
           </a:p>
         </p:txBody>
@@ -2610,7 +2716,7 @@
     </p:spTree>
     <p:extLst>
       <p:ext uri="{BB962C8B-B14F-4D97-AF65-F5344CB8AC3E}">
-        <p14:creationId xmlns:p14="http://schemas.microsoft.com/office/powerpoint/2010/main" val="2123255431"/>
+        <p14:creationId xmlns:p14="http://schemas.microsoft.com/office/powerpoint/2010/main" val="260150216"/>
       </p:ext>
     </p:extLst>
   </p:cSld>
@@ -2665,29 +2771,16 @@
           <a:lstStyle/>
           <a:p>
             <a:r>
-              <a:rPr lang="en-US" dirty="0" err="1"/>
-              <a:t>xmlstarlet</a:t>
-            </a:r>
-            <a:r>
-              <a:rPr lang="en-US" dirty="0"/>
-              <a:t> </a:t>
-            </a:r>
-            <a:r>
-              <a:rPr lang="en-US" dirty="0" err="1"/>
-              <a:t>sel</a:t>
-            </a:r>
-            <a:r>
-              <a:rPr lang="en-US" dirty="0"/>
-              <a:t> -N x="http://schemas.microsoft.com/win/2004/08/events/event" -t -m "//</a:t>
-            </a:r>
-            <a:r>
-              <a:rPr lang="en-US" dirty="0" err="1"/>
-              <a:t>x:Event</a:t>
-            </a:r>
-            <a:r>
-              <a:rPr lang="en-US" dirty="0"/>
-              <a:t>[1]" -c .  SecurityEvt.xml 2&gt;/dev/null &gt; SecurityEvent1.xml</a:t>
-            </a:r>
+              <a:rPr lang="en-US"/>
+              <a:t>http://xmlstar.sourceforge.net/doc/UG/xmlstarlet-ug.html#idm47077139529952</a:t>
+            </a:r>
+          </a:p>
+          <a:p>
+            <a:r>
+              <a:rPr lang="pt-BR"/>
+              <a:t>xml ed -N N="http://www.c.com/xyz" -d '//N:*' ns2.xml | \ sed -e 's/ xmlns.*=".*"//g'</a:t>
+            </a:r>
+            <a:endParaRPr lang="en-US"/>
           </a:p>
         </p:txBody>
       </p:sp>
@@ -2717,7 +2810,7 @@
     </p:spTree>
     <p:extLst>
       <p:ext uri="{BB962C8B-B14F-4D97-AF65-F5344CB8AC3E}">
-        <p14:creationId xmlns:p14="http://schemas.microsoft.com/office/powerpoint/2010/main" val="2103744018"/>
+        <p14:creationId xmlns:p14="http://schemas.microsoft.com/office/powerpoint/2010/main" val="2123255431"/>
       </p:ext>
     </p:extLst>
   </p:cSld>
@@ -2777,32 +2870,23 @@
             </a:r>
             <a:r>
               <a:rPr lang="en-US" dirty="0"/>
-              <a:t> ed -O  -N x="http://schemas.microsoft.com/win/2004/08/events/event" -d '//</a:t>
+              <a:t> </a:t>
             </a:r>
             <a:r>
               <a:rPr lang="en-US" dirty="0" err="1"/>
-              <a:t>x:Level</a:t>
+              <a:t>sel</a:t>
             </a:r>
             <a:r>
               <a:rPr lang="en-US" dirty="0"/>
-              <a:t>' SecurityEvent1.xml | sed -e 's/</a:t>
+              <a:t> -N x="http://schemas.microsoft.com/win/2004/08/events/event" -t -m "//</a:t>
             </a:r>
             <a:r>
               <a:rPr lang="en-US" dirty="0" err="1"/>
-              <a:t>xmlns</a:t>
+              <a:t>x:Event</a:t>
             </a:r>
             <a:r>
               <a:rPr lang="en-US" dirty="0"/>
-              <a:t>.*=".*"//g'</a:t>
-            </a:r>
-          </a:p>
-          <a:p>
-            <a:endParaRPr lang="en-US" dirty="0"/>
-          </a:p>
-          <a:p>
-            <a:r>
-              <a:rPr lang="en-US" dirty="0"/>
-              <a:t>http://xmlstar.sourceforge.net/doc/UG/xmlstarlet-ug.html#idm47077139529952</a:t>
+              <a:t>[1]" -c .  SecurityEvt.xml 2&gt;/dev/null &gt; SecurityEvent1.xml</a:t>
             </a:r>
           </a:p>
         </p:txBody>
@@ -2833,7 +2917,7 @@
     </p:spTree>
     <p:extLst>
       <p:ext uri="{BB962C8B-B14F-4D97-AF65-F5344CB8AC3E}">
-        <p14:creationId xmlns:p14="http://schemas.microsoft.com/office/powerpoint/2010/main" val="3686130851"/>
+        <p14:creationId xmlns:p14="http://schemas.microsoft.com/office/powerpoint/2010/main" val="2103744018"/>
       </p:ext>
     </p:extLst>
   </p:cSld>
@@ -2887,88 +2971,38 @@
           <a:bodyPr/>
           <a:lstStyle/>
           <a:p>
-            <a:pPr marL="0" marR="0" lvl="0" indent="0" algn="l" defTabSz="914400" rtl="0" eaLnBrk="1" fontAlgn="auto" latinLnBrk="0" hangingPunct="1">
-              <a:lnSpc>
-                <a:spcPct val="100000"/>
-              </a:lnSpc>
-              <a:spcBef>
-                <a:spcPts val="0"/>
-              </a:spcBef>
-              <a:spcAft>
-                <a:spcPts val="0"/>
-              </a:spcAft>
-              <a:buClrTx/>
-              <a:buSzTx/>
-              <a:buFontTx/>
-              <a:buNone/>
-              <a:tabLst/>
-              <a:defRPr/>
-            </a:pPr>
-            <a:r>
-              <a:rPr lang="en-US" err="1"/>
+            <a:r>
+              <a:rPr lang="en-US" dirty="0" err="1"/>
               <a:t>xmlstarlet</a:t>
             </a:r>
             <a:r>
-              <a:rPr lang="en-US"/>
-              <a:t> </a:t>
-            </a:r>
-            <a:r>
-              <a:rPr lang="en-US" err="1"/>
-              <a:t>sel</a:t>
-            </a:r>
-            <a:r>
-              <a:rPr lang="en-US"/>
-              <a:t> -N x="http://schemas.microsoft.com/win/2004/08/events/event" -t -m "//</a:t>
-            </a:r>
-            <a:r>
-              <a:rPr lang="en-US" err="1"/>
-              <a:t>x:Event</a:t>
-            </a:r>
-            <a:r>
-              <a:rPr lang="en-US"/>
-              <a:t>[1]" -c .  SecurityEvt.xml 2&gt;/dev/null &gt; SecurityEvent1.xml</a:t>
-            </a:r>
-          </a:p>
-          <a:p>
-            <a:r>
-              <a:rPr lang="en-US" err="1"/>
-              <a:t>xmlstarlet</a:t>
-            </a:r>
-            <a:r>
-              <a:rPr lang="en-US"/>
-              <a:t> </a:t>
-            </a:r>
-            <a:r>
-              <a:rPr lang="en-US" err="1"/>
-              <a:t>ed</a:t>
-            </a:r>
-            <a:r>
-              <a:rPr lang="en-US"/>
-              <a:t> -O  -N x="http://schemas.microsoft.com/win/2004/08/events/event" -d '//</a:t>
-            </a:r>
-            <a:r>
-              <a:rPr lang="en-US" err="1"/>
+              <a:rPr lang="en-US" dirty="0"/>
+              <a:t> ed -O  -N x="http://schemas.microsoft.com/win/2004/08/events/event" -d '//</a:t>
+            </a:r>
+            <a:r>
+              <a:rPr lang="en-US" dirty="0" err="1"/>
               <a:t>x:Level</a:t>
             </a:r>
             <a:r>
-              <a:rPr lang="en-US"/>
-              <a:t>' SecurityEvent1.xml | </a:t>
-            </a:r>
-            <a:r>
-              <a:rPr lang="en-US" err="1"/>
-              <a:t>sed</a:t>
-            </a:r>
-            <a:r>
-              <a:rPr lang="en-US"/>
-              <a:t> -e 's/</a:t>
-            </a:r>
-            <a:r>
-              <a:rPr lang="en-US" err="1"/>
+              <a:rPr lang="en-US" dirty="0"/>
+              <a:t>' SecurityEvent1.xml | sed -e 's/</a:t>
+            </a:r>
+            <a:r>
+              <a:rPr lang="en-US" dirty="0" err="1"/>
               <a:t>xmlns</a:t>
             </a:r>
             <a:r>
-              <a:rPr lang="en-US"/>
-              <a:t>.*=".*"//g' &gt; SecurityEvent1_clean.xml</a:t>
+              <a:rPr lang="en-US" dirty="0"/>
+              <a:t>.*=".*"//g'</a:t>
+            </a:r>
+          </a:p>
+          <a:p>
+            <a:endParaRPr lang="en-US" dirty="0"/>
+          </a:p>
+          <a:p>
+            <a:r>
+              <a:rPr lang="en-US" dirty="0"/>
+              <a:t>http://xmlstar.sourceforge.net/doc/UG/xmlstarlet-ug.html#idm47077139529952</a:t>
             </a:r>
           </a:p>
         </p:txBody>
@@ -2999,7 +3033,7 @@
     </p:spTree>
     <p:extLst>
       <p:ext uri="{BB962C8B-B14F-4D97-AF65-F5344CB8AC3E}">
-        <p14:creationId xmlns:p14="http://schemas.microsoft.com/office/powerpoint/2010/main" val="79770221"/>
+        <p14:creationId xmlns:p14="http://schemas.microsoft.com/office/powerpoint/2010/main" val="3686130851"/>
       </p:ext>
     </p:extLst>
   </p:cSld>
@@ -3053,7 +3087,89 @@
           <a:bodyPr/>
           <a:lstStyle/>
           <a:p>
-            <a:endParaRPr lang="en-US" dirty="0"/>
+            <a:pPr marL="0" marR="0" lvl="0" indent="0" algn="l" defTabSz="914400" rtl="0" eaLnBrk="1" fontAlgn="auto" latinLnBrk="0" hangingPunct="1">
+              <a:lnSpc>
+                <a:spcPct val="100000"/>
+              </a:lnSpc>
+              <a:spcBef>
+                <a:spcPts val="0"/>
+              </a:spcBef>
+              <a:spcAft>
+                <a:spcPts val="0"/>
+              </a:spcAft>
+              <a:buClrTx/>
+              <a:buSzTx/>
+              <a:buFontTx/>
+              <a:buNone/>
+              <a:tabLst/>
+              <a:defRPr/>
+            </a:pPr>
+            <a:r>
+              <a:rPr lang="en-US" err="1"/>
+              <a:t>xmlstarlet</a:t>
+            </a:r>
+            <a:r>
+              <a:rPr lang="en-US"/>
+              <a:t> </a:t>
+            </a:r>
+            <a:r>
+              <a:rPr lang="en-US" err="1"/>
+              <a:t>sel</a:t>
+            </a:r>
+            <a:r>
+              <a:rPr lang="en-US"/>
+              <a:t> -N x="http://schemas.microsoft.com/win/2004/08/events/event" -t -m "//</a:t>
+            </a:r>
+            <a:r>
+              <a:rPr lang="en-US" err="1"/>
+              <a:t>x:Event</a:t>
+            </a:r>
+            <a:r>
+              <a:rPr lang="en-US"/>
+              <a:t>[1]" -c .  SecurityEvt.xml 2&gt;/dev/null &gt; SecurityEvent1.xml</a:t>
+            </a:r>
+          </a:p>
+          <a:p>
+            <a:r>
+              <a:rPr lang="en-US" err="1"/>
+              <a:t>xmlstarlet</a:t>
+            </a:r>
+            <a:r>
+              <a:rPr lang="en-US"/>
+              <a:t> </a:t>
+            </a:r>
+            <a:r>
+              <a:rPr lang="en-US" err="1"/>
+              <a:t>ed</a:t>
+            </a:r>
+            <a:r>
+              <a:rPr lang="en-US"/>
+              <a:t> -O  -N x="http://schemas.microsoft.com/win/2004/08/events/event" -d '//</a:t>
+            </a:r>
+            <a:r>
+              <a:rPr lang="en-US" err="1"/>
+              <a:t>x:Level</a:t>
+            </a:r>
+            <a:r>
+              <a:rPr lang="en-US"/>
+              <a:t>' SecurityEvent1.xml | </a:t>
+            </a:r>
+            <a:r>
+              <a:rPr lang="en-US" err="1"/>
+              <a:t>sed</a:t>
+            </a:r>
+            <a:r>
+              <a:rPr lang="en-US"/>
+              <a:t> -e 's/</a:t>
+            </a:r>
+            <a:r>
+              <a:rPr lang="en-US" err="1"/>
+              <a:t>xmlns</a:t>
+            </a:r>
+            <a:r>
+              <a:rPr lang="en-US"/>
+              <a:t>.*=".*"//g' &gt; SecurityEvent1_clean.xml</a:t>
+            </a:r>
           </a:p>
         </p:txBody>
       </p:sp>
@@ -3064,7 +3180,7 @@
             <a:spLocks noGrp="1"/>
           </p:cNvSpPr>
           <p:nvPr>
-            <p:ph type="sldNum" sz="quarter" idx="5"/>
+            <p:ph type="sldNum" sz="quarter" idx="10"/>
           </p:nvPr>
         </p:nvSpPr>
         <p:spPr/>
@@ -3074,7 +3190,7 @@
           <a:p>
             <a:fld id="{DDBF98C7-164A-4723-84F0-B1E4B080DDEC}" type="slidenum">
               <a:rPr lang="en-US" smtClean="0"/>
-              <a:t>46</a:t>
+              <a:t>45</a:t>
             </a:fld>
             <a:endParaRPr lang="en-US"/>
           </a:p>
@@ -3083,7 +3199,7 @@
     </p:spTree>
     <p:extLst>
       <p:ext uri="{BB962C8B-B14F-4D97-AF65-F5344CB8AC3E}">
-        <p14:creationId xmlns:p14="http://schemas.microsoft.com/office/powerpoint/2010/main" val="2362373012"/>
+        <p14:creationId xmlns:p14="http://schemas.microsoft.com/office/powerpoint/2010/main" val="79770221"/>
       </p:ext>
     </p:extLst>
   </p:cSld>
@@ -3137,16 +3253,7 @@
           <a:bodyPr/>
           <a:lstStyle/>
           <a:p>
-            <a:r>
-              <a:rPr lang="en-US"/>
-              <a:t>https://www.joyofdata.de/blog/transforming-xml-document-into-csv-using-xmlstarlet/</a:t>
-            </a:r>
-          </a:p>
-          <a:p>
-            <a:endParaRPr lang="en-US"/>
-          </a:p>
-          <a:p>
-            <a:endParaRPr lang="en-US"/>
+            <a:endParaRPr lang="en-US" dirty="0"/>
           </a:p>
         </p:txBody>
       </p:sp>
@@ -3157,7 +3264,7 @@
             <a:spLocks noGrp="1"/>
           </p:cNvSpPr>
           <p:nvPr>
-            <p:ph type="sldNum" sz="quarter" idx="10"/>
+            <p:ph type="sldNum" sz="quarter" idx="5"/>
           </p:nvPr>
         </p:nvSpPr>
         <p:spPr/>
@@ -3176,7 +3283,7 @@
     </p:spTree>
     <p:extLst>
       <p:ext uri="{BB962C8B-B14F-4D97-AF65-F5344CB8AC3E}">
-        <p14:creationId xmlns:p14="http://schemas.microsoft.com/office/powerpoint/2010/main" val="2072719678"/>
+        <p14:creationId xmlns:p14="http://schemas.microsoft.com/office/powerpoint/2010/main" val="2362373012"/>
       </p:ext>
     </p:extLst>
   </p:cSld>
@@ -3230,6 +3337,99 @@
           <a:bodyPr/>
           <a:lstStyle/>
           <a:p>
+            <a:r>
+              <a:rPr lang="en-US"/>
+              <a:t>https://www.joyofdata.de/blog/transforming-xml-document-into-csv-using-xmlstarlet/</a:t>
+            </a:r>
+          </a:p>
+          <a:p>
+            <a:endParaRPr lang="en-US"/>
+          </a:p>
+          <a:p>
+            <a:endParaRPr lang="en-US"/>
+          </a:p>
+        </p:txBody>
+      </p:sp>
+      <p:sp>
+        <p:nvSpPr>
+          <p:cNvPr id="4" name="Slide Number Placeholder 3"/>
+          <p:cNvSpPr>
+            <a:spLocks noGrp="1"/>
+          </p:cNvSpPr>
+          <p:nvPr>
+            <p:ph type="sldNum" sz="quarter" idx="10"/>
+          </p:nvPr>
+        </p:nvSpPr>
+        <p:spPr/>
+        <p:txBody>
+          <a:bodyPr/>
+          <a:lstStyle/>
+          <a:p>
+            <a:fld id="{DDBF98C7-164A-4723-84F0-B1E4B080DDEC}" type="slidenum">
+              <a:rPr lang="en-US" smtClean="0"/>
+              <a:t>48</a:t>
+            </a:fld>
+            <a:endParaRPr lang="en-US"/>
+          </a:p>
+        </p:txBody>
+      </p:sp>
+    </p:spTree>
+    <p:extLst>
+      <p:ext uri="{BB962C8B-B14F-4D97-AF65-F5344CB8AC3E}">
+        <p14:creationId xmlns:p14="http://schemas.microsoft.com/office/powerpoint/2010/main" val="2072719678"/>
+      </p:ext>
+    </p:extLst>
+  </p:cSld>
+  <p:clrMapOvr>
+    <a:masterClrMapping/>
+  </p:clrMapOvr>
+</p:notes>
+</file>
+
+<file path=ppt/notesSlides/notesSlide29.xml><?xml version="1.0" encoding="utf-8"?>
+<p:notes xmlns:a="http://schemas.openxmlformats.org/drawingml/2006/main" xmlns:r="http://schemas.openxmlformats.org/officeDocument/2006/relationships" xmlns:p="http://schemas.openxmlformats.org/presentationml/2006/main">
+  <p:cSld>
+    <p:spTree>
+      <p:nvGrpSpPr>
+        <p:cNvPr id="1" name=""/>
+        <p:cNvGrpSpPr/>
+        <p:nvPr/>
+      </p:nvGrpSpPr>
+      <p:grpSpPr>
+        <a:xfrm>
+          <a:off x="0" y="0"/>
+          <a:ext cx="0" cy="0"/>
+          <a:chOff x="0" y="0"/>
+          <a:chExt cx="0" cy="0"/>
+        </a:xfrm>
+      </p:grpSpPr>
+      <p:sp>
+        <p:nvSpPr>
+          <p:cNvPr id="2" name="Slide Image Placeholder 1"/>
+          <p:cNvSpPr>
+            <a:spLocks noGrp="1" noRot="1" noChangeAspect="1"/>
+          </p:cNvSpPr>
+          <p:nvPr>
+            <p:ph type="sldImg"/>
+          </p:nvPr>
+        </p:nvSpPr>
+        <p:spPr/>
+      </p:sp>
+      <p:sp>
+        <p:nvSpPr>
+          <p:cNvPr id="3" name="Notes Placeholder 2"/>
+          <p:cNvSpPr>
+            <a:spLocks noGrp="1"/>
+          </p:cNvSpPr>
+          <p:nvPr>
+            <p:ph type="body" idx="1"/>
+          </p:nvPr>
+        </p:nvSpPr>
+        <p:spPr/>
+        <p:txBody>
+          <a:bodyPr/>
+          <a:lstStyle/>
+          <a:p>
             <a:pPr marL="0" marR="0" lvl="0" indent="0" algn="l" defTabSz="914400" rtl="0" eaLnBrk="1" fontAlgn="auto" latinLnBrk="0" hangingPunct="1">
               <a:lnSpc>
                 <a:spcPct val="100000"/>
@@ -3307,7 +3507,7 @@
           <a:p>
             <a:fld id="{DDBF98C7-164A-4723-84F0-B1E4B080DDEC}" type="slidenum">
               <a:rPr lang="en-US" smtClean="0"/>
-              <a:t>48</a:t>
+              <a:t>49</a:t>
             </a:fld>
             <a:endParaRPr lang="en-US"/>
           </a:p>
@@ -3558,9 +3758,1546 @@
           <a:lstStyle/>
           <a:p>
             <a:r>
-              <a:rPr lang="en-US"/>
-              <a:t>https://www.w3schools.com/xml/xml_namespaces.asp</a:t>
-            </a:r>
+              <a:rPr lang="en-US" b="0" i="0" dirty="0">
+                <a:solidFill>
+                  <a:srgbClr val="0000CD"/>
+                </a:solidFill>
+                <a:effectLst/>
+                <a:latin typeface="Consolas" panose="020B0609020204030204" pitchFamily="49" charset="0"/>
+              </a:rPr>
+              <a:t>&lt;</a:t>
+            </a:r>
+            <a:r>
+              <a:rPr lang="en-US" b="0" i="0" dirty="0">
+                <a:solidFill>
+                  <a:srgbClr val="A52A2A"/>
+                </a:solidFill>
+                <a:effectLst/>
+                <a:latin typeface="Consolas" panose="020B0609020204030204" pitchFamily="49" charset="0"/>
+              </a:rPr>
+              <a:t>?xml</a:t>
+            </a:r>
+            <a:r>
+              <a:rPr lang="en-US" b="0" i="0" dirty="0">
+                <a:solidFill>
+                  <a:srgbClr val="FF0000"/>
+                </a:solidFill>
+                <a:effectLst/>
+                <a:latin typeface="Consolas" panose="020B0609020204030204" pitchFamily="49" charset="0"/>
+              </a:rPr>
+              <a:t> version</a:t>
+            </a:r>
+            <a:r>
+              <a:rPr lang="en-US" b="0" i="0" dirty="0">
+                <a:solidFill>
+                  <a:srgbClr val="0000CD"/>
+                </a:solidFill>
+                <a:effectLst/>
+                <a:latin typeface="Consolas" panose="020B0609020204030204" pitchFamily="49" charset="0"/>
+              </a:rPr>
+              <a:t>="1.0"</a:t>
+            </a:r>
+            <a:r>
+              <a:rPr lang="en-US" b="0" i="0" dirty="0">
+                <a:solidFill>
+                  <a:srgbClr val="FF0000"/>
+                </a:solidFill>
+                <a:effectLst/>
+                <a:latin typeface="Consolas" panose="020B0609020204030204" pitchFamily="49" charset="0"/>
+              </a:rPr>
+              <a:t> encoding</a:t>
+            </a:r>
+            <a:r>
+              <a:rPr lang="en-US" b="0" i="0" dirty="0">
+                <a:solidFill>
+                  <a:srgbClr val="0000CD"/>
+                </a:solidFill>
+                <a:effectLst/>
+                <a:latin typeface="Consolas" panose="020B0609020204030204" pitchFamily="49" charset="0"/>
+              </a:rPr>
+              <a:t>="UTF-8</a:t>
+            </a:r>
+            <a:r>
+              <a:rPr lang="en-US" b="1" i="0" dirty="0">
+                <a:solidFill>
+                  <a:srgbClr val="0000CD"/>
+                </a:solidFill>
+                <a:effectLst/>
+                <a:latin typeface="Consolas" panose="020B0609020204030204" pitchFamily="49" charset="0"/>
+              </a:rPr>
+              <a:t>"</a:t>
+            </a:r>
+            <a:r>
+              <a:rPr lang="en-US" b="0" i="0" dirty="0">
+                <a:solidFill>
+                  <a:srgbClr val="FF0000"/>
+                </a:solidFill>
+                <a:effectLst/>
+                <a:latin typeface="Consolas" panose="020B0609020204030204" pitchFamily="49" charset="0"/>
+              </a:rPr>
+              <a:t>?</a:t>
+            </a:r>
+            <a:r>
+              <a:rPr lang="en-US" b="0" i="0" dirty="0">
+                <a:solidFill>
+                  <a:srgbClr val="0000CD"/>
+                </a:solidFill>
+                <a:effectLst/>
+                <a:latin typeface="Consolas" panose="020B0609020204030204" pitchFamily="49" charset="0"/>
+              </a:rPr>
+              <a:t>&gt;</a:t>
+            </a:r>
+            <a:br>
+              <a:rPr lang="en-US" dirty="0"/>
+            </a:br>
+            <a:r>
+              <a:rPr lang="en-US" b="0" i="0" dirty="0">
+                <a:solidFill>
+                  <a:srgbClr val="0000CD"/>
+                </a:solidFill>
+                <a:effectLst/>
+                <a:latin typeface="Consolas" panose="020B0609020204030204" pitchFamily="49" charset="0"/>
+              </a:rPr>
+              <a:t>&lt;</a:t>
+            </a:r>
+            <a:r>
+              <a:rPr lang="en-US" b="0" i="0" dirty="0">
+                <a:solidFill>
+                  <a:srgbClr val="A52A2A"/>
+                </a:solidFill>
+                <a:effectLst/>
+                <a:latin typeface="Consolas" panose="020B0609020204030204" pitchFamily="49" charset="0"/>
+              </a:rPr>
+              <a:t>bookstore</a:t>
+            </a:r>
+            <a:r>
+              <a:rPr lang="en-US" b="0" i="0" dirty="0">
+                <a:solidFill>
+                  <a:srgbClr val="0000CD"/>
+                </a:solidFill>
+                <a:effectLst/>
+                <a:latin typeface="Consolas" panose="020B0609020204030204" pitchFamily="49" charset="0"/>
+              </a:rPr>
+              <a:t>&gt;</a:t>
+            </a:r>
+            <a:br>
+              <a:rPr lang="en-US" dirty="0"/>
+            </a:br>
+            <a:r>
+              <a:rPr lang="en-US" b="0" i="0" dirty="0">
+                <a:solidFill>
+                  <a:srgbClr val="000000"/>
+                </a:solidFill>
+                <a:effectLst/>
+                <a:latin typeface="Consolas" panose="020B0609020204030204" pitchFamily="49" charset="0"/>
+              </a:rPr>
+              <a:t>  </a:t>
+            </a:r>
+            <a:r>
+              <a:rPr lang="en-US" b="0" i="0" dirty="0">
+                <a:solidFill>
+                  <a:srgbClr val="0000CD"/>
+                </a:solidFill>
+                <a:effectLst/>
+                <a:latin typeface="Consolas" panose="020B0609020204030204" pitchFamily="49" charset="0"/>
+              </a:rPr>
+              <a:t>&lt;</a:t>
+            </a:r>
+            <a:r>
+              <a:rPr lang="en-US" b="0" i="0" dirty="0">
+                <a:solidFill>
+                  <a:srgbClr val="A52A2A"/>
+                </a:solidFill>
+                <a:effectLst/>
+                <a:latin typeface="Consolas" panose="020B0609020204030204" pitchFamily="49" charset="0"/>
+              </a:rPr>
+              <a:t>book</a:t>
+            </a:r>
+            <a:r>
+              <a:rPr lang="en-US" b="0" i="0" dirty="0">
+                <a:solidFill>
+                  <a:srgbClr val="FF0000"/>
+                </a:solidFill>
+                <a:effectLst/>
+                <a:latin typeface="Consolas" panose="020B0609020204030204" pitchFamily="49" charset="0"/>
+              </a:rPr>
+              <a:t> category</a:t>
+            </a:r>
+            <a:r>
+              <a:rPr lang="en-US" b="0" i="0" dirty="0">
+                <a:solidFill>
+                  <a:srgbClr val="0000CD"/>
+                </a:solidFill>
+                <a:effectLst/>
+                <a:latin typeface="Consolas" panose="020B0609020204030204" pitchFamily="49" charset="0"/>
+              </a:rPr>
+              <a:t>="cooking"&gt;</a:t>
+            </a:r>
+            <a:br>
+              <a:rPr lang="en-US" dirty="0"/>
+            </a:br>
+            <a:r>
+              <a:rPr lang="en-US" b="0" i="0" dirty="0">
+                <a:solidFill>
+                  <a:srgbClr val="000000"/>
+                </a:solidFill>
+                <a:effectLst/>
+                <a:latin typeface="Consolas" panose="020B0609020204030204" pitchFamily="49" charset="0"/>
+              </a:rPr>
+              <a:t>    </a:t>
+            </a:r>
+            <a:r>
+              <a:rPr lang="en-US" b="0" i="0" dirty="0">
+                <a:solidFill>
+                  <a:srgbClr val="0000CD"/>
+                </a:solidFill>
+                <a:effectLst/>
+                <a:latin typeface="Consolas" panose="020B0609020204030204" pitchFamily="49" charset="0"/>
+              </a:rPr>
+              <a:t>&lt;</a:t>
+            </a:r>
+            <a:r>
+              <a:rPr lang="en-US" b="0" i="0" dirty="0">
+                <a:solidFill>
+                  <a:srgbClr val="A52A2A"/>
+                </a:solidFill>
+                <a:effectLst/>
+                <a:latin typeface="Consolas" panose="020B0609020204030204" pitchFamily="49" charset="0"/>
+              </a:rPr>
+              <a:t>title</a:t>
+            </a:r>
+            <a:r>
+              <a:rPr lang="en-US" b="0" i="0" dirty="0">
+                <a:solidFill>
+                  <a:srgbClr val="FF0000"/>
+                </a:solidFill>
+                <a:effectLst/>
+                <a:latin typeface="Consolas" panose="020B0609020204030204" pitchFamily="49" charset="0"/>
+              </a:rPr>
+              <a:t> lang</a:t>
+            </a:r>
+            <a:r>
+              <a:rPr lang="en-US" b="0" i="0" dirty="0">
+                <a:solidFill>
+                  <a:srgbClr val="0000CD"/>
+                </a:solidFill>
+                <a:effectLst/>
+                <a:latin typeface="Consolas" panose="020B0609020204030204" pitchFamily="49" charset="0"/>
+              </a:rPr>
+              <a:t>="</a:t>
+            </a:r>
+            <a:r>
+              <a:rPr lang="en-US" b="0" i="0" dirty="0" err="1">
+                <a:solidFill>
+                  <a:srgbClr val="0000CD"/>
+                </a:solidFill>
+                <a:effectLst/>
+                <a:latin typeface="Consolas" panose="020B0609020204030204" pitchFamily="49" charset="0"/>
+              </a:rPr>
+              <a:t>en</a:t>
+            </a:r>
+            <a:r>
+              <a:rPr lang="en-US" b="0" i="0" dirty="0">
+                <a:solidFill>
+                  <a:srgbClr val="0000CD"/>
+                </a:solidFill>
+                <a:effectLst/>
+                <a:latin typeface="Consolas" panose="020B0609020204030204" pitchFamily="49" charset="0"/>
+              </a:rPr>
+              <a:t>"&gt;</a:t>
+            </a:r>
+            <a:r>
+              <a:rPr lang="en-US" b="0" i="0" dirty="0">
+                <a:solidFill>
+                  <a:srgbClr val="000000"/>
+                </a:solidFill>
+                <a:effectLst/>
+                <a:latin typeface="Consolas" panose="020B0609020204030204" pitchFamily="49" charset="0"/>
+              </a:rPr>
+              <a:t>Everyday Italian</a:t>
+            </a:r>
+            <a:r>
+              <a:rPr lang="en-US" b="0" i="0" dirty="0">
+                <a:solidFill>
+                  <a:srgbClr val="0000CD"/>
+                </a:solidFill>
+                <a:effectLst/>
+                <a:latin typeface="Consolas" panose="020B0609020204030204" pitchFamily="49" charset="0"/>
+              </a:rPr>
+              <a:t>&lt;</a:t>
+            </a:r>
+            <a:r>
+              <a:rPr lang="en-US" b="0" i="0" dirty="0">
+                <a:solidFill>
+                  <a:srgbClr val="A52A2A"/>
+                </a:solidFill>
+                <a:effectLst/>
+                <a:latin typeface="Consolas" panose="020B0609020204030204" pitchFamily="49" charset="0"/>
+              </a:rPr>
+              <a:t>/title</a:t>
+            </a:r>
+            <a:r>
+              <a:rPr lang="en-US" b="0" i="0" dirty="0">
+                <a:solidFill>
+                  <a:srgbClr val="0000CD"/>
+                </a:solidFill>
+                <a:effectLst/>
+                <a:latin typeface="Consolas" panose="020B0609020204030204" pitchFamily="49" charset="0"/>
+              </a:rPr>
+              <a:t>&gt;</a:t>
+            </a:r>
+            <a:br>
+              <a:rPr lang="en-US" dirty="0"/>
+            </a:br>
+            <a:r>
+              <a:rPr lang="en-US" b="0" i="0" dirty="0">
+                <a:solidFill>
+                  <a:srgbClr val="000000"/>
+                </a:solidFill>
+                <a:effectLst/>
+                <a:latin typeface="Consolas" panose="020B0609020204030204" pitchFamily="49" charset="0"/>
+              </a:rPr>
+              <a:t>    </a:t>
+            </a:r>
+            <a:r>
+              <a:rPr lang="en-US" b="0" i="0" dirty="0">
+                <a:solidFill>
+                  <a:srgbClr val="0000CD"/>
+                </a:solidFill>
+                <a:effectLst/>
+                <a:latin typeface="Consolas" panose="020B0609020204030204" pitchFamily="49" charset="0"/>
+              </a:rPr>
+              <a:t>&lt;</a:t>
+            </a:r>
+            <a:r>
+              <a:rPr lang="en-US" b="0" i="0" dirty="0">
+                <a:solidFill>
+                  <a:srgbClr val="A52A2A"/>
+                </a:solidFill>
+                <a:effectLst/>
+                <a:latin typeface="Consolas" panose="020B0609020204030204" pitchFamily="49" charset="0"/>
+              </a:rPr>
+              <a:t>author</a:t>
+            </a:r>
+            <a:r>
+              <a:rPr lang="en-US" b="0" i="0" dirty="0">
+                <a:solidFill>
+                  <a:srgbClr val="0000CD"/>
+                </a:solidFill>
+                <a:effectLst/>
+                <a:latin typeface="Consolas" panose="020B0609020204030204" pitchFamily="49" charset="0"/>
+              </a:rPr>
+              <a:t>&gt;</a:t>
+            </a:r>
+            <a:r>
+              <a:rPr lang="en-US" b="0" i="0" dirty="0">
+                <a:solidFill>
+                  <a:srgbClr val="000000"/>
+                </a:solidFill>
+                <a:effectLst/>
+                <a:latin typeface="Consolas" panose="020B0609020204030204" pitchFamily="49" charset="0"/>
+              </a:rPr>
+              <a:t>Giada De </a:t>
+            </a:r>
+            <a:r>
+              <a:rPr lang="en-US" b="0" i="0" dirty="0" err="1">
+                <a:solidFill>
+                  <a:srgbClr val="000000"/>
+                </a:solidFill>
+                <a:effectLst/>
+                <a:latin typeface="Consolas" panose="020B0609020204030204" pitchFamily="49" charset="0"/>
+              </a:rPr>
+              <a:t>Laurentiis</a:t>
+            </a:r>
+            <a:r>
+              <a:rPr lang="en-US" b="0" i="0" dirty="0">
+                <a:solidFill>
+                  <a:srgbClr val="0000CD"/>
+                </a:solidFill>
+                <a:effectLst/>
+                <a:latin typeface="Consolas" panose="020B0609020204030204" pitchFamily="49" charset="0"/>
+              </a:rPr>
+              <a:t>&lt;</a:t>
+            </a:r>
+            <a:r>
+              <a:rPr lang="en-US" b="0" i="0" dirty="0">
+                <a:solidFill>
+                  <a:srgbClr val="A52A2A"/>
+                </a:solidFill>
+                <a:effectLst/>
+                <a:latin typeface="Consolas" panose="020B0609020204030204" pitchFamily="49" charset="0"/>
+              </a:rPr>
+              <a:t>/author</a:t>
+            </a:r>
+            <a:r>
+              <a:rPr lang="en-US" b="0" i="0" dirty="0">
+                <a:solidFill>
+                  <a:srgbClr val="0000CD"/>
+                </a:solidFill>
+                <a:effectLst/>
+                <a:latin typeface="Consolas" panose="020B0609020204030204" pitchFamily="49" charset="0"/>
+              </a:rPr>
+              <a:t>&gt;</a:t>
+            </a:r>
+            <a:br>
+              <a:rPr lang="en-US" dirty="0"/>
+            </a:br>
+            <a:r>
+              <a:rPr lang="en-US" b="0" i="0" dirty="0">
+                <a:solidFill>
+                  <a:srgbClr val="000000"/>
+                </a:solidFill>
+                <a:effectLst/>
+                <a:latin typeface="Consolas" panose="020B0609020204030204" pitchFamily="49" charset="0"/>
+              </a:rPr>
+              <a:t>    </a:t>
+            </a:r>
+            <a:r>
+              <a:rPr lang="en-US" b="0" i="0" dirty="0">
+                <a:solidFill>
+                  <a:srgbClr val="0000CD"/>
+                </a:solidFill>
+                <a:effectLst/>
+                <a:latin typeface="Consolas" panose="020B0609020204030204" pitchFamily="49" charset="0"/>
+              </a:rPr>
+              <a:t>&lt;</a:t>
+            </a:r>
+            <a:r>
+              <a:rPr lang="en-US" b="0" i="0" dirty="0">
+                <a:solidFill>
+                  <a:srgbClr val="A52A2A"/>
+                </a:solidFill>
+                <a:effectLst/>
+                <a:latin typeface="Consolas" panose="020B0609020204030204" pitchFamily="49" charset="0"/>
+              </a:rPr>
+              <a:t>year</a:t>
+            </a:r>
+            <a:r>
+              <a:rPr lang="en-US" b="0" i="0" dirty="0">
+                <a:solidFill>
+                  <a:srgbClr val="0000CD"/>
+                </a:solidFill>
+                <a:effectLst/>
+                <a:latin typeface="Consolas" panose="020B0609020204030204" pitchFamily="49" charset="0"/>
+              </a:rPr>
+              <a:t>&gt;</a:t>
+            </a:r>
+            <a:r>
+              <a:rPr lang="en-US" b="0" i="0" dirty="0">
+                <a:solidFill>
+                  <a:srgbClr val="000000"/>
+                </a:solidFill>
+                <a:effectLst/>
+                <a:latin typeface="Consolas" panose="020B0609020204030204" pitchFamily="49" charset="0"/>
+              </a:rPr>
+              <a:t>2005</a:t>
+            </a:r>
+            <a:r>
+              <a:rPr lang="en-US" b="0" i="0" dirty="0">
+                <a:solidFill>
+                  <a:srgbClr val="0000CD"/>
+                </a:solidFill>
+                <a:effectLst/>
+                <a:latin typeface="Consolas" panose="020B0609020204030204" pitchFamily="49" charset="0"/>
+              </a:rPr>
+              <a:t>&lt;</a:t>
+            </a:r>
+            <a:r>
+              <a:rPr lang="en-US" b="0" i="0" dirty="0">
+                <a:solidFill>
+                  <a:srgbClr val="A52A2A"/>
+                </a:solidFill>
+                <a:effectLst/>
+                <a:latin typeface="Consolas" panose="020B0609020204030204" pitchFamily="49" charset="0"/>
+              </a:rPr>
+              <a:t>/year</a:t>
+            </a:r>
+            <a:r>
+              <a:rPr lang="en-US" b="0" i="0" dirty="0">
+                <a:solidFill>
+                  <a:srgbClr val="0000CD"/>
+                </a:solidFill>
+                <a:effectLst/>
+                <a:latin typeface="Consolas" panose="020B0609020204030204" pitchFamily="49" charset="0"/>
+              </a:rPr>
+              <a:t>&gt;</a:t>
+            </a:r>
+            <a:br>
+              <a:rPr lang="en-US" dirty="0"/>
+            </a:br>
+            <a:r>
+              <a:rPr lang="en-US" b="0" i="0" dirty="0">
+                <a:solidFill>
+                  <a:srgbClr val="000000"/>
+                </a:solidFill>
+                <a:effectLst/>
+                <a:latin typeface="Consolas" panose="020B0609020204030204" pitchFamily="49" charset="0"/>
+              </a:rPr>
+              <a:t>    </a:t>
+            </a:r>
+            <a:r>
+              <a:rPr lang="en-US" b="0" i="0" dirty="0">
+                <a:solidFill>
+                  <a:srgbClr val="0000CD"/>
+                </a:solidFill>
+                <a:effectLst/>
+                <a:latin typeface="Consolas" panose="020B0609020204030204" pitchFamily="49" charset="0"/>
+              </a:rPr>
+              <a:t>&lt;</a:t>
+            </a:r>
+            <a:r>
+              <a:rPr lang="en-US" b="0" i="0" dirty="0">
+                <a:solidFill>
+                  <a:srgbClr val="A52A2A"/>
+                </a:solidFill>
+                <a:effectLst/>
+                <a:latin typeface="Consolas" panose="020B0609020204030204" pitchFamily="49" charset="0"/>
+              </a:rPr>
+              <a:t>price</a:t>
+            </a:r>
+            <a:r>
+              <a:rPr lang="en-US" b="0" i="0" dirty="0">
+                <a:solidFill>
+                  <a:srgbClr val="0000CD"/>
+                </a:solidFill>
+                <a:effectLst/>
+                <a:latin typeface="Consolas" panose="020B0609020204030204" pitchFamily="49" charset="0"/>
+              </a:rPr>
+              <a:t>&gt;</a:t>
+            </a:r>
+            <a:r>
+              <a:rPr lang="en-US" b="0" i="0" dirty="0">
+                <a:solidFill>
+                  <a:srgbClr val="000000"/>
+                </a:solidFill>
+                <a:effectLst/>
+                <a:latin typeface="Consolas" panose="020B0609020204030204" pitchFamily="49" charset="0"/>
+              </a:rPr>
+              <a:t>30.00</a:t>
+            </a:r>
+            <a:r>
+              <a:rPr lang="en-US" b="0" i="0" dirty="0">
+                <a:solidFill>
+                  <a:srgbClr val="0000CD"/>
+                </a:solidFill>
+                <a:effectLst/>
+                <a:latin typeface="Consolas" panose="020B0609020204030204" pitchFamily="49" charset="0"/>
+              </a:rPr>
+              <a:t>&lt;</a:t>
+            </a:r>
+            <a:r>
+              <a:rPr lang="en-US" b="0" i="0" dirty="0">
+                <a:solidFill>
+                  <a:srgbClr val="A52A2A"/>
+                </a:solidFill>
+                <a:effectLst/>
+                <a:latin typeface="Consolas" panose="020B0609020204030204" pitchFamily="49" charset="0"/>
+              </a:rPr>
+              <a:t>/price</a:t>
+            </a:r>
+            <a:r>
+              <a:rPr lang="en-US" b="0" i="0" dirty="0">
+                <a:solidFill>
+                  <a:srgbClr val="0000CD"/>
+                </a:solidFill>
+                <a:effectLst/>
+                <a:latin typeface="Consolas" panose="020B0609020204030204" pitchFamily="49" charset="0"/>
+              </a:rPr>
+              <a:t>&gt;</a:t>
+            </a:r>
+            <a:br>
+              <a:rPr lang="en-US" dirty="0"/>
+            </a:br>
+            <a:r>
+              <a:rPr lang="en-US" b="0" i="0" dirty="0">
+                <a:solidFill>
+                  <a:srgbClr val="000000"/>
+                </a:solidFill>
+                <a:effectLst/>
+                <a:latin typeface="Consolas" panose="020B0609020204030204" pitchFamily="49" charset="0"/>
+              </a:rPr>
+              <a:t>  </a:t>
+            </a:r>
+            <a:r>
+              <a:rPr lang="en-US" b="0" i="0" dirty="0">
+                <a:solidFill>
+                  <a:srgbClr val="0000CD"/>
+                </a:solidFill>
+                <a:effectLst/>
+                <a:latin typeface="Consolas" panose="020B0609020204030204" pitchFamily="49" charset="0"/>
+              </a:rPr>
+              <a:t>&lt;</a:t>
+            </a:r>
+            <a:r>
+              <a:rPr lang="en-US" b="0" i="0" dirty="0">
+                <a:solidFill>
+                  <a:srgbClr val="A52A2A"/>
+                </a:solidFill>
+                <a:effectLst/>
+                <a:latin typeface="Consolas" panose="020B0609020204030204" pitchFamily="49" charset="0"/>
+              </a:rPr>
+              <a:t>/book</a:t>
+            </a:r>
+            <a:r>
+              <a:rPr lang="en-US" b="0" i="0" dirty="0">
+                <a:solidFill>
+                  <a:srgbClr val="0000CD"/>
+                </a:solidFill>
+                <a:effectLst/>
+                <a:latin typeface="Consolas" panose="020B0609020204030204" pitchFamily="49" charset="0"/>
+              </a:rPr>
+              <a:t>&gt;</a:t>
+            </a:r>
+            <a:br>
+              <a:rPr lang="en-US" dirty="0"/>
+            </a:br>
+            <a:r>
+              <a:rPr lang="en-US" b="0" i="0" dirty="0">
+                <a:solidFill>
+                  <a:srgbClr val="000000"/>
+                </a:solidFill>
+                <a:effectLst/>
+                <a:latin typeface="Consolas" panose="020B0609020204030204" pitchFamily="49" charset="0"/>
+              </a:rPr>
+              <a:t>  </a:t>
+            </a:r>
+            <a:r>
+              <a:rPr lang="en-US" b="0" i="0" dirty="0">
+                <a:solidFill>
+                  <a:srgbClr val="0000CD"/>
+                </a:solidFill>
+                <a:effectLst/>
+                <a:latin typeface="Consolas" panose="020B0609020204030204" pitchFamily="49" charset="0"/>
+              </a:rPr>
+              <a:t>&lt;</a:t>
+            </a:r>
+            <a:r>
+              <a:rPr lang="en-US" b="0" i="0" dirty="0">
+                <a:solidFill>
+                  <a:srgbClr val="A52A2A"/>
+                </a:solidFill>
+                <a:effectLst/>
+                <a:latin typeface="Consolas" panose="020B0609020204030204" pitchFamily="49" charset="0"/>
+              </a:rPr>
+              <a:t>book</a:t>
+            </a:r>
+            <a:r>
+              <a:rPr lang="en-US" b="0" i="0" dirty="0">
+                <a:solidFill>
+                  <a:srgbClr val="FF0000"/>
+                </a:solidFill>
+                <a:effectLst/>
+                <a:latin typeface="Consolas" panose="020B0609020204030204" pitchFamily="49" charset="0"/>
+              </a:rPr>
+              <a:t> category</a:t>
+            </a:r>
+            <a:r>
+              <a:rPr lang="en-US" b="0" i="0" dirty="0">
+                <a:solidFill>
+                  <a:srgbClr val="0000CD"/>
+                </a:solidFill>
+                <a:effectLst/>
+                <a:latin typeface="Consolas" panose="020B0609020204030204" pitchFamily="49" charset="0"/>
+              </a:rPr>
+              <a:t>="children"&gt;</a:t>
+            </a:r>
+            <a:br>
+              <a:rPr lang="en-US" dirty="0"/>
+            </a:br>
+            <a:r>
+              <a:rPr lang="en-US" b="0" i="0" dirty="0">
+                <a:solidFill>
+                  <a:srgbClr val="000000"/>
+                </a:solidFill>
+                <a:effectLst/>
+                <a:latin typeface="Consolas" panose="020B0609020204030204" pitchFamily="49" charset="0"/>
+              </a:rPr>
+              <a:t>    </a:t>
+            </a:r>
+            <a:r>
+              <a:rPr lang="en-US" b="0" i="0" dirty="0">
+                <a:solidFill>
+                  <a:srgbClr val="0000CD"/>
+                </a:solidFill>
+                <a:effectLst/>
+                <a:latin typeface="Consolas" panose="020B0609020204030204" pitchFamily="49" charset="0"/>
+              </a:rPr>
+              <a:t>&lt;</a:t>
+            </a:r>
+            <a:r>
+              <a:rPr lang="en-US" b="0" i="0" dirty="0">
+                <a:solidFill>
+                  <a:srgbClr val="A52A2A"/>
+                </a:solidFill>
+                <a:effectLst/>
+                <a:latin typeface="Consolas" panose="020B0609020204030204" pitchFamily="49" charset="0"/>
+              </a:rPr>
+              <a:t>title</a:t>
+            </a:r>
+            <a:r>
+              <a:rPr lang="en-US" b="0" i="0" dirty="0">
+                <a:solidFill>
+                  <a:srgbClr val="FF0000"/>
+                </a:solidFill>
+                <a:effectLst/>
+                <a:latin typeface="Consolas" panose="020B0609020204030204" pitchFamily="49" charset="0"/>
+              </a:rPr>
+              <a:t> lang</a:t>
+            </a:r>
+            <a:r>
+              <a:rPr lang="en-US" b="0" i="0" dirty="0">
+                <a:solidFill>
+                  <a:srgbClr val="0000CD"/>
+                </a:solidFill>
+                <a:effectLst/>
+                <a:latin typeface="Consolas" panose="020B0609020204030204" pitchFamily="49" charset="0"/>
+              </a:rPr>
+              <a:t>="</a:t>
+            </a:r>
+            <a:r>
+              <a:rPr lang="en-US" b="0" i="0" dirty="0" err="1">
+                <a:solidFill>
+                  <a:srgbClr val="0000CD"/>
+                </a:solidFill>
+                <a:effectLst/>
+                <a:latin typeface="Consolas" panose="020B0609020204030204" pitchFamily="49" charset="0"/>
+              </a:rPr>
+              <a:t>en</a:t>
+            </a:r>
+            <a:r>
+              <a:rPr lang="en-US" b="0" i="0" dirty="0">
+                <a:solidFill>
+                  <a:srgbClr val="0000CD"/>
+                </a:solidFill>
+                <a:effectLst/>
+                <a:latin typeface="Consolas" panose="020B0609020204030204" pitchFamily="49" charset="0"/>
+              </a:rPr>
+              <a:t>"&gt;</a:t>
+            </a:r>
+            <a:r>
+              <a:rPr lang="en-US" b="0" i="0" dirty="0">
+                <a:solidFill>
+                  <a:srgbClr val="000000"/>
+                </a:solidFill>
+                <a:effectLst/>
+                <a:latin typeface="Consolas" panose="020B0609020204030204" pitchFamily="49" charset="0"/>
+              </a:rPr>
+              <a:t>Harry Potter</a:t>
+            </a:r>
+            <a:r>
+              <a:rPr lang="en-US" b="0" i="0" dirty="0">
+                <a:solidFill>
+                  <a:srgbClr val="0000CD"/>
+                </a:solidFill>
+                <a:effectLst/>
+                <a:latin typeface="Consolas" panose="020B0609020204030204" pitchFamily="49" charset="0"/>
+              </a:rPr>
+              <a:t>&lt;</a:t>
+            </a:r>
+            <a:r>
+              <a:rPr lang="en-US" b="0" i="0" dirty="0">
+                <a:solidFill>
+                  <a:srgbClr val="A52A2A"/>
+                </a:solidFill>
+                <a:effectLst/>
+                <a:latin typeface="Consolas" panose="020B0609020204030204" pitchFamily="49" charset="0"/>
+              </a:rPr>
+              <a:t>/title</a:t>
+            </a:r>
+            <a:r>
+              <a:rPr lang="en-US" b="0" i="0" dirty="0">
+                <a:solidFill>
+                  <a:srgbClr val="0000CD"/>
+                </a:solidFill>
+                <a:effectLst/>
+                <a:latin typeface="Consolas" panose="020B0609020204030204" pitchFamily="49" charset="0"/>
+              </a:rPr>
+              <a:t>&gt;</a:t>
+            </a:r>
+            <a:br>
+              <a:rPr lang="en-US" dirty="0"/>
+            </a:br>
+            <a:r>
+              <a:rPr lang="en-US" b="0" i="0" dirty="0">
+                <a:solidFill>
+                  <a:srgbClr val="000000"/>
+                </a:solidFill>
+                <a:effectLst/>
+                <a:latin typeface="Consolas" panose="020B0609020204030204" pitchFamily="49" charset="0"/>
+              </a:rPr>
+              <a:t>    </a:t>
+            </a:r>
+            <a:r>
+              <a:rPr lang="en-US" b="0" i="0" dirty="0">
+                <a:solidFill>
+                  <a:srgbClr val="0000CD"/>
+                </a:solidFill>
+                <a:effectLst/>
+                <a:latin typeface="Consolas" panose="020B0609020204030204" pitchFamily="49" charset="0"/>
+              </a:rPr>
+              <a:t>&lt;</a:t>
+            </a:r>
+            <a:r>
+              <a:rPr lang="en-US" b="0" i="0" dirty="0">
+                <a:solidFill>
+                  <a:srgbClr val="A52A2A"/>
+                </a:solidFill>
+                <a:effectLst/>
+                <a:latin typeface="Consolas" panose="020B0609020204030204" pitchFamily="49" charset="0"/>
+              </a:rPr>
+              <a:t>author</a:t>
+            </a:r>
+            <a:r>
+              <a:rPr lang="en-US" b="0" i="0" dirty="0">
+                <a:solidFill>
+                  <a:srgbClr val="0000CD"/>
+                </a:solidFill>
+                <a:effectLst/>
+                <a:latin typeface="Consolas" panose="020B0609020204030204" pitchFamily="49" charset="0"/>
+              </a:rPr>
+              <a:t>&gt;</a:t>
+            </a:r>
+            <a:r>
+              <a:rPr lang="en-US" b="0" i="0" dirty="0">
+                <a:solidFill>
+                  <a:srgbClr val="000000"/>
+                </a:solidFill>
+                <a:effectLst/>
+                <a:latin typeface="Consolas" panose="020B0609020204030204" pitchFamily="49" charset="0"/>
+              </a:rPr>
+              <a:t>J K. Rowling</a:t>
+            </a:r>
+            <a:r>
+              <a:rPr lang="en-US" b="0" i="0" dirty="0">
+                <a:solidFill>
+                  <a:srgbClr val="0000CD"/>
+                </a:solidFill>
+                <a:effectLst/>
+                <a:latin typeface="Consolas" panose="020B0609020204030204" pitchFamily="49" charset="0"/>
+              </a:rPr>
+              <a:t>&lt;</a:t>
+            </a:r>
+            <a:r>
+              <a:rPr lang="en-US" b="0" i="0" dirty="0">
+                <a:solidFill>
+                  <a:srgbClr val="A52A2A"/>
+                </a:solidFill>
+                <a:effectLst/>
+                <a:latin typeface="Consolas" panose="020B0609020204030204" pitchFamily="49" charset="0"/>
+              </a:rPr>
+              <a:t>/author</a:t>
+            </a:r>
+            <a:r>
+              <a:rPr lang="en-US" b="0" i="0" dirty="0">
+                <a:solidFill>
+                  <a:srgbClr val="0000CD"/>
+                </a:solidFill>
+                <a:effectLst/>
+                <a:latin typeface="Consolas" panose="020B0609020204030204" pitchFamily="49" charset="0"/>
+              </a:rPr>
+              <a:t>&gt;</a:t>
+            </a:r>
+            <a:br>
+              <a:rPr lang="en-US" dirty="0"/>
+            </a:br>
+            <a:r>
+              <a:rPr lang="en-US" b="0" i="0" dirty="0">
+                <a:solidFill>
+                  <a:srgbClr val="000000"/>
+                </a:solidFill>
+                <a:effectLst/>
+                <a:latin typeface="Consolas" panose="020B0609020204030204" pitchFamily="49" charset="0"/>
+              </a:rPr>
+              <a:t>    </a:t>
+            </a:r>
+            <a:r>
+              <a:rPr lang="en-US" b="0" i="0" dirty="0">
+                <a:solidFill>
+                  <a:srgbClr val="0000CD"/>
+                </a:solidFill>
+                <a:effectLst/>
+                <a:latin typeface="Consolas" panose="020B0609020204030204" pitchFamily="49" charset="0"/>
+              </a:rPr>
+              <a:t>&lt;</a:t>
+            </a:r>
+            <a:r>
+              <a:rPr lang="en-US" b="0" i="0" dirty="0">
+                <a:solidFill>
+                  <a:srgbClr val="A52A2A"/>
+                </a:solidFill>
+                <a:effectLst/>
+                <a:latin typeface="Consolas" panose="020B0609020204030204" pitchFamily="49" charset="0"/>
+              </a:rPr>
+              <a:t>year</a:t>
+            </a:r>
+            <a:r>
+              <a:rPr lang="en-US" b="0" i="0" dirty="0">
+                <a:solidFill>
+                  <a:srgbClr val="0000CD"/>
+                </a:solidFill>
+                <a:effectLst/>
+                <a:latin typeface="Consolas" panose="020B0609020204030204" pitchFamily="49" charset="0"/>
+              </a:rPr>
+              <a:t>&gt;</a:t>
+            </a:r>
+            <a:r>
+              <a:rPr lang="en-US" b="0" i="0" dirty="0">
+                <a:solidFill>
+                  <a:srgbClr val="000000"/>
+                </a:solidFill>
+                <a:effectLst/>
+                <a:latin typeface="Consolas" panose="020B0609020204030204" pitchFamily="49" charset="0"/>
+              </a:rPr>
+              <a:t>2005</a:t>
+            </a:r>
+            <a:r>
+              <a:rPr lang="en-US" b="0" i="0" dirty="0">
+                <a:solidFill>
+                  <a:srgbClr val="0000CD"/>
+                </a:solidFill>
+                <a:effectLst/>
+                <a:latin typeface="Consolas" panose="020B0609020204030204" pitchFamily="49" charset="0"/>
+              </a:rPr>
+              <a:t>&lt;</a:t>
+            </a:r>
+            <a:r>
+              <a:rPr lang="en-US" b="0" i="0" dirty="0">
+                <a:solidFill>
+                  <a:srgbClr val="A52A2A"/>
+                </a:solidFill>
+                <a:effectLst/>
+                <a:latin typeface="Consolas" panose="020B0609020204030204" pitchFamily="49" charset="0"/>
+              </a:rPr>
+              <a:t>/year</a:t>
+            </a:r>
+            <a:r>
+              <a:rPr lang="en-US" b="0" i="0" dirty="0">
+                <a:solidFill>
+                  <a:srgbClr val="0000CD"/>
+                </a:solidFill>
+                <a:effectLst/>
+                <a:latin typeface="Consolas" panose="020B0609020204030204" pitchFamily="49" charset="0"/>
+              </a:rPr>
+              <a:t>&gt;</a:t>
+            </a:r>
+            <a:br>
+              <a:rPr lang="en-US" dirty="0"/>
+            </a:br>
+            <a:r>
+              <a:rPr lang="en-US" b="0" i="0" dirty="0">
+                <a:solidFill>
+                  <a:srgbClr val="000000"/>
+                </a:solidFill>
+                <a:effectLst/>
+                <a:latin typeface="Consolas" panose="020B0609020204030204" pitchFamily="49" charset="0"/>
+              </a:rPr>
+              <a:t>    </a:t>
+            </a:r>
+            <a:r>
+              <a:rPr lang="en-US" b="0" i="0" dirty="0">
+                <a:solidFill>
+                  <a:srgbClr val="0000CD"/>
+                </a:solidFill>
+                <a:effectLst/>
+                <a:latin typeface="Consolas" panose="020B0609020204030204" pitchFamily="49" charset="0"/>
+              </a:rPr>
+              <a:t>&lt;</a:t>
+            </a:r>
+            <a:r>
+              <a:rPr lang="en-US" b="0" i="0" dirty="0">
+                <a:solidFill>
+                  <a:srgbClr val="A52A2A"/>
+                </a:solidFill>
+                <a:effectLst/>
+                <a:latin typeface="Consolas" panose="020B0609020204030204" pitchFamily="49" charset="0"/>
+              </a:rPr>
+              <a:t>price</a:t>
+            </a:r>
+            <a:r>
+              <a:rPr lang="en-US" b="0" i="0" dirty="0">
+                <a:solidFill>
+                  <a:srgbClr val="0000CD"/>
+                </a:solidFill>
+                <a:effectLst/>
+                <a:latin typeface="Consolas" panose="020B0609020204030204" pitchFamily="49" charset="0"/>
+              </a:rPr>
+              <a:t>&gt;</a:t>
+            </a:r>
+            <a:r>
+              <a:rPr lang="en-US" b="0" i="0" dirty="0">
+                <a:solidFill>
+                  <a:srgbClr val="000000"/>
+                </a:solidFill>
+                <a:effectLst/>
+                <a:latin typeface="Consolas" panose="020B0609020204030204" pitchFamily="49" charset="0"/>
+              </a:rPr>
+              <a:t>29.99</a:t>
+            </a:r>
+            <a:r>
+              <a:rPr lang="en-US" b="0" i="0" dirty="0">
+                <a:solidFill>
+                  <a:srgbClr val="0000CD"/>
+                </a:solidFill>
+                <a:effectLst/>
+                <a:latin typeface="Consolas" panose="020B0609020204030204" pitchFamily="49" charset="0"/>
+              </a:rPr>
+              <a:t>&lt;</a:t>
+            </a:r>
+            <a:r>
+              <a:rPr lang="en-US" b="0" i="0" dirty="0">
+                <a:solidFill>
+                  <a:srgbClr val="A52A2A"/>
+                </a:solidFill>
+                <a:effectLst/>
+                <a:latin typeface="Consolas" panose="020B0609020204030204" pitchFamily="49" charset="0"/>
+              </a:rPr>
+              <a:t>/price</a:t>
+            </a:r>
+            <a:r>
+              <a:rPr lang="en-US" b="0" i="0" dirty="0">
+                <a:solidFill>
+                  <a:srgbClr val="0000CD"/>
+                </a:solidFill>
+                <a:effectLst/>
+                <a:latin typeface="Consolas" panose="020B0609020204030204" pitchFamily="49" charset="0"/>
+              </a:rPr>
+              <a:t>&gt;</a:t>
+            </a:r>
+            <a:br>
+              <a:rPr lang="en-US" dirty="0"/>
+            </a:br>
+            <a:r>
+              <a:rPr lang="en-US" b="0" i="0" dirty="0">
+                <a:solidFill>
+                  <a:srgbClr val="000000"/>
+                </a:solidFill>
+                <a:effectLst/>
+                <a:latin typeface="Consolas" panose="020B0609020204030204" pitchFamily="49" charset="0"/>
+              </a:rPr>
+              <a:t>  </a:t>
+            </a:r>
+            <a:r>
+              <a:rPr lang="en-US" b="0" i="0" dirty="0">
+                <a:solidFill>
+                  <a:srgbClr val="0000CD"/>
+                </a:solidFill>
+                <a:effectLst/>
+                <a:latin typeface="Consolas" panose="020B0609020204030204" pitchFamily="49" charset="0"/>
+              </a:rPr>
+              <a:t>&lt;</a:t>
+            </a:r>
+            <a:r>
+              <a:rPr lang="en-US" b="0" i="0" dirty="0">
+                <a:solidFill>
+                  <a:srgbClr val="A52A2A"/>
+                </a:solidFill>
+                <a:effectLst/>
+                <a:latin typeface="Consolas" panose="020B0609020204030204" pitchFamily="49" charset="0"/>
+              </a:rPr>
+              <a:t>/book</a:t>
+            </a:r>
+            <a:r>
+              <a:rPr lang="en-US" b="0" i="0" dirty="0">
+                <a:solidFill>
+                  <a:srgbClr val="0000CD"/>
+                </a:solidFill>
+                <a:effectLst/>
+                <a:latin typeface="Consolas" panose="020B0609020204030204" pitchFamily="49" charset="0"/>
+              </a:rPr>
+              <a:t>&gt;</a:t>
+            </a:r>
+            <a:br>
+              <a:rPr lang="en-US" dirty="0"/>
+            </a:br>
+            <a:r>
+              <a:rPr lang="en-US" b="0" i="0" dirty="0">
+                <a:solidFill>
+                  <a:srgbClr val="000000"/>
+                </a:solidFill>
+                <a:effectLst/>
+                <a:latin typeface="Consolas" panose="020B0609020204030204" pitchFamily="49" charset="0"/>
+              </a:rPr>
+              <a:t>  </a:t>
+            </a:r>
+            <a:r>
+              <a:rPr lang="en-US" b="0" i="0" dirty="0">
+                <a:solidFill>
+                  <a:srgbClr val="0000CD"/>
+                </a:solidFill>
+                <a:effectLst/>
+                <a:latin typeface="Consolas" panose="020B0609020204030204" pitchFamily="49" charset="0"/>
+              </a:rPr>
+              <a:t>&lt;</a:t>
+            </a:r>
+            <a:r>
+              <a:rPr lang="en-US" b="0" i="0" dirty="0">
+                <a:solidFill>
+                  <a:srgbClr val="A52A2A"/>
+                </a:solidFill>
+                <a:effectLst/>
+                <a:latin typeface="Consolas" panose="020B0609020204030204" pitchFamily="49" charset="0"/>
+              </a:rPr>
+              <a:t>book</a:t>
+            </a:r>
+            <a:r>
+              <a:rPr lang="en-US" b="0" i="0" dirty="0">
+                <a:solidFill>
+                  <a:srgbClr val="FF0000"/>
+                </a:solidFill>
+                <a:effectLst/>
+                <a:latin typeface="Consolas" panose="020B0609020204030204" pitchFamily="49" charset="0"/>
+              </a:rPr>
+              <a:t> category</a:t>
+            </a:r>
+            <a:r>
+              <a:rPr lang="en-US" b="0" i="0" dirty="0">
+                <a:solidFill>
+                  <a:srgbClr val="0000CD"/>
+                </a:solidFill>
+                <a:effectLst/>
+                <a:latin typeface="Consolas" panose="020B0609020204030204" pitchFamily="49" charset="0"/>
+              </a:rPr>
+              <a:t>="web"&gt;</a:t>
+            </a:r>
+            <a:br>
+              <a:rPr lang="en-US" dirty="0"/>
+            </a:br>
+            <a:r>
+              <a:rPr lang="en-US" b="0" i="0" dirty="0">
+                <a:solidFill>
+                  <a:srgbClr val="000000"/>
+                </a:solidFill>
+                <a:effectLst/>
+                <a:latin typeface="Consolas" panose="020B0609020204030204" pitchFamily="49" charset="0"/>
+              </a:rPr>
+              <a:t>    </a:t>
+            </a:r>
+            <a:r>
+              <a:rPr lang="en-US" b="0" i="0" dirty="0">
+                <a:solidFill>
+                  <a:srgbClr val="0000CD"/>
+                </a:solidFill>
+                <a:effectLst/>
+                <a:latin typeface="Consolas" panose="020B0609020204030204" pitchFamily="49" charset="0"/>
+              </a:rPr>
+              <a:t>&lt;</a:t>
+            </a:r>
+            <a:r>
+              <a:rPr lang="en-US" b="0" i="0" dirty="0">
+                <a:solidFill>
+                  <a:srgbClr val="A52A2A"/>
+                </a:solidFill>
+                <a:effectLst/>
+                <a:latin typeface="Consolas" panose="020B0609020204030204" pitchFamily="49" charset="0"/>
+              </a:rPr>
+              <a:t>title</a:t>
+            </a:r>
+            <a:r>
+              <a:rPr lang="en-US" b="0" i="0" dirty="0">
+                <a:solidFill>
+                  <a:srgbClr val="FF0000"/>
+                </a:solidFill>
+                <a:effectLst/>
+                <a:latin typeface="Consolas" panose="020B0609020204030204" pitchFamily="49" charset="0"/>
+              </a:rPr>
+              <a:t> lang</a:t>
+            </a:r>
+            <a:r>
+              <a:rPr lang="en-US" b="0" i="0" dirty="0">
+                <a:solidFill>
+                  <a:srgbClr val="0000CD"/>
+                </a:solidFill>
+                <a:effectLst/>
+                <a:latin typeface="Consolas" panose="020B0609020204030204" pitchFamily="49" charset="0"/>
+              </a:rPr>
+              <a:t>="</a:t>
+            </a:r>
+            <a:r>
+              <a:rPr lang="en-US" b="0" i="0" dirty="0" err="1">
+                <a:solidFill>
+                  <a:srgbClr val="0000CD"/>
+                </a:solidFill>
+                <a:effectLst/>
+                <a:latin typeface="Consolas" panose="020B0609020204030204" pitchFamily="49" charset="0"/>
+              </a:rPr>
+              <a:t>en</a:t>
+            </a:r>
+            <a:r>
+              <a:rPr lang="en-US" b="0" i="0" dirty="0">
+                <a:solidFill>
+                  <a:srgbClr val="0000CD"/>
+                </a:solidFill>
+                <a:effectLst/>
+                <a:latin typeface="Consolas" panose="020B0609020204030204" pitchFamily="49" charset="0"/>
+              </a:rPr>
+              <a:t>"&gt;</a:t>
+            </a:r>
+            <a:r>
+              <a:rPr lang="en-US" b="0" i="0" dirty="0">
+                <a:solidFill>
+                  <a:srgbClr val="000000"/>
+                </a:solidFill>
+                <a:effectLst/>
+                <a:latin typeface="Consolas" panose="020B0609020204030204" pitchFamily="49" charset="0"/>
+              </a:rPr>
+              <a:t>Learning XML</a:t>
+            </a:r>
+            <a:r>
+              <a:rPr lang="en-US" b="0" i="0" dirty="0">
+                <a:solidFill>
+                  <a:srgbClr val="0000CD"/>
+                </a:solidFill>
+                <a:effectLst/>
+                <a:latin typeface="Consolas" panose="020B0609020204030204" pitchFamily="49" charset="0"/>
+              </a:rPr>
+              <a:t>&lt;</a:t>
+            </a:r>
+            <a:r>
+              <a:rPr lang="en-US" b="0" i="0" dirty="0">
+                <a:solidFill>
+                  <a:srgbClr val="A52A2A"/>
+                </a:solidFill>
+                <a:effectLst/>
+                <a:latin typeface="Consolas" panose="020B0609020204030204" pitchFamily="49" charset="0"/>
+              </a:rPr>
+              <a:t>/title</a:t>
+            </a:r>
+            <a:r>
+              <a:rPr lang="en-US" b="0" i="0" dirty="0">
+                <a:solidFill>
+                  <a:srgbClr val="0000CD"/>
+                </a:solidFill>
+                <a:effectLst/>
+                <a:latin typeface="Consolas" panose="020B0609020204030204" pitchFamily="49" charset="0"/>
+              </a:rPr>
+              <a:t>&gt;</a:t>
+            </a:r>
+            <a:br>
+              <a:rPr lang="en-US" dirty="0"/>
+            </a:br>
+            <a:r>
+              <a:rPr lang="en-US" b="0" i="0" dirty="0">
+                <a:solidFill>
+                  <a:srgbClr val="000000"/>
+                </a:solidFill>
+                <a:effectLst/>
+                <a:latin typeface="Consolas" panose="020B0609020204030204" pitchFamily="49" charset="0"/>
+              </a:rPr>
+              <a:t>    </a:t>
+            </a:r>
+            <a:r>
+              <a:rPr lang="en-US" b="0" i="0" dirty="0">
+                <a:solidFill>
+                  <a:srgbClr val="0000CD"/>
+                </a:solidFill>
+                <a:effectLst/>
+                <a:latin typeface="Consolas" panose="020B0609020204030204" pitchFamily="49" charset="0"/>
+              </a:rPr>
+              <a:t>&lt;</a:t>
+            </a:r>
+            <a:r>
+              <a:rPr lang="en-US" b="0" i="0" dirty="0">
+                <a:solidFill>
+                  <a:srgbClr val="A52A2A"/>
+                </a:solidFill>
+                <a:effectLst/>
+                <a:latin typeface="Consolas" panose="020B0609020204030204" pitchFamily="49" charset="0"/>
+              </a:rPr>
+              <a:t>author</a:t>
+            </a:r>
+            <a:r>
+              <a:rPr lang="en-US" b="0" i="0" dirty="0">
+                <a:solidFill>
+                  <a:srgbClr val="0000CD"/>
+                </a:solidFill>
+                <a:effectLst/>
+                <a:latin typeface="Consolas" panose="020B0609020204030204" pitchFamily="49" charset="0"/>
+              </a:rPr>
+              <a:t>&gt;</a:t>
+            </a:r>
+            <a:r>
+              <a:rPr lang="en-US" b="0" i="0" dirty="0">
+                <a:solidFill>
+                  <a:srgbClr val="000000"/>
+                </a:solidFill>
+                <a:effectLst/>
+                <a:latin typeface="Consolas" panose="020B0609020204030204" pitchFamily="49" charset="0"/>
+              </a:rPr>
+              <a:t>Erik T. Ray</a:t>
+            </a:r>
+            <a:r>
+              <a:rPr lang="en-US" b="0" i="0" dirty="0">
+                <a:solidFill>
+                  <a:srgbClr val="0000CD"/>
+                </a:solidFill>
+                <a:effectLst/>
+                <a:latin typeface="Consolas" panose="020B0609020204030204" pitchFamily="49" charset="0"/>
+              </a:rPr>
+              <a:t>&lt;</a:t>
+            </a:r>
+            <a:r>
+              <a:rPr lang="en-US" b="0" i="0" dirty="0">
+                <a:solidFill>
+                  <a:srgbClr val="A52A2A"/>
+                </a:solidFill>
+                <a:effectLst/>
+                <a:latin typeface="Consolas" panose="020B0609020204030204" pitchFamily="49" charset="0"/>
+              </a:rPr>
+              <a:t>/author</a:t>
+            </a:r>
+            <a:r>
+              <a:rPr lang="en-US" b="0" i="0" dirty="0">
+                <a:solidFill>
+                  <a:srgbClr val="0000CD"/>
+                </a:solidFill>
+                <a:effectLst/>
+                <a:latin typeface="Consolas" panose="020B0609020204030204" pitchFamily="49" charset="0"/>
+              </a:rPr>
+              <a:t>&gt;</a:t>
+            </a:r>
+            <a:br>
+              <a:rPr lang="en-US" dirty="0"/>
+            </a:br>
+            <a:r>
+              <a:rPr lang="en-US" b="0" i="0" dirty="0">
+                <a:solidFill>
+                  <a:srgbClr val="000000"/>
+                </a:solidFill>
+                <a:effectLst/>
+                <a:latin typeface="Consolas" panose="020B0609020204030204" pitchFamily="49" charset="0"/>
+              </a:rPr>
+              <a:t>    </a:t>
+            </a:r>
+            <a:r>
+              <a:rPr lang="en-US" b="0" i="0" dirty="0">
+                <a:solidFill>
+                  <a:srgbClr val="0000CD"/>
+                </a:solidFill>
+                <a:effectLst/>
+                <a:latin typeface="Consolas" panose="020B0609020204030204" pitchFamily="49" charset="0"/>
+              </a:rPr>
+              <a:t>&lt;</a:t>
+            </a:r>
+            <a:r>
+              <a:rPr lang="en-US" b="0" i="0" dirty="0">
+                <a:solidFill>
+                  <a:srgbClr val="A52A2A"/>
+                </a:solidFill>
+                <a:effectLst/>
+                <a:latin typeface="Consolas" panose="020B0609020204030204" pitchFamily="49" charset="0"/>
+              </a:rPr>
+              <a:t>year</a:t>
+            </a:r>
+            <a:r>
+              <a:rPr lang="en-US" b="0" i="0" dirty="0">
+                <a:solidFill>
+                  <a:srgbClr val="0000CD"/>
+                </a:solidFill>
+                <a:effectLst/>
+                <a:latin typeface="Consolas" panose="020B0609020204030204" pitchFamily="49" charset="0"/>
+              </a:rPr>
+              <a:t>&gt;</a:t>
+            </a:r>
+            <a:r>
+              <a:rPr lang="en-US" b="0" i="0" dirty="0">
+                <a:solidFill>
+                  <a:srgbClr val="000000"/>
+                </a:solidFill>
+                <a:effectLst/>
+                <a:latin typeface="Consolas" panose="020B0609020204030204" pitchFamily="49" charset="0"/>
+              </a:rPr>
+              <a:t>2003</a:t>
+            </a:r>
+            <a:r>
+              <a:rPr lang="en-US" b="0" i="0" dirty="0">
+                <a:solidFill>
+                  <a:srgbClr val="0000CD"/>
+                </a:solidFill>
+                <a:effectLst/>
+                <a:latin typeface="Consolas" panose="020B0609020204030204" pitchFamily="49" charset="0"/>
+              </a:rPr>
+              <a:t>&lt;</a:t>
+            </a:r>
+            <a:r>
+              <a:rPr lang="en-US" b="0" i="0" dirty="0">
+                <a:solidFill>
+                  <a:srgbClr val="A52A2A"/>
+                </a:solidFill>
+                <a:effectLst/>
+                <a:latin typeface="Consolas" panose="020B0609020204030204" pitchFamily="49" charset="0"/>
+              </a:rPr>
+              <a:t>/year</a:t>
+            </a:r>
+            <a:r>
+              <a:rPr lang="en-US" b="0" i="0" dirty="0">
+                <a:solidFill>
+                  <a:srgbClr val="0000CD"/>
+                </a:solidFill>
+                <a:effectLst/>
+                <a:latin typeface="Consolas" panose="020B0609020204030204" pitchFamily="49" charset="0"/>
+              </a:rPr>
+              <a:t>&gt;</a:t>
+            </a:r>
+            <a:br>
+              <a:rPr lang="en-US" dirty="0"/>
+            </a:br>
+            <a:r>
+              <a:rPr lang="en-US" b="0" i="0" dirty="0">
+                <a:solidFill>
+                  <a:srgbClr val="000000"/>
+                </a:solidFill>
+                <a:effectLst/>
+                <a:latin typeface="Consolas" panose="020B0609020204030204" pitchFamily="49" charset="0"/>
+              </a:rPr>
+              <a:t>    </a:t>
+            </a:r>
+            <a:r>
+              <a:rPr lang="en-US" b="0" i="0" dirty="0">
+                <a:solidFill>
+                  <a:srgbClr val="0000CD"/>
+                </a:solidFill>
+                <a:effectLst/>
+                <a:latin typeface="Consolas" panose="020B0609020204030204" pitchFamily="49" charset="0"/>
+              </a:rPr>
+              <a:t>&lt;</a:t>
+            </a:r>
+            <a:r>
+              <a:rPr lang="en-US" b="0" i="0" dirty="0">
+                <a:solidFill>
+                  <a:srgbClr val="A52A2A"/>
+                </a:solidFill>
+                <a:effectLst/>
+                <a:latin typeface="Consolas" panose="020B0609020204030204" pitchFamily="49" charset="0"/>
+              </a:rPr>
+              <a:t>price</a:t>
+            </a:r>
+            <a:r>
+              <a:rPr lang="en-US" b="0" i="0" dirty="0">
+                <a:solidFill>
+                  <a:srgbClr val="0000CD"/>
+                </a:solidFill>
+                <a:effectLst/>
+                <a:latin typeface="Consolas" panose="020B0609020204030204" pitchFamily="49" charset="0"/>
+              </a:rPr>
+              <a:t>&gt;</a:t>
+            </a:r>
+            <a:r>
+              <a:rPr lang="en-US" b="0" i="0" dirty="0">
+                <a:solidFill>
+                  <a:srgbClr val="000000"/>
+                </a:solidFill>
+                <a:effectLst/>
+                <a:latin typeface="Consolas" panose="020B0609020204030204" pitchFamily="49" charset="0"/>
+              </a:rPr>
+              <a:t>39.95</a:t>
+            </a:r>
+            <a:r>
+              <a:rPr lang="en-US" b="0" i="0" dirty="0">
+                <a:solidFill>
+                  <a:srgbClr val="0000CD"/>
+                </a:solidFill>
+                <a:effectLst/>
+                <a:latin typeface="Consolas" panose="020B0609020204030204" pitchFamily="49" charset="0"/>
+              </a:rPr>
+              <a:t>&lt;</a:t>
+            </a:r>
+            <a:r>
+              <a:rPr lang="en-US" b="0" i="0" dirty="0">
+                <a:solidFill>
+                  <a:srgbClr val="A52A2A"/>
+                </a:solidFill>
+                <a:effectLst/>
+                <a:latin typeface="Consolas" panose="020B0609020204030204" pitchFamily="49" charset="0"/>
+              </a:rPr>
+              <a:t>/price</a:t>
+            </a:r>
+            <a:r>
+              <a:rPr lang="en-US" b="0" i="0" dirty="0">
+                <a:solidFill>
+                  <a:srgbClr val="0000CD"/>
+                </a:solidFill>
+                <a:effectLst/>
+                <a:latin typeface="Consolas" panose="020B0609020204030204" pitchFamily="49" charset="0"/>
+              </a:rPr>
+              <a:t>&gt;</a:t>
+            </a:r>
+            <a:br>
+              <a:rPr lang="en-US" dirty="0"/>
+            </a:br>
+            <a:r>
+              <a:rPr lang="en-US" b="0" i="0" dirty="0">
+                <a:solidFill>
+                  <a:srgbClr val="000000"/>
+                </a:solidFill>
+                <a:effectLst/>
+                <a:latin typeface="Consolas" panose="020B0609020204030204" pitchFamily="49" charset="0"/>
+              </a:rPr>
+              <a:t>  </a:t>
+            </a:r>
+            <a:r>
+              <a:rPr lang="en-US" b="0" i="0" dirty="0">
+                <a:solidFill>
+                  <a:srgbClr val="0000CD"/>
+                </a:solidFill>
+                <a:effectLst/>
+                <a:latin typeface="Consolas" panose="020B0609020204030204" pitchFamily="49" charset="0"/>
+              </a:rPr>
+              <a:t>&lt;</a:t>
+            </a:r>
+            <a:r>
+              <a:rPr lang="en-US" b="0" i="0" dirty="0">
+                <a:solidFill>
+                  <a:srgbClr val="A52A2A"/>
+                </a:solidFill>
+                <a:effectLst/>
+                <a:latin typeface="Consolas" panose="020B0609020204030204" pitchFamily="49" charset="0"/>
+              </a:rPr>
+              <a:t>/book</a:t>
+            </a:r>
+            <a:r>
+              <a:rPr lang="en-US" b="0" i="0" dirty="0">
+                <a:solidFill>
+                  <a:srgbClr val="0000CD"/>
+                </a:solidFill>
+                <a:effectLst/>
+                <a:latin typeface="Consolas" panose="020B0609020204030204" pitchFamily="49" charset="0"/>
+              </a:rPr>
+              <a:t>&gt;</a:t>
+            </a:r>
+            <a:br>
+              <a:rPr lang="en-US" dirty="0"/>
+            </a:br>
+            <a:r>
+              <a:rPr lang="en-US" b="0" i="0" dirty="0">
+                <a:solidFill>
+                  <a:srgbClr val="0000CD"/>
+                </a:solidFill>
+                <a:effectLst/>
+                <a:latin typeface="Consolas" panose="020B0609020204030204" pitchFamily="49" charset="0"/>
+              </a:rPr>
+              <a:t>&lt;</a:t>
+            </a:r>
+            <a:r>
+              <a:rPr lang="en-US" b="0" i="0" dirty="0">
+                <a:solidFill>
+                  <a:srgbClr val="A52A2A"/>
+                </a:solidFill>
+                <a:effectLst/>
+                <a:latin typeface="Consolas" panose="020B0609020204030204" pitchFamily="49" charset="0"/>
+              </a:rPr>
+              <a:t>/bookstore</a:t>
+            </a:r>
+            <a:r>
+              <a:rPr lang="en-US" b="0" i="0" dirty="0">
+                <a:solidFill>
+                  <a:srgbClr val="0000CD"/>
+                </a:solidFill>
+                <a:effectLst/>
+                <a:latin typeface="Consolas" panose="020B0609020204030204" pitchFamily="49" charset="0"/>
+              </a:rPr>
+              <a:t>&gt;</a:t>
+            </a:r>
+            <a:endParaRPr lang="en-US" dirty="0"/>
           </a:p>
         </p:txBody>
       </p:sp>
@@ -3571,7 +5308,7 @@
             <a:spLocks noGrp="1"/>
           </p:cNvSpPr>
           <p:nvPr>
-            <p:ph type="sldNum" sz="quarter" idx="10"/>
+            <p:ph type="sldNum" sz="quarter" idx="5"/>
           </p:nvPr>
         </p:nvSpPr>
         <p:spPr/>
@@ -3590,7 +5327,7 @@
     </p:spTree>
     <p:extLst>
       <p:ext uri="{BB962C8B-B14F-4D97-AF65-F5344CB8AC3E}">
-        <p14:creationId xmlns:p14="http://schemas.microsoft.com/office/powerpoint/2010/main" val="1334210223"/>
+        <p14:creationId xmlns:p14="http://schemas.microsoft.com/office/powerpoint/2010/main" val="2415424259"/>
       </p:ext>
     </p:extLst>
   </p:cSld>
@@ -3645,20 +5382,8 @@
           <a:lstStyle/>
           <a:p>
             <a:r>
-              <a:rPr lang="en-US" err="1"/>
-              <a:t>xmlstarlet</a:t>
-            </a:r>
-            <a:r>
               <a:rPr lang="en-US"/>
-              <a:t> </a:t>
-            </a:r>
-            <a:r>
-              <a:rPr lang="en-US" err="1"/>
-              <a:t>val</a:t>
-            </a:r>
-            <a:r>
-              <a:rPr lang="en-US"/>
-              <a:t>  SecurityEvt.xml</a:t>
+              <a:t>https://www.w3schools.com/xml/xml_namespaces.asp</a:t>
             </a:r>
           </a:p>
         </p:txBody>
@@ -3680,7 +5405,7 @@
           <a:p>
             <a:fld id="{DDBF98C7-164A-4723-84F0-B1E4B080DDEC}" type="slidenum">
               <a:rPr lang="en-US" smtClean="0"/>
-              <a:t>14</a:t>
+              <a:t>13</a:t>
             </a:fld>
             <a:endParaRPr lang="en-US"/>
           </a:p>
@@ -3689,7 +5414,7 @@
     </p:spTree>
     <p:extLst>
       <p:ext uri="{BB962C8B-B14F-4D97-AF65-F5344CB8AC3E}">
-        <p14:creationId xmlns:p14="http://schemas.microsoft.com/office/powerpoint/2010/main" val="3606064782"/>
+        <p14:creationId xmlns:p14="http://schemas.microsoft.com/office/powerpoint/2010/main" val="1334210223"/>
       </p:ext>
     </p:extLst>
   </p:cSld>
@@ -3749,20 +5474,15 @@
             </a:r>
             <a:r>
               <a:rPr lang="en-US"/>
-              <a:t> el -u SecurityEvt.xml </a:t>
-            </a:r>
-          </a:p>
-          <a:p>
-            <a:endParaRPr lang="en-US"/>
-          </a:p>
-          <a:p>
+              <a:t> </a:t>
+            </a:r>
             <a:r>
               <a:rPr lang="en-US" err="1"/>
-              <a:t>xmlstarlet</a:t>
+              <a:t>val</a:t>
             </a:r>
             <a:r>
               <a:rPr lang="en-US"/>
-              <a:t> el -u SecurityEvt.xml 2&gt;/dev/null</a:t>
+              <a:t>  SecurityEvt.xml</a:t>
             </a:r>
           </a:p>
         </p:txBody>
@@ -3784,7 +5504,7 @@
           <a:p>
             <a:fld id="{DDBF98C7-164A-4723-84F0-B1E4B080DDEC}" type="slidenum">
               <a:rPr lang="en-US" smtClean="0"/>
-              <a:t>16</a:t>
+              <a:t>15</a:t>
             </a:fld>
             <a:endParaRPr lang="en-US"/>
           </a:p>
@@ -3793,7 +5513,7 @@
     </p:spTree>
     <p:extLst>
       <p:ext uri="{BB962C8B-B14F-4D97-AF65-F5344CB8AC3E}">
-        <p14:creationId xmlns:p14="http://schemas.microsoft.com/office/powerpoint/2010/main" val="2186869350"/>
+        <p14:creationId xmlns:p14="http://schemas.microsoft.com/office/powerpoint/2010/main" val="3606064782"/>
       </p:ext>
     </p:extLst>
   </p:cSld>
@@ -3853,7 +5573,20 @@
             </a:r>
             <a:r>
               <a:rPr lang="en-US"/>
-              <a:t> el --help</a:t>
+              <a:t> el -u SecurityEvt.xml </a:t>
+            </a:r>
+          </a:p>
+          <a:p>
+            <a:endParaRPr lang="en-US"/>
+          </a:p>
+          <a:p>
+            <a:r>
+              <a:rPr lang="en-US" err="1"/>
+              <a:t>xmlstarlet</a:t>
+            </a:r>
+            <a:r>
+              <a:rPr lang="en-US"/>
+              <a:t> el -u SecurityEvt.xml 2&gt;/dev/null</a:t>
             </a:r>
           </a:p>
         </p:txBody>
@@ -3884,7 +5617,7 @@
     </p:spTree>
     <p:extLst>
       <p:ext uri="{BB962C8B-B14F-4D97-AF65-F5344CB8AC3E}">
-        <p14:creationId xmlns:p14="http://schemas.microsoft.com/office/powerpoint/2010/main" val="1992470551"/>
+        <p14:creationId xmlns:p14="http://schemas.microsoft.com/office/powerpoint/2010/main" val="2186869350"/>
       </p:ext>
     </p:extLst>
   </p:cSld>
@@ -3944,7 +5677,7 @@
             </a:r>
             <a:r>
               <a:rPr lang="en-US"/>
-              <a:t> el -v SecurityEvt.xml 2&gt;/dev/null | head</a:t>
+              <a:t> el --help</a:t>
             </a:r>
           </a:p>
         </p:txBody>
@@ -3966,7 +5699,7 @@
           <a:p>
             <a:fld id="{DDBF98C7-164A-4723-84F0-B1E4B080DDEC}" type="slidenum">
               <a:rPr lang="en-US" smtClean="0"/>
-              <a:t>19</a:t>
+              <a:t>18</a:t>
             </a:fld>
             <a:endParaRPr lang="en-US"/>
           </a:p>
@@ -3975,7 +5708,7 @@
     </p:spTree>
     <p:extLst>
       <p:ext uri="{BB962C8B-B14F-4D97-AF65-F5344CB8AC3E}">
-        <p14:creationId xmlns:p14="http://schemas.microsoft.com/office/powerpoint/2010/main" val="3756863120"/>
+        <p14:creationId xmlns:p14="http://schemas.microsoft.com/office/powerpoint/2010/main" val="1992470551"/>
       </p:ext>
     </p:extLst>
   </p:cSld>
@@ -4114,7 +5847,7 @@
           <a:p>
             <a:fld id="{4263717A-E3C1-4BED-ABE0-B7069385E023}" type="datetimeFigureOut">
               <a:rPr lang="en-US" smtClean="0"/>
-              <a:t>11/12/2021</a:t>
+              <a:t>3/1/2022</a:t>
             </a:fld>
             <a:endParaRPr lang="en-US"/>
           </a:p>
@@ -4287,7 +6020,7 @@
           <a:p>
             <a:fld id="{4263717A-E3C1-4BED-ABE0-B7069385E023}" type="datetimeFigureOut">
               <a:rPr lang="en-US" smtClean="0"/>
-              <a:t>11/12/2021</a:t>
+              <a:t>3/1/2022</a:t>
             </a:fld>
             <a:endParaRPr lang="en-US"/>
           </a:p>
@@ -4465,7 +6198,7 @@
           <a:p>
             <a:fld id="{4263717A-E3C1-4BED-ABE0-B7069385E023}" type="datetimeFigureOut">
               <a:rPr lang="en-US" smtClean="0"/>
-              <a:t>11/12/2021</a:t>
+              <a:t>3/1/2022</a:t>
             </a:fld>
             <a:endParaRPr lang="en-US"/>
           </a:p>
@@ -4633,7 +6366,7 @@
           <a:p>
             <a:fld id="{4263717A-E3C1-4BED-ABE0-B7069385E023}" type="datetimeFigureOut">
               <a:rPr lang="en-US" smtClean="0"/>
-              <a:t>11/12/2021</a:t>
+              <a:t>3/1/2022</a:t>
             </a:fld>
             <a:endParaRPr lang="en-US"/>
           </a:p>
@@ -4878,7 +6611,7 @@
           <a:p>
             <a:fld id="{4263717A-E3C1-4BED-ABE0-B7069385E023}" type="datetimeFigureOut">
               <a:rPr lang="en-US" smtClean="0"/>
-              <a:t>11/12/2021</a:t>
+              <a:t>3/1/2022</a:t>
             </a:fld>
             <a:endParaRPr lang="en-US"/>
           </a:p>
@@ -5107,7 +6840,7 @@
           <a:p>
             <a:fld id="{4263717A-E3C1-4BED-ABE0-B7069385E023}" type="datetimeFigureOut">
               <a:rPr lang="en-US" smtClean="0"/>
-              <a:t>11/12/2021</a:t>
+              <a:t>3/1/2022</a:t>
             </a:fld>
             <a:endParaRPr lang="en-US"/>
           </a:p>
@@ -5471,7 +7204,7 @@
           <a:p>
             <a:fld id="{4263717A-E3C1-4BED-ABE0-B7069385E023}" type="datetimeFigureOut">
               <a:rPr lang="en-US" smtClean="0"/>
-              <a:t>11/12/2021</a:t>
+              <a:t>3/1/2022</a:t>
             </a:fld>
             <a:endParaRPr lang="en-US"/>
           </a:p>
@@ -5588,7 +7321,7 @@
           <a:p>
             <a:fld id="{4263717A-E3C1-4BED-ABE0-B7069385E023}" type="datetimeFigureOut">
               <a:rPr lang="en-US" smtClean="0"/>
-              <a:t>11/12/2021</a:t>
+              <a:t>3/1/2022</a:t>
             </a:fld>
             <a:endParaRPr lang="en-US"/>
           </a:p>
@@ -5683,7 +7416,7 @@
           <a:p>
             <a:fld id="{4263717A-E3C1-4BED-ABE0-B7069385E023}" type="datetimeFigureOut">
               <a:rPr lang="en-US" smtClean="0"/>
-              <a:t>11/12/2021</a:t>
+              <a:t>3/1/2022</a:t>
             </a:fld>
             <a:endParaRPr lang="en-US"/>
           </a:p>
@@ -5958,7 +7691,7 @@
           <a:p>
             <a:fld id="{4263717A-E3C1-4BED-ABE0-B7069385E023}" type="datetimeFigureOut">
               <a:rPr lang="en-US" smtClean="0"/>
-              <a:t>11/12/2021</a:t>
+              <a:t>3/1/2022</a:t>
             </a:fld>
             <a:endParaRPr lang="en-US"/>
           </a:p>
@@ -6210,7 +7943,7 @@
           <a:p>
             <a:fld id="{4263717A-E3C1-4BED-ABE0-B7069385E023}" type="datetimeFigureOut">
               <a:rPr lang="en-US" smtClean="0"/>
-              <a:t>11/12/2021</a:t>
+              <a:t>3/1/2022</a:t>
             </a:fld>
             <a:endParaRPr lang="en-US"/>
           </a:p>
@@ -6421,7 +8154,7 @@
           <a:p>
             <a:fld id="{4263717A-E3C1-4BED-ABE0-B7069385E023}" type="datetimeFigureOut">
               <a:rPr lang="en-US" smtClean="0"/>
-              <a:t>11/12/2021</a:t>
+              <a:t>3/1/2022</a:t>
             </a:fld>
             <a:endParaRPr lang="en-US"/>
           </a:p>
@@ -7315,6 +9048,148 @@
       </p:grpSpPr>
       <p:pic>
         <p:nvPicPr>
+          <p:cNvPr id="1026" name="Picture 2" descr="DOM node tree">
+            <a:extLst>
+              <a:ext uri="{FF2B5EF4-FFF2-40B4-BE49-F238E27FC236}">
+                <a16:creationId xmlns:a16="http://schemas.microsoft.com/office/drawing/2014/main" id="{DD027756-84C2-439B-B80F-7F26B75424A5}"/>
+              </a:ext>
+            </a:extLst>
+          </p:cNvPr>
+          <p:cNvPicPr>
+            <a:picLocks noChangeAspect="1" noChangeArrowheads="1"/>
+          </p:cNvPicPr>
+          <p:nvPr/>
+        </p:nvPicPr>
+        <p:blipFill>
+          <a:blip r:embed="rId3">
+            <a:extLst>
+              <a:ext uri="{28A0092B-C50C-407E-A947-70E740481C1C}">
+                <a14:useLocalDpi xmlns:a14="http://schemas.microsoft.com/office/drawing/2010/main" val="0"/>
+              </a:ext>
+            </a:extLst>
+          </a:blip>
+          <a:srcRect/>
+          <a:stretch>
+            <a:fillRect/>
+          </a:stretch>
+        </p:blipFill>
+        <p:spPr bwMode="auto">
+          <a:xfrm>
+            <a:off x="443865" y="2012633"/>
+            <a:ext cx="4629150" cy="2619375"/>
+          </a:xfrm>
+          <a:prstGeom prst="rect">
+            <a:avLst/>
+          </a:prstGeom>
+          <a:noFill/>
+          <a:extLst>
+            <a:ext uri="{909E8E84-426E-40DD-AFC4-6F175D3DCCD1}">
+              <a14:hiddenFill xmlns:a14="http://schemas.microsoft.com/office/drawing/2010/main">
+                <a:solidFill>
+                  <a:srgbClr val="FFFFFF"/>
+                </a:solidFill>
+              </a14:hiddenFill>
+            </a:ext>
+          </a:extLst>
+        </p:spPr>
+      </p:pic>
+      <p:pic>
+        <p:nvPicPr>
+          <p:cNvPr id="3" name="Picture 2">
+            <a:extLst>
+              <a:ext uri="{FF2B5EF4-FFF2-40B4-BE49-F238E27FC236}">
+                <a16:creationId xmlns:a16="http://schemas.microsoft.com/office/drawing/2014/main" id="{098D9CA7-35F4-44B8-ABE6-8A9CBC2F3013}"/>
+              </a:ext>
+            </a:extLst>
+          </p:cNvPr>
+          <p:cNvPicPr>
+            <a:picLocks noChangeAspect="1"/>
+          </p:cNvPicPr>
+          <p:nvPr/>
+        </p:nvPicPr>
+        <p:blipFill>
+          <a:blip r:embed="rId4"/>
+          <a:stretch>
+            <a:fillRect/>
+          </a:stretch>
+        </p:blipFill>
+        <p:spPr>
+          <a:xfrm>
+            <a:off x="5857480" y="762000"/>
+            <a:ext cx="4772688" cy="5722620"/>
+          </a:xfrm>
+          <a:prstGeom prst="rect">
+            <a:avLst/>
+          </a:prstGeom>
+        </p:spPr>
+      </p:pic>
+      <p:sp>
+        <p:nvSpPr>
+          <p:cNvPr id="6" name="TextBox 5">
+            <a:extLst>
+              <a:ext uri="{FF2B5EF4-FFF2-40B4-BE49-F238E27FC236}">
+                <a16:creationId xmlns:a16="http://schemas.microsoft.com/office/drawing/2014/main" id="{4CA861C0-3573-4850-A014-659075081C98}"/>
+              </a:ext>
+            </a:extLst>
+          </p:cNvPr>
+          <p:cNvSpPr txBox="1"/>
+          <p:nvPr/>
+        </p:nvSpPr>
+        <p:spPr>
+          <a:xfrm>
+            <a:off x="443865" y="5408414"/>
+            <a:ext cx="6172200" cy="369332"/>
+          </a:xfrm>
+          <a:prstGeom prst="rect">
+            <a:avLst/>
+          </a:prstGeom>
+          <a:noFill/>
+        </p:spPr>
+        <p:txBody>
+          <a:bodyPr wrap="square">
+            <a:spAutoFit/>
+          </a:bodyPr>
+          <a:lstStyle/>
+          <a:p>
+            <a:r>
+              <a:rPr lang="en-US" dirty="0"/>
+              <a:t>https://www.w3schools.com/xml/xml_tree.asp</a:t>
+            </a:r>
+          </a:p>
+        </p:txBody>
+      </p:sp>
+    </p:spTree>
+    <p:extLst>
+      <p:ext uri="{BB962C8B-B14F-4D97-AF65-F5344CB8AC3E}">
+        <p14:creationId xmlns:p14="http://schemas.microsoft.com/office/powerpoint/2010/main" val="4148218689"/>
+      </p:ext>
+    </p:extLst>
+  </p:cSld>
+  <p:clrMapOvr>
+    <a:masterClrMapping/>
+  </p:clrMapOvr>
+</p:sld>
+</file>
+
+<file path=ppt/slides/slide13.xml><?xml version="1.0" encoding="utf-8"?>
+<p:sld xmlns:a="http://schemas.openxmlformats.org/drawingml/2006/main" xmlns:r="http://schemas.openxmlformats.org/officeDocument/2006/relationships" xmlns:p="http://schemas.openxmlformats.org/presentationml/2006/main">
+  <p:cSld>
+    <p:spTree>
+      <p:nvGrpSpPr>
+        <p:cNvPr id="1" name=""/>
+        <p:cNvGrpSpPr/>
+        <p:nvPr/>
+      </p:nvGrpSpPr>
+      <p:grpSpPr>
+        <a:xfrm>
+          <a:off x="0" y="0"/>
+          <a:ext cx="0" cy="0"/>
+          <a:chOff x="0" y="0"/>
+          <a:chExt cx="0" cy="0"/>
+        </a:xfrm>
+      </p:grpSpPr>
+      <p:pic>
+        <p:nvPicPr>
           <p:cNvPr id="2" name="Picture 1"/>
           <p:cNvPicPr>
             <a:picLocks noChangeAspect="1"/>
@@ -7638,7 +9513,7 @@
           <a:lstStyle/>
           <a:p>
             <a:r>
-              <a:rPr lang="en-US" sz="1200">
+              <a:rPr lang="en-US" sz="1200" dirty="0">
                 <a:solidFill>
                   <a:srgbClr val="0000CD"/>
                 </a:solidFill>
@@ -7647,7 +9522,7 @@
               <a:t>&lt;</a:t>
             </a:r>
             <a:r>
-              <a:rPr lang="en-US" sz="1200">
+              <a:rPr lang="en-US" sz="1200" dirty="0">
                 <a:solidFill>
                   <a:srgbClr val="A52A2A"/>
                 </a:solidFill>
@@ -7656,7 +9531,7 @@
               <a:t>table</a:t>
             </a:r>
             <a:r>
-              <a:rPr lang="en-US" sz="1200">
+              <a:rPr lang="en-US" sz="1200" dirty="0">
                 <a:solidFill>
                   <a:srgbClr val="0000CD"/>
                 </a:solidFill>
@@ -7665,10 +9540,10 @@
               <a:t>&gt;</a:t>
             </a:r>
             <a:br>
-              <a:rPr lang="en-US" sz="1200"/>
+              <a:rPr lang="en-US" sz="1200" dirty="0"/>
             </a:br>
             <a:r>
-              <a:rPr lang="en-US" sz="1200">
+              <a:rPr lang="en-US" sz="1200" dirty="0">
                 <a:solidFill>
                   <a:srgbClr val="000000"/>
                 </a:solidFill>
@@ -7677,7 +9552,7 @@
               <a:t>  </a:t>
             </a:r>
             <a:r>
-              <a:rPr lang="en-US" sz="1200">
+              <a:rPr lang="en-US" sz="1200" dirty="0">
                 <a:solidFill>
                   <a:srgbClr val="0000CD"/>
                 </a:solidFill>
@@ -7686,7 +9561,7 @@
               <a:t>&lt;</a:t>
             </a:r>
             <a:r>
-              <a:rPr lang="en-US" sz="1200" err="1">
+              <a:rPr lang="en-US" sz="1200" dirty="0">
                 <a:solidFill>
                   <a:srgbClr val="A52A2A"/>
                 </a:solidFill>
@@ -7695,7 +9570,7 @@
               <a:t>tr</a:t>
             </a:r>
             <a:r>
-              <a:rPr lang="en-US" sz="1200">
+              <a:rPr lang="en-US" sz="1200" dirty="0">
                 <a:solidFill>
                   <a:srgbClr val="0000CD"/>
                 </a:solidFill>
@@ -7704,10 +9579,10 @@
               <a:t>&gt;</a:t>
             </a:r>
             <a:br>
-              <a:rPr lang="en-US" sz="1200"/>
+              <a:rPr lang="en-US" sz="1200" dirty="0"/>
             </a:br>
             <a:r>
-              <a:rPr lang="en-US" sz="1200">
+              <a:rPr lang="en-US" sz="1200" dirty="0">
                 <a:solidFill>
                   <a:srgbClr val="000000"/>
                 </a:solidFill>
@@ -7716,7 +9591,7 @@
               <a:t>    </a:t>
             </a:r>
             <a:r>
-              <a:rPr lang="en-US" sz="1200">
+              <a:rPr lang="en-US" sz="1200" dirty="0">
                 <a:solidFill>
                   <a:srgbClr val="0000CD"/>
                 </a:solidFill>
@@ -7725,7 +9600,7 @@
               <a:t>&lt;</a:t>
             </a:r>
             <a:r>
-              <a:rPr lang="en-US" sz="1200">
+              <a:rPr lang="en-US" sz="1200" dirty="0">
                 <a:solidFill>
                   <a:srgbClr val="A52A2A"/>
                 </a:solidFill>
@@ -7734,7 +9609,7 @@
               <a:t>td</a:t>
             </a:r>
             <a:r>
-              <a:rPr lang="en-US" sz="1200">
+              <a:rPr lang="en-US" sz="1200" dirty="0">
                 <a:solidFill>
                   <a:srgbClr val="0000CD"/>
                 </a:solidFill>
@@ -7743,7 +9618,7 @@
               <a:t>&gt;</a:t>
             </a:r>
             <a:r>
-              <a:rPr lang="en-US" sz="1200">
+              <a:rPr lang="en-US" sz="1200" dirty="0">
                 <a:solidFill>
                   <a:srgbClr val="000000"/>
                 </a:solidFill>
@@ -7752,7 +9627,7 @@
               <a:t>Apples</a:t>
             </a:r>
             <a:r>
-              <a:rPr lang="en-US" sz="1200">
+              <a:rPr lang="en-US" sz="1200" dirty="0">
                 <a:solidFill>
                   <a:srgbClr val="0000CD"/>
                 </a:solidFill>
@@ -7761,7 +9636,7 @@
               <a:t>&lt;</a:t>
             </a:r>
             <a:r>
-              <a:rPr lang="en-US" sz="1200">
+              <a:rPr lang="en-US" sz="1200" dirty="0">
                 <a:solidFill>
                   <a:srgbClr val="A52A2A"/>
                 </a:solidFill>
@@ -7770,7 +9645,7 @@
               <a:t>/td</a:t>
             </a:r>
             <a:r>
-              <a:rPr lang="en-US" sz="1200">
+              <a:rPr lang="en-US" sz="1200" dirty="0">
                 <a:solidFill>
                   <a:srgbClr val="0000CD"/>
                 </a:solidFill>
@@ -7779,10 +9654,10 @@
               <a:t>&gt;</a:t>
             </a:r>
             <a:br>
-              <a:rPr lang="en-US" sz="1200"/>
+              <a:rPr lang="en-US" sz="1200" dirty="0"/>
             </a:br>
             <a:r>
-              <a:rPr lang="en-US" sz="1200">
+              <a:rPr lang="en-US" sz="1200" dirty="0">
                 <a:solidFill>
                   <a:srgbClr val="000000"/>
                 </a:solidFill>
@@ -7791,7 +9666,7 @@
               <a:t>    </a:t>
             </a:r>
             <a:r>
-              <a:rPr lang="en-US" sz="1200">
+              <a:rPr lang="en-US" sz="1200" dirty="0">
                 <a:solidFill>
                   <a:srgbClr val="0000CD"/>
                 </a:solidFill>
@@ -7800,7 +9675,7 @@
               <a:t>&lt;</a:t>
             </a:r>
             <a:r>
-              <a:rPr lang="en-US" sz="1200">
+              <a:rPr lang="en-US" sz="1200" dirty="0">
                 <a:solidFill>
                   <a:srgbClr val="A52A2A"/>
                 </a:solidFill>
@@ -7809,7 +9684,7 @@
               <a:t>td</a:t>
             </a:r>
             <a:r>
-              <a:rPr lang="en-US" sz="1200">
+              <a:rPr lang="en-US" sz="1200" dirty="0">
                 <a:solidFill>
                   <a:srgbClr val="0000CD"/>
                 </a:solidFill>
@@ -7818,7 +9693,7 @@
               <a:t>&gt;</a:t>
             </a:r>
             <a:r>
-              <a:rPr lang="en-US" sz="1200">
+              <a:rPr lang="en-US" sz="1200" dirty="0">
                 <a:solidFill>
                   <a:srgbClr val="000000"/>
                 </a:solidFill>
@@ -7827,7 +9702,7 @@
               <a:t>Bananas</a:t>
             </a:r>
             <a:r>
-              <a:rPr lang="en-US" sz="1200">
+              <a:rPr lang="en-US" sz="1200" dirty="0">
                 <a:solidFill>
                   <a:srgbClr val="0000CD"/>
                 </a:solidFill>
@@ -7836,7 +9711,7 @@
               <a:t>&lt;</a:t>
             </a:r>
             <a:r>
-              <a:rPr lang="en-US" sz="1200">
+              <a:rPr lang="en-US" sz="1200" dirty="0">
                 <a:solidFill>
                   <a:srgbClr val="A52A2A"/>
                 </a:solidFill>
@@ -7845,7 +9720,7 @@
               <a:t>/td</a:t>
             </a:r>
             <a:r>
-              <a:rPr lang="en-US" sz="1200">
+              <a:rPr lang="en-US" sz="1200" dirty="0">
                 <a:solidFill>
                   <a:srgbClr val="0000CD"/>
                 </a:solidFill>
@@ -7854,10 +9729,10 @@
               <a:t>&gt;</a:t>
             </a:r>
             <a:br>
-              <a:rPr lang="en-US" sz="1200"/>
+              <a:rPr lang="en-US" sz="1200" dirty="0"/>
             </a:br>
             <a:r>
-              <a:rPr lang="en-US" sz="1200">
+              <a:rPr lang="en-US" sz="1200" dirty="0">
                 <a:solidFill>
                   <a:srgbClr val="000000"/>
                 </a:solidFill>
@@ -7866,7 +9741,7 @@
               <a:t>  </a:t>
             </a:r>
             <a:r>
-              <a:rPr lang="en-US" sz="1200">
+              <a:rPr lang="en-US" sz="1200" dirty="0">
                 <a:solidFill>
                   <a:srgbClr val="0000CD"/>
                 </a:solidFill>
@@ -7875,25 +9750,46 @@
               <a:t>&lt;</a:t>
             </a:r>
             <a:r>
-              <a:rPr lang="en-US" sz="1200">
+              <a:rPr lang="en-US" sz="1200" dirty="0">
                 <a:solidFill>
                   <a:srgbClr val="A52A2A"/>
                 </a:solidFill>
                 <a:latin typeface="Consolas" panose="020B0609020204030204" pitchFamily="49" charset="0"/>
               </a:rPr>
-              <a:t>/</a:t>
-            </a:r>
-            <a:r>
-              <a:rPr lang="en-US" sz="1200" err="1">
+              <a:t>/tr</a:t>
+            </a:r>
+            <a:r>
+              <a:rPr lang="en-US" sz="1200" dirty="0">
+                <a:solidFill>
+                  <a:srgbClr val="0000CD"/>
+                </a:solidFill>
+                <a:latin typeface="Consolas" panose="020B0609020204030204" pitchFamily="49" charset="0"/>
+              </a:rPr>
+              <a:t>&gt;</a:t>
+            </a:r>
+            <a:br>
+              <a:rPr lang="en-US" sz="1200" dirty="0"/>
+            </a:br>
+            <a:r>
+              <a:rPr lang="en-US" sz="1200" dirty="0">
+                <a:solidFill>
+                  <a:srgbClr val="0000CD"/>
+                </a:solidFill>
+                <a:latin typeface="Consolas" panose="020B0609020204030204" pitchFamily="49" charset="0"/>
+              </a:rPr>
+              <a:t>&lt;</a:t>
+            </a:r>
+            <a:r>
+              <a:rPr lang="en-US" sz="1200" dirty="0">
                 <a:solidFill>
                   <a:srgbClr val="A52A2A"/>
                 </a:solidFill>
                 <a:latin typeface="Consolas" panose="020B0609020204030204" pitchFamily="49" charset="0"/>
               </a:rPr>
-              <a:t>tr</a:t>
-            </a:r>
-            <a:r>
-              <a:rPr lang="en-US" sz="1200">
+              <a:t>/table</a:t>
+            </a:r>
+            <a:r>
+              <a:rPr lang="en-US" sz="1200" dirty="0">
                 <a:solidFill>
                   <a:srgbClr val="0000CD"/>
                 </a:solidFill>
@@ -7901,37 +9797,7 @@
               </a:rPr>
               <a:t>&gt;</a:t>
             </a:r>
-            <a:br>
-              <a:rPr lang="en-US" sz="1200"/>
-            </a:br>
-            <a:r>
-              <a:rPr lang="en-US" sz="1200">
-                <a:solidFill>
-                  <a:srgbClr val="0000CD"/>
-                </a:solidFill>
-                <a:latin typeface="Consolas" panose="020B0609020204030204" pitchFamily="49" charset="0"/>
-              </a:rPr>
-              <a:t>&lt;</a:t>
-            </a:r>
-            <a:r>
-              <a:rPr lang="en-US" sz="1200">
-                <a:solidFill>
-                  <a:srgbClr val="A52A2A"/>
-                </a:solidFill>
-                <a:latin typeface="Consolas" panose="020B0609020204030204" pitchFamily="49" charset="0"/>
-              </a:rPr>
-              <a:t>/table</a:t>
-            </a:r>
-            <a:r>
-              <a:rPr lang="en-US" sz="1200">
-                <a:solidFill>
-                  <a:srgbClr val="0000CD"/>
-                </a:solidFill>
-                <a:latin typeface="Consolas" panose="020B0609020204030204" pitchFamily="49" charset="0"/>
-              </a:rPr>
-              <a:t>&gt;</a:t>
-            </a:r>
-            <a:endParaRPr lang="en-US" sz="1200"/>
+            <a:endParaRPr lang="en-US" sz="1200" dirty="0"/>
           </a:p>
         </p:txBody>
       </p:sp>
@@ -8230,6 +10096,131 @@
               <a:t>/table</a:t>
             </a:r>
             <a:endParaRPr lang="en-US" sz="1200"/>
+          </a:p>
+        </p:txBody>
+      </p:sp>
+      <p:cxnSp>
+        <p:nvCxnSpPr>
+          <p:cNvPr id="7" name="Straight Arrow Connector 6">
+            <a:extLst>
+              <a:ext uri="{FF2B5EF4-FFF2-40B4-BE49-F238E27FC236}">
+                <a16:creationId xmlns:a16="http://schemas.microsoft.com/office/drawing/2014/main" id="{64D2F3A9-A395-492B-B773-9442BE5CBE4F}"/>
+              </a:ext>
+            </a:extLst>
+          </p:cNvPr>
+          <p:cNvCxnSpPr/>
+          <p:nvPr/>
+        </p:nvCxnSpPr>
+        <p:spPr>
+          <a:xfrm flipH="1">
+            <a:off x="1196340" y="1524000"/>
+            <a:ext cx="2552700" cy="693420"/>
+          </a:xfrm>
+          <a:prstGeom prst="straightConnector1">
+            <a:avLst/>
+          </a:prstGeom>
+          <a:ln>
+            <a:tailEnd type="triangle"/>
+          </a:ln>
+        </p:spPr>
+        <p:style>
+          <a:lnRef idx="1">
+            <a:schemeClr val="accent2"/>
+          </a:lnRef>
+          <a:fillRef idx="0">
+            <a:schemeClr val="accent2"/>
+          </a:fillRef>
+          <a:effectRef idx="0">
+            <a:schemeClr val="accent2"/>
+          </a:effectRef>
+          <a:fontRef idx="minor">
+            <a:schemeClr val="tx1"/>
+          </a:fontRef>
+        </p:style>
+      </p:cxnSp>
+      <p:cxnSp>
+        <p:nvCxnSpPr>
+          <p:cNvPr id="11" name="Straight Arrow Connector 10">
+            <a:extLst>
+              <a:ext uri="{FF2B5EF4-FFF2-40B4-BE49-F238E27FC236}">
+                <a16:creationId xmlns:a16="http://schemas.microsoft.com/office/drawing/2014/main" id="{37EFBBAE-6FAA-4427-AB50-78A99215E4F6}"/>
+              </a:ext>
+            </a:extLst>
+          </p:cNvPr>
+          <p:cNvCxnSpPr/>
+          <p:nvPr/>
+        </p:nvCxnSpPr>
+        <p:spPr>
+          <a:xfrm flipH="1">
+            <a:off x="1242060" y="1524000"/>
+            <a:ext cx="2560320" cy="2324100"/>
+          </a:xfrm>
+          <a:prstGeom prst="straightConnector1">
+            <a:avLst/>
+          </a:prstGeom>
+          <a:ln>
+            <a:tailEnd type="triangle"/>
+          </a:ln>
+        </p:spPr>
+        <p:style>
+          <a:lnRef idx="1">
+            <a:schemeClr val="accent2"/>
+          </a:lnRef>
+          <a:fillRef idx="0">
+            <a:schemeClr val="accent2"/>
+          </a:fillRef>
+          <a:effectRef idx="0">
+            <a:schemeClr val="accent2"/>
+          </a:effectRef>
+          <a:fontRef idx="minor">
+            <a:schemeClr val="tx1"/>
+          </a:fontRef>
+        </p:style>
+      </p:cxnSp>
+      <p:sp>
+        <p:nvSpPr>
+          <p:cNvPr id="12" name="TextBox 11">
+            <a:extLst>
+              <a:ext uri="{FF2B5EF4-FFF2-40B4-BE49-F238E27FC236}">
+                <a16:creationId xmlns:a16="http://schemas.microsoft.com/office/drawing/2014/main" id="{C406EAF0-EC4B-4A3A-91C8-D029878FA3D1}"/>
+              </a:ext>
+            </a:extLst>
+          </p:cNvPr>
+          <p:cNvSpPr txBox="1"/>
+          <p:nvPr/>
+        </p:nvSpPr>
+        <p:spPr>
+          <a:xfrm>
+            <a:off x="1477496" y="2071170"/>
+            <a:ext cx="1113831" cy="307777"/>
+          </a:xfrm>
+          <a:prstGeom prst="rect">
+            <a:avLst/>
+          </a:prstGeom>
+          <a:noFill/>
+        </p:spPr>
+        <p:txBody>
+          <a:bodyPr wrap="none" rtlCol="0">
+            <a:spAutoFit/>
+          </a:bodyPr>
+          <a:lstStyle/>
+          <a:p>
+            <a:r>
+              <a:rPr lang="en-US" sz="1400" dirty="0"/>
+              <a:t>which </a:t>
+            </a:r>
+            <a:r>
+              <a:rPr lang="en-US" sz="1400" dirty="0">
+                <a:solidFill>
+                  <a:srgbClr val="FF0000"/>
+                </a:solidFill>
+              </a:rPr>
+              <a:t>table</a:t>
+            </a:r>
+            <a:r>
+              <a:rPr lang="en-US" sz="1400" dirty="0"/>
+              <a:t>?</a:t>
+            </a:r>
           </a:p>
         </p:txBody>
       </p:sp>
@@ -8246,7 +10237,7 @@
 </p:sld>
 </file>
 
-<file path=ppt/slides/slide13.xml><?xml version="1.0" encoding="utf-8"?>
+<file path=ppt/slides/slide14.xml><?xml version="1.0" encoding="utf-8"?>
 <p:sld xmlns:a="http://schemas.openxmlformats.org/drawingml/2006/main" xmlns:r="http://schemas.openxmlformats.org/officeDocument/2006/relationships" xmlns:p="http://schemas.openxmlformats.org/presentationml/2006/main">
   <p:cSld>
     <p:spTree>
@@ -8325,7 +10316,7 @@
 </p:sld>
 </file>
 
-<file path=ppt/slides/slide14.xml><?xml version="1.0" encoding="utf-8"?>
+<file path=ppt/slides/slide15.xml><?xml version="1.0" encoding="utf-8"?>
 <p:sld xmlns:a="http://schemas.openxmlformats.org/drawingml/2006/main" xmlns:r="http://schemas.openxmlformats.org/officeDocument/2006/relationships" xmlns:p="http://schemas.openxmlformats.org/presentationml/2006/main">
   <p:cSld>
     <p:spTree>
@@ -8379,7 +10370,7 @@
 </p:sld>
 </file>
 
-<file path=ppt/slides/slide15.xml><?xml version="1.0" encoding="utf-8"?>
+<file path=ppt/slides/slide16.xml><?xml version="1.0" encoding="utf-8"?>
 <p:sld xmlns:a="http://schemas.openxmlformats.org/drawingml/2006/main" xmlns:r="http://schemas.openxmlformats.org/officeDocument/2006/relationships" xmlns:p="http://schemas.openxmlformats.org/presentationml/2006/main">
   <p:cSld>
     <p:spTree>
@@ -8470,7 +10461,7 @@
 </p:sld>
 </file>
 
-<file path=ppt/slides/slide16.xml><?xml version="1.0" encoding="utf-8"?>
+<file path=ppt/slides/slide17.xml><?xml version="1.0" encoding="utf-8"?>
 <p:sld xmlns:a="http://schemas.openxmlformats.org/drawingml/2006/main" xmlns:r="http://schemas.openxmlformats.org/officeDocument/2006/relationships" xmlns:p="http://schemas.openxmlformats.org/presentationml/2006/main">
   <p:cSld>
     <p:spTree>
@@ -8721,7 +10712,7 @@
 </p:sld>
 </file>
 
-<file path=ppt/slides/slide17.xml><?xml version="1.0" encoding="utf-8"?>
+<file path=ppt/slides/slide18.xml><?xml version="1.0" encoding="utf-8"?>
 <p:sld xmlns:a="http://schemas.openxmlformats.org/drawingml/2006/main" xmlns:r="http://schemas.openxmlformats.org/officeDocument/2006/relationships" xmlns:p="http://schemas.openxmlformats.org/presentationml/2006/main">
   <p:cSld>
     <p:spTree>
@@ -8775,7 +10766,7 @@
 </p:sld>
 </file>
 
-<file path=ppt/slides/slide18.xml><?xml version="1.0" encoding="utf-8"?>
+<file path=ppt/slides/slide19.xml><?xml version="1.0" encoding="utf-8"?>
 <p:sld xmlns:a="http://schemas.openxmlformats.org/drawingml/2006/main" xmlns:r="http://schemas.openxmlformats.org/officeDocument/2006/relationships" xmlns:p="http://schemas.openxmlformats.org/presentationml/2006/main">
   <p:cSld>
     <p:spTree>
@@ -8995,244 +10986,6 @@
     <p:extLst>
       <p:ext uri="{BB962C8B-B14F-4D97-AF65-F5344CB8AC3E}">
         <p14:creationId xmlns:p14="http://schemas.microsoft.com/office/powerpoint/2010/main" val="3837032167"/>
-      </p:ext>
-    </p:extLst>
-  </p:cSld>
-  <p:clrMapOvr>
-    <a:masterClrMapping/>
-  </p:clrMapOvr>
-</p:sld>
-</file>
-
-<file path=ppt/slides/slide19.xml><?xml version="1.0" encoding="utf-8"?>
-<p:sld xmlns:a="http://schemas.openxmlformats.org/drawingml/2006/main" xmlns:r="http://schemas.openxmlformats.org/officeDocument/2006/relationships" xmlns:p="http://schemas.openxmlformats.org/presentationml/2006/main">
-  <p:cSld>
-    <p:spTree>
-      <p:nvGrpSpPr>
-        <p:cNvPr id="1" name=""/>
-        <p:cNvGrpSpPr/>
-        <p:nvPr/>
-      </p:nvGrpSpPr>
-      <p:grpSpPr>
-        <a:xfrm>
-          <a:off x="0" y="0"/>
-          <a:ext cx="0" cy="0"/>
-          <a:chOff x="0" y="0"/>
-          <a:chExt cx="0" cy="0"/>
-        </a:xfrm>
-      </p:grpSpPr>
-      <p:pic>
-        <p:nvPicPr>
-          <p:cNvPr id="2" name="Picture 1"/>
-          <p:cNvPicPr>
-            <a:picLocks noChangeAspect="1"/>
-          </p:cNvPicPr>
-          <p:nvPr/>
-        </p:nvPicPr>
-        <p:blipFill>
-          <a:blip r:embed="rId3"/>
-          <a:stretch>
-            <a:fillRect/>
-          </a:stretch>
-        </p:blipFill>
-        <p:spPr>
-          <a:xfrm>
-            <a:off x="929962" y="1591398"/>
-            <a:ext cx="10237259" cy="3989594"/>
-          </a:xfrm>
-          <a:prstGeom prst="rect">
-            <a:avLst/>
-          </a:prstGeom>
-        </p:spPr>
-      </p:pic>
-      <p:sp>
-        <p:nvSpPr>
-          <p:cNvPr id="3" name="Rectangle 2"/>
-          <p:cNvSpPr/>
-          <p:nvPr/>
-        </p:nvSpPr>
-        <p:spPr>
-          <a:xfrm>
-            <a:off x="6131905" y="4158734"/>
-            <a:ext cx="4032707" cy="400110"/>
-          </a:xfrm>
-          <a:prstGeom prst="rect">
-            <a:avLst/>
-          </a:prstGeom>
-          <a:solidFill>
-            <a:schemeClr val="accent4">
-              <a:lumMod val="20000"/>
-              <a:lumOff val="80000"/>
-            </a:schemeClr>
-          </a:solidFill>
-        </p:spPr>
-        <p:txBody>
-          <a:bodyPr wrap="none">
-            <a:spAutoFit/>
-          </a:bodyPr>
-          <a:lstStyle/>
-          <a:p>
-            <a:r>
-              <a:rPr lang="en-US" sz="2000">
-                <a:solidFill>
-                  <a:srgbClr val="FF0000"/>
-                </a:solidFill>
-              </a:rPr>
-              <a:t>-v </a:t>
-            </a:r>
-            <a:r>
-              <a:rPr lang="en-US" sz="2000"/>
-              <a:t>: </a:t>
-            </a:r>
-            <a:r>
-              <a:rPr lang="en-US" sz="2000">
-                <a:solidFill>
-                  <a:srgbClr val="FF0000"/>
-                </a:solidFill>
-              </a:rPr>
-              <a:t> </a:t>
-            </a:r>
-            <a:r>
-              <a:rPr lang="en-US" sz="2000"/>
-              <a:t> show attributes and their values</a:t>
-            </a:r>
-          </a:p>
-        </p:txBody>
-      </p:sp>
-      <p:sp>
-        <p:nvSpPr>
-          <p:cNvPr id="5" name="TextBox 3"/>
-          <p:cNvSpPr txBox="1"/>
-          <p:nvPr/>
-        </p:nvSpPr>
-        <p:spPr>
-          <a:xfrm>
-            <a:off x="929962" y="1222066"/>
-            <a:ext cx="5806900" cy="369332"/>
-          </a:xfrm>
-          <a:prstGeom prst="rect">
-            <a:avLst/>
-          </a:prstGeom>
-          <a:solidFill>
-            <a:srgbClr val="FFC000"/>
-          </a:solidFill>
-        </p:spPr>
-        <p:txBody>
-          <a:bodyPr wrap="square" rtlCol="0">
-            <a:spAutoFit/>
-          </a:bodyPr>
-          <a:lstStyle>
-            <a:defPPr>
-              <a:defRPr lang="en-US"/>
-            </a:defPPr>
-            <a:lvl1pPr marL="0" algn="l" defTabSz="914400" rtl="0" eaLnBrk="1" latinLnBrk="0" hangingPunct="1">
-              <a:defRPr sz="1800" kern="1200">
-                <a:solidFill>
-                  <a:schemeClr val="tx1"/>
-                </a:solidFill>
-                <a:latin typeface="+mn-lt"/>
-                <a:ea typeface="+mn-ea"/>
-                <a:cs typeface="+mn-cs"/>
-              </a:defRPr>
-            </a:lvl1pPr>
-            <a:lvl2pPr marL="457200" algn="l" defTabSz="914400" rtl="0" eaLnBrk="1" latinLnBrk="0" hangingPunct="1">
-              <a:defRPr sz="1800" kern="1200">
-                <a:solidFill>
-                  <a:schemeClr val="tx1"/>
-                </a:solidFill>
-                <a:latin typeface="+mn-lt"/>
-                <a:ea typeface="+mn-ea"/>
-                <a:cs typeface="+mn-cs"/>
-              </a:defRPr>
-            </a:lvl2pPr>
-            <a:lvl3pPr marL="914400" algn="l" defTabSz="914400" rtl="0" eaLnBrk="1" latinLnBrk="0" hangingPunct="1">
-              <a:defRPr sz="1800" kern="1200">
-                <a:solidFill>
-                  <a:schemeClr val="tx1"/>
-                </a:solidFill>
-                <a:latin typeface="+mn-lt"/>
-                <a:ea typeface="+mn-ea"/>
-                <a:cs typeface="+mn-cs"/>
-              </a:defRPr>
-            </a:lvl3pPr>
-            <a:lvl4pPr marL="1371600" algn="l" defTabSz="914400" rtl="0" eaLnBrk="1" latinLnBrk="0" hangingPunct="1">
-              <a:defRPr sz="1800" kern="1200">
-                <a:solidFill>
-                  <a:schemeClr val="tx1"/>
-                </a:solidFill>
-                <a:latin typeface="+mn-lt"/>
-                <a:ea typeface="+mn-ea"/>
-                <a:cs typeface="+mn-cs"/>
-              </a:defRPr>
-            </a:lvl4pPr>
-            <a:lvl5pPr marL="1828800" algn="l" defTabSz="914400" rtl="0" eaLnBrk="1" latinLnBrk="0" hangingPunct="1">
-              <a:defRPr sz="1800" kern="1200">
-                <a:solidFill>
-                  <a:schemeClr val="tx1"/>
-                </a:solidFill>
-                <a:latin typeface="+mn-lt"/>
-                <a:ea typeface="+mn-ea"/>
-                <a:cs typeface="+mn-cs"/>
-              </a:defRPr>
-            </a:lvl5pPr>
-            <a:lvl6pPr marL="2286000" algn="l" defTabSz="914400" rtl="0" eaLnBrk="1" latinLnBrk="0" hangingPunct="1">
-              <a:defRPr sz="1800" kern="1200">
-                <a:solidFill>
-                  <a:schemeClr val="tx1"/>
-                </a:solidFill>
-                <a:latin typeface="+mn-lt"/>
-                <a:ea typeface="+mn-ea"/>
-                <a:cs typeface="+mn-cs"/>
-              </a:defRPr>
-            </a:lvl6pPr>
-            <a:lvl7pPr marL="2743200" algn="l" defTabSz="914400" rtl="0" eaLnBrk="1" latinLnBrk="0" hangingPunct="1">
-              <a:defRPr sz="1800" kern="1200">
-                <a:solidFill>
-                  <a:schemeClr val="tx1"/>
-                </a:solidFill>
-                <a:latin typeface="+mn-lt"/>
-                <a:ea typeface="+mn-ea"/>
-                <a:cs typeface="+mn-cs"/>
-              </a:defRPr>
-            </a:lvl7pPr>
-            <a:lvl8pPr marL="3200400" algn="l" defTabSz="914400" rtl="0" eaLnBrk="1" latinLnBrk="0" hangingPunct="1">
-              <a:defRPr sz="1800" kern="1200">
-                <a:solidFill>
-                  <a:schemeClr val="tx1"/>
-                </a:solidFill>
-                <a:latin typeface="+mn-lt"/>
-                <a:ea typeface="+mn-ea"/>
-                <a:cs typeface="+mn-cs"/>
-              </a:defRPr>
-            </a:lvl8pPr>
-            <a:lvl9pPr marL="3657600" algn="l" defTabSz="914400" rtl="0" eaLnBrk="1" latinLnBrk="0" hangingPunct="1">
-              <a:defRPr sz="1800" kern="1200">
-                <a:solidFill>
-                  <a:schemeClr val="tx1"/>
-                </a:solidFill>
-                <a:latin typeface="+mn-lt"/>
-                <a:ea typeface="+mn-ea"/>
-                <a:cs typeface="+mn-cs"/>
-              </a:defRPr>
-            </a:lvl9pPr>
-          </a:lstStyle>
-          <a:p>
-            <a:r>
-              <a:rPr lang="en-US"/>
-              <a:t>Show element attributes and their values</a:t>
-            </a:r>
-            <a:endParaRPr lang="en-US" i="1">
-              <a:solidFill>
-                <a:srgbClr val="007DB5"/>
-              </a:solidFill>
-            </a:endParaRPr>
-          </a:p>
-        </p:txBody>
-      </p:sp>
-    </p:spTree>
-    <p:extLst>
-      <p:ext uri="{BB962C8B-B14F-4D97-AF65-F5344CB8AC3E}">
-        <p14:creationId xmlns:p14="http://schemas.microsoft.com/office/powerpoint/2010/main" val="3341397945"/>
       </p:ext>
     </p:extLst>
   </p:cSld>
@@ -9507,6 +11260,274 @@
           <a:chExt cx="0" cy="0"/>
         </a:xfrm>
       </p:grpSpPr>
+      <p:pic>
+        <p:nvPicPr>
+          <p:cNvPr id="2" name="Picture 1"/>
+          <p:cNvPicPr>
+            <a:picLocks noChangeAspect="1"/>
+          </p:cNvPicPr>
+          <p:nvPr/>
+        </p:nvPicPr>
+        <p:blipFill>
+          <a:blip r:embed="rId3"/>
+          <a:stretch>
+            <a:fillRect/>
+          </a:stretch>
+        </p:blipFill>
+        <p:spPr>
+          <a:xfrm>
+            <a:off x="929962" y="1591398"/>
+            <a:ext cx="10237259" cy="3989594"/>
+          </a:xfrm>
+          <a:prstGeom prst="rect">
+            <a:avLst/>
+          </a:prstGeom>
+        </p:spPr>
+      </p:pic>
+      <p:sp>
+        <p:nvSpPr>
+          <p:cNvPr id="3" name="Rectangle 2"/>
+          <p:cNvSpPr/>
+          <p:nvPr/>
+        </p:nvSpPr>
+        <p:spPr>
+          <a:xfrm>
+            <a:off x="6131905" y="4158734"/>
+            <a:ext cx="4032707" cy="400110"/>
+          </a:xfrm>
+          <a:prstGeom prst="rect">
+            <a:avLst/>
+          </a:prstGeom>
+          <a:solidFill>
+            <a:schemeClr val="accent4">
+              <a:lumMod val="20000"/>
+              <a:lumOff val="80000"/>
+            </a:schemeClr>
+          </a:solidFill>
+        </p:spPr>
+        <p:txBody>
+          <a:bodyPr wrap="none">
+            <a:spAutoFit/>
+          </a:bodyPr>
+          <a:lstStyle/>
+          <a:p>
+            <a:r>
+              <a:rPr lang="en-US" sz="2000">
+                <a:solidFill>
+                  <a:srgbClr val="FF0000"/>
+                </a:solidFill>
+              </a:rPr>
+              <a:t>-v </a:t>
+            </a:r>
+            <a:r>
+              <a:rPr lang="en-US" sz="2000"/>
+              <a:t>: </a:t>
+            </a:r>
+            <a:r>
+              <a:rPr lang="en-US" sz="2000">
+                <a:solidFill>
+                  <a:srgbClr val="FF0000"/>
+                </a:solidFill>
+              </a:rPr>
+              <a:t> </a:t>
+            </a:r>
+            <a:r>
+              <a:rPr lang="en-US" sz="2000"/>
+              <a:t> show attributes and their values</a:t>
+            </a:r>
+          </a:p>
+        </p:txBody>
+      </p:sp>
+      <p:sp>
+        <p:nvSpPr>
+          <p:cNvPr id="5" name="TextBox 3"/>
+          <p:cNvSpPr txBox="1"/>
+          <p:nvPr/>
+        </p:nvSpPr>
+        <p:spPr>
+          <a:xfrm>
+            <a:off x="929962" y="1222066"/>
+            <a:ext cx="5806900" cy="369332"/>
+          </a:xfrm>
+          <a:prstGeom prst="rect">
+            <a:avLst/>
+          </a:prstGeom>
+          <a:solidFill>
+            <a:srgbClr val="FFC000"/>
+          </a:solidFill>
+        </p:spPr>
+        <p:txBody>
+          <a:bodyPr wrap="square" rtlCol="0">
+            <a:spAutoFit/>
+          </a:bodyPr>
+          <a:lstStyle>
+            <a:defPPr>
+              <a:defRPr lang="en-US"/>
+            </a:defPPr>
+            <a:lvl1pPr marL="0" algn="l" defTabSz="914400" rtl="0" eaLnBrk="1" latinLnBrk="0" hangingPunct="1">
+              <a:defRPr sz="1800" kern="1200">
+                <a:solidFill>
+                  <a:schemeClr val="tx1"/>
+                </a:solidFill>
+                <a:latin typeface="+mn-lt"/>
+                <a:ea typeface="+mn-ea"/>
+                <a:cs typeface="+mn-cs"/>
+              </a:defRPr>
+            </a:lvl1pPr>
+            <a:lvl2pPr marL="457200" algn="l" defTabSz="914400" rtl="0" eaLnBrk="1" latinLnBrk="0" hangingPunct="1">
+              <a:defRPr sz="1800" kern="1200">
+                <a:solidFill>
+                  <a:schemeClr val="tx1"/>
+                </a:solidFill>
+                <a:latin typeface="+mn-lt"/>
+                <a:ea typeface="+mn-ea"/>
+                <a:cs typeface="+mn-cs"/>
+              </a:defRPr>
+            </a:lvl2pPr>
+            <a:lvl3pPr marL="914400" algn="l" defTabSz="914400" rtl="0" eaLnBrk="1" latinLnBrk="0" hangingPunct="1">
+              <a:defRPr sz="1800" kern="1200">
+                <a:solidFill>
+                  <a:schemeClr val="tx1"/>
+                </a:solidFill>
+                <a:latin typeface="+mn-lt"/>
+                <a:ea typeface="+mn-ea"/>
+                <a:cs typeface="+mn-cs"/>
+              </a:defRPr>
+            </a:lvl3pPr>
+            <a:lvl4pPr marL="1371600" algn="l" defTabSz="914400" rtl="0" eaLnBrk="1" latinLnBrk="0" hangingPunct="1">
+              <a:defRPr sz="1800" kern="1200">
+                <a:solidFill>
+                  <a:schemeClr val="tx1"/>
+                </a:solidFill>
+                <a:latin typeface="+mn-lt"/>
+                <a:ea typeface="+mn-ea"/>
+                <a:cs typeface="+mn-cs"/>
+              </a:defRPr>
+            </a:lvl4pPr>
+            <a:lvl5pPr marL="1828800" algn="l" defTabSz="914400" rtl="0" eaLnBrk="1" latinLnBrk="0" hangingPunct="1">
+              <a:defRPr sz="1800" kern="1200">
+                <a:solidFill>
+                  <a:schemeClr val="tx1"/>
+                </a:solidFill>
+                <a:latin typeface="+mn-lt"/>
+                <a:ea typeface="+mn-ea"/>
+                <a:cs typeface="+mn-cs"/>
+              </a:defRPr>
+            </a:lvl5pPr>
+            <a:lvl6pPr marL="2286000" algn="l" defTabSz="914400" rtl="0" eaLnBrk="1" latinLnBrk="0" hangingPunct="1">
+              <a:defRPr sz="1800" kern="1200">
+                <a:solidFill>
+                  <a:schemeClr val="tx1"/>
+                </a:solidFill>
+                <a:latin typeface="+mn-lt"/>
+                <a:ea typeface="+mn-ea"/>
+                <a:cs typeface="+mn-cs"/>
+              </a:defRPr>
+            </a:lvl6pPr>
+            <a:lvl7pPr marL="2743200" algn="l" defTabSz="914400" rtl="0" eaLnBrk="1" latinLnBrk="0" hangingPunct="1">
+              <a:defRPr sz="1800" kern="1200">
+                <a:solidFill>
+                  <a:schemeClr val="tx1"/>
+                </a:solidFill>
+                <a:latin typeface="+mn-lt"/>
+                <a:ea typeface="+mn-ea"/>
+                <a:cs typeface="+mn-cs"/>
+              </a:defRPr>
+            </a:lvl7pPr>
+            <a:lvl8pPr marL="3200400" algn="l" defTabSz="914400" rtl="0" eaLnBrk="1" latinLnBrk="0" hangingPunct="1">
+              <a:defRPr sz="1800" kern="1200">
+                <a:solidFill>
+                  <a:schemeClr val="tx1"/>
+                </a:solidFill>
+                <a:latin typeface="+mn-lt"/>
+                <a:ea typeface="+mn-ea"/>
+                <a:cs typeface="+mn-cs"/>
+              </a:defRPr>
+            </a:lvl8pPr>
+            <a:lvl9pPr marL="3657600" algn="l" defTabSz="914400" rtl="0" eaLnBrk="1" latinLnBrk="0" hangingPunct="1">
+              <a:defRPr sz="1800" kern="1200">
+                <a:solidFill>
+                  <a:schemeClr val="tx1"/>
+                </a:solidFill>
+                <a:latin typeface="+mn-lt"/>
+                <a:ea typeface="+mn-ea"/>
+                <a:cs typeface="+mn-cs"/>
+              </a:defRPr>
+            </a:lvl9pPr>
+          </a:lstStyle>
+          <a:p>
+            <a:r>
+              <a:rPr lang="en-US"/>
+              <a:t>Show element attributes and their values</a:t>
+            </a:r>
+            <a:endParaRPr lang="en-US" i="1">
+              <a:solidFill>
+                <a:srgbClr val="007DB5"/>
+              </a:solidFill>
+            </a:endParaRPr>
+          </a:p>
+        </p:txBody>
+      </p:sp>
+      <p:pic>
+        <p:nvPicPr>
+          <p:cNvPr id="6" name="Picture 5">
+            <a:extLst>
+              <a:ext uri="{FF2B5EF4-FFF2-40B4-BE49-F238E27FC236}">
+                <a16:creationId xmlns:a16="http://schemas.microsoft.com/office/drawing/2014/main" id="{F21F091E-62A3-4824-8C0E-F5F3309A58B2}"/>
+              </a:ext>
+            </a:extLst>
+          </p:cNvPr>
+          <p:cNvPicPr>
+            <a:picLocks noChangeAspect="1"/>
+          </p:cNvPicPr>
+          <p:nvPr/>
+        </p:nvPicPr>
+        <p:blipFill>
+          <a:blip r:embed="rId4"/>
+          <a:stretch>
+            <a:fillRect/>
+          </a:stretch>
+        </p:blipFill>
+        <p:spPr>
+          <a:xfrm>
+            <a:off x="8084820" y="217914"/>
+            <a:ext cx="3814020" cy="886146"/>
+          </a:xfrm>
+          <a:prstGeom prst="rect">
+            <a:avLst/>
+          </a:prstGeom>
+        </p:spPr>
+      </p:pic>
+    </p:spTree>
+    <p:extLst>
+      <p:ext uri="{BB962C8B-B14F-4D97-AF65-F5344CB8AC3E}">
+        <p14:creationId xmlns:p14="http://schemas.microsoft.com/office/powerpoint/2010/main" val="3341397945"/>
+      </p:ext>
+    </p:extLst>
+  </p:cSld>
+  <p:clrMapOvr>
+    <a:masterClrMapping/>
+  </p:clrMapOvr>
+</p:sld>
+</file>
+
+<file path=ppt/slides/slide21.xml><?xml version="1.0" encoding="utf-8"?>
+<p:sld xmlns:a="http://schemas.openxmlformats.org/drawingml/2006/main" xmlns:r="http://schemas.openxmlformats.org/officeDocument/2006/relationships" xmlns:p="http://schemas.openxmlformats.org/presentationml/2006/main">
+  <p:cSld>
+    <p:spTree>
+      <p:nvGrpSpPr>
+        <p:cNvPr id="1" name=""/>
+        <p:cNvGrpSpPr/>
+        <p:nvPr/>
+      </p:nvGrpSpPr>
+      <p:grpSpPr>
+        <a:xfrm>
+          <a:off x="0" y="0"/>
+          <a:ext cx="0" cy="0"/>
+          <a:chOff x="0" y="0"/>
+          <a:chExt cx="0" cy="0"/>
+        </a:xfrm>
+      </p:grpSpPr>
       <p:sp>
         <p:nvSpPr>
           <p:cNvPr id="2" name="Title 1"/>
@@ -9574,7 +11595,7 @@
 </p:sld>
 </file>
 
-<file path=ppt/slides/slide21.xml><?xml version="1.0" encoding="utf-8"?>
+<file path=ppt/slides/slide22.xml><?xml version="1.0" encoding="utf-8"?>
 <p:sld xmlns:a="http://schemas.openxmlformats.org/drawingml/2006/main" xmlns:r="http://schemas.openxmlformats.org/officeDocument/2006/relationships" xmlns:p="http://schemas.openxmlformats.org/presentationml/2006/main">
   <p:cSld>
     <p:spTree>
@@ -9628,7 +11649,7 @@
 </p:sld>
 </file>
 
-<file path=ppt/slides/slide22.xml><?xml version="1.0" encoding="utf-8"?>
+<file path=ppt/slides/slide23.xml><?xml version="1.0" encoding="utf-8"?>
 <p:sld xmlns:a="http://schemas.openxmlformats.org/drawingml/2006/main" xmlns:r="http://schemas.openxmlformats.org/officeDocument/2006/relationships" xmlns:p="http://schemas.openxmlformats.org/presentationml/2006/main">
   <p:cSld>
     <p:spTree>
@@ -9682,7 +11703,7 @@
 </p:sld>
 </file>
 
-<file path=ppt/slides/slide23.xml><?xml version="1.0" encoding="utf-8"?>
+<file path=ppt/slides/slide24.xml><?xml version="1.0" encoding="utf-8"?>
 <p:sld xmlns:a="http://schemas.openxmlformats.org/drawingml/2006/main" xmlns:r="http://schemas.openxmlformats.org/officeDocument/2006/relationships" xmlns:p="http://schemas.openxmlformats.org/presentationml/2006/main">
   <p:cSld>
     <p:spTree>
@@ -9774,7 +11795,7 @@
 </p:sld>
 </file>
 
-<file path=ppt/slides/slide24.xml><?xml version="1.0" encoding="utf-8"?>
+<file path=ppt/slides/slide25.xml><?xml version="1.0" encoding="utf-8"?>
 <p:sld xmlns:a="http://schemas.openxmlformats.org/drawingml/2006/main" xmlns:r="http://schemas.openxmlformats.org/officeDocument/2006/relationships" xmlns:p="http://schemas.openxmlformats.org/presentationml/2006/main">
   <p:cSld>
     <p:spTree>
@@ -9827,7 +11848,7 @@
 </p:sld>
 </file>
 
-<file path=ppt/slides/slide25.xml><?xml version="1.0" encoding="utf-8"?>
+<file path=ppt/slides/slide26.xml><?xml version="1.0" encoding="utf-8"?>
 <p:sld xmlns:a="http://schemas.openxmlformats.org/drawingml/2006/main" xmlns:r="http://schemas.openxmlformats.org/officeDocument/2006/relationships" xmlns:p="http://schemas.openxmlformats.org/presentationml/2006/main">
   <p:cSld>
     <p:spTree>
@@ -9913,7 +11934,7 @@
 </p:sld>
 </file>
 
-<file path=ppt/slides/slide26.xml><?xml version="1.0" encoding="utf-8"?>
+<file path=ppt/slides/slide27.xml><?xml version="1.0" encoding="utf-8"?>
 <p:sld xmlns:a="http://schemas.openxmlformats.org/drawingml/2006/main" xmlns:r="http://schemas.openxmlformats.org/officeDocument/2006/relationships" xmlns:p="http://schemas.openxmlformats.org/presentationml/2006/main">
   <p:cSld>
     <p:spTree>
@@ -10106,7 +12127,7 @@
 </p:sld>
 </file>
 
-<file path=ppt/slides/slide27.xml><?xml version="1.0" encoding="utf-8"?>
+<file path=ppt/slides/slide28.xml><?xml version="1.0" encoding="utf-8"?>
 <p:sld xmlns:a="http://schemas.openxmlformats.org/drawingml/2006/main" xmlns:r="http://schemas.openxmlformats.org/officeDocument/2006/relationships" xmlns:p="http://schemas.openxmlformats.org/presentationml/2006/main">
   <p:cSld>
     <p:spTree>
@@ -10447,7 +12468,7 @@
 </p:sld>
 </file>
 
-<file path=ppt/slides/slide28.xml><?xml version="1.0" encoding="utf-8"?>
+<file path=ppt/slides/slide29.xml><?xml version="1.0" encoding="utf-8"?>
 <p:sld xmlns:a="http://schemas.openxmlformats.org/drawingml/2006/main" xmlns:r="http://schemas.openxmlformats.org/officeDocument/2006/relationships" xmlns:p="http://schemas.openxmlformats.org/presentationml/2006/main">
   <p:cSld>
     <p:spTree>
@@ -11001,147 +13022,6 @@
 </p:sld>
 </file>
 
-<file path=ppt/slides/slide29.xml><?xml version="1.0" encoding="utf-8"?>
-<p:sld xmlns:a="http://schemas.openxmlformats.org/drawingml/2006/main" xmlns:r="http://schemas.openxmlformats.org/officeDocument/2006/relationships" xmlns:p="http://schemas.openxmlformats.org/presentationml/2006/main">
-  <p:cSld>
-    <p:spTree>
-      <p:nvGrpSpPr>
-        <p:cNvPr id="1" name=""/>
-        <p:cNvGrpSpPr/>
-        <p:nvPr/>
-      </p:nvGrpSpPr>
-      <p:grpSpPr>
-        <a:xfrm>
-          <a:off x="0" y="0"/>
-          <a:ext cx="0" cy="0"/>
-          <a:chOff x="0" y="0"/>
-          <a:chExt cx="0" cy="0"/>
-        </a:xfrm>
-      </p:grpSpPr>
-      <p:pic>
-        <p:nvPicPr>
-          <p:cNvPr id="2" name="Picture 1"/>
-          <p:cNvPicPr>
-            <a:picLocks noChangeAspect="1"/>
-          </p:cNvPicPr>
-          <p:nvPr/>
-        </p:nvPicPr>
-        <p:blipFill>
-          <a:blip r:embed="rId3"/>
-          <a:stretch>
-            <a:fillRect/>
-          </a:stretch>
-        </p:blipFill>
-        <p:spPr>
-          <a:xfrm>
-            <a:off x="369220" y="1730750"/>
-            <a:ext cx="11128197" cy="3450849"/>
-          </a:xfrm>
-          <a:prstGeom prst="rect">
-            <a:avLst/>
-          </a:prstGeom>
-        </p:spPr>
-      </p:pic>
-      <p:sp>
-        <p:nvSpPr>
-          <p:cNvPr id="3" name="TextBox 2"/>
-          <p:cNvSpPr txBox="1"/>
-          <p:nvPr/>
-        </p:nvSpPr>
-        <p:spPr>
-          <a:xfrm>
-            <a:off x="369220" y="1361418"/>
-            <a:ext cx="5432385" cy="369332"/>
-          </a:xfrm>
-          <a:prstGeom prst="rect">
-            <a:avLst/>
-          </a:prstGeom>
-          <a:solidFill>
-            <a:srgbClr val="FFC000"/>
-          </a:solidFill>
-        </p:spPr>
-        <p:txBody>
-          <a:bodyPr wrap="none" rtlCol="0">
-            <a:spAutoFit/>
-          </a:bodyPr>
-          <a:lstStyle/>
-          <a:p>
-            <a:r>
-              <a:rPr lang="en-US"/>
-              <a:t>Select </a:t>
-            </a:r>
-            <a:r>
-              <a:rPr lang="en-US" err="1"/>
-              <a:t>TimeCreated</a:t>
-            </a:r>
-            <a:r>
-              <a:rPr lang="en-US"/>
-              <a:t> of events and print the context node</a:t>
-            </a:r>
-          </a:p>
-        </p:txBody>
-      </p:sp>
-      <p:sp>
-        <p:nvSpPr>
-          <p:cNvPr id="4" name="Rectangle 3">
-            <a:extLst>
-              <a:ext uri="{FF2B5EF4-FFF2-40B4-BE49-F238E27FC236}">
-                <a16:creationId xmlns:a16="http://schemas.microsoft.com/office/drawing/2014/main" id="{C08ED75A-BB81-4FCE-B5C7-CB1A9C89830C}"/>
-              </a:ext>
-            </a:extLst>
-          </p:cNvPr>
-          <p:cNvSpPr/>
-          <p:nvPr/>
-        </p:nvSpPr>
-        <p:spPr>
-          <a:xfrm>
-            <a:off x="6395127" y="2557014"/>
-            <a:ext cx="1846916" cy="369332"/>
-          </a:xfrm>
-          <a:prstGeom prst="rect">
-            <a:avLst/>
-          </a:prstGeom>
-          <a:solidFill>
-            <a:schemeClr val="accent4">
-              <a:lumMod val="20000"/>
-              <a:lumOff val="80000"/>
-            </a:schemeClr>
-          </a:solidFill>
-        </p:spPr>
-        <p:txBody>
-          <a:bodyPr wrap="none">
-            <a:spAutoFit/>
-          </a:bodyPr>
-          <a:lstStyle/>
-          <a:p>
-            <a:r>
-              <a:rPr lang="en-US" b="1">
-                <a:solidFill>
-                  <a:srgbClr val="FF0000"/>
-                </a:solidFill>
-              </a:rPr>
-              <a:t>-n</a:t>
-            </a:r>
-            <a:r>
-              <a:rPr lang="en-US"/>
-              <a:t>:  print new line</a:t>
-            </a:r>
-          </a:p>
-        </p:txBody>
-      </p:sp>
-    </p:spTree>
-    <p:extLst>
-      <p:ext uri="{BB962C8B-B14F-4D97-AF65-F5344CB8AC3E}">
-        <p14:creationId xmlns:p14="http://schemas.microsoft.com/office/powerpoint/2010/main" val="3531219429"/>
-      </p:ext>
-    </p:extLst>
-  </p:cSld>
-  <p:clrMapOvr>
-    <a:masterClrMapping/>
-  </p:clrMapOvr>
-</p:sld>
-</file>
-
 <file path=ppt/slides/slide3.xml><?xml version="1.0" encoding="utf-8"?>
 <p:sld xmlns:a="http://schemas.openxmlformats.org/drawingml/2006/main" xmlns:r="http://schemas.openxmlformats.org/officeDocument/2006/relationships" xmlns:p="http://schemas.openxmlformats.org/presentationml/2006/main">
   <p:cSld>
@@ -11285,8 +13165,8 @@
         </p:blipFill>
         <p:spPr>
           <a:xfrm>
-            <a:off x="483471" y="2123658"/>
-            <a:ext cx="11164554" cy="3952382"/>
+            <a:off x="369220" y="1730750"/>
+            <a:ext cx="11128197" cy="3450849"/>
           </a:xfrm>
           <a:prstGeom prst="rect">
             <a:avLst/>
@@ -11295,13 +13175,58 @@
       </p:pic>
       <p:sp>
         <p:nvSpPr>
-          <p:cNvPr id="3" name="Rectangle 2"/>
+          <p:cNvPr id="3" name="TextBox 2"/>
+          <p:cNvSpPr txBox="1"/>
+          <p:nvPr/>
+        </p:nvSpPr>
+        <p:spPr>
+          <a:xfrm>
+            <a:off x="369220" y="1361418"/>
+            <a:ext cx="5432385" cy="369332"/>
+          </a:xfrm>
+          <a:prstGeom prst="rect">
+            <a:avLst/>
+          </a:prstGeom>
+          <a:solidFill>
+            <a:srgbClr val="FFC000"/>
+          </a:solidFill>
+        </p:spPr>
+        <p:txBody>
+          <a:bodyPr wrap="none" rtlCol="0">
+            <a:spAutoFit/>
+          </a:bodyPr>
+          <a:lstStyle/>
+          <a:p>
+            <a:r>
+              <a:rPr lang="en-US"/>
+              <a:t>Select </a:t>
+            </a:r>
+            <a:r>
+              <a:rPr lang="en-US" err="1"/>
+              <a:t>TimeCreated</a:t>
+            </a:r>
+            <a:r>
+              <a:rPr lang="en-US"/>
+              <a:t> of events and print the context node</a:t>
+            </a:r>
+          </a:p>
+        </p:txBody>
+      </p:sp>
+      <p:sp>
+        <p:nvSpPr>
+          <p:cNvPr id="4" name="Rectangle 3">
+            <a:extLst>
+              <a:ext uri="{FF2B5EF4-FFF2-40B4-BE49-F238E27FC236}">
+                <a16:creationId xmlns:a16="http://schemas.microsoft.com/office/drawing/2014/main" id="{C08ED75A-BB81-4FCE-B5C7-CB1A9C89830C}"/>
+              </a:ext>
+            </a:extLst>
+          </p:cNvPr>
           <p:cNvSpPr/>
           <p:nvPr/>
         </p:nvSpPr>
         <p:spPr>
           <a:xfrm>
-            <a:off x="7172727" y="2960214"/>
+            <a:off x="6395127" y="2557014"/>
             <a:ext cx="1846916" cy="369332"/>
           </a:xfrm>
           <a:prstGeom prst="rect">
@@ -11335,113 +13260,10 @@
           </a:p>
         </p:txBody>
       </p:sp>
-      <p:sp>
-        <p:nvSpPr>
-          <p:cNvPr id="4" name="TextBox 3"/>
-          <p:cNvSpPr txBox="1"/>
-          <p:nvPr/>
-        </p:nvSpPr>
-        <p:spPr>
-          <a:xfrm>
-            <a:off x="483471" y="1754326"/>
-            <a:ext cx="5369547" cy="369332"/>
-          </a:xfrm>
-          <a:prstGeom prst="rect">
-            <a:avLst/>
-          </a:prstGeom>
-          <a:solidFill>
-            <a:srgbClr val="FFC000"/>
-          </a:solidFill>
-        </p:spPr>
-        <p:txBody>
-          <a:bodyPr wrap="none" rtlCol="0">
-            <a:spAutoFit/>
-          </a:bodyPr>
-          <a:lstStyle/>
-          <a:p>
-            <a:r>
-              <a:rPr lang="en-US"/>
-              <a:t>Select a property of </a:t>
-            </a:r>
-            <a:r>
-              <a:rPr lang="en-US" err="1"/>
-              <a:t>EventID</a:t>
-            </a:r>
-            <a:r>
-              <a:rPr lang="en-US"/>
-              <a:t> and print the context node</a:t>
-            </a:r>
-          </a:p>
-        </p:txBody>
-      </p:sp>
-      <p:sp>
-        <p:nvSpPr>
-          <p:cNvPr id="5" name="Rectangle 4"/>
-          <p:cNvSpPr/>
-          <p:nvPr/>
-        </p:nvSpPr>
-        <p:spPr>
-          <a:xfrm>
-            <a:off x="7107363" y="359172"/>
-            <a:ext cx="4540662" cy="1754326"/>
-          </a:xfrm>
-          <a:prstGeom prst="rect">
-            <a:avLst/>
-          </a:prstGeom>
-          <a:solidFill>
-            <a:schemeClr val="accent4">
-              <a:lumMod val="20000"/>
-              <a:lumOff val="80000"/>
-            </a:schemeClr>
-          </a:solidFill>
-        </p:spPr>
-        <p:txBody>
-          <a:bodyPr wrap="square">
-            <a:spAutoFit/>
-          </a:bodyPr>
-          <a:lstStyle/>
-          <a:p>
-            <a:r>
-              <a:rPr lang="en-US"/>
-              <a:t>4608 (Windows is starting up)</a:t>
-            </a:r>
-          </a:p>
-          <a:p>
-            <a:r>
-              <a:rPr lang="en-US"/>
-              <a:t>1100 (service shutdown)</a:t>
-            </a:r>
-          </a:p>
-          <a:p>
-            <a:r>
-              <a:rPr lang="en-US"/>
-              <a:t>4624 (successful logon)</a:t>
-            </a:r>
-          </a:p>
-          <a:p>
-            <a:r>
-              <a:rPr lang="en-US"/>
-              <a:t>4634 (logoff)</a:t>
-            </a:r>
-          </a:p>
-          <a:p>
-            <a:r>
-              <a:rPr lang="en-US"/>
-              <a:t>4625 (logon failure)</a:t>
-            </a:r>
-          </a:p>
-          <a:p>
-            <a:r>
-              <a:rPr lang="en-US"/>
-              <a:t>4647 (a user initiated the logoff process)...</a:t>
-            </a:r>
-          </a:p>
-        </p:txBody>
-      </p:sp>
     </p:spTree>
     <p:extLst>
       <p:ext uri="{BB962C8B-B14F-4D97-AF65-F5344CB8AC3E}">
-        <p14:creationId xmlns:p14="http://schemas.microsoft.com/office/powerpoint/2010/main" val="2884910"/>
+        <p14:creationId xmlns:p14="http://schemas.microsoft.com/office/powerpoint/2010/main" val="3531219429"/>
       </p:ext>
     </p:extLst>
   </p:cSld>
@@ -11468,95 +13290,179 @@
           <a:chExt cx="0" cy="0"/>
         </a:xfrm>
       </p:grpSpPr>
-      <p:sp>
-        <p:nvSpPr>
-          <p:cNvPr id="2" name="Title 1"/>
-          <p:cNvSpPr>
-            <a:spLocks noGrp="1"/>
-          </p:cNvSpPr>
-          <p:nvPr>
-            <p:ph type="title"/>
-          </p:nvPr>
-        </p:nvSpPr>
-        <p:spPr/>
-        <p:txBody>
-          <a:bodyPr/>
-          <a:lstStyle/>
-          <a:p>
-            <a:r>
-              <a:rPr lang="en-US" dirty="0"/>
-              <a:t>Substitute </a:t>
-            </a:r>
-            <a:r>
-              <a:rPr lang="en-US" i="1" dirty="0" err="1">
-                <a:solidFill>
-                  <a:srgbClr val="7030A0"/>
-                </a:solidFill>
-              </a:rPr>
-              <a:t>xmlstarlet</a:t>
-            </a:r>
-            <a:r>
-              <a:rPr lang="en-US" i="1" dirty="0">
-                <a:solidFill>
-                  <a:srgbClr val="7030A0"/>
-                </a:solidFill>
-              </a:rPr>
-              <a:t> </a:t>
-            </a:r>
-            <a:r>
-              <a:rPr lang="en-US" i="1" dirty="0" err="1">
+      <p:pic>
+        <p:nvPicPr>
+          <p:cNvPr id="2" name="Picture 1"/>
+          <p:cNvPicPr>
+            <a:picLocks noChangeAspect="1"/>
+          </p:cNvPicPr>
+          <p:nvPr/>
+        </p:nvPicPr>
+        <p:blipFill>
+          <a:blip r:embed="rId3"/>
+          <a:stretch>
+            <a:fillRect/>
+          </a:stretch>
+        </p:blipFill>
+        <p:spPr>
+          <a:xfrm>
+            <a:off x="483471" y="2123658"/>
+            <a:ext cx="11164554" cy="3952382"/>
+          </a:xfrm>
+          <a:prstGeom prst="rect">
+            <a:avLst/>
+          </a:prstGeom>
+        </p:spPr>
+      </p:pic>
+      <p:sp>
+        <p:nvSpPr>
+          <p:cNvPr id="3" name="Rectangle 2"/>
+          <p:cNvSpPr/>
+          <p:nvPr/>
+        </p:nvSpPr>
+        <p:spPr>
+          <a:xfrm>
+            <a:off x="7172727" y="2960214"/>
+            <a:ext cx="1846916" cy="369332"/>
+          </a:xfrm>
+          <a:prstGeom prst="rect">
+            <a:avLst/>
+          </a:prstGeom>
+          <a:solidFill>
+            <a:schemeClr val="accent4">
+              <a:lumMod val="20000"/>
+              <a:lumOff val="80000"/>
+            </a:schemeClr>
+          </a:solidFill>
+        </p:spPr>
+        <p:txBody>
+          <a:bodyPr wrap="none">
+            <a:spAutoFit/>
+          </a:bodyPr>
+          <a:lstStyle/>
+          <a:p>
+            <a:r>
+              <a:rPr lang="en-US" b="1">
                 <a:solidFill>
                   <a:srgbClr val="FF0000"/>
                 </a:solidFill>
               </a:rPr>
-              <a:t>sel</a:t>
-            </a:r>
-            <a:r>
-              <a:rPr lang="en-US" i="1" dirty="0">
-                <a:solidFill>
-                  <a:srgbClr val="FF0000"/>
-                </a:solidFill>
-              </a:rPr>
-              <a:t> </a:t>
-            </a:r>
-            <a:r>
-              <a:rPr lang="en-US" dirty="0"/>
-              <a:t>results using </a:t>
-            </a:r>
-            <a:r>
-              <a:rPr lang="en-US" dirty="0">
-                <a:solidFill>
-                  <a:srgbClr val="FF0000"/>
-                </a:solidFill>
-              </a:rPr>
-              <a:t>sed</a:t>
-            </a:r>
-          </a:p>
-        </p:txBody>
-      </p:sp>
-      <p:sp>
-        <p:nvSpPr>
-          <p:cNvPr id="3" name="Text Placeholder 2"/>
-          <p:cNvSpPr>
-            <a:spLocks noGrp="1"/>
-          </p:cNvSpPr>
-          <p:nvPr>
-            <p:ph type="body" idx="1"/>
-          </p:nvPr>
-        </p:nvSpPr>
-        <p:spPr/>
-        <p:txBody>
-          <a:bodyPr/>
-          <a:lstStyle/>
-          <a:p>
-            <a:endParaRPr lang="en-US"/>
+              <a:t>-n</a:t>
+            </a:r>
+            <a:r>
+              <a:rPr lang="en-US"/>
+              <a:t>:  print new line</a:t>
+            </a:r>
+          </a:p>
+        </p:txBody>
+      </p:sp>
+      <p:sp>
+        <p:nvSpPr>
+          <p:cNvPr id="4" name="TextBox 3"/>
+          <p:cNvSpPr txBox="1"/>
+          <p:nvPr/>
+        </p:nvSpPr>
+        <p:spPr>
+          <a:xfrm>
+            <a:off x="483471" y="1754326"/>
+            <a:ext cx="5369547" cy="369332"/>
+          </a:xfrm>
+          <a:prstGeom prst="rect">
+            <a:avLst/>
+          </a:prstGeom>
+          <a:solidFill>
+            <a:srgbClr val="FFC000"/>
+          </a:solidFill>
+        </p:spPr>
+        <p:txBody>
+          <a:bodyPr wrap="none" rtlCol="0">
+            <a:spAutoFit/>
+          </a:bodyPr>
+          <a:lstStyle/>
+          <a:p>
+            <a:r>
+              <a:rPr lang="en-US"/>
+              <a:t>Select a property of </a:t>
+            </a:r>
+            <a:r>
+              <a:rPr lang="en-US" err="1"/>
+              <a:t>EventID</a:t>
+            </a:r>
+            <a:r>
+              <a:rPr lang="en-US"/>
+              <a:t> and print the context node</a:t>
+            </a:r>
+          </a:p>
+        </p:txBody>
+      </p:sp>
+      <p:sp>
+        <p:nvSpPr>
+          <p:cNvPr id="5" name="Rectangle 4"/>
+          <p:cNvSpPr/>
+          <p:nvPr/>
+        </p:nvSpPr>
+        <p:spPr>
+          <a:xfrm>
+            <a:off x="7107363" y="359172"/>
+            <a:ext cx="4540662" cy="1754326"/>
+          </a:xfrm>
+          <a:prstGeom prst="rect">
+            <a:avLst/>
+          </a:prstGeom>
+          <a:solidFill>
+            <a:schemeClr val="accent4">
+              <a:lumMod val="20000"/>
+              <a:lumOff val="80000"/>
+            </a:schemeClr>
+          </a:solidFill>
+        </p:spPr>
+        <p:txBody>
+          <a:bodyPr wrap="square">
+            <a:spAutoFit/>
+          </a:bodyPr>
+          <a:lstStyle/>
+          <a:p>
+            <a:r>
+              <a:rPr lang="en-US"/>
+              <a:t>4608 (Windows is starting up)</a:t>
+            </a:r>
+          </a:p>
+          <a:p>
+            <a:r>
+              <a:rPr lang="en-US"/>
+              <a:t>1100 (service shutdown)</a:t>
+            </a:r>
+          </a:p>
+          <a:p>
+            <a:r>
+              <a:rPr lang="en-US"/>
+              <a:t>4624 (successful logon)</a:t>
+            </a:r>
+          </a:p>
+          <a:p>
+            <a:r>
+              <a:rPr lang="en-US"/>
+              <a:t>4634 (logoff)</a:t>
+            </a:r>
+          </a:p>
+          <a:p>
+            <a:r>
+              <a:rPr lang="en-US"/>
+              <a:t>4625 (logon failure)</a:t>
+            </a:r>
+          </a:p>
+          <a:p>
+            <a:r>
+              <a:rPr lang="en-US"/>
+              <a:t>4647 (a user initiated the logoff process)...</a:t>
+            </a:r>
           </a:p>
         </p:txBody>
       </p:sp>
     </p:spTree>
     <p:extLst>
       <p:ext uri="{BB962C8B-B14F-4D97-AF65-F5344CB8AC3E}">
-        <p14:creationId xmlns:p14="http://schemas.microsoft.com/office/powerpoint/2010/main" val="2819587148"/>
+        <p14:creationId xmlns:p14="http://schemas.microsoft.com/office/powerpoint/2010/main" val="2884910"/>
       </p:ext>
     </p:extLst>
   </p:cSld>
@@ -11585,6 +13491,121 @@
       </p:grpSpPr>
       <p:sp>
         <p:nvSpPr>
+          <p:cNvPr id="2" name="Title 1"/>
+          <p:cNvSpPr>
+            <a:spLocks noGrp="1"/>
+          </p:cNvSpPr>
+          <p:nvPr>
+            <p:ph type="title"/>
+          </p:nvPr>
+        </p:nvSpPr>
+        <p:spPr/>
+        <p:txBody>
+          <a:bodyPr/>
+          <a:lstStyle/>
+          <a:p>
+            <a:r>
+              <a:rPr lang="en-US" dirty="0"/>
+              <a:t>Substitute </a:t>
+            </a:r>
+            <a:r>
+              <a:rPr lang="en-US" i="1" dirty="0" err="1">
+                <a:solidFill>
+                  <a:srgbClr val="7030A0"/>
+                </a:solidFill>
+              </a:rPr>
+              <a:t>xmlstarlet</a:t>
+            </a:r>
+            <a:r>
+              <a:rPr lang="en-US" i="1" dirty="0">
+                <a:solidFill>
+                  <a:srgbClr val="7030A0"/>
+                </a:solidFill>
+              </a:rPr>
+              <a:t> </a:t>
+            </a:r>
+            <a:r>
+              <a:rPr lang="en-US" i="1" dirty="0" err="1">
+                <a:solidFill>
+                  <a:srgbClr val="FF0000"/>
+                </a:solidFill>
+              </a:rPr>
+              <a:t>sel</a:t>
+            </a:r>
+            <a:r>
+              <a:rPr lang="en-US" i="1" dirty="0">
+                <a:solidFill>
+                  <a:srgbClr val="FF0000"/>
+                </a:solidFill>
+              </a:rPr>
+              <a:t> </a:t>
+            </a:r>
+            <a:r>
+              <a:rPr lang="en-US" dirty="0"/>
+              <a:t>results using </a:t>
+            </a:r>
+            <a:r>
+              <a:rPr lang="en-US" dirty="0">
+                <a:solidFill>
+                  <a:srgbClr val="FF0000"/>
+                </a:solidFill>
+              </a:rPr>
+              <a:t>sed</a:t>
+            </a:r>
+          </a:p>
+        </p:txBody>
+      </p:sp>
+      <p:sp>
+        <p:nvSpPr>
+          <p:cNvPr id="3" name="Text Placeholder 2"/>
+          <p:cNvSpPr>
+            <a:spLocks noGrp="1"/>
+          </p:cNvSpPr>
+          <p:nvPr>
+            <p:ph type="body" idx="1"/>
+          </p:nvPr>
+        </p:nvSpPr>
+        <p:spPr/>
+        <p:txBody>
+          <a:bodyPr/>
+          <a:lstStyle/>
+          <a:p>
+            <a:endParaRPr lang="en-US"/>
+          </a:p>
+        </p:txBody>
+      </p:sp>
+    </p:spTree>
+    <p:extLst>
+      <p:ext uri="{BB962C8B-B14F-4D97-AF65-F5344CB8AC3E}">
+        <p14:creationId xmlns:p14="http://schemas.microsoft.com/office/powerpoint/2010/main" val="2819587148"/>
+      </p:ext>
+    </p:extLst>
+  </p:cSld>
+  <p:clrMapOvr>
+    <a:masterClrMapping/>
+  </p:clrMapOvr>
+</p:sld>
+</file>
+
+<file path=ppt/slides/slide33.xml><?xml version="1.0" encoding="utf-8"?>
+<p:sld xmlns:a="http://schemas.openxmlformats.org/drawingml/2006/main" xmlns:r="http://schemas.openxmlformats.org/officeDocument/2006/relationships" xmlns:p="http://schemas.openxmlformats.org/presentationml/2006/main">
+  <p:cSld>
+    <p:spTree>
+      <p:nvGrpSpPr>
+        <p:cNvPr id="1" name=""/>
+        <p:cNvGrpSpPr/>
+        <p:nvPr/>
+      </p:nvGrpSpPr>
+      <p:grpSpPr>
+        <a:xfrm>
+          <a:off x="0" y="0"/>
+          <a:ext cx="0" cy="0"/>
+          <a:chOff x="0" y="0"/>
+          <a:chExt cx="0" cy="0"/>
+        </a:xfrm>
+      </p:grpSpPr>
+      <p:sp>
+        <p:nvSpPr>
           <p:cNvPr id="5" name="Title 4"/>
           <p:cNvSpPr>
             <a:spLocks noGrp="1"/>
@@ -11748,7 +13769,7 @@
 </p:sld>
 </file>
 
-<file path=ppt/slides/slide33.xml><?xml version="1.0" encoding="utf-8"?>
+<file path=ppt/slides/slide34.xml><?xml version="1.0" encoding="utf-8"?>
 <p:sld xmlns:a="http://schemas.openxmlformats.org/drawingml/2006/main" xmlns:r="http://schemas.openxmlformats.org/officeDocument/2006/relationships" xmlns:p="http://schemas.openxmlformats.org/presentationml/2006/main">
   <p:cSld>
     <p:spTree>
@@ -11853,7 +13874,7 @@
 </p:sld>
 </file>
 
-<file path=ppt/slides/slide34.xml><?xml version="1.0" encoding="utf-8"?>
+<file path=ppt/slides/slide35.xml><?xml version="1.0" encoding="utf-8"?>
 <p:sld xmlns:a="http://schemas.openxmlformats.org/drawingml/2006/main" xmlns:r="http://schemas.openxmlformats.org/officeDocument/2006/relationships" xmlns:p="http://schemas.openxmlformats.org/presentationml/2006/main">
   <p:cSld>
     <p:spTree>
@@ -11953,7 +13974,7 @@
 </p:sld>
 </file>
 
-<file path=ppt/slides/slide35.xml><?xml version="1.0" encoding="utf-8"?>
+<file path=ppt/slides/slide36.xml><?xml version="1.0" encoding="utf-8"?>
 <p:sld xmlns:a="http://schemas.openxmlformats.org/drawingml/2006/main" xmlns:r="http://schemas.openxmlformats.org/officeDocument/2006/relationships" xmlns:p="http://schemas.openxmlformats.org/presentationml/2006/main">
   <p:cSld>
     <p:spTree>
@@ -12075,7 +14096,7 @@
 </p:sld>
 </file>
 
-<file path=ppt/slides/slide36.xml><?xml version="1.0" encoding="utf-8"?>
+<file path=ppt/slides/slide37.xml><?xml version="1.0" encoding="utf-8"?>
 <p:sld xmlns:a="http://schemas.openxmlformats.org/drawingml/2006/main" xmlns:r="http://schemas.openxmlformats.org/officeDocument/2006/relationships" xmlns:p="http://schemas.openxmlformats.org/presentationml/2006/main">
   <p:cSld>
     <p:spTree>
@@ -12154,7 +14175,7 @@
 </p:sld>
 </file>
 
-<file path=ppt/slides/slide37.xml><?xml version="1.0" encoding="utf-8"?>
+<file path=ppt/slides/slide38.xml><?xml version="1.0" encoding="utf-8"?>
 <p:sld xmlns:a="http://schemas.openxmlformats.org/drawingml/2006/main" xmlns:r="http://schemas.openxmlformats.org/officeDocument/2006/relationships" xmlns:p="http://schemas.openxmlformats.org/presentationml/2006/main">
   <p:cSld>
     <p:spTree>
@@ -12208,7 +14229,7 @@
 </p:sld>
 </file>
 
-<file path=ppt/slides/slide38.xml><?xml version="1.0" encoding="utf-8"?>
+<file path=ppt/slides/slide39.xml><?xml version="1.0" encoding="utf-8"?>
 <p:sld xmlns:a="http://schemas.openxmlformats.org/drawingml/2006/main" xmlns:r="http://schemas.openxmlformats.org/officeDocument/2006/relationships" xmlns:p="http://schemas.openxmlformats.org/presentationml/2006/main">
   <p:cSld>
     <p:spTree>
@@ -12290,107 +14311,6 @@
     <p:extLst>
       <p:ext uri="{BB962C8B-B14F-4D97-AF65-F5344CB8AC3E}">
         <p14:creationId xmlns:p14="http://schemas.microsoft.com/office/powerpoint/2010/main" val="245378617"/>
-      </p:ext>
-    </p:extLst>
-  </p:cSld>
-  <p:clrMapOvr>
-    <a:masterClrMapping/>
-  </p:clrMapOvr>
-</p:sld>
-</file>
-
-<file path=ppt/slides/slide39.xml><?xml version="1.0" encoding="utf-8"?>
-<p:sld xmlns:a="http://schemas.openxmlformats.org/drawingml/2006/main" xmlns:r="http://schemas.openxmlformats.org/officeDocument/2006/relationships" xmlns:p="http://schemas.openxmlformats.org/presentationml/2006/main">
-  <p:cSld>
-    <p:spTree>
-      <p:nvGrpSpPr>
-        <p:cNvPr id="1" name=""/>
-        <p:cNvGrpSpPr/>
-        <p:nvPr/>
-      </p:nvGrpSpPr>
-      <p:grpSpPr>
-        <a:xfrm>
-          <a:off x="0" y="0"/>
-          <a:ext cx="0" cy="0"/>
-          <a:chOff x="0" y="0"/>
-          <a:chExt cx="0" cy="0"/>
-        </a:xfrm>
-      </p:grpSpPr>
-      <p:pic>
-        <p:nvPicPr>
-          <p:cNvPr id="2" name="Picture 1"/>
-          <p:cNvPicPr>
-            <a:picLocks noChangeAspect="1"/>
-          </p:cNvPicPr>
-          <p:nvPr/>
-        </p:nvPicPr>
-        <p:blipFill>
-          <a:blip r:embed="rId3"/>
-          <a:stretch>
-            <a:fillRect/>
-          </a:stretch>
-        </p:blipFill>
-        <p:spPr>
-          <a:xfrm>
-            <a:off x="1553534" y="1647570"/>
-            <a:ext cx="8512278" cy="4541914"/>
-          </a:xfrm>
-          <a:prstGeom prst="rect">
-            <a:avLst/>
-          </a:prstGeom>
-        </p:spPr>
-      </p:pic>
-      <p:sp>
-        <p:nvSpPr>
-          <p:cNvPr id="3" name="TextBox 2"/>
-          <p:cNvSpPr txBox="1"/>
-          <p:nvPr/>
-        </p:nvSpPr>
-        <p:spPr>
-          <a:xfrm>
-            <a:off x="1553534" y="1278238"/>
-            <a:ext cx="3416641" cy="369332"/>
-          </a:xfrm>
-          <a:prstGeom prst="rect">
-            <a:avLst/>
-          </a:prstGeom>
-          <a:solidFill>
-            <a:srgbClr val="FFC000"/>
-          </a:solidFill>
-        </p:spPr>
-        <p:txBody>
-          <a:bodyPr wrap="none" rtlCol="0">
-            <a:spAutoFit/>
-          </a:bodyPr>
-          <a:lstStyle/>
-          <a:p>
-            <a:r>
-              <a:rPr lang="en-US" b="1" dirty="0">
-                <a:solidFill>
-                  <a:srgbClr val="FF0000"/>
-                </a:solidFill>
-              </a:rPr>
-              <a:t>“d</a:t>
-            </a:r>
-            <a:r>
-              <a:rPr lang="en-US" dirty="0"/>
-              <a:t>elete” the node </a:t>
-            </a:r>
-            <a:r>
-              <a:rPr lang="en-US" i="1" dirty="0">
-                <a:solidFill>
-                  <a:srgbClr val="7030A0"/>
-                </a:solidFill>
-              </a:rPr>
-              <a:t>&lt;Level&gt;&lt;/Level&gt;</a:t>
-            </a:r>
-          </a:p>
-        </p:txBody>
-      </p:sp>
-    </p:spTree>
-    <p:extLst>
-      <p:ext uri="{BB962C8B-B14F-4D97-AF65-F5344CB8AC3E}">
-        <p14:creationId xmlns:p14="http://schemas.microsoft.com/office/powerpoint/2010/main" val="3387639174"/>
       </p:ext>
     </p:extLst>
   </p:cSld>
@@ -12556,8 +14476,8 @@
         </p:blipFill>
         <p:spPr>
           <a:xfrm>
-            <a:off x="890320" y="1165663"/>
-            <a:ext cx="10178913" cy="4856445"/>
+            <a:off x="1553534" y="1647570"/>
+            <a:ext cx="8512278" cy="4541914"/>
           </a:xfrm>
           <a:prstGeom prst="rect">
             <a:avLst/>
@@ -12572,8 +14492,8 @@
         </p:nvSpPr>
         <p:spPr>
           <a:xfrm>
-            <a:off x="890320" y="796331"/>
-            <a:ext cx="9057244" cy="369332"/>
+            <a:off x="1553534" y="1278238"/>
+            <a:ext cx="3416641" cy="369332"/>
           </a:xfrm>
           <a:prstGeom prst="rect">
             <a:avLst/>
@@ -12583,143 +14503,30 @@
           </a:solidFill>
         </p:spPr>
         <p:txBody>
-          <a:bodyPr wrap="square" rtlCol="0">
-            <a:spAutoFit/>
-          </a:bodyPr>
-          <a:lstStyle/>
-          <a:p>
-            <a:r>
-              <a:rPr lang="en-US" b="1" i="1">
-                <a:solidFill>
-                  <a:srgbClr val="FF0000"/>
-                </a:solidFill>
-              </a:rPr>
-              <a:t>O</a:t>
-            </a:r>
-            <a:r>
-              <a:rPr lang="en-US" i="1">
-                <a:solidFill>
-                  <a:srgbClr val="7030A0"/>
-                </a:solidFill>
-              </a:rPr>
-              <a:t>mit XML declaration (&lt;?xml ...?&gt;) </a:t>
-            </a:r>
-            <a:r>
-              <a:rPr lang="en-US"/>
-              <a:t>and</a:t>
-            </a:r>
-            <a:r>
-              <a:rPr lang="en-US" i="1">
-                <a:solidFill>
-                  <a:srgbClr val="7030A0"/>
-                </a:solidFill>
-              </a:rPr>
-              <a:t> “</a:t>
-            </a:r>
-            <a:r>
-              <a:rPr lang="en-US" b="1" i="1">
-                <a:solidFill>
-                  <a:srgbClr val="FF0000"/>
-                </a:solidFill>
-              </a:rPr>
-              <a:t>d</a:t>
-            </a:r>
-            <a:r>
-              <a:rPr lang="en-US"/>
-              <a:t>elete”</a:t>
-            </a:r>
-            <a:r>
-              <a:rPr lang="en-US" i="1">
-                <a:solidFill>
-                  <a:srgbClr val="7030A0"/>
-                </a:solidFill>
-              </a:rPr>
-              <a:t> </a:t>
-            </a:r>
-            <a:r>
-              <a:rPr lang="en-US"/>
-              <a:t>the node </a:t>
-            </a:r>
-            <a:r>
-              <a:rPr lang="en-US" i="1">
-                <a:solidFill>
-                  <a:srgbClr val="7030A0"/>
-                </a:solidFill>
-              </a:rPr>
-              <a:t>&lt;Level&gt;&lt;/Level&gt;</a:t>
-            </a:r>
-          </a:p>
-        </p:txBody>
-      </p:sp>
-      <p:sp>
-        <p:nvSpPr>
-          <p:cNvPr id="4" name="TextBox 3"/>
-          <p:cNvSpPr txBox="1"/>
-          <p:nvPr/>
-        </p:nvSpPr>
-        <p:spPr>
-          <a:xfrm>
-            <a:off x="7269017" y="2855190"/>
-            <a:ext cx="3571299" cy="1200329"/>
-          </a:xfrm>
-          <a:prstGeom prst="rect">
-            <a:avLst/>
-          </a:prstGeom>
-          <a:solidFill>
-            <a:schemeClr val="accent4">
-              <a:lumMod val="20000"/>
-              <a:lumOff val="80000"/>
-            </a:schemeClr>
-          </a:solidFill>
-        </p:spPr>
-        <p:txBody>
           <a:bodyPr wrap="none" rtlCol="0">
             <a:spAutoFit/>
           </a:bodyPr>
           <a:lstStyle/>
           <a:p>
             <a:r>
-              <a:rPr lang="en-US">
+              <a:rPr lang="en-US" b="1" dirty="0">
                 <a:solidFill>
                   <a:srgbClr val="FF0000"/>
                 </a:solidFill>
               </a:rPr>
-              <a:t>-d</a:t>
-            </a:r>
-            <a:r>
-              <a:rPr lang="en-US"/>
-              <a:t>: is not </a:t>
-            </a:r>
-            <a:r>
-              <a:rPr lang="en-US">
-                <a:solidFill>
-                  <a:srgbClr val="FF0000"/>
-                </a:solidFill>
-              </a:rPr>
-              <a:t>actually</a:t>
-            </a:r>
-            <a:r>
-              <a:rPr lang="en-US"/>
-              <a:t> deleting the note, </a:t>
-            </a:r>
-          </a:p>
-          <a:p>
-            <a:r>
-              <a:rPr lang="en-US"/>
-              <a:t>only show deleted stream</a:t>
-            </a:r>
-          </a:p>
-          <a:p>
-            <a:endParaRPr lang="en-US"/>
-          </a:p>
-          <a:p>
-            <a:r>
-              <a:rPr lang="en-US" b="1">
+              <a:t>“d</a:t>
+            </a:r>
+            <a:r>
+              <a:rPr lang="en-US" dirty="0"/>
+              <a:t>elete” the node </a:t>
+            </a:r>
+            <a:r>
+              <a:rPr lang="en-US" i="1" dirty="0">
                 <a:solidFill>
                   <a:srgbClr val="7030A0"/>
                 </a:solidFill>
               </a:rPr>
-              <a:t>How to actually delete a node?</a:t>
+              <a:t>&lt;Level&gt;&lt;/Level&gt;</a:t>
             </a:r>
           </a:p>
         </p:txBody>
@@ -12727,7 +14534,7 @@
     </p:spTree>
     <p:extLst>
       <p:ext uri="{BB962C8B-B14F-4D97-AF65-F5344CB8AC3E}">
-        <p14:creationId xmlns:p14="http://schemas.microsoft.com/office/powerpoint/2010/main" val="2352346831"/>
+        <p14:creationId xmlns:p14="http://schemas.microsoft.com/office/powerpoint/2010/main" val="3387639174"/>
       </p:ext>
     </p:extLst>
   </p:cSld>
@@ -12738,77 +14545,6 @@
 </file>
 
 <file path=ppt/slides/slide41.xml><?xml version="1.0" encoding="utf-8"?>
-<p:sld xmlns:a="http://schemas.openxmlformats.org/drawingml/2006/main" xmlns:r="http://schemas.openxmlformats.org/officeDocument/2006/relationships" xmlns:p="http://schemas.openxmlformats.org/presentationml/2006/main">
-  <p:cSld>
-    <p:spTree>
-      <p:nvGrpSpPr>
-        <p:cNvPr id="1" name=""/>
-        <p:cNvGrpSpPr/>
-        <p:nvPr/>
-      </p:nvGrpSpPr>
-      <p:grpSpPr>
-        <a:xfrm>
-          <a:off x="0" y="0"/>
-          <a:ext cx="0" cy="0"/>
-          <a:chOff x="0" y="0"/>
-          <a:chExt cx="0" cy="0"/>
-        </a:xfrm>
-      </p:grpSpPr>
-      <p:sp>
-        <p:nvSpPr>
-          <p:cNvPr id="2" name="Title 1"/>
-          <p:cNvSpPr>
-            <a:spLocks noGrp="1"/>
-          </p:cNvSpPr>
-          <p:nvPr>
-            <p:ph type="title"/>
-          </p:nvPr>
-        </p:nvSpPr>
-        <p:spPr/>
-        <p:txBody>
-          <a:bodyPr/>
-          <a:lstStyle/>
-          <a:p>
-            <a:r>
-              <a:rPr lang="en-US"/>
-              <a:t>Deleting namespace declarations</a:t>
-            </a:r>
-          </a:p>
-        </p:txBody>
-      </p:sp>
-      <p:sp>
-        <p:nvSpPr>
-          <p:cNvPr id="3" name="Text Placeholder 2"/>
-          <p:cNvSpPr>
-            <a:spLocks noGrp="1"/>
-          </p:cNvSpPr>
-          <p:nvPr>
-            <p:ph type="body" idx="1"/>
-          </p:nvPr>
-        </p:nvSpPr>
-        <p:spPr/>
-        <p:txBody>
-          <a:bodyPr/>
-          <a:lstStyle/>
-          <a:p>
-            <a:endParaRPr lang="en-US"/>
-          </a:p>
-        </p:txBody>
-      </p:sp>
-    </p:spTree>
-    <p:extLst>
-      <p:ext uri="{BB962C8B-B14F-4D97-AF65-F5344CB8AC3E}">
-        <p14:creationId xmlns:p14="http://schemas.microsoft.com/office/powerpoint/2010/main" val="1010073087"/>
-      </p:ext>
-    </p:extLst>
-  </p:cSld>
-  <p:clrMapOvr>
-    <a:masterClrMapping/>
-  </p:clrMapOvr>
-</p:sld>
-</file>
-
-<file path=ppt/slides/slide42.xml><?xml version="1.0" encoding="utf-8"?>
 <p:sld xmlns:a="http://schemas.openxmlformats.org/drawingml/2006/main" xmlns:r="http://schemas.openxmlformats.org/officeDocument/2006/relationships" xmlns:p="http://schemas.openxmlformats.org/presentationml/2006/main">
   <p:cSld>
     <p:spTree>
@@ -12841,18 +14577,249 @@
         </p:blipFill>
         <p:spPr>
           <a:xfrm>
-            <a:off x="1592189" y="1199957"/>
-            <a:ext cx="9007621" cy="4458086"/>
+            <a:off x="890320" y="1165663"/>
+            <a:ext cx="10178913" cy="4856445"/>
           </a:xfrm>
           <a:prstGeom prst="rect">
             <a:avLst/>
           </a:prstGeom>
         </p:spPr>
       </p:pic>
+      <p:sp>
+        <p:nvSpPr>
+          <p:cNvPr id="3" name="TextBox 2"/>
+          <p:cNvSpPr txBox="1"/>
+          <p:nvPr/>
+        </p:nvSpPr>
+        <p:spPr>
+          <a:xfrm>
+            <a:off x="890320" y="796331"/>
+            <a:ext cx="9057244" cy="369332"/>
+          </a:xfrm>
+          <a:prstGeom prst="rect">
+            <a:avLst/>
+          </a:prstGeom>
+          <a:solidFill>
+            <a:srgbClr val="FFC000"/>
+          </a:solidFill>
+        </p:spPr>
+        <p:txBody>
+          <a:bodyPr wrap="square" rtlCol="0">
+            <a:spAutoFit/>
+          </a:bodyPr>
+          <a:lstStyle/>
+          <a:p>
+            <a:r>
+              <a:rPr lang="en-US" b="1" i="1">
+                <a:solidFill>
+                  <a:srgbClr val="FF0000"/>
+                </a:solidFill>
+              </a:rPr>
+              <a:t>O</a:t>
+            </a:r>
+            <a:r>
+              <a:rPr lang="en-US" i="1">
+                <a:solidFill>
+                  <a:srgbClr val="7030A0"/>
+                </a:solidFill>
+              </a:rPr>
+              <a:t>mit XML declaration (&lt;?xml ...?&gt;) </a:t>
+            </a:r>
+            <a:r>
+              <a:rPr lang="en-US"/>
+              <a:t>and</a:t>
+            </a:r>
+            <a:r>
+              <a:rPr lang="en-US" i="1">
+                <a:solidFill>
+                  <a:srgbClr val="7030A0"/>
+                </a:solidFill>
+              </a:rPr>
+              <a:t> “</a:t>
+            </a:r>
+            <a:r>
+              <a:rPr lang="en-US" b="1" i="1">
+                <a:solidFill>
+                  <a:srgbClr val="FF0000"/>
+                </a:solidFill>
+              </a:rPr>
+              <a:t>d</a:t>
+            </a:r>
+            <a:r>
+              <a:rPr lang="en-US"/>
+              <a:t>elete”</a:t>
+            </a:r>
+            <a:r>
+              <a:rPr lang="en-US" i="1">
+                <a:solidFill>
+                  <a:srgbClr val="7030A0"/>
+                </a:solidFill>
+              </a:rPr>
+              <a:t> </a:t>
+            </a:r>
+            <a:r>
+              <a:rPr lang="en-US"/>
+              <a:t>the node </a:t>
+            </a:r>
+            <a:r>
+              <a:rPr lang="en-US" i="1">
+                <a:solidFill>
+                  <a:srgbClr val="7030A0"/>
+                </a:solidFill>
+              </a:rPr>
+              <a:t>&lt;Level&gt;&lt;/Level&gt;</a:t>
+            </a:r>
+          </a:p>
+        </p:txBody>
+      </p:sp>
+      <p:sp>
+        <p:nvSpPr>
+          <p:cNvPr id="4" name="TextBox 3"/>
+          <p:cNvSpPr txBox="1"/>
+          <p:nvPr/>
+        </p:nvSpPr>
+        <p:spPr>
+          <a:xfrm>
+            <a:off x="7269017" y="2855190"/>
+            <a:ext cx="3571299" cy="1200329"/>
+          </a:xfrm>
+          <a:prstGeom prst="rect">
+            <a:avLst/>
+          </a:prstGeom>
+          <a:solidFill>
+            <a:schemeClr val="accent4">
+              <a:lumMod val="20000"/>
+              <a:lumOff val="80000"/>
+            </a:schemeClr>
+          </a:solidFill>
+        </p:spPr>
+        <p:txBody>
+          <a:bodyPr wrap="none" rtlCol="0">
+            <a:spAutoFit/>
+          </a:bodyPr>
+          <a:lstStyle/>
+          <a:p>
+            <a:r>
+              <a:rPr lang="en-US">
+                <a:solidFill>
+                  <a:srgbClr val="FF0000"/>
+                </a:solidFill>
+              </a:rPr>
+              <a:t>-d</a:t>
+            </a:r>
+            <a:r>
+              <a:rPr lang="en-US"/>
+              <a:t>: is not </a:t>
+            </a:r>
+            <a:r>
+              <a:rPr lang="en-US">
+                <a:solidFill>
+                  <a:srgbClr val="FF0000"/>
+                </a:solidFill>
+              </a:rPr>
+              <a:t>actually</a:t>
+            </a:r>
+            <a:r>
+              <a:rPr lang="en-US"/>
+              <a:t> deleting the note, </a:t>
+            </a:r>
+          </a:p>
+          <a:p>
+            <a:r>
+              <a:rPr lang="en-US"/>
+              <a:t>only show deleted stream</a:t>
+            </a:r>
+          </a:p>
+          <a:p>
+            <a:endParaRPr lang="en-US"/>
+          </a:p>
+          <a:p>
+            <a:r>
+              <a:rPr lang="en-US" b="1">
+                <a:solidFill>
+                  <a:srgbClr val="7030A0"/>
+                </a:solidFill>
+              </a:rPr>
+              <a:t>How to actually delete a node?</a:t>
+            </a:r>
+          </a:p>
+        </p:txBody>
+      </p:sp>
     </p:spTree>
     <p:extLst>
       <p:ext uri="{BB962C8B-B14F-4D97-AF65-F5344CB8AC3E}">
-        <p14:creationId xmlns:p14="http://schemas.microsoft.com/office/powerpoint/2010/main" val="2682351958"/>
+        <p14:creationId xmlns:p14="http://schemas.microsoft.com/office/powerpoint/2010/main" val="2352346831"/>
+      </p:ext>
+    </p:extLst>
+  </p:cSld>
+  <p:clrMapOvr>
+    <a:masterClrMapping/>
+  </p:clrMapOvr>
+</p:sld>
+</file>
+
+<file path=ppt/slides/slide42.xml><?xml version="1.0" encoding="utf-8"?>
+<p:sld xmlns:a="http://schemas.openxmlformats.org/drawingml/2006/main" xmlns:r="http://schemas.openxmlformats.org/officeDocument/2006/relationships" xmlns:p="http://schemas.openxmlformats.org/presentationml/2006/main">
+  <p:cSld>
+    <p:spTree>
+      <p:nvGrpSpPr>
+        <p:cNvPr id="1" name=""/>
+        <p:cNvGrpSpPr/>
+        <p:nvPr/>
+      </p:nvGrpSpPr>
+      <p:grpSpPr>
+        <a:xfrm>
+          <a:off x="0" y="0"/>
+          <a:ext cx="0" cy="0"/>
+          <a:chOff x="0" y="0"/>
+          <a:chExt cx="0" cy="0"/>
+        </a:xfrm>
+      </p:grpSpPr>
+      <p:sp>
+        <p:nvSpPr>
+          <p:cNvPr id="2" name="Title 1"/>
+          <p:cNvSpPr>
+            <a:spLocks noGrp="1"/>
+          </p:cNvSpPr>
+          <p:nvPr>
+            <p:ph type="title"/>
+          </p:nvPr>
+        </p:nvSpPr>
+        <p:spPr/>
+        <p:txBody>
+          <a:bodyPr/>
+          <a:lstStyle/>
+          <a:p>
+            <a:r>
+              <a:rPr lang="en-US"/>
+              <a:t>Deleting namespace declarations</a:t>
+            </a:r>
+          </a:p>
+        </p:txBody>
+      </p:sp>
+      <p:sp>
+        <p:nvSpPr>
+          <p:cNvPr id="3" name="Text Placeholder 2"/>
+          <p:cNvSpPr>
+            <a:spLocks noGrp="1"/>
+          </p:cNvSpPr>
+          <p:nvPr>
+            <p:ph type="body" idx="1"/>
+          </p:nvPr>
+        </p:nvSpPr>
+        <p:spPr/>
+        <p:txBody>
+          <a:bodyPr/>
+          <a:lstStyle/>
+          <a:p>
+            <a:endParaRPr lang="en-US"/>
+          </a:p>
+        </p:txBody>
+      </p:sp>
+    </p:spTree>
+    <p:extLst>
+      <p:ext uri="{BB962C8B-B14F-4D97-AF65-F5344CB8AC3E}">
+        <p14:creationId xmlns:p14="http://schemas.microsoft.com/office/powerpoint/2010/main" val="1010073087"/>
       </p:ext>
     </p:extLst>
   </p:cSld>
@@ -12895,6 +14862,105 @@
         </p:blipFill>
         <p:spPr>
           <a:xfrm>
+            <a:off x="1592189" y="1199957"/>
+            <a:ext cx="9007621" cy="4458086"/>
+          </a:xfrm>
+          <a:prstGeom prst="rect">
+            <a:avLst/>
+          </a:prstGeom>
+        </p:spPr>
+      </p:pic>
+      <p:sp>
+        <p:nvSpPr>
+          <p:cNvPr id="3" name="TextBox 2">
+            <a:extLst>
+              <a:ext uri="{FF2B5EF4-FFF2-40B4-BE49-F238E27FC236}">
+                <a16:creationId xmlns:a16="http://schemas.microsoft.com/office/drawing/2014/main" id="{0CA099BB-4022-4256-A17F-713905E134BF}"/>
+              </a:ext>
+            </a:extLst>
+          </p:cNvPr>
+          <p:cNvSpPr txBox="1"/>
+          <p:nvPr/>
+        </p:nvSpPr>
+        <p:spPr>
+          <a:xfrm>
+            <a:off x="1592189" y="830625"/>
+            <a:ext cx="4764189" cy="369332"/>
+          </a:xfrm>
+          <a:prstGeom prst="rect">
+            <a:avLst/>
+          </a:prstGeom>
+          <a:solidFill>
+            <a:srgbClr val="FFC000"/>
+          </a:solidFill>
+        </p:spPr>
+        <p:txBody>
+          <a:bodyPr wrap="none" rtlCol="0">
+            <a:spAutoFit/>
+          </a:bodyPr>
+          <a:lstStyle/>
+          <a:p>
+            <a:r>
+              <a:rPr lang="en-US" dirty="0"/>
+              <a:t>Show the first </a:t>
+            </a:r>
+            <a:r>
+              <a:rPr lang="en-US"/>
+              <a:t>event and remove </a:t>
+            </a:r>
+            <a:r>
+              <a:rPr lang="en-US" dirty="0"/>
+              <a:t>error messages</a:t>
+            </a:r>
+          </a:p>
+        </p:txBody>
+      </p:sp>
+    </p:spTree>
+    <p:extLst>
+      <p:ext uri="{BB962C8B-B14F-4D97-AF65-F5344CB8AC3E}">
+        <p14:creationId xmlns:p14="http://schemas.microsoft.com/office/powerpoint/2010/main" val="2682351958"/>
+      </p:ext>
+    </p:extLst>
+  </p:cSld>
+  <p:clrMapOvr>
+    <a:masterClrMapping/>
+  </p:clrMapOvr>
+</p:sld>
+</file>
+
+<file path=ppt/slides/slide44.xml><?xml version="1.0" encoding="utf-8"?>
+<p:sld xmlns:a="http://schemas.openxmlformats.org/drawingml/2006/main" xmlns:r="http://schemas.openxmlformats.org/officeDocument/2006/relationships" xmlns:p="http://schemas.openxmlformats.org/presentationml/2006/main">
+  <p:cSld>
+    <p:spTree>
+      <p:nvGrpSpPr>
+        <p:cNvPr id="1" name=""/>
+        <p:cNvGrpSpPr/>
+        <p:nvPr/>
+      </p:nvGrpSpPr>
+      <p:grpSpPr>
+        <a:xfrm>
+          <a:off x="0" y="0"/>
+          <a:ext cx="0" cy="0"/>
+          <a:chOff x="0" y="0"/>
+          <a:chExt cx="0" cy="0"/>
+        </a:xfrm>
+      </p:grpSpPr>
+      <p:pic>
+        <p:nvPicPr>
+          <p:cNvPr id="2" name="Picture 1"/>
+          <p:cNvPicPr>
+            <a:picLocks noChangeAspect="1"/>
+          </p:cNvPicPr>
+          <p:nvPr/>
+        </p:nvPicPr>
+        <p:blipFill>
+          <a:blip r:embed="rId3"/>
+          <a:stretch>
+            <a:fillRect/>
+          </a:stretch>
+        </p:blipFill>
+        <p:spPr>
+          <a:xfrm>
             <a:off x="923456" y="1124787"/>
             <a:ext cx="9495343" cy="4663844"/>
           </a:xfrm>
@@ -13140,7 +15206,7 @@
 </p:sld>
 </file>
 
-<file path=ppt/slides/slide44.xml><?xml version="1.0" encoding="utf-8"?>
+<file path=ppt/slides/slide45.xml><?xml version="1.0" encoding="utf-8"?>
 <p:sld xmlns:a="http://schemas.openxmlformats.org/drawingml/2006/main" xmlns:r="http://schemas.openxmlformats.org/officeDocument/2006/relationships" xmlns:p="http://schemas.openxmlformats.org/presentationml/2006/main">
   <p:cSld>
     <p:spTree>
@@ -13194,7 +15260,7 @@
 </p:sld>
 </file>
 
-<file path=ppt/slides/slide45.xml><?xml version="1.0" encoding="utf-8"?>
+<file path=ppt/slides/slide46.xml><?xml version="1.0" encoding="utf-8"?>
 <p:sld xmlns:a="http://schemas.openxmlformats.org/drawingml/2006/main" xmlns:r="http://schemas.openxmlformats.org/officeDocument/2006/relationships" xmlns:p="http://schemas.openxmlformats.org/presentationml/2006/main">
   <p:cSld>
     <p:spTree>
@@ -13265,7 +15331,7 @@
 </p:sld>
 </file>
 
-<file path=ppt/slides/slide46.xml><?xml version="1.0" encoding="utf-8"?>
+<file path=ppt/slides/slide47.xml><?xml version="1.0" encoding="utf-8"?>
 <p:sld xmlns:a="http://schemas.openxmlformats.org/drawingml/2006/main" xmlns:r="http://schemas.openxmlformats.org/officeDocument/2006/relationships" xmlns:p="http://schemas.openxmlformats.org/presentationml/2006/main">
   <p:cSld>
     <p:spTree>
@@ -13469,7 +15535,7 @@
 </p:sld>
 </file>
 
-<file path=ppt/slides/slide47.xml><?xml version="1.0" encoding="utf-8"?>
+<file path=ppt/slides/slide48.xml><?xml version="1.0" encoding="utf-8"?>
 <p:sld xmlns:a="http://schemas.openxmlformats.org/drawingml/2006/main" xmlns:r="http://schemas.openxmlformats.org/officeDocument/2006/relationships" xmlns:p="http://schemas.openxmlformats.org/presentationml/2006/main">
   <p:cSld>
     <p:spTree>
@@ -13803,7 +15869,7 @@
 </p:sld>
 </file>
 
-<file path=ppt/slides/slide48.xml><?xml version="1.0" encoding="utf-8"?>
+<file path=ppt/slides/slide49.xml><?xml version="1.0" encoding="utf-8"?>
 <p:sld xmlns:a="http://schemas.openxmlformats.org/drawingml/2006/main" xmlns:r="http://schemas.openxmlformats.org/officeDocument/2006/relationships" xmlns:p="http://schemas.openxmlformats.org/presentationml/2006/main">
   <p:cSld>
     <p:spTree>
@@ -14028,77 +16094,6 @@
 </p:sld>
 </file>
 
-<file path=ppt/slides/slide49.xml><?xml version="1.0" encoding="utf-8"?>
-<p:sld xmlns:a="http://schemas.openxmlformats.org/drawingml/2006/main" xmlns:r="http://schemas.openxmlformats.org/officeDocument/2006/relationships" xmlns:p="http://schemas.openxmlformats.org/presentationml/2006/main">
-  <p:cSld>
-    <p:spTree>
-      <p:nvGrpSpPr>
-        <p:cNvPr id="1" name=""/>
-        <p:cNvGrpSpPr/>
-        <p:nvPr/>
-      </p:nvGrpSpPr>
-      <p:grpSpPr>
-        <a:xfrm>
-          <a:off x="0" y="0"/>
-          <a:ext cx="0" cy="0"/>
-          <a:chOff x="0" y="0"/>
-          <a:chExt cx="0" cy="0"/>
-        </a:xfrm>
-      </p:grpSpPr>
-      <p:sp>
-        <p:nvSpPr>
-          <p:cNvPr id="2" name="Title 1"/>
-          <p:cNvSpPr>
-            <a:spLocks noGrp="1"/>
-          </p:cNvSpPr>
-          <p:nvPr>
-            <p:ph type="title"/>
-          </p:nvPr>
-        </p:nvSpPr>
-        <p:spPr/>
-        <p:txBody>
-          <a:bodyPr/>
-          <a:lstStyle/>
-          <a:p>
-            <a:r>
-              <a:rPr lang="en-US"/>
-              <a:t>Assignments</a:t>
-            </a:r>
-          </a:p>
-        </p:txBody>
-      </p:sp>
-      <p:sp>
-        <p:nvSpPr>
-          <p:cNvPr id="3" name="Text Placeholder 2"/>
-          <p:cNvSpPr>
-            <a:spLocks noGrp="1"/>
-          </p:cNvSpPr>
-          <p:nvPr>
-            <p:ph type="body" idx="1"/>
-          </p:nvPr>
-        </p:nvSpPr>
-        <p:spPr/>
-        <p:txBody>
-          <a:bodyPr/>
-          <a:lstStyle/>
-          <a:p>
-            <a:endParaRPr lang="en-US"/>
-          </a:p>
-        </p:txBody>
-      </p:sp>
-    </p:spTree>
-    <p:extLst>
-      <p:ext uri="{BB962C8B-B14F-4D97-AF65-F5344CB8AC3E}">
-        <p14:creationId xmlns:p14="http://schemas.microsoft.com/office/powerpoint/2010/main" val="1410740005"/>
-      </p:ext>
-    </p:extLst>
-  </p:cSld>
-  <p:clrMapOvr>
-    <a:masterClrMapping/>
-  </p:clrMapOvr>
-</p:sld>
-</file>
-
 <file path=ppt/slides/slide5.xml><?xml version="1.0" encoding="utf-8"?>
 <p:sld xmlns:a="http://schemas.openxmlformats.org/drawingml/2006/main" xmlns:r="http://schemas.openxmlformats.org/officeDocument/2006/relationships" xmlns:p="http://schemas.openxmlformats.org/presentationml/2006/main">
   <p:cSld>
@@ -14248,6 +16243,77 @@
       </p:grpSpPr>
       <p:sp>
         <p:nvSpPr>
+          <p:cNvPr id="2" name="Title 1"/>
+          <p:cNvSpPr>
+            <a:spLocks noGrp="1"/>
+          </p:cNvSpPr>
+          <p:nvPr>
+            <p:ph type="title"/>
+          </p:nvPr>
+        </p:nvSpPr>
+        <p:spPr/>
+        <p:txBody>
+          <a:bodyPr/>
+          <a:lstStyle/>
+          <a:p>
+            <a:r>
+              <a:rPr lang="en-US"/>
+              <a:t>Assignments</a:t>
+            </a:r>
+          </a:p>
+        </p:txBody>
+      </p:sp>
+      <p:sp>
+        <p:nvSpPr>
+          <p:cNvPr id="3" name="Text Placeholder 2"/>
+          <p:cNvSpPr>
+            <a:spLocks noGrp="1"/>
+          </p:cNvSpPr>
+          <p:nvPr>
+            <p:ph type="body" idx="1"/>
+          </p:nvPr>
+        </p:nvSpPr>
+        <p:spPr/>
+        <p:txBody>
+          <a:bodyPr/>
+          <a:lstStyle/>
+          <a:p>
+            <a:endParaRPr lang="en-US"/>
+          </a:p>
+        </p:txBody>
+      </p:sp>
+    </p:spTree>
+    <p:extLst>
+      <p:ext uri="{BB962C8B-B14F-4D97-AF65-F5344CB8AC3E}">
+        <p14:creationId xmlns:p14="http://schemas.microsoft.com/office/powerpoint/2010/main" val="1410740005"/>
+      </p:ext>
+    </p:extLst>
+  </p:cSld>
+  <p:clrMapOvr>
+    <a:masterClrMapping/>
+  </p:clrMapOvr>
+</p:sld>
+</file>
+
+<file path=ppt/slides/slide51.xml><?xml version="1.0" encoding="utf-8"?>
+<p:sld xmlns:a="http://schemas.openxmlformats.org/drawingml/2006/main" xmlns:r="http://schemas.openxmlformats.org/officeDocument/2006/relationships" xmlns:p="http://schemas.openxmlformats.org/presentationml/2006/main">
+  <p:cSld>
+    <p:spTree>
+      <p:nvGrpSpPr>
+        <p:cNvPr id="1" name=""/>
+        <p:cNvGrpSpPr/>
+        <p:nvPr/>
+      </p:nvGrpSpPr>
+      <p:grpSpPr>
+        <a:xfrm>
+          <a:off x="0" y="0"/>
+          <a:ext cx="0" cy="0"/>
+          <a:chOff x="0" y="0"/>
+          <a:chExt cx="0" cy="0"/>
+        </a:xfrm>
+      </p:grpSpPr>
+      <p:sp>
+        <p:nvSpPr>
           <p:cNvPr id="4" name="Title 3"/>
           <p:cNvSpPr>
             <a:spLocks noGrp="1"/>
@@ -14284,17 +16350,10 @@
           <a:lstStyle/>
           <a:p>
             <a:r>
-              <a:rPr lang="en-US" dirty="0"/>
-              <a:t>Convert all event IDs</a:t>
-            </a:r>
-            <a:r>
               <a:rPr lang="en-US"/>
-              <a:t>, timestamps </a:t>
-            </a:r>
-            <a:r>
-              <a:rPr lang="en-US" dirty="0"/>
-              <a:t>to .csv</a:t>
-            </a:r>
+              <a:t>Repeat PPTs</a:t>
+            </a:r>
+            <a:endParaRPr lang="en-US" dirty="0"/>
           </a:p>
           <a:p>
             <a:r>

--- a/NIST_Data_Leakage_Case/NIST_Data_Leakage_02._WinEvt_XML.pptx
+++ b/NIST_Data_Leakage_Case/NIST_Data_Leakage_02._WinEvt_XML.pptx
@@ -218,7 +218,7 @@
   <pc:docChgLst>
     <pc:chgData name="Weifeng Xu" userId="e7aed605-a3dd-4d5a-a692-a87037af107b" providerId="ADAL" clId="{763D7CBC-195E-480C-A07D-648228AD4295}"/>
     <pc:docChg chg="undo custSel addSld modSld">
-      <pc:chgData name="Weifeng Xu" userId="e7aed605-a3dd-4d5a-a692-a87037af107b" providerId="ADAL" clId="{763D7CBC-195E-480C-A07D-648228AD4295}" dt="2022-03-01T17:14:26.273" v="535" actId="20577"/>
+      <pc:chgData name="Weifeng Xu" userId="e7aed605-a3dd-4d5a-a692-a87037af107b" providerId="ADAL" clId="{763D7CBC-195E-480C-A07D-648228AD4295}" dt="2022-09-20T23:27:19.893" v="562" actId="207"/>
       <pc:docMkLst>
         <pc:docMk/>
       </pc:docMkLst>
@@ -365,6 +365,21 @@
           </ac:spMkLst>
         </pc:spChg>
       </pc:sldChg>
+      <pc:sldChg chg="modSp mod">
+        <pc:chgData name="Weifeng Xu" userId="e7aed605-a3dd-4d5a-a692-a87037af107b" providerId="ADAL" clId="{763D7CBC-195E-480C-A07D-648228AD4295}" dt="2022-09-18T15:00:33.637" v="555" actId="6549"/>
+        <pc:sldMkLst>
+          <pc:docMk/>
+          <pc:sldMk cId="3387639174" sldId="299"/>
+        </pc:sldMkLst>
+        <pc:spChg chg="mod">
+          <ac:chgData name="Weifeng Xu" userId="e7aed605-a3dd-4d5a-a692-a87037af107b" providerId="ADAL" clId="{763D7CBC-195E-480C-A07D-648228AD4295}" dt="2022-09-18T15:00:33.637" v="555" actId="6549"/>
+          <ac:spMkLst>
+            <pc:docMk/>
+            <pc:sldMk cId="3387639174" sldId="299"/>
+            <ac:spMk id="3" creationId="{00000000-0000-0000-0000-000000000000}"/>
+          </ac:spMkLst>
+        </pc:spChg>
+      </pc:sldChg>
       <pc:sldChg chg="addSp modSp mod">
         <pc:chgData name="Weifeng Xu" userId="e7aed605-a3dd-4d5a-a692-a87037af107b" providerId="ADAL" clId="{763D7CBC-195E-480C-A07D-648228AD4295}" dt="2021-11-12T23:55:50.645" v="409" actId="11529"/>
         <pc:sldMkLst>
@@ -389,13 +404,13 @@
         </pc:cxnChg>
       </pc:sldChg>
       <pc:sldChg chg="modSp mod">
-        <pc:chgData name="Weifeng Xu" userId="e7aed605-a3dd-4d5a-a692-a87037af107b" providerId="ADAL" clId="{763D7CBC-195E-480C-A07D-648228AD4295}" dt="2022-02-26T16:49:28.676" v="474" actId="20577"/>
+        <pc:chgData name="Weifeng Xu" userId="e7aed605-a3dd-4d5a-a692-a87037af107b" providerId="ADAL" clId="{763D7CBC-195E-480C-A07D-648228AD4295}" dt="2022-09-20T23:27:19.893" v="562" actId="207"/>
         <pc:sldMkLst>
           <pc:docMk/>
           <pc:sldMk cId="37395222" sldId="304"/>
         </pc:sldMkLst>
         <pc:spChg chg="mod">
-          <ac:chgData name="Weifeng Xu" userId="e7aed605-a3dd-4d5a-a692-a87037af107b" providerId="ADAL" clId="{763D7CBC-195E-480C-A07D-648228AD4295}" dt="2022-02-26T16:49:28.676" v="474" actId="20577"/>
+          <ac:chgData name="Weifeng Xu" userId="e7aed605-a3dd-4d5a-a692-a87037af107b" providerId="ADAL" clId="{763D7CBC-195E-480C-A07D-648228AD4295}" dt="2022-09-20T23:27:19.893" v="562" actId="207"/>
           <ac:spMkLst>
             <pc:docMk/>
             <pc:sldMk cId="37395222" sldId="304"/>
@@ -450,6 +465,29 @@
           </ac:cxnSpMkLst>
         </pc:cxnChg>
       </pc:sldChg>
+      <pc:sldChg chg="addSp modSp mod">
+        <pc:chgData name="Weifeng Xu" userId="e7aed605-a3dd-4d5a-a692-a87037af107b" providerId="ADAL" clId="{763D7CBC-195E-480C-A07D-648228AD4295}" dt="2022-09-20T21:27:15.133" v="561" actId="13822"/>
+        <pc:sldMkLst>
+          <pc:docMk/>
+          <pc:sldMk cId="1256683201" sldId="306"/>
+        </pc:sldMkLst>
+        <pc:spChg chg="add mod">
+          <ac:chgData name="Weifeng Xu" userId="e7aed605-a3dd-4d5a-a692-a87037af107b" providerId="ADAL" clId="{763D7CBC-195E-480C-A07D-648228AD4295}" dt="2022-09-20T21:26:58.136" v="559" actId="207"/>
+          <ac:spMkLst>
+            <pc:docMk/>
+            <pc:sldMk cId="1256683201" sldId="306"/>
+            <ac:spMk id="4" creationId="{614E5EA4-4A33-078B-5461-C9CA2D086C02}"/>
+          </ac:spMkLst>
+        </pc:spChg>
+        <pc:cxnChg chg="add mod">
+          <ac:chgData name="Weifeng Xu" userId="e7aed605-a3dd-4d5a-a692-a87037af107b" providerId="ADAL" clId="{763D7CBC-195E-480C-A07D-648228AD4295}" dt="2022-09-20T21:27:15.133" v="561" actId="13822"/>
+          <ac:cxnSpMkLst>
+            <pc:docMk/>
+            <pc:sldMk cId="1256683201" sldId="306"/>
+            <ac:cxnSpMk id="6" creationId="{95ABFCD3-EA60-73B9-3B8D-D86A7834146B}"/>
+          </ac:cxnSpMkLst>
+        </pc:cxnChg>
+      </pc:sldChg>
       <pc:sldChg chg="addSp delSp modSp new mod modClrScheme chgLayout">
         <pc:chgData name="Weifeng Xu" userId="e7aed605-a3dd-4d5a-a692-a87037af107b" providerId="ADAL" clId="{763D7CBC-195E-480C-A07D-648228AD4295}" dt="2021-09-20T22:10:29.834" v="82" actId="1076"/>
         <pc:sldMkLst>
@@ -474,11 +512,19 @@
         </pc:picChg>
       </pc:sldChg>
       <pc:sldChg chg="addSp modSp new mod modNotesTx">
-        <pc:chgData name="Weifeng Xu" userId="e7aed605-a3dd-4d5a-a692-a87037af107b" providerId="ADAL" clId="{763D7CBC-195E-480C-A07D-648228AD4295}" dt="2022-02-26T15:48:08.591" v="422"/>
+        <pc:chgData name="Weifeng Xu" userId="e7aed605-a3dd-4d5a-a692-a87037af107b" providerId="ADAL" clId="{763D7CBC-195E-480C-A07D-648228AD4295}" dt="2022-09-18T14:49:39.691" v="548" actId="20577"/>
         <pc:sldMkLst>
           <pc:docMk/>
           <pc:sldMk cId="4148218689" sldId="310"/>
         </pc:sldMkLst>
+        <pc:spChg chg="add mod">
+          <ac:chgData name="Weifeng Xu" userId="e7aed605-a3dd-4d5a-a692-a87037af107b" providerId="ADAL" clId="{763D7CBC-195E-480C-A07D-648228AD4295}" dt="2022-09-18T14:49:39.691" v="548" actId="20577"/>
+          <ac:spMkLst>
+            <pc:docMk/>
+            <pc:sldMk cId="4148218689" sldId="310"/>
+            <ac:spMk id="4" creationId="{EF52EC9E-DC65-C4BD-9462-FDEAC1222E3D}"/>
+          </ac:spMkLst>
+        </pc:spChg>
         <pc:spChg chg="add mod">
           <ac:chgData name="Weifeng Xu" userId="e7aed605-a3dd-4d5a-a692-a87037af107b" providerId="ADAL" clId="{763D7CBC-195E-480C-A07D-648228AD4295}" dt="2022-02-26T15:47:56.730" v="419" actId="1076"/>
           <ac:spMkLst>
@@ -929,7 +975,7 @@
           <a:p>
             <a:fld id="{EE41F6E3-57F9-402E-BDBA-5B2DE11C8530}" type="datetimeFigureOut">
               <a:rPr lang="en-US" smtClean="0"/>
-              <a:t>3/1/2022</a:t>
+              <a:t>9/20/2022</a:t>
             </a:fld>
             <a:endParaRPr lang="en-US"/>
           </a:p>
@@ -5847,7 +5893,7 @@
           <a:p>
             <a:fld id="{4263717A-E3C1-4BED-ABE0-B7069385E023}" type="datetimeFigureOut">
               <a:rPr lang="en-US" smtClean="0"/>
-              <a:t>3/1/2022</a:t>
+              <a:t>9/20/2022</a:t>
             </a:fld>
             <a:endParaRPr lang="en-US"/>
           </a:p>
@@ -6020,7 +6066,7 @@
           <a:p>
             <a:fld id="{4263717A-E3C1-4BED-ABE0-B7069385E023}" type="datetimeFigureOut">
               <a:rPr lang="en-US" smtClean="0"/>
-              <a:t>3/1/2022</a:t>
+              <a:t>9/20/2022</a:t>
             </a:fld>
             <a:endParaRPr lang="en-US"/>
           </a:p>
@@ -6198,7 +6244,7 @@
           <a:p>
             <a:fld id="{4263717A-E3C1-4BED-ABE0-B7069385E023}" type="datetimeFigureOut">
               <a:rPr lang="en-US" smtClean="0"/>
-              <a:t>3/1/2022</a:t>
+              <a:t>9/20/2022</a:t>
             </a:fld>
             <a:endParaRPr lang="en-US"/>
           </a:p>
@@ -6366,7 +6412,7 @@
           <a:p>
             <a:fld id="{4263717A-E3C1-4BED-ABE0-B7069385E023}" type="datetimeFigureOut">
               <a:rPr lang="en-US" smtClean="0"/>
-              <a:t>3/1/2022</a:t>
+              <a:t>9/20/2022</a:t>
             </a:fld>
             <a:endParaRPr lang="en-US"/>
           </a:p>
@@ -6611,7 +6657,7 @@
           <a:p>
             <a:fld id="{4263717A-E3C1-4BED-ABE0-B7069385E023}" type="datetimeFigureOut">
               <a:rPr lang="en-US" smtClean="0"/>
-              <a:t>3/1/2022</a:t>
+              <a:t>9/20/2022</a:t>
             </a:fld>
             <a:endParaRPr lang="en-US"/>
           </a:p>
@@ -6840,7 +6886,7 @@
           <a:p>
             <a:fld id="{4263717A-E3C1-4BED-ABE0-B7069385E023}" type="datetimeFigureOut">
               <a:rPr lang="en-US" smtClean="0"/>
-              <a:t>3/1/2022</a:t>
+              <a:t>9/20/2022</a:t>
             </a:fld>
             <a:endParaRPr lang="en-US"/>
           </a:p>
@@ -7204,7 +7250,7 @@
           <a:p>
             <a:fld id="{4263717A-E3C1-4BED-ABE0-B7069385E023}" type="datetimeFigureOut">
               <a:rPr lang="en-US" smtClean="0"/>
-              <a:t>3/1/2022</a:t>
+              <a:t>9/20/2022</a:t>
             </a:fld>
             <a:endParaRPr lang="en-US"/>
           </a:p>
@@ -7321,7 +7367,7 @@
           <a:p>
             <a:fld id="{4263717A-E3C1-4BED-ABE0-B7069385E023}" type="datetimeFigureOut">
               <a:rPr lang="en-US" smtClean="0"/>
-              <a:t>3/1/2022</a:t>
+              <a:t>9/20/2022</a:t>
             </a:fld>
             <a:endParaRPr lang="en-US"/>
           </a:p>
@@ -7416,7 +7462,7 @@
           <a:p>
             <a:fld id="{4263717A-E3C1-4BED-ABE0-B7069385E023}" type="datetimeFigureOut">
               <a:rPr lang="en-US" smtClean="0"/>
-              <a:t>3/1/2022</a:t>
+              <a:t>9/20/2022</a:t>
             </a:fld>
             <a:endParaRPr lang="en-US"/>
           </a:p>
@@ -7691,7 +7737,7 @@
           <a:p>
             <a:fld id="{4263717A-E3C1-4BED-ABE0-B7069385E023}" type="datetimeFigureOut">
               <a:rPr lang="en-US" smtClean="0"/>
-              <a:t>3/1/2022</a:t>
+              <a:t>9/20/2022</a:t>
             </a:fld>
             <a:endParaRPr lang="en-US"/>
           </a:p>
@@ -7943,7 +7989,7 @@
           <a:p>
             <a:fld id="{4263717A-E3C1-4BED-ABE0-B7069385E023}" type="datetimeFigureOut">
               <a:rPr lang="en-US" smtClean="0"/>
-              <a:t>3/1/2022</a:t>
+              <a:t>9/20/2022</a:t>
             </a:fld>
             <a:endParaRPr lang="en-US"/>
           </a:p>
@@ -8154,7 +8200,7 @@
           <a:p>
             <a:fld id="{4263717A-E3C1-4BED-ABE0-B7069385E023}" type="datetimeFigureOut">
               <a:rPr lang="en-US" smtClean="0"/>
-              <a:t>3/1/2022</a:t>
+              <a:t>9/20/2022</a:t>
             </a:fld>
             <a:endParaRPr lang="en-US"/>
           </a:p>
@@ -9158,6 +9204,42 @@
           </a:p>
         </p:txBody>
       </p:sp>
+      <p:sp>
+        <p:nvSpPr>
+          <p:cNvPr id="4" name="TextBox 3">
+            <a:extLst>
+              <a:ext uri="{FF2B5EF4-FFF2-40B4-BE49-F238E27FC236}">
+                <a16:creationId xmlns:a16="http://schemas.microsoft.com/office/drawing/2014/main" id="{EF52EC9E-DC65-C4BD-9462-FDEAC1222E3D}"/>
+              </a:ext>
+            </a:extLst>
+          </p:cNvPr>
+          <p:cNvSpPr txBox="1"/>
+          <p:nvPr/>
+        </p:nvSpPr>
+        <p:spPr>
+          <a:xfrm>
+            <a:off x="5578200" y="0"/>
+            <a:ext cx="6174000" cy="646331"/>
+          </a:xfrm>
+          <a:prstGeom prst="rect">
+            <a:avLst/>
+          </a:prstGeom>
+          <a:noFill/>
+        </p:spPr>
+        <p:txBody>
+          <a:bodyPr wrap="square">
+            <a:spAutoFit/>
+          </a:bodyPr>
+          <a:lstStyle/>
+          <a:p>
+            <a:r>
+              <a:rPr lang="en-GB" dirty="0"/>
+              <a:t>UTF-8 is capable of encoding all 1,112,064 characters using one to four one-byte (8-bit) code units. </a:t>
+            </a:r>
+            <a:endParaRPr lang="en-US" dirty="0"/>
+          </a:p>
+        </p:txBody>
+      </p:sp>
     </p:spTree>
     <p:extLst>
       <p:ext uri="{BB962C8B-B14F-4D97-AF65-F5344CB8AC3E}">
@@ -9823,7 +9905,7 @@
           <a:lstStyle/>
           <a:p>
             <a:r>
-              <a:rPr lang="en-US" sz="1200">
+              <a:rPr lang="en-US" sz="1200" dirty="0">
                 <a:solidFill>
                   <a:srgbClr val="0000CD"/>
                 </a:solidFill>
@@ -9832,7 +9914,7 @@
               <a:t>&lt;</a:t>
             </a:r>
             <a:r>
-              <a:rPr lang="en-US" sz="1200">
+              <a:rPr lang="en-US" sz="1200" dirty="0">
                 <a:solidFill>
                   <a:srgbClr val="A52A2A"/>
                 </a:solidFill>
@@ -9841,7 +9923,7 @@
               <a:t>table</a:t>
             </a:r>
             <a:r>
-              <a:rPr lang="en-US" sz="1200">
+              <a:rPr lang="en-US" sz="1200" dirty="0">
                 <a:solidFill>
                   <a:srgbClr val="0000CD"/>
                 </a:solidFill>
@@ -9850,10 +9932,10 @@
               <a:t>&gt;</a:t>
             </a:r>
             <a:br>
-              <a:rPr lang="en-US" sz="1200"/>
+              <a:rPr lang="en-US" sz="1200" dirty="0"/>
             </a:br>
             <a:r>
-              <a:rPr lang="en-US" sz="1200">
+              <a:rPr lang="en-US" sz="1200" dirty="0">
                 <a:solidFill>
                   <a:srgbClr val="000000"/>
                 </a:solidFill>
@@ -9862,7 +9944,7 @@
               <a:t>  </a:t>
             </a:r>
             <a:r>
-              <a:rPr lang="en-US" sz="1200">
+              <a:rPr lang="en-US" sz="1200" dirty="0">
                 <a:solidFill>
                   <a:srgbClr val="0000CD"/>
                 </a:solidFill>
@@ -9871,7 +9953,7 @@
               <a:t>&lt;</a:t>
             </a:r>
             <a:r>
-              <a:rPr lang="en-US" sz="1200">
+              <a:rPr lang="en-US" sz="1200" dirty="0">
                 <a:solidFill>
                   <a:srgbClr val="A52A2A"/>
                 </a:solidFill>
@@ -9880,7 +9962,7 @@
               <a:t>name</a:t>
             </a:r>
             <a:r>
-              <a:rPr lang="en-US" sz="1200">
+              <a:rPr lang="en-US" sz="1200" dirty="0">
                 <a:solidFill>
                   <a:srgbClr val="0000CD"/>
                 </a:solidFill>
@@ -9889,7 +9971,7 @@
               <a:t>&gt;</a:t>
             </a:r>
             <a:r>
-              <a:rPr lang="en-US" sz="1200">
+              <a:rPr lang="en-US" sz="1200" dirty="0">
                 <a:solidFill>
                   <a:srgbClr val="000000"/>
                 </a:solidFill>
@@ -9898,7 +9980,7 @@
               <a:t>African Coffee Table</a:t>
             </a:r>
             <a:r>
-              <a:rPr lang="en-US" sz="1200">
+              <a:rPr lang="en-US" sz="1200" dirty="0">
                 <a:solidFill>
                   <a:srgbClr val="0000CD"/>
                 </a:solidFill>
@@ -9907,7 +9989,7 @@
               <a:t>&lt;</a:t>
             </a:r>
             <a:r>
-              <a:rPr lang="en-US" sz="1200">
+              <a:rPr lang="en-US" sz="1200" dirty="0">
                 <a:solidFill>
                   <a:srgbClr val="A52A2A"/>
                 </a:solidFill>
@@ -9916,7 +9998,7 @@
               <a:t>/name</a:t>
             </a:r>
             <a:r>
-              <a:rPr lang="en-US" sz="1200">
+              <a:rPr lang="en-US" sz="1200" dirty="0">
                 <a:solidFill>
                   <a:srgbClr val="0000CD"/>
                 </a:solidFill>
@@ -9925,10 +10007,10 @@
               <a:t>&gt;</a:t>
             </a:r>
             <a:br>
-              <a:rPr lang="en-US" sz="1200"/>
+              <a:rPr lang="en-US" sz="1200" dirty="0"/>
             </a:br>
             <a:r>
-              <a:rPr lang="en-US" sz="1200">
+              <a:rPr lang="en-US" sz="1200" dirty="0">
                 <a:solidFill>
                   <a:srgbClr val="000000"/>
                 </a:solidFill>
@@ -9937,7 +10019,7 @@
               <a:t>  </a:t>
             </a:r>
             <a:r>
-              <a:rPr lang="en-US" sz="1200">
+              <a:rPr lang="en-US" sz="1200" dirty="0">
                 <a:solidFill>
                   <a:srgbClr val="0000CD"/>
                 </a:solidFill>
@@ -9946,7 +10028,7 @@
               <a:t>&lt;</a:t>
             </a:r>
             <a:r>
-              <a:rPr lang="en-US" sz="1200">
+              <a:rPr lang="en-US" sz="1200" dirty="0">
                 <a:solidFill>
                   <a:srgbClr val="A52A2A"/>
                 </a:solidFill>
@@ -9955,7 +10037,7 @@
               <a:t>width</a:t>
             </a:r>
             <a:r>
-              <a:rPr lang="en-US" sz="1200">
+              <a:rPr lang="en-US" sz="1200" dirty="0">
                 <a:solidFill>
                   <a:srgbClr val="0000CD"/>
                 </a:solidFill>
@@ -9964,7 +10046,7 @@
               <a:t>&gt;</a:t>
             </a:r>
             <a:r>
-              <a:rPr lang="en-US" sz="1200">
+              <a:rPr lang="en-US" sz="1200" dirty="0">
                 <a:solidFill>
                   <a:srgbClr val="000000"/>
                 </a:solidFill>
@@ -9973,7 +10055,7 @@
               <a:t>80</a:t>
             </a:r>
             <a:r>
-              <a:rPr lang="en-US" sz="1200">
+              <a:rPr lang="en-US" sz="1200" dirty="0">
                 <a:solidFill>
                   <a:srgbClr val="0000CD"/>
                 </a:solidFill>
@@ -9982,7 +10064,7 @@
               <a:t>&lt;</a:t>
             </a:r>
             <a:r>
-              <a:rPr lang="en-US" sz="1200">
+              <a:rPr lang="en-US" sz="1200" dirty="0">
                 <a:solidFill>
                   <a:srgbClr val="A52A2A"/>
                 </a:solidFill>
@@ -9991,7 +10073,7 @@
               <a:t>/width</a:t>
             </a:r>
             <a:r>
-              <a:rPr lang="en-US" sz="1200">
+              <a:rPr lang="en-US" sz="1200" dirty="0">
                 <a:solidFill>
                   <a:srgbClr val="0000CD"/>
                 </a:solidFill>
@@ -10000,10 +10082,10 @@
               <a:t>&gt;</a:t>
             </a:r>
             <a:br>
-              <a:rPr lang="en-US" sz="1200"/>
+              <a:rPr lang="en-US" sz="1200" dirty="0"/>
             </a:br>
             <a:r>
-              <a:rPr lang="en-US" sz="1200">
+              <a:rPr lang="en-US" sz="1200" dirty="0">
                 <a:solidFill>
                   <a:srgbClr val="000000"/>
                 </a:solidFill>
@@ -10012,7 +10094,7 @@
               <a:t>  </a:t>
             </a:r>
             <a:r>
-              <a:rPr lang="en-US" sz="1200">
+              <a:rPr lang="en-US" sz="1200" dirty="0">
                 <a:solidFill>
                   <a:srgbClr val="0000CD"/>
                 </a:solidFill>
@@ -10021,7 +10103,7 @@
               <a:t>&lt;</a:t>
             </a:r>
             <a:r>
-              <a:rPr lang="en-US" sz="1200">
+              <a:rPr lang="en-US" sz="1200" dirty="0">
                 <a:solidFill>
                   <a:srgbClr val="A52A2A"/>
                 </a:solidFill>
@@ -10030,7 +10112,7 @@
               <a:t>length</a:t>
             </a:r>
             <a:r>
-              <a:rPr lang="en-US" sz="1200">
+              <a:rPr lang="en-US" sz="1200" dirty="0">
                 <a:solidFill>
                   <a:srgbClr val="0000CD"/>
                 </a:solidFill>
@@ -10039,7 +10121,7 @@
               <a:t>&gt;</a:t>
             </a:r>
             <a:r>
-              <a:rPr lang="en-US" sz="1200">
+              <a:rPr lang="en-US" sz="1200" dirty="0">
                 <a:solidFill>
                   <a:srgbClr val="000000"/>
                 </a:solidFill>
@@ -10048,7 +10130,7 @@
               <a:t>120</a:t>
             </a:r>
             <a:r>
-              <a:rPr lang="en-US" sz="1200">
+              <a:rPr lang="en-US" sz="1200" dirty="0">
                 <a:solidFill>
                   <a:srgbClr val="0000CD"/>
                 </a:solidFill>
@@ -10057,7 +10139,7 @@
               <a:t>&lt;</a:t>
             </a:r>
             <a:r>
-              <a:rPr lang="en-US" sz="1200">
+              <a:rPr lang="en-US" sz="1200" dirty="0">
                 <a:solidFill>
                   <a:srgbClr val="A52A2A"/>
                 </a:solidFill>
@@ -10066,7 +10148,7 @@
               <a:t>/length</a:t>
             </a:r>
             <a:r>
-              <a:rPr lang="en-US" sz="1200">
+              <a:rPr lang="en-US" sz="1200" dirty="0">
                 <a:solidFill>
                   <a:srgbClr val="0000CD"/>
                 </a:solidFill>
@@ -10075,10 +10157,10 @@
               <a:t>&gt;</a:t>
             </a:r>
             <a:br>
-              <a:rPr lang="en-US" sz="1200"/>
+              <a:rPr lang="en-US" sz="1200" dirty="0"/>
             </a:br>
             <a:r>
-              <a:rPr lang="en-US" sz="1200">
+              <a:rPr lang="en-US" sz="1200" dirty="0">
                 <a:solidFill>
                   <a:srgbClr val="0000CD"/>
                 </a:solidFill>
@@ -10087,7 +10169,7 @@
               <a:t>&lt;</a:t>
             </a:r>
             <a:r>
-              <a:rPr lang="en-US" sz="1200">
+              <a:rPr lang="en-US" sz="1200" dirty="0">
                 <a:solidFill>
                   <a:srgbClr val="A52A2A"/>
                 </a:solidFill>
@@ -10095,7 +10177,7 @@
               </a:rPr>
               <a:t>/table</a:t>
             </a:r>
-            <a:endParaRPr lang="en-US" sz="1200"/>
+            <a:endParaRPr lang="en-US" sz="1200" dirty="0"/>
           </a:p>
         </p:txBody>
       </p:sp>
@@ -11230,6 +11312,97 @@
           </a:effectLst>
         </p:spPr>
       </p:pic>
+      <p:sp>
+        <p:nvSpPr>
+          <p:cNvPr id="4" name="Rectangle 3">
+            <a:extLst>
+              <a:ext uri="{FF2B5EF4-FFF2-40B4-BE49-F238E27FC236}">
+                <a16:creationId xmlns:a16="http://schemas.microsoft.com/office/drawing/2014/main" id="{614E5EA4-4A33-078B-5461-C9CA2D086C02}"/>
+              </a:ext>
+            </a:extLst>
+          </p:cNvPr>
+          <p:cNvSpPr/>
+          <p:nvPr/>
+        </p:nvSpPr>
+        <p:spPr>
+          <a:xfrm>
+            <a:off x="3392129" y="5493774"/>
+            <a:ext cx="833284" cy="228600"/>
+          </a:xfrm>
+          <a:prstGeom prst="rect">
+            <a:avLst/>
+          </a:prstGeom>
+          <a:noFill/>
+          <a:ln>
+            <a:solidFill>
+              <a:srgbClr val="FF0000"/>
+            </a:solidFill>
+          </a:ln>
+        </p:spPr>
+        <p:style>
+          <a:lnRef idx="2">
+            <a:schemeClr val="accent1">
+              <a:shade val="50000"/>
+            </a:schemeClr>
+          </a:lnRef>
+          <a:fillRef idx="1">
+            <a:schemeClr val="accent1"/>
+          </a:fillRef>
+          <a:effectRef idx="0">
+            <a:schemeClr val="accent1"/>
+          </a:effectRef>
+          <a:fontRef idx="minor">
+            <a:schemeClr val="lt1"/>
+          </a:fontRef>
+        </p:style>
+        <p:txBody>
+          <a:bodyPr rtlCol="0" anchor="ctr"/>
+          <a:lstStyle/>
+          <a:p>
+            <a:pPr algn="ctr"/>
+            <a:endParaRPr lang="en-US" dirty="0"/>
+          </a:p>
+        </p:txBody>
+      </p:sp>
+      <p:cxnSp>
+        <p:nvCxnSpPr>
+          <p:cNvPr id="6" name="Straight Arrow Connector 5">
+            <a:extLst>
+              <a:ext uri="{FF2B5EF4-FFF2-40B4-BE49-F238E27FC236}">
+                <a16:creationId xmlns:a16="http://schemas.microsoft.com/office/drawing/2014/main" id="{95ABFCD3-EA60-73B9-3B8D-D86A7834146B}"/>
+              </a:ext>
+            </a:extLst>
+          </p:cNvPr>
+          <p:cNvCxnSpPr/>
+          <p:nvPr/>
+        </p:nvCxnSpPr>
+        <p:spPr>
+          <a:xfrm flipV="1">
+            <a:off x="4225413" y="4306529"/>
+            <a:ext cx="1135626" cy="1305232"/>
+          </a:xfrm>
+          <a:prstGeom prst="straightConnector1">
+            <a:avLst/>
+          </a:prstGeom>
+          <a:ln>
+            <a:tailEnd type="triangle"/>
+          </a:ln>
+        </p:spPr>
+        <p:style>
+          <a:lnRef idx="1">
+            <a:schemeClr val="accent2"/>
+          </a:lnRef>
+          <a:fillRef idx="0">
+            <a:schemeClr val="accent2"/>
+          </a:fillRef>
+          <a:effectRef idx="0">
+            <a:schemeClr val="accent2"/>
+          </a:effectRef>
+          <a:fontRef idx="minor">
+            <a:schemeClr val="tx1"/>
+          </a:fontRef>
+        </p:style>
+      </p:cxnSp>
     </p:spTree>
     <p:extLst>
       <p:ext uri="{BB962C8B-B14F-4D97-AF65-F5344CB8AC3E}">
@@ -12189,11 +12362,11 @@
           <a:lstStyle/>
           <a:p>
             <a:r>
-              <a:rPr lang="en-US" err="1"/>
+              <a:rPr lang="en-US" dirty="0" err="1"/>
               <a:t>Xpath</a:t>
             </a:r>
             <a:r>
-              <a:rPr lang="en-US"/>
+              <a:rPr lang="en-US" dirty="0"/>
               <a:t> expressions </a:t>
             </a:r>
           </a:p>
@@ -14493,7 +14666,7 @@
         <p:spPr>
           <a:xfrm>
             <a:off x="1553534" y="1278238"/>
-            <a:ext cx="3416641" cy="369332"/>
+            <a:ext cx="4011355" cy="369332"/>
           </a:xfrm>
           <a:prstGeom prst="rect">
             <a:avLst/>
@@ -14509,7 +14682,7 @@
           <a:lstStyle/>
           <a:p>
             <a:r>
-              <a:rPr lang="en-US" b="1" dirty="0">
+              <a:rPr lang="en-US" b="1">
                 <a:solidFill>
                   <a:srgbClr val="FF0000"/>
                 </a:solidFill>
@@ -14517,8 +14690,12 @@
               <a:t>“d</a:t>
             </a:r>
             <a:r>
+              <a:rPr lang="en-US"/>
+              <a:t>elete/hide” </a:t>
+            </a:r>
+            <a:r>
               <a:rPr lang="en-US" dirty="0"/>
-              <a:t>elete” the node </a:t>
+              <a:t>the node </a:t>
             </a:r>
             <a:r>
               <a:rPr lang="en-US" i="1" dirty="0">
@@ -16350,10 +16527,9 @@
           <a:lstStyle/>
           <a:p>
             <a:r>
-              <a:rPr lang="en-US"/>
+              <a:rPr lang="en-US" dirty="0"/>
               <a:t>Repeat PPTs</a:t>
             </a:r>
-            <a:endParaRPr lang="en-US" dirty="0"/>
           </a:p>
           <a:p>
             <a:r>
@@ -16361,10 +16537,18 @@
               <a:t>Find system on/off timestamp using </a:t>
             </a:r>
             <a:r>
-              <a:rPr lang="en-US" sz="2800" dirty="0" err="1"/>
+              <a:rPr lang="en-US" sz="2800" dirty="0" err="1">
+                <a:solidFill>
+                  <a:srgbClr val="FF0000"/>
+                </a:solidFill>
+              </a:rPr>
               <a:t>XMLstartlet</a:t>
             </a:r>
-            <a:endParaRPr lang="en-US" sz="2800" dirty="0"/>
+            <a:endParaRPr lang="en-US" sz="2800" dirty="0">
+              <a:solidFill>
+                <a:srgbClr val="FF0000"/>
+              </a:solidFill>
+            </a:endParaRPr>
           </a:p>
           <a:p>
             <a:r>

--- a/NIST_Data_Leakage_Case/NIST_Data_Leakage_02._WinEvt_XML.pptx
+++ b/NIST_Data_Leakage_Case/NIST_Data_Leakage_02._WinEvt_XML.pptx
@@ -5,60 +5,62 @@
     <p:sldMasterId id="2147483648" r:id="rId1"/>
   </p:sldMasterIdLst>
   <p:notesMasterIdLst>
-    <p:notesMasterId r:id="rId53"/>
+    <p:notesMasterId r:id="rId55"/>
   </p:notesMasterIdLst>
   <p:sldIdLst>
     <p:sldId id="256" r:id="rId2"/>
-    <p:sldId id="306" r:id="rId3"/>
-    <p:sldId id="307" r:id="rId4"/>
-    <p:sldId id="308" r:id="rId5"/>
-    <p:sldId id="277" r:id="rId6"/>
-    <p:sldId id="257" r:id="rId7"/>
-    <p:sldId id="309" r:id="rId8"/>
-    <p:sldId id="278" r:id="rId9"/>
-    <p:sldId id="279" r:id="rId10"/>
-    <p:sldId id="259" r:id="rId11"/>
-    <p:sldId id="260" r:id="rId12"/>
-    <p:sldId id="310" r:id="rId13"/>
-    <p:sldId id="305" r:id="rId14"/>
-    <p:sldId id="275" r:id="rId15"/>
-    <p:sldId id="276" r:id="rId16"/>
-    <p:sldId id="267" r:id="rId17"/>
-    <p:sldId id="261" r:id="rId18"/>
-    <p:sldId id="264" r:id="rId19"/>
-    <p:sldId id="265" r:id="rId20"/>
-    <p:sldId id="266" r:id="rId21"/>
-    <p:sldId id="271" r:id="rId22"/>
-    <p:sldId id="272" r:id="rId23"/>
-    <p:sldId id="273" r:id="rId24"/>
-    <p:sldId id="268" r:id="rId25"/>
-    <p:sldId id="263" r:id="rId26"/>
-    <p:sldId id="269" r:id="rId27"/>
-    <p:sldId id="280" r:id="rId28"/>
-    <p:sldId id="281" r:id="rId29"/>
-    <p:sldId id="282" r:id="rId30"/>
-    <p:sldId id="270" r:id="rId31"/>
-    <p:sldId id="274" r:id="rId32"/>
-    <p:sldId id="283" r:id="rId33"/>
-    <p:sldId id="284" r:id="rId34"/>
-    <p:sldId id="285" r:id="rId35"/>
-    <p:sldId id="286" r:id="rId36"/>
-    <p:sldId id="258" r:id="rId37"/>
-    <p:sldId id="288" r:id="rId38"/>
-    <p:sldId id="302" r:id="rId39"/>
-    <p:sldId id="296" r:id="rId40"/>
-    <p:sldId id="299" r:id="rId41"/>
-    <p:sldId id="301" r:id="rId42"/>
-    <p:sldId id="291" r:id="rId43"/>
-    <p:sldId id="293" r:id="rId44"/>
-    <p:sldId id="300" r:id="rId45"/>
-    <p:sldId id="298" r:id="rId46"/>
-    <p:sldId id="295" r:id="rId47"/>
-    <p:sldId id="303" r:id="rId48"/>
-    <p:sldId id="287" r:id="rId49"/>
-    <p:sldId id="290" r:id="rId50"/>
-    <p:sldId id="292" r:id="rId51"/>
-    <p:sldId id="304" r:id="rId52"/>
+    <p:sldId id="311" r:id="rId3"/>
+    <p:sldId id="306" r:id="rId4"/>
+    <p:sldId id="307" r:id="rId5"/>
+    <p:sldId id="308" r:id="rId6"/>
+    <p:sldId id="277" r:id="rId7"/>
+    <p:sldId id="257" r:id="rId8"/>
+    <p:sldId id="309" r:id="rId9"/>
+    <p:sldId id="312" r:id="rId10"/>
+    <p:sldId id="278" r:id="rId11"/>
+    <p:sldId id="279" r:id="rId12"/>
+    <p:sldId id="259" r:id="rId13"/>
+    <p:sldId id="260" r:id="rId14"/>
+    <p:sldId id="310" r:id="rId15"/>
+    <p:sldId id="305" r:id="rId16"/>
+    <p:sldId id="275" r:id="rId17"/>
+    <p:sldId id="276" r:id="rId18"/>
+    <p:sldId id="267" r:id="rId19"/>
+    <p:sldId id="261" r:id="rId20"/>
+    <p:sldId id="264" r:id="rId21"/>
+    <p:sldId id="265" r:id="rId22"/>
+    <p:sldId id="266" r:id="rId23"/>
+    <p:sldId id="271" r:id="rId24"/>
+    <p:sldId id="272" r:id="rId25"/>
+    <p:sldId id="273" r:id="rId26"/>
+    <p:sldId id="268" r:id="rId27"/>
+    <p:sldId id="263" r:id="rId28"/>
+    <p:sldId id="269" r:id="rId29"/>
+    <p:sldId id="280" r:id="rId30"/>
+    <p:sldId id="281" r:id="rId31"/>
+    <p:sldId id="282" r:id="rId32"/>
+    <p:sldId id="270" r:id="rId33"/>
+    <p:sldId id="274" r:id="rId34"/>
+    <p:sldId id="283" r:id="rId35"/>
+    <p:sldId id="284" r:id="rId36"/>
+    <p:sldId id="285" r:id="rId37"/>
+    <p:sldId id="286" r:id="rId38"/>
+    <p:sldId id="258" r:id="rId39"/>
+    <p:sldId id="288" r:id="rId40"/>
+    <p:sldId id="302" r:id="rId41"/>
+    <p:sldId id="296" r:id="rId42"/>
+    <p:sldId id="299" r:id="rId43"/>
+    <p:sldId id="301" r:id="rId44"/>
+    <p:sldId id="291" r:id="rId45"/>
+    <p:sldId id="293" r:id="rId46"/>
+    <p:sldId id="300" r:id="rId47"/>
+    <p:sldId id="298" r:id="rId48"/>
+    <p:sldId id="295" r:id="rId49"/>
+    <p:sldId id="303" r:id="rId50"/>
+    <p:sldId id="287" r:id="rId51"/>
+    <p:sldId id="290" r:id="rId52"/>
+    <p:sldId id="292" r:id="rId53"/>
+    <p:sldId id="304" r:id="rId54"/>
   </p:sldIdLst>
   <p:sldSz cx="12192000" cy="6858000"/>
   <p:notesSz cx="6858000" cy="9144000"/>
@@ -168,7 +170,7 @@
 <file path=ppt/revisionInfo.xml><?xml version="1.0" encoding="utf-8"?>
 <p1510:revInfo xmlns:a="http://schemas.openxmlformats.org/drawingml/2006/main" xmlns:r="http://schemas.openxmlformats.org/officeDocument/2006/relationships" xmlns:p1510="http://schemas.microsoft.com/office/powerpoint/2015/10/main">
   <p1510:revLst>
-    <p1510:client id="{763D7CBC-195E-480C-A07D-648228AD4295}" v="9" dt="2022-03-01T16:52:58.225"/>
+    <p1510:client id="{763D7CBC-195E-480C-A07D-648228AD4295}" v="13" dt="2023-02-20T17:57:06.452"/>
   </p1510:revLst>
 </p1510:revInfo>
 </file>
@@ -218,7 +220,7 @@
   <pc:docChgLst>
     <pc:chgData name="Weifeng Xu" userId="e7aed605-a3dd-4d5a-a692-a87037af107b" providerId="ADAL" clId="{763D7CBC-195E-480C-A07D-648228AD4295}"/>
     <pc:docChg chg="undo custSel addSld modSld">
-      <pc:chgData name="Weifeng Xu" userId="e7aed605-a3dd-4d5a-a692-a87037af107b" providerId="ADAL" clId="{763D7CBC-195E-480C-A07D-648228AD4295}" dt="2022-09-20T23:27:19.893" v="562" actId="207"/>
+      <pc:chgData name="Weifeng Xu" userId="e7aed605-a3dd-4d5a-a692-a87037af107b" providerId="ADAL" clId="{763D7CBC-195E-480C-A07D-648228AD4295}" dt="2023-02-20T17:57:18.392" v="713" actId="1076"/>
       <pc:docMkLst>
         <pc:docMk/>
       </pc:docMkLst>
@@ -489,11 +491,19 @@
         </pc:cxnChg>
       </pc:sldChg>
       <pc:sldChg chg="addSp delSp modSp new mod modClrScheme chgLayout">
-        <pc:chgData name="Weifeng Xu" userId="e7aed605-a3dd-4d5a-a692-a87037af107b" providerId="ADAL" clId="{763D7CBC-195E-480C-A07D-648228AD4295}" dt="2021-09-20T22:10:29.834" v="82" actId="1076"/>
+        <pc:chgData name="Weifeng Xu" userId="e7aed605-a3dd-4d5a-a692-a87037af107b" providerId="ADAL" clId="{763D7CBC-195E-480C-A07D-648228AD4295}" dt="2023-02-20T17:48:39.882" v="645" actId="403"/>
         <pc:sldMkLst>
           <pc:docMk/>
           <pc:sldMk cId="322537141" sldId="309"/>
         </pc:sldMkLst>
+        <pc:spChg chg="add mod">
+          <ac:chgData name="Weifeng Xu" userId="e7aed605-a3dd-4d5a-a692-a87037af107b" providerId="ADAL" clId="{763D7CBC-195E-480C-A07D-648228AD4295}" dt="2023-02-20T17:48:39.882" v="645" actId="403"/>
+          <ac:spMkLst>
+            <pc:docMk/>
+            <pc:sldMk cId="322537141" sldId="309"/>
+            <ac:spMk id="2" creationId="{71962C63-FEE1-C44A-CF24-1C1520A18554}"/>
+          </ac:spMkLst>
+        </pc:spChg>
         <pc:spChg chg="del">
           <ac:chgData name="Weifeng Xu" userId="e7aed605-a3dd-4d5a-a692-a87037af107b" providerId="ADAL" clId="{763D7CBC-195E-480C-A07D-648228AD4295}" dt="2021-09-20T22:08:18.129" v="2" actId="700"/>
           <ac:spMkLst>
@@ -512,7 +522,7 @@
         </pc:picChg>
       </pc:sldChg>
       <pc:sldChg chg="addSp modSp new mod modNotesTx">
-        <pc:chgData name="Weifeng Xu" userId="e7aed605-a3dd-4d5a-a692-a87037af107b" providerId="ADAL" clId="{763D7CBC-195E-480C-A07D-648228AD4295}" dt="2022-09-18T14:49:39.691" v="548" actId="20577"/>
+        <pc:chgData name="Weifeng Xu" userId="e7aed605-a3dd-4d5a-a692-a87037af107b" providerId="ADAL" clId="{763D7CBC-195E-480C-A07D-648228AD4295}" dt="2023-02-20T17:57:18.392" v="713" actId="1076"/>
         <pc:sldMkLst>
           <pc:docMk/>
           <pc:sldMk cId="4148218689" sldId="310"/>
@@ -526,7 +536,7 @@
           </ac:spMkLst>
         </pc:spChg>
         <pc:spChg chg="add mod">
-          <ac:chgData name="Weifeng Xu" userId="e7aed605-a3dd-4d5a-a692-a87037af107b" providerId="ADAL" clId="{763D7CBC-195E-480C-A07D-648228AD4295}" dt="2022-02-26T15:47:56.730" v="419" actId="1076"/>
+          <ac:chgData name="Weifeng Xu" userId="e7aed605-a3dd-4d5a-a692-a87037af107b" providerId="ADAL" clId="{763D7CBC-195E-480C-A07D-648228AD4295}" dt="2023-02-20T17:57:18.392" v="713" actId="1076"/>
           <ac:spMkLst>
             <pc:docMk/>
             <pc:sldMk cId="4148218689" sldId="310"/>
@@ -534,7 +544,7 @@
           </ac:spMkLst>
         </pc:spChg>
         <pc:picChg chg="add mod">
-          <ac:chgData name="Weifeng Xu" userId="e7aed605-a3dd-4d5a-a692-a87037af107b" providerId="ADAL" clId="{763D7CBC-195E-480C-A07D-648228AD4295}" dt="2022-02-26T15:48:00.460" v="421" actId="1076"/>
+          <ac:chgData name="Weifeng Xu" userId="e7aed605-a3dd-4d5a-a692-a87037af107b" providerId="ADAL" clId="{763D7CBC-195E-480C-A07D-648228AD4295}" dt="2023-02-20T17:57:04.437" v="705" actId="1076"/>
           <ac:picMkLst>
             <pc:docMk/>
             <pc:sldMk cId="4148218689" sldId="310"/>
@@ -542,13 +552,43 @@
           </ac:picMkLst>
         </pc:picChg>
         <pc:picChg chg="add mod">
-          <ac:chgData name="Weifeng Xu" userId="e7aed605-a3dd-4d5a-a692-a87037af107b" providerId="ADAL" clId="{763D7CBC-195E-480C-A07D-648228AD4295}" dt="2022-02-26T15:47:48.715" v="416" actId="1076"/>
+          <ac:chgData name="Weifeng Xu" userId="e7aed605-a3dd-4d5a-a692-a87037af107b" providerId="ADAL" clId="{763D7CBC-195E-480C-A07D-648228AD4295}" dt="2023-02-20T17:57:06.451" v="706" actId="14100"/>
           <ac:picMkLst>
             <pc:docMk/>
             <pc:sldMk cId="4148218689" sldId="310"/>
             <ac:picMk id="1026" creationId="{DD027756-84C2-439B-B80F-7F26B75424A5}"/>
           </ac:picMkLst>
         </pc:picChg>
+      </pc:sldChg>
+      <pc:sldChg chg="add setBg">
+        <pc:chgData name="Weifeng Xu" userId="e7aed605-a3dd-4d5a-a692-a87037af107b" providerId="ADAL" clId="{763D7CBC-195E-480C-A07D-648228AD4295}" dt="2023-02-20T17:42:49.518" v="563"/>
+        <pc:sldMkLst>
+          <pc:docMk/>
+          <pc:sldMk cId="4010385979" sldId="311"/>
+        </pc:sldMkLst>
+      </pc:sldChg>
+      <pc:sldChg chg="addSp modSp new mod modClrScheme chgLayout">
+        <pc:chgData name="Weifeng Xu" userId="e7aed605-a3dd-4d5a-a692-a87037af107b" providerId="ADAL" clId="{763D7CBC-195E-480C-A07D-648228AD4295}" dt="2023-02-20T17:54:57.339" v="703" actId="20577"/>
+        <pc:sldMkLst>
+          <pc:docMk/>
+          <pc:sldMk cId="2229056425" sldId="312"/>
+        </pc:sldMkLst>
+        <pc:spChg chg="add mod">
+          <ac:chgData name="Weifeng Xu" userId="e7aed605-a3dd-4d5a-a692-a87037af107b" providerId="ADAL" clId="{763D7CBC-195E-480C-A07D-648228AD4295}" dt="2023-02-20T17:52:27.276" v="658" actId="20577"/>
+          <ac:spMkLst>
+            <pc:docMk/>
+            <pc:sldMk cId="2229056425" sldId="312"/>
+            <ac:spMk id="2" creationId="{0CA604A4-E671-18DB-C6F6-501C74D938B4}"/>
+          </ac:spMkLst>
+        </pc:spChg>
+        <pc:spChg chg="add mod">
+          <ac:chgData name="Weifeng Xu" userId="e7aed605-a3dd-4d5a-a692-a87037af107b" providerId="ADAL" clId="{763D7CBC-195E-480C-A07D-648228AD4295}" dt="2023-02-20T17:54:57.339" v="703" actId="20577"/>
+          <ac:spMkLst>
+            <pc:docMk/>
+            <pc:sldMk cId="2229056425" sldId="312"/>
+            <ac:spMk id="3" creationId="{F849B4C1-17D6-864E-BBE9-C3DB2F075A27}"/>
+          </ac:spMkLst>
+        </pc:spChg>
       </pc:sldChg>
     </pc:docChg>
   </pc:docChgLst>
@@ -975,7 +1015,7 @@
           <a:p>
             <a:fld id="{EE41F6E3-57F9-402E-BDBA-5B2DE11C8530}" type="datetimeFigureOut">
               <a:rPr lang="en-US" smtClean="0"/>
-              <a:t>9/20/2022</a:t>
+              <a:t>2/20/2023</a:t>
             </a:fld>
             <a:endParaRPr lang="en-US"/>
           </a:p>
@@ -1401,7 +1441,7 @@
           <a:p>
             <a:fld id="{DDBF98C7-164A-4723-84F0-B1E4B080DDEC}" type="slidenum">
               <a:rPr lang="en-US" smtClean="0"/>
-              <a:t>20</a:t>
+              <a:t>22</a:t>
             </a:fld>
             <a:endParaRPr lang="en-US"/>
           </a:p>
@@ -1500,7 +1540,7 @@
           <a:p>
             <a:fld id="{DDBF98C7-164A-4723-84F0-B1E4B080DDEC}" type="slidenum">
               <a:rPr lang="en-US" smtClean="0"/>
-              <a:t>23</a:t>
+              <a:t>25</a:t>
             </a:fld>
             <a:endParaRPr lang="en-US"/>
           </a:p>
@@ -1587,7 +1627,7 @@
           <a:p>
             <a:fld id="{DDBF98C7-164A-4723-84F0-B1E4B080DDEC}" type="slidenum">
               <a:rPr lang="en-US" smtClean="0"/>
-              <a:t>28</a:t>
+              <a:t>30</a:t>
             </a:fld>
             <a:endParaRPr lang="en-US"/>
           </a:p>
@@ -1694,7 +1734,7 @@
           <a:p>
             <a:fld id="{DDBF98C7-164A-4723-84F0-B1E4B080DDEC}" type="slidenum">
               <a:rPr lang="en-US" smtClean="0"/>
-              <a:t>29</a:t>
+              <a:t>31</a:t>
             </a:fld>
             <a:endParaRPr lang="en-US"/>
           </a:p>
@@ -1807,7 +1847,7 @@
           <a:p>
             <a:fld id="{DDBF98C7-164A-4723-84F0-B1E4B080DDEC}" type="slidenum">
               <a:rPr lang="en-US" smtClean="0"/>
-              <a:t>30</a:t>
+              <a:t>32</a:t>
             </a:fld>
             <a:endParaRPr lang="en-US"/>
           </a:p>
@@ -1914,7 +1954,7 @@
           <a:p>
             <a:fld id="{DDBF98C7-164A-4723-84F0-B1E4B080DDEC}" type="slidenum">
               <a:rPr lang="en-US" smtClean="0"/>
-              <a:t>31</a:t>
+              <a:t>33</a:t>
             </a:fld>
             <a:endParaRPr lang="en-US"/>
           </a:p>
@@ -2001,7 +2041,7 @@
           <a:p>
             <a:fld id="{DDBF98C7-164A-4723-84F0-B1E4B080DDEC}" type="slidenum">
               <a:rPr lang="en-US" smtClean="0"/>
-              <a:t>32</a:t>
+              <a:t>34</a:t>
             </a:fld>
             <a:endParaRPr lang="en-US"/>
           </a:p>
@@ -2096,7 +2136,7 @@
           <a:p>
             <a:fld id="{DDBF98C7-164A-4723-84F0-B1E4B080DDEC}" type="slidenum">
               <a:rPr lang="en-US" smtClean="0"/>
-              <a:t>33</a:t>
+              <a:t>35</a:t>
             </a:fld>
             <a:endParaRPr lang="en-US"/>
           </a:p>
@@ -2229,7 +2269,7 @@
           <a:p>
             <a:fld id="{DDBF98C7-164A-4723-84F0-B1E4B080DDEC}" type="slidenum">
               <a:rPr lang="en-US" smtClean="0"/>
-              <a:t>36</a:t>
+              <a:t>38</a:t>
             </a:fld>
             <a:endParaRPr lang="en-US"/>
           </a:p>
@@ -2328,7 +2368,7 @@
           <a:p>
             <a:fld id="{DDBF98C7-164A-4723-84F0-B1E4B080DDEC}" type="slidenum">
               <a:rPr lang="en-US" smtClean="0"/>
-              <a:t>38</a:t>
+              <a:t>40</a:t>
             </a:fld>
             <a:endParaRPr lang="en-US"/>
           </a:p>
@@ -2423,7 +2463,7 @@
           <a:p>
             <a:fld id="{DDBF98C7-164A-4723-84F0-B1E4B080DDEC}" type="slidenum">
               <a:rPr lang="en-US" smtClean="0"/>
-              <a:t>2</a:t>
+              <a:t>3</a:t>
             </a:fld>
             <a:endParaRPr lang="en-US"/>
           </a:p>
@@ -2533,7 +2573,7 @@
           <a:p>
             <a:fld id="{DDBF98C7-164A-4723-84F0-B1E4B080DDEC}" type="slidenum">
               <a:rPr lang="en-US" smtClean="0"/>
-              <a:t>39</a:t>
+              <a:t>41</a:t>
             </a:fld>
             <a:endParaRPr lang="en-US"/>
           </a:p>
@@ -2640,7 +2680,7 @@
           <a:p>
             <a:fld id="{DDBF98C7-164A-4723-84F0-B1E4B080DDEC}" type="slidenum">
               <a:rPr lang="en-US" smtClean="0"/>
-              <a:t>40</a:t>
+              <a:t>42</a:t>
             </a:fld>
             <a:endParaRPr lang="en-US"/>
           </a:p>
@@ -2753,7 +2793,7 @@
           <a:p>
             <a:fld id="{DDBF98C7-164A-4723-84F0-B1E4B080DDEC}" type="slidenum">
               <a:rPr lang="en-US" smtClean="0"/>
-              <a:t>41</a:t>
+              <a:t>43</a:t>
             </a:fld>
             <a:endParaRPr lang="en-US"/>
           </a:p>
@@ -2847,7 +2887,7 @@
           <a:p>
             <a:fld id="{DDBF98C7-164A-4723-84F0-B1E4B080DDEC}" type="slidenum">
               <a:rPr lang="en-US" smtClean="0"/>
-              <a:t>42</a:t>
+              <a:t>44</a:t>
             </a:fld>
             <a:endParaRPr lang="en-US"/>
           </a:p>
@@ -2954,7 +2994,7 @@
           <a:p>
             <a:fld id="{DDBF98C7-164A-4723-84F0-B1E4B080DDEC}" type="slidenum">
               <a:rPr lang="en-US" smtClean="0"/>
-              <a:t>43</a:t>
+              <a:t>45</a:t>
             </a:fld>
             <a:endParaRPr lang="en-US"/>
           </a:p>
@@ -3070,7 +3110,7 @@
           <a:p>
             <a:fld id="{DDBF98C7-164A-4723-84F0-B1E4B080DDEC}" type="slidenum">
               <a:rPr lang="en-US" smtClean="0"/>
-              <a:t>44</a:t>
+              <a:t>46</a:t>
             </a:fld>
             <a:endParaRPr lang="en-US"/>
           </a:p>
@@ -3236,7 +3276,7 @@
           <a:p>
             <a:fld id="{DDBF98C7-164A-4723-84F0-B1E4B080DDEC}" type="slidenum">
               <a:rPr lang="en-US" smtClean="0"/>
-              <a:t>45</a:t>
+              <a:t>47</a:t>
             </a:fld>
             <a:endParaRPr lang="en-US"/>
           </a:p>
@@ -3320,7 +3360,7 @@
           <a:p>
             <a:fld id="{DDBF98C7-164A-4723-84F0-B1E4B080DDEC}" type="slidenum">
               <a:rPr lang="en-US" smtClean="0"/>
-              <a:t>47</a:t>
+              <a:t>49</a:t>
             </a:fld>
             <a:endParaRPr lang="en-US"/>
           </a:p>
@@ -3413,7 +3453,7 @@
           <a:p>
             <a:fld id="{DDBF98C7-164A-4723-84F0-B1E4B080DDEC}" type="slidenum">
               <a:rPr lang="en-US" smtClean="0"/>
-              <a:t>48</a:t>
+              <a:t>50</a:t>
             </a:fld>
             <a:endParaRPr lang="en-US"/>
           </a:p>
@@ -3553,7 +3593,7 @@
           <a:p>
             <a:fld id="{DDBF98C7-164A-4723-84F0-B1E4B080DDEC}" type="slidenum">
               <a:rPr lang="en-US" smtClean="0"/>
-              <a:t>49</a:t>
+              <a:t>51</a:t>
             </a:fld>
             <a:endParaRPr lang="en-US"/>
           </a:p>
@@ -3648,7 +3688,7 @@
           <a:p>
             <a:fld id="{DDBF98C7-164A-4723-84F0-B1E4B080DDEC}" type="slidenum">
               <a:rPr lang="en-US" smtClean="0"/>
-              <a:t>6</a:t>
+              <a:t>7</a:t>
             </a:fld>
             <a:endParaRPr lang="en-US"/>
           </a:p>
@@ -3740,7 +3780,7 @@
           <a:p>
             <a:fld id="{DDBF98C7-164A-4723-84F0-B1E4B080DDEC}" type="slidenum">
               <a:rPr lang="en-US" smtClean="0"/>
-              <a:t>10</a:t>
+              <a:t>12</a:t>
             </a:fld>
             <a:endParaRPr lang="en-US"/>
           </a:p>
@@ -5364,7 +5404,7 @@
           <a:p>
             <a:fld id="{DDBF98C7-164A-4723-84F0-B1E4B080DDEC}" type="slidenum">
               <a:rPr lang="en-US" smtClean="0"/>
-              <a:t>12</a:t>
+              <a:t>14</a:t>
             </a:fld>
             <a:endParaRPr lang="en-US"/>
           </a:p>
@@ -5451,7 +5491,7 @@
           <a:p>
             <a:fld id="{DDBF98C7-164A-4723-84F0-B1E4B080DDEC}" type="slidenum">
               <a:rPr lang="en-US" smtClean="0"/>
-              <a:t>13</a:t>
+              <a:t>15</a:t>
             </a:fld>
             <a:endParaRPr lang="en-US"/>
           </a:p>
@@ -5550,7 +5590,7 @@
           <a:p>
             <a:fld id="{DDBF98C7-164A-4723-84F0-B1E4B080DDEC}" type="slidenum">
               <a:rPr lang="en-US" smtClean="0"/>
-              <a:t>15</a:t>
+              <a:t>17</a:t>
             </a:fld>
             <a:endParaRPr lang="en-US"/>
           </a:p>
@@ -5654,7 +5694,7 @@
           <a:p>
             <a:fld id="{DDBF98C7-164A-4723-84F0-B1E4B080DDEC}" type="slidenum">
               <a:rPr lang="en-US" smtClean="0"/>
-              <a:t>17</a:t>
+              <a:t>19</a:t>
             </a:fld>
             <a:endParaRPr lang="en-US"/>
           </a:p>
@@ -5745,7 +5785,7 @@
           <a:p>
             <a:fld id="{DDBF98C7-164A-4723-84F0-B1E4B080DDEC}" type="slidenum">
               <a:rPr lang="en-US" smtClean="0"/>
-              <a:t>18</a:t>
+              <a:t>20</a:t>
             </a:fld>
             <a:endParaRPr lang="en-US"/>
           </a:p>
@@ -5893,7 +5933,7 @@
           <a:p>
             <a:fld id="{4263717A-E3C1-4BED-ABE0-B7069385E023}" type="datetimeFigureOut">
               <a:rPr lang="en-US" smtClean="0"/>
-              <a:t>9/20/2022</a:t>
+              <a:t>2/20/2023</a:t>
             </a:fld>
             <a:endParaRPr lang="en-US"/>
           </a:p>
@@ -6066,7 +6106,7 @@
           <a:p>
             <a:fld id="{4263717A-E3C1-4BED-ABE0-B7069385E023}" type="datetimeFigureOut">
               <a:rPr lang="en-US" smtClean="0"/>
-              <a:t>9/20/2022</a:t>
+              <a:t>2/20/2023</a:t>
             </a:fld>
             <a:endParaRPr lang="en-US"/>
           </a:p>
@@ -6244,7 +6284,7 @@
           <a:p>
             <a:fld id="{4263717A-E3C1-4BED-ABE0-B7069385E023}" type="datetimeFigureOut">
               <a:rPr lang="en-US" smtClean="0"/>
-              <a:t>9/20/2022</a:t>
+              <a:t>2/20/2023</a:t>
             </a:fld>
             <a:endParaRPr lang="en-US"/>
           </a:p>
@@ -6412,7 +6452,7 @@
           <a:p>
             <a:fld id="{4263717A-E3C1-4BED-ABE0-B7069385E023}" type="datetimeFigureOut">
               <a:rPr lang="en-US" smtClean="0"/>
-              <a:t>9/20/2022</a:t>
+              <a:t>2/20/2023</a:t>
             </a:fld>
             <a:endParaRPr lang="en-US"/>
           </a:p>
@@ -6657,7 +6697,7 @@
           <a:p>
             <a:fld id="{4263717A-E3C1-4BED-ABE0-B7069385E023}" type="datetimeFigureOut">
               <a:rPr lang="en-US" smtClean="0"/>
-              <a:t>9/20/2022</a:t>
+              <a:t>2/20/2023</a:t>
             </a:fld>
             <a:endParaRPr lang="en-US"/>
           </a:p>
@@ -6886,7 +6926,7 @@
           <a:p>
             <a:fld id="{4263717A-E3C1-4BED-ABE0-B7069385E023}" type="datetimeFigureOut">
               <a:rPr lang="en-US" smtClean="0"/>
-              <a:t>9/20/2022</a:t>
+              <a:t>2/20/2023</a:t>
             </a:fld>
             <a:endParaRPr lang="en-US"/>
           </a:p>
@@ -7250,7 +7290,7 @@
           <a:p>
             <a:fld id="{4263717A-E3C1-4BED-ABE0-B7069385E023}" type="datetimeFigureOut">
               <a:rPr lang="en-US" smtClean="0"/>
-              <a:t>9/20/2022</a:t>
+              <a:t>2/20/2023</a:t>
             </a:fld>
             <a:endParaRPr lang="en-US"/>
           </a:p>
@@ -7367,7 +7407,7 @@
           <a:p>
             <a:fld id="{4263717A-E3C1-4BED-ABE0-B7069385E023}" type="datetimeFigureOut">
               <a:rPr lang="en-US" smtClean="0"/>
-              <a:t>9/20/2022</a:t>
+              <a:t>2/20/2023</a:t>
             </a:fld>
             <a:endParaRPr lang="en-US"/>
           </a:p>
@@ -7462,7 +7502,7 @@
           <a:p>
             <a:fld id="{4263717A-E3C1-4BED-ABE0-B7069385E023}" type="datetimeFigureOut">
               <a:rPr lang="en-US" smtClean="0"/>
-              <a:t>9/20/2022</a:t>
+              <a:t>2/20/2023</a:t>
             </a:fld>
             <a:endParaRPr lang="en-US"/>
           </a:p>
@@ -7737,7 +7777,7 @@
           <a:p>
             <a:fld id="{4263717A-E3C1-4BED-ABE0-B7069385E023}" type="datetimeFigureOut">
               <a:rPr lang="en-US" smtClean="0"/>
-              <a:t>9/20/2022</a:t>
+              <a:t>2/20/2023</a:t>
             </a:fld>
             <a:endParaRPr lang="en-US"/>
           </a:p>
@@ -7989,7 +8029,7 @@
           <a:p>
             <a:fld id="{4263717A-E3C1-4BED-ABE0-B7069385E023}" type="datetimeFigureOut">
               <a:rPr lang="en-US" smtClean="0"/>
-              <a:t>9/20/2022</a:t>
+              <a:t>2/20/2023</a:t>
             </a:fld>
             <a:endParaRPr lang="en-US"/>
           </a:p>
@@ -8200,7 +8240,7 @@
           <a:p>
             <a:fld id="{4263717A-E3C1-4BED-ABE0-B7069385E023}" type="datetimeFigureOut">
               <a:rPr lang="en-US" smtClean="0"/>
-              <a:t>9/20/2022</a:t>
+              <a:t>2/20/2023</a:t>
             </a:fld>
             <a:endParaRPr lang="en-US"/>
           </a:p>
@@ -8846,6 +8886,213 @@
           <a:chExt cx="0" cy="0"/>
         </a:xfrm>
       </p:grpSpPr>
+      <p:sp>
+        <p:nvSpPr>
+          <p:cNvPr id="4" name="Title 3"/>
+          <p:cNvSpPr>
+            <a:spLocks noGrp="1"/>
+          </p:cNvSpPr>
+          <p:nvPr>
+            <p:ph type="title"/>
+          </p:nvPr>
+        </p:nvSpPr>
+        <p:spPr/>
+        <p:txBody>
+          <a:bodyPr/>
+          <a:lstStyle/>
+          <a:p>
+            <a:r>
+              <a:rPr lang="en-US"/>
+              <a:t>Install XML parser</a:t>
+            </a:r>
+          </a:p>
+        </p:txBody>
+      </p:sp>
+      <p:sp>
+        <p:nvSpPr>
+          <p:cNvPr id="5" name="Text Placeholder 4"/>
+          <p:cNvSpPr>
+            <a:spLocks noGrp="1"/>
+          </p:cNvSpPr>
+          <p:nvPr>
+            <p:ph type="body" idx="1"/>
+          </p:nvPr>
+        </p:nvSpPr>
+        <p:spPr/>
+        <p:txBody>
+          <a:bodyPr/>
+          <a:lstStyle/>
+          <a:p>
+            <a:endParaRPr lang="en-US"/>
+          </a:p>
+        </p:txBody>
+      </p:sp>
+    </p:spTree>
+    <p:extLst>
+      <p:ext uri="{BB962C8B-B14F-4D97-AF65-F5344CB8AC3E}">
+        <p14:creationId xmlns:p14="http://schemas.microsoft.com/office/powerpoint/2010/main" val="1690331404"/>
+      </p:ext>
+    </p:extLst>
+  </p:cSld>
+  <p:clrMapOvr>
+    <a:masterClrMapping/>
+  </p:clrMapOvr>
+</p:sld>
+</file>
+
+<file path=ppt/slides/slide11.xml><?xml version="1.0" encoding="utf-8"?>
+<p:sld xmlns:a="http://schemas.openxmlformats.org/drawingml/2006/main" xmlns:r="http://schemas.openxmlformats.org/officeDocument/2006/relationships" xmlns:p="http://schemas.openxmlformats.org/presentationml/2006/main">
+  <p:cSld>
+    <p:spTree>
+      <p:nvGrpSpPr>
+        <p:cNvPr id="1" name=""/>
+        <p:cNvGrpSpPr/>
+        <p:nvPr/>
+      </p:nvGrpSpPr>
+      <p:grpSpPr>
+        <a:xfrm>
+          <a:off x="0" y="0"/>
+          <a:ext cx="0" cy="0"/>
+          <a:chOff x="0" y="0"/>
+          <a:chExt cx="0" cy="0"/>
+        </a:xfrm>
+      </p:grpSpPr>
+      <p:sp>
+        <p:nvSpPr>
+          <p:cNvPr id="4" name="Title 3"/>
+          <p:cNvSpPr>
+            <a:spLocks noGrp="1"/>
+          </p:cNvSpPr>
+          <p:nvPr>
+            <p:ph type="title"/>
+          </p:nvPr>
+        </p:nvSpPr>
+        <p:spPr/>
+        <p:txBody>
+          <a:bodyPr/>
+          <a:lstStyle/>
+          <a:p>
+            <a:r>
+              <a:rPr lang="en-US" i="1" dirty="0" err="1">
+                <a:solidFill>
+                  <a:srgbClr val="7030A0"/>
+                </a:solidFill>
+              </a:rPr>
+              <a:t>xmlstarlet</a:t>
+            </a:r>
+            <a:endParaRPr lang="en-US" i="1" dirty="0">
+              <a:solidFill>
+                <a:srgbClr val="7030A0"/>
+              </a:solidFill>
+            </a:endParaRPr>
+          </a:p>
+        </p:txBody>
+      </p:sp>
+      <p:sp>
+        <p:nvSpPr>
+          <p:cNvPr id="5" name="Content Placeholder 4"/>
+          <p:cNvSpPr>
+            <a:spLocks noGrp="1"/>
+          </p:cNvSpPr>
+          <p:nvPr>
+            <p:ph idx="1"/>
+          </p:nvPr>
+        </p:nvSpPr>
+        <p:spPr/>
+        <p:txBody>
+          <a:bodyPr/>
+          <a:lstStyle/>
+          <a:p>
+            <a:r>
+              <a:rPr lang="en-US" dirty="0"/>
+              <a:t>Is a set of command line utilities (tools) </a:t>
+            </a:r>
+          </a:p>
+          <a:p>
+            <a:pPr lvl="1"/>
+            <a:r>
+              <a:rPr lang="en-US" dirty="0"/>
+              <a:t>transform, query, validate, and edit </a:t>
+            </a:r>
+            <a:r>
+              <a:rPr lang="en-US" dirty="0">
+                <a:solidFill>
+                  <a:srgbClr val="FF0000"/>
+                </a:solidFill>
+              </a:rPr>
+              <a:t>XML</a:t>
+            </a:r>
+            <a:r>
+              <a:rPr lang="en-US" dirty="0"/>
+              <a:t> documents and files </a:t>
+            </a:r>
+          </a:p>
+          <a:p>
+            <a:r>
+              <a:rPr lang="en-US" dirty="0"/>
+              <a:t>Using simple set of shell commands </a:t>
+            </a:r>
+          </a:p>
+          <a:p>
+            <a:pPr lvl="1"/>
+            <a:r>
+              <a:rPr lang="en-US" dirty="0"/>
+              <a:t>Similar to </a:t>
+            </a:r>
+            <a:r>
+              <a:rPr lang="en-US" i="1" dirty="0">
+                <a:solidFill>
+                  <a:srgbClr val="FF0000"/>
+                </a:solidFill>
+              </a:rPr>
+              <a:t>grep, sed, awk</a:t>
+            </a:r>
+          </a:p>
+          <a:p>
+            <a:r>
+              <a:rPr lang="en-US" dirty="0"/>
+              <a:t>http://xmlstar.sourceforge.net/doc</a:t>
+            </a:r>
+          </a:p>
+          <a:p>
+            <a:endParaRPr lang="en-US" i="1" dirty="0">
+              <a:solidFill>
+                <a:srgbClr val="FF0000"/>
+              </a:solidFill>
+            </a:endParaRPr>
+          </a:p>
+        </p:txBody>
+      </p:sp>
+    </p:spTree>
+    <p:extLst>
+      <p:ext uri="{BB962C8B-B14F-4D97-AF65-F5344CB8AC3E}">
+        <p14:creationId xmlns:p14="http://schemas.microsoft.com/office/powerpoint/2010/main" val="1341317686"/>
+      </p:ext>
+    </p:extLst>
+  </p:cSld>
+  <p:clrMapOvr>
+    <a:masterClrMapping/>
+  </p:clrMapOvr>
+</p:sld>
+</file>
+
+<file path=ppt/slides/slide12.xml><?xml version="1.0" encoding="utf-8"?>
+<p:sld xmlns:a="http://schemas.openxmlformats.org/drawingml/2006/main" xmlns:r="http://schemas.openxmlformats.org/officeDocument/2006/relationships" xmlns:p="http://schemas.openxmlformats.org/presentationml/2006/main">
+  <p:cSld>
+    <p:spTree>
+      <p:nvGrpSpPr>
+        <p:cNvPr id="1" name=""/>
+        <p:cNvGrpSpPr/>
+        <p:nvPr/>
+      </p:nvGrpSpPr>
+      <p:grpSpPr>
+        <a:xfrm>
+          <a:off x="0" y="0"/>
+          <a:ext cx="0" cy="0"/>
+          <a:chOff x="0" y="0"/>
+          <a:chExt cx="0" cy="0"/>
+        </a:xfrm>
+      </p:grpSpPr>
       <p:pic>
         <p:nvPicPr>
           <p:cNvPr id="5" name="Picture 4"/>
@@ -9021,7 +9268,7 @@
 </p:sld>
 </file>
 
-<file path=ppt/slides/slide11.xml><?xml version="1.0" encoding="utf-8"?>
+<file path=ppt/slides/slide13.xml><?xml version="1.0" encoding="utf-8"?>
 <p:sld xmlns:a="http://schemas.openxmlformats.org/drawingml/2006/main" xmlns:r="http://schemas.openxmlformats.org/officeDocument/2006/relationships" xmlns:p="http://schemas.openxmlformats.org/presentationml/2006/main">
   <p:cSld>
     <p:spTree>
@@ -9075,7 +9322,7 @@
 </p:sld>
 </file>
 
-<file path=ppt/slides/slide12.xml><?xml version="1.0" encoding="utf-8"?>
+<file path=ppt/slides/slide14.xml><?xml version="1.0" encoding="utf-8"?>
 <p:sld xmlns:a="http://schemas.openxmlformats.org/drawingml/2006/main" xmlns:r="http://schemas.openxmlformats.org/officeDocument/2006/relationships" xmlns:p="http://schemas.openxmlformats.org/presentationml/2006/main">
   <p:cSld>
     <p:spTree>
@@ -9121,8 +9368,8 @@
         </p:blipFill>
         <p:spPr bwMode="auto">
           <a:xfrm>
-            <a:off x="443865" y="2012633"/>
-            <a:ext cx="4629150" cy="2619375"/>
+            <a:off x="443864" y="2012633"/>
+            <a:ext cx="5912283" cy="3345428"/>
           </a:xfrm>
           <a:prstGeom prst="rect">
             <a:avLst/>
@@ -9161,7 +9408,7 @@
         </p:blipFill>
         <p:spPr>
           <a:xfrm>
-            <a:off x="5857480" y="762000"/>
+            <a:off x="6616065" y="696684"/>
             <a:ext cx="4772688" cy="5722620"/>
           </a:xfrm>
           <a:prstGeom prst="rect">
@@ -9183,8 +9430,8 @@
         </p:nvSpPr>
         <p:spPr>
           <a:xfrm>
-            <a:off x="443865" y="5408414"/>
-            <a:ext cx="6172200" cy="369332"/>
+            <a:off x="2497516" y="6593558"/>
+            <a:ext cx="2876457" cy="261610"/>
           </a:xfrm>
           <a:prstGeom prst="rect">
             <a:avLst/>
@@ -9198,7 +9445,7 @@
           <a:lstStyle/>
           <a:p>
             <a:r>
-              <a:rPr lang="en-US" dirty="0"/>
+              <a:rPr lang="en-US" sz="1100" dirty="0"/>
               <a:t>https://www.w3schools.com/xml/xml_tree.asp</a:t>
             </a:r>
           </a:p>
@@ -9253,7 +9500,7 @@
 </p:sld>
 </file>
 
-<file path=ppt/slides/slide13.xml><?xml version="1.0" encoding="utf-8"?>
+<file path=ppt/slides/slide15.xml><?xml version="1.0" encoding="utf-8"?>
 <p:sld xmlns:a="http://schemas.openxmlformats.org/drawingml/2006/main" xmlns:r="http://schemas.openxmlformats.org/officeDocument/2006/relationships" xmlns:p="http://schemas.openxmlformats.org/presentationml/2006/main">
   <p:cSld>
     <p:spTree>
@@ -10319,7 +10566,7 @@
 </p:sld>
 </file>
 
-<file path=ppt/slides/slide14.xml><?xml version="1.0" encoding="utf-8"?>
+<file path=ppt/slides/slide16.xml><?xml version="1.0" encoding="utf-8"?>
 <p:sld xmlns:a="http://schemas.openxmlformats.org/drawingml/2006/main" xmlns:r="http://schemas.openxmlformats.org/officeDocument/2006/relationships" xmlns:p="http://schemas.openxmlformats.org/presentationml/2006/main">
   <p:cSld>
     <p:spTree>
@@ -10398,7 +10645,7 @@
 </p:sld>
 </file>
 
-<file path=ppt/slides/slide15.xml><?xml version="1.0" encoding="utf-8"?>
+<file path=ppt/slides/slide17.xml><?xml version="1.0" encoding="utf-8"?>
 <p:sld xmlns:a="http://schemas.openxmlformats.org/drawingml/2006/main" xmlns:r="http://schemas.openxmlformats.org/officeDocument/2006/relationships" xmlns:p="http://schemas.openxmlformats.org/presentationml/2006/main">
   <p:cSld>
     <p:spTree>
@@ -10452,7 +10699,7 @@
 </p:sld>
 </file>
 
-<file path=ppt/slides/slide16.xml><?xml version="1.0" encoding="utf-8"?>
+<file path=ppt/slides/slide18.xml><?xml version="1.0" encoding="utf-8"?>
 <p:sld xmlns:a="http://schemas.openxmlformats.org/drawingml/2006/main" xmlns:r="http://schemas.openxmlformats.org/officeDocument/2006/relationships" xmlns:p="http://schemas.openxmlformats.org/presentationml/2006/main">
   <p:cSld>
     <p:spTree>
@@ -10543,7 +10790,7 @@
 </p:sld>
 </file>
 
-<file path=ppt/slides/slide17.xml><?xml version="1.0" encoding="utf-8"?>
+<file path=ppt/slides/slide19.xml><?xml version="1.0" encoding="utf-8"?>
 <p:sld xmlns:a="http://schemas.openxmlformats.org/drawingml/2006/main" xmlns:r="http://schemas.openxmlformats.org/officeDocument/2006/relationships" xmlns:p="http://schemas.openxmlformats.org/presentationml/2006/main">
   <p:cSld>
     <p:spTree>
@@ -10794,7 +11041,273 @@
 </p:sld>
 </file>
 
-<file path=ppt/slides/slide18.xml><?xml version="1.0" encoding="utf-8"?>
+<file path=ppt/slides/slide2.xml><?xml version="1.0" encoding="utf-8"?>
+<p:sld xmlns:a="http://schemas.openxmlformats.org/drawingml/2006/main" xmlns:r="http://schemas.openxmlformats.org/officeDocument/2006/relationships" xmlns:p="http://schemas.openxmlformats.org/presentationml/2006/main">
+  <p:cSld>
+    <p:spTree>
+      <p:nvGrpSpPr>
+        <p:cNvPr id="1" name=""/>
+        <p:cNvGrpSpPr/>
+        <p:nvPr/>
+      </p:nvGrpSpPr>
+      <p:grpSpPr>
+        <a:xfrm>
+          <a:off x="0" y="0"/>
+          <a:ext cx="0" cy="0"/>
+          <a:chOff x="0" y="0"/>
+          <a:chExt cx="0" cy="0"/>
+        </a:xfrm>
+      </p:grpSpPr>
+      <p:sp>
+        <p:nvSpPr>
+          <p:cNvPr id="2" name="Title 1">
+            <a:extLst>
+              <a:ext uri="{FF2B5EF4-FFF2-40B4-BE49-F238E27FC236}">
+                <a16:creationId xmlns:a16="http://schemas.microsoft.com/office/drawing/2014/main" id="{AB99A84B-65BD-439A-B94D-62C83D498020}"/>
+              </a:ext>
+            </a:extLst>
+          </p:cNvPr>
+          <p:cNvSpPr>
+            <a:spLocks noGrp="1"/>
+          </p:cNvSpPr>
+          <p:nvPr>
+            <p:ph type="title"/>
+          </p:nvPr>
+        </p:nvSpPr>
+        <p:spPr>
+          <a:xfrm>
+            <a:off x="838199" y="291090"/>
+            <a:ext cx="10515599" cy="932688"/>
+          </a:xfrm>
+        </p:spPr>
+        <p:txBody>
+          <a:bodyPr vert="horz" lIns="91440" tIns="45720" rIns="91440" bIns="45720" rtlCol="0" anchor="b">
+            <a:normAutofit/>
+          </a:bodyPr>
+          <a:lstStyle/>
+          <a:p>
+            <a:r>
+              <a:rPr lang="en-US" sz="5400" kern="1200">
+                <a:solidFill>
+                  <a:schemeClr val="tx1"/>
+                </a:solidFill>
+                <a:latin typeface="+mj-lt"/>
+                <a:ea typeface="+mj-ea"/>
+                <a:cs typeface="+mj-cs"/>
+              </a:rPr>
+              <a:t>Layers of a computer system</a:t>
+            </a:r>
+          </a:p>
+        </p:txBody>
+      </p:sp>
+      <p:pic>
+        <p:nvPicPr>
+          <p:cNvPr id="1026" name="Picture 2" descr="Technology layers from hardware to users.">
+            <a:extLst>
+              <a:ext uri="{FF2B5EF4-FFF2-40B4-BE49-F238E27FC236}">
+                <a16:creationId xmlns:a16="http://schemas.microsoft.com/office/drawing/2014/main" id="{383A4A36-A8F1-4488-B678-B0A846360527}"/>
+              </a:ext>
+            </a:extLst>
+          </p:cNvPr>
+          <p:cNvPicPr>
+            <a:picLocks noChangeAspect="1" noChangeArrowheads="1"/>
+          </p:cNvPicPr>
+          <p:nvPr/>
+        </p:nvPicPr>
+        <p:blipFill>
+          <a:blip r:embed="rId2">
+            <a:extLst>
+              <a:ext uri="{28A0092B-C50C-407E-A947-70E740481C1C}">
+                <a14:useLocalDpi xmlns:a14="http://schemas.microsoft.com/office/drawing/2010/main" val="0"/>
+              </a:ext>
+            </a:extLst>
+          </a:blip>
+          <a:stretch>
+            <a:fillRect/>
+          </a:stretch>
+        </p:blipFill>
+        <p:spPr bwMode="auto">
+          <a:xfrm>
+            <a:off x="628533" y="1223778"/>
+            <a:ext cx="8105747" cy="5411755"/>
+          </a:xfrm>
+          <a:prstGeom prst="rect">
+            <a:avLst/>
+          </a:prstGeom>
+          <a:noFill/>
+          <a:extLst>
+            <a:ext uri="{909E8E84-426E-40DD-AFC4-6F175D3DCCD1}">
+              <a14:hiddenFill xmlns:a14="http://schemas.microsoft.com/office/drawing/2010/main">
+                <a:solidFill>
+                  <a:srgbClr val="FFFFFF"/>
+                </a:solidFill>
+              </a14:hiddenFill>
+            </a:ext>
+          </a:extLst>
+        </p:spPr>
+      </p:pic>
+      <p:sp>
+        <p:nvSpPr>
+          <p:cNvPr id="6" name="TextBox 5">
+            <a:extLst>
+              <a:ext uri="{FF2B5EF4-FFF2-40B4-BE49-F238E27FC236}">
+                <a16:creationId xmlns:a16="http://schemas.microsoft.com/office/drawing/2014/main" id="{DBB35AD8-5C2E-43B0-9DEE-1602D90C480F}"/>
+              </a:ext>
+            </a:extLst>
+          </p:cNvPr>
+          <p:cNvSpPr txBox="1"/>
+          <p:nvPr/>
+        </p:nvSpPr>
+        <p:spPr>
+          <a:xfrm>
+            <a:off x="7189393" y="6566910"/>
+            <a:ext cx="6176864" cy="261610"/>
+          </a:xfrm>
+          <a:prstGeom prst="rect">
+            <a:avLst/>
+          </a:prstGeom>
+          <a:noFill/>
+        </p:spPr>
+        <p:txBody>
+          <a:bodyPr wrap="square">
+            <a:spAutoFit/>
+          </a:bodyPr>
+          <a:lstStyle/>
+          <a:p>
+            <a:r>
+              <a:rPr lang="en-US" sz="1050" dirty="0"/>
+              <a:t>https://windsongtraining.ca/</a:t>
+            </a:r>
+            <a:r>
+              <a:rPr lang="en-US" sz="900" dirty="0"/>
+              <a:t>the-technology-layer-cake-users-apps-os-and-hardware</a:t>
+            </a:r>
+            <a:r>
+              <a:rPr lang="en-US" sz="1050" dirty="0"/>
+              <a:t>/</a:t>
+            </a:r>
+          </a:p>
+        </p:txBody>
+      </p:sp>
+      <p:sp>
+        <p:nvSpPr>
+          <p:cNvPr id="3" name="Right Brace 2">
+            <a:extLst>
+              <a:ext uri="{FF2B5EF4-FFF2-40B4-BE49-F238E27FC236}">
+                <a16:creationId xmlns:a16="http://schemas.microsoft.com/office/drawing/2014/main" id="{81FF3E71-63E4-4E3A-83FB-207CA7A70BB5}"/>
+              </a:ext>
+            </a:extLst>
+          </p:cNvPr>
+          <p:cNvSpPr/>
+          <p:nvPr/>
+        </p:nvSpPr>
+        <p:spPr>
+          <a:xfrm>
+            <a:off x="8943946" y="2245895"/>
+            <a:ext cx="946484" cy="4321015"/>
+          </a:xfrm>
+          <a:prstGeom prst="rightBrace">
+            <a:avLst/>
+          </a:prstGeom>
+        </p:spPr>
+        <p:style>
+          <a:lnRef idx="1">
+            <a:schemeClr val="accent1"/>
+          </a:lnRef>
+          <a:fillRef idx="0">
+            <a:schemeClr val="accent1"/>
+          </a:fillRef>
+          <a:effectRef idx="0">
+            <a:schemeClr val="accent1"/>
+          </a:effectRef>
+          <a:fontRef idx="minor">
+            <a:schemeClr val="tx1"/>
+          </a:fontRef>
+        </p:style>
+        <p:txBody>
+          <a:bodyPr rtlCol="0" anchor="ctr"/>
+          <a:lstStyle/>
+          <a:p>
+            <a:pPr algn="ctr"/>
+            <a:endParaRPr lang="en-US" dirty="0"/>
+          </a:p>
+        </p:txBody>
+      </p:sp>
+      <p:sp>
+        <p:nvSpPr>
+          <p:cNvPr id="4" name="TextBox 3">
+            <a:extLst>
+              <a:ext uri="{FF2B5EF4-FFF2-40B4-BE49-F238E27FC236}">
+                <a16:creationId xmlns:a16="http://schemas.microsoft.com/office/drawing/2014/main" id="{6DF168C5-CA4C-4395-8075-B4EE8934D9AD}"/>
+              </a:ext>
+            </a:extLst>
+          </p:cNvPr>
+          <p:cNvSpPr txBox="1"/>
+          <p:nvPr/>
+        </p:nvSpPr>
+        <p:spPr>
+          <a:xfrm>
+            <a:off x="10100096" y="2833571"/>
+            <a:ext cx="1878543" cy="2585323"/>
+          </a:xfrm>
+          <a:prstGeom prst="rect">
+            <a:avLst/>
+          </a:prstGeom>
+          <a:noFill/>
+        </p:spPr>
+        <p:txBody>
+          <a:bodyPr wrap="square" rtlCol="0">
+            <a:spAutoFit/>
+          </a:bodyPr>
+          <a:lstStyle/>
+          <a:p>
+            <a:pPr marL="285750" indent="-285750">
+              <a:buFont typeface="Arial" panose="020B0604020202020204" pitchFamily="34" charset="0"/>
+              <a:buChar char="•"/>
+            </a:pPr>
+            <a:r>
+              <a:rPr lang="en-US" dirty="0">
+                <a:solidFill>
+                  <a:srgbClr val="FF0000"/>
+                </a:solidFill>
+              </a:rPr>
+              <a:t>Evidence</a:t>
+            </a:r>
+            <a:r>
+              <a:rPr lang="en-US" dirty="0"/>
+              <a:t> is generated from each layer</a:t>
+            </a:r>
+          </a:p>
+          <a:p>
+            <a:pPr marL="285750" indent="-285750">
+              <a:buFont typeface="Arial" panose="020B0604020202020204" pitchFamily="34" charset="0"/>
+              <a:buChar char="•"/>
+            </a:pPr>
+            <a:r>
+              <a:rPr lang="en-US" dirty="0">
+                <a:solidFill>
+                  <a:srgbClr val="7030A0"/>
+                </a:solidFill>
+              </a:rPr>
+              <a:t>User activities= Applications+ OS+ Disk/Memory</a:t>
+            </a:r>
+          </a:p>
+        </p:txBody>
+      </p:sp>
+    </p:spTree>
+    <p:extLst>
+      <p:ext uri="{BB962C8B-B14F-4D97-AF65-F5344CB8AC3E}">
+        <p14:creationId xmlns:p14="http://schemas.microsoft.com/office/powerpoint/2010/main" val="4010385979"/>
+      </p:ext>
+    </p:extLst>
+  </p:cSld>
+  <p:clrMapOvr>
+    <a:masterClrMapping/>
+  </p:clrMapOvr>
+</p:sld>
+</file>
+
+<file path=ppt/slides/slide20.xml><?xml version="1.0" encoding="utf-8"?>
 <p:sld xmlns:a="http://schemas.openxmlformats.org/drawingml/2006/main" xmlns:r="http://schemas.openxmlformats.org/officeDocument/2006/relationships" xmlns:p="http://schemas.openxmlformats.org/presentationml/2006/main">
   <p:cSld>
     <p:spTree>
@@ -10848,7 +11361,7 @@
 </p:sld>
 </file>
 
-<file path=ppt/slides/slide19.xml><?xml version="1.0" encoding="utf-8"?>
+<file path=ppt/slides/slide21.xml><?xml version="1.0" encoding="utf-8"?>
 <p:sld xmlns:a="http://schemas.openxmlformats.org/drawingml/2006/main" xmlns:r="http://schemas.openxmlformats.org/officeDocument/2006/relationships" xmlns:p="http://schemas.openxmlformats.org/presentationml/2006/main">
   <p:cSld>
     <p:spTree>
@@ -11077,346 +11590,7 @@
 </p:sld>
 </file>
 
-<file path=ppt/slides/slide2.xml><?xml version="1.0" encoding="utf-8"?>
-<p:sld xmlns:a="http://schemas.openxmlformats.org/drawingml/2006/main" xmlns:r="http://schemas.openxmlformats.org/officeDocument/2006/relationships" xmlns:p="http://schemas.openxmlformats.org/presentationml/2006/main">
-  <p:cSld>
-    <p:spTree>
-      <p:nvGrpSpPr>
-        <p:cNvPr id="1" name=""/>
-        <p:cNvGrpSpPr/>
-        <p:nvPr/>
-      </p:nvGrpSpPr>
-      <p:grpSpPr>
-        <a:xfrm>
-          <a:off x="0" y="0"/>
-          <a:ext cx="0" cy="0"/>
-          <a:chOff x="0" y="0"/>
-          <a:chExt cx="0" cy="0"/>
-        </a:xfrm>
-      </p:grpSpPr>
-      <p:sp>
-        <p:nvSpPr>
-          <p:cNvPr id="2" name="Title 1"/>
-          <p:cNvSpPr>
-            <a:spLocks noGrp="1"/>
-          </p:cNvSpPr>
-          <p:nvPr>
-            <p:ph type="title"/>
-          </p:nvPr>
-        </p:nvSpPr>
-        <p:spPr/>
-        <p:txBody>
-          <a:bodyPr>
-            <a:normAutofit/>
-          </a:bodyPr>
-          <a:lstStyle/>
-          <a:p>
-            <a:r>
-              <a:rPr lang="en-US" sz="2400" dirty="0">
-                <a:solidFill>
-                  <a:srgbClr val="FF0000"/>
-                </a:solidFill>
-              </a:rPr>
-              <a:t>12.</a:t>
-            </a:r>
-            <a:r>
-              <a:rPr lang="en-US" sz="2400" dirty="0"/>
-              <a:t>	List all traces about the system on/off and the user logon/logoff (It should be considered only during a time range between 09:00 and 18:00 in the </a:t>
-            </a:r>
-            <a:r>
-              <a:rPr lang="en-US" sz="2400" dirty="0" err="1"/>
-              <a:t>timezone</a:t>
-            </a:r>
-            <a:r>
-              <a:rPr lang="en-US" sz="2400" dirty="0"/>
-              <a:t> (Eastern Time) from Question 4.</a:t>
-            </a:r>
-          </a:p>
-        </p:txBody>
-      </p:sp>
-      <p:sp>
-        <p:nvSpPr>
-          <p:cNvPr id="3" name="Content Placeholder 2"/>
-          <p:cNvSpPr>
-            <a:spLocks noGrp="1"/>
-          </p:cNvSpPr>
-          <p:nvPr>
-            <p:ph idx="1"/>
-          </p:nvPr>
-        </p:nvSpPr>
-        <p:spPr>
-          <a:xfrm>
-            <a:off x="838200" y="1825625"/>
-            <a:ext cx="8724089" cy="1816344"/>
-          </a:xfrm>
-        </p:spPr>
-        <p:txBody>
-          <a:bodyPr>
-            <a:normAutofit fontScale="92500" lnSpcReduction="20000"/>
-          </a:bodyPr>
-          <a:lstStyle/>
-          <a:p>
-            <a:r>
-              <a:rPr lang="en-GB" dirty="0"/>
-              <a:t>The Windows event log is a detailed record of system, security and application notifications stored by the Windows</a:t>
-            </a:r>
-          </a:p>
-          <a:p>
-            <a:r>
-              <a:rPr lang="en-GB" dirty="0"/>
-              <a:t>It’s a useful tool for </a:t>
-            </a:r>
-          </a:p>
-          <a:p>
-            <a:pPr lvl="1"/>
-            <a:r>
-              <a:rPr lang="en-GB" dirty="0"/>
-              <a:t>troubleshooting all kinds of different Windows problems</a:t>
-            </a:r>
-          </a:p>
-          <a:p>
-            <a:pPr lvl="1"/>
-            <a:r>
-              <a:rPr lang="en-GB" dirty="0"/>
-              <a:t>forensics analysis </a:t>
-            </a:r>
-          </a:p>
-          <a:p>
-            <a:endParaRPr lang="en-US" dirty="0"/>
-          </a:p>
-        </p:txBody>
-      </p:sp>
-      <p:pic>
-        <p:nvPicPr>
-          <p:cNvPr id="7" name="Picture 6">
-            <a:extLst>
-              <a:ext uri="{FF2B5EF4-FFF2-40B4-BE49-F238E27FC236}">
-                <a16:creationId xmlns:a16="http://schemas.microsoft.com/office/drawing/2014/main" id="{FDDF9C26-00DF-42A2-8222-45044AEC9D64}"/>
-              </a:ext>
-            </a:extLst>
-          </p:cNvPr>
-          <p:cNvPicPr>
-            <a:picLocks noChangeAspect="1"/>
-          </p:cNvPicPr>
-          <p:nvPr/>
-        </p:nvPicPr>
-        <p:blipFill>
-          <a:blip r:embed="rId3"/>
-          <a:stretch>
-            <a:fillRect/>
-          </a:stretch>
-        </p:blipFill>
-        <p:spPr>
-          <a:xfrm>
-            <a:off x="1085278" y="3695923"/>
-            <a:ext cx="1344724" cy="2699097"/>
-          </a:xfrm>
-          <a:prstGeom prst="rect">
-            <a:avLst/>
-          </a:prstGeom>
-          <a:ln>
-            <a:noFill/>
-          </a:ln>
-          <a:effectLst>
-            <a:outerShdw blurRad="292100" dist="139700" dir="2700000" algn="tl" rotWithShape="0">
-              <a:srgbClr val="333333">
-                <a:alpha val="65000"/>
-              </a:srgbClr>
-            </a:outerShdw>
-          </a:effectLst>
-        </p:spPr>
-      </p:pic>
-      <p:sp>
-        <p:nvSpPr>
-          <p:cNvPr id="10" name="Arrow: Right 9">
-            <a:extLst>
-              <a:ext uri="{FF2B5EF4-FFF2-40B4-BE49-F238E27FC236}">
-                <a16:creationId xmlns:a16="http://schemas.microsoft.com/office/drawing/2014/main" id="{4A6A8911-5559-4027-A3A7-B0DAEF9E57CF}"/>
-              </a:ext>
-            </a:extLst>
-          </p:cNvPr>
-          <p:cNvSpPr/>
-          <p:nvPr/>
-        </p:nvSpPr>
-        <p:spPr>
-          <a:xfrm>
-            <a:off x="2513541" y="5021486"/>
-            <a:ext cx="203200" cy="99585"/>
-          </a:xfrm>
-          <a:prstGeom prst="rightArrow">
-            <a:avLst/>
-          </a:prstGeom>
-        </p:spPr>
-        <p:style>
-          <a:lnRef idx="2">
-            <a:schemeClr val="accent1">
-              <a:shade val="50000"/>
-            </a:schemeClr>
-          </a:lnRef>
-          <a:fillRef idx="1">
-            <a:schemeClr val="accent1"/>
-          </a:fillRef>
-          <a:effectRef idx="0">
-            <a:schemeClr val="accent1"/>
-          </a:effectRef>
-          <a:fontRef idx="minor">
-            <a:schemeClr val="lt1"/>
-          </a:fontRef>
-        </p:style>
-        <p:txBody>
-          <a:bodyPr rtlCol="0" anchor="ctr"/>
-          <a:lstStyle/>
-          <a:p>
-            <a:pPr algn="ctr"/>
-            <a:endParaRPr lang="en-US"/>
-          </a:p>
-        </p:txBody>
-      </p:sp>
-      <p:pic>
-        <p:nvPicPr>
-          <p:cNvPr id="13" name="Picture 12">
-            <a:extLst>
-              <a:ext uri="{FF2B5EF4-FFF2-40B4-BE49-F238E27FC236}">
-                <a16:creationId xmlns:a16="http://schemas.microsoft.com/office/drawing/2014/main" id="{9F0089FD-1362-4537-8760-C8FFA9EAD72E}"/>
-              </a:ext>
-            </a:extLst>
-          </p:cNvPr>
-          <p:cNvPicPr>
-            <a:picLocks noChangeAspect="1"/>
-          </p:cNvPicPr>
-          <p:nvPr/>
-        </p:nvPicPr>
-        <p:blipFill>
-          <a:blip r:embed="rId4"/>
-          <a:stretch>
-            <a:fillRect/>
-          </a:stretch>
-        </p:blipFill>
-        <p:spPr>
-          <a:xfrm>
-            <a:off x="3069123" y="3671517"/>
-            <a:ext cx="6241321" cy="2682472"/>
-          </a:xfrm>
-          <a:prstGeom prst="rect">
-            <a:avLst/>
-          </a:prstGeom>
-          <a:ln>
-            <a:noFill/>
-          </a:ln>
-          <a:effectLst>
-            <a:outerShdw blurRad="292100" dist="139700" dir="2700000" algn="tl" rotWithShape="0">
-              <a:srgbClr val="333333">
-                <a:alpha val="65000"/>
-              </a:srgbClr>
-            </a:outerShdw>
-          </a:effectLst>
-        </p:spPr>
-      </p:pic>
-      <p:sp>
-        <p:nvSpPr>
-          <p:cNvPr id="4" name="Rectangle 3">
-            <a:extLst>
-              <a:ext uri="{FF2B5EF4-FFF2-40B4-BE49-F238E27FC236}">
-                <a16:creationId xmlns:a16="http://schemas.microsoft.com/office/drawing/2014/main" id="{614E5EA4-4A33-078B-5461-C9CA2D086C02}"/>
-              </a:ext>
-            </a:extLst>
-          </p:cNvPr>
-          <p:cNvSpPr/>
-          <p:nvPr/>
-        </p:nvSpPr>
-        <p:spPr>
-          <a:xfrm>
-            <a:off x="3392129" y="5493774"/>
-            <a:ext cx="833284" cy="228600"/>
-          </a:xfrm>
-          <a:prstGeom prst="rect">
-            <a:avLst/>
-          </a:prstGeom>
-          <a:noFill/>
-          <a:ln>
-            <a:solidFill>
-              <a:srgbClr val="FF0000"/>
-            </a:solidFill>
-          </a:ln>
-        </p:spPr>
-        <p:style>
-          <a:lnRef idx="2">
-            <a:schemeClr val="accent1">
-              <a:shade val="50000"/>
-            </a:schemeClr>
-          </a:lnRef>
-          <a:fillRef idx="1">
-            <a:schemeClr val="accent1"/>
-          </a:fillRef>
-          <a:effectRef idx="0">
-            <a:schemeClr val="accent1"/>
-          </a:effectRef>
-          <a:fontRef idx="minor">
-            <a:schemeClr val="lt1"/>
-          </a:fontRef>
-        </p:style>
-        <p:txBody>
-          <a:bodyPr rtlCol="0" anchor="ctr"/>
-          <a:lstStyle/>
-          <a:p>
-            <a:pPr algn="ctr"/>
-            <a:endParaRPr lang="en-US" dirty="0"/>
-          </a:p>
-        </p:txBody>
-      </p:sp>
-      <p:cxnSp>
-        <p:nvCxnSpPr>
-          <p:cNvPr id="6" name="Straight Arrow Connector 5">
-            <a:extLst>
-              <a:ext uri="{FF2B5EF4-FFF2-40B4-BE49-F238E27FC236}">
-                <a16:creationId xmlns:a16="http://schemas.microsoft.com/office/drawing/2014/main" id="{95ABFCD3-EA60-73B9-3B8D-D86A7834146B}"/>
-              </a:ext>
-            </a:extLst>
-          </p:cNvPr>
-          <p:cNvCxnSpPr/>
-          <p:nvPr/>
-        </p:nvCxnSpPr>
-        <p:spPr>
-          <a:xfrm flipV="1">
-            <a:off x="4225413" y="4306529"/>
-            <a:ext cx="1135626" cy="1305232"/>
-          </a:xfrm>
-          <a:prstGeom prst="straightConnector1">
-            <a:avLst/>
-          </a:prstGeom>
-          <a:ln>
-            <a:tailEnd type="triangle"/>
-          </a:ln>
-        </p:spPr>
-        <p:style>
-          <a:lnRef idx="1">
-            <a:schemeClr val="accent2"/>
-          </a:lnRef>
-          <a:fillRef idx="0">
-            <a:schemeClr val="accent2"/>
-          </a:fillRef>
-          <a:effectRef idx="0">
-            <a:schemeClr val="accent2"/>
-          </a:effectRef>
-          <a:fontRef idx="minor">
-            <a:schemeClr val="tx1"/>
-          </a:fontRef>
-        </p:style>
-      </p:cxnSp>
-    </p:spTree>
-    <p:extLst>
-      <p:ext uri="{BB962C8B-B14F-4D97-AF65-F5344CB8AC3E}">
-        <p14:creationId xmlns:p14="http://schemas.microsoft.com/office/powerpoint/2010/main" val="1256683201"/>
-      </p:ext>
-    </p:extLst>
-  </p:cSld>
-  <p:clrMapOvr>
-    <a:masterClrMapping/>
-  </p:clrMapOvr>
-</p:sld>
-</file>
-
-<file path=ppt/slides/slide20.xml><?xml version="1.0" encoding="utf-8"?>
+<file path=ppt/slides/slide22.xml><?xml version="1.0" encoding="utf-8"?>
 <p:sld xmlns:a="http://schemas.openxmlformats.org/drawingml/2006/main" xmlns:r="http://schemas.openxmlformats.org/officeDocument/2006/relationships" xmlns:p="http://schemas.openxmlformats.org/presentationml/2006/main">
   <p:cSld>
     <p:spTree>
@@ -11684,7 +11858,7 @@
 </p:sld>
 </file>
 
-<file path=ppt/slides/slide21.xml><?xml version="1.0" encoding="utf-8"?>
+<file path=ppt/slides/slide23.xml><?xml version="1.0" encoding="utf-8"?>
 <p:sld xmlns:a="http://schemas.openxmlformats.org/drawingml/2006/main" xmlns:r="http://schemas.openxmlformats.org/officeDocument/2006/relationships" xmlns:p="http://schemas.openxmlformats.org/presentationml/2006/main">
   <p:cSld>
     <p:spTree>
@@ -11768,7 +11942,7 @@
 </p:sld>
 </file>
 
-<file path=ppt/slides/slide22.xml><?xml version="1.0" encoding="utf-8"?>
+<file path=ppt/slides/slide24.xml><?xml version="1.0" encoding="utf-8"?>
 <p:sld xmlns:a="http://schemas.openxmlformats.org/drawingml/2006/main" xmlns:r="http://schemas.openxmlformats.org/officeDocument/2006/relationships" xmlns:p="http://schemas.openxmlformats.org/presentationml/2006/main">
   <p:cSld>
     <p:spTree>
@@ -11822,7 +11996,7 @@
 </p:sld>
 </file>
 
-<file path=ppt/slides/slide23.xml><?xml version="1.0" encoding="utf-8"?>
+<file path=ppt/slides/slide25.xml><?xml version="1.0" encoding="utf-8"?>
 <p:sld xmlns:a="http://schemas.openxmlformats.org/drawingml/2006/main" xmlns:r="http://schemas.openxmlformats.org/officeDocument/2006/relationships" xmlns:p="http://schemas.openxmlformats.org/presentationml/2006/main">
   <p:cSld>
     <p:spTree>
@@ -11876,7 +12050,7 @@
 </p:sld>
 </file>
 
-<file path=ppt/slides/slide24.xml><?xml version="1.0" encoding="utf-8"?>
+<file path=ppt/slides/slide26.xml><?xml version="1.0" encoding="utf-8"?>
 <p:sld xmlns:a="http://schemas.openxmlformats.org/drawingml/2006/main" xmlns:r="http://schemas.openxmlformats.org/officeDocument/2006/relationships" xmlns:p="http://schemas.openxmlformats.org/presentationml/2006/main">
   <p:cSld>
     <p:spTree>
@@ -11968,7 +12142,7 @@
 </p:sld>
 </file>
 
-<file path=ppt/slides/slide25.xml><?xml version="1.0" encoding="utf-8"?>
+<file path=ppt/slides/slide27.xml><?xml version="1.0" encoding="utf-8"?>
 <p:sld xmlns:a="http://schemas.openxmlformats.org/drawingml/2006/main" xmlns:r="http://schemas.openxmlformats.org/officeDocument/2006/relationships" xmlns:p="http://schemas.openxmlformats.org/presentationml/2006/main">
   <p:cSld>
     <p:spTree>
@@ -12021,7 +12195,7 @@
 </p:sld>
 </file>
 
-<file path=ppt/slides/slide26.xml><?xml version="1.0" encoding="utf-8"?>
+<file path=ppt/slides/slide28.xml><?xml version="1.0" encoding="utf-8"?>
 <p:sld xmlns:a="http://schemas.openxmlformats.org/drawingml/2006/main" xmlns:r="http://schemas.openxmlformats.org/officeDocument/2006/relationships" xmlns:p="http://schemas.openxmlformats.org/presentationml/2006/main">
   <p:cSld>
     <p:spTree>
@@ -12107,7 +12281,7 @@
 </p:sld>
 </file>
 
-<file path=ppt/slides/slide27.xml><?xml version="1.0" encoding="utf-8"?>
+<file path=ppt/slides/slide29.xml><?xml version="1.0" encoding="utf-8"?>
 <p:sld xmlns:a="http://schemas.openxmlformats.org/drawingml/2006/main" xmlns:r="http://schemas.openxmlformats.org/officeDocument/2006/relationships" xmlns:p="http://schemas.openxmlformats.org/presentationml/2006/main">
   <p:cSld>
     <p:spTree>
@@ -12300,7 +12474,346 @@
 </p:sld>
 </file>
 
-<file path=ppt/slides/slide28.xml><?xml version="1.0" encoding="utf-8"?>
+<file path=ppt/slides/slide3.xml><?xml version="1.0" encoding="utf-8"?>
+<p:sld xmlns:a="http://schemas.openxmlformats.org/drawingml/2006/main" xmlns:r="http://schemas.openxmlformats.org/officeDocument/2006/relationships" xmlns:p="http://schemas.openxmlformats.org/presentationml/2006/main">
+  <p:cSld>
+    <p:spTree>
+      <p:nvGrpSpPr>
+        <p:cNvPr id="1" name=""/>
+        <p:cNvGrpSpPr/>
+        <p:nvPr/>
+      </p:nvGrpSpPr>
+      <p:grpSpPr>
+        <a:xfrm>
+          <a:off x="0" y="0"/>
+          <a:ext cx="0" cy="0"/>
+          <a:chOff x="0" y="0"/>
+          <a:chExt cx="0" cy="0"/>
+        </a:xfrm>
+      </p:grpSpPr>
+      <p:sp>
+        <p:nvSpPr>
+          <p:cNvPr id="2" name="Title 1"/>
+          <p:cNvSpPr>
+            <a:spLocks noGrp="1"/>
+          </p:cNvSpPr>
+          <p:nvPr>
+            <p:ph type="title"/>
+          </p:nvPr>
+        </p:nvSpPr>
+        <p:spPr/>
+        <p:txBody>
+          <a:bodyPr>
+            <a:normAutofit/>
+          </a:bodyPr>
+          <a:lstStyle/>
+          <a:p>
+            <a:r>
+              <a:rPr lang="en-US" sz="2400" dirty="0">
+                <a:solidFill>
+                  <a:srgbClr val="FF0000"/>
+                </a:solidFill>
+              </a:rPr>
+              <a:t>12.</a:t>
+            </a:r>
+            <a:r>
+              <a:rPr lang="en-US" sz="2400" dirty="0"/>
+              <a:t>	List all traces about the system on/off and the user logon/logoff (It should be considered only during a time range between 09:00 and 18:00 in the </a:t>
+            </a:r>
+            <a:r>
+              <a:rPr lang="en-US" sz="2400" dirty="0" err="1"/>
+              <a:t>timezone</a:t>
+            </a:r>
+            <a:r>
+              <a:rPr lang="en-US" sz="2400" dirty="0"/>
+              <a:t> (Eastern Time) from Question 4.</a:t>
+            </a:r>
+          </a:p>
+        </p:txBody>
+      </p:sp>
+      <p:sp>
+        <p:nvSpPr>
+          <p:cNvPr id="3" name="Content Placeholder 2"/>
+          <p:cNvSpPr>
+            <a:spLocks noGrp="1"/>
+          </p:cNvSpPr>
+          <p:nvPr>
+            <p:ph idx="1"/>
+          </p:nvPr>
+        </p:nvSpPr>
+        <p:spPr>
+          <a:xfrm>
+            <a:off x="838200" y="1825625"/>
+            <a:ext cx="8724089" cy="1816344"/>
+          </a:xfrm>
+        </p:spPr>
+        <p:txBody>
+          <a:bodyPr>
+            <a:normAutofit fontScale="92500" lnSpcReduction="20000"/>
+          </a:bodyPr>
+          <a:lstStyle/>
+          <a:p>
+            <a:r>
+              <a:rPr lang="en-GB" dirty="0"/>
+              <a:t>The Windows event log is a detailed record of system, security and application notifications stored by the Windows</a:t>
+            </a:r>
+          </a:p>
+          <a:p>
+            <a:r>
+              <a:rPr lang="en-GB" dirty="0"/>
+              <a:t>It’s a useful tool for </a:t>
+            </a:r>
+          </a:p>
+          <a:p>
+            <a:pPr lvl="1"/>
+            <a:r>
+              <a:rPr lang="en-GB" dirty="0"/>
+              <a:t>troubleshooting all kinds of different Windows problems</a:t>
+            </a:r>
+          </a:p>
+          <a:p>
+            <a:pPr lvl="1"/>
+            <a:r>
+              <a:rPr lang="en-GB" dirty="0"/>
+              <a:t>forensics analysis </a:t>
+            </a:r>
+          </a:p>
+          <a:p>
+            <a:endParaRPr lang="en-US" dirty="0"/>
+          </a:p>
+        </p:txBody>
+      </p:sp>
+      <p:pic>
+        <p:nvPicPr>
+          <p:cNvPr id="7" name="Picture 6">
+            <a:extLst>
+              <a:ext uri="{FF2B5EF4-FFF2-40B4-BE49-F238E27FC236}">
+                <a16:creationId xmlns:a16="http://schemas.microsoft.com/office/drawing/2014/main" id="{FDDF9C26-00DF-42A2-8222-45044AEC9D64}"/>
+              </a:ext>
+            </a:extLst>
+          </p:cNvPr>
+          <p:cNvPicPr>
+            <a:picLocks noChangeAspect="1"/>
+          </p:cNvPicPr>
+          <p:nvPr/>
+        </p:nvPicPr>
+        <p:blipFill>
+          <a:blip r:embed="rId3"/>
+          <a:stretch>
+            <a:fillRect/>
+          </a:stretch>
+        </p:blipFill>
+        <p:spPr>
+          <a:xfrm>
+            <a:off x="1085278" y="3695923"/>
+            <a:ext cx="1344724" cy="2699097"/>
+          </a:xfrm>
+          <a:prstGeom prst="rect">
+            <a:avLst/>
+          </a:prstGeom>
+          <a:ln>
+            <a:noFill/>
+          </a:ln>
+          <a:effectLst>
+            <a:outerShdw blurRad="292100" dist="139700" dir="2700000" algn="tl" rotWithShape="0">
+              <a:srgbClr val="333333">
+                <a:alpha val="65000"/>
+              </a:srgbClr>
+            </a:outerShdw>
+          </a:effectLst>
+        </p:spPr>
+      </p:pic>
+      <p:sp>
+        <p:nvSpPr>
+          <p:cNvPr id="10" name="Arrow: Right 9">
+            <a:extLst>
+              <a:ext uri="{FF2B5EF4-FFF2-40B4-BE49-F238E27FC236}">
+                <a16:creationId xmlns:a16="http://schemas.microsoft.com/office/drawing/2014/main" id="{4A6A8911-5559-4027-A3A7-B0DAEF9E57CF}"/>
+              </a:ext>
+            </a:extLst>
+          </p:cNvPr>
+          <p:cNvSpPr/>
+          <p:nvPr/>
+        </p:nvSpPr>
+        <p:spPr>
+          <a:xfrm>
+            <a:off x="2513541" y="5021486"/>
+            <a:ext cx="203200" cy="99585"/>
+          </a:xfrm>
+          <a:prstGeom prst="rightArrow">
+            <a:avLst/>
+          </a:prstGeom>
+        </p:spPr>
+        <p:style>
+          <a:lnRef idx="2">
+            <a:schemeClr val="accent1">
+              <a:shade val="50000"/>
+            </a:schemeClr>
+          </a:lnRef>
+          <a:fillRef idx="1">
+            <a:schemeClr val="accent1"/>
+          </a:fillRef>
+          <a:effectRef idx="0">
+            <a:schemeClr val="accent1"/>
+          </a:effectRef>
+          <a:fontRef idx="minor">
+            <a:schemeClr val="lt1"/>
+          </a:fontRef>
+        </p:style>
+        <p:txBody>
+          <a:bodyPr rtlCol="0" anchor="ctr"/>
+          <a:lstStyle/>
+          <a:p>
+            <a:pPr algn="ctr"/>
+            <a:endParaRPr lang="en-US"/>
+          </a:p>
+        </p:txBody>
+      </p:sp>
+      <p:pic>
+        <p:nvPicPr>
+          <p:cNvPr id="13" name="Picture 12">
+            <a:extLst>
+              <a:ext uri="{FF2B5EF4-FFF2-40B4-BE49-F238E27FC236}">
+                <a16:creationId xmlns:a16="http://schemas.microsoft.com/office/drawing/2014/main" id="{9F0089FD-1362-4537-8760-C8FFA9EAD72E}"/>
+              </a:ext>
+            </a:extLst>
+          </p:cNvPr>
+          <p:cNvPicPr>
+            <a:picLocks noChangeAspect="1"/>
+          </p:cNvPicPr>
+          <p:nvPr/>
+        </p:nvPicPr>
+        <p:blipFill>
+          <a:blip r:embed="rId4"/>
+          <a:stretch>
+            <a:fillRect/>
+          </a:stretch>
+        </p:blipFill>
+        <p:spPr>
+          <a:xfrm>
+            <a:off x="3069123" y="3671517"/>
+            <a:ext cx="6241321" cy="2682472"/>
+          </a:xfrm>
+          <a:prstGeom prst="rect">
+            <a:avLst/>
+          </a:prstGeom>
+          <a:ln>
+            <a:noFill/>
+          </a:ln>
+          <a:effectLst>
+            <a:outerShdw blurRad="292100" dist="139700" dir="2700000" algn="tl" rotWithShape="0">
+              <a:srgbClr val="333333">
+                <a:alpha val="65000"/>
+              </a:srgbClr>
+            </a:outerShdw>
+          </a:effectLst>
+        </p:spPr>
+      </p:pic>
+      <p:sp>
+        <p:nvSpPr>
+          <p:cNvPr id="4" name="Rectangle 3">
+            <a:extLst>
+              <a:ext uri="{FF2B5EF4-FFF2-40B4-BE49-F238E27FC236}">
+                <a16:creationId xmlns:a16="http://schemas.microsoft.com/office/drawing/2014/main" id="{614E5EA4-4A33-078B-5461-C9CA2D086C02}"/>
+              </a:ext>
+            </a:extLst>
+          </p:cNvPr>
+          <p:cNvSpPr/>
+          <p:nvPr/>
+        </p:nvSpPr>
+        <p:spPr>
+          <a:xfrm>
+            <a:off x="3392129" y="5493774"/>
+            <a:ext cx="833284" cy="228600"/>
+          </a:xfrm>
+          <a:prstGeom prst="rect">
+            <a:avLst/>
+          </a:prstGeom>
+          <a:noFill/>
+          <a:ln>
+            <a:solidFill>
+              <a:srgbClr val="FF0000"/>
+            </a:solidFill>
+          </a:ln>
+        </p:spPr>
+        <p:style>
+          <a:lnRef idx="2">
+            <a:schemeClr val="accent1">
+              <a:shade val="50000"/>
+            </a:schemeClr>
+          </a:lnRef>
+          <a:fillRef idx="1">
+            <a:schemeClr val="accent1"/>
+          </a:fillRef>
+          <a:effectRef idx="0">
+            <a:schemeClr val="accent1"/>
+          </a:effectRef>
+          <a:fontRef idx="minor">
+            <a:schemeClr val="lt1"/>
+          </a:fontRef>
+        </p:style>
+        <p:txBody>
+          <a:bodyPr rtlCol="0" anchor="ctr"/>
+          <a:lstStyle/>
+          <a:p>
+            <a:pPr algn="ctr"/>
+            <a:endParaRPr lang="en-US" dirty="0"/>
+          </a:p>
+        </p:txBody>
+      </p:sp>
+      <p:cxnSp>
+        <p:nvCxnSpPr>
+          <p:cNvPr id="6" name="Straight Arrow Connector 5">
+            <a:extLst>
+              <a:ext uri="{FF2B5EF4-FFF2-40B4-BE49-F238E27FC236}">
+                <a16:creationId xmlns:a16="http://schemas.microsoft.com/office/drawing/2014/main" id="{95ABFCD3-EA60-73B9-3B8D-D86A7834146B}"/>
+              </a:ext>
+            </a:extLst>
+          </p:cNvPr>
+          <p:cNvCxnSpPr/>
+          <p:nvPr/>
+        </p:nvCxnSpPr>
+        <p:spPr>
+          <a:xfrm flipV="1">
+            <a:off x="4225413" y="4306529"/>
+            <a:ext cx="1135626" cy="1305232"/>
+          </a:xfrm>
+          <a:prstGeom prst="straightConnector1">
+            <a:avLst/>
+          </a:prstGeom>
+          <a:ln>
+            <a:tailEnd type="triangle"/>
+          </a:ln>
+        </p:spPr>
+        <p:style>
+          <a:lnRef idx="1">
+            <a:schemeClr val="accent2"/>
+          </a:lnRef>
+          <a:fillRef idx="0">
+            <a:schemeClr val="accent2"/>
+          </a:fillRef>
+          <a:effectRef idx="0">
+            <a:schemeClr val="accent2"/>
+          </a:effectRef>
+          <a:fontRef idx="minor">
+            <a:schemeClr val="tx1"/>
+          </a:fontRef>
+        </p:style>
+      </p:cxnSp>
+    </p:spTree>
+    <p:extLst>
+      <p:ext uri="{BB962C8B-B14F-4D97-AF65-F5344CB8AC3E}">
+        <p14:creationId xmlns:p14="http://schemas.microsoft.com/office/powerpoint/2010/main" val="1256683201"/>
+      </p:ext>
+    </p:extLst>
+  </p:cSld>
+  <p:clrMapOvr>
+    <a:masterClrMapping/>
+  </p:clrMapOvr>
+</p:sld>
+</file>
+
+<file path=ppt/slides/slide30.xml><?xml version="1.0" encoding="utf-8"?>
 <p:sld xmlns:a="http://schemas.openxmlformats.org/drawingml/2006/main" xmlns:r="http://schemas.openxmlformats.org/officeDocument/2006/relationships" xmlns:p="http://schemas.openxmlformats.org/presentationml/2006/main">
   <p:cSld>
     <p:spTree>
@@ -12641,7 +13154,7 @@
 </p:sld>
 </file>
 
-<file path=ppt/slides/slide29.xml><?xml version="1.0" encoding="utf-8"?>
+<file path=ppt/slides/slide31.xml><?xml version="1.0" encoding="utf-8"?>
 <p:sld xmlns:a="http://schemas.openxmlformats.org/drawingml/2006/main" xmlns:r="http://schemas.openxmlformats.org/officeDocument/2006/relationships" xmlns:p="http://schemas.openxmlformats.org/presentationml/2006/main">
   <p:cSld>
     <p:spTree>
@@ -13195,7 +13708,1050 @@
 </p:sld>
 </file>
 
-<file path=ppt/slides/slide3.xml><?xml version="1.0" encoding="utf-8"?>
+<file path=ppt/slides/slide32.xml><?xml version="1.0" encoding="utf-8"?>
+<p:sld xmlns:a="http://schemas.openxmlformats.org/drawingml/2006/main" xmlns:r="http://schemas.openxmlformats.org/officeDocument/2006/relationships" xmlns:p="http://schemas.openxmlformats.org/presentationml/2006/main">
+  <p:cSld>
+    <p:spTree>
+      <p:nvGrpSpPr>
+        <p:cNvPr id="1" name=""/>
+        <p:cNvGrpSpPr/>
+        <p:nvPr/>
+      </p:nvGrpSpPr>
+      <p:grpSpPr>
+        <a:xfrm>
+          <a:off x="0" y="0"/>
+          <a:ext cx="0" cy="0"/>
+          <a:chOff x="0" y="0"/>
+          <a:chExt cx="0" cy="0"/>
+        </a:xfrm>
+      </p:grpSpPr>
+      <p:pic>
+        <p:nvPicPr>
+          <p:cNvPr id="2" name="Picture 1"/>
+          <p:cNvPicPr>
+            <a:picLocks noChangeAspect="1"/>
+          </p:cNvPicPr>
+          <p:nvPr/>
+        </p:nvPicPr>
+        <p:blipFill>
+          <a:blip r:embed="rId3"/>
+          <a:stretch>
+            <a:fillRect/>
+          </a:stretch>
+        </p:blipFill>
+        <p:spPr>
+          <a:xfrm>
+            <a:off x="369220" y="1730750"/>
+            <a:ext cx="11128197" cy="3450849"/>
+          </a:xfrm>
+          <a:prstGeom prst="rect">
+            <a:avLst/>
+          </a:prstGeom>
+        </p:spPr>
+      </p:pic>
+      <p:sp>
+        <p:nvSpPr>
+          <p:cNvPr id="3" name="TextBox 2"/>
+          <p:cNvSpPr txBox="1"/>
+          <p:nvPr/>
+        </p:nvSpPr>
+        <p:spPr>
+          <a:xfrm>
+            <a:off x="369220" y="1361418"/>
+            <a:ext cx="5432385" cy="369332"/>
+          </a:xfrm>
+          <a:prstGeom prst="rect">
+            <a:avLst/>
+          </a:prstGeom>
+          <a:solidFill>
+            <a:srgbClr val="FFC000"/>
+          </a:solidFill>
+        </p:spPr>
+        <p:txBody>
+          <a:bodyPr wrap="none" rtlCol="0">
+            <a:spAutoFit/>
+          </a:bodyPr>
+          <a:lstStyle/>
+          <a:p>
+            <a:r>
+              <a:rPr lang="en-US"/>
+              <a:t>Select </a:t>
+            </a:r>
+            <a:r>
+              <a:rPr lang="en-US" err="1"/>
+              <a:t>TimeCreated</a:t>
+            </a:r>
+            <a:r>
+              <a:rPr lang="en-US"/>
+              <a:t> of events and print the context node</a:t>
+            </a:r>
+          </a:p>
+        </p:txBody>
+      </p:sp>
+      <p:sp>
+        <p:nvSpPr>
+          <p:cNvPr id="4" name="Rectangle 3">
+            <a:extLst>
+              <a:ext uri="{FF2B5EF4-FFF2-40B4-BE49-F238E27FC236}">
+                <a16:creationId xmlns:a16="http://schemas.microsoft.com/office/drawing/2014/main" id="{C08ED75A-BB81-4FCE-B5C7-CB1A9C89830C}"/>
+              </a:ext>
+            </a:extLst>
+          </p:cNvPr>
+          <p:cNvSpPr/>
+          <p:nvPr/>
+        </p:nvSpPr>
+        <p:spPr>
+          <a:xfrm>
+            <a:off x="6395127" y="2557014"/>
+            <a:ext cx="1846916" cy="369332"/>
+          </a:xfrm>
+          <a:prstGeom prst="rect">
+            <a:avLst/>
+          </a:prstGeom>
+          <a:solidFill>
+            <a:schemeClr val="accent4">
+              <a:lumMod val="20000"/>
+              <a:lumOff val="80000"/>
+            </a:schemeClr>
+          </a:solidFill>
+        </p:spPr>
+        <p:txBody>
+          <a:bodyPr wrap="none">
+            <a:spAutoFit/>
+          </a:bodyPr>
+          <a:lstStyle/>
+          <a:p>
+            <a:r>
+              <a:rPr lang="en-US" b="1">
+                <a:solidFill>
+                  <a:srgbClr val="FF0000"/>
+                </a:solidFill>
+              </a:rPr>
+              <a:t>-n</a:t>
+            </a:r>
+            <a:r>
+              <a:rPr lang="en-US"/>
+              <a:t>:  print new line</a:t>
+            </a:r>
+          </a:p>
+        </p:txBody>
+      </p:sp>
+    </p:spTree>
+    <p:extLst>
+      <p:ext uri="{BB962C8B-B14F-4D97-AF65-F5344CB8AC3E}">
+        <p14:creationId xmlns:p14="http://schemas.microsoft.com/office/powerpoint/2010/main" val="3531219429"/>
+      </p:ext>
+    </p:extLst>
+  </p:cSld>
+  <p:clrMapOvr>
+    <a:masterClrMapping/>
+  </p:clrMapOvr>
+</p:sld>
+</file>
+
+<file path=ppt/slides/slide33.xml><?xml version="1.0" encoding="utf-8"?>
+<p:sld xmlns:a="http://schemas.openxmlformats.org/drawingml/2006/main" xmlns:r="http://schemas.openxmlformats.org/officeDocument/2006/relationships" xmlns:p="http://schemas.openxmlformats.org/presentationml/2006/main">
+  <p:cSld>
+    <p:spTree>
+      <p:nvGrpSpPr>
+        <p:cNvPr id="1" name=""/>
+        <p:cNvGrpSpPr/>
+        <p:nvPr/>
+      </p:nvGrpSpPr>
+      <p:grpSpPr>
+        <a:xfrm>
+          <a:off x="0" y="0"/>
+          <a:ext cx="0" cy="0"/>
+          <a:chOff x="0" y="0"/>
+          <a:chExt cx="0" cy="0"/>
+        </a:xfrm>
+      </p:grpSpPr>
+      <p:pic>
+        <p:nvPicPr>
+          <p:cNvPr id="2" name="Picture 1"/>
+          <p:cNvPicPr>
+            <a:picLocks noChangeAspect="1"/>
+          </p:cNvPicPr>
+          <p:nvPr/>
+        </p:nvPicPr>
+        <p:blipFill>
+          <a:blip r:embed="rId3"/>
+          <a:stretch>
+            <a:fillRect/>
+          </a:stretch>
+        </p:blipFill>
+        <p:spPr>
+          <a:xfrm>
+            <a:off x="483471" y="2123658"/>
+            <a:ext cx="11164554" cy="3952382"/>
+          </a:xfrm>
+          <a:prstGeom prst="rect">
+            <a:avLst/>
+          </a:prstGeom>
+        </p:spPr>
+      </p:pic>
+      <p:sp>
+        <p:nvSpPr>
+          <p:cNvPr id="3" name="Rectangle 2"/>
+          <p:cNvSpPr/>
+          <p:nvPr/>
+        </p:nvSpPr>
+        <p:spPr>
+          <a:xfrm>
+            <a:off x="7172727" y="2960214"/>
+            <a:ext cx="1846916" cy="369332"/>
+          </a:xfrm>
+          <a:prstGeom prst="rect">
+            <a:avLst/>
+          </a:prstGeom>
+          <a:solidFill>
+            <a:schemeClr val="accent4">
+              <a:lumMod val="20000"/>
+              <a:lumOff val="80000"/>
+            </a:schemeClr>
+          </a:solidFill>
+        </p:spPr>
+        <p:txBody>
+          <a:bodyPr wrap="none">
+            <a:spAutoFit/>
+          </a:bodyPr>
+          <a:lstStyle/>
+          <a:p>
+            <a:r>
+              <a:rPr lang="en-US" b="1">
+                <a:solidFill>
+                  <a:srgbClr val="FF0000"/>
+                </a:solidFill>
+              </a:rPr>
+              <a:t>-n</a:t>
+            </a:r>
+            <a:r>
+              <a:rPr lang="en-US"/>
+              <a:t>:  print new line</a:t>
+            </a:r>
+          </a:p>
+        </p:txBody>
+      </p:sp>
+      <p:sp>
+        <p:nvSpPr>
+          <p:cNvPr id="4" name="TextBox 3"/>
+          <p:cNvSpPr txBox="1"/>
+          <p:nvPr/>
+        </p:nvSpPr>
+        <p:spPr>
+          <a:xfrm>
+            <a:off x="483471" y="1754326"/>
+            <a:ext cx="5369547" cy="369332"/>
+          </a:xfrm>
+          <a:prstGeom prst="rect">
+            <a:avLst/>
+          </a:prstGeom>
+          <a:solidFill>
+            <a:srgbClr val="FFC000"/>
+          </a:solidFill>
+        </p:spPr>
+        <p:txBody>
+          <a:bodyPr wrap="none" rtlCol="0">
+            <a:spAutoFit/>
+          </a:bodyPr>
+          <a:lstStyle/>
+          <a:p>
+            <a:r>
+              <a:rPr lang="en-US"/>
+              <a:t>Select a property of </a:t>
+            </a:r>
+            <a:r>
+              <a:rPr lang="en-US" err="1"/>
+              <a:t>EventID</a:t>
+            </a:r>
+            <a:r>
+              <a:rPr lang="en-US"/>
+              <a:t> and print the context node</a:t>
+            </a:r>
+          </a:p>
+        </p:txBody>
+      </p:sp>
+      <p:sp>
+        <p:nvSpPr>
+          <p:cNvPr id="5" name="Rectangle 4"/>
+          <p:cNvSpPr/>
+          <p:nvPr/>
+        </p:nvSpPr>
+        <p:spPr>
+          <a:xfrm>
+            <a:off x="7107363" y="359172"/>
+            <a:ext cx="4540662" cy="1754326"/>
+          </a:xfrm>
+          <a:prstGeom prst="rect">
+            <a:avLst/>
+          </a:prstGeom>
+          <a:solidFill>
+            <a:schemeClr val="accent4">
+              <a:lumMod val="20000"/>
+              <a:lumOff val="80000"/>
+            </a:schemeClr>
+          </a:solidFill>
+        </p:spPr>
+        <p:txBody>
+          <a:bodyPr wrap="square">
+            <a:spAutoFit/>
+          </a:bodyPr>
+          <a:lstStyle/>
+          <a:p>
+            <a:r>
+              <a:rPr lang="en-US"/>
+              <a:t>4608 (Windows is starting up)</a:t>
+            </a:r>
+          </a:p>
+          <a:p>
+            <a:r>
+              <a:rPr lang="en-US"/>
+              <a:t>1100 (service shutdown)</a:t>
+            </a:r>
+          </a:p>
+          <a:p>
+            <a:r>
+              <a:rPr lang="en-US"/>
+              <a:t>4624 (successful logon)</a:t>
+            </a:r>
+          </a:p>
+          <a:p>
+            <a:r>
+              <a:rPr lang="en-US"/>
+              <a:t>4634 (logoff)</a:t>
+            </a:r>
+          </a:p>
+          <a:p>
+            <a:r>
+              <a:rPr lang="en-US"/>
+              <a:t>4625 (logon failure)</a:t>
+            </a:r>
+          </a:p>
+          <a:p>
+            <a:r>
+              <a:rPr lang="en-US"/>
+              <a:t>4647 (a user initiated the logoff process)...</a:t>
+            </a:r>
+          </a:p>
+        </p:txBody>
+      </p:sp>
+    </p:spTree>
+    <p:extLst>
+      <p:ext uri="{BB962C8B-B14F-4D97-AF65-F5344CB8AC3E}">
+        <p14:creationId xmlns:p14="http://schemas.microsoft.com/office/powerpoint/2010/main" val="2884910"/>
+      </p:ext>
+    </p:extLst>
+  </p:cSld>
+  <p:clrMapOvr>
+    <a:masterClrMapping/>
+  </p:clrMapOvr>
+</p:sld>
+</file>
+
+<file path=ppt/slides/slide34.xml><?xml version="1.0" encoding="utf-8"?>
+<p:sld xmlns:a="http://schemas.openxmlformats.org/drawingml/2006/main" xmlns:r="http://schemas.openxmlformats.org/officeDocument/2006/relationships" xmlns:p="http://schemas.openxmlformats.org/presentationml/2006/main">
+  <p:cSld>
+    <p:spTree>
+      <p:nvGrpSpPr>
+        <p:cNvPr id="1" name=""/>
+        <p:cNvGrpSpPr/>
+        <p:nvPr/>
+      </p:nvGrpSpPr>
+      <p:grpSpPr>
+        <a:xfrm>
+          <a:off x="0" y="0"/>
+          <a:ext cx="0" cy="0"/>
+          <a:chOff x="0" y="0"/>
+          <a:chExt cx="0" cy="0"/>
+        </a:xfrm>
+      </p:grpSpPr>
+      <p:sp>
+        <p:nvSpPr>
+          <p:cNvPr id="2" name="Title 1"/>
+          <p:cNvSpPr>
+            <a:spLocks noGrp="1"/>
+          </p:cNvSpPr>
+          <p:nvPr>
+            <p:ph type="title"/>
+          </p:nvPr>
+        </p:nvSpPr>
+        <p:spPr/>
+        <p:txBody>
+          <a:bodyPr/>
+          <a:lstStyle/>
+          <a:p>
+            <a:r>
+              <a:rPr lang="en-US" dirty="0"/>
+              <a:t>Substitute </a:t>
+            </a:r>
+            <a:r>
+              <a:rPr lang="en-US" i="1" dirty="0" err="1">
+                <a:solidFill>
+                  <a:srgbClr val="7030A0"/>
+                </a:solidFill>
+              </a:rPr>
+              <a:t>xmlstarlet</a:t>
+            </a:r>
+            <a:r>
+              <a:rPr lang="en-US" i="1" dirty="0">
+                <a:solidFill>
+                  <a:srgbClr val="7030A0"/>
+                </a:solidFill>
+              </a:rPr>
+              <a:t> </a:t>
+            </a:r>
+            <a:r>
+              <a:rPr lang="en-US" i="1" dirty="0" err="1">
+                <a:solidFill>
+                  <a:srgbClr val="FF0000"/>
+                </a:solidFill>
+              </a:rPr>
+              <a:t>sel</a:t>
+            </a:r>
+            <a:r>
+              <a:rPr lang="en-US" i="1" dirty="0">
+                <a:solidFill>
+                  <a:srgbClr val="FF0000"/>
+                </a:solidFill>
+              </a:rPr>
+              <a:t> </a:t>
+            </a:r>
+            <a:r>
+              <a:rPr lang="en-US" dirty="0"/>
+              <a:t>results using </a:t>
+            </a:r>
+            <a:r>
+              <a:rPr lang="en-US" dirty="0">
+                <a:solidFill>
+                  <a:srgbClr val="FF0000"/>
+                </a:solidFill>
+              </a:rPr>
+              <a:t>sed</a:t>
+            </a:r>
+          </a:p>
+        </p:txBody>
+      </p:sp>
+      <p:sp>
+        <p:nvSpPr>
+          <p:cNvPr id="3" name="Text Placeholder 2"/>
+          <p:cNvSpPr>
+            <a:spLocks noGrp="1"/>
+          </p:cNvSpPr>
+          <p:nvPr>
+            <p:ph type="body" idx="1"/>
+          </p:nvPr>
+        </p:nvSpPr>
+        <p:spPr/>
+        <p:txBody>
+          <a:bodyPr/>
+          <a:lstStyle/>
+          <a:p>
+            <a:endParaRPr lang="en-US"/>
+          </a:p>
+        </p:txBody>
+      </p:sp>
+    </p:spTree>
+    <p:extLst>
+      <p:ext uri="{BB962C8B-B14F-4D97-AF65-F5344CB8AC3E}">
+        <p14:creationId xmlns:p14="http://schemas.microsoft.com/office/powerpoint/2010/main" val="2819587148"/>
+      </p:ext>
+    </p:extLst>
+  </p:cSld>
+  <p:clrMapOvr>
+    <a:masterClrMapping/>
+  </p:clrMapOvr>
+</p:sld>
+</file>
+
+<file path=ppt/slides/slide35.xml><?xml version="1.0" encoding="utf-8"?>
+<p:sld xmlns:a="http://schemas.openxmlformats.org/drawingml/2006/main" xmlns:r="http://schemas.openxmlformats.org/officeDocument/2006/relationships" xmlns:p="http://schemas.openxmlformats.org/presentationml/2006/main">
+  <p:cSld>
+    <p:spTree>
+      <p:nvGrpSpPr>
+        <p:cNvPr id="1" name=""/>
+        <p:cNvGrpSpPr/>
+        <p:nvPr/>
+      </p:nvGrpSpPr>
+      <p:grpSpPr>
+        <a:xfrm>
+          <a:off x="0" y="0"/>
+          <a:ext cx="0" cy="0"/>
+          <a:chOff x="0" y="0"/>
+          <a:chExt cx="0" cy="0"/>
+        </a:xfrm>
+      </p:grpSpPr>
+      <p:sp>
+        <p:nvSpPr>
+          <p:cNvPr id="5" name="Title 4"/>
+          <p:cNvSpPr>
+            <a:spLocks noGrp="1"/>
+          </p:cNvSpPr>
+          <p:nvPr>
+            <p:ph type="title"/>
+          </p:nvPr>
+        </p:nvSpPr>
+        <p:spPr/>
+        <p:txBody>
+          <a:bodyPr/>
+          <a:lstStyle/>
+          <a:p>
+            <a:r>
+              <a:rPr lang="en-US">
+                <a:solidFill>
+                  <a:srgbClr val="FF0000"/>
+                </a:solidFill>
+              </a:rPr>
+              <a:t>s</a:t>
+            </a:r>
+            <a:r>
+              <a:rPr lang="en-US"/>
+              <a:t>tream </a:t>
+            </a:r>
+            <a:r>
+              <a:rPr lang="en-US">
+                <a:solidFill>
+                  <a:srgbClr val="FF0000"/>
+                </a:solidFill>
+              </a:rPr>
+              <a:t>ed</a:t>
+            </a:r>
+            <a:r>
+              <a:rPr lang="en-US"/>
+              <a:t>itor</a:t>
+            </a:r>
+          </a:p>
+        </p:txBody>
+      </p:sp>
+      <p:sp>
+        <p:nvSpPr>
+          <p:cNvPr id="6" name="Content Placeholder 5"/>
+          <p:cNvSpPr>
+            <a:spLocks noGrp="1"/>
+          </p:cNvSpPr>
+          <p:nvPr>
+            <p:ph idx="1"/>
+          </p:nvPr>
+        </p:nvSpPr>
+        <p:spPr>
+          <a:xfrm>
+            <a:off x="838200" y="1825625"/>
+            <a:ext cx="10515600" cy="1618615"/>
+          </a:xfrm>
+        </p:spPr>
+        <p:txBody>
+          <a:bodyPr>
+            <a:normAutofit/>
+          </a:bodyPr>
+          <a:lstStyle/>
+          <a:p>
+            <a:r>
+              <a:rPr lang="en-US" dirty="0"/>
+              <a:t>Used to perform basic text transformations on an input stream (a file or input from a pipeline).</a:t>
+            </a:r>
+          </a:p>
+          <a:p>
+            <a:r>
+              <a:rPr lang="en-US" dirty="0"/>
+              <a:t>Can apply regular expression</a:t>
+            </a:r>
+          </a:p>
+        </p:txBody>
+      </p:sp>
+      <p:pic>
+        <p:nvPicPr>
+          <p:cNvPr id="7" name="Picture 6"/>
+          <p:cNvPicPr>
+            <a:picLocks noChangeAspect="1"/>
+          </p:cNvPicPr>
+          <p:nvPr/>
+        </p:nvPicPr>
+        <p:blipFill>
+          <a:blip r:embed="rId3"/>
+          <a:stretch>
+            <a:fillRect/>
+          </a:stretch>
+        </p:blipFill>
+        <p:spPr>
+          <a:xfrm>
+            <a:off x="838200" y="4128710"/>
+            <a:ext cx="8477308" cy="1906329"/>
+          </a:xfrm>
+          <a:prstGeom prst="rect">
+            <a:avLst/>
+          </a:prstGeom>
+        </p:spPr>
+      </p:pic>
+      <p:sp>
+        <p:nvSpPr>
+          <p:cNvPr id="8" name="TextBox 7"/>
+          <p:cNvSpPr txBox="1"/>
+          <p:nvPr/>
+        </p:nvSpPr>
+        <p:spPr>
+          <a:xfrm>
+            <a:off x="838200" y="3759378"/>
+            <a:ext cx="4791633" cy="369332"/>
+          </a:xfrm>
+          <a:prstGeom prst="rect">
+            <a:avLst/>
+          </a:prstGeom>
+          <a:solidFill>
+            <a:srgbClr val="FFC000"/>
+          </a:solidFill>
+        </p:spPr>
+        <p:txBody>
+          <a:bodyPr wrap="none" rtlCol="0">
+            <a:spAutoFit/>
+          </a:bodyPr>
+          <a:lstStyle/>
+          <a:p>
+            <a:r>
+              <a:rPr lang="en-US"/>
+              <a:t>Substitute </a:t>
+            </a:r>
+            <a:r>
+              <a:rPr lang="en-US" i="1">
+                <a:solidFill>
+                  <a:srgbClr val="7030A0"/>
+                </a:solidFill>
+              </a:rPr>
+              <a:t>morning</a:t>
+            </a:r>
+            <a:r>
+              <a:rPr lang="en-US"/>
+              <a:t> in text stream with </a:t>
+            </a:r>
+            <a:r>
+              <a:rPr lang="en-US" i="1">
+                <a:solidFill>
+                  <a:srgbClr val="7030A0"/>
+                </a:solidFill>
+              </a:rPr>
+              <a:t>afternoon</a:t>
+            </a:r>
+          </a:p>
+        </p:txBody>
+      </p:sp>
+    </p:spTree>
+    <p:extLst>
+      <p:ext uri="{BB962C8B-B14F-4D97-AF65-F5344CB8AC3E}">
+        <p14:creationId xmlns:p14="http://schemas.microsoft.com/office/powerpoint/2010/main" val="3060681943"/>
+      </p:ext>
+    </p:extLst>
+  </p:cSld>
+  <p:clrMapOvr>
+    <a:masterClrMapping/>
+  </p:clrMapOvr>
+</p:sld>
+</file>
+
+<file path=ppt/slides/slide36.xml><?xml version="1.0" encoding="utf-8"?>
+<p:sld xmlns:a="http://schemas.openxmlformats.org/drawingml/2006/main" xmlns:r="http://schemas.openxmlformats.org/officeDocument/2006/relationships" xmlns:p="http://schemas.openxmlformats.org/presentationml/2006/main">
+  <p:cSld>
+    <p:spTree>
+      <p:nvGrpSpPr>
+        <p:cNvPr id="1" name=""/>
+        <p:cNvGrpSpPr/>
+        <p:nvPr/>
+      </p:nvGrpSpPr>
+      <p:grpSpPr>
+        <a:xfrm>
+          <a:off x="0" y="0"/>
+          <a:ext cx="0" cy="0"/>
+          <a:chOff x="0" y="0"/>
+          <a:chExt cx="0" cy="0"/>
+        </a:xfrm>
+      </p:grpSpPr>
+      <p:pic>
+        <p:nvPicPr>
+          <p:cNvPr id="4" name="Picture 3"/>
+          <p:cNvPicPr>
+            <a:picLocks noChangeAspect="1"/>
+          </p:cNvPicPr>
+          <p:nvPr/>
+        </p:nvPicPr>
+        <p:blipFill>
+          <a:blip r:embed="rId2"/>
+          <a:stretch>
+            <a:fillRect/>
+          </a:stretch>
+        </p:blipFill>
+        <p:spPr>
+          <a:xfrm>
+            <a:off x="1198586" y="2014133"/>
+            <a:ext cx="9254813" cy="2730587"/>
+          </a:xfrm>
+          <a:prstGeom prst="rect">
+            <a:avLst/>
+          </a:prstGeom>
+        </p:spPr>
+      </p:pic>
+      <p:sp>
+        <p:nvSpPr>
+          <p:cNvPr id="5" name="TextBox 4"/>
+          <p:cNvSpPr txBox="1"/>
+          <p:nvPr/>
+        </p:nvSpPr>
+        <p:spPr>
+          <a:xfrm>
+            <a:off x="1198586" y="1644801"/>
+            <a:ext cx="4791633" cy="369332"/>
+          </a:xfrm>
+          <a:prstGeom prst="rect">
+            <a:avLst/>
+          </a:prstGeom>
+          <a:solidFill>
+            <a:srgbClr val="FFC000"/>
+          </a:solidFill>
+        </p:spPr>
+        <p:txBody>
+          <a:bodyPr wrap="none" rtlCol="0">
+            <a:spAutoFit/>
+          </a:bodyPr>
+          <a:lstStyle/>
+          <a:p>
+            <a:r>
+              <a:rPr lang="en-US"/>
+              <a:t>Substitute </a:t>
+            </a:r>
+            <a:r>
+              <a:rPr lang="en-US" i="1">
+                <a:solidFill>
+                  <a:srgbClr val="7030A0"/>
+                </a:solidFill>
+              </a:rPr>
+              <a:t>morning</a:t>
+            </a:r>
+            <a:r>
+              <a:rPr lang="en-US"/>
+              <a:t> in text stream with </a:t>
+            </a:r>
+            <a:r>
+              <a:rPr lang="en-US" i="1">
+                <a:solidFill>
+                  <a:srgbClr val="7030A0"/>
+                </a:solidFill>
+              </a:rPr>
+              <a:t>afternoon</a:t>
+            </a:r>
+          </a:p>
+        </p:txBody>
+      </p:sp>
+    </p:spTree>
+    <p:extLst>
+      <p:ext uri="{BB962C8B-B14F-4D97-AF65-F5344CB8AC3E}">
+        <p14:creationId xmlns:p14="http://schemas.microsoft.com/office/powerpoint/2010/main" val="3407819487"/>
+      </p:ext>
+    </p:extLst>
+  </p:cSld>
+  <p:clrMapOvr>
+    <a:masterClrMapping/>
+  </p:clrMapOvr>
+</p:sld>
+</file>
+
+<file path=ppt/slides/slide37.xml><?xml version="1.0" encoding="utf-8"?>
+<p:sld xmlns:a="http://schemas.openxmlformats.org/drawingml/2006/main" xmlns:r="http://schemas.openxmlformats.org/officeDocument/2006/relationships" xmlns:p="http://schemas.openxmlformats.org/presentationml/2006/main">
+  <p:cSld>
+    <p:spTree>
+      <p:nvGrpSpPr>
+        <p:cNvPr id="1" name=""/>
+        <p:cNvGrpSpPr/>
+        <p:nvPr/>
+      </p:nvGrpSpPr>
+      <p:grpSpPr>
+        <a:xfrm>
+          <a:off x="0" y="0"/>
+          <a:ext cx="0" cy="0"/>
+          <a:chOff x="0" y="0"/>
+          <a:chExt cx="0" cy="0"/>
+        </a:xfrm>
+      </p:grpSpPr>
+      <p:pic>
+        <p:nvPicPr>
+          <p:cNvPr id="2" name="Picture 1"/>
+          <p:cNvPicPr>
+            <a:picLocks noChangeAspect="1"/>
+          </p:cNvPicPr>
+          <p:nvPr/>
+        </p:nvPicPr>
+        <p:blipFill>
+          <a:blip r:embed="rId2"/>
+          <a:stretch>
+            <a:fillRect/>
+          </a:stretch>
+        </p:blipFill>
+        <p:spPr>
+          <a:xfrm>
+            <a:off x="1084285" y="2271964"/>
+            <a:ext cx="9930548" cy="2188275"/>
+          </a:xfrm>
+          <a:prstGeom prst="rect">
+            <a:avLst/>
+          </a:prstGeom>
+        </p:spPr>
+      </p:pic>
+      <p:sp>
+        <p:nvSpPr>
+          <p:cNvPr id="3" name="Rectangle 2"/>
+          <p:cNvSpPr/>
+          <p:nvPr/>
+        </p:nvSpPr>
+        <p:spPr>
+          <a:xfrm>
+            <a:off x="8196934" y="3965694"/>
+            <a:ext cx="2402132" cy="369332"/>
+          </a:xfrm>
+          <a:prstGeom prst="rect">
+            <a:avLst/>
+          </a:prstGeom>
+          <a:solidFill>
+            <a:schemeClr val="accent4">
+              <a:lumMod val="20000"/>
+              <a:lumOff val="80000"/>
+            </a:schemeClr>
+          </a:solidFill>
+        </p:spPr>
+        <p:txBody>
+          <a:bodyPr wrap="none">
+            <a:spAutoFit/>
+          </a:bodyPr>
+          <a:lstStyle/>
+          <a:p>
+            <a:r>
+              <a:rPr lang="en-US"/>
+              <a:t>/</a:t>
+            </a:r>
+            <a:r>
+              <a:rPr lang="en-US" b="1">
+                <a:solidFill>
+                  <a:srgbClr val="FF0000"/>
+                </a:solidFill>
+              </a:rPr>
+              <a:t>g </a:t>
+            </a:r>
+            <a:r>
+              <a:rPr lang="en-US"/>
+              <a:t>- Global replacement</a:t>
+            </a:r>
+          </a:p>
+        </p:txBody>
+      </p:sp>
+    </p:spTree>
+    <p:extLst>
+      <p:ext uri="{BB962C8B-B14F-4D97-AF65-F5344CB8AC3E}">
+        <p14:creationId xmlns:p14="http://schemas.microsoft.com/office/powerpoint/2010/main" val="57646113"/>
+      </p:ext>
+    </p:extLst>
+  </p:cSld>
+  <p:clrMapOvr>
+    <a:masterClrMapping/>
+  </p:clrMapOvr>
+</p:sld>
+</file>
+
+<file path=ppt/slides/slide38.xml><?xml version="1.0" encoding="utf-8"?>
+<p:sld xmlns:a="http://schemas.openxmlformats.org/drawingml/2006/main" xmlns:r="http://schemas.openxmlformats.org/officeDocument/2006/relationships" xmlns:p="http://schemas.openxmlformats.org/presentationml/2006/main">
+  <p:cSld>
+    <p:spTree>
+      <p:nvGrpSpPr>
+        <p:cNvPr id="1" name=""/>
+        <p:cNvGrpSpPr/>
+        <p:nvPr/>
+      </p:nvGrpSpPr>
+      <p:grpSpPr>
+        <a:xfrm>
+          <a:off x="0" y="0"/>
+          <a:ext cx="0" cy="0"/>
+          <a:chOff x="0" y="0"/>
+          <a:chExt cx="0" cy="0"/>
+        </a:xfrm>
+      </p:grpSpPr>
+      <p:sp>
+        <p:nvSpPr>
+          <p:cNvPr id="2" name="Rectangle 1"/>
+          <p:cNvSpPr/>
+          <p:nvPr/>
+        </p:nvSpPr>
+        <p:spPr>
+          <a:xfrm>
+            <a:off x="7651338" y="0"/>
+            <a:ext cx="4540662" cy="1754326"/>
+          </a:xfrm>
+          <a:prstGeom prst="rect">
+            <a:avLst/>
+          </a:prstGeom>
+          <a:solidFill>
+            <a:schemeClr val="accent4">
+              <a:lumMod val="20000"/>
+              <a:lumOff val="80000"/>
+            </a:schemeClr>
+          </a:solidFill>
+        </p:spPr>
+        <p:txBody>
+          <a:bodyPr wrap="square">
+            <a:spAutoFit/>
+          </a:bodyPr>
+          <a:lstStyle/>
+          <a:p>
+            <a:r>
+              <a:rPr lang="en-US" dirty="0">
+                <a:solidFill>
+                  <a:srgbClr val="FF0000"/>
+                </a:solidFill>
+              </a:rPr>
+              <a:t>4608 (Windows is starting up)</a:t>
+            </a:r>
+          </a:p>
+          <a:p>
+            <a:r>
+              <a:rPr lang="en-US" dirty="0"/>
+              <a:t>1100 (service shutdown)</a:t>
+            </a:r>
+          </a:p>
+          <a:p>
+            <a:r>
+              <a:rPr lang="en-US" dirty="0"/>
+              <a:t>4624 (successful logon)</a:t>
+            </a:r>
+          </a:p>
+          <a:p>
+            <a:r>
+              <a:rPr lang="en-US" dirty="0"/>
+              <a:t>4634 (logoff)</a:t>
+            </a:r>
+          </a:p>
+          <a:p>
+            <a:r>
+              <a:rPr lang="en-US" dirty="0"/>
+              <a:t>4625 (logon failure)</a:t>
+            </a:r>
+          </a:p>
+          <a:p>
+            <a:r>
+              <a:rPr lang="en-US" dirty="0"/>
+              <a:t>4647 (a user initiated the logoff process)...</a:t>
+            </a:r>
+          </a:p>
+        </p:txBody>
+      </p:sp>
+      <p:pic>
+        <p:nvPicPr>
+          <p:cNvPr id="3" name="Picture 2"/>
+          <p:cNvPicPr>
+            <a:picLocks noChangeAspect="1"/>
+          </p:cNvPicPr>
+          <p:nvPr/>
+        </p:nvPicPr>
+        <p:blipFill>
+          <a:blip r:embed="rId3"/>
+          <a:stretch>
+            <a:fillRect/>
+          </a:stretch>
+        </p:blipFill>
+        <p:spPr>
+          <a:xfrm>
+            <a:off x="402188" y="1754326"/>
+            <a:ext cx="11200038" cy="4168954"/>
+          </a:xfrm>
+          <a:prstGeom prst="rect">
+            <a:avLst/>
+          </a:prstGeom>
+        </p:spPr>
+      </p:pic>
+    </p:spTree>
+    <p:extLst>
+      <p:ext uri="{BB962C8B-B14F-4D97-AF65-F5344CB8AC3E}">
+        <p14:creationId xmlns:p14="http://schemas.microsoft.com/office/powerpoint/2010/main" val="173997947"/>
+      </p:ext>
+    </p:extLst>
+  </p:cSld>
+  <p:clrMapOvr>
+    <a:masterClrMapping/>
+  </p:clrMapOvr>
+</p:sld>
+</file>
+
+<file path=ppt/slides/slide39.xml><?xml version="1.0" encoding="utf-8"?>
+<p:sld xmlns:a="http://schemas.openxmlformats.org/drawingml/2006/main" xmlns:r="http://schemas.openxmlformats.org/officeDocument/2006/relationships" xmlns:p="http://schemas.openxmlformats.org/presentationml/2006/main">
+  <p:cSld>
+    <p:spTree>
+      <p:nvGrpSpPr>
+        <p:cNvPr id="1" name=""/>
+        <p:cNvGrpSpPr/>
+        <p:nvPr/>
+      </p:nvGrpSpPr>
+      <p:grpSpPr>
+        <a:xfrm>
+          <a:off x="0" y="0"/>
+          <a:ext cx="0" cy="0"/>
+          <a:chOff x="0" y="0"/>
+          <a:chExt cx="0" cy="0"/>
+        </a:xfrm>
+      </p:grpSpPr>
+      <p:sp>
+        <p:nvSpPr>
+          <p:cNvPr id="2" name="Title 1"/>
+          <p:cNvSpPr>
+            <a:spLocks noGrp="1"/>
+          </p:cNvSpPr>
+          <p:nvPr>
+            <p:ph type="title"/>
+          </p:nvPr>
+        </p:nvSpPr>
+        <p:spPr/>
+        <p:txBody>
+          <a:bodyPr/>
+          <a:lstStyle/>
+          <a:p>
+            <a:r>
+              <a:rPr lang="en-US">
+                <a:solidFill>
+                  <a:srgbClr val="FF0000"/>
+                </a:solidFill>
+              </a:rPr>
+              <a:t>ed</a:t>
+            </a:r>
+            <a:r>
+              <a:rPr lang="en-US"/>
+              <a:t>it XML document(s) </a:t>
+            </a:r>
+          </a:p>
+        </p:txBody>
+      </p:sp>
+      <p:sp>
+        <p:nvSpPr>
+          <p:cNvPr id="3" name="Text Placeholder 2"/>
+          <p:cNvSpPr>
+            <a:spLocks noGrp="1"/>
+          </p:cNvSpPr>
+          <p:nvPr>
+            <p:ph type="body" idx="1"/>
+          </p:nvPr>
+        </p:nvSpPr>
+        <p:spPr/>
+        <p:txBody>
+          <a:bodyPr/>
+          <a:lstStyle/>
+          <a:p>
+            <a:endParaRPr lang="en-US"/>
+          </a:p>
+        </p:txBody>
+      </p:sp>
+    </p:spTree>
+    <p:extLst>
+      <p:ext uri="{BB962C8B-B14F-4D97-AF65-F5344CB8AC3E}">
+        <p14:creationId xmlns:p14="http://schemas.microsoft.com/office/powerpoint/2010/main" val="1059292854"/>
+      </p:ext>
+    </p:extLst>
+  </p:cSld>
+  <p:clrMapOvr>
+    <a:masterClrMapping/>
+  </p:clrMapOvr>
+</p:sld>
+</file>
+
+<file path=ppt/slides/slide4.xml><?xml version="1.0" encoding="utf-8"?>
 <p:sld xmlns:a="http://schemas.openxmlformats.org/drawingml/2006/main" xmlns:r="http://schemas.openxmlformats.org/officeDocument/2006/relationships" xmlns:p="http://schemas.openxmlformats.org/presentationml/2006/main">
   <p:cSld>
     <p:spTree>
@@ -13305,1050 +14861,7 @@
 </p:sld>
 </file>
 
-<file path=ppt/slides/slide30.xml><?xml version="1.0" encoding="utf-8"?>
-<p:sld xmlns:a="http://schemas.openxmlformats.org/drawingml/2006/main" xmlns:r="http://schemas.openxmlformats.org/officeDocument/2006/relationships" xmlns:p="http://schemas.openxmlformats.org/presentationml/2006/main">
-  <p:cSld>
-    <p:spTree>
-      <p:nvGrpSpPr>
-        <p:cNvPr id="1" name=""/>
-        <p:cNvGrpSpPr/>
-        <p:nvPr/>
-      </p:nvGrpSpPr>
-      <p:grpSpPr>
-        <a:xfrm>
-          <a:off x="0" y="0"/>
-          <a:ext cx="0" cy="0"/>
-          <a:chOff x="0" y="0"/>
-          <a:chExt cx="0" cy="0"/>
-        </a:xfrm>
-      </p:grpSpPr>
-      <p:pic>
-        <p:nvPicPr>
-          <p:cNvPr id="2" name="Picture 1"/>
-          <p:cNvPicPr>
-            <a:picLocks noChangeAspect="1"/>
-          </p:cNvPicPr>
-          <p:nvPr/>
-        </p:nvPicPr>
-        <p:blipFill>
-          <a:blip r:embed="rId3"/>
-          <a:stretch>
-            <a:fillRect/>
-          </a:stretch>
-        </p:blipFill>
-        <p:spPr>
-          <a:xfrm>
-            <a:off x="369220" y="1730750"/>
-            <a:ext cx="11128197" cy="3450849"/>
-          </a:xfrm>
-          <a:prstGeom prst="rect">
-            <a:avLst/>
-          </a:prstGeom>
-        </p:spPr>
-      </p:pic>
-      <p:sp>
-        <p:nvSpPr>
-          <p:cNvPr id="3" name="TextBox 2"/>
-          <p:cNvSpPr txBox="1"/>
-          <p:nvPr/>
-        </p:nvSpPr>
-        <p:spPr>
-          <a:xfrm>
-            <a:off x="369220" y="1361418"/>
-            <a:ext cx="5432385" cy="369332"/>
-          </a:xfrm>
-          <a:prstGeom prst="rect">
-            <a:avLst/>
-          </a:prstGeom>
-          <a:solidFill>
-            <a:srgbClr val="FFC000"/>
-          </a:solidFill>
-        </p:spPr>
-        <p:txBody>
-          <a:bodyPr wrap="none" rtlCol="0">
-            <a:spAutoFit/>
-          </a:bodyPr>
-          <a:lstStyle/>
-          <a:p>
-            <a:r>
-              <a:rPr lang="en-US"/>
-              <a:t>Select </a:t>
-            </a:r>
-            <a:r>
-              <a:rPr lang="en-US" err="1"/>
-              <a:t>TimeCreated</a:t>
-            </a:r>
-            <a:r>
-              <a:rPr lang="en-US"/>
-              <a:t> of events and print the context node</a:t>
-            </a:r>
-          </a:p>
-        </p:txBody>
-      </p:sp>
-      <p:sp>
-        <p:nvSpPr>
-          <p:cNvPr id="4" name="Rectangle 3">
-            <a:extLst>
-              <a:ext uri="{FF2B5EF4-FFF2-40B4-BE49-F238E27FC236}">
-                <a16:creationId xmlns:a16="http://schemas.microsoft.com/office/drawing/2014/main" id="{C08ED75A-BB81-4FCE-B5C7-CB1A9C89830C}"/>
-              </a:ext>
-            </a:extLst>
-          </p:cNvPr>
-          <p:cNvSpPr/>
-          <p:nvPr/>
-        </p:nvSpPr>
-        <p:spPr>
-          <a:xfrm>
-            <a:off x="6395127" y="2557014"/>
-            <a:ext cx="1846916" cy="369332"/>
-          </a:xfrm>
-          <a:prstGeom prst="rect">
-            <a:avLst/>
-          </a:prstGeom>
-          <a:solidFill>
-            <a:schemeClr val="accent4">
-              <a:lumMod val="20000"/>
-              <a:lumOff val="80000"/>
-            </a:schemeClr>
-          </a:solidFill>
-        </p:spPr>
-        <p:txBody>
-          <a:bodyPr wrap="none">
-            <a:spAutoFit/>
-          </a:bodyPr>
-          <a:lstStyle/>
-          <a:p>
-            <a:r>
-              <a:rPr lang="en-US" b="1">
-                <a:solidFill>
-                  <a:srgbClr val="FF0000"/>
-                </a:solidFill>
-              </a:rPr>
-              <a:t>-n</a:t>
-            </a:r>
-            <a:r>
-              <a:rPr lang="en-US"/>
-              <a:t>:  print new line</a:t>
-            </a:r>
-          </a:p>
-        </p:txBody>
-      </p:sp>
-    </p:spTree>
-    <p:extLst>
-      <p:ext uri="{BB962C8B-B14F-4D97-AF65-F5344CB8AC3E}">
-        <p14:creationId xmlns:p14="http://schemas.microsoft.com/office/powerpoint/2010/main" val="3531219429"/>
-      </p:ext>
-    </p:extLst>
-  </p:cSld>
-  <p:clrMapOvr>
-    <a:masterClrMapping/>
-  </p:clrMapOvr>
-</p:sld>
-</file>
-
-<file path=ppt/slides/slide31.xml><?xml version="1.0" encoding="utf-8"?>
-<p:sld xmlns:a="http://schemas.openxmlformats.org/drawingml/2006/main" xmlns:r="http://schemas.openxmlformats.org/officeDocument/2006/relationships" xmlns:p="http://schemas.openxmlformats.org/presentationml/2006/main">
-  <p:cSld>
-    <p:spTree>
-      <p:nvGrpSpPr>
-        <p:cNvPr id="1" name=""/>
-        <p:cNvGrpSpPr/>
-        <p:nvPr/>
-      </p:nvGrpSpPr>
-      <p:grpSpPr>
-        <a:xfrm>
-          <a:off x="0" y="0"/>
-          <a:ext cx="0" cy="0"/>
-          <a:chOff x="0" y="0"/>
-          <a:chExt cx="0" cy="0"/>
-        </a:xfrm>
-      </p:grpSpPr>
-      <p:pic>
-        <p:nvPicPr>
-          <p:cNvPr id="2" name="Picture 1"/>
-          <p:cNvPicPr>
-            <a:picLocks noChangeAspect="1"/>
-          </p:cNvPicPr>
-          <p:nvPr/>
-        </p:nvPicPr>
-        <p:blipFill>
-          <a:blip r:embed="rId3"/>
-          <a:stretch>
-            <a:fillRect/>
-          </a:stretch>
-        </p:blipFill>
-        <p:spPr>
-          <a:xfrm>
-            <a:off x="483471" y="2123658"/>
-            <a:ext cx="11164554" cy="3952382"/>
-          </a:xfrm>
-          <a:prstGeom prst="rect">
-            <a:avLst/>
-          </a:prstGeom>
-        </p:spPr>
-      </p:pic>
-      <p:sp>
-        <p:nvSpPr>
-          <p:cNvPr id="3" name="Rectangle 2"/>
-          <p:cNvSpPr/>
-          <p:nvPr/>
-        </p:nvSpPr>
-        <p:spPr>
-          <a:xfrm>
-            <a:off x="7172727" y="2960214"/>
-            <a:ext cx="1846916" cy="369332"/>
-          </a:xfrm>
-          <a:prstGeom prst="rect">
-            <a:avLst/>
-          </a:prstGeom>
-          <a:solidFill>
-            <a:schemeClr val="accent4">
-              <a:lumMod val="20000"/>
-              <a:lumOff val="80000"/>
-            </a:schemeClr>
-          </a:solidFill>
-        </p:spPr>
-        <p:txBody>
-          <a:bodyPr wrap="none">
-            <a:spAutoFit/>
-          </a:bodyPr>
-          <a:lstStyle/>
-          <a:p>
-            <a:r>
-              <a:rPr lang="en-US" b="1">
-                <a:solidFill>
-                  <a:srgbClr val="FF0000"/>
-                </a:solidFill>
-              </a:rPr>
-              <a:t>-n</a:t>
-            </a:r>
-            <a:r>
-              <a:rPr lang="en-US"/>
-              <a:t>:  print new line</a:t>
-            </a:r>
-          </a:p>
-        </p:txBody>
-      </p:sp>
-      <p:sp>
-        <p:nvSpPr>
-          <p:cNvPr id="4" name="TextBox 3"/>
-          <p:cNvSpPr txBox="1"/>
-          <p:nvPr/>
-        </p:nvSpPr>
-        <p:spPr>
-          <a:xfrm>
-            <a:off x="483471" y="1754326"/>
-            <a:ext cx="5369547" cy="369332"/>
-          </a:xfrm>
-          <a:prstGeom prst="rect">
-            <a:avLst/>
-          </a:prstGeom>
-          <a:solidFill>
-            <a:srgbClr val="FFC000"/>
-          </a:solidFill>
-        </p:spPr>
-        <p:txBody>
-          <a:bodyPr wrap="none" rtlCol="0">
-            <a:spAutoFit/>
-          </a:bodyPr>
-          <a:lstStyle/>
-          <a:p>
-            <a:r>
-              <a:rPr lang="en-US"/>
-              <a:t>Select a property of </a:t>
-            </a:r>
-            <a:r>
-              <a:rPr lang="en-US" err="1"/>
-              <a:t>EventID</a:t>
-            </a:r>
-            <a:r>
-              <a:rPr lang="en-US"/>
-              <a:t> and print the context node</a:t>
-            </a:r>
-          </a:p>
-        </p:txBody>
-      </p:sp>
-      <p:sp>
-        <p:nvSpPr>
-          <p:cNvPr id="5" name="Rectangle 4"/>
-          <p:cNvSpPr/>
-          <p:nvPr/>
-        </p:nvSpPr>
-        <p:spPr>
-          <a:xfrm>
-            <a:off x="7107363" y="359172"/>
-            <a:ext cx="4540662" cy="1754326"/>
-          </a:xfrm>
-          <a:prstGeom prst="rect">
-            <a:avLst/>
-          </a:prstGeom>
-          <a:solidFill>
-            <a:schemeClr val="accent4">
-              <a:lumMod val="20000"/>
-              <a:lumOff val="80000"/>
-            </a:schemeClr>
-          </a:solidFill>
-        </p:spPr>
-        <p:txBody>
-          <a:bodyPr wrap="square">
-            <a:spAutoFit/>
-          </a:bodyPr>
-          <a:lstStyle/>
-          <a:p>
-            <a:r>
-              <a:rPr lang="en-US"/>
-              <a:t>4608 (Windows is starting up)</a:t>
-            </a:r>
-          </a:p>
-          <a:p>
-            <a:r>
-              <a:rPr lang="en-US"/>
-              <a:t>1100 (service shutdown)</a:t>
-            </a:r>
-          </a:p>
-          <a:p>
-            <a:r>
-              <a:rPr lang="en-US"/>
-              <a:t>4624 (successful logon)</a:t>
-            </a:r>
-          </a:p>
-          <a:p>
-            <a:r>
-              <a:rPr lang="en-US"/>
-              <a:t>4634 (logoff)</a:t>
-            </a:r>
-          </a:p>
-          <a:p>
-            <a:r>
-              <a:rPr lang="en-US"/>
-              <a:t>4625 (logon failure)</a:t>
-            </a:r>
-          </a:p>
-          <a:p>
-            <a:r>
-              <a:rPr lang="en-US"/>
-              <a:t>4647 (a user initiated the logoff process)...</a:t>
-            </a:r>
-          </a:p>
-        </p:txBody>
-      </p:sp>
-    </p:spTree>
-    <p:extLst>
-      <p:ext uri="{BB962C8B-B14F-4D97-AF65-F5344CB8AC3E}">
-        <p14:creationId xmlns:p14="http://schemas.microsoft.com/office/powerpoint/2010/main" val="2884910"/>
-      </p:ext>
-    </p:extLst>
-  </p:cSld>
-  <p:clrMapOvr>
-    <a:masterClrMapping/>
-  </p:clrMapOvr>
-</p:sld>
-</file>
-
-<file path=ppt/slides/slide32.xml><?xml version="1.0" encoding="utf-8"?>
-<p:sld xmlns:a="http://schemas.openxmlformats.org/drawingml/2006/main" xmlns:r="http://schemas.openxmlformats.org/officeDocument/2006/relationships" xmlns:p="http://schemas.openxmlformats.org/presentationml/2006/main">
-  <p:cSld>
-    <p:spTree>
-      <p:nvGrpSpPr>
-        <p:cNvPr id="1" name=""/>
-        <p:cNvGrpSpPr/>
-        <p:nvPr/>
-      </p:nvGrpSpPr>
-      <p:grpSpPr>
-        <a:xfrm>
-          <a:off x="0" y="0"/>
-          <a:ext cx="0" cy="0"/>
-          <a:chOff x="0" y="0"/>
-          <a:chExt cx="0" cy="0"/>
-        </a:xfrm>
-      </p:grpSpPr>
-      <p:sp>
-        <p:nvSpPr>
-          <p:cNvPr id="2" name="Title 1"/>
-          <p:cNvSpPr>
-            <a:spLocks noGrp="1"/>
-          </p:cNvSpPr>
-          <p:nvPr>
-            <p:ph type="title"/>
-          </p:nvPr>
-        </p:nvSpPr>
-        <p:spPr/>
-        <p:txBody>
-          <a:bodyPr/>
-          <a:lstStyle/>
-          <a:p>
-            <a:r>
-              <a:rPr lang="en-US" dirty="0"/>
-              <a:t>Substitute </a:t>
-            </a:r>
-            <a:r>
-              <a:rPr lang="en-US" i="1" dirty="0" err="1">
-                <a:solidFill>
-                  <a:srgbClr val="7030A0"/>
-                </a:solidFill>
-              </a:rPr>
-              <a:t>xmlstarlet</a:t>
-            </a:r>
-            <a:r>
-              <a:rPr lang="en-US" i="1" dirty="0">
-                <a:solidFill>
-                  <a:srgbClr val="7030A0"/>
-                </a:solidFill>
-              </a:rPr>
-              <a:t> </a:t>
-            </a:r>
-            <a:r>
-              <a:rPr lang="en-US" i="1" dirty="0" err="1">
-                <a:solidFill>
-                  <a:srgbClr val="FF0000"/>
-                </a:solidFill>
-              </a:rPr>
-              <a:t>sel</a:t>
-            </a:r>
-            <a:r>
-              <a:rPr lang="en-US" i="1" dirty="0">
-                <a:solidFill>
-                  <a:srgbClr val="FF0000"/>
-                </a:solidFill>
-              </a:rPr>
-              <a:t> </a:t>
-            </a:r>
-            <a:r>
-              <a:rPr lang="en-US" dirty="0"/>
-              <a:t>results using </a:t>
-            </a:r>
-            <a:r>
-              <a:rPr lang="en-US" dirty="0">
-                <a:solidFill>
-                  <a:srgbClr val="FF0000"/>
-                </a:solidFill>
-              </a:rPr>
-              <a:t>sed</a:t>
-            </a:r>
-          </a:p>
-        </p:txBody>
-      </p:sp>
-      <p:sp>
-        <p:nvSpPr>
-          <p:cNvPr id="3" name="Text Placeholder 2"/>
-          <p:cNvSpPr>
-            <a:spLocks noGrp="1"/>
-          </p:cNvSpPr>
-          <p:nvPr>
-            <p:ph type="body" idx="1"/>
-          </p:nvPr>
-        </p:nvSpPr>
-        <p:spPr/>
-        <p:txBody>
-          <a:bodyPr/>
-          <a:lstStyle/>
-          <a:p>
-            <a:endParaRPr lang="en-US"/>
-          </a:p>
-        </p:txBody>
-      </p:sp>
-    </p:spTree>
-    <p:extLst>
-      <p:ext uri="{BB962C8B-B14F-4D97-AF65-F5344CB8AC3E}">
-        <p14:creationId xmlns:p14="http://schemas.microsoft.com/office/powerpoint/2010/main" val="2819587148"/>
-      </p:ext>
-    </p:extLst>
-  </p:cSld>
-  <p:clrMapOvr>
-    <a:masterClrMapping/>
-  </p:clrMapOvr>
-</p:sld>
-</file>
-
-<file path=ppt/slides/slide33.xml><?xml version="1.0" encoding="utf-8"?>
-<p:sld xmlns:a="http://schemas.openxmlformats.org/drawingml/2006/main" xmlns:r="http://schemas.openxmlformats.org/officeDocument/2006/relationships" xmlns:p="http://schemas.openxmlformats.org/presentationml/2006/main">
-  <p:cSld>
-    <p:spTree>
-      <p:nvGrpSpPr>
-        <p:cNvPr id="1" name=""/>
-        <p:cNvGrpSpPr/>
-        <p:nvPr/>
-      </p:nvGrpSpPr>
-      <p:grpSpPr>
-        <a:xfrm>
-          <a:off x="0" y="0"/>
-          <a:ext cx="0" cy="0"/>
-          <a:chOff x="0" y="0"/>
-          <a:chExt cx="0" cy="0"/>
-        </a:xfrm>
-      </p:grpSpPr>
-      <p:sp>
-        <p:nvSpPr>
-          <p:cNvPr id="5" name="Title 4"/>
-          <p:cNvSpPr>
-            <a:spLocks noGrp="1"/>
-          </p:cNvSpPr>
-          <p:nvPr>
-            <p:ph type="title"/>
-          </p:nvPr>
-        </p:nvSpPr>
-        <p:spPr/>
-        <p:txBody>
-          <a:bodyPr/>
-          <a:lstStyle/>
-          <a:p>
-            <a:r>
-              <a:rPr lang="en-US">
-                <a:solidFill>
-                  <a:srgbClr val="FF0000"/>
-                </a:solidFill>
-              </a:rPr>
-              <a:t>s</a:t>
-            </a:r>
-            <a:r>
-              <a:rPr lang="en-US"/>
-              <a:t>tream </a:t>
-            </a:r>
-            <a:r>
-              <a:rPr lang="en-US">
-                <a:solidFill>
-                  <a:srgbClr val="FF0000"/>
-                </a:solidFill>
-              </a:rPr>
-              <a:t>ed</a:t>
-            </a:r>
-            <a:r>
-              <a:rPr lang="en-US"/>
-              <a:t>itor</a:t>
-            </a:r>
-          </a:p>
-        </p:txBody>
-      </p:sp>
-      <p:sp>
-        <p:nvSpPr>
-          <p:cNvPr id="6" name="Content Placeholder 5"/>
-          <p:cNvSpPr>
-            <a:spLocks noGrp="1"/>
-          </p:cNvSpPr>
-          <p:nvPr>
-            <p:ph idx="1"/>
-          </p:nvPr>
-        </p:nvSpPr>
-        <p:spPr>
-          <a:xfrm>
-            <a:off x="838200" y="1825625"/>
-            <a:ext cx="10515600" cy="1618615"/>
-          </a:xfrm>
-        </p:spPr>
-        <p:txBody>
-          <a:bodyPr>
-            <a:normAutofit/>
-          </a:bodyPr>
-          <a:lstStyle/>
-          <a:p>
-            <a:r>
-              <a:rPr lang="en-US" dirty="0"/>
-              <a:t>Used to perform basic text transformations on an input stream (a file or input from a pipeline).</a:t>
-            </a:r>
-          </a:p>
-          <a:p>
-            <a:r>
-              <a:rPr lang="en-US" dirty="0"/>
-              <a:t>Can apply regular expression</a:t>
-            </a:r>
-          </a:p>
-        </p:txBody>
-      </p:sp>
-      <p:pic>
-        <p:nvPicPr>
-          <p:cNvPr id="7" name="Picture 6"/>
-          <p:cNvPicPr>
-            <a:picLocks noChangeAspect="1"/>
-          </p:cNvPicPr>
-          <p:nvPr/>
-        </p:nvPicPr>
-        <p:blipFill>
-          <a:blip r:embed="rId3"/>
-          <a:stretch>
-            <a:fillRect/>
-          </a:stretch>
-        </p:blipFill>
-        <p:spPr>
-          <a:xfrm>
-            <a:off x="838200" y="4128710"/>
-            <a:ext cx="8477308" cy="1906329"/>
-          </a:xfrm>
-          <a:prstGeom prst="rect">
-            <a:avLst/>
-          </a:prstGeom>
-        </p:spPr>
-      </p:pic>
-      <p:sp>
-        <p:nvSpPr>
-          <p:cNvPr id="8" name="TextBox 7"/>
-          <p:cNvSpPr txBox="1"/>
-          <p:nvPr/>
-        </p:nvSpPr>
-        <p:spPr>
-          <a:xfrm>
-            <a:off x="838200" y="3759378"/>
-            <a:ext cx="4791633" cy="369332"/>
-          </a:xfrm>
-          <a:prstGeom prst="rect">
-            <a:avLst/>
-          </a:prstGeom>
-          <a:solidFill>
-            <a:srgbClr val="FFC000"/>
-          </a:solidFill>
-        </p:spPr>
-        <p:txBody>
-          <a:bodyPr wrap="none" rtlCol="0">
-            <a:spAutoFit/>
-          </a:bodyPr>
-          <a:lstStyle/>
-          <a:p>
-            <a:r>
-              <a:rPr lang="en-US"/>
-              <a:t>Substitute </a:t>
-            </a:r>
-            <a:r>
-              <a:rPr lang="en-US" i="1">
-                <a:solidFill>
-                  <a:srgbClr val="7030A0"/>
-                </a:solidFill>
-              </a:rPr>
-              <a:t>morning</a:t>
-            </a:r>
-            <a:r>
-              <a:rPr lang="en-US"/>
-              <a:t> in text stream with </a:t>
-            </a:r>
-            <a:r>
-              <a:rPr lang="en-US" i="1">
-                <a:solidFill>
-                  <a:srgbClr val="7030A0"/>
-                </a:solidFill>
-              </a:rPr>
-              <a:t>afternoon</a:t>
-            </a:r>
-          </a:p>
-        </p:txBody>
-      </p:sp>
-    </p:spTree>
-    <p:extLst>
-      <p:ext uri="{BB962C8B-B14F-4D97-AF65-F5344CB8AC3E}">
-        <p14:creationId xmlns:p14="http://schemas.microsoft.com/office/powerpoint/2010/main" val="3060681943"/>
-      </p:ext>
-    </p:extLst>
-  </p:cSld>
-  <p:clrMapOvr>
-    <a:masterClrMapping/>
-  </p:clrMapOvr>
-</p:sld>
-</file>
-
-<file path=ppt/slides/slide34.xml><?xml version="1.0" encoding="utf-8"?>
-<p:sld xmlns:a="http://schemas.openxmlformats.org/drawingml/2006/main" xmlns:r="http://schemas.openxmlformats.org/officeDocument/2006/relationships" xmlns:p="http://schemas.openxmlformats.org/presentationml/2006/main">
-  <p:cSld>
-    <p:spTree>
-      <p:nvGrpSpPr>
-        <p:cNvPr id="1" name=""/>
-        <p:cNvGrpSpPr/>
-        <p:nvPr/>
-      </p:nvGrpSpPr>
-      <p:grpSpPr>
-        <a:xfrm>
-          <a:off x="0" y="0"/>
-          <a:ext cx="0" cy="0"/>
-          <a:chOff x="0" y="0"/>
-          <a:chExt cx="0" cy="0"/>
-        </a:xfrm>
-      </p:grpSpPr>
-      <p:pic>
-        <p:nvPicPr>
-          <p:cNvPr id="4" name="Picture 3"/>
-          <p:cNvPicPr>
-            <a:picLocks noChangeAspect="1"/>
-          </p:cNvPicPr>
-          <p:nvPr/>
-        </p:nvPicPr>
-        <p:blipFill>
-          <a:blip r:embed="rId2"/>
-          <a:stretch>
-            <a:fillRect/>
-          </a:stretch>
-        </p:blipFill>
-        <p:spPr>
-          <a:xfrm>
-            <a:off x="1198586" y="2014133"/>
-            <a:ext cx="9254813" cy="2730587"/>
-          </a:xfrm>
-          <a:prstGeom prst="rect">
-            <a:avLst/>
-          </a:prstGeom>
-        </p:spPr>
-      </p:pic>
-      <p:sp>
-        <p:nvSpPr>
-          <p:cNvPr id="5" name="TextBox 4"/>
-          <p:cNvSpPr txBox="1"/>
-          <p:nvPr/>
-        </p:nvSpPr>
-        <p:spPr>
-          <a:xfrm>
-            <a:off x="1198586" y="1644801"/>
-            <a:ext cx="4791633" cy="369332"/>
-          </a:xfrm>
-          <a:prstGeom prst="rect">
-            <a:avLst/>
-          </a:prstGeom>
-          <a:solidFill>
-            <a:srgbClr val="FFC000"/>
-          </a:solidFill>
-        </p:spPr>
-        <p:txBody>
-          <a:bodyPr wrap="none" rtlCol="0">
-            <a:spAutoFit/>
-          </a:bodyPr>
-          <a:lstStyle/>
-          <a:p>
-            <a:r>
-              <a:rPr lang="en-US"/>
-              <a:t>Substitute </a:t>
-            </a:r>
-            <a:r>
-              <a:rPr lang="en-US" i="1">
-                <a:solidFill>
-                  <a:srgbClr val="7030A0"/>
-                </a:solidFill>
-              </a:rPr>
-              <a:t>morning</a:t>
-            </a:r>
-            <a:r>
-              <a:rPr lang="en-US"/>
-              <a:t> in text stream with </a:t>
-            </a:r>
-            <a:r>
-              <a:rPr lang="en-US" i="1">
-                <a:solidFill>
-                  <a:srgbClr val="7030A0"/>
-                </a:solidFill>
-              </a:rPr>
-              <a:t>afternoon</a:t>
-            </a:r>
-          </a:p>
-        </p:txBody>
-      </p:sp>
-    </p:spTree>
-    <p:extLst>
-      <p:ext uri="{BB962C8B-B14F-4D97-AF65-F5344CB8AC3E}">
-        <p14:creationId xmlns:p14="http://schemas.microsoft.com/office/powerpoint/2010/main" val="3407819487"/>
-      </p:ext>
-    </p:extLst>
-  </p:cSld>
-  <p:clrMapOvr>
-    <a:masterClrMapping/>
-  </p:clrMapOvr>
-</p:sld>
-</file>
-
-<file path=ppt/slides/slide35.xml><?xml version="1.0" encoding="utf-8"?>
-<p:sld xmlns:a="http://schemas.openxmlformats.org/drawingml/2006/main" xmlns:r="http://schemas.openxmlformats.org/officeDocument/2006/relationships" xmlns:p="http://schemas.openxmlformats.org/presentationml/2006/main">
-  <p:cSld>
-    <p:spTree>
-      <p:nvGrpSpPr>
-        <p:cNvPr id="1" name=""/>
-        <p:cNvGrpSpPr/>
-        <p:nvPr/>
-      </p:nvGrpSpPr>
-      <p:grpSpPr>
-        <a:xfrm>
-          <a:off x="0" y="0"/>
-          <a:ext cx="0" cy="0"/>
-          <a:chOff x="0" y="0"/>
-          <a:chExt cx="0" cy="0"/>
-        </a:xfrm>
-      </p:grpSpPr>
-      <p:pic>
-        <p:nvPicPr>
-          <p:cNvPr id="2" name="Picture 1"/>
-          <p:cNvPicPr>
-            <a:picLocks noChangeAspect="1"/>
-          </p:cNvPicPr>
-          <p:nvPr/>
-        </p:nvPicPr>
-        <p:blipFill>
-          <a:blip r:embed="rId2"/>
-          <a:stretch>
-            <a:fillRect/>
-          </a:stretch>
-        </p:blipFill>
-        <p:spPr>
-          <a:xfrm>
-            <a:off x="1084285" y="2271964"/>
-            <a:ext cx="9930548" cy="2188275"/>
-          </a:xfrm>
-          <a:prstGeom prst="rect">
-            <a:avLst/>
-          </a:prstGeom>
-        </p:spPr>
-      </p:pic>
-      <p:sp>
-        <p:nvSpPr>
-          <p:cNvPr id="3" name="Rectangle 2"/>
-          <p:cNvSpPr/>
-          <p:nvPr/>
-        </p:nvSpPr>
-        <p:spPr>
-          <a:xfrm>
-            <a:off x="8196934" y="3965694"/>
-            <a:ext cx="2402132" cy="369332"/>
-          </a:xfrm>
-          <a:prstGeom prst="rect">
-            <a:avLst/>
-          </a:prstGeom>
-          <a:solidFill>
-            <a:schemeClr val="accent4">
-              <a:lumMod val="20000"/>
-              <a:lumOff val="80000"/>
-            </a:schemeClr>
-          </a:solidFill>
-        </p:spPr>
-        <p:txBody>
-          <a:bodyPr wrap="none">
-            <a:spAutoFit/>
-          </a:bodyPr>
-          <a:lstStyle/>
-          <a:p>
-            <a:r>
-              <a:rPr lang="en-US"/>
-              <a:t>/</a:t>
-            </a:r>
-            <a:r>
-              <a:rPr lang="en-US" b="1">
-                <a:solidFill>
-                  <a:srgbClr val="FF0000"/>
-                </a:solidFill>
-              </a:rPr>
-              <a:t>g </a:t>
-            </a:r>
-            <a:r>
-              <a:rPr lang="en-US"/>
-              <a:t>- Global replacement</a:t>
-            </a:r>
-          </a:p>
-        </p:txBody>
-      </p:sp>
-    </p:spTree>
-    <p:extLst>
-      <p:ext uri="{BB962C8B-B14F-4D97-AF65-F5344CB8AC3E}">
-        <p14:creationId xmlns:p14="http://schemas.microsoft.com/office/powerpoint/2010/main" val="57646113"/>
-      </p:ext>
-    </p:extLst>
-  </p:cSld>
-  <p:clrMapOvr>
-    <a:masterClrMapping/>
-  </p:clrMapOvr>
-</p:sld>
-</file>
-
-<file path=ppt/slides/slide36.xml><?xml version="1.0" encoding="utf-8"?>
-<p:sld xmlns:a="http://schemas.openxmlformats.org/drawingml/2006/main" xmlns:r="http://schemas.openxmlformats.org/officeDocument/2006/relationships" xmlns:p="http://schemas.openxmlformats.org/presentationml/2006/main">
-  <p:cSld>
-    <p:spTree>
-      <p:nvGrpSpPr>
-        <p:cNvPr id="1" name=""/>
-        <p:cNvGrpSpPr/>
-        <p:nvPr/>
-      </p:nvGrpSpPr>
-      <p:grpSpPr>
-        <a:xfrm>
-          <a:off x="0" y="0"/>
-          <a:ext cx="0" cy="0"/>
-          <a:chOff x="0" y="0"/>
-          <a:chExt cx="0" cy="0"/>
-        </a:xfrm>
-      </p:grpSpPr>
-      <p:sp>
-        <p:nvSpPr>
-          <p:cNvPr id="2" name="Rectangle 1"/>
-          <p:cNvSpPr/>
-          <p:nvPr/>
-        </p:nvSpPr>
-        <p:spPr>
-          <a:xfrm>
-            <a:off x="7651338" y="0"/>
-            <a:ext cx="4540662" cy="1754326"/>
-          </a:xfrm>
-          <a:prstGeom prst="rect">
-            <a:avLst/>
-          </a:prstGeom>
-          <a:solidFill>
-            <a:schemeClr val="accent4">
-              <a:lumMod val="20000"/>
-              <a:lumOff val="80000"/>
-            </a:schemeClr>
-          </a:solidFill>
-        </p:spPr>
-        <p:txBody>
-          <a:bodyPr wrap="square">
-            <a:spAutoFit/>
-          </a:bodyPr>
-          <a:lstStyle/>
-          <a:p>
-            <a:r>
-              <a:rPr lang="en-US" dirty="0">
-                <a:solidFill>
-                  <a:srgbClr val="FF0000"/>
-                </a:solidFill>
-              </a:rPr>
-              <a:t>4608 (Windows is starting up)</a:t>
-            </a:r>
-          </a:p>
-          <a:p>
-            <a:r>
-              <a:rPr lang="en-US" dirty="0"/>
-              <a:t>1100 (service shutdown)</a:t>
-            </a:r>
-          </a:p>
-          <a:p>
-            <a:r>
-              <a:rPr lang="en-US" dirty="0"/>
-              <a:t>4624 (successful logon)</a:t>
-            </a:r>
-          </a:p>
-          <a:p>
-            <a:r>
-              <a:rPr lang="en-US" dirty="0"/>
-              <a:t>4634 (logoff)</a:t>
-            </a:r>
-          </a:p>
-          <a:p>
-            <a:r>
-              <a:rPr lang="en-US" dirty="0"/>
-              <a:t>4625 (logon failure)</a:t>
-            </a:r>
-          </a:p>
-          <a:p>
-            <a:r>
-              <a:rPr lang="en-US" dirty="0"/>
-              <a:t>4647 (a user initiated the logoff process)...</a:t>
-            </a:r>
-          </a:p>
-        </p:txBody>
-      </p:sp>
-      <p:pic>
-        <p:nvPicPr>
-          <p:cNvPr id="3" name="Picture 2"/>
-          <p:cNvPicPr>
-            <a:picLocks noChangeAspect="1"/>
-          </p:cNvPicPr>
-          <p:nvPr/>
-        </p:nvPicPr>
-        <p:blipFill>
-          <a:blip r:embed="rId3"/>
-          <a:stretch>
-            <a:fillRect/>
-          </a:stretch>
-        </p:blipFill>
-        <p:spPr>
-          <a:xfrm>
-            <a:off x="402188" y="1754326"/>
-            <a:ext cx="11200038" cy="4168954"/>
-          </a:xfrm>
-          <a:prstGeom prst="rect">
-            <a:avLst/>
-          </a:prstGeom>
-        </p:spPr>
-      </p:pic>
-    </p:spTree>
-    <p:extLst>
-      <p:ext uri="{BB962C8B-B14F-4D97-AF65-F5344CB8AC3E}">
-        <p14:creationId xmlns:p14="http://schemas.microsoft.com/office/powerpoint/2010/main" val="173997947"/>
-      </p:ext>
-    </p:extLst>
-  </p:cSld>
-  <p:clrMapOvr>
-    <a:masterClrMapping/>
-  </p:clrMapOvr>
-</p:sld>
-</file>
-
-<file path=ppt/slides/slide37.xml><?xml version="1.0" encoding="utf-8"?>
-<p:sld xmlns:a="http://schemas.openxmlformats.org/drawingml/2006/main" xmlns:r="http://schemas.openxmlformats.org/officeDocument/2006/relationships" xmlns:p="http://schemas.openxmlformats.org/presentationml/2006/main">
-  <p:cSld>
-    <p:spTree>
-      <p:nvGrpSpPr>
-        <p:cNvPr id="1" name=""/>
-        <p:cNvGrpSpPr/>
-        <p:nvPr/>
-      </p:nvGrpSpPr>
-      <p:grpSpPr>
-        <a:xfrm>
-          <a:off x="0" y="0"/>
-          <a:ext cx="0" cy="0"/>
-          <a:chOff x="0" y="0"/>
-          <a:chExt cx="0" cy="0"/>
-        </a:xfrm>
-      </p:grpSpPr>
-      <p:sp>
-        <p:nvSpPr>
-          <p:cNvPr id="2" name="Title 1"/>
-          <p:cNvSpPr>
-            <a:spLocks noGrp="1"/>
-          </p:cNvSpPr>
-          <p:nvPr>
-            <p:ph type="title"/>
-          </p:nvPr>
-        </p:nvSpPr>
-        <p:spPr/>
-        <p:txBody>
-          <a:bodyPr/>
-          <a:lstStyle/>
-          <a:p>
-            <a:r>
-              <a:rPr lang="en-US">
-                <a:solidFill>
-                  <a:srgbClr val="FF0000"/>
-                </a:solidFill>
-              </a:rPr>
-              <a:t>ed</a:t>
-            </a:r>
-            <a:r>
-              <a:rPr lang="en-US"/>
-              <a:t>it XML document(s) </a:t>
-            </a:r>
-          </a:p>
-        </p:txBody>
-      </p:sp>
-      <p:sp>
-        <p:nvSpPr>
-          <p:cNvPr id="3" name="Text Placeholder 2"/>
-          <p:cNvSpPr>
-            <a:spLocks noGrp="1"/>
-          </p:cNvSpPr>
-          <p:nvPr>
-            <p:ph type="body" idx="1"/>
-          </p:nvPr>
-        </p:nvSpPr>
-        <p:spPr/>
-        <p:txBody>
-          <a:bodyPr/>
-          <a:lstStyle/>
-          <a:p>
-            <a:endParaRPr lang="en-US"/>
-          </a:p>
-        </p:txBody>
-      </p:sp>
-    </p:spTree>
-    <p:extLst>
-      <p:ext uri="{BB962C8B-B14F-4D97-AF65-F5344CB8AC3E}">
-        <p14:creationId xmlns:p14="http://schemas.microsoft.com/office/powerpoint/2010/main" val="1059292854"/>
-      </p:ext>
-    </p:extLst>
-  </p:cSld>
-  <p:clrMapOvr>
-    <a:masterClrMapping/>
-  </p:clrMapOvr>
-</p:sld>
-</file>
-
-<file path=ppt/slides/slide38.xml><?xml version="1.0" encoding="utf-8"?>
+<file path=ppt/slides/slide40.xml><?xml version="1.0" encoding="utf-8"?>
 <p:sld xmlns:a="http://schemas.openxmlformats.org/drawingml/2006/main" xmlns:r="http://schemas.openxmlformats.org/officeDocument/2006/relationships" xmlns:p="http://schemas.openxmlformats.org/presentationml/2006/main">
   <p:cSld>
     <p:spTree>
@@ -14402,7 +14915,7 @@
 </p:sld>
 </file>
 
-<file path=ppt/slides/slide39.xml><?xml version="1.0" encoding="utf-8"?>
+<file path=ppt/slides/slide41.xml><?xml version="1.0" encoding="utf-8"?>
 <p:sld xmlns:a="http://schemas.openxmlformats.org/drawingml/2006/main" xmlns:r="http://schemas.openxmlformats.org/officeDocument/2006/relationships" xmlns:p="http://schemas.openxmlformats.org/presentationml/2006/main">
   <p:cSld>
     <p:spTree>
@@ -14493,130 +15006,7 @@
 </p:sld>
 </file>
 
-<file path=ppt/slides/slide4.xml><?xml version="1.0" encoding="utf-8"?>
-<p:sld xmlns:a="http://schemas.openxmlformats.org/drawingml/2006/main" xmlns:r="http://schemas.openxmlformats.org/officeDocument/2006/relationships" xmlns:p="http://schemas.openxmlformats.org/presentationml/2006/main">
-  <p:cSld>
-    <p:spTree>
-      <p:nvGrpSpPr>
-        <p:cNvPr id="1" name=""/>
-        <p:cNvGrpSpPr/>
-        <p:nvPr/>
-      </p:nvGrpSpPr>
-      <p:grpSpPr>
-        <a:xfrm>
-          <a:off x="0" y="0"/>
-          <a:ext cx="0" cy="0"/>
-          <a:chOff x="0" y="0"/>
-          <a:chExt cx="0" cy="0"/>
-        </a:xfrm>
-      </p:grpSpPr>
-      <p:sp>
-        <p:nvSpPr>
-          <p:cNvPr id="4" name="Title 3">
-            <a:extLst>
-              <a:ext uri="{FF2B5EF4-FFF2-40B4-BE49-F238E27FC236}">
-                <a16:creationId xmlns:a16="http://schemas.microsoft.com/office/drawing/2014/main" id="{4E93FFAF-3A41-495F-89E5-A5172E405081}"/>
-              </a:ext>
-            </a:extLst>
-          </p:cNvPr>
-          <p:cNvSpPr>
-            <a:spLocks noGrp="1"/>
-          </p:cNvSpPr>
-          <p:nvPr>
-            <p:ph type="title"/>
-          </p:nvPr>
-        </p:nvSpPr>
-        <p:spPr/>
-        <p:txBody>
-          <a:bodyPr/>
-          <a:lstStyle/>
-          <a:p>
-            <a:r>
-              <a:rPr lang="en-US" dirty="0"/>
-              <a:t>How to search events?</a:t>
-            </a:r>
-          </a:p>
-        </p:txBody>
-      </p:sp>
-      <p:pic>
-        <p:nvPicPr>
-          <p:cNvPr id="6" name="Picture 5">
-            <a:extLst>
-              <a:ext uri="{FF2B5EF4-FFF2-40B4-BE49-F238E27FC236}">
-                <a16:creationId xmlns:a16="http://schemas.microsoft.com/office/drawing/2014/main" id="{7B62DDD4-AD77-487C-BE30-ADE9DBA74144}"/>
-              </a:ext>
-            </a:extLst>
-          </p:cNvPr>
-          <p:cNvPicPr>
-            <a:picLocks noChangeAspect="1"/>
-          </p:cNvPicPr>
-          <p:nvPr/>
-        </p:nvPicPr>
-        <p:blipFill>
-          <a:blip r:embed="rId2"/>
-          <a:stretch>
-            <a:fillRect/>
-          </a:stretch>
-        </p:blipFill>
-        <p:spPr>
-          <a:xfrm>
-            <a:off x="838200" y="1690688"/>
-            <a:ext cx="7506081" cy="4532630"/>
-          </a:xfrm>
-          <a:prstGeom prst="rect">
-            <a:avLst/>
-          </a:prstGeom>
-        </p:spPr>
-      </p:pic>
-      <p:sp>
-        <p:nvSpPr>
-          <p:cNvPr id="8" name="TextBox 7">
-            <a:extLst>
-              <a:ext uri="{FF2B5EF4-FFF2-40B4-BE49-F238E27FC236}">
-                <a16:creationId xmlns:a16="http://schemas.microsoft.com/office/drawing/2014/main" id="{FFEB6DD8-F063-4B01-9846-0A255FFCA60C}"/>
-              </a:ext>
-            </a:extLst>
-          </p:cNvPr>
-          <p:cNvSpPr txBox="1"/>
-          <p:nvPr/>
-        </p:nvSpPr>
-        <p:spPr>
-          <a:xfrm>
-            <a:off x="732981" y="1398469"/>
-            <a:ext cx="6185979" cy="307777"/>
-          </a:xfrm>
-          <a:prstGeom prst="rect">
-            <a:avLst/>
-          </a:prstGeom>
-          <a:noFill/>
-        </p:spPr>
-        <p:txBody>
-          <a:bodyPr wrap="square">
-            <a:spAutoFit/>
-          </a:bodyPr>
-          <a:lstStyle/>
-          <a:p>
-            <a:r>
-              <a:rPr lang="en-US" sz="1400" dirty="0"/>
-              <a:t>https://www.ultimatewindowssecurity.com/securitylog/encyclopedia/default.aspx</a:t>
-            </a:r>
-          </a:p>
-        </p:txBody>
-      </p:sp>
-    </p:spTree>
-    <p:extLst>
-      <p:ext uri="{BB962C8B-B14F-4D97-AF65-F5344CB8AC3E}">
-        <p14:creationId xmlns:p14="http://schemas.microsoft.com/office/powerpoint/2010/main" val="1823173735"/>
-      </p:ext>
-    </p:extLst>
-  </p:cSld>
-  <p:clrMapOvr>
-    <a:masterClrMapping/>
-  </p:clrMapOvr>
-</p:sld>
-</file>
-
-<file path=ppt/slides/slide40.xml><?xml version="1.0" encoding="utf-8"?>
+<file path=ppt/slides/slide42.xml><?xml version="1.0" encoding="utf-8"?>
 <p:sld xmlns:a="http://schemas.openxmlformats.org/drawingml/2006/main" xmlns:r="http://schemas.openxmlformats.org/officeDocument/2006/relationships" xmlns:p="http://schemas.openxmlformats.org/presentationml/2006/main">
   <p:cSld>
     <p:spTree>
@@ -14712,291 +15102,6 @@
     <p:extLst>
       <p:ext uri="{BB962C8B-B14F-4D97-AF65-F5344CB8AC3E}">
         <p14:creationId xmlns:p14="http://schemas.microsoft.com/office/powerpoint/2010/main" val="3387639174"/>
-      </p:ext>
-    </p:extLst>
-  </p:cSld>
-  <p:clrMapOvr>
-    <a:masterClrMapping/>
-  </p:clrMapOvr>
-</p:sld>
-</file>
-
-<file path=ppt/slides/slide41.xml><?xml version="1.0" encoding="utf-8"?>
-<p:sld xmlns:a="http://schemas.openxmlformats.org/drawingml/2006/main" xmlns:r="http://schemas.openxmlformats.org/officeDocument/2006/relationships" xmlns:p="http://schemas.openxmlformats.org/presentationml/2006/main">
-  <p:cSld>
-    <p:spTree>
-      <p:nvGrpSpPr>
-        <p:cNvPr id="1" name=""/>
-        <p:cNvGrpSpPr/>
-        <p:nvPr/>
-      </p:nvGrpSpPr>
-      <p:grpSpPr>
-        <a:xfrm>
-          <a:off x="0" y="0"/>
-          <a:ext cx="0" cy="0"/>
-          <a:chOff x="0" y="0"/>
-          <a:chExt cx="0" cy="0"/>
-        </a:xfrm>
-      </p:grpSpPr>
-      <p:pic>
-        <p:nvPicPr>
-          <p:cNvPr id="2" name="Picture 1"/>
-          <p:cNvPicPr>
-            <a:picLocks noChangeAspect="1"/>
-          </p:cNvPicPr>
-          <p:nvPr/>
-        </p:nvPicPr>
-        <p:blipFill>
-          <a:blip r:embed="rId3"/>
-          <a:stretch>
-            <a:fillRect/>
-          </a:stretch>
-        </p:blipFill>
-        <p:spPr>
-          <a:xfrm>
-            <a:off x="890320" y="1165663"/>
-            <a:ext cx="10178913" cy="4856445"/>
-          </a:xfrm>
-          <a:prstGeom prst="rect">
-            <a:avLst/>
-          </a:prstGeom>
-        </p:spPr>
-      </p:pic>
-      <p:sp>
-        <p:nvSpPr>
-          <p:cNvPr id="3" name="TextBox 2"/>
-          <p:cNvSpPr txBox="1"/>
-          <p:nvPr/>
-        </p:nvSpPr>
-        <p:spPr>
-          <a:xfrm>
-            <a:off x="890320" y="796331"/>
-            <a:ext cx="9057244" cy="369332"/>
-          </a:xfrm>
-          <a:prstGeom prst="rect">
-            <a:avLst/>
-          </a:prstGeom>
-          <a:solidFill>
-            <a:srgbClr val="FFC000"/>
-          </a:solidFill>
-        </p:spPr>
-        <p:txBody>
-          <a:bodyPr wrap="square" rtlCol="0">
-            <a:spAutoFit/>
-          </a:bodyPr>
-          <a:lstStyle/>
-          <a:p>
-            <a:r>
-              <a:rPr lang="en-US" b="1" i="1">
-                <a:solidFill>
-                  <a:srgbClr val="FF0000"/>
-                </a:solidFill>
-              </a:rPr>
-              <a:t>O</a:t>
-            </a:r>
-            <a:r>
-              <a:rPr lang="en-US" i="1">
-                <a:solidFill>
-                  <a:srgbClr val="7030A0"/>
-                </a:solidFill>
-              </a:rPr>
-              <a:t>mit XML declaration (&lt;?xml ...?&gt;) </a:t>
-            </a:r>
-            <a:r>
-              <a:rPr lang="en-US"/>
-              <a:t>and</a:t>
-            </a:r>
-            <a:r>
-              <a:rPr lang="en-US" i="1">
-                <a:solidFill>
-                  <a:srgbClr val="7030A0"/>
-                </a:solidFill>
-              </a:rPr>
-              <a:t> “</a:t>
-            </a:r>
-            <a:r>
-              <a:rPr lang="en-US" b="1" i="1">
-                <a:solidFill>
-                  <a:srgbClr val="FF0000"/>
-                </a:solidFill>
-              </a:rPr>
-              <a:t>d</a:t>
-            </a:r>
-            <a:r>
-              <a:rPr lang="en-US"/>
-              <a:t>elete”</a:t>
-            </a:r>
-            <a:r>
-              <a:rPr lang="en-US" i="1">
-                <a:solidFill>
-                  <a:srgbClr val="7030A0"/>
-                </a:solidFill>
-              </a:rPr>
-              <a:t> </a:t>
-            </a:r>
-            <a:r>
-              <a:rPr lang="en-US"/>
-              <a:t>the node </a:t>
-            </a:r>
-            <a:r>
-              <a:rPr lang="en-US" i="1">
-                <a:solidFill>
-                  <a:srgbClr val="7030A0"/>
-                </a:solidFill>
-              </a:rPr>
-              <a:t>&lt;Level&gt;&lt;/Level&gt;</a:t>
-            </a:r>
-          </a:p>
-        </p:txBody>
-      </p:sp>
-      <p:sp>
-        <p:nvSpPr>
-          <p:cNvPr id="4" name="TextBox 3"/>
-          <p:cNvSpPr txBox="1"/>
-          <p:nvPr/>
-        </p:nvSpPr>
-        <p:spPr>
-          <a:xfrm>
-            <a:off x="7269017" y="2855190"/>
-            <a:ext cx="3571299" cy="1200329"/>
-          </a:xfrm>
-          <a:prstGeom prst="rect">
-            <a:avLst/>
-          </a:prstGeom>
-          <a:solidFill>
-            <a:schemeClr val="accent4">
-              <a:lumMod val="20000"/>
-              <a:lumOff val="80000"/>
-            </a:schemeClr>
-          </a:solidFill>
-        </p:spPr>
-        <p:txBody>
-          <a:bodyPr wrap="none" rtlCol="0">
-            <a:spAutoFit/>
-          </a:bodyPr>
-          <a:lstStyle/>
-          <a:p>
-            <a:r>
-              <a:rPr lang="en-US">
-                <a:solidFill>
-                  <a:srgbClr val="FF0000"/>
-                </a:solidFill>
-              </a:rPr>
-              <a:t>-d</a:t>
-            </a:r>
-            <a:r>
-              <a:rPr lang="en-US"/>
-              <a:t>: is not </a:t>
-            </a:r>
-            <a:r>
-              <a:rPr lang="en-US">
-                <a:solidFill>
-                  <a:srgbClr val="FF0000"/>
-                </a:solidFill>
-              </a:rPr>
-              <a:t>actually</a:t>
-            </a:r>
-            <a:r>
-              <a:rPr lang="en-US"/>
-              <a:t> deleting the note, </a:t>
-            </a:r>
-          </a:p>
-          <a:p>
-            <a:r>
-              <a:rPr lang="en-US"/>
-              <a:t>only show deleted stream</a:t>
-            </a:r>
-          </a:p>
-          <a:p>
-            <a:endParaRPr lang="en-US"/>
-          </a:p>
-          <a:p>
-            <a:r>
-              <a:rPr lang="en-US" b="1">
-                <a:solidFill>
-                  <a:srgbClr val="7030A0"/>
-                </a:solidFill>
-              </a:rPr>
-              <a:t>How to actually delete a node?</a:t>
-            </a:r>
-          </a:p>
-        </p:txBody>
-      </p:sp>
-    </p:spTree>
-    <p:extLst>
-      <p:ext uri="{BB962C8B-B14F-4D97-AF65-F5344CB8AC3E}">
-        <p14:creationId xmlns:p14="http://schemas.microsoft.com/office/powerpoint/2010/main" val="2352346831"/>
-      </p:ext>
-    </p:extLst>
-  </p:cSld>
-  <p:clrMapOvr>
-    <a:masterClrMapping/>
-  </p:clrMapOvr>
-</p:sld>
-</file>
-
-<file path=ppt/slides/slide42.xml><?xml version="1.0" encoding="utf-8"?>
-<p:sld xmlns:a="http://schemas.openxmlformats.org/drawingml/2006/main" xmlns:r="http://schemas.openxmlformats.org/officeDocument/2006/relationships" xmlns:p="http://schemas.openxmlformats.org/presentationml/2006/main">
-  <p:cSld>
-    <p:spTree>
-      <p:nvGrpSpPr>
-        <p:cNvPr id="1" name=""/>
-        <p:cNvGrpSpPr/>
-        <p:nvPr/>
-      </p:nvGrpSpPr>
-      <p:grpSpPr>
-        <a:xfrm>
-          <a:off x="0" y="0"/>
-          <a:ext cx="0" cy="0"/>
-          <a:chOff x="0" y="0"/>
-          <a:chExt cx="0" cy="0"/>
-        </a:xfrm>
-      </p:grpSpPr>
-      <p:sp>
-        <p:nvSpPr>
-          <p:cNvPr id="2" name="Title 1"/>
-          <p:cNvSpPr>
-            <a:spLocks noGrp="1"/>
-          </p:cNvSpPr>
-          <p:nvPr>
-            <p:ph type="title"/>
-          </p:nvPr>
-        </p:nvSpPr>
-        <p:spPr/>
-        <p:txBody>
-          <a:bodyPr/>
-          <a:lstStyle/>
-          <a:p>
-            <a:r>
-              <a:rPr lang="en-US"/>
-              <a:t>Deleting namespace declarations</a:t>
-            </a:r>
-          </a:p>
-        </p:txBody>
-      </p:sp>
-      <p:sp>
-        <p:nvSpPr>
-          <p:cNvPr id="3" name="Text Placeholder 2"/>
-          <p:cNvSpPr>
-            <a:spLocks noGrp="1"/>
-          </p:cNvSpPr>
-          <p:nvPr>
-            <p:ph type="body" idx="1"/>
-          </p:nvPr>
-        </p:nvSpPr>
-        <p:spPr/>
-        <p:txBody>
-          <a:bodyPr/>
-          <a:lstStyle/>
-          <a:p>
-            <a:endParaRPr lang="en-US"/>
-          </a:p>
-        </p:txBody>
-      </p:sp>
-    </p:spTree>
-    <p:extLst>
-      <p:ext uri="{BB962C8B-B14F-4D97-AF65-F5344CB8AC3E}">
-        <p14:creationId xmlns:p14="http://schemas.microsoft.com/office/powerpoint/2010/main" val="1010073087"/>
       </p:ext>
     </p:extLst>
   </p:cSld>
@@ -15039,6 +15144,291 @@
         </p:blipFill>
         <p:spPr>
           <a:xfrm>
+            <a:off x="890320" y="1165663"/>
+            <a:ext cx="10178913" cy="4856445"/>
+          </a:xfrm>
+          <a:prstGeom prst="rect">
+            <a:avLst/>
+          </a:prstGeom>
+        </p:spPr>
+      </p:pic>
+      <p:sp>
+        <p:nvSpPr>
+          <p:cNvPr id="3" name="TextBox 2"/>
+          <p:cNvSpPr txBox="1"/>
+          <p:nvPr/>
+        </p:nvSpPr>
+        <p:spPr>
+          <a:xfrm>
+            <a:off x="890320" y="796331"/>
+            <a:ext cx="9057244" cy="369332"/>
+          </a:xfrm>
+          <a:prstGeom prst="rect">
+            <a:avLst/>
+          </a:prstGeom>
+          <a:solidFill>
+            <a:srgbClr val="FFC000"/>
+          </a:solidFill>
+        </p:spPr>
+        <p:txBody>
+          <a:bodyPr wrap="square" rtlCol="0">
+            <a:spAutoFit/>
+          </a:bodyPr>
+          <a:lstStyle/>
+          <a:p>
+            <a:r>
+              <a:rPr lang="en-US" b="1" i="1">
+                <a:solidFill>
+                  <a:srgbClr val="FF0000"/>
+                </a:solidFill>
+              </a:rPr>
+              <a:t>O</a:t>
+            </a:r>
+            <a:r>
+              <a:rPr lang="en-US" i="1">
+                <a:solidFill>
+                  <a:srgbClr val="7030A0"/>
+                </a:solidFill>
+              </a:rPr>
+              <a:t>mit XML declaration (&lt;?xml ...?&gt;) </a:t>
+            </a:r>
+            <a:r>
+              <a:rPr lang="en-US"/>
+              <a:t>and</a:t>
+            </a:r>
+            <a:r>
+              <a:rPr lang="en-US" i="1">
+                <a:solidFill>
+                  <a:srgbClr val="7030A0"/>
+                </a:solidFill>
+              </a:rPr>
+              <a:t> “</a:t>
+            </a:r>
+            <a:r>
+              <a:rPr lang="en-US" b="1" i="1">
+                <a:solidFill>
+                  <a:srgbClr val="FF0000"/>
+                </a:solidFill>
+              </a:rPr>
+              <a:t>d</a:t>
+            </a:r>
+            <a:r>
+              <a:rPr lang="en-US"/>
+              <a:t>elete”</a:t>
+            </a:r>
+            <a:r>
+              <a:rPr lang="en-US" i="1">
+                <a:solidFill>
+                  <a:srgbClr val="7030A0"/>
+                </a:solidFill>
+              </a:rPr>
+              <a:t> </a:t>
+            </a:r>
+            <a:r>
+              <a:rPr lang="en-US"/>
+              <a:t>the node </a:t>
+            </a:r>
+            <a:r>
+              <a:rPr lang="en-US" i="1">
+                <a:solidFill>
+                  <a:srgbClr val="7030A0"/>
+                </a:solidFill>
+              </a:rPr>
+              <a:t>&lt;Level&gt;&lt;/Level&gt;</a:t>
+            </a:r>
+          </a:p>
+        </p:txBody>
+      </p:sp>
+      <p:sp>
+        <p:nvSpPr>
+          <p:cNvPr id="4" name="TextBox 3"/>
+          <p:cNvSpPr txBox="1"/>
+          <p:nvPr/>
+        </p:nvSpPr>
+        <p:spPr>
+          <a:xfrm>
+            <a:off x="7269017" y="2855190"/>
+            <a:ext cx="3571299" cy="1200329"/>
+          </a:xfrm>
+          <a:prstGeom prst="rect">
+            <a:avLst/>
+          </a:prstGeom>
+          <a:solidFill>
+            <a:schemeClr val="accent4">
+              <a:lumMod val="20000"/>
+              <a:lumOff val="80000"/>
+            </a:schemeClr>
+          </a:solidFill>
+        </p:spPr>
+        <p:txBody>
+          <a:bodyPr wrap="none" rtlCol="0">
+            <a:spAutoFit/>
+          </a:bodyPr>
+          <a:lstStyle/>
+          <a:p>
+            <a:r>
+              <a:rPr lang="en-US">
+                <a:solidFill>
+                  <a:srgbClr val="FF0000"/>
+                </a:solidFill>
+              </a:rPr>
+              <a:t>-d</a:t>
+            </a:r>
+            <a:r>
+              <a:rPr lang="en-US"/>
+              <a:t>: is not </a:t>
+            </a:r>
+            <a:r>
+              <a:rPr lang="en-US">
+                <a:solidFill>
+                  <a:srgbClr val="FF0000"/>
+                </a:solidFill>
+              </a:rPr>
+              <a:t>actually</a:t>
+            </a:r>
+            <a:r>
+              <a:rPr lang="en-US"/>
+              <a:t> deleting the note, </a:t>
+            </a:r>
+          </a:p>
+          <a:p>
+            <a:r>
+              <a:rPr lang="en-US"/>
+              <a:t>only show deleted stream</a:t>
+            </a:r>
+          </a:p>
+          <a:p>
+            <a:endParaRPr lang="en-US"/>
+          </a:p>
+          <a:p>
+            <a:r>
+              <a:rPr lang="en-US" b="1">
+                <a:solidFill>
+                  <a:srgbClr val="7030A0"/>
+                </a:solidFill>
+              </a:rPr>
+              <a:t>How to actually delete a node?</a:t>
+            </a:r>
+          </a:p>
+        </p:txBody>
+      </p:sp>
+    </p:spTree>
+    <p:extLst>
+      <p:ext uri="{BB962C8B-B14F-4D97-AF65-F5344CB8AC3E}">
+        <p14:creationId xmlns:p14="http://schemas.microsoft.com/office/powerpoint/2010/main" val="2352346831"/>
+      </p:ext>
+    </p:extLst>
+  </p:cSld>
+  <p:clrMapOvr>
+    <a:masterClrMapping/>
+  </p:clrMapOvr>
+</p:sld>
+</file>
+
+<file path=ppt/slides/slide44.xml><?xml version="1.0" encoding="utf-8"?>
+<p:sld xmlns:a="http://schemas.openxmlformats.org/drawingml/2006/main" xmlns:r="http://schemas.openxmlformats.org/officeDocument/2006/relationships" xmlns:p="http://schemas.openxmlformats.org/presentationml/2006/main">
+  <p:cSld>
+    <p:spTree>
+      <p:nvGrpSpPr>
+        <p:cNvPr id="1" name=""/>
+        <p:cNvGrpSpPr/>
+        <p:nvPr/>
+      </p:nvGrpSpPr>
+      <p:grpSpPr>
+        <a:xfrm>
+          <a:off x="0" y="0"/>
+          <a:ext cx="0" cy="0"/>
+          <a:chOff x="0" y="0"/>
+          <a:chExt cx="0" cy="0"/>
+        </a:xfrm>
+      </p:grpSpPr>
+      <p:sp>
+        <p:nvSpPr>
+          <p:cNvPr id="2" name="Title 1"/>
+          <p:cNvSpPr>
+            <a:spLocks noGrp="1"/>
+          </p:cNvSpPr>
+          <p:nvPr>
+            <p:ph type="title"/>
+          </p:nvPr>
+        </p:nvSpPr>
+        <p:spPr/>
+        <p:txBody>
+          <a:bodyPr/>
+          <a:lstStyle/>
+          <a:p>
+            <a:r>
+              <a:rPr lang="en-US"/>
+              <a:t>Deleting namespace declarations</a:t>
+            </a:r>
+          </a:p>
+        </p:txBody>
+      </p:sp>
+      <p:sp>
+        <p:nvSpPr>
+          <p:cNvPr id="3" name="Text Placeholder 2"/>
+          <p:cNvSpPr>
+            <a:spLocks noGrp="1"/>
+          </p:cNvSpPr>
+          <p:nvPr>
+            <p:ph type="body" idx="1"/>
+          </p:nvPr>
+        </p:nvSpPr>
+        <p:spPr/>
+        <p:txBody>
+          <a:bodyPr/>
+          <a:lstStyle/>
+          <a:p>
+            <a:endParaRPr lang="en-US"/>
+          </a:p>
+        </p:txBody>
+      </p:sp>
+    </p:spTree>
+    <p:extLst>
+      <p:ext uri="{BB962C8B-B14F-4D97-AF65-F5344CB8AC3E}">
+        <p14:creationId xmlns:p14="http://schemas.microsoft.com/office/powerpoint/2010/main" val="1010073087"/>
+      </p:ext>
+    </p:extLst>
+  </p:cSld>
+  <p:clrMapOvr>
+    <a:masterClrMapping/>
+  </p:clrMapOvr>
+</p:sld>
+</file>
+
+<file path=ppt/slides/slide45.xml><?xml version="1.0" encoding="utf-8"?>
+<p:sld xmlns:a="http://schemas.openxmlformats.org/drawingml/2006/main" xmlns:r="http://schemas.openxmlformats.org/officeDocument/2006/relationships" xmlns:p="http://schemas.openxmlformats.org/presentationml/2006/main">
+  <p:cSld>
+    <p:spTree>
+      <p:nvGrpSpPr>
+        <p:cNvPr id="1" name=""/>
+        <p:cNvGrpSpPr/>
+        <p:nvPr/>
+      </p:nvGrpSpPr>
+      <p:grpSpPr>
+        <a:xfrm>
+          <a:off x="0" y="0"/>
+          <a:ext cx="0" cy="0"/>
+          <a:chOff x="0" y="0"/>
+          <a:chExt cx="0" cy="0"/>
+        </a:xfrm>
+      </p:grpSpPr>
+      <p:pic>
+        <p:nvPicPr>
+          <p:cNvPr id="2" name="Picture 1"/>
+          <p:cNvPicPr>
+            <a:picLocks noChangeAspect="1"/>
+          </p:cNvPicPr>
+          <p:nvPr/>
+        </p:nvPicPr>
+        <p:blipFill>
+          <a:blip r:embed="rId3"/>
+          <a:stretch>
+            <a:fillRect/>
+          </a:stretch>
+        </p:blipFill>
+        <p:spPr>
+          <a:xfrm>
             <a:off x="1592189" y="1199957"/>
             <a:ext cx="9007621" cy="4458086"/>
           </a:xfrm>
@@ -15105,7 +15495,7 @@
 </p:sld>
 </file>
 
-<file path=ppt/slides/slide44.xml><?xml version="1.0" encoding="utf-8"?>
+<file path=ppt/slides/slide46.xml><?xml version="1.0" encoding="utf-8"?>
 <p:sld xmlns:a="http://schemas.openxmlformats.org/drawingml/2006/main" xmlns:r="http://schemas.openxmlformats.org/officeDocument/2006/relationships" xmlns:p="http://schemas.openxmlformats.org/presentationml/2006/main">
   <p:cSld>
     <p:spTree>
@@ -15383,7 +15773,7 @@
 </p:sld>
 </file>
 
-<file path=ppt/slides/slide45.xml><?xml version="1.0" encoding="utf-8"?>
+<file path=ppt/slides/slide47.xml><?xml version="1.0" encoding="utf-8"?>
 <p:sld xmlns:a="http://schemas.openxmlformats.org/drawingml/2006/main" xmlns:r="http://schemas.openxmlformats.org/officeDocument/2006/relationships" xmlns:p="http://schemas.openxmlformats.org/presentationml/2006/main">
   <p:cSld>
     <p:spTree>
@@ -15437,7 +15827,7 @@
 </p:sld>
 </file>
 
-<file path=ppt/slides/slide46.xml><?xml version="1.0" encoding="utf-8"?>
+<file path=ppt/slides/slide48.xml><?xml version="1.0" encoding="utf-8"?>
 <p:sld xmlns:a="http://schemas.openxmlformats.org/drawingml/2006/main" xmlns:r="http://schemas.openxmlformats.org/officeDocument/2006/relationships" xmlns:p="http://schemas.openxmlformats.org/presentationml/2006/main">
   <p:cSld>
     <p:spTree>
@@ -15508,7 +15898,7 @@
 </p:sld>
 </file>
 
-<file path=ppt/slides/slide47.xml><?xml version="1.0" encoding="utf-8"?>
+<file path=ppt/slides/slide49.xml><?xml version="1.0" encoding="utf-8"?>
 <p:sld xmlns:a="http://schemas.openxmlformats.org/drawingml/2006/main" xmlns:r="http://schemas.openxmlformats.org/officeDocument/2006/relationships" xmlns:p="http://schemas.openxmlformats.org/presentationml/2006/main">
   <p:cSld>
     <p:spTree>
@@ -15712,7 +16102,7 @@
 </p:sld>
 </file>
 
-<file path=ppt/slides/slide48.xml><?xml version="1.0" encoding="utf-8"?>
+<file path=ppt/slides/slide5.xml><?xml version="1.0" encoding="utf-8"?>
 <p:sld xmlns:a="http://schemas.openxmlformats.org/drawingml/2006/main" xmlns:r="http://schemas.openxmlformats.org/officeDocument/2006/relationships" xmlns:p="http://schemas.openxmlformats.org/presentationml/2006/main">
   <p:cSld>
     <p:spTree>
@@ -15731,6 +16121,129 @@
       </p:grpSpPr>
       <p:sp>
         <p:nvSpPr>
+          <p:cNvPr id="4" name="Title 3">
+            <a:extLst>
+              <a:ext uri="{FF2B5EF4-FFF2-40B4-BE49-F238E27FC236}">
+                <a16:creationId xmlns:a16="http://schemas.microsoft.com/office/drawing/2014/main" id="{4E93FFAF-3A41-495F-89E5-A5172E405081}"/>
+              </a:ext>
+            </a:extLst>
+          </p:cNvPr>
+          <p:cNvSpPr>
+            <a:spLocks noGrp="1"/>
+          </p:cNvSpPr>
+          <p:nvPr>
+            <p:ph type="title"/>
+          </p:nvPr>
+        </p:nvSpPr>
+        <p:spPr/>
+        <p:txBody>
+          <a:bodyPr/>
+          <a:lstStyle/>
+          <a:p>
+            <a:r>
+              <a:rPr lang="en-US" dirty="0"/>
+              <a:t>How to search events?</a:t>
+            </a:r>
+          </a:p>
+        </p:txBody>
+      </p:sp>
+      <p:pic>
+        <p:nvPicPr>
+          <p:cNvPr id="6" name="Picture 5">
+            <a:extLst>
+              <a:ext uri="{FF2B5EF4-FFF2-40B4-BE49-F238E27FC236}">
+                <a16:creationId xmlns:a16="http://schemas.microsoft.com/office/drawing/2014/main" id="{7B62DDD4-AD77-487C-BE30-ADE9DBA74144}"/>
+              </a:ext>
+            </a:extLst>
+          </p:cNvPr>
+          <p:cNvPicPr>
+            <a:picLocks noChangeAspect="1"/>
+          </p:cNvPicPr>
+          <p:nvPr/>
+        </p:nvPicPr>
+        <p:blipFill>
+          <a:blip r:embed="rId2"/>
+          <a:stretch>
+            <a:fillRect/>
+          </a:stretch>
+        </p:blipFill>
+        <p:spPr>
+          <a:xfrm>
+            <a:off x="838200" y="1690688"/>
+            <a:ext cx="7506081" cy="4532630"/>
+          </a:xfrm>
+          <a:prstGeom prst="rect">
+            <a:avLst/>
+          </a:prstGeom>
+        </p:spPr>
+      </p:pic>
+      <p:sp>
+        <p:nvSpPr>
+          <p:cNvPr id="8" name="TextBox 7">
+            <a:extLst>
+              <a:ext uri="{FF2B5EF4-FFF2-40B4-BE49-F238E27FC236}">
+                <a16:creationId xmlns:a16="http://schemas.microsoft.com/office/drawing/2014/main" id="{FFEB6DD8-F063-4B01-9846-0A255FFCA60C}"/>
+              </a:ext>
+            </a:extLst>
+          </p:cNvPr>
+          <p:cNvSpPr txBox="1"/>
+          <p:nvPr/>
+        </p:nvSpPr>
+        <p:spPr>
+          <a:xfrm>
+            <a:off x="732981" y="1398469"/>
+            <a:ext cx="6185979" cy="307777"/>
+          </a:xfrm>
+          <a:prstGeom prst="rect">
+            <a:avLst/>
+          </a:prstGeom>
+          <a:noFill/>
+        </p:spPr>
+        <p:txBody>
+          <a:bodyPr wrap="square">
+            <a:spAutoFit/>
+          </a:bodyPr>
+          <a:lstStyle/>
+          <a:p>
+            <a:r>
+              <a:rPr lang="en-US" sz="1400" dirty="0"/>
+              <a:t>https://www.ultimatewindowssecurity.com/securitylog/encyclopedia/default.aspx</a:t>
+            </a:r>
+          </a:p>
+        </p:txBody>
+      </p:sp>
+    </p:spTree>
+    <p:extLst>
+      <p:ext uri="{BB962C8B-B14F-4D97-AF65-F5344CB8AC3E}">
+        <p14:creationId xmlns:p14="http://schemas.microsoft.com/office/powerpoint/2010/main" val="1823173735"/>
+      </p:ext>
+    </p:extLst>
+  </p:cSld>
+  <p:clrMapOvr>
+    <a:masterClrMapping/>
+  </p:clrMapOvr>
+</p:sld>
+</file>
+
+<file path=ppt/slides/slide50.xml><?xml version="1.0" encoding="utf-8"?>
+<p:sld xmlns:a="http://schemas.openxmlformats.org/drawingml/2006/main" xmlns:r="http://schemas.openxmlformats.org/officeDocument/2006/relationships" xmlns:p="http://schemas.openxmlformats.org/presentationml/2006/main">
+  <p:cSld>
+    <p:spTree>
+      <p:nvGrpSpPr>
+        <p:cNvPr id="1" name=""/>
+        <p:cNvGrpSpPr/>
+        <p:nvPr/>
+      </p:nvGrpSpPr>
+      <p:grpSpPr>
+        <a:xfrm>
+          <a:off x="0" y="0"/>
+          <a:ext cx="0" cy="0"/>
+          <a:chOff x="0" y="0"/>
+          <a:chExt cx="0" cy="0"/>
+        </a:xfrm>
+      </p:grpSpPr>
+      <p:sp>
+        <p:nvSpPr>
           <p:cNvPr id="2" name="Rectangle 1"/>
           <p:cNvSpPr/>
           <p:nvPr/>
@@ -16046,7 +16559,7 @@
 </p:sld>
 </file>
 
-<file path=ppt/slides/slide49.xml><?xml version="1.0" encoding="utf-8"?>
+<file path=ppt/slides/slide51.xml><?xml version="1.0" encoding="utf-8"?>
 <p:sld xmlns:a="http://schemas.openxmlformats.org/drawingml/2006/main" xmlns:r="http://schemas.openxmlformats.org/officeDocument/2006/relationships" xmlns:p="http://schemas.openxmlformats.org/presentationml/2006/main">
   <p:cSld>
     <p:spTree>
@@ -16271,7 +16784,7 @@
 </p:sld>
 </file>
 
-<file path=ppt/slides/slide5.xml><?xml version="1.0" encoding="utf-8"?>
+<file path=ppt/slides/slide52.xml><?xml version="1.0" encoding="utf-8"?>
 <p:sld xmlns:a="http://schemas.openxmlformats.org/drawingml/2006/main" xmlns:r="http://schemas.openxmlformats.org/officeDocument/2006/relationships" xmlns:p="http://schemas.openxmlformats.org/presentationml/2006/main">
   <p:cSld>
     <p:spTree>
@@ -16304,136 +16817,6 @@
           <a:lstStyle/>
           <a:p>
             <a:r>
-              <a:rPr lang="en-US" dirty="0"/>
-              <a:t>Overview</a:t>
-            </a:r>
-          </a:p>
-        </p:txBody>
-      </p:sp>
-      <p:sp>
-        <p:nvSpPr>
-          <p:cNvPr id="3" name="Content Placeholder 2"/>
-          <p:cNvSpPr>
-            <a:spLocks noGrp="1"/>
-          </p:cNvSpPr>
-          <p:nvPr>
-            <p:ph idx="1"/>
-          </p:nvPr>
-        </p:nvSpPr>
-        <p:spPr/>
-        <p:txBody>
-          <a:bodyPr/>
-          <a:lstStyle/>
-          <a:p>
-            <a:r>
-              <a:rPr lang="en-US" dirty="0"/>
-              <a:t>Get a copy of security event log</a:t>
-            </a:r>
-          </a:p>
-          <a:p>
-            <a:r>
-              <a:rPr lang="en-US" dirty="0"/>
-              <a:t>Analyze the event log</a:t>
-            </a:r>
-          </a:p>
-          <a:p>
-            <a:pPr lvl="1"/>
-            <a:r>
-              <a:rPr lang="en-US" dirty="0"/>
-              <a:t>Install XML parser (</a:t>
-            </a:r>
-            <a:r>
-              <a:rPr lang="en-US" dirty="0" err="1"/>
-              <a:t>xmlstarlet</a:t>
-            </a:r>
-            <a:r>
-              <a:rPr lang="en-US" dirty="0"/>
-              <a:t>)</a:t>
-            </a:r>
-          </a:p>
-          <a:p>
-            <a:pPr lvl="1"/>
-            <a:r>
-              <a:rPr lang="en-US" dirty="0"/>
-              <a:t>Validating Security Event Log XML documents</a:t>
-            </a:r>
-          </a:p>
-          <a:p>
-            <a:pPr lvl="1"/>
-            <a:r>
-              <a:rPr lang="en-US" dirty="0"/>
-              <a:t>Display element structure of XML document </a:t>
-            </a:r>
-          </a:p>
-          <a:p>
-            <a:pPr lvl="1"/>
-            <a:r>
-              <a:rPr lang="en-US" dirty="0"/>
-              <a:t>Format XML document </a:t>
-            </a:r>
-          </a:p>
-          <a:p>
-            <a:pPr lvl="1"/>
-            <a:r>
-              <a:rPr lang="en-US" dirty="0"/>
-              <a:t>Query XML documents </a:t>
-            </a:r>
-          </a:p>
-          <a:p>
-            <a:pPr lvl="1"/>
-            <a:r>
-              <a:rPr lang="en-US" dirty="0"/>
-              <a:t>Modify or edit XML documents</a:t>
-            </a:r>
-          </a:p>
-        </p:txBody>
-      </p:sp>
-    </p:spTree>
-    <p:extLst>
-      <p:ext uri="{BB962C8B-B14F-4D97-AF65-F5344CB8AC3E}">
-        <p14:creationId xmlns:p14="http://schemas.microsoft.com/office/powerpoint/2010/main" val="4132490787"/>
-      </p:ext>
-    </p:extLst>
-  </p:cSld>
-  <p:clrMapOvr>
-    <a:masterClrMapping/>
-  </p:clrMapOvr>
-</p:sld>
-</file>
-
-<file path=ppt/slides/slide50.xml><?xml version="1.0" encoding="utf-8"?>
-<p:sld xmlns:a="http://schemas.openxmlformats.org/drawingml/2006/main" xmlns:r="http://schemas.openxmlformats.org/officeDocument/2006/relationships" xmlns:p="http://schemas.openxmlformats.org/presentationml/2006/main">
-  <p:cSld>
-    <p:spTree>
-      <p:nvGrpSpPr>
-        <p:cNvPr id="1" name=""/>
-        <p:cNvGrpSpPr/>
-        <p:nvPr/>
-      </p:nvGrpSpPr>
-      <p:grpSpPr>
-        <a:xfrm>
-          <a:off x="0" y="0"/>
-          <a:ext cx="0" cy="0"/>
-          <a:chOff x="0" y="0"/>
-          <a:chExt cx="0" cy="0"/>
-        </a:xfrm>
-      </p:grpSpPr>
-      <p:sp>
-        <p:nvSpPr>
-          <p:cNvPr id="2" name="Title 1"/>
-          <p:cNvSpPr>
-            <a:spLocks noGrp="1"/>
-          </p:cNvSpPr>
-          <p:nvPr>
-            <p:ph type="title"/>
-          </p:nvPr>
-        </p:nvSpPr>
-        <p:spPr/>
-        <p:txBody>
-          <a:bodyPr/>
-          <a:lstStyle/>
-          <a:p>
-            <a:r>
               <a:rPr lang="en-US"/>
               <a:t>Assignments</a:t>
             </a:r>
@@ -16472,7 +16855,7 @@
 </p:sld>
 </file>
 
-<file path=ppt/slides/slide51.xml><?xml version="1.0" encoding="utf-8"?>
+<file path=ppt/slides/slide53.xml><?xml version="1.0" encoding="utf-8"?>
 <p:sld xmlns:a="http://schemas.openxmlformats.org/drawingml/2006/main" xmlns:r="http://schemas.openxmlformats.org/officeDocument/2006/relationships" xmlns:p="http://schemas.openxmlformats.org/presentationml/2006/main">
   <p:cSld>
     <p:spTree>
@@ -16616,6 +16999,136 @@
           <a:p>
             <a:r>
               <a:rPr lang="en-US" dirty="0"/>
+              <a:t>Overview</a:t>
+            </a:r>
+          </a:p>
+        </p:txBody>
+      </p:sp>
+      <p:sp>
+        <p:nvSpPr>
+          <p:cNvPr id="3" name="Content Placeholder 2"/>
+          <p:cNvSpPr>
+            <a:spLocks noGrp="1"/>
+          </p:cNvSpPr>
+          <p:nvPr>
+            <p:ph idx="1"/>
+          </p:nvPr>
+        </p:nvSpPr>
+        <p:spPr/>
+        <p:txBody>
+          <a:bodyPr/>
+          <a:lstStyle/>
+          <a:p>
+            <a:r>
+              <a:rPr lang="en-US" dirty="0"/>
+              <a:t>Get a copy of security event log</a:t>
+            </a:r>
+          </a:p>
+          <a:p>
+            <a:r>
+              <a:rPr lang="en-US" dirty="0"/>
+              <a:t>Analyze the event log</a:t>
+            </a:r>
+          </a:p>
+          <a:p>
+            <a:pPr lvl="1"/>
+            <a:r>
+              <a:rPr lang="en-US" dirty="0"/>
+              <a:t>Install XML parser (</a:t>
+            </a:r>
+            <a:r>
+              <a:rPr lang="en-US" dirty="0" err="1"/>
+              <a:t>xmlstarlet</a:t>
+            </a:r>
+            <a:r>
+              <a:rPr lang="en-US" dirty="0"/>
+              <a:t>)</a:t>
+            </a:r>
+          </a:p>
+          <a:p>
+            <a:pPr lvl="1"/>
+            <a:r>
+              <a:rPr lang="en-US" dirty="0"/>
+              <a:t>Validating Security Event Log XML documents</a:t>
+            </a:r>
+          </a:p>
+          <a:p>
+            <a:pPr lvl="1"/>
+            <a:r>
+              <a:rPr lang="en-US" dirty="0"/>
+              <a:t>Display element structure of XML document </a:t>
+            </a:r>
+          </a:p>
+          <a:p>
+            <a:pPr lvl="1"/>
+            <a:r>
+              <a:rPr lang="en-US" dirty="0"/>
+              <a:t>Format XML document </a:t>
+            </a:r>
+          </a:p>
+          <a:p>
+            <a:pPr lvl="1"/>
+            <a:r>
+              <a:rPr lang="en-US" dirty="0"/>
+              <a:t>Query XML documents </a:t>
+            </a:r>
+          </a:p>
+          <a:p>
+            <a:pPr lvl="1"/>
+            <a:r>
+              <a:rPr lang="en-US" dirty="0"/>
+              <a:t>Modify or edit XML documents</a:t>
+            </a:r>
+          </a:p>
+        </p:txBody>
+      </p:sp>
+    </p:spTree>
+    <p:extLst>
+      <p:ext uri="{BB962C8B-B14F-4D97-AF65-F5344CB8AC3E}">
+        <p14:creationId xmlns:p14="http://schemas.microsoft.com/office/powerpoint/2010/main" val="4132490787"/>
+      </p:ext>
+    </p:extLst>
+  </p:cSld>
+  <p:clrMapOvr>
+    <a:masterClrMapping/>
+  </p:clrMapOvr>
+</p:sld>
+</file>
+
+<file path=ppt/slides/slide7.xml><?xml version="1.0" encoding="utf-8"?>
+<p:sld xmlns:a="http://schemas.openxmlformats.org/drawingml/2006/main" xmlns:r="http://schemas.openxmlformats.org/officeDocument/2006/relationships" xmlns:p="http://schemas.openxmlformats.org/presentationml/2006/main">
+  <p:cSld>
+    <p:spTree>
+      <p:nvGrpSpPr>
+        <p:cNvPr id="1" name=""/>
+        <p:cNvGrpSpPr/>
+        <p:nvPr/>
+      </p:nvGrpSpPr>
+      <p:grpSpPr>
+        <a:xfrm>
+          <a:off x="0" y="0"/>
+          <a:ext cx="0" cy="0"/>
+          <a:chOff x="0" y="0"/>
+          <a:chExt cx="0" cy="0"/>
+        </a:xfrm>
+      </p:grpSpPr>
+      <p:sp>
+        <p:nvSpPr>
+          <p:cNvPr id="2" name="Title 1"/>
+          <p:cNvSpPr>
+            <a:spLocks noGrp="1"/>
+          </p:cNvSpPr>
+          <p:nvPr>
+            <p:ph type="title"/>
+          </p:nvPr>
+        </p:nvSpPr>
+        <p:spPr/>
+        <p:txBody>
+          <a:bodyPr/>
+          <a:lstStyle/>
+          <a:p>
+            <a:r>
+              <a:rPr lang="en-US" dirty="0"/>
               <a:t>Get a copy of security event log</a:t>
             </a:r>
           </a:p>
@@ -16739,7 +17252,7 @@
 </p:sld>
 </file>
 
-<file path=ppt/slides/slide7.xml><?xml version="1.0" encoding="utf-8"?>
+<file path=ppt/slides/slide8.xml><?xml version="1.0" encoding="utf-8"?>
 <p:sld xmlns:a="http://schemas.openxmlformats.org/drawingml/2006/main" xmlns:r="http://schemas.openxmlformats.org/officeDocument/2006/relationships" xmlns:p="http://schemas.openxmlformats.org/presentationml/2006/main">
   <p:cSld>
     <p:spTree>
@@ -16786,81 +17299,47 @@
           </a:prstGeom>
         </p:spPr>
       </p:pic>
+      <p:sp>
+        <p:nvSpPr>
+          <p:cNvPr id="2" name="TextBox 1">
+            <a:extLst>
+              <a:ext uri="{FF2B5EF4-FFF2-40B4-BE49-F238E27FC236}">
+                <a16:creationId xmlns:a16="http://schemas.microsoft.com/office/drawing/2014/main" id="{71962C63-FEE1-C44A-CF24-1C1520A18554}"/>
+              </a:ext>
+            </a:extLst>
+          </p:cNvPr>
+          <p:cNvSpPr txBox="1"/>
+          <p:nvPr/>
+        </p:nvSpPr>
+        <p:spPr>
+          <a:xfrm>
+            <a:off x="1821305" y="846944"/>
+            <a:ext cx="6236003" cy="400110"/>
+          </a:xfrm>
+          <a:prstGeom prst="rect">
+            <a:avLst/>
+          </a:prstGeom>
+          <a:noFill/>
+        </p:spPr>
+        <p:txBody>
+          <a:bodyPr wrap="none" rtlCol="0">
+            <a:spAutoFit/>
+          </a:bodyPr>
+          <a:lstStyle/>
+          <a:p>
+            <a:r>
+              <a:rPr lang="en-US" sz="2000" dirty="0">
+                <a:latin typeface="Segoe Print" panose="02000600000000000000" pitchFamily="2" charset="0"/>
+              </a:rPr>
+              <a:t>switch to root if there is a permission problem</a:t>
+            </a:r>
+          </a:p>
+        </p:txBody>
+      </p:sp>
     </p:spTree>
     <p:extLst>
       <p:ext uri="{BB962C8B-B14F-4D97-AF65-F5344CB8AC3E}">
         <p14:creationId xmlns:p14="http://schemas.microsoft.com/office/powerpoint/2010/main" val="322537141"/>
-      </p:ext>
-    </p:extLst>
-  </p:cSld>
-  <p:clrMapOvr>
-    <a:masterClrMapping/>
-  </p:clrMapOvr>
-</p:sld>
-</file>
-
-<file path=ppt/slides/slide8.xml><?xml version="1.0" encoding="utf-8"?>
-<p:sld xmlns:a="http://schemas.openxmlformats.org/drawingml/2006/main" xmlns:r="http://schemas.openxmlformats.org/officeDocument/2006/relationships" xmlns:p="http://schemas.openxmlformats.org/presentationml/2006/main">
-  <p:cSld>
-    <p:spTree>
-      <p:nvGrpSpPr>
-        <p:cNvPr id="1" name=""/>
-        <p:cNvGrpSpPr/>
-        <p:nvPr/>
-      </p:nvGrpSpPr>
-      <p:grpSpPr>
-        <a:xfrm>
-          <a:off x="0" y="0"/>
-          <a:ext cx="0" cy="0"/>
-          <a:chOff x="0" y="0"/>
-          <a:chExt cx="0" cy="0"/>
-        </a:xfrm>
-      </p:grpSpPr>
-      <p:sp>
-        <p:nvSpPr>
-          <p:cNvPr id="4" name="Title 3"/>
-          <p:cNvSpPr>
-            <a:spLocks noGrp="1"/>
-          </p:cNvSpPr>
-          <p:nvPr>
-            <p:ph type="title"/>
-          </p:nvPr>
-        </p:nvSpPr>
-        <p:spPr/>
-        <p:txBody>
-          <a:bodyPr/>
-          <a:lstStyle/>
-          <a:p>
-            <a:r>
-              <a:rPr lang="en-US"/>
-              <a:t>Install XML parser</a:t>
-            </a:r>
-          </a:p>
-        </p:txBody>
-      </p:sp>
-      <p:sp>
-        <p:nvSpPr>
-          <p:cNvPr id="5" name="Text Placeholder 4"/>
-          <p:cNvSpPr>
-            <a:spLocks noGrp="1"/>
-          </p:cNvSpPr>
-          <p:nvPr>
-            <p:ph type="body" idx="1"/>
-          </p:nvPr>
-        </p:nvSpPr>
-        <p:spPr/>
-        <p:txBody>
-          <a:bodyPr/>
-          <a:lstStyle/>
-          <a:p>
-            <a:endParaRPr lang="en-US"/>
-          </a:p>
-        </p:txBody>
-      </p:sp>
-    </p:spTree>
-    <p:extLst>
-      <p:ext uri="{BB962C8B-B14F-4D97-AF65-F5344CB8AC3E}">
-        <p14:creationId xmlns:p14="http://schemas.microsoft.com/office/powerpoint/2010/main" val="1690331404"/>
       </p:ext>
     </p:extLst>
   </p:cSld>
@@ -16889,7 +17368,13 @@
       </p:grpSpPr>
       <p:sp>
         <p:nvSpPr>
-          <p:cNvPr id="4" name="Title 3"/>
+          <p:cNvPr id="2" name="Title 1">
+            <a:extLst>
+              <a:ext uri="{FF2B5EF4-FFF2-40B4-BE49-F238E27FC236}">
+                <a16:creationId xmlns:a16="http://schemas.microsoft.com/office/drawing/2014/main" id="{0CA604A4-E671-18DB-C6F6-501C74D938B4}"/>
+              </a:ext>
+            </a:extLst>
+          </p:cNvPr>
           <p:cNvSpPr>
             <a:spLocks noGrp="1"/>
           </p:cNvSpPr>
@@ -16903,24 +17388,21 @@
           <a:lstStyle/>
           <a:p>
             <a:r>
-              <a:rPr lang="en-US" i="1" dirty="0" err="1">
-                <a:solidFill>
-                  <a:srgbClr val="7030A0"/>
-                </a:solidFill>
-              </a:rPr>
-              <a:t>xmlstarlet</a:t>
-            </a:r>
-            <a:endParaRPr lang="en-US" i="1" dirty="0">
-              <a:solidFill>
-                <a:srgbClr val="7030A0"/>
-              </a:solidFill>
-            </a:endParaRPr>
-          </a:p>
-        </p:txBody>
-      </p:sp>
-      <p:sp>
-        <p:nvSpPr>
-          <p:cNvPr id="5" name="Content Placeholder 4"/>
+              <a:rPr lang="en-US" dirty="0"/>
+              <a:t>What is XML</a:t>
+            </a:r>
+          </a:p>
+        </p:txBody>
+      </p:sp>
+      <p:sp>
+        <p:nvSpPr>
+          <p:cNvPr id="3" name="Content Placeholder 2">
+            <a:extLst>
+              <a:ext uri="{FF2B5EF4-FFF2-40B4-BE49-F238E27FC236}">
+                <a16:creationId xmlns:a16="http://schemas.microsoft.com/office/drawing/2014/main" id="{F849B4C1-17D6-864E-BBE9-C3DB2F075A27}"/>
+              </a:ext>
+            </a:extLst>
+          </p:cNvPr>
           <p:cNvSpPr>
             <a:spLocks noGrp="1"/>
           </p:cNvSpPr>
@@ -16930,73 +17412,110 @@
         </p:nvSpPr>
         <p:spPr/>
         <p:txBody>
-          <a:bodyPr/>
-          <a:lstStyle/>
-          <a:p>
-            <a:r>
-              <a:rPr lang="en-US" dirty="0"/>
-              <a:t>Is a set of command line utilities (tools) </a:t>
+          <a:bodyPr>
+            <a:normAutofit/>
+          </a:bodyPr>
+          <a:lstStyle/>
+          <a:p>
+            <a:r>
+              <a:rPr lang="en-GB" dirty="0"/>
+              <a:t>An XML file is an </a:t>
+            </a:r>
+            <a:r>
+              <a:rPr lang="en-GB" dirty="0" err="1"/>
+              <a:t>e</a:t>
+            </a:r>
+            <a:r>
+              <a:rPr lang="en-GB" b="1" dirty="0" err="1">
+                <a:solidFill>
+                  <a:srgbClr val="FF0000"/>
+                </a:solidFill>
+              </a:rPr>
+              <a:t>X</a:t>
+            </a:r>
+            <a:r>
+              <a:rPr lang="en-GB" dirty="0" err="1"/>
+              <a:t>tensible</a:t>
+            </a:r>
+            <a:r>
+              <a:rPr lang="en-GB" dirty="0"/>
+              <a:t> </a:t>
+            </a:r>
+            <a:r>
+              <a:rPr lang="en-GB" b="1" dirty="0">
+                <a:solidFill>
+                  <a:srgbClr val="FF0000"/>
+                </a:solidFill>
+              </a:rPr>
+              <a:t>M</a:t>
+            </a:r>
+            <a:r>
+              <a:rPr lang="en-GB" dirty="0"/>
+              <a:t>arkup </a:t>
+            </a:r>
+            <a:r>
+              <a:rPr lang="en-GB" b="1" dirty="0">
+                <a:solidFill>
+                  <a:srgbClr val="FF0000"/>
+                </a:solidFill>
+              </a:rPr>
+              <a:t>L</a:t>
+            </a:r>
+            <a:r>
+              <a:rPr lang="en-GB" dirty="0"/>
+              <a:t>anguage file that structures data for storage and transport. </a:t>
+            </a:r>
+          </a:p>
+          <a:p>
+            <a:r>
+              <a:rPr lang="en-GB" dirty="0"/>
+              <a:t>XML files can be used for various purposes</a:t>
             </a:r>
           </a:p>
           <a:p>
             <a:pPr lvl="1"/>
             <a:r>
-              <a:rPr lang="en-US" dirty="0"/>
-              <a:t>transform, query, validate, and edit </a:t>
-            </a:r>
-            <a:r>
-              <a:rPr lang="en-US" dirty="0">
-                <a:solidFill>
-                  <a:srgbClr val="FF0000"/>
-                </a:solidFill>
-              </a:rPr>
-              <a:t>XML</a:t>
-            </a:r>
-            <a:r>
-              <a:rPr lang="en-US" dirty="0"/>
-              <a:t> documents and files </a:t>
-            </a:r>
-          </a:p>
-          <a:p>
-            <a:r>
-              <a:rPr lang="en-US" dirty="0"/>
-              <a:t>Using simple set of shell commands </a:t>
+              <a:rPr lang="en-GB" dirty="0"/>
+              <a:t>Data transfer: XML files can store and retrieve data for different applications.</a:t>
             </a:r>
           </a:p>
           <a:p>
             <a:pPr lvl="1"/>
             <a:r>
-              <a:rPr lang="en-US" dirty="0"/>
-              <a:t>Similar to </a:t>
-            </a:r>
-            <a:r>
-              <a:rPr lang="en-US" i="1" dirty="0">
-                <a:solidFill>
-                  <a:srgbClr val="FF0000"/>
-                </a:solidFill>
-              </a:rPr>
-              <a:t>grep, sed, awk</a:t>
-            </a:r>
-          </a:p>
-          <a:p>
-            <a:r>
-              <a:rPr lang="en-US" dirty="0"/>
-              <a:t>http://xmlstar.sourceforge.net/doc</a:t>
-            </a:r>
-          </a:p>
-          <a:p>
-            <a:endParaRPr lang="en-US" i="1" dirty="0">
-              <a:solidFill>
-                <a:srgbClr val="FF0000"/>
-              </a:solidFill>
-            </a:endParaRPr>
+              <a:rPr lang="en-GB" dirty="0"/>
+              <a:t>Formatting documents: XML files can define how web pages or other documents are displayed.</a:t>
+            </a:r>
+          </a:p>
+          <a:p>
+            <a:pPr lvl="1"/>
+            <a:r>
+              <a:rPr lang="en-GB" dirty="0"/>
+              <a:t>Web searching: XML files can help search engines index and rank web pages</a:t>
+            </a:r>
+          </a:p>
+          <a:p>
+            <a:pPr lvl="1"/>
+            <a:r>
+              <a:rPr lang="en-GB" dirty="0"/>
+              <a:t>Creating layouts: XML files can design the user interface of mobile applications.</a:t>
+            </a:r>
+          </a:p>
+          <a:p>
+            <a:pPr lvl="1"/>
+            <a:r>
+              <a:rPr lang="en-GB" dirty="0"/>
+              <a:t>Storing configuration data: XML files can store the settings and preferences of an application.</a:t>
+            </a:r>
+          </a:p>
+          <a:p>
+            <a:endParaRPr lang="en-GB" dirty="0"/>
           </a:p>
         </p:txBody>
       </p:sp>
     </p:spTree>
     <p:extLst>
       <p:ext uri="{BB962C8B-B14F-4D97-AF65-F5344CB8AC3E}">
-        <p14:creationId xmlns:p14="http://schemas.microsoft.com/office/powerpoint/2010/main" val="1341317686"/>
+        <p14:creationId xmlns:p14="http://schemas.microsoft.com/office/powerpoint/2010/main" val="2229056425"/>
       </p:ext>
     </p:extLst>
   </p:cSld>

--- a/NIST_Data_Leakage_Case/NIST_Data_Leakage_02._WinEvt_XML.pptx
+++ b/NIST_Data_Leakage_Case/NIST_Data_Leakage_02._WinEvt_XML.pptx
@@ -5,62 +5,63 @@
     <p:sldMasterId id="2147483648" r:id="rId1"/>
   </p:sldMasterIdLst>
   <p:notesMasterIdLst>
-    <p:notesMasterId r:id="rId55"/>
+    <p:notesMasterId r:id="rId56"/>
   </p:notesMasterIdLst>
   <p:sldIdLst>
     <p:sldId id="256" r:id="rId2"/>
-    <p:sldId id="311" r:id="rId3"/>
-    <p:sldId id="306" r:id="rId4"/>
-    <p:sldId id="307" r:id="rId5"/>
-    <p:sldId id="308" r:id="rId6"/>
-    <p:sldId id="277" r:id="rId7"/>
-    <p:sldId id="257" r:id="rId8"/>
-    <p:sldId id="309" r:id="rId9"/>
-    <p:sldId id="312" r:id="rId10"/>
-    <p:sldId id="278" r:id="rId11"/>
-    <p:sldId id="279" r:id="rId12"/>
-    <p:sldId id="259" r:id="rId13"/>
-    <p:sldId id="260" r:id="rId14"/>
-    <p:sldId id="310" r:id="rId15"/>
-    <p:sldId id="305" r:id="rId16"/>
-    <p:sldId id="275" r:id="rId17"/>
-    <p:sldId id="276" r:id="rId18"/>
-    <p:sldId id="267" r:id="rId19"/>
-    <p:sldId id="261" r:id="rId20"/>
-    <p:sldId id="264" r:id="rId21"/>
-    <p:sldId id="265" r:id="rId22"/>
-    <p:sldId id="266" r:id="rId23"/>
-    <p:sldId id="271" r:id="rId24"/>
-    <p:sldId id="272" r:id="rId25"/>
-    <p:sldId id="273" r:id="rId26"/>
-    <p:sldId id="268" r:id="rId27"/>
-    <p:sldId id="263" r:id="rId28"/>
-    <p:sldId id="269" r:id="rId29"/>
-    <p:sldId id="280" r:id="rId30"/>
-    <p:sldId id="281" r:id="rId31"/>
-    <p:sldId id="282" r:id="rId32"/>
-    <p:sldId id="270" r:id="rId33"/>
-    <p:sldId id="274" r:id="rId34"/>
-    <p:sldId id="283" r:id="rId35"/>
-    <p:sldId id="284" r:id="rId36"/>
-    <p:sldId id="285" r:id="rId37"/>
-    <p:sldId id="286" r:id="rId38"/>
-    <p:sldId id="258" r:id="rId39"/>
-    <p:sldId id="288" r:id="rId40"/>
-    <p:sldId id="302" r:id="rId41"/>
-    <p:sldId id="296" r:id="rId42"/>
-    <p:sldId id="299" r:id="rId43"/>
-    <p:sldId id="301" r:id="rId44"/>
-    <p:sldId id="291" r:id="rId45"/>
-    <p:sldId id="293" r:id="rId46"/>
-    <p:sldId id="300" r:id="rId47"/>
-    <p:sldId id="298" r:id="rId48"/>
-    <p:sldId id="295" r:id="rId49"/>
-    <p:sldId id="303" r:id="rId50"/>
-    <p:sldId id="287" r:id="rId51"/>
-    <p:sldId id="290" r:id="rId52"/>
-    <p:sldId id="292" r:id="rId53"/>
-    <p:sldId id="304" r:id="rId54"/>
+    <p:sldId id="313" r:id="rId3"/>
+    <p:sldId id="311" r:id="rId4"/>
+    <p:sldId id="306" r:id="rId5"/>
+    <p:sldId id="307" r:id="rId6"/>
+    <p:sldId id="308" r:id="rId7"/>
+    <p:sldId id="277" r:id="rId8"/>
+    <p:sldId id="257" r:id="rId9"/>
+    <p:sldId id="309" r:id="rId10"/>
+    <p:sldId id="312" r:id="rId11"/>
+    <p:sldId id="278" r:id="rId12"/>
+    <p:sldId id="279" r:id="rId13"/>
+    <p:sldId id="259" r:id="rId14"/>
+    <p:sldId id="260" r:id="rId15"/>
+    <p:sldId id="310" r:id="rId16"/>
+    <p:sldId id="305" r:id="rId17"/>
+    <p:sldId id="275" r:id="rId18"/>
+    <p:sldId id="276" r:id="rId19"/>
+    <p:sldId id="267" r:id="rId20"/>
+    <p:sldId id="261" r:id="rId21"/>
+    <p:sldId id="264" r:id="rId22"/>
+    <p:sldId id="265" r:id="rId23"/>
+    <p:sldId id="266" r:id="rId24"/>
+    <p:sldId id="271" r:id="rId25"/>
+    <p:sldId id="272" r:id="rId26"/>
+    <p:sldId id="273" r:id="rId27"/>
+    <p:sldId id="268" r:id="rId28"/>
+    <p:sldId id="263" r:id="rId29"/>
+    <p:sldId id="269" r:id="rId30"/>
+    <p:sldId id="280" r:id="rId31"/>
+    <p:sldId id="281" r:id="rId32"/>
+    <p:sldId id="282" r:id="rId33"/>
+    <p:sldId id="270" r:id="rId34"/>
+    <p:sldId id="274" r:id="rId35"/>
+    <p:sldId id="283" r:id="rId36"/>
+    <p:sldId id="284" r:id="rId37"/>
+    <p:sldId id="285" r:id="rId38"/>
+    <p:sldId id="286" r:id="rId39"/>
+    <p:sldId id="258" r:id="rId40"/>
+    <p:sldId id="288" r:id="rId41"/>
+    <p:sldId id="302" r:id="rId42"/>
+    <p:sldId id="296" r:id="rId43"/>
+    <p:sldId id="299" r:id="rId44"/>
+    <p:sldId id="301" r:id="rId45"/>
+    <p:sldId id="291" r:id="rId46"/>
+    <p:sldId id="293" r:id="rId47"/>
+    <p:sldId id="300" r:id="rId48"/>
+    <p:sldId id="298" r:id="rId49"/>
+    <p:sldId id="295" r:id="rId50"/>
+    <p:sldId id="303" r:id="rId51"/>
+    <p:sldId id="287" r:id="rId52"/>
+    <p:sldId id="290" r:id="rId53"/>
+    <p:sldId id="292" r:id="rId54"/>
+    <p:sldId id="304" r:id="rId55"/>
   </p:sldIdLst>
   <p:sldSz cx="12192000" cy="6858000"/>
   <p:notesSz cx="6858000" cy="9144000"/>
@@ -220,7 +221,7 @@
   <pc:docChgLst>
     <pc:chgData name="Weifeng Xu" userId="e7aed605-a3dd-4d5a-a692-a87037af107b" providerId="ADAL" clId="{763D7CBC-195E-480C-A07D-648228AD4295}"/>
     <pc:docChg chg="undo custSel addSld modSld">
-      <pc:chgData name="Weifeng Xu" userId="e7aed605-a3dd-4d5a-a692-a87037af107b" providerId="ADAL" clId="{763D7CBC-195E-480C-A07D-648228AD4295}" dt="2023-02-20T17:57:18.392" v="713" actId="1076"/>
+      <pc:chgData name="Weifeng Xu" userId="e7aed605-a3dd-4d5a-a692-a87037af107b" providerId="ADAL" clId="{763D7CBC-195E-480C-A07D-648228AD4295}" dt="2023-09-14T19:06:12.280" v="871" actId="20577"/>
       <pc:docMkLst>
         <pc:docMk/>
       </pc:docMkLst>
@@ -289,6 +290,21 @@
             <pc:docMk/>
             <pc:sldMk cId="3531219429" sldId="270"/>
             <ac:spMk id="4" creationId="{C08ED75A-BB81-4FCE-B5C7-CB1A9C89830C}"/>
+          </ac:spMkLst>
+        </pc:spChg>
+      </pc:sldChg>
+      <pc:sldChg chg="modSp mod">
+        <pc:chgData name="Weifeng Xu" userId="e7aed605-a3dd-4d5a-a692-a87037af107b" providerId="ADAL" clId="{763D7CBC-195E-480C-A07D-648228AD4295}" dt="2023-09-14T19:06:12.280" v="871" actId="20577"/>
+        <pc:sldMkLst>
+          <pc:docMk/>
+          <pc:sldMk cId="4132490787" sldId="277"/>
+        </pc:sldMkLst>
+        <pc:spChg chg="mod">
+          <ac:chgData name="Weifeng Xu" userId="e7aed605-a3dd-4d5a-a692-a87037af107b" providerId="ADAL" clId="{763D7CBC-195E-480C-A07D-648228AD4295}" dt="2023-09-14T19:06:12.280" v="871" actId="20577"/>
+          <ac:spMkLst>
+            <pc:docMk/>
+            <pc:sldMk cId="4132490787" sldId="277"/>
+            <ac:spMk id="2" creationId="{00000000-0000-0000-0000-000000000000}"/>
           </ac:spMkLst>
         </pc:spChg>
       </pc:sldChg>
@@ -560,12 +576,20 @@
           </ac:picMkLst>
         </pc:picChg>
       </pc:sldChg>
-      <pc:sldChg chg="add setBg">
-        <pc:chgData name="Weifeng Xu" userId="e7aed605-a3dd-4d5a-a692-a87037af107b" providerId="ADAL" clId="{763D7CBC-195E-480C-A07D-648228AD4295}" dt="2023-02-20T17:42:49.518" v="563"/>
+      <pc:sldChg chg="addSp modSp add mod setBg">
+        <pc:chgData name="Weifeng Xu" userId="e7aed605-a3dd-4d5a-a692-a87037af107b" providerId="ADAL" clId="{763D7CBC-195E-480C-A07D-648228AD4295}" dt="2023-02-21T13:04:41.032" v="719" actId="208"/>
         <pc:sldMkLst>
           <pc:docMk/>
           <pc:sldMk cId="4010385979" sldId="311"/>
         </pc:sldMkLst>
+        <pc:spChg chg="add mod">
+          <ac:chgData name="Weifeng Xu" userId="e7aed605-a3dd-4d5a-a692-a87037af107b" providerId="ADAL" clId="{763D7CBC-195E-480C-A07D-648228AD4295}" dt="2023-02-21T13:04:41.032" v="719" actId="208"/>
+          <ac:spMkLst>
+            <pc:docMk/>
+            <pc:sldMk cId="4010385979" sldId="311"/>
+            <ac:spMk id="5" creationId="{34F468CB-E7F3-D0F6-1E20-5416C4741A45}"/>
+          </ac:spMkLst>
+        </pc:spChg>
       </pc:sldChg>
       <pc:sldChg chg="addSp modSp new mod modClrScheme chgLayout">
         <pc:chgData name="Weifeng Xu" userId="e7aed605-a3dd-4d5a-a692-a87037af107b" providerId="ADAL" clId="{763D7CBC-195E-480C-A07D-648228AD4295}" dt="2023-02-20T17:54:57.339" v="703" actId="20577"/>
@@ -587,6 +611,29 @@
             <pc:docMk/>
             <pc:sldMk cId="2229056425" sldId="312"/>
             <ac:spMk id="3" creationId="{F849B4C1-17D6-864E-BBE9-C3DB2F075A27}"/>
+          </ac:spMkLst>
+        </pc:spChg>
+      </pc:sldChg>
+      <pc:sldChg chg="modSp new mod">
+        <pc:chgData name="Weifeng Xu" userId="e7aed605-a3dd-4d5a-a692-a87037af107b" providerId="ADAL" clId="{763D7CBC-195E-480C-A07D-648228AD4295}" dt="2023-02-21T21:36:00.540" v="862" actId="6549"/>
+        <pc:sldMkLst>
+          <pc:docMk/>
+          <pc:sldMk cId="2238738770" sldId="313"/>
+        </pc:sldMkLst>
+        <pc:spChg chg="mod">
+          <ac:chgData name="Weifeng Xu" userId="e7aed605-a3dd-4d5a-a692-a87037af107b" providerId="ADAL" clId="{763D7CBC-195E-480C-A07D-648228AD4295}" dt="2023-02-21T21:17:10.100" v="845" actId="20577"/>
+          <ac:spMkLst>
+            <pc:docMk/>
+            <pc:sldMk cId="2238738770" sldId="313"/>
+            <ac:spMk id="2" creationId="{6A7CCD0E-37E2-135B-F511-8350B194EE6B}"/>
+          </ac:spMkLst>
+        </pc:spChg>
+        <pc:spChg chg="mod">
+          <ac:chgData name="Weifeng Xu" userId="e7aed605-a3dd-4d5a-a692-a87037af107b" providerId="ADAL" clId="{763D7CBC-195E-480C-A07D-648228AD4295}" dt="2023-02-21T21:36:00.540" v="862" actId="6549"/>
+          <ac:spMkLst>
+            <pc:docMk/>
+            <pc:sldMk cId="2238738770" sldId="313"/>
+            <ac:spMk id="3" creationId="{F0D1537B-70C1-6611-DDF6-0C8D07BDE115}"/>
           </ac:spMkLst>
         </pc:spChg>
       </pc:sldChg>
@@ -1015,7 +1062,7 @@
           <a:p>
             <a:fld id="{EE41F6E3-57F9-402E-BDBA-5B2DE11C8530}" type="datetimeFigureOut">
               <a:rPr lang="en-US" smtClean="0"/>
-              <a:t>2/20/2023</a:t>
+              <a:t>9/14/2023</a:t>
             </a:fld>
             <a:endParaRPr lang="en-US"/>
           </a:p>
@@ -1441,7 +1488,7 @@
           <a:p>
             <a:fld id="{DDBF98C7-164A-4723-84F0-B1E4B080DDEC}" type="slidenum">
               <a:rPr lang="en-US" smtClean="0"/>
-              <a:t>22</a:t>
+              <a:t>23</a:t>
             </a:fld>
             <a:endParaRPr lang="en-US"/>
           </a:p>
@@ -1540,7 +1587,7 @@
           <a:p>
             <a:fld id="{DDBF98C7-164A-4723-84F0-B1E4B080DDEC}" type="slidenum">
               <a:rPr lang="en-US" smtClean="0"/>
-              <a:t>25</a:t>
+              <a:t>26</a:t>
             </a:fld>
             <a:endParaRPr lang="en-US"/>
           </a:p>
@@ -1627,7 +1674,7 @@
           <a:p>
             <a:fld id="{DDBF98C7-164A-4723-84F0-B1E4B080DDEC}" type="slidenum">
               <a:rPr lang="en-US" smtClean="0"/>
-              <a:t>30</a:t>
+              <a:t>31</a:t>
             </a:fld>
             <a:endParaRPr lang="en-US"/>
           </a:p>
@@ -1734,7 +1781,7 @@
           <a:p>
             <a:fld id="{DDBF98C7-164A-4723-84F0-B1E4B080DDEC}" type="slidenum">
               <a:rPr lang="en-US" smtClean="0"/>
-              <a:t>31</a:t>
+              <a:t>32</a:t>
             </a:fld>
             <a:endParaRPr lang="en-US"/>
           </a:p>
@@ -1847,7 +1894,7 @@
           <a:p>
             <a:fld id="{DDBF98C7-164A-4723-84F0-B1E4B080DDEC}" type="slidenum">
               <a:rPr lang="en-US" smtClean="0"/>
-              <a:t>32</a:t>
+              <a:t>33</a:t>
             </a:fld>
             <a:endParaRPr lang="en-US"/>
           </a:p>
@@ -1954,7 +2001,7 @@
           <a:p>
             <a:fld id="{DDBF98C7-164A-4723-84F0-B1E4B080DDEC}" type="slidenum">
               <a:rPr lang="en-US" smtClean="0"/>
-              <a:t>33</a:t>
+              <a:t>34</a:t>
             </a:fld>
             <a:endParaRPr lang="en-US"/>
           </a:p>
@@ -2041,7 +2088,7 @@
           <a:p>
             <a:fld id="{DDBF98C7-164A-4723-84F0-B1E4B080DDEC}" type="slidenum">
               <a:rPr lang="en-US" smtClean="0"/>
-              <a:t>34</a:t>
+              <a:t>35</a:t>
             </a:fld>
             <a:endParaRPr lang="en-US"/>
           </a:p>
@@ -2136,7 +2183,7 @@
           <a:p>
             <a:fld id="{DDBF98C7-164A-4723-84F0-B1E4B080DDEC}" type="slidenum">
               <a:rPr lang="en-US" smtClean="0"/>
-              <a:t>35</a:t>
+              <a:t>36</a:t>
             </a:fld>
             <a:endParaRPr lang="en-US"/>
           </a:p>
@@ -2269,7 +2316,7 @@
           <a:p>
             <a:fld id="{DDBF98C7-164A-4723-84F0-B1E4B080DDEC}" type="slidenum">
               <a:rPr lang="en-US" smtClean="0"/>
-              <a:t>38</a:t>
+              <a:t>39</a:t>
             </a:fld>
             <a:endParaRPr lang="en-US"/>
           </a:p>
@@ -2368,7 +2415,7 @@
           <a:p>
             <a:fld id="{DDBF98C7-164A-4723-84F0-B1E4B080DDEC}" type="slidenum">
               <a:rPr lang="en-US" smtClean="0"/>
-              <a:t>40</a:t>
+              <a:t>41</a:t>
             </a:fld>
             <a:endParaRPr lang="en-US"/>
           </a:p>
@@ -2463,7 +2510,7 @@
           <a:p>
             <a:fld id="{DDBF98C7-164A-4723-84F0-B1E4B080DDEC}" type="slidenum">
               <a:rPr lang="en-US" smtClean="0"/>
-              <a:t>3</a:t>
+              <a:t>4</a:t>
             </a:fld>
             <a:endParaRPr lang="en-US"/>
           </a:p>
@@ -2573,7 +2620,7 @@
           <a:p>
             <a:fld id="{DDBF98C7-164A-4723-84F0-B1E4B080DDEC}" type="slidenum">
               <a:rPr lang="en-US" smtClean="0"/>
-              <a:t>41</a:t>
+              <a:t>42</a:t>
             </a:fld>
             <a:endParaRPr lang="en-US"/>
           </a:p>
@@ -2680,7 +2727,7 @@
           <a:p>
             <a:fld id="{DDBF98C7-164A-4723-84F0-B1E4B080DDEC}" type="slidenum">
               <a:rPr lang="en-US" smtClean="0"/>
-              <a:t>42</a:t>
+              <a:t>43</a:t>
             </a:fld>
             <a:endParaRPr lang="en-US"/>
           </a:p>
@@ -2793,7 +2840,7 @@
           <a:p>
             <a:fld id="{DDBF98C7-164A-4723-84F0-B1E4B080DDEC}" type="slidenum">
               <a:rPr lang="en-US" smtClean="0"/>
-              <a:t>43</a:t>
+              <a:t>44</a:t>
             </a:fld>
             <a:endParaRPr lang="en-US"/>
           </a:p>
@@ -2887,7 +2934,7 @@
           <a:p>
             <a:fld id="{DDBF98C7-164A-4723-84F0-B1E4B080DDEC}" type="slidenum">
               <a:rPr lang="en-US" smtClean="0"/>
-              <a:t>44</a:t>
+              <a:t>45</a:t>
             </a:fld>
             <a:endParaRPr lang="en-US"/>
           </a:p>
@@ -2994,7 +3041,7 @@
           <a:p>
             <a:fld id="{DDBF98C7-164A-4723-84F0-B1E4B080DDEC}" type="slidenum">
               <a:rPr lang="en-US" smtClean="0"/>
-              <a:t>45</a:t>
+              <a:t>46</a:t>
             </a:fld>
             <a:endParaRPr lang="en-US"/>
           </a:p>
@@ -3110,7 +3157,7 @@
           <a:p>
             <a:fld id="{DDBF98C7-164A-4723-84F0-B1E4B080DDEC}" type="slidenum">
               <a:rPr lang="en-US" smtClean="0"/>
-              <a:t>46</a:t>
+              <a:t>47</a:t>
             </a:fld>
             <a:endParaRPr lang="en-US"/>
           </a:p>
@@ -3276,7 +3323,7 @@
           <a:p>
             <a:fld id="{DDBF98C7-164A-4723-84F0-B1E4B080DDEC}" type="slidenum">
               <a:rPr lang="en-US" smtClean="0"/>
-              <a:t>47</a:t>
+              <a:t>48</a:t>
             </a:fld>
             <a:endParaRPr lang="en-US"/>
           </a:p>
@@ -3360,7 +3407,7 @@
           <a:p>
             <a:fld id="{DDBF98C7-164A-4723-84F0-B1E4B080DDEC}" type="slidenum">
               <a:rPr lang="en-US" smtClean="0"/>
-              <a:t>49</a:t>
+              <a:t>50</a:t>
             </a:fld>
             <a:endParaRPr lang="en-US"/>
           </a:p>
@@ -3453,7 +3500,7 @@
           <a:p>
             <a:fld id="{DDBF98C7-164A-4723-84F0-B1E4B080DDEC}" type="slidenum">
               <a:rPr lang="en-US" smtClean="0"/>
-              <a:t>50</a:t>
+              <a:t>51</a:t>
             </a:fld>
             <a:endParaRPr lang="en-US"/>
           </a:p>
@@ -3593,7 +3640,7 @@
           <a:p>
             <a:fld id="{DDBF98C7-164A-4723-84F0-B1E4B080DDEC}" type="slidenum">
               <a:rPr lang="en-US" smtClean="0"/>
-              <a:t>51</a:t>
+              <a:t>52</a:t>
             </a:fld>
             <a:endParaRPr lang="en-US"/>
           </a:p>
@@ -3688,7 +3735,7 @@
           <a:p>
             <a:fld id="{DDBF98C7-164A-4723-84F0-B1E4B080DDEC}" type="slidenum">
               <a:rPr lang="en-US" smtClean="0"/>
-              <a:t>7</a:t>
+              <a:t>8</a:t>
             </a:fld>
             <a:endParaRPr lang="en-US"/>
           </a:p>
@@ -3780,7 +3827,7 @@
           <a:p>
             <a:fld id="{DDBF98C7-164A-4723-84F0-B1E4B080DDEC}" type="slidenum">
               <a:rPr lang="en-US" smtClean="0"/>
-              <a:t>12</a:t>
+              <a:t>13</a:t>
             </a:fld>
             <a:endParaRPr lang="en-US"/>
           </a:p>
@@ -5404,7 +5451,7 @@
           <a:p>
             <a:fld id="{DDBF98C7-164A-4723-84F0-B1E4B080DDEC}" type="slidenum">
               <a:rPr lang="en-US" smtClean="0"/>
-              <a:t>14</a:t>
+              <a:t>15</a:t>
             </a:fld>
             <a:endParaRPr lang="en-US"/>
           </a:p>
@@ -5491,7 +5538,7 @@
           <a:p>
             <a:fld id="{DDBF98C7-164A-4723-84F0-B1E4B080DDEC}" type="slidenum">
               <a:rPr lang="en-US" smtClean="0"/>
-              <a:t>15</a:t>
+              <a:t>16</a:t>
             </a:fld>
             <a:endParaRPr lang="en-US"/>
           </a:p>
@@ -5590,7 +5637,7 @@
           <a:p>
             <a:fld id="{DDBF98C7-164A-4723-84F0-B1E4B080DDEC}" type="slidenum">
               <a:rPr lang="en-US" smtClean="0"/>
-              <a:t>17</a:t>
+              <a:t>18</a:t>
             </a:fld>
             <a:endParaRPr lang="en-US"/>
           </a:p>
@@ -5694,7 +5741,7 @@
           <a:p>
             <a:fld id="{DDBF98C7-164A-4723-84F0-B1E4B080DDEC}" type="slidenum">
               <a:rPr lang="en-US" smtClean="0"/>
-              <a:t>19</a:t>
+              <a:t>20</a:t>
             </a:fld>
             <a:endParaRPr lang="en-US"/>
           </a:p>
@@ -5785,7 +5832,7 @@
           <a:p>
             <a:fld id="{DDBF98C7-164A-4723-84F0-B1E4B080DDEC}" type="slidenum">
               <a:rPr lang="en-US" smtClean="0"/>
-              <a:t>20</a:t>
+              <a:t>21</a:t>
             </a:fld>
             <a:endParaRPr lang="en-US"/>
           </a:p>
@@ -5933,7 +5980,7 @@
           <a:p>
             <a:fld id="{4263717A-E3C1-4BED-ABE0-B7069385E023}" type="datetimeFigureOut">
               <a:rPr lang="en-US" smtClean="0"/>
-              <a:t>2/20/2023</a:t>
+              <a:t>9/14/2023</a:t>
             </a:fld>
             <a:endParaRPr lang="en-US"/>
           </a:p>
@@ -6106,7 +6153,7 @@
           <a:p>
             <a:fld id="{4263717A-E3C1-4BED-ABE0-B7069385E023}" type="datetimeFigureOut">
               <a:rPr lang="en-US" smtClean="0"/>
-              <a:t>2/20/2023</a:t>
+              <a:t>9/14/2023</a:t>
             </a:fld>
             <a:endParaRPr lang="en-US"/>
           </a:p>
@@ -6284,7 +6331,7 @@
           <a:p>
             <a:fld id="{4263717A-E3C1-4BED-ABE0-B7069385E023}" type="datetimeFigureOut">
               <a:rPr lang="en-US" smtClean="0"/>
-              <a:t>2/20/2023</a:t>
+              <a:t>9/14/2023</a:t>
             </a:fld>
             <a:endParaRPr lang="en-US"/>
           </a:p>
@@ -6452,7 +6499,7 @@
           <a:p>
             <a:fld id="{4263717A-E3C1-4BED-ABE0-B7069385E023}" type="datetimeFigureOut">
               <a:rPr lang="en-US" smtClean="0"/>
-              <a:t>2/20/2023</a:t>
+              <a:t>9/14/2023</a:t>
             </a:fld>
             <a:endParaRPr lang="en-US"/>
           </a:p>
@@ -6697,7 +6744,7 @@
           <a:p>
             <a:fld id="{4263717A-E3C1-4BED-ABE0-B7069385E023}" type="datetimeFigureOut">
               <a:rPr lang="en-US" smtClean="0"/>
-              <a:t>2/20/2023</a:t>
+              <a:t>9/14/2023</a:t>
             </a:fld>
             <a:endParaRPr lang="en-US"/>
           </a:p>
@@ -6926,7 +6973,7 @@
           <a:p>
             <a:fld id="{4263717A-E3C1-4BED-ABE0-B7069385E023}" type="datetimeFigureOut">
               <a:rPr lang="en-US" smtClean="0"/>
-              <a:t>2/20/2023</a:t>
+              <a:t>9/14/2023</a:t>
             </a:fld>
             <a:endParaRPr lang="en-US"/>
           </a:p>
@@ -7290,7 +7337,7 @@
           <a:p>
             <a:fld id="{4263717A-E3C1-4BED-ABE0-B7069385E023}" type="datetimeFigureOut">
               <a:rPr lang="en-US" smtClean="0"/>
-              <a:t>2/20/2023</a:t>
+              <a:t>9/14/2023</a:t>
             </a:fld>
             <a:endParaRPr lang="en-US"/>
           </a:p>
@@ -7407,7 +7454,7 @@
           <a:p>
             <a:fld id="{4263717A-E3C1-4BED-ABE0-B7069385E023}" type="datetimeFigureOut">
               <a:rPr lang="en-US" smtClean="0"/>
-              <a:t>2/20/2023</a:t>
+              <a:t>9/14/2023</a:t>
             </a:fld>
             <a:endParaRPr lang="en-US"/>
           </a:p>
@@ -7502,7 +7549,7 @@
           <a:p>
             <a:fld id="{4263717A-E3C1-4BED-ABE0-B7069385E023}" type="datetimeFigureOut">
               <a:rPr lang="en-US" smtClean="0"/>
-              <a:t>2/20/2023</a:t>
+              <a:t>9/14/2023</a:t>
             </a:fld>
             <a:endParaRPr lang="en-US"/>
           </a:p>
@@ -7777,7 +7824,7 @@
           <a:p>
             <a:fld id="{4263717A-E3C1-4BED-ABE0-B7069385E023}" type="datetimeFigureOut">
               <a:rPr lang="en-US" smtClean="0"/>
-              <a:t>2/20/2023</a:t>
+              <a:t>9/14/2023</a:t>
             </a:fld>
             <a:endParaRPr lang="en-US"/>
           </a:p>
@@ -8029,7 +8076,7 @@
           <a:p>
             <a:fld id="{4263717A-E3C1-4BED-ABE0-B7069385E023}" type="datetimeFigureOut">
               <a:rPr lang="en-US" smtClean="0"/>
-              <a:t>2/20/2023</a:t>
+              <a:t>9/14/2023</a:t>
             </a:fld>
             <a:endParaRPr lang="en-US"/>
           </a:p>
@@ -8240,7 +8287,7 @@
           <a:p>
             <a:fld id="{4263717A-E3C1-4BED-ABE0-B7069385E023}" type="datetimeFigureOut">
               <a:rPr lang="en-US" smtClean="0"/>
-              <a:t>2/20/2023</a:t>
+              <a:t>9/14/2023</a:t>
             </a:fld>
             <a:endParaRPr lang="en-US"/>
           </a:p>
@@ -8888,7 +8935,13 @@
       </p:grpSpPr>
       <p:sp>
         <p:nvSpPr>
-          <p:cNvPr id="4" name="Title 3"/>
+          <p:cNvPr id="2" name="Title 1">
+            <a:extLst>
+              <a:ext uri="{FF2B5EF4-FFF2-40B4-BE49-F238E27FC236}">
+                <a16:creationId xmlns:a16="http://schemas.microsoft.com/office/drawing/2014/main" id="{0CA604A4-E671-18DB-C6F6-501C74D938B4}"/>
+              </a:ext>
+            </a:extLst>
+          </p:cNvPr>
           <p:cNvSpPr>
             <a:spLocks noGrp="1"/>
           </p:cNvSpPr>
@@ -8902,35 +8955,134 @@
           <a:lstStyle/>
           <a:p>
             <a:r>
-              <a:rPr lang="en-US"/>
-              <a:t>Install XML parser</a:t>
-            </a:r>
-          </a:p>
-        </p:txBody>
-      </p:sp>
-      <p:sp>
-        <p:nvSpPr>
-          <p:cNvPr id="5" name="Text Placeholder 4"/>
+              <a:rPr lang="en-US" dirty="0"/>
+              <a:t>What is XML</a:t>
+            </a:r>
+          </a:p>
+        </p:txBody>
+      </p:sp>
+      <p:sp>
+        <p:nvSpPr>
+          <p:cNvPr id="3" name="Content Placeholder 2">
+            <a:extLst>
+              <a:ext uri="{FF2B5EF4-FFF2-40B4-BE49-F238E27FC236}">
+                <a16:creationId xmlns:a16="http://schemas.microsoft.com/office/drawing/2014/main" id="{F849B4C1-17D6-864E-BBE9-C3DB2F075A27}"/>
+              </a:ext>
+            </a:extLst>
+          </p:cNvPr>
           <p:cNvSpPr>
             <a:spLocks noGrp="1"/>
           </p:cNvSpPr>
           <p:nvPr>
-            <p:ph type="body" idx="1"/>
+            <p:ph idx="1"/>
           </p:nvPr>
         </p:nvSpPr>
         <p:spPr/>
         <p:txBody>
-          <a:bodyPr/>
-          <a:lstStyle/>
-          <a:p>
-            <a:endParaRPr lang="en-US"/>
+          <a:bodyPr>
+            <a:normAutofit/>
+          </a:bodyPr>
+          <a:lstStyle/>
+          <a:p>
+            <a:r>
+              <a:rPr lang="en-GB" dirty="0"/>
+              <a:t>An XML file is an </a:t>
+            </a:r>
+            <a:r>
+              <a:rPr lang="en-GB" dirty="0" err="1"/>
+              <a:t>e</a:t>
+            </a:r>
+            <a:r>
+              <a:rPr lang="en-GB" b="1" dirty="0" err="1">
+                <a:solidFill>
+                  <a:srgbClr val="FF0000"/>
+                </a:solidFill>
+              </a:rPr>
+              <a:t>X</a:t>
+            </a:r>
+            <a:r>
+              <a:rPr lang="en-GB" dirty="0" err="1"/>
+              <a:t>tensible</a:t>
+            </a:r>
+            <a:r>
+              <a:rPr lang="en-GB" dirty="0"/>
+              <a:t> </a:t>
+            </a:r>
+            <a:r>
+              <a:rPr lang="en-GB" b="1" dirty="0">
+                <a:solidFill>
+                  <a:srgbClr val="FF0000"/>
+                </a:solidFill>
+              </a:rPr>
+              <a:t>M</a:t>
+            </a:r>
+            <a:r>
+              <a:rPr lang="en-GB" dirty="0"/>
+              <a:t>arkup </a:t>
+            </a:r>
+            <a:r>
+              <a:rPr lang="en-GB" b="1" dirty="0">
+                <a:solidFill>
+                  <a:srgbClr val="FF0000"/>
+                </a:solidFill>
+              </a:rPr>
+              <a:t>L</a:t>
+            </a:r>
+            <a:r>
+              <a:rPr lang="en-GB" dirty="0"/>
+              <a:t>anguage file that structures data for storage and transport. </a:t>
+            </a:r>
+          </a:p>
+          <a:p>
+            <a:r>
+              <a:rPr lang="en-GB" dirty="0"/>
+              <a:t>XML files can be used for various purposes</a:t>
+            </a:r>
+          </a:p>
+          <a:p>
+            <a:pPr lvl="1"/>
+            <a:r>
+              <a:rPr lang="en-GB" dirty="0"/>
+              <a:t>Data transfer: XML files can store and retrieve data for different applications.</a:t>
+            </a:r>
+          </a:p>
+          <a:p>
+            <a:pPr lvl="1"/>
+            <a:r>
+              <a:rPr lang="en-GB" dirty="0"/>
+              <a:t>Formatting documents: XML files can define how web pages or other documents are displayed.</a:t>
+            </a:r>
+          </a:p>
+          <a:p>
+            <a:pPr lvl="1"/>
+            <a:r>
+              <a:rPr lang="en-GB" dirty="0"/>
+              <a:t>Web searching: XML files can help search engines index and rank web pages</a:t>
+            </a:r>
+          </a:p>
+          <a:p>
+            <a:pPr lvl="1"/>
+            <a:r>
+              <a:rPr lang="en-GB" dirty="0"/>
+              <a:t>Creating layouts: XML files can design the user interface of mobile applications.</a:t>
+            </a:r>
+          </a:p>
+          <a:p>
+            <a:pPr lvl="1"/>
+            <a:r>
+              <a:rPr lang="en-GB" dirty="0"/>
+              <a:t>Storing configuration data: XML files can store the settings and preferences of an application.</a:t>
+            </a:r>
+          </a:p>
+          <a:p>
+            <a:endParaRPr lang="en-GB" dirty="0"/>
           </a:p>
         </p:txBody>
       </p:sp>
     </p:spTree>
     <p:extLst>
       <p:ext uri="{BB962C8B-B14F-4D97-AF65-F5344CB8AC3E}">
-        <p14:creationId xmlns:p14="http://schemas.microsoft.com/office/powerpoint/2010/main" val="1690331404"/>
+        <p14:creationId xmlns:p14="http://schemas.microsoft.com/office/powerpoint/2010/main" val="2229056425"/>
       </p:ext>
     </p:extLst>
   </p:cSld>
@@ -8973,6 +9125,77 @@
           <a:lstStyle/>
           <a:p>
             <a:r>
+              <a:rPr lang="en-US"/>
+              <a:t>Install XML parser</a:t>
+            </a:r>
+          </a:p>
+        </p:txBody>
+      </p:sp>
+      <p:sp>
+        <p:nvSpPr>
+          <p:cNvPr id="5" name="Text Placeholder 4"/>
+          <p:cNvSpPr>
+            <a:spLocks noGrp="1"/>
+          </p:cNvSpPr>
+          <p:nvPr>
+            <p:ph type="body" idx="1"/>
+          </p:nvPr>
+        </p:nvSpPr>
+        <p:spPr/>
+        <p:txBody>
+          <a:bodyPr/>
+          <a:lstStyle/>
+          <a:p>
+            <a:endParaRPr lang="en-US"/>
+          </a:p>
+        </p:txBody>
+      </p:sp>
+    </p:spTree>
+    <p:extLst>
+      <p:ext uri="{BB962C8B-B14F-4D97-AF65-F5344CB8AC3E}">
+        <p14:creationId xmlns:p14="http://schemas.microsoft.com/office/powerpoint/2010/main" val="1690331404"/>
+      </p:ext>
+    </p:extLst>
+  </p:cSld>
+  <p:clrMapOvr>
+    <a:masterClrMapping/>
+  </p:clrMapOvr>
+</p:sld>
+</file>
+
+<file path=ppt/slides/slide12.xml><?xml version="1.0" encoding="utf-8"?>
+<p:sld xmlns:a="http://schemas.openxmlformats.org/drawingml/2006/main" xmlns:r="http://schemas.openxmlformats.org/officeDocument/2006/relationships" xmlns:p="http://schemas.openxmlformats.org/presentationml/2006/main">
+  <p:cSld>
+    <p:spTree>
+      <p:nvGrpSpPr>
+        <p:cNvPr id="1" name=""/>
+        <p:cNvGrpSpPr/>
+        <p:nvPr/>
+      </p:nvGrpSpPr>
+      <p:grpSpPr>
+        <a:xfrm>
+          <a:off x="0" y="0"/>
+          <a:ext cx="0" cy="0"/>
+          <a:chOff x="0" y="0"/>
+          <a:chExt cx="0" cy="0"/>
+        </a:xfrm>
+      </p:grpSpPr>
+      <p:sp>
+        <p:nvSpPr>
+          <p:cNvPr id="4" name="Title 3"/>
+          <p:cNvSpPr>
+            <a:spLocks noGrp="1"/>
+          </p:cNvSpPr>
+          <p:nvPr>
+            <p:ph type="title"/>
+          </p:nvPr>
+        </p:nvSpPr>
+        <p:spPr/>
+        <p:txBody>
+          <a:bodyPr/>
+          <a:lstStyle/>
+          <a:p>
+            <a:r>
               <a:rPr lang="en-US" i="1" dirty="0" err="1">
                 <a:solidFill>
                   <a:srgbClr val="7030A0"/>
@@ -9076,7 +9299,7 @@
 </p:sld>
 </file>
 
-<file path=ppt/slides/slide12.xml><?xml version="1.0" encoding="utf-8"?>
+<file path=ppt/slides/slide13.xml><?xml version="1.0" encoding="utf-8"?>
 <p:sld xmlns:a="http://schemas.openxmlformats.org/drawingml/2006/main" xmlns:r="http://schemas.openxmlformats.org/officeDocument/2006/relationships" xmlns:p="http://schemas.openxmlformats.org/presentationml/2006/main">
   <p:cSld>
     <p:spTree>
@@ -9268,7 +9491,7 @@
 </p:sld>
 </file>
 
-<file path=ppt/slides/slide13.xml><?xml version="1.0" encoding="utf-8"?>
+<file path=ppt/slides/slide14.xml><?xml version="1.0" encoding="utf-8"?>
 <p:sld xmlns:a="http://schemas.openxmlformats.org/drawingml/2006/main" xmlns:r="http://schemas.openxmlformats.org/officeDocument/2006/relationships" xmlns:p="http://schemas.openxmlformats.org/presentationml/2006/main">
   <p:cSld>
     <p:spTree>
@@ -9322,7 +9545,7 @@
 </p:sld>
 </file>
 
-<file path=ppt/slides/slide14.xml><?xml version="1.0" encoding="utf-8"?>
+<file path=ppt/slides/slide15.xml><?xml version="1.0" encoding="utf-8"?>
 <p:sld xmlns:a="http://schemas.openxmlformats.org/drawingml/2006/main" xmlns:r="http://schemas.openxmlformats.org/officeDocument/2006/relationships" xmlns:p="http://schemas.openxmlformats.org/presentationml/2006/main">
   <p:cSld>
     <p:spTree>
@@ -9500,7 +9723,7 @@
 </p:sld>
 </file>
 
-<file path=ppt/slides/slide15.xml><?xml version="1.0" encoding="utf-8"?>
+<file path=ppt/slides/slide16.xml><?xml version="1.0" encoding="utf-8"?>
 <p:sld xmlns:a="http://schemas.openxmlformats.org/drawingml/2006/main" xmlns:r="http://schemas.openxmlformats.org/officeDocument/2006/relationships" xmlns:p="http://schemas.openxmlformats.org/presentationml/2006/main">
   <p:cSld>
     <p:spTree>
@@ -10566,7 +10789,7 @@
 </p:sld>
 </file>
 
-<file path=ppt/slides/slide16.xml><?xml version="1.0" encoding="utf-8"?>
+<file path=ppt/slides/slide17.xml><?xml version="1.0" encoding="utf-8"?>
 <p:sld xmlns:a="http://schemas.openxmlformats.org/drawingml/2006/main" xmlns:r="http://schemas.openxmlformats.org/officeDocument/2006/relationships" xmlns:p="http://schemas.openxmlformats.org/presentationml/2006/main">
   <p:cSld>
     <p:spTree>
@@ -10645,7 +10868,7 @@
 </p:sld>
 </file>
 
-<file path=ppt/slides/slide17.xml><?xml version="1.0" encoding="utf-8"?>
+<file path=ppt/slides/slide18.xml><?xml version="1.0" encoding="utf-8"?>
 <p:sld xmlns:a="http://schemas.openxmlformats.org/drawingml/2006/main" xmlns:r="http://schemas.openxmlformats.org/officeDocument/2006/relationships" xmlns:p="http://schemas.openxmlformats.org/presentationml/2006/main">
   <p:cSld>
     <p:spTree>
@@ -10699,7 +10922,7 @@
 </p:sld>
 </file>
 
-<file path=ppt/slides/slide18.xml><?xml version="1.0" encoding="utf-8"?>
+<file path=ppt/slides/slide19.xml><?xml version="1.0" encoding="utf-8"?>
 <p:sld xmlns:a="http://schemas.openxmlformats.org/drawingml/2006/main" xmlns:r="http://schemas.openxmlformats.org/officeDocument/2006/relationships" xmlns:p="http://schemas.openxmlformats.org/presentationml/2006/main">
   <p:cSld>
     <p:spTree>
@@ -10790,7 +11013,113 @@
 </p:sld>
 </file>
 
-<file path=ppt/slides/slide19.xml><?xml version="1.0" encoding="utf-8"?>
+<file path=ppt/slides/slide2.xml><?xml version="1.0" encoding="utf-8"?>
+<p:sld xmlns:a="http://schemas.openxmlformats.org/drawingml/2006/main" xmlns:r="http://schemas.openxmlformats.org/officeDocument/2006/relationships" xmlns:p="http://schemas.openxmlformats.org/presentationml/2006/main">
+  <p:cSld>
+    <p:spTree>
+      <p:nvGrpSpPr>
+        <p:cNvPr id="1" name=""/>
+        <p:cNvGrpSpPr/>
+        <p:nvPr/>
+      </p:nvGrpSpPr>
+      <p:grpSpPr>
+        <a:xfrm>
+          <a:off x="0" y="0"/>
+          <a:ext cx="0" cy="0"/>
+          <a:chOff x="0" y="0"/>
+          <a:chExt cx="0" cy="0"/>
+        </a:xfrm>
+      </p:grpSpPr>
+      <p:sp>
+        <p:nvSpPr>
+          <p:cNvPr id="2" name="Title 1">
+            <a:extLst>
+              <a:ext uri="{FF2B5EF4-FFF2-40B4-BE49-F238E27FC236}">
+                <a16:creationId xmlns:a16="http://schemas.microsoft.com/office/drawing/2014/main" id="{6A7CCD0E-37E2-135B-F511-8350B194EE6B}"/>
+              </a:ext>
+            </a:extLst>
+          </p:cNvPr>
+          <p:cNvSpPr>
+            <a:spLocks noGrp="1"/>
+          </p:cNvSpPr>
+          <p:nvPr>
+            <p:ph type="title"/>
+          </p:nvPr>
+        </p:nvSpPr>
+        <p:spPr/>
+        <p:txBody>
+          <a:bodyPr/>
+          <a:lstStyle/>
+          <a:p>
+            <a:r>
+              <a:rPr lang="en-US" dirty="0"/>
+              <a:t>Goals</a:t>
+            </a:r>
+          </a:p>
+        </p:txBody>
+      </p:sp>
+      <p:sp>
+        <p:nvSpPr>
+          <p:cNvPr id="3" name="Content Placeholder 2">
+            <a:extLst>
+              <a:ext uri="{FF2B5EF4-FFF2-40B4-BE49-F238E27FC236}">
+                <a16:creationId xmlns:a16="http://schemas.microsoft.com/office/drawing/2014/main" id="{F0D1537B-70C1-6611-DDF6-0C8D07BDE115}"/>
+              </a:ext>
+            </a:extLst>
+          </p:cNvPr>
+          <p:cNvSpPr>
+            <a:spLocks noGrp="1"/>
+          </p:cNvSpPr>
+          <p:nvPr>
+            <p:ph idx="1"/>
+          </p:nvPr>
+        </p:nvSpPr>
+        <p:spPr/>
+        <p:txBody>
+          <a:bodyPr/>
+          <a:lstStyle/>
+          <a:p>
+            <a:r>
+              <a:rPr lang="en-US" dirty="0"/>
+              <a:t>Understand evidence </a:t>
+            </a:r>
+            <a:r>
+              <a:rPr lang="en-US"/>
+              <a:t>generated by </a:t>
+            </a:r>
+            <a:r>
+              <a:rPr lang="en-US" dirty="0"/>
+              <a:t>OS</a:t>
+            </a:r>
+          </a:p>
+          <a:p>
+            <a:r>
+              <a:rPr lang="en-US" dirty="0"/>
+              <a:t>Understand XML format</a:t>
+            </a:r>
+          </a:p>
+          <a:p>
+            <a:r>
+              <a:rPr lang="en-US" dirty="0"/>
+              <a:t>Know how to extract information from XML files</a:t>
+            </a:r>
+          </a:p>
+        </p:txBody>
+      </p:sp>
+    </p:spTree>
+    <p:extLst>
+      <p:ext uri="{BB962C8B-B14F-4D97-AF65-F5344CB8AC3E}">
+        <p14:creationId xmlns:p14="http://schemas.microsoft.com/office/powerpoint/2010/main" val="2238738770"/>
+      </p:ext>
+    </p:extLst>
+  </p:cSld>
+  <p:clrMapOvr>
+    <a:masterClrMapping/>
+  </p:clrMapOvr>
+</p:sld>
+</file>
+
+<file path=ppt/slides/slide20.xml><?xml version="1.0" encoding="utf-8"?>
 <p:sld xmlns:a="http://schemas.openxmlformats.org/drawingml/2006/main" xmlns:r="http://schemas.openxmlformats.org/officeDocument/2006/relationships" xmlns:p="http://schemas.openxmlformats.org/presentationml/2006/main">
   <p:cSld>
     <p:spTree>
@@ -11041,273 +11370,7 @@
 </p:sld>
 </file>
 
-<file path=ppt/slides/slide2.xml><?xml version="1.0" encoding="utf-8"?>
-<p:sld xmlns:a="http://schemas.openxmlformats.org/drawingml/2006/main" xmlns:r="http://schemas.openxmlformats.org/officeDocument/2006/relationships" xmlns:p="http://schemas.openxmlformats.org/presentationml/2006/main">
-  <p:cSld>
-    <p:spTree>
-      <p:nvGrpSpPr>
-        <p:cNvPr id="1" name=""/>
-        <p:cNvGrpSpPr/>
-        <p:nvPr/>
-      </p:nvGrpSpPr>
-      <p:grpSpPr>
-        <a:xfrm>
-          <a:off x="0" y="0"/>
-          <a:ext cx="0" cy="0"/>
-          <a:chOff x="0" y="0"/>
-          <a:chExt cx="0" cy="0"/>
-        </a:xfrm>
-      </p:grpSpPr>
-      <p:sp>
-        <p:nvSpPr>
-          <p:cNvPr id="2" name="Title 1">
-            <a:extLst>
-              <a:ext uri="{FF2B5EF4-FFF2-40B4-BE49-F238E27FC236}">
-                <a16:creationId xmlns:a16="http://schemas.microsoft.com/office/drawing/2014/main" id="{AB99A84B-65BD-439A-B94D-62C83D498020}"/>
-              </a:ext>
-            </a:extLst>
-          </p:cNvPr>
-          <p:cNvSpPr>
-            <a:spLocks noGrp="1"/>
-          </p:cNvSpPr>
-          <p:nvPr>
-            <p:ph type="title"/>
-          </p:nvPr>
-        </p:nvSpPr>
-        <p:spPr>
-          <a:xfrm>
-            <a:off x="838199" y="291090"/>
-            <a:ext cx="10515599" cy="932688"/>
-          </a:xfrm>
-        </p:spPr>
-        <p:txBody>
-          <a:bodyPr vert="horz" lIns="91440" tIns="45720" rIns="91440" bIns="45720" rtlCol="0" anchor="b">
-            <a:normAutofit/>
-          </a:bodyPr>
-          <a:lstStyle/>
-          <a:p>
-            <a:r>
-              <a:rPr lang="en-US" sz="5400" kern="1200">
-                <a:solidFill>
-                  <a:schemeClr val="tx1"/>
-                </a:solidFill>
-                <a:latin typeface="+mj-lt"/>
-                <a:ea typeface="+mj-ea"/>
-                <a:cs typeface="+mj-cs"/>
-              </a:rPr>
-              <a:t>Layers of a computer system</a:t>
-            </a:r>
-          </a:p>
-        </p:txBody>
-      </p:sp>
-      <p:pic>
-        <p:nvPicPr>
-          <p:cNvPr id="1026" name="Picture 2" descr="Technology layers from hardware to users.">
-            <a:extLst>
-              <a:ext uri="{FF2B5EF4-FFF2-40B4-BE49-F238E27FC236}">
-                <a16:creationId xmlns:a16="http://schemas.microsoft.com/office/drawing/2014/main" id="{383A4A36-A8F1-4488-B678-B0A846360527}"/>
-              </a:ext>
-            </a:extLst>
-          </p:cNvPr>
-          <p:cNvPicPr>
-            <a:picLocks noChangeAspect="1" noChangeArrowheads="1"/>
-          </p:cNvPicPr>
-          <p:nvPr/>
-        </p:nvPicPr>
-        <p:blipFill>
-          <a:blip r:embed="rId2">
-            <a:extLst>
-              <a:ext uri="{28A0092B-C50C-407E-A947-70E740481C1C}">
-                <a14:useLocalDpi xmlns:a14="http://schemas.microsoft.com/office/drawing/2010/main" val="0"/>
-              </a:ext>
-            </a:extLst>
-          </a:blip>
-          <a:stretch>
-            <a:fillRect/>
-          </a:stretch>
-        </p:blipFill>
-        <p:spPr bwMode="auto">
-          <a:xfrm>
-            <a:off x="628533" y="1223778"/>
-            <a:ext cx="8105747" cy="5411755"/>
-          </a:xfrm>
-          <a:prstGeom prst="rect">
-            <a:avLst/>
-          </a:prstGeom>
-          <a:noFill/>
-          <a:extLst>
-            <a:ext uri="{909E8E84-426E-40DD-AFC4-6F175D3DCCD1}">
-              <a14:hiddenFill xmlns:a14="http://schemas.microsoft.com/office/drawing/2010/main">
-                <a:solidFill>
-                  <a:srgbClr val="FFFFFF"/>
-                </a:solidFill>
-              </a14:hiddenFill>
-            </a:ext>
-          </a:extLst>
-        </p:spPr>
-      </p:pic>
-      <p:sp>
-        <p:nvSpPr>
-          <p:cNvPr id="6" name="TextBox 5">
-            <a:extLst>
-              <a:ext uri="{FF2B5EF4-FFF2-40B4-BE49-F238E27FC236}">
-                <a16:creationId xmlns:a16="http://schemas.microsoft.com/office/drawing/2014/main" id="{DBB35AD8-5C2E-43B0-9DEE-1602D90C480F}"/>
-              </a:ext>
-            </a:extLst>
-          </p:cNvPr>
-          <p:cNvSpPr txBox="1"/>
-          <p:nvPr/>
-        </p:nvSpPr>
-        <p:spPr>
-          <a:xfrm>
-            <a:off x="7189393" y="6566910"/>
-            <a:ext cx="6176864" cy="261610"/>
-          </a:xfrm>
-          <a:prstGeom prst="rect">
-            <a:avLst/>
-          </a:prstGeom>
-          <a:noFill/>
-        </p:spPr>
-        <p:txBody>
-          <a:bodyPr wrap="square">
-            <a:spAutoFit/>
-          </a:bodyPr>
-          <a:lstStyle/>
-          <a:p>
-            <a:r>
-              <a:rPr lang="en-US" sz="1050" dirty="0"/>
-              <a:t>https://windsongtraining.ca/</a:t>
-            </a:r>
-            <a:r>
-              <a:rPr lang="en-US" sz="900" dirty="0"/>
-              <a:t>the-technology-layer-cake-users-apps-os-and-hardware</a:t>
-            </a:r>
-            <a:r>
-              <a:rPr lang="en-US" sz="1050" dirty="0"/>
-              <a:t>/</a:t>
-            </a:r>
-          </a:p>
-        </p:txBody>
-      </p:sp>
-      <p:sp>
-        <p:nvSpPr>
-          <p:cNvPr id="3" name="Right Brace 2">
-            <a:extLst>
-              <a:ext uri="{FF2B5EF4-FFF2-40B4-BE49-F238E27FC236}">
-                <a16:creationId xmlns:a16="http://schemas.microsoft.com/office/drawing/2014/main" id="{81FF3E71-63E4-4E3A-83FB-207CA7A70BB5}"/>
-              </a:ext>
-            </a:extLst>
-          </p:cNvPr>
-          <p:cNvSpPr/>
-          <p:nvPr/>
-        </p:nvSpPr>
-        <p:spPr>
-          <a:xfrm>
-            <a:off x="8943946" y="2245895"/>
-            <a:ext cx="946484" cy="4321015"/>
-          </a:xfrm>
-          <a:prstGeom prst="rightBrace">
-            <a:avLst/>
-          </a:prstGeom>
-        </p:spPr>
-        <p:style>
-          <a:lnRef idx="1">
-            <a:schemeClr val="accent1"/>
-          </a:lnRef>
-          <a:fillRef idx="0">
-            <a:schemeClr val="accent1"/>
-          </a:fillRef>
-          <a:effectRef idx="0">
-            <a:schemeClr val="accent1"/>
-          </a:effectRef>
-          <a:fontRef idx="minor">
-            <a:schemeClr val="tx1"/>
-          </a:fontRef>
-        </p:style>
-        <p:txBody>
-          <a:bodyPr rtlCol="0" anchor="ctr"/>
-          <a:lstStyle/>
-          <a:p>
-            <a:pPr algn="ctr"/>
-            <a:endParaRPr lang="en-US" dirty="0"/>
-          </a:p>
-        </p:txBody>
-      </p:sp>
-      <p:sp>
-        <p:nvSpPr>
-          <p:cNvPr id="4" name="TextBox 3">
-            <a:extLst>
-              <a:ext uri="{FF2B5EF4-FFF2-40B4-BE49-F238E27FC236}">
-                <a16:creationId xmlns:a16="http://schemas.microsoft.com/office/drawing/2014/main" id="{6DF168C5-CA4C-4395-8075-B4EE8934D9AD}"/>
-              </a:ext>
-            </a:extLst>
-          </p:cNvPr>
-          <p:cNvSpPr txBox="1"/>
-          <p:nvPr/>
-        </p:nvSpPr>
-        <p:spPr>
-          <a:xfrm>
-            <a:off x="10100096" y="2833571"/>
-            <a:ext cx="1878543" cy="2585323"/>
-          </a:xfrm>
-          <a:prstGeom prst="rect">
-            <a:avLst/>
-          </a:prstGeom>
-          <a:noFill/>
-        </p:spPr>
-        <p:txBody>
-          <a:bodyPr wrap="square" rtlCol="0">
-            <a:spAutoFit/>
-          </a:bodyPr>
-          <a:lstStyle/>
-          <a:p>
-            <a:pPr marL="285750" indent="-285750">
-              <a:buFont typeface="Arial" panose="020B0604020202020204" pitchFamily="34" charset="0"/>
-              <a:buChar char="•"/>
-            </a:pPr>
-            <a:r>
-              <a:rPr lang="en-US" dirty="0">
-                <a:solidFill>
-                  <a:srgbClr val="FF0000"/>
-                </a:solidFill>
-              </a:rPr>
-              <a:t>Evidence</a:t>
-            </a:r>
-            <a:r>
-              <a:rPr lang="en-US" dirty="0"/>
-              <a:t> is generated from each layer</a:t>
-            </a:r>
-          </a:p>
-          <a:p>
-            <a:pPr marL="285750" indent="-285750">
-              <a:buFont typeface="Arial" panose="020B0604020202020204" pitchFamily="34" charset="0"/>
-              <a:buChar char="•"/>
-            </a:pPr>
-            <a:r>
-              <a:rPr lang="en-US" dirty="0">
-                <a:solidFill>
-                  <a:srgbClr val="7030A0"/>
-                </a:solidFill>
-              </a:rPr>
-              <a:t>User activities= Applications+ OS+ Disk/Memory</a:t>
-            </a:r>
-          </a:p>
-        </p:txBody>
-      </p:sp>
-    </p:spTree>
-    <p:extLst>
-      <p:ext uri="{BB962C8B-B14F-4D97-AF65-F5344CB8AC3E}">
-        <p14:creationId xmlns:p14="http://schemas.microsoft.com/office/powerpoint/2010/main" val="4010385979"/>
-      </p:ext>
-    </p:extLst>
-  </p:cSld>
-  <p:clrMapOvr>
-    <a:masterClrMapping/>
-  </p:clrMapOvr>
-</p:sld>
-</file>
-
-<file path=ppt/slides/slide20.xml><?xml version="1.0" encoding="utf-8"?>
+<file path=ppt/slides/slide21.xml><?xml version="1.0" encoding="utf-8"?>
 <p:sld xmlns:a="http://schemas.openxmlformats.org/drawingml/2006/main" xmlns:r="http://schemas.openxmlformats.org/officeDocument/2006/relationships" xmlns:p="http://schemas.openxmlformats.org/presentationml/2006/main">
   <p:cSld>
     <p:spTree>
@@ -11361,7 +11424,7 @@
 </p:sld>
 </file>
 
-<file path=ppt/slides/slide21.xml><?xml version="1.0" encoding="utf-8"?>
+<file path=ppt/slides/slide22.xml><?xml version="1.0" encoding="utf-8"?>
 <p:sld xmlns:a="http://schemas.openxmlformats.org/drawingml/2006/main" xmlns:r="http://schemas.openxmlformats.org/officeDocument/2006/relationships" xmlns:p="http://schemas.openxmlformats.org/presentationml/2006/main">
   <p:cSld>
     <p:spTree>
@@ -11590,7 +11653,7 @@
 </p:sld>
 </file>
 
-<file path=ppt/slides/slide22.xml><?xml version="1.0" encoding="utf-8"?>
+<file path=ppt/slides/slide23.xml><?xml version="1.0" encoding="utf-8"?>
 <p:sld xmlns:a="http://schemas.openxmlformats.org/drawingml/2006/main" xmlns:r="http://schemas.openxmlformats.org/officeDocument/2006/relationships" xmlns:p="http://schemas.openxmlformats.org/presentationml/2006/main">
   <p:cSld>
     <p:spTree>
@@ -11858,7 +11921,7 @@
 </p:sld>
 </file>
 
-<file path=ppt/slides/slide23.xml><?xml version="1.0" encoding="utf-8"?>
+<file path=ppt/slides/slide24.xml><?xml version="1.0" encoding="utf-8"?>
 <p:sld xmlns:a="http://schemas.openxmlformats.org/drawingml/2006/main" xmlns:r="http://schemas.openxmlformats.org/officeDocument/2006/relationships" xmlns:p="http://schemas.openxmlformats.org/presentationml/2006/main">
   <p:cSld>
     <p:spTree>
@@ -11942,7 +12005,7 @@
 </p:sld>
 </file>
 
-<file path=ppt/slides/slide24.xml><?xml version="1.0" encoding="utf-8"?>
+<file path=ppt/slides/slide25.xml><?xml version="1.0" encoding="utf-8"?>
 <p:sld xmlns:a="http://schemas.openxmlformats.org/drawingml/2006/main" xmlns:r="http://schemas.openxmlformats.org/officeDocument/2006/relationships" xmlns:p="http://schemas.openxmlformats.org/presentationml/2006/main">
   <p:cSld>
     <p:spTree>
@@ -11996,7 +12059,7 @@
 </p:sld>
 </file>
 
-<file path=ppt/slides/slide25.xml><?xml version="1.0" encoding="utf-8"?>
+<file path=ppt/slides/slide26.xml><?xml version="1.0" encoding="utf-8"?>
 <p:sld xmlns:a="http://schemas.openxmlformats.org/drawingml/2006/main" xmlns:r="http://schemas.openxmlformats.org/officeDocument/2006/relationships" xmlns:p="http://schemas.openxmlformats.org/presentationml/2006/main">
   <p:cSld>
     <p:spTree>
@@ -12050,7 +12113,7 @@
 </p:sld>
 </file>
 
-<file path=ppt/slides/slide26.xml><?xml version="1.0" encoding="utf-8"?>
+<file path=ppt/slides/slide27.xml><?xml version="1.0" encoding="utf-8"?>
 <p:sld xmlns:a="http://schemas.openxmlformats.org/drawingml/2006/main" xmlns:r="http://schemas.openxmlformats.org/officeDocument/2006/relationships" xmlns:p="http://schemas.openxmlformats.org/presentationml/2006/main">
   <p:cSld>
     <p:spTree>
@@ -12142,7 +12205,7 @@
 </p:sld>
 </file>
 
-<file path=ppt/slides/slide27.xml><?xml version="1.0" encoding="utf-8"?>
+<file path=ppt/slides/slide28.xml><?xml version="1.0" encoding="utf-8"?>
 <p:sld xmlns:a="http://schemas.openxmlformats.org/drawingml/2006/main" xmlns:r="http://schemas.openxmlformats.org/officeDocument/2006/relationships" xmlns:p="http://schemas.openxmlformats.org/presentationml/2006/main">
   <p:cSld>
     <p:spTree>
@@ -12195,7 +12258,7 @@
 </p:sld>
 </file>
 
-<file path=ppt/slides/slide28.xml><?xml version="1.0" encoding="utf-8"?>
+<file path=ppt/slides/slide29.xml><?xml version="1.0" encoding="utf-8"?>
 <p:sld xmlns:a="http://schemas.openxmlformats.org/drawingml/2006/main" xmlns:r="http://schemas.openxmlformats.org/officeDocument/2006/relationships" xmlns:p="http://schemas.openxmlformats.org/presentationml/2006/main">
   <p:cSld>
     <p:spTree>
@@ -12281,7 +12344,327 @@
 </p:sld>
 </file>
 
-<file path=ppt/slides/slide29.xml><?xml version="1.0" encoding="utf-8"?>
+<file path=ppt/slides/slide3.xml><?xml version="1.0" encoding="utf-8"?>
+<p:sld xmlns:a="http://schemas.openxmlformats.org/drawingml/2006/main" xmlns:r="http://schemas.openxmlformats.org/officeDocument/2006/relationships" xmlns:p="http://schemas.openxmlformats.org/presentationml/2006/main">
+  <p:cSld>
+    <p:spTree>
+      <p:nvGrpSpPr>
+        <p:cNvPr id="1" name=""/>
+        <p:cNvGrpSpPr/>
+        <p:nvPr/>
+      </p:nvGrpSpPr>
+      <p:grpSpPr>
+        <a:xfrm>
+          <a:off x="0" y="0"/>
+          <a:ext cx="0" cy="0"/>
+          <a:chOff x="0" y="0"/>
+          <a:chExt cx="0" cy="0"/>
+        </a:xfrm>
+      </p:grpSpPr>
+      <p:sp>
+        <p:nvSpPr>
+          <p:cNvPr id="2" name="Title 1">
+            <a:extLst>
+              <a:ext uri="{FF2B5EF4-FFF2-40B4-BE49-F238E27FC236}">
+                <a16:creationId xmlns:a16="http://schemas.microsoft.com/office/drawing/2014/main" id="{AB99A84B-65BD-439A-B94D-62C83D498020}"/>
+              </a:ext>
+            </a:extLst>
+          </p:cNvPr>
+          <p:cNvSpPr>
+            <a:spLocks noGrp="1"/>
+          </p:cNvSpPr>
+          <p:nvPr>
+            <p:ph type="title"/>
+          </p:nvPr>
+        </p:nvSpPr>
+        <p:spPr>
+          <a:xfrm>
+            <a:off x="838199" y="291090"/>
+            <a:ext cx="10515599" cy="932688"/>
+          </a:xfrm>
+        </p:spPr>
+        <p:txBody>
+          <a:bodyPr vert="horz" lIns="91440" tIns="45720" rIns="91440" bIns="45720" rtlCol="0" anchor="b">
+            <a:normAutofit/>
+          </a:bodyPr>
+          <a:lstStyle/>
+          <a:p>
+            <a:r>
+              <a:rPr lang="en-US" sz="5400" kern="1200">
+                <a:solidFill>
+                  <a:schemeClr val="tx1"/>
+                </a:solidFill>
+                <a:latin typeface="+mj-lt"/>
+                <a:ea typeface="+mj-ea"/>
+                <a:cs typeface="+mj-cs"/>
+              </a:rPr>
+              <a:t>Layers of a computer system</a:t>
+            </a:r>
+          </a:p>
+        </p:txBody>
+      </p:sp>
+      <p:pic>
+        <p:nvPicPr>
+          <p:cNvPr id="1026" name="Picture 2" descr="Technology layers from hardware to users.">
+            <a:extLst>
+              <a:ext uri="{FF2B5EF4-FFF2-40B4-BE49-F238E27FC236}">
+                <a16:creationId xmlns:a16="http://schemas.microsoft.com/office/drawing/2014/main" id="{383A4A36-A8F1-4488-B678-B0A846360527}"/>
+              </a:ext>
+            </a:extLst>
+          </p:cNvPr>
+          <p:cNvPicPr>
+            <a:picLocks noChangeAspect="1" noChangeArrowheads="1"/>
+          </p:cNvPicPr>
+          <p:nvPr/>
+        </p:nvPicPr>
+        <p:blipFill>
+          <a:blip r:embed="rId2">
+            <a:extLst>
+              <a:ext uri="{28A0092B-C50C-407E-A947-70E740481C1C}">
+                <a14:useLocalDpi xmlns:a14="http://schemas.microsoft.com/office/drawing/2010/main" val="0"/>
+              </a:ext>
+            </a:extLst>
+          </a:blip>
+          <a:stretch>
+            <a:fillRect/>
+          </a:stretch>
+        </p:blipFill>
+        <p:spPr bwMode="auto">
+          <a:xfrm>
+            <a:off x="628533" y="1223778"/>
+            <a:ext cx="8105747" cy="5411755"/>
+          </a:xfrm>
+          <a:prstGeom prst="rect">
+            <a:avLst/>
+          </a:prstGeom>
+          <a:noFill/>
+          <a:extLst>
+            <a:ext uri="{909E8E84-426E-40DD-AFC4-6F175D3DCCD1}">
+              <a14:hiddenFill xmlns:a14="http://schemas.microsoft.com/office/drawing/2010/main">
+                <a:solidFill>
+                  <a:srgbClr val="FFFFFF"/>
+                </a:solidFill>
+              </a14:hiddenFill>
+            </a:ext>
+          </a:extLst>
+        </p:spPr>
+      </p:pic>
+      <p:sp>
+        <p:nvSpPr>
+          <p:cNvPr id="6" name="TextBox 5">
+            <a:extLst>
+              <a:ext uri="{FF2B5EF4-FFF2-40B4-BE49-F238E27FC236}">
+                <a16:creationId xmlns:a16="http://schemas.microsoft.com/office/drawing/2014/main" id="{DBB35AD8-5C2E-43B0-9DEE-1602D90C480F}"/>
+              </a:ext>
+            </a:extLst>
+          </p:cNvPr>
+          <p:cNvSpPr txBox="1"/>
+          <p:nvPr/>
+        </p:nvSpPr>
+        <p:spPr>
+          <a:xfrm>
+            <a:off x="7189393" y="6566910"/>
+            <a:ext cx="6176864" cy="261610"/>
+          </a:xfrm>
+          <a:prstGeom prst="rect">
+            <a:avLst/>
+          </a:prstGeom>
+          <a:noFill/>
+        </p:spPr>
+        <p:txBody>
+          <a:bodyPr wrap="square">
+            <a:spAutoFit/>
+          </a:bodyPr>
+          <a:lstStyle/>
+          <a:p>
+            <a:r>
+              <a:rPr lang="en-US" sz="1050" dirty="0"/>
+              <a:t>https://windsongtraining.ca/</a:t>
+            </a:r>
+            <a:r>
+              <a:rPr lang="en-US" sz="900" dirty="0"/>
+              <a:t>the-technology-layer-cake-users-apps-os-and-hardware</a:t>
+            </a:r>
+            <a:r>
+              <a:rPr lang="en-US" sz="1050" dirty="0"/>
+              <a:t>/</a:t>
+            </a:r>
+          </a:p>
+        </p:txBody>
+      </p:sp>
+      <p:sp>
+        <p:nvSpPr>
+          <p:cNvPr id="3" name="Right Brace 2">
+            <a:extLst>
+              <a:ext uri="{FF2B5EF4-FFF2-40B4-BE49-F238E27FC236}">
+                <a16:creationId xmlns:a16="http://schemas.microsoft.com/office/drawing/2014/main" id="{81FF3E71-63E4-4E3A-83FB-207CA7A70BB5}"/>
+              </a:ext>
+            </a:extLst>
+          </p:cNvPr>
+          <p:cNvSpPr/>
+          <p:nvPr/>
+        </p:nvSpPr>
+        <p:spPr>
+          <a:xfrm>
+            <a:off x="8943946" y="2245895"/>
+            <a:ext cx="946484" cy="4321015"/>
+          </a:xfrm>
+          <a:prstGeom prst="rightBrace">
+            <a:avLst/>
+          </a:prstGeom>
+        </p:spPr>
+        <p:style>
+          <a:lnRef idx="1">
+            <a:schemeClr val="accent1"/>
+          </a:lnRef>
+          <a:fillRef idx="0">
+            <a:schemeClr val="accent1"/>
+          </a:fillRef>
+          <a:effectRef idx="0">
+            <a:schemeClr val="accent1"/>
+          </a:effectRef>
+          <a:fontRef idx="minor">
+            <a:schemeClr val="tx1"/>
+          </a:fontRef>
+        </p:style>
+        <p:txBody>
+          <a:bodyPr rtlCol="0" anchor="ctr"/>
+          <a:lstStyle/>
+          <a:p>
+            <a:pPr algn="ctr"/>
+            <a:endParaRPr lang="en-US" dirty="0"/>
+          </a:p>
+        </p:txBody>
+      </p:sp>
+      <p:sp>
+        <p:nvSpPr>
+          <p:cNvPr id="4" name="TextBox 3">
+            <a:extLst>
+              <a:ext uri="{FF2B5EF4-FFF2-40B4-BE49-F238E27FC236}">
+                <a16:creationId xmlns:a16="http://schemas.microsoft.com/office/drawing/2014/main" id="{6DF168C5-CA4C-4395-8075-B4EE8934D9AD}"/>
+              </a:ext>
+            </a:extLst>
+          </p:cNvPr>
+          <p:cNvSpPr txBox="1"/>
+          <p:nvPr/>
+        </p:nvSpPr>
+        <p:spPr>
+          <a:xfrm>
+            <a:off x="10100096" y="2833571"/>
+            <a:ext cx="1878543" cy="2585323"/>
+          </a:xfrm>
+          <a:prstGeom prst="rect">
+            <a:avLst/>
+          </a:prstGeom>
+          <a:noFill/>
+        </p:spPr>
+        <p:txBody>
+          <a:bodyPr wrap="square" rtlCol="0">
+            <a:spAutoFit/>
+          </a:bodyPr>
+          <a:lstStyle/>
+          <a:p>
+            <a:pPr marL="285750" indent="-285750">
+              <a:buFont typeface="Arial" panose="020B0604020202020204" pitchFamily="34" charset="0"/>
+              <a:buChar char="•"/>
+            </a:pPr>
+            <a:r>
+              <a:rPr lang="en-US" dirty="0">
+                <a:solidFill>
+                  <a:srgbClr val="FF0000"/>
+                </a:solidFill>
+              </a:rPr>
+              <a:t>Evidence</a:t>
+            </a:r>
+            <a:r>
+              <a:rPr lang="en-US" dirty="0"/>
+              <a:t> is generated from each layer</a:t>
+            </a:r>
+          </a:p>
+          <a:p>
+            <a:pPr marL="285750" indent="-285750">
+              <a:buFont typeface="Arial" panose="020B0604020202020204" pitchFamily="34" charset="0"/>
+              <a:buChar char="•"/>
+            </a:pPr>
+            <a:r>
+              <a:rPr lang="en-US" dirty="0">
+                <a:solidFill>
+                  <a:srgbClr val="7030A0"/>
+                </a:solidFill>
+              </a:rPr>
+              <a:t>User activities= Applications+ OS+ Disk/Memory</a:t>
+            </a:r>
+          </a:p>
+        </p:txBody>
+      </p:sp>
+      <p:sp>
+        <p:nvSpPr>
+          <p:cNvPr id="5" name="Arrow: Down 4">
+            <a:extLst>
+              <a:ext uri="{FF2B5EF4-FFF2-40B4-BE49-F238E27FC236}">
+                <a16:creationId xmlns:a16="http://schemas.microsoft.com/office/drawing/2014/main" id="{34F468CB-E7F3-D0F6-1E20-5416C4741A45}"/>
+              </a:ext>
+            </a:extLst>
+          </p:cNvPr>
+          <p:cNvSpPr/>
+          <p:nvPr/>
+        </p:nvSpPr>
+        <p:spPr>
+          <a:xfrm rot="3464319">
+            <a:off x="8807288" y="4382189"/>
+            <a:ext cx="273317" cy="599607"/>
+          </a:xfrm>
+          <a:prstGeom prst="downArrow">
+            <a:avLst/>
+          </a:prstGeom>
+          <a:solidFill>
+            <a:srgbClr val="FF0000"/>
+          </a:solidFill>
+          <a:ln>
+            <a:solidFill>
+              <a:srgbClr val="FF0000"/>
+            </a:solidFill>
+          </a:ln>
+        </p:spPr>
+        <p:style>
+          <a:lnRef idx="2">
+            <a:schemeClr val="accent1">
+              <a:shade val="50000"/>
+            </a:schemeClr>
+          </a:lnRef>
+          <a:fillRef idx="1">
+            <a:schemeClr val="accent1"/>
+          </a:fillRef>
+          <a:effectRef idx="0">
+            <a:schemeClr val="accent1"/>
+          </a:effectRef>
+          <a:fontRef idx="minor">
+            <a:schemeClr val="lt1"/>
+          </a:fontRef>
+        </p:style>
+        <p:txBody>
+          <a:bodyPr rtlCol="0" anchor="ctr"/>
+          <a:lstStyle/>
+          <a:p>
+            <a:pPr algn="ctr"/>
+            <a:endParaRPr lang="en-US" dirty="0"/>
+          </a:p>
+        </p:txBody>
+      </p:sp>
+    </p:spTree>
+    <p:extLst>
+      <p:ext uri="{BB962C8B-B14F-4D97-AF65-F5344CB8AC3E}">
+        <p14:creationId xmlns:p14="http://schemas.microsoft.com/office/powerpoint/2010/main" val="4010385979"/>
+      </p:ext>
+    </p:extLst>
+  </p:cSld>
+  <p:clrMapOvr>
+    <a:masterClrMapping/>
+  </p:clrMapOvr>
+</p:sld>
+</file>
+
+<file path=ppt/slides/slide30.xml><?xml version="1.0" encoding="utf-8"?>
 <p:sld xmlns:a="http://schemas.openxmlformats.org/drawingml/2006/main" xmlns:r="http://schemas.openxmlformats.org/officeDocument/2006/relationships" xmlns:p="http://schemas.openxmlformats.org/presentationml/2006/main">
   <p:cSld>
     <p:spTree>
@@ -12474,346 +12857,7 @@
 </p:sld>
 </file>
 
-<file path=ppt/slides/slide3.xml><?xml version="1.0" encoding="utf-8"?>
-<p:sld xmlns:a="http://schemas.openxmlformats.org/drawingml/2006/main" xmlns:r="http://schemas.openxmlformats.org/officeDocument/2006/relationships" xmlns:p="http://schemas.openxmlformats.org/presentationml/2006/main">
-  <p:cSld>
-    <p:spTree>
-      <p:nvGrpSpPr>
-        <p:cNvPr id="1" name=""/>
-        <p:cNvGrpSpPr/>
-        <p:nvPr/>
-      </p:nvGrpSpPr>
-      <p:grpSpPr>
-        <a:xfrm>
-          <a:off x="0" y="0"/>
-          <a:ext cx="0" cy="0"/>
-          <a:chOff x="0" y="0"/>
-          <a:chExt cx="0" cy="0"/>
-        </a:xfrm>
-      </p:grpSpPr>
-      <p:sp>
-        <p:nvSpPr>
-          <p:cNvPr id="2" name="Title 1"/>
-          <p:cNvSpPr>
-            <a:spLocks noGrp="1"/>
-          </p:cNvSpPr>
-          <p:nvPr>
-            <p:ph type="title"/>
-          </p:nvPr>
-        </p:nvSpPr>
-        <p:spPr/>
-        <p:txBody>
-          <a:bodyPr>
-            <a:normAutofit/>
-          </a:bodyPr>
-          <a:lstStyle/>
-          <a:p>
-            <a:r>
-              <a:rPr lang="en-US" sz="2400" dirty="0">
-                <a:solidFill>
-                  <a:srgbClr val="FF0000"/>
-                </a:solidFill>
-              </a:rPr>
-              <a:t>12.</a:t>
-            </a:r>
-            <a:r>
-              <a:rPr lang="en-US" sz="2400" dirty="0"/>
-              <a:t>	List all traces about the system on/off and the user logon/logoff (It should be considered only during a time range between 09:00 and 18:00 in the </a:t>
-            </a:r>
-            <a:r>
-              <a:rPr lang="en-US" sz="2400" dirty="0" err="1"/>
-              <a:t>timezone</a:t>
-            </a:r>
-            <a:r>
-              <a:rPr lang="en-US" sz="2400" dirty="0"/>
-              <a:t> (Eastern Time) from Question 4.</a:t>
-            </a:r>
-          </a:p>
-        </p:txBody>
-      </p:sp>
-      <p:sp>
-        <p:nvSpPr>
-          <p:cNvPr id="3" name="Content Placeholder 2"/>
-          <p:cNvSpPr>
-            <a:spLocks noGrp="1"/>
-          </p:cNvSpPr>
-          <p:nvPr>
-            <p:ph idx="1"/>
-          </p:nvPr>
-        </p:nvSpPr>
-        <p:spPr>
-          <a:xfrm>
-            <a:off x="838200" y="1825625"/>
-            <a:ext cx="8724089" cy="1816344"/>
-          </a:xfrm>
-        </p:spPr>
-        <p:txBody>
-          <a:bodyPr>
-            <a:normAutofit fontScale="92500" lnSpcReduction="20000"/>
-          </a:bodyPr>
-          <a:lstStyle/>
-          <a:p>
-            <a:r>
-              <a:rPr lang="en-GB" dirty="0"/>
-              <a:t>The Windows event log is a detailed record of system, security and application notifications stored by the Windows</a:t>
-            </a:r>
-          </a:p>
-          <a:p>
-            <a:r>
-              <a:rPr lang="en-GB" dirty="0"/>
-              <a:t>It’s a useful tool for </a:t>
-            </a:r>
-          </a:p>
-          <a:p>
-            <a:pPr lvl="1"/>
-            <a:r>
-              <a:rPr lang="en-GB" dirty="0"/>
-              <a:t>troubleshooting all kinds of different Windows problems</a:t>
-            </a:r>
-          </a:p>
-          <a:p>
-            <a:pPr lvl="1"/>
-            <a:r>
-              <a:rPr lang="en-GB" dirty="0"/>
-              <a:t>forensics analysis </a:t>
-            </a:r>
-          </a:p>
-          <a:p>
-            <a:endParaRPr lang="en-US" dirty="0"/>
-          </a:p>
-        </p:txBody>
-      </p:sp>
-      <p:pic>
-        <p:nvPicPr>
-          <p:cNvPr id="7" name="Picture 6">
-            <a:extLst>
-              <a:ext uri="{FF2B5EF4-FFF2-40B4-BE49-F238E27FC236}">
-                <a16:creationId xmlns:a16="http://schemas.microsoft.com/office/drawing/2014/main" id="{FDDF9C26-00DF-42A2-8222-45044AEC9D64}"/>
-              </a:ext>
-            </a:extLst>
-          </p:cNvPr>
-          <p:cNvPicPr>
-            <a:picLocks noChangeAspect="1"/>
-          </p:cNvPicPr>
-          <p:nvPr/>
-        </p:nvPicPr>
-        <p:blipFill>
-          <a:blip r:embed="rId3"/>
-          <a:stretch>
-            <a:fillRect/>
-          </a:stretch>
-        </p:blipFill>
-        <p:spPr>
-          <a:xfrm>
-            <a:off x="1085278" y="3695923"/>
-            <a:ext cx="1344724" cy="2699097"/>
-          </a:xfrm>
-          <a:prstGeom prst="rect">
-            <a:avLst/>
-          </a:prstGeom>
-          <a:ln>
-            <a:noFill/>
-          </a:ln>
-          <a:effectLst>
-            <a:outerShdw blurRad="292100" dist="139700" dir="2700000" algn="tl" rotWithShape="0">
-              <a:srgbClr val="333333">
-                <a:alpha val="65000"/>
-              </a:srgbClr>
-            </a:outerShdw>
-          </a:effectLst>
-        </p:spPr>
-      </p:pic>
-      <p:sp>
-        <p:nvSpPr>
-          <p:cNvPr id="10" name="Arrow: Right 9">
-            <a:extLst>
-              <a:ext uri="{FF2B5EF4-FFF2-40B4-BE49-F238E27FC236}">
-                <a16:creationId xmlns:a16="http://schemas.microsoft.com/office/drawing/2014/main" id="{4A6A8911-5559-4027-A3A7-B0DAEF9E57CF}"/>
-              </a:ext>
-            </a:extLst>
-          </p:cNvPr>
-          <p:cNvSpPr/>
-          <p:nvPr/>
-        </p:nvSpPr>
-        <p:spPr>
-          <a:xfrm>
-            <a:off x="2513541" y="5021486"/>
-            <a:ext cx="203200" cy="99585"/>
-          </a:xfrm>
-          <a:prstGeom prst="rightArrow">
-            <a:avLst/>
-          </a:prstGeom>
-        </p:spPr>
-        <p:style>
-          <a:lnRef idx="2">
-            <a:schemeClr val="accent1">
-              <a:shade val="50000"/>
-            </a:schemeClr>
-          </a:lnRef>
-          <a:fillRef idx="1">
-            <a:schemeClr val="accent1"/>
-          </a:fillRef>
-          <a:effectRef idx="0">
-            <a:schemeClr val="accent1"/>
-          </a:effectRef>
-          <a:fontRef idx="minor">
-            <a:schemeClr val="lt1"/>
-          </a:fontRef>
-        </p:style>
-        <p:txBody>
-          <a:bodyPr rtlCol="0" anchor="ctr"/>
-          <a:lstStyle/>
-          <a:p>
-            <a:pPr algn="ctr"/>
-            <a:endParaRPr lang="en-US"/>
-          </a:p>
-        </p:txBody>
-      </p:sp>
-      <p:pic>
-        <p:nvPicPr>
-          <p:cNvPr id="13" name="Picture 12">
-            <a:extLst>
-              <a:ext uri="{FF2B5EF4-FFF2-40B4-BE49-F238E27FC236}">
-                <a16:creationId xmlns:a16="http://schemas.microsoft.com/office/drawing/2014/main" id="{9F0089FD-1362-4537-8760-C8FFA9EAD72E}"/>
-              </a:ext>
-            </a:extLst>
-          </p:cNvPr>
-          <p:cNvPicPr>
-            <a:picLocks noChangeAspect="1"/>
-          </p:cNvPicPr>
-          <p:nvPr/>
-        </p:nvPicPr>
-        <p:blipFill>
-          <a:blip r:embed="rId4"/>
-          <a:stretch>
-            <a:fillRect/>
-          </a:stretch>
-        </p:blipFill>
-        <p:spPr>
-          <a:xfrm>
-            <a:off x="3069123" y="3671517"/>
-            <a:ext cx="6241321" cy="2682472"/>
-          </a:xfrm>
-          <a:prstGeom prst="rect">
-            <a:avLst/>
-          </a:prstGeom>
-          <a:ln>
-            <a:noFill/>
-          </a:ln>
-          <a:effectLst>
-            <a:outerShdw blurRad="292100" dist="139700" dir="2700000" algn="tl" rotWithShape="0">
-              <a:srgbClr val="333333">
-                <a:alpha val="65000"/>
-              </a:srgbClr>
-            </a:outerShdw>
-          </a:effectLst>
-        </p:spPr>
-      </p:pic>
-      <p:sp>
-        <p:nvSpPr>
-          <p:cNvPr id="4" name="Rectangle 3">
-            <a:extLst>
-              <a:ext uri="{FF2B5EF4-FFF2-40B4-BE49-F238E27FC236}">
-                <a16:creationId xmlns:a16="http://schemas.microsoft.com/office/drawing/2014/main" id="{614E5EA4-4A33-078B-5461-C9CA2D086C02}"/>
-              </a:ext>
-            </a:extLst>
-          </p:cNvPr>
-          <p:cNvSpPr/>
-          <p:nvPr/>
-        </p:nvSpPr>
-        <p:spPr>
-          <a:xfrm>
-            <a:off x="3392129" y="5493774"/>
-            <a:ext cx="833284" cy="228600"/>
-          </a:xfrm>
-          <a:prstGeom prst="rect">
-            <a:avLst/>
-          </a:prstGeom>
-          <a:noFill/>
-          <a:ln>
-            <a:solidFill>
-              <a:srgbClr val="FF0000"/>
-            </a:solidFill>
-          </a:ln>
-        </p:spPr>
-        <p:style>
-          <a:lnRef idx="2">
-            <a:schemeClr val="accent1">
-              <a:shade val="50000"/>
-            </a:schemeClr>
-          </a:lnRef>
-          <a:fillRef idx="1">
-            <a:schemeClr val="accent1"/>
-          </a:fillRef>
-          <a:effectRef idx="0">
-            <a:schemeClr val="accent1"/>
-          </a:effectRef>
-          <a:fontRef idx="minor">
-            <a:schemeClr val="lt1"/>
-          </a:fontRef>
-        </p:style>
-        <p:txBody>
-          <a:bodyPr rtlCol="0" anchor="ctr"/>
-          <a:lstStyle/>
-          <a:p>
-            <a:pPr algn="ctr"/>
-            <a:endParaRPr lang="en-US" dirty="0"/>
-          </a:p>
-        </p:txBody>
-      </p:sp>
-      <p:cxnSp>
-        <p:nvCxnSpPr>
-          <p:cNvPr id="6" name="Straight Arrow Connector 5">
-            <a:extLst>
-              <a:ext uri="{FF2B5EF4-FFF2-40B4-BE49-F238E27FC236}">
-                <a16:creationId xmlns:a16="http://schemas.microsoft.com/office/drawing/2014/main" id="{95ABFCD3-EA60-73B9-3B8D-D86A7834146B}"/>
-              </a:ext>
-            </a:extLst>
-          </p:cNvPr>
-          <p:cNvCxnSpPr/>
-          <p:nvPr/>
-        </p:nvCxnSpPr>
-        <p:spPr>
-          <a:xfrm flipV="1">
-            <a:off x="4225413" y="4306529"/>
-            <a:ext cx="1135626" cy="1305232"/>
-          </a:xfrm>
-          <a:prstGeom prst="straightConnector1">
-            <a:avLst/>
-          </a:prstGeom>
-          <a:ln>
-            <a:tailEnd type="triangle"/>
-          </a:ln>
-        </p:spPr>
-        <p:style>
-          <a:lnRef idx="1">
-            <a:schemeClr val="accent2"/>
-          </a:lnRef>
-          <a:fillRef idx="0">
-            <a:schemeClr val="accent2"/>
-          </a:fillRef>
-          <a:effectRef idx="0">
-            <a:schemeClr val="accent2"/>
-          </a:effectRef>
-          <a:fontRef idx="minor">
-            <a:schemeClr val="tx1"/>
-          </a:fontRef>
-        </p:style>
-      </p:cxnSp>
-    </p:spTree>
-    <p:extLst>
-      <p:ext uri="{BB962C8B-B14F-4D97-AF65-F5344CB8AC3E}">
-        <p14:creationId xmlns:p14="http://schemas.microsoft.com/office/powerpoint/2010/main" val="1256683201"/>
-      </p:ext>
-    </p:extLst>
-  </p:cSld>
-  <p:clrMapOvr>
-    <a:masterClrMapping/>
-  </p:clrMapOvr>
-</p:sld>
-</file>
-
-<file path=ppt/slides/slide30.xml><?xml version="1.0" encoding="utf-8"?>
+<file path=ppt/slides/slide31.xml><?xml version="1.0" encoding="utf-8"?>
 <p:sld xmlns:a="http://schemas.openxmlformats.org/drawingml/2006/main" xmlns:r="http://schemas.openxmlformats.org/officeDocument/2006/relationships" xmlns:p="http://schemas.openxmlformats.org/presentationml/2006/main">
   <p:cSld>
     <p:spTree>
@@ -13154,7 +13198,7 @@
 </p:sld>
 </file>
 
-<file path=ppt/slides/slide31.xml><?xml version="1.0" encoding="utf-8"?>
+<file path=ppt/slides/slide32.xml><?xml version="1.0" encoding="utf-8"?>
 <p:sld xmlns:a="http://schemas.openxmlformats.org/drawingml/2006/main" xmlns:r="http://schemas.openxmlformats.org/officeDocument/2006/relationships" xmlns:p="http://schemas.openxmlformats.org/presentationml/2006/main">
   <p:cSld>
     <p:spTree>
@@ -13708,7 +13752,7 @@
 </p:sld>
 </file>
 
-<file path=ppt/slides/slide32.xml><?xml version="1.0" encoding="utf-8"?>
+<file path=ppt/slides/slide33.xml><?xml version="1.0" encoding="utf-8"?>
 <p:sld xmlns:a="http://schemas.openxmlformats.org/drawingml/2006/main" xmlns:r="http://schemas.openxmlformats.org/officeDocument/2006/relationships" xmlns:p="http://schemas.openxmlformats.org/presentationml/2006/main">
   <p:cSld>
     <p:spTree>
@@ -13849,7 +13893,7 @@
 </p:sld>
 </file>
 
-<file path=ppt/slides/slide33.xml><?xml version="1.0" encoding="utf-8"?>
+<file path=ppt/slides/slide34.xml><?xml version="1.0" encoding="utf-8"?>
 <p:sld xmlns:a="http://schemas.openxmlformats.org/drawingml/2006/main" xmlns:r="http://schemas.openxmlformats.org/officeDocument/2006/relationships" xmlns:p="http://schemas.openxmlformats.org/presentationml/2006/main">
   <p:cSld>
     <p:spTree>
@@ -14048,7 +14092,7 @@
 </p:sld>
 </file>
 
-<file path=ppt/slides/slide34.xml><?xml version="1.0" encoding="utf-8"?>
+<file path=ppt/slides/slide35.xml><?xml version="1.0" encoding="utf-8"?>
 <p:sld xmlns:a="http://schemas.openxmlformats.org/drawingml/2006/main" xmlns:r="http://schemas.openxmlformats.org/officeDocument/2006/relationships" xmlns:p="http://schemas.openxmlformats.org/presentationml/2006/main">
   <p:cSld>
     <p:spTree>
@@ -14163,7 +14207,7 @@
 </p:sld>
 </file>
 
-<file path=ppt/slides/slide35.xml><?xml version="1.0" encoding="utf-8"?>
+<file path=ppt/slides/slide36.xml><?xml version="1.0" encoding="utf-8"?>
 <p:sld xmlns:a="http://schemas.openxmlformats.org/drawingml/2006/main" xmlns:r="http://schemas.openxmlformats.org/officeDocument/2006/relationships" xmlns:p="http://schemas.openxmlformats.org/presentationml/2006/main">
   <p:cSld>
     <p:spTree>
@@ -14345,7 +14389,7 @@
 </p:sld>
 </file>
 
-<file path=ppt/slides/slide36.xml><?xml version="1.0" encoding="utf-8"?>
+<file path=ppt/slides/slide37.xml><?xml version="1.0" encoding="utf-8"?>
 <p:sld xmlns:a="http://schemas.openxmlformats.org/drawingml/2006/main" xmlns:r="http://schemas.openxmlformats.org/officeDocument/2006/relationships" xmlns:p="http://schemas.openxmlformats.org/presentationml/2006/main">
   <p:cSld>
     <p:spTree>
@@ -14450,7 +14494,7 @@
 </p:sld>
 </file>
 
-<file path=ppt/slides/slide37.xml><?xml version="1.0" encoding="utf-8"?>
+<file path=ppt/slides/slide38.xml><?xml version="1.0" encoding="utf-8"?>
 <p:sld xmlns:a="http://schemas.openxmlformats.org/drawingml/2006/main" xmlns:r="http://schemas.openxmlformats.org/officeDocument/2006/relationships" xmlns:p="http://schemas.openxmlformats.org/presentationml/2006/main">
   <p:cSld>
     <p:spTree>
@@ -14550,7 +14594,7 @@
 </p:sld>
 </file>
 
-<file path=ppt/slides/slide38.xml><?xml version="1.0" encoding="utf-8"?>
+<file path=ppt/slides/slide39.xml><?xml version="1.0" encoding="utf-8"?>
 <p:sld xmlns:a="http://schemas.openxmlformats.org/drawingml/2006/main" xmlns:r="http://schemas.openxmlformats.org/officeDocument/2006/relationships" xmlns:p="http://schemas.openxmlformats.org/presentationml/2006/main">
   <p:cSld>
     <p:spTree>
@@ -14672,7 +14716,7 @@
 </p:sld>
 </file>
 
-<file path=ppt/slides/slide39.xml><?xml version="1.0" encoding="utf-8"?>
+<file path=ppt/slides/slide4.xml><?xml version="1.0" encoding="utf-8"?>
 <p:sld xmlns:a="http://schemas.openxmlformats.org/drawingml/2006/main" xmlns:r="http://schemas.openxmlformats.org/officeDocument/2006/relationships" xmlns:p="http://schemas.openxmlformats.org/presentationml/2006/main">
   <p:cSld>
     <p:spTree>
@@ -14701,6 +14745,345 @@
         </p:nvSpPr>
         <p:spPr/>
         <p:txBody>
+          <a:bodyPr>
+            <a:normAutofit/>
+          </a:bodyPr>
+          <a:lstStyle/>
+          <a:p>
+            <a:r>
+              <a:rPr lang="en-US" sz="2400" dirty="0">
+                <a:solidFill>
+                  <a:srgbClr val="FF0000"/>
+                </a:solidFill>
+              </a:rPr>
+              <a:t>12.</a:t>
+            </a:r>
+            <a:r>
+              <a:rPr lang="en-US" sz="2400" dirty="0"/>
+              <a:t>	List all traces about the system on/off and the user logon/logoff (It should be considered only during a time range between 09:00 and 18:00 in the </a:t>
+            </a:r>
+            <a:r>
+              <a:rPr lang="en-US" sz="2400" dirty="0" err="1"/>
+              <a:t>timezone</a:t>
+            </a:r>
+            <a:r>
+              <a:rPr lang="en-US" sz="2400" dirty="0"/>
+              <a:t> (Eastern Time) from Question 4.</a:t>
+            </a:r>
+          </a:p>
+        </p:txBody>
+      </p:sp>
+      <p:sp>
+        <p:nvSpPr>
+          <p:cNvPr id="3" name="Content Placeholder 2"/>
+          <p:cNvSpPr>
+            <a:spLocks noGrp="1"/>
+          </p:cNvSpPr>
+          <p:nvPr>
+            <p:ph idx="1"/>
+          </p:nvPr>
+        </p:nvSpPr>
+        <p:spPr>
+          <a:xfrm>
+            <a:off x="838200" y="1825625"/>
+            <a:ext cx="8724089" cy="1816344"/>
+          </a:xfrm>
+        </p:spPr>
+        <p:txBody>
+          <a:bodyPr>
+            <a:normAutofit fontScale="92500" lnSpcReduction="20000"/>
+          </a:bodyPr>
+          <a:lstStyle/>
+          <a:p>
+            <a:r>
+              <a:rPr lang="en-GB" dirty="0"/>
+              <a:t>The Windows event log is a detailed record of system, security and application notifications stored by the Windows</a:t>
+            </a:r>
+          </a:p>
+          <a:p>
+            <a:r>
+              <a:rPr lang="en-GB" dirty="0"/>
+              <a:t>It’s a useful tool for </a:t>
+            </a:r>
+          </a:p>
+          <a:p>
+            <a:pPr lvl="1"/>
+            <a:r>
+              <a:rPr lang="en-GB" dirty="0"/>
+              <a:t>troubleshooting all kinds of different Windows problems</a:t>
+            </a:r>
+          </a:p>
+          <a:p>
+            <a:pPr lvl="1"/>
+            <a:r>
+              <a:rPr lang="en-GB" dirty="0"/>
+              <a:t>forensics analysis </a:t>
+            </a:r>
+          </a:p>
+          <a:p>
+            <a:endParaRPr lang="en-US" dirty="0"/>
+          </a:p>
+        </p:txBody>
+      </p:sp>
+      <p:pic>
+        <p:nvPicPr>
+          <p:cNvPr id="7" name="Picture 6">
+            <a:extLst>
+              <a:ext uri="{FF2B5EF4-FFF2-40B4-BE49-F238E27FC236}">
+                <a16:creationId xmlns:a16="http://schemas.microsoft.com/office/drawing/2014/main" id="{FDDF9C26-00DF-42A2-8222-45044AEC9D64}"/>
+              </a:ext>
+            </a:extLst>
+          </p:cNvPr>
+          <p:cNvPicPr>
+            <a:picLocks noChangeAspect="1"/>
+          </p:cNvPicPr>
+          <p:nvPr/>
+        </p:nvPicPr>
+        <p:blipFill>
+          <a:blip r:embed="rId3"/>
+          <a:stretch>
+            <a:fillRect/>
+          </a:stretch>
+        </p:blipFill>
+        <p:spPr>
+          <a:xfrm>
+            <a:off x="1085278" y="3695923"/>
+            <a:ext cx="1344724" cy="2699097"/>
+          </a:xfrm>
+          <a:prstGeom prst="rect">
+            <a:avLst/>
+          </a:prstGeom>
+          <a:ln>
+            <a:noFill/>
+          </a:ln>
+          <a:effectLst>
+            <a:outerShdw blurRad="292100" dist="139700" dir="2700000" algn="tl" rotWithShape="0">
+              <a:srgbClr val="333333">
+                <a:alpha val="65000"/>
+              </a:srgbClr>
+            </a:outerShdw>
+          </a:effectLst>
+        </p:spPr>
+      </p:pic>
+      <p:sp>
+        <p:nvSpPr>
+          <p:cNvPr id="10" name="Arrow: Right 9">
+            <a:extLst>
+              <a:ext uri="{FF2B5EF4-FFF2-40B4-BE49-F238E27FC236}">
+                <a16:creationId xmlns:a16="http://schemas.microsoft.com/office/drawing/2014/main" id="{4A6A8911-5559-4027-A3A7-B0DAEF9E57CF}"/>
+              </a:ext>
+            </a:extLst>
+          </p:cNvPr>
+          <p:cNvSpPr/>
+          <p:nvPr/>
+        </p:nvSpPr>
+        <p:spPr>
+          <a:xfrm>
+            <a:off x="2513541" y="5021486"/>
+            <a:ext cx="203200" cy="99585"/>
+          </a:xfrm>
+          <a:prstGeom prst="rightArrow">
+            <a:avLst/>
+          </a:prstGeom>
+        </p:spPr>
+        <p:style>
+          <a:lnRef idx="2">
+            <a:schemeClr val="accent1">
+              <a:shade val="50000"/>
+            </a:schemeClr>
+          </a:lnRef>
+          <a:fillRef idx="1">
+            <a:schemeClr val="accent1"/>
+          </a:fillRef>
+          <a:effectRef idx="0">
+            <a:schemeClr val="accent1"/>
+          </a:effectRef>
+          <a:fontRef idx="minor">
+            <a:schemeClr val="lt1"/>
+          </a:fontRef>
+        </p:style>
+        <p:txBody>
+          <a:bodyPr rtlCol="0" anchor="ctr"/>
+          <a:lstStyle/>
+          <a:p>
+            <a:pPr algn="ctr"/>
+            <a:endParaRPr lang="en-US"/>
+          </a:p>
+        </p:txBody>
+      </p:sp>
+      <p:pic>
+        <p:nvPicPr>
+          <p:cNvPr id="13" name="Picture 12">
+            <a:extLst>
+              <a:ext uri="{FF2B5EF4-FFF2-40B4-BE49-F238E27FC236}">
+                <a16:creationId xmlns:a16="http://schemas.microsoft.com/office/drawing/2014/main" id="{9F0089FD-1362-4537-8760-C8FFA9EAD72E}"/>
+              </a:ext>
+            </a:extLst>
+          </p:cNvPr>
+          <p:cNvPicPr>
+            <a:picLocks noChangeAspect="1"/>
+          </p:cNvPicPr>
+          <p:nvPr/>
+        </p:nvPicPr>
+        <p:blipFill>
+          <a:blip r:embed="rId4"/>
+          <a:stretch>
+            <a:fillRect/>
+          </a:stretch>
+        </p:blipFill>
+        <p:spPr>
+          <a:xfrm>
+            <a:off x="3069123" y="3671517"/>
+            <a:ext cx="6241321" cy="2682472"/>
+          </a:xfrm>
+          <a:prstGeom prst="rect">
+            <a:avLst/>
+          </a:prstGeom>
+          <a:ln>
+            <a:noFill/>
+          </a:ln>
+          <a:effectLst>
+            <a:outerShdw blurRad="292100" dist="139700" dir="2700000" algn="tl" rotWithShape="0">
+              <a:srgbClr val="333333">
+                <a:alpha val="65000"/>
+              </a:srgbClr>
+            </a:outerShdw>
+          </a:effectLst>
+        </p:spPr>
+      </p:pic>
+      <p:sp>
+        <p:nvSpPr>
+          <p:cNvPr id="4" name="Rectangle 3">
+            <a:extLst>
+              <a:ext uri="{FF2B5EF4-FFF2-40B4-BE49-F238E27FC236}">
+                <a16:creationId xmlns:a16="http://schemas.microsoft.com/office/drawing/2014/main" id="{614E5EA4-4A33-078B-5461-C9CA2D086C02}"/>
+              </a:ext>
+            </a:extLst>
+          </p:cNvPr>
+          <p:cNvSpPr/>
+          <p:nvPr/>
+        </p:nvSpPr>
+        <p:spPr>
+          <a:xfrm>
+            <a:off x="3392129" y="5493774"/>
+            <a:ext cx="833284" cy="228600"/>
+          </a:xfrm>
+          <a:prstGeom prst="rect">
+            <a:avLst/>
+          </a:prstGeom>
+          <a:noFill/>
+          <a:ln>
+            <a:solidFill>
+              <a:srgbClr val="FF0000"/>
+            </a:solidFill>
+          </a:ln>
+        </p:spPr>
+        <p:style>
+          <a:lnRef idx="2">
+            <a:schemeClr val="accent1">
+              <a:shade val="50000"/>
+            </a:schemeClr>
+          </a:lnRef>
+          <a:fillRef idx="1">
+            <a:schemeClr val="accent1"/>
+          </a:fillRef>
+          <a:effectRef idx="0">
+            <a:schemeClr val="accent1"/>
+          </a:effectRef>
+          <a:fontRef idx="minor">
+            <a:schemeClr val="lt1"/>
+          </a:fontRef>
+        </p:style>
+        <p:txBody>
+          <a:bodyPr rtlCol="0" anchor="ctr"/>
+          <a:lstStyle/>
+          <a:p>
+            <a:pPr algn="ctr"/>
+            <a:endParaRPr lang="en-US" dirty="0"/>
+          </a:p>
+        </p:txBody>
+      </p:sp>
+      <p:cxnSp>
+        <p:nvCxnSpPr>
+          <p:cNvPr id="6" name="Straight Arrow Connector 5">
+            <a:extLst>
+              <a:ext uri="{FF2B5EF4-FFF2-40B4-BE49-F238E27FC236}">
+                <a16:creationId xmlns:a16="http://schemas.microsoft.com/office/drawing/2014/main" id="{95ABFCD3-EA60-73B9-3B8D-D86A7834146B}"/>
+              </a:ext>
+            </a:extLst>
+          </p:cNvPr>
+          <p:cNvCxnSpPr/>
+          <p:nvPr/>
+        </p:nvCxnSpPr>
+        <p:spPr>
+          <a:xfrm flipV="1">
+            <a:off x="4225413" y="4306529"/>
+            <a:ext cx="1135626" cy="1305232"/>
+          </a:xfrm>
+          <a:prstGeom prst="straightConnector1">
+            <a:avLst/>
+          </a:prstGeom>
+          <a:ln>
+            <a:tailEnd type="triangle"/>
+          </a:ln>
+        </p:spPr>
+        <p:style>
+          <a:lnRef idx="1">
+            <a:schemeClr val="accent2"/>
+          </a:lnRef>
+          <a:fillRef idx="0">
+            <a:schemeClr val="accent2"/>
+          </a:fillRef>
+          <a:effectRef idx="0">
+            <a:schemeClr val="accent2"/>
+          </a:effectRef>
+          <a:fontRef idx="minor">
+            <a:schemeClr val="tx1"/>
+          </a:fontRef>
+        </p:style>
+      </p:cxnSp>
+    </p:spTree>
+    <p:extLst>
+      <p:ext uri="{BB962C8B-B14F-4D97-AF65-F5344CB8AC3E}">
+        <p14:creationId xmlns:p14="http://schemas.microsoft.com/office/powerpoint/2010/main" val="1256683201"/>
+      </p:ext>
+    </p:extLst>
+  </p:cSld>
+  <p:clrMapOvr>
+    <a:masterClrMapping/>
+  </p:clrMapOvr>
+</p:sld>
+</file>
+
+<file path=ppt/slides/slide40.xml><?xml version="1.0" encoding="utf-8"?>
+<p:sld xmlns:a="http://schemas.openxmlformats.org/drawingml/2006/main" xmlns:r="http://schemas.openxmlformats.org/officeDocument/2006/relationships" xmlns:p="http://schemas.openxmlformats.org/presentationml/2006/main">
+  <p:cSld>
+    <p:spTree>
+      <p:nvGrpSpPr>
+        <p:cNvPr id="1" name=""/>
+        <p:cNvGrpSpPr/>
+        <p:nvPr/>
+      </p:nvGrpSpPr>
+      <p:grpSpPr>
+        <a:xfrm>
+          <a:off x="0" y="0"/>
+          <a:ext cx="0" cy="0"/>
+          <a:chOff x="0" y="0"/>
+          <a:chExt cx="0" cy="0"/>
+        </a:xfrm>
+      </p:grpSpPr>
+      <p:sp>
+        <p:nvSpPr>
+          <p:cNvPr id="2" name="Title 1"/>
+          <p:cNvSpPr>
+            <a:spLocks noGrp="1"/>
+          </p:cNvSpPr>
+          <p:nvPr>
+            <p:ph type="title"/>
+          </p:nvPr>
+        </p:nvSpPr>
+        <p:spPr/>
+        <p:txBody>
           <a:bodyPr/>
           <a:lstStyle/>
           <a:p>
@@ -14751,7 +15134,1044 @@
 </p:sld>
 </file>
 
-<file path=ppt/slides/slide4.xml><?xml version="1.0" encoding="utf-8"?>
+<file path=ppt/slides/slide41.xml><?xml version="1.0" encoding="utf-8"?>
+<p:sld xmlns:a="http://schemas.openxmlformats.org/drawingml/2006/main" xmlns:r="http://schemas.openxmlformats.org/officeDocument/2006/relationships" xmlns:p="http://schemas.openxmlformats.org/presentationml/2006/main">
+  <p:cSld>
+    <p:spTree>
+      <p:nvGrpSpPr>
+        <p:cNvPr id="1" name=""/>
+        <p:cNvGrpSpPr/>
+        <p:nvPr/>
+      </p:nvGrpSpPr>
+      <p:grpSpPr>
+        <a:xfrm>
+          <a:off x="0" y="0"/>
+          <a:ext cx="0" cy="0"/>
+          <a:chOff x="0" y="0"/>
+          <a:chExt cx="0" cy="0"/>
+        </a:xfrm>
+      </p:grpSpPr>
+      <p:pic>
+        <p:nvPicPr>
+          <p:cNvPr id="2" name="Picture 1"/>
+          <p:cNvPicPr>
+            <a:picLocks noChangeAspect="1"/>
+          </p:cNvPicPr>
+          <p:nvPr/>
+        </p:nvPicPr>
+        <p:blipFill>
+          <a:blip r:embed="rId3"/>
+          <a:stretch>
+            <a:fillRect/>
+          </a:stretch>
+        </p:blipFill>
+        <p:spPr>
+          <a:xfrm>
+            <a:off x="1820809" y="559821"/>
+            <a:ext cx="8550381" cy="5738357"/>
+          </a:xfrm>
+          <a:prstGeom prst="rect">
+            <a:avLst/>
+          </a:prstGeom>
+        </p:spPr>
+      </p:pic>
+    </p:spTree>
+    <p:extLst>
+      <p:ext uri="{BB962C8B-B14F-4D97-AF65-F5344CB8AC3E}">
+        <p14:creationId xmlns:p14="http://schemas.microsoft.com/office/powerpoint/2010/main" val="2478761360"/>
+      </p:ext>
+    </p:extLst>
+  </p:cSld>
+  <p:clrMapOvr>
+    <a:masterClrMapping/>
+  </p:clrMapOvr>
+</p:sld>
+</file>
+
+<file path=ppt/slides/slide42.xml><?xml version="1.0" encoding="utf-8"?>
+<p:sld xmlns:a="http://schemas.openxmlformats.org/drawingml/2006/main" xmlns:r="http://schemas.openxmlformats.org/officeDocument/2006/relationships" xmlns:p="http://schemas.openxmlformats.org/presentationml/2006/main">
+  <p:cSld>
+    <p:spTree>
+      <p:nvGrpSpPr>
+        <p:cNvPr id="1" name=""/>
+        <p:cNvGrpSpPr/>
+        <p:nvPr/>
+      </p:nvGrpSpPr>
+      <p:grpSpPr>
+        <a:xfrm>
+          <a:off x="0" y="0"/>
+          <a:ext cx="0" cy="0"/>
+          <a:chOff x="0" y="0"/>
+          <a:chExt cx="0" cy="0"/>
+        </a:xfrm>
+      </p:grpSpPr>
+      <p:pic>
+        <p:nvPicPr>
+          <p:cNvPr id="4" name="Picture 3"/>
+          <p:cNvPicPr>
+            <a:picLocks noChangeAspect="1"/>
+          </p:cNvPicPr>
+          <p:nvPr/>
+        </p:nvPicPr>
+        <p:blipFill>
+          <a:blip r:embed="rId3"/>
+          <a:stretch>
+            <a:fillRect/>
+          </a:stretch>
+        </p:blipFill>
+        <p:spPr>
+          <a:xfrm>
+            <a:off x="1607431" y="1222819"/>
+            <a:ext cx="8977138" cy="4412362"/>
+          </a:xfrm>
+          <a:prstGeom prst="rect">
+            <a:avLst/>
+          </a:prstGeom>
+        </p:spPr>
+      </p:pic>
+      <p:sp>
+        <p:nvSpPr>
+          <p:cNvPr id="3" name="TextBox 2">
+            <a:extLst>
+              <a:ext uri="{FF2B5EF4-FFF2-40B4-BE49-F238E27FC236}">
+                <a16:creationId xmlns:a16="http://schemas.microsoft.com/office/drawing/2014/main" id="{07357821-C5F7-4C3D-BD9C-52457382E87F}"/>
+              </a:ext>
+            </a:extLst>
+          </p:cNvPr>
+          <p:cNvSpPr txBox="1"/>
+          <p:nvPr/>
+        </p:nvSpPr>
+        <p:spPr>
+          <a:xfrm>
+            <a:off x="1607431" y="853487"/>
+            <a:ext cx="5414239" cy="369332"/>
+          </a:xfrm>
+          <a:prstGeom prst="rect">
+            <a:avLst/>
+          </a:prstGeom>
+          <a:solidFill>
+            <a:srgbClr val="FFC000"/>
+          </a:solidFill>
+        </p:spPr>
+        <p:txBody>
+          <a:bodyPr wrap="none" rtlCol="0">
+            <a:spAutoFit/>
+          </a:bodyPr>
+          <a:lstStyle/>
+          <a:p>
+            <a:r>
+              <a:rPr lang="en-US" dirty="0"/>
+              <a:t>Show the first event and we will make change the event</a:t>
+            </a:r>
+          </a:p>
+        </p:txBody>
+      </p:sp>
+    </p:spTree>
+    <p:extLst>
+      <p:ext uri="{BB962C8B-B14F-4D97-AF65-F5344CB8AC3E}">
+        <p14:creationId xmlns:p14="http://schemas.microsoft.com/office/powerpoint/2010/main" val="245378617"/>
+      </p:ext>
+    </p:extLst>
+  </p:cSld>
+  <p:clrMapOvr>
+    <a:masterClrMapping/>
+  </p:clrMapOvr>
+</p:sld>
+</file>
+
+<file path=ppt/slides/slide43.xml><?xml version="1.0" encoding="utf-8"?>
+<p:sld xmlns:a="http://schemas.openxmlformats.org/drawingml/2006/main" xmlns:r="http://schemas.openxmlformats.org/officeDocument/2006/relationships" xmlns:p="http://schemas.openxmlformats.org/presentationml/2006/main">
+  <p:cSld>
+    <p:spTree>
+      <p:nvGrpSpPr>
+        <p:cNvPr id="1" name=""/>
+        <p:cNvGrpSpPr/>
+        <p:nvPr/>
+      </p:nvGrpSpPr>
+      <p:grpSpPr>
+        <a:xfrm>
+          <a:off x="0" y="0"/>
+          <a:ext cx="0" cy="0"/>
+          <a:chOff x="0" y="0"/>
+          <a:chExt cx="0" cy="0"/>
+        </a:xfrm>
+      </p:grpSpPr>
+      <p:pic>
+        <p:nvPicPr>
+          <p:cNvPr id="2" name="Picture 1"/>
+          <p:cNvPicPr>
+            <a:picLocks noChangeAspect="1"/>
+          </p:cNvPicPr>
+          <p:nvPr/>
+        </p:nvPicPr>
+        <p:blipFill>
+          <a:blip r:embed="rId3"/>
+          <a:stretch>
+            <a:fillRect/>
+          </a:stretch>
+        </p:blipFill>
+        <p:spPr>
+          <a:xfrm>
+            <a:off x="1553534" y="1647570"/>
+            <a:ext cx="8512278" cy="4541914"/>
+          </a:xfrm>
+          <a:prstGeom prst="rect">
+            <a:avLst/>
+          </a:prstGeom>
+        </p:spPr>
+      </p:pic>
+      <p:sp>
+        <p:nvSpPr>
+          <p:cNvPr id="3" name="TextBox 2"/>
+          <p:cNvSpPr txBox="1"/>
+          <p:nvPr/>
+        </p:nvSpPr>
+        <p:spPr>
+          <a:xfrm>
+            <a:off x="1553534" y="1278238"/>
+            <a:ext cx="4011355" cy="369332"/>
+          </a:xfrm>
+          <a:prstGeom prst="rect">
+            <a:avLst/>
+          </a:prstGeom>
+          <a:solidFill>
+            <a:srgbClr val="FFC000"/>
+          </a:solidFill>
+        </p:spPr>
+        <p:txBody>
+          <a:bodyPr wrap="none" rtlCol="0">
+            <a:spAutoFit/>
+          </a:bodyPr>
+          <a:lstStyle/>
+          <a:p>
+            <a:r>
+              <a:rPr lang="en-US" b="1">
+                <a:solidFill>
+                  <a:srgbClr val="FF0000"/>
+                </a:solidFill>
+              </a:rPr>
+              <a:t>“d</a:t>
+            </a:r>
+            <a:r>
+              <a:rPr lang="en-US"/>
+              <a:t>elete/hide” </a:t>
+            </a:r>
+            <a:r>
+              <a:rPr lang="en-US" dirty="0"/>
+              <a:t>the node </a:t>
+            </a:r>
+            <a:r>
+              <a:rPr lang="en-US" i="1" dirty="0">
+                <a:solidFill>
+                  <a:srgbClr val="7030A0"/>
+                </a:solidFill>
+              </a:rPr>
+              <a:t>&lt;Level&gt;&lt;/Level&gt;</a:t>
+            </a:r>
+          </a:p>
+        </p:txBody>
+      </p:sp>
+    </p:spTree>
+    <p:extLst>
+      <p:ext uri="{BB962C8B-B14F-4D97-AF65-F5344CB8AC3E}">
+        <p14:creationId xmlns:p14="http://schemas.microsoft.com/office/powerpoint/2010/main" val="3387639174"/>
+      </p:ext>
+    </p:extLst>
+  </p:cSld>
+  <p:clrMapOvr>
+    <a:masterClrMapping/>
+  </p:clrMapOvr>
+</p:sld>
+</file>
+
+<file path=ppt/slides/slide44.xml><?xml version="1.0" encoding="utf-8"?>
+<p:sld xmlns:a="http://schemas.openxmlformats.org/drawingml/2006/main" xmlns:r="http://schemas.openxmlformats.org/officeDocument/2006/relationships" xmlns:p="http://schemas.openxmlformats.org/presentationml/2006/main">
+  <p:cSld>
+    <p:spTree>
+      <p:nvGrpSpPr>
+        <p:cNvPr id="1" name=""/>
+        <p:cNvGrpSpPr/>
+        <p:nvPr/>
+      </p:nvGrpSpPr>
+      <p:grpSpPr>
+        <a:xfrm>
+          <a:off x="0" y="0"/>
+          <a:ext cx="0" cy="0"/>
+          <a:chOff x="0" y="0"/>
+          <a:chExt cx="0" cy="0"/>
+        </a:xfrm>
+      </p:grpSpPr>
+      <p:pic>
+        <p:nvPicPr>
+          <p:cNvPr id="2" name="Picture 1"/>
+          <p:cNvPicPr>
+            <a:picLocks noChangeAspect="1"/>
+          </p:cNvPicPr>
+          <p:nvPr/>
+        </p:nvPicPr>
+        <p:blipFill>
+          <a:blip r:embed="rId3"/>
+          <a:stretch>
+            <a:fillRect/>
+          </a:stretch>
+        </p:blipFill>
+        <p:spPr>
+          <a:xfrm>
+            <a:off x="890320" y="1165663"/>
+            <a:ext cx="10178913" cy="4856445"/>
+          </a:xfrm>
+          <a:prstGeom prst="rect">
+            <a:avLst/>
+          </a:prstGeom>
+        </p:spPr>
+      </p:pic>
+      <p:sp>
+        <p:nvSpPr>
+          <p:cNvPr id="3" name="TextBox 2"/>
+          <p:cNvSpPr txBox="1"/>
+          <p:nvPr/>
+        </p:nvSpPr>
+        <p:spPr>
+          <a:xfrm>
+            <a:off x="890320" y="796331"/>
+            <a:ext cx="9057244" cy="369332"/>
+          </a:xfrm>
+          <a:prstGeom prst="rect">
+            <a:avLst/>
+          </a:prstGeom>
+          <a:solidFill>
+            <a:srgbClr val="FFC000"/>
+          </a:solidFill>
+        </p:spPr>
+        <p:txBody>
+          <a:bodyPr wrap="square" rtlCol="0">
+            <a:spAutoFit/>
+          </a:bodyPr>
+          <a:lstStyle/>
+          <a:p>
+            <a:r>
+              <a:rPr lang="en-US" b="1" i="1">
+                <a:solidFill>
+                  <a:srgbClr val="FF0000"/>
+                </a:solidFill>
+              </a:rPr>
+              <a:t>O</a:t>
+            </a:r>
+            <a:r>
+              <a:rPr lang="en-US" i="1">
+                <a:solidFill>
+                  <a:srgbClr val="7030A0"/>
+                </a:solidFill>
+              </a:rPr>
+              <a:t>mit XML declaration (&lt;?xml ...?&gt;) </a:t>
+            </a:r>
+            <a:r>
+              <a:rPr lang="en-US"/>
+              <a:t>and</a:t>
+            </a:r>
+            <a:r>
+              <a:rPr lang="en-US" i="1">
+                <a:solidFill>
+                  <a:srgbClr val="7030A0"/>
+                </a:solidFill>
+              </a:rPr>
+              <a:t> “</a:t>
+            </a:r>
+            <a:r>
+              <a:rPr lang="en-US" b="1" i="1">
+                <a:solidFill>
+                  <a:srgbClr val="FF0000"/>
+                </a:solidFill>
+              </a:rPr>
+              <a:t>d</a:t>
+            </a:r>
+            <a:r>
+              <a:rPr lang="en-US"/>
+              <a:t>elete”</a:t>
+            </a:r>
+            <a:r>
+              <a:rPr lang="en-US" i="1">
+                <a:solidFill>
+                  <a:srgbClr val="7030A0"/>
+                </a:solidFill>
+              </a:rPr>
+              <a:t> </a:t>
+            </a:r>
+            <a:r>
+              <a:rPr lang="en-US"/>
+              <a:t>the node </a:t>
+            </a:r>
+            <a:r>
+              <a:rPr lang="en-US" i="1">
+                <a:solidFill>
+                  <a:srgbClr val="7030A0"/>
+                </a:solidFill>
+              </a:rPr>
+              <a:t>&lt;Level&gt;&lt;/Level&gt;</a:t>
+            </a:r>
+          </a:p>
+        </p:txBody>
+      </p:sp>
+      <p:sp>
+        <p:nvSpPr>
+          <p:cNvPr id="4" name="TextBox 3"/>
+          <p:cNvSpPr txBox="1"/>
+          <p:nvPr/>
+        </p:nvSpPr>
+        <p:spPr>
+          <a:xfrm>
+            <a:off x="7269017" y="2855190"/>
+            <a:ext cx="3571299" cy="1200329"/>
+          </a:xfrm>
+          <a:prstGeom prst="rect">
+            <a:avLst/>
+          </a:prstGeom>
+          <a:solidFill>
+            <a:schemeClr val="accent4">
+              <a:lumMod val="20000"/>
+              <a:lumOff val="80000"/>
+            </a:schemeClr>
+          </a:solidFill>
+        </p:spPr>
+        <p:txBody>
+          <a:bodyPr wrap="none" rtlCol="0">
+            <a:spAutoFit/>
+          </a:bodyPr>
+          <a:lstStyle/>
+          <a:p>
+            <a:r>
+              <a:rPr lang="en-US">
+                <a:solidFill>
+                  <a:srgbClr val="FF0000"/>
+                </a:solidFill>
+              </a:rPr>
+              <a:t>-d</a:t>
+            </a:r>
+            <a:r>
+              <a:rPr lang="en-US"/>
+              <a:t>: is not </a:t>
+            </a:r>
+            <a:r>
+              <a:rPr lang="en-US">
+                <a:solidFill>
+                  <a:srgbClr val="FF0000"/>
+                </a:solidFill>
+              </a:rPr>
+              <a:t>actually</a:t>
+            </a:r>
+            <a:r>
+              <a:rPr lang="en-US"/>
+              <a:t> deleting the note, </a:t>
+            </a:r>
+          </a:p>
+          <a:p>
+            <a:r>
+              <a:rPr lang="en-US"/>
+              <a:t>only show deleted stream</a:t>
+            </a:r>
+          </a:p>
+          <a:p>
+            <a:endParaRPr lang="en-US"/>
+          </a:p>
+          <a:p>
+            <a:r>
+              <a:rPr lang="en-US" b="1">
+                <a:solidFill>
+                  <a:srgbClr val="7030A0"/>
+                </a:solidFill>
+              </a:rPr>
+              <a:t>How to actually delete a node?</a:t>
+            </a:r>
+          </a:p>
+        </p:txBody>
+      </p:sp>
+    </p:spTree>
+    <p:extLst>
+      <p:ext uri="{BB962C8B-B14F-4D97-AF65-F5344CB8AC3E}">
+        <p14:creationId xmlns:p14="http://schemas.microsoft.com/office/powerpoint/2010/main" val="2352346831"/>
+      </p:ext>
+    </p:extLst>
+  </p:cSld>
+  <p:clrMapOvr>
+    <a:masterClrMapping/>
+  </p:clrMapOvr>
+</p:sld>
+</file>
+
+<file path=ppt/slides/slide45.xml><?xml version="1.0" encoding="utf-8"?>
+<p:sld xmlns:a="http://schemas.openxmlformats.org/drawingml/2006/main" xmlns:r="http://schemas.openxmlformats.org/officeDocument/2006/relationships" xmlns:p="http://schemas.openxmlformats.org/presentationml/2006/main">
+  <p:cSld>
+    <p:spTree>
+      <p:nvGrpSpPr>
+        <p:cNvPr id="1" name=""/>
+        <p:cNvGrpSpPr/>
+        <p:nvPr/>
+      </p:nvGrpSpPr>
+      <p:grpSpPr>
+        <a:xfrm>
+          <a:off x="0" y="0"/>
+          <a:ext cx="0" cy="0"/>
+          <a:chOff x="0" y="0"/>
+          <a:chExt cx="0" cy="0"/>
+        </a:xfrm>
+      </p:grpSpPr>
+      <p:sp>
+        <p:nvSpPr>
+          <p:cNvPr id="2" name="Title 1"/>
+          <p:cNvSpPr>
+            <a:spLocks noGrp="1"/>
+          </p:cNvSpPr>
+          <p:nvPr>
+            <p:ph type="title"/>
+          </p:nvPr>
+        </p:nvSpPr>
+        <p:spPr/>
+        <p:txBody>
+          <a:bodyPr/>
+          <a:lstStyle/>
+          <a:p>
+            <a:r>
+              <a:rPr lang="en-US"/>
+              <a:t>Deleting namespace declarations</a:t>
+            </a:r>
+          </a:p>
+        </p:txBody>
+      </p:sp>
+      <p:sp>
+        <p:nvSpPr>
+          <p:cNvPr id="3" name="Text Placeholder 2"/>
+          <p:cNvSpPr>
+            <a:spLocks noGrp="1"/>
+          </p:cNvSpPr>
+          <p:nvPr>
+            <p:ph type="body" idx="1"/>
+          </p:nvPr>
+        </p:nvSpPr>
+        <p:spPr/>
+        <p:txBody>
+          <a:bodyPr/>
+          <a:lstStyle/>
+          <a:p>
+            <a:endParaRPr lang="en-US"/>
+          </a:p>
+        </p:txBody>
+      </p:sp>
+    </p:spTree>
+    <p:extLst>
+      <p:ext uri="{BB962C8B-B14F-4D97-AF65-F5344CB8AC3E}">
+        <p14:creationId xmlns:p14="http://schemas.microsoft.com/office/powerpoint/2010/main" val="1010073087"/>
+      </p:ext>
+    </p:extLst>
+  </p:cSld>
+  <p:clrMapOvr>
+    <a:masterClrMapping/>
+  </p:clrMapOvr>
+</p:sld>
+</file>
+
+<file path=ppt/slides/slide46.xml><?xml version="1.0" encoding="utf-8"?>
+<p:sld xmlns:a="http://schemas.openxmlformats.org/drawingml/2006/main" xmlns:r="http://schemas.openxmlformats.org/officeDocument/2006/relationships" xmlns:p="http://schemas.openxmlformats.org/presentationml/2006/main">
+  <p:cSld>
+    <p:spTree>
+      <p:nvGrpSpPr>
+        <p:cNvPr id="1" name=""/>
+        <p:cNvGrpSpPr/>
+        <p:nvPr/>
+      </p:nvGrpSpPr>
+      <p:grpSpPr>
+        <a:xfrm>
+          <a:off x="0" y="0"/>
+          <a:ext cx="0" cy="0"/>
+          <a:chOff x="0" y="0"/>
+          <a:chExt cx="0" cy="0"/>
+        </a:xfrm>
+      </p:grpSpPr>
+      <p:pic>
+        <p:nvPicPr>
+          <p:cNvPr id="2" name="Picture 1"/>
+          <p:cNvPicPr>
+            <a:picLocks noChangeAspect="1"/>
+          </p:cNvPicPr>
+          <p:nvPr/>
+        </p:nvPicPr>
+        <p:blipFill>
+          <a:blip r:embed="rId3"/>
+          <a:stretch>
+            <a:fillRect/>
+          </a:stretch>
+        </p:blipFill>
+        <p:spPr>
+          <a:xfrm>
+            <a:off x="1592189" y="1199957"/>
+            <a:ext cx="9007621" cy="4458086"/>
+          </a:xfrm>
+          <a:prstGeom prst="rect">
+            <a:avLst/>
+          </a:prstGeom>
+        </p:spPr>
+      </p:pic>
+      <p:sp>
+        <p:nvSpPr>
+          <p:cNvPr id="3" name="TextBox 2">
+            <a:extLst>
+              <a:ext uri="{FF2B5EF4-FFF2-40B4-BE49-F238E27FC236}">
+                <a16:creationId xmlns:a16="http://schemas.microsoft.com/office/drawing/2014/main" id="{0CA099BB-4022-4256-A17F-713905E134BF}"/>
+              </a:ext>
+            </a:extLst>
+          </p:cNvPr>
+          <p:cNvSpPr txBox="1"/>
+          <p:nvPr/>
+        </p:nvSpPr>
+        <p:spPr>
+          <a:xfrm>
+            <a:off x="1592189" y="830625"/>
+            <a:ext cx="4764189" cy="369332"/>
+          </a:xfrm>
+          <a:prstGeom prst="rect">
+            <a:avLst/>
+          </a:prstGeom>
+          <a:solidFill>
+            <a:srgbClr val="FFC000"/>
+          </a:solidFill>
+        </p:spPr>
+        <p:txBody>
+          <a:bodyPr wrap="none" rtlCol="0">
+            <a:spAutoFit/>
+          </a:bodyPr>
+          <a:lstStyle/>
+          <a:p>
+            <a:r>
+              <a:rPr lang="en-US" dirty="0"/>
+              <a:t>Show the first </a:t>
+            </a:r>
+            <a:r>
+              <a:rPr lang="en-US"/>
+              <a:t>event and remove </a:t>
+            </a:r>
+            <a:r>
+              <a:rPr lang="en-US" dirty="0"/>
+              <a:t>error messages</a:t>
+            </a:r>
+          </a:p>
+        </p:txBody>
+      </p:sp>
+    </p:spTree>
+    <p:extLst>
+      <p:ext uri="{BB962C8B-B14F-4D97-AF65-F5344CB8AC3E}">
+        <p14:creationId xmlns:p14="http://schemas.microsoft.com/office/powerpoint/2010/main" val="2682351958"/>
+      </p:ext>
+    </p:extLst>
+  </p:cSld>
+  <p:clrMapOvr>
+    <a:masterClrMapping/>
+  </p:clrMapOvr>
+</p:sld>
+</file>
+
+<file path=ppt/slides/slide47.xml><?xml version="1.0" encoding="utf-8"?>
+<p:sld xmlns:a="http://schemas.openxmlformats.org/drawingml/2006/main" xmlns:r="http://schemas.openxmlformats.org/officeDocument/2006/relationships" xmlns:p="http://schemas.openxmlformats.org/presentationml/2006/main">
+  <p:cSld>
+    <p:spTree>
+      <p:nvGrpSpPr>
+        <p:cNvPr id="1" name=""/>
+        <p:cNvGrpSpPr/>
+        <p:nvPr/>
+      </p:nvGrpSpPr>
+      <p:grpSpPr>
+        <a:xfrm>
+          <a:off x="0" y="0"/>
+          <a:ext cx="0" cy="0"/>
+          <a:chOff x="0" y="0"/>
+          <a:chExt cx="0" cy="0"/>
+        </a:xfrm>
+      </p:grpSpPr>
+      <p:pic>
+        <p:nvPicPr>
+          <p:cNvPr id="2" name="Picture 1"/>
+          <p:cNvPicPr>
+            <a:picLocks noChangeAspect="1"/>
+          </p:cNvPicPr>
+          <p:nvPr/>
+        </p:nvPicPr>
+        <p:blipFill>
+          <a:blip r:embed="rId3"/>
+          <a:stretch>
+            <a:fillRect/>
+          </a:stretch>
+        </p:blipFill>
+        <p:spPr>
+          <a:xfrm>
+            <a:off x="923456" y="1124787"/>
+            <a:ext cx="9495343" cy="4663844"/>
+          </a:xfrm>
+          <a:prstGeom prst="rect">
+            <a:avLst/>
+          </a:prstGeom>
+        </p:spPr>
+      </p:pic>
+      <p:sp>
+        <p:nvSpPr>
+          <p:cNvPr id="3" name="TextBox 2"/>
+          <p:cNvSpPr txBox="1"/>
+          <p:nvPr/>
+        </p:nvSpPr>
+        <p:spPr>
+          <a:xfrm>
+            <a:off x="923456" y="755455"/>
+            <a:ext cx="4556376" cy="369332"/>
+          </a:xfrm>
+          <a:prstGeom prst="rect">
+            <a:avLst/>
+          </a:prstGeom>
+          <a:solidFill>
+            <a:srgbClr val="FFC000"/>
+          </a:solidFill>
+        </p:spPr>
+        <p:txBody>
+          <a:bodyPr wrap="none" rtlCol="0">
+            <a:spAutoFit/>
+          </a:bodyPr>
+          <a:lstStyle/>
+          <a:p>
+            <a:r>
+              <a:rPr lang="en-US"/>
+              <a:t>Substitute </a:t>
+            </a:r>
+            <a:r>
+              <a:rPr lang="en-US" i="1" err="1">
+                <a:solidFill>
+                  <a:srgbClr val="7030A0"/>
+                </a:solidFill>
+              </a:rPr>
+              <a:t>xmlns</a:t>
+            </a:r>
+            <a:r>
+              <a:rPr lang="en-US">
+                <a:solidFill>
+                  <a:srgbClr val="7030A0"/>
+                </a:solidFill>
+              </a:rPr>
+              <a:t> </a:t>
+            </a:r>
+            <a:r>
+              <a:rPr lang="en-US"/>
+              <a:t>with nothing (remove </a:t>
+            </a:r>
+            <a:r>
+              <a:rPr lang="en-US" i="1" err="1">
+                <a:solidFill>
+                  <a:srgbClr val="7030A0"/>
+                </a:solidFill>
+              </a:rPr>
+              <a:t>xmlns</a:t>
+            </a:r>
+            <a:r>
+              <a:rPr lang="en-US"/>
+              <a:t>)</a:t>
+            </a:r>
+          </a:p>
+        </p:txBody>
+      </p:sp>
+      <p:sp>
+        <p:nvSpPr>
+          <p:cNvPr id="4" name="TextBox 3"/>
+          <p:cNvSpPr txBox="1"/>
+          <p:nvPr/>
+        </p:nvSpPr>
+        <p:spPr>
+          <a:xfrm>
+            <a:off x="7010400" y="2733964"/>
+            <a:ext cx="2496324" cy="1754326"/>
+          </a:xfrm>
+          <a:prstGeom prst="rect">
+            <a:avLst/>
+          </a:prstGeom>
+          <a:solidFill>
+            <a:schemeClr val="accent4">
+              <a:lumMod val="20000"/>
+              <a:lumOff val="80000"/>
+            </a:schemeClr>
+          </a:solidFill>
+        </p:spPr>
+        <p:txBody>
+          <a:bodyPr wrap="none" rtlCol="0">
+            <a:spAutoFit/>
+          </a:bodyPr>
+          <a:lstStyle/>
+          <a:p>
+            <a:pPr marL="285750" indent="-285750">
+              <a:buFont typeface="Arial" panose="020B0604020202020204" pitchFamily="34" charset="0"/>
+              <a:buChar char="•"/>
+            </a:pPr>
+            <a:r>
+              <a:rPr lang="en-US">
+                <a:solidFill>
+                  <a:srgbClr val="FF0000"/>
+                </a:solidFill>
+              </a:rPr>
+              <a:t>-e</a:t>
+            </a:r>
+            <a:r>
+              <a:rPr lang="en-US"/>
+              <a:t>: regular expression</a:t>
+            </a:r>
+          </a:p>
+          <a:p>
+            <a:pPr marL="285750" indent="-285750">
+              <a:buFont typeface="Arial" panose="020B0604020202020204" pitchFamily="34" charset="0"/>
+              <a:buChar char="•"/>
+            </a:pPr>
+            <a:r>
+              <a:rPr lang="en-US">
+                <a:solidFill>
+                  <a:srgbClr val="FF0000"/>
+                </a:solidFill>
+              </a:rPr>
+              <a:t>s/</a:t>
+            </a:r>
+            <a:r>
+              <a:rPr lang="en-US">
+                <a:solidFill>
+                  <a:srgbClr val="7030A0"/>
+                </a:solidFill>
+              </a:rPr>
+              <a:t>e1</a:t>
+            </a:r>
+            <a:r>
+              <a:rPr lang="en-US">
+                <a:solidFill>
+                  <a:srgbClr val="FF0000"/>
+                </a:solidFill>
+              </a:rPr>
+              <a:t>/</a:t>
+            </a:r>
+            <a:r>
+              <a:rPr lang="en-US">
+                <a:solidFill>
+                  <a:srgbClr val="7030A0"/>
+                </a:solidFill>
+              </a:rPr>
+              <a:t>e2</a:t>
+            </a:r>
+            <a:r>
+              <a:rPr lang="en-US">
+                <a:solidFill>
+                  <a:srgbClr val="FF0000"/>
+                </a:solidFill>
+              </a:rPr>
+              <a:t>/g: </a:t>
+            </a:r>
+          </a:p>
+          <a:p>
+            <a:pPr marL="742950" lvl="1" indent="-285750">
+              <a:buFont typeface="Arial" panose="020B0604020202020204" pitchFamily="34" charset="0"/>
+              <a:buChar char="•"/>
+            </a:pPr>
+            <a:r>
+              <a:rPr lang="en-US">
+                <a:solidFill>
+                  <a:srgbClr val="FF0000"/>
+                </a:solidFill>
+              </a:rPr>
+              <a:t>s: </a:t>
+            </a:r>
+            <a:r>
+              <a:rPr lang="en-US"/>
+              <a:t>substitute</a:t>
+            </a:r>
+          </a:p>
+          <a:p>
+            <a:pPr marL="742950" lvl="1" indent="-285750">
+              <a:buFont typeface="Arial" panose="020B0604020202020204" pitchFamily="34" charset="0"/>
+              <a:buChar char="•"/>
+            </a:pPr>
+            <a:r>
+              <a:rPr lang="en-US">
+                <a:solidFill>
+                  <a:srgbClr val="7030A0"/>
+                </a:solidFill>
+              </a:rPr>
+              <a:t>e1: regex</a:t>
+            </a:r>
+          </a:p>
+          <a:p>
+            <a:pPr marL="742950" lvl="1" indent="-285750">
+              <a:buFont typeface="Arial" panose="020B0604020202020204" pitchFamily="34" charset="0"/>
+              <a:buChar char="•"/>
+            </a:pPr>
+            <a:r>
+              <a:rPr lang="en-US">
+                <a:solidFill>
+                  <a:srgbClr val="7030A0"/>
+                </a:solidFill>
+              </a:rPr>
+              <a:t>e2: regex</a:t>
+            </a:r>
+            <a:endParaRPr lang="en-US">
+              <a:solidFill>
+                <a:srgbClr val="FF0000"/>
+              </a:solidFill>
+            </a:endParaRPr>
+          </a:p>
+          <a:p>
+            <a:pPr marL="742950" lvl="1" indent="-285750">
+              <a:buFont typeface="Arial" panose="020B0604020202020204" pitchFamily="34" charset="0"/>
+              <a:buChar char="•"/>
+            </a:pPr>
+            <a:r>
+              <a:rPr lang="en-US">
+                <a:solidFill>
+                  <a:srgbClr val="FF0000"/>
+                </a:solidFill>
+              </a:rPr>
+              <a:t>g: </a:t>
+            </a:r>
+            <a:r>
+              <a:rPr lang="en-US"/>
+              <a:t>globe</a:t>
+            </a:r>
+          </a:p>
+        </p:txBody>
+      </p:sp>
+    </p:spTree>
+    <p:extLst>
+      <p:ext uri="{BB962C8B-B14F-4D97-AF65-F5344CB8AC3E}">
+        <p14:creationId xmlns:p14="http://schemas.microsoft.com/office/powerpoint/2010/main" val="3392738881"/>
+      </p:ext>
+    </p:extLst>
+  </p:cSld>
+  <p:clrMapOvr>
+    <a:masterClrMapping/>
+  </p:clrMapOvr>
+</p:sld>
+</file>
+
+<file path=ppt/slides/slide48.xml><?xml version="1.0" encoding="utf-8"?>
+<p:sld xmlns:a="http://schemas.openxmlformats.org/drawingml/2006/main" xmlns:r="http://schemas.openxmlformats.org/officeDocument/2006/relationships" xmlns:p="http://schemas.openxmlformats.org/presentationml/2006/main">
+  <p:cSld>
+    <p:spTree>
+      <p:nvGrpSpPr>
+        <p:cNvPr id="1" name=""/>
+        <p:cNvGrpSpPr/>
+        <p:nvPr/>
+      </p:nvGrpSpPr>
+      <p:grpSpPr>
+        <a:xfrm>
+          <a:off x="0" y="0"/>
+          <a:ext cx="0" cy="0"/>
+          <a:chOff x="0" y="0"/>
+          <a:chExt cx="0" cy="0"/>
+        </a:xfrm>
+      </p:grpSpPr>
+      <p:pic>
+        <p:nvPicPr>
+          <p:cNvPr id="2" name="Picture 1"/>
+          <p:cNvPicPr>
+            <a:picLocks noChangeAspect="1"/>
+          </p:cNvPicPr>
+          <p:nvPr/>
+        </p:nvPicPr>
+        <p:blipFill>
+          <a:blip r:embed="rId3"/>
+          <a:stretch>
+            <a:fillRect/>
+          </a:stretch>
+        </p:blipFill>
+        <p:spPr>
+          <a:xfrm>
+            <a:off x="1336897" y="845596"/>
+            <a:ext cx="9518205" cy="5166808"/>
+          </a:xfrm>
+          <a:prstGeom prst="rect">
+            <a:avLst/>
+          </a:prstGeom>
+        </p:spPr>
+      </p:pic>
+    </p:spTree>
+    <p:extLst>
+      <p:ext uri="{BB962C8B-B14F-4D97-AF65-F5344CB8AC3E}">
+        <p14:creationId xmlns:p14="http://schemas.microsoft.com/office/powerpoint/2010/main" val="2723471064"/>
+      </p:ext>
+    </p:extLst>
+  </p:cSld>
+  <p:clrMapOvr>
+    <a:masterClrMapping/>
+  </p:clrMapOvr>
+</p:sld>
+</file>
+
+<file path=ppt/slides/slide49.xml><?xml version="1.0" encoding="utf-8"?>
+<p:sld xmlns:a="http://schemas.openxmlformats.org/drawingml/2006/main" xmlns:r="http://schemas.openxmlformats.org/officeDocument/2006/relationships" xmlns:p="http://schemas.openxmlformats.org/presentationml/2006/main">
+  <p:cSld>
+    <p:spTree>
+      <p:nvGrpSpPr>
+        <p:cNvPr id="1" name=""/>
+        <p:cNvGrpSpPr/>
+        <p:nvPr/>
+      </p:nvGrpSpPr>
+      <p:grpSpPr>
+        <a:xfrm>
+          <a:off x="0" y="0"/>
+          <a:ext cx="0" cy="0"/>
+          <a:chOff x="0" y="0"/>
+          <a:chExt cx="0" cy="0"/>
+        </a:xfrm>
+      </p:grpSpPr>
+      <p:sp>
+        <p:nvSpPr>
+          <p:cNvPr id="2" name="Title 1"/>
+          <p:cNvSpPr>
+            <a:spLocks noGrp="1"/>
+          </p:cNvSpPr>
+          <p:nvPr>
+            <p:ph type="title"/>
+          </p:nvPr>
+        </p:nvSpPr>
+        <p:spPr/>
+        <p:txBody>
+          <a:bodyPr/>
+          <a:lstStyle/>
+          <a:p>
+            <a:r>
+              <a:rPr lang="en-US"/>
+              <a:t>Transforming an XML Document into a CSV</a:t>
+            </a:r>
+          </a:p>
+        </p:txBody>
+      </p:sp>
+      <p:sp>
+        <p:nvSpPr>
+          <p:cNvPr id="3" name="Text Placeholder 2"/>
+          <p:cNvSpPr>
+            <a:spLocks noGrp="1"/>
+          </p:cNvSpPr>
+          <p:nvPr>
+            <p:ph type="body" idx="1"/>
+          </p:nvPr>
+        </p:nvSpPr>
+        <p:spPr/>
+        <p:txBody>
+          <a:bodyPr/>
+          <a:lstStyle/>
+          <a:p>
+            <a:endParaRPr lang="en-US"/>
+          </a:p>
+        </p:txBody>
+      </p:sp>
+    </p:spTree>
+    <p:extLst>
+      <p:ext uri="{BB962C8B-B14F-4D97-AF65-F5344CB8AC3E}">
+        <p14:creationId xmlns:p14="http://schemas.microsoft.com/office/powerpoint/2010/main" val="378321875"/>
+      </p:ext>
+    </p:extLst>
+  </p:cSld>
+  <p:clrMapOvr>
+    <a:masterClrMapping/>
+  </p:clrMapOvr>
+</p:sld>
+</file>
+
+<file path=ppt/slides/slide5.xml><?xml version="1.0" encoding="utf-8"?>
 <p:sld xmlns:a="http://schemas.openxmlformats.org/drawingml/2006/main" xmlns:r="http://schemas.openxmlformats.org/officeDocument/2006/relationships" xmlns:p="http://schemas.openxmlformats.org/presentationml/2006/main">
   <p:cSld>
     <p:spTree>
@@ -14861,1044 +16281,7 @@
 </p:sld>
 </file>
 
-<file path=ppt/slides/slide40.xml><?xml version="1.0" encoding="utf-8"?>
-<p:sld xmlns:a="http://schemas.openxmlformats.org/drawingml/2006/main" xmlns:r="http://schemas.openxmlformats.org/officeDocument/2006/relationships" xmlns:p="http://schemas.openxmlformats.org/presentationml/2006/main">
-  <p:cSld>
-    <p:spTree>
-      <p:nvGrpSpPr>
-        <p:cNvPr id="1" name=""/>
-        <p:cNvGrpSpPr/>
-        <p:nvPr/>
-      </p:nvGrpSpPr>
-      <p:grpSpPr>
-        <a:xfrm>
-          <a:off x="0" y="0"/>
-          <a:ext cx="0" cy="0"/>
-          <a:chOff x="0" y="0"/>
-          <a:chExt cx="0" cy="0"/>
-        </a:xfrm>
-      </p:grpSpPr>
-      <p:pic>
-        <p:nvPicPr>
-          <p:cNvPr id="2" name="Picture 1"/>
-          <p:cNvPicPr>
-            <a:picLocks noChangeAspect="1"/>
-          </p:cNvPicPr>
-          <p:nvPr/>
-        </p:nvPicPr>
-        <p:blipFill>
-          <a:blip r:embed="rId3"/>
-          <a:stretch>
-            <a:fillRect/>
-          </a:stretch>
-        </p:blipFill>
-        <p:spPr>
-          <a:xfrm>
-            <a:off x="1820809" y="559821"/>
-            <a:ext cx="8550381" cy="5738357"/>
-          </a:xfrm>
-          <a:prstGeom prst="rect">
-            <a:avLst/>
-          </a:prstGeom>
-        </p:spPr>
-      </p:pic>
-    </p:spTree>
-    <p:extLst>
-      <p:ext uri="{BB962C8B-B14F-4D97-AF65-F5344CB8AC3E}">
-        <p14:creationId xmlns:p14="http://schemas.microsoft.com/office/powerpoint/2010/main" val="2478761360"/>
-      </p:ext>
-    </p:extLst>
-  </p:cSld>
-  <p:clrMapOvr>
-    <a:masterClrMapping/>
-  </p:clrMapOvr>
-</p:sld>
-</file>
-
-<file path=ppt/slides/slide41.xml><?xml version="1.0" encoding="utf-8"?>
-<p:sld xmlns:a="http://schemas.openxmlformats.org/drawingml/2006/main" xmlns:r="http://schemas.openxmlformats.org/officeDocument/2006/relationships" xmlns:p="http://schemas.openxmlformats.org/presentationml/2006/main">
-  <p:cSld>
-    <p:spTree>
-      <p:nvGrpSpPr>
-        <p:cNvPr id="1" name=""/>
-        <p:cNvGrpSpPr/>
-        <p:nvPr/>
-      </p:nvGrpSpPr>
-      <p:grpSpPr>
-        <a:xfrm>
-          <a:off x="0" y="0"/>
-          <a:ext cx="0" cy="0"/>
-          <a:chOff x="0" y="0"/>
-          <a:chExt cx="0" cy="0"/>
-        </a:xfrm>
-      </p:grpSpPr>
-      <p:pic>
-        <p:nvPicPr>
-          <p:cNvPr id="4" name="Picture 3"/>
-          <p:cNvPicPr>
-            <a:picLocks noChangeAspect="1"/>
-          </p:cNvPicPr>
-          <p:nvPr/>
-        </p:nvPicPr>
-        <p:blipFill>
-          <a:blip r:embed="rId3"/>
-          <a:stretch>
-            <a:fillRect/>
-          </a:stretch>
-        </p:blipFill>
-        <p:spPr>
-          <a:xfrm>
-            <a:off x="1607431" y="1222819"/>
-            <a:ext cx="8977138" cy="4412362"/>
-          </a:xfrm>
-          <a:prstGeom prst="rect">
-            <a:avLst/>
-          </a:prstGeom>
-        </p:spPr>
-      </p:pic>
-      <p:sp>
-        <p:nvSpPr>
-          <p:cNvPr id="3" name="TextBox 2">
-            <a:extLst>
-              <a:ext uri="{FF2B5EF4-FFF2-40B4-BE49-F238E27FC236}">
-                <a16:creationId xmlns:a16="http://schemas.microsoft.com/office/drawing/2014/main" id="{07357821-C5F7-4C3D-BD9C-52457382E87F}"/>
-              </a:ext>
-            </a:extLst>
-          </p:cNvPr>
-          <p:cNvSpPr txBox="1"/>
-          <p:nvPr/>
-        </p:nvSpPr>
-        <p:spPr>
-          <a:xfrm>
-            <a:off x="1607431" y="853487"/>
-            <a:ext cx="5414239" cy="369332"/>
-          </a:xfrm>
-          <a:prstGeom prst="rect">
-            <a:avLst/>
-          </a:prstGeom>
-          <a:solidFill>
-            <a:srgbClr val="FFC000"/>
-          </a:solidFill>
-        </p:spPr>
-        <p:txBody>
-          <a:bodyPr wrap="none" rtlCol="0">
-            <a:spAutoFit/>
-          </a:bodyPr>
-          <a:lstStyle/>
-          <a:p>
-            <a:r>
-              <a:rPr lang="en-US" dirty="0"/>
-              <a:t>Show the first event and we will make change the event</a:t>
-            </a:r>
-          </a:p>
-        </p:txBody>
-      </p:sp>
-    </p:spTree>
-    <p:extLst>
-      <p:ext uri="{BB962C8B-B14F-4D97-AF65-F5344CB8AC3E}">
-        <p14:creationId xmlns:p14="http://schemas.microsoft.com/office/powerpoint/2010/main" val="245378617"/>
-      </p:ext>
-    </p:extLst>
-  </p:cSld>
-  <p:clrMapOvr>
-    <a:masterClrMapping/>
-  </p:clrMapOvr>
-</p:sld>
-</file>
-
-<file path=ppt/slides/slide42.xml><?xml version="1.0" encoding="utf-8"?>
-<p:sld xmlns:a="http://schemas.openxmlformats.org/drawingml/2006/main" xmlns:r="http://schemas.openxmlformats.org/officeDocument/2006/relationships" xmlns:p="http://schemas.openxmlformats.org/presentationml/2006/main">
-  <p:cSld>
-    <p:spTree>
-      <p:nvGrpSpPr>
-        <p:cNvPr id="1" name=""/>
-        <p:cNvGrpSpPr/>
-        <p:nvPr/>
-      </p:nvGrpSpPr>
-      <p:grpSpPr>
-        <a:xfrm>
-          <a:off x="0" y="0"/>
-          <a:ext cx="0" cy="0"/>
-          <a:chOff x="0" y="0"/>
-          <a:chExt cx="0" cy="0"/>
-        </a:xfrm>
-      </p:grpSpPr>
-      <p:pic>
-        <p:nvPicPr>
-          <p:cNvPr id="2" name="Picture 1"/>
-          <p:cNvPicPr>
-            <a:picLocks noChangeAspect="1"/>
-          </p:cNvPicPr>
-          <p:nvPr/>
-        </p:nvPicPr>
-        <p:blipFill>
-          <a:blip r:embed="rId3"/>
-          <a:stretch>
-            <a:fillRect/>
-          </a:stretch>
-        </p:blipFill>
-        <p:spPr>
-          <a:xfrm>
-            <a:off x="1553534" y="1647570"/>
-            <a:ext cx="8512278" cy="4541914"/>
-          </a:xfrm>
-          <a:prstGeom prst="rect">
-            <a:avLst/>
-          </a:prstGeom>
-        </p:spPr>
-      </p:pic>
-      <p:sp>
-        <p:nvSpPr>
-          <p:cNvPr id="3" name="TextBox 2"/>
-          <p:cNvSpPr txBox="1"/>
-          <p:nvPr/>
-        </p:nvSpPr>
-        <p:spPr>
-          <a:xfrm>
-            <a:off x="1553534" y="1278238"/>
-            <a:ext cx="4011355" cy="369332"/>
-          </a:xfrm>
-          <a:prstGeom prst="rect">
-            <a:avLst/>
-          </a:prstGeom>
-          <a:solidFill>
-            <a:srgbClr val="FFC000"/>
-          </a:solidFill>
-        </p:spPr>
-        <p:txBody>
-          <a:bodyPr wrap="none" rtlCol="0">
-            <a:spAutoFit/>
-          </a:bodyPr>
-          <a:lstStyle/>
-          <a:p>
-            <a:r>
-              <a:rPr lang="en-US" b="1">
-                <a:solidFill>
-                  <a:srgbClr val="FF0000"/>
-                </a:solidFill>
-              </a:rPr>
-              <a:t>“d</a:t>
-            </a:r>
-            <a:r>
-              <a:rPr lang="en-US"/>
-              <a:t>elete/hide” </a:t>
-            </a:r>
-            <a:r>
-              <a:rPr lang="en-US" dirty="0"/>
-              <a:t>the node </a:t>
-            </a:r>
-            <a:r>
-              <a:rPr lang="en-US" i="1" dirty="0">
-                <a:solidFill>
-                  <a:srgbClr val="7030A0"/>
-                </a:solidFill>
-              </a:rPr>
-              <a:t>&lt;Level&gt;&lt;/Level&gt;</a:t>
-            </a:r>
-          </a:p>
-        </p:txBody>
-      </p:sp>
-    </p:spTree>
-    <p:extLst>
-      <p:ext uri="{BB962C8B-B14F-4D97-AF65-F5344CB8AC3E}">
-        <p14:creationId xmlns:p14="http://schemas.microsoft.com/office/powerpoint/2010/main" val="3387639174"/>
-      </p:ext>
-    </p:extLst>
-  </p:cSld>
-  <p:clrMapOvr>
-    <a:masterClrMapping/>
-  </p:clrMapOvr>
-</p:sld>
-</file>
-
-<file path=ppt/slides/slide43.xml><?xml version="1.0" encoding="utf-8"?>
-<p:sld xmlns:a="http://schemas.openxmlformats.org/drawingml/2006/main" xmlns:r="http://schemas.openxmlformats.org/officeDocument/2006/relationships" xmlns:p="http://schemas.openxmlformats.org/presentationml/2006/main">
-  <p:cSld>
-    <p:spTree>
-      <p:nvGrpSpPr>
-        <p:cNvPr id="1" name=""/>
-        <p:cNvGrpSpPr/>
-        <p:nvPr/>
-      </p:nvGrpSpPr>
-      <p:grpSpPr>
-        <a:xfrm>
-          <a:off x="0" y="0"/>
-          <a:ext cx="0" cy="0"/>
-          <a:chOff x="0" y="0"/>
-          <a:chExt cx="0" cy="0"/>
-        </a:xfrm>
-      </p:grpSpPr>
-      <p:pic>
-        <p:nvPicPr>
-          <p:cNvPr id="2" name="Picture 1"/>
-          <p:cNvPicPr>
-            <a:picLocks noChangeAspect="1"/>
-          </p:cNvPicPr>
-          <p:nvPr/>
-        </p:nvPicPr>
-        <p:blipFill>
-          <a:blip r:embed="rId3"/>
-          <a:stretch>
-            <a:fillRect/>
-          </a:stretch>
-        </p:blipFill>
-        <p:spPr>
-          <a:xfrm>
-            <a:off x="890320" y="1165663"/>
-            <a:ext cx="10178913" cy="4856445"/>
-          </a:xfrm>
-          <a:prstGeom prst="rect">
-            <a:avLst/>
-          </a:prstGeom>
-        </p:spPr>
-      </p:pic>
-      <p:sp>
-        <p:nvSpPr>
-          <p:cNvPr id="3" name="TextBox 2"/>
-          <p:cNvSpPr txBox="1"/>
-          <p:nvPr/>
-        </p:nvSpPr>
-        <p:spPr>
-          <a:xfrm>
-            <a:off x="890320" y="796331"/>
-            <a:ext cx="9057244" cy="369332"/>
-          </a:xfrm>
-          <a:prstGeom prst="rect">
-            <a:avLst/>
-          </a:prstGeom>
-          <a:solidFill>
-            <a:srgbClr val="FFC000"/>
-          </a:solidFill>
-        </p:spPr>
-        <p:txBody>
-          <a:bodyPr wrap="square" rtlCol="0">
-            <a:spAutoFit/>
-          </a:bodyPr>
-          <a:lstStyle/>
-          <a:p>
-            <a:r>
-              <a:rPr lang="en-US" b="1" i="1">
-                <a:solidFill>
-                  <a:srgbClr val="FF0000"/>
-                </a:solidFill>
-              </a:rPr>
-              <a:t>O</a:t>
-            </a:r>
-            <a:r>
-              <a:rPr lang="en-US" i="1">
-                <a:solidFill>
-                  <a:srgbClr val="7030A0"/>
-                </a:solidFill>
-              </a:rPr>
-              <a:t>mit XML declaration (&lt;?xml ...?&gt;) </a:t>
-            </a:r>
-            <a:r>
-              <a:rPr lang="en-US"/>
-              <a:t>and</a:t>
-            </a:r>
-            <a:r>
-              <a:rPr lang="en-US" i="1">
-                <a:solidFill>
-                  <a:srgbClr val="7030A0"/>
-                </a:solidFill>
-              </a:rPr>
-              <a:t> “</a:t>
-            </a:r>
-            <a:r>
-              <a:rPr lang="en-US" b="1" i="1">
-                <a:solidFill>
-                  <a:srgbClr val="FF0000"/>
-                </a:solidFill>
-              </a:rPr>
-              <a:t>d</a:t>
-            </a:r>
-            <a:r>
-              <a:rPr lang="en-US"/>
-              <a:t>elete”</a:t>
-            </a:r>
-            <a:r>
-              <a:rPr lang="en-US" i="1">
-                <a:solidFill>
-                  <a:srgbClr val="7030A0"/>
-                </a:solidFill>
-              </a:rPr>
-              <a:t> </a:t>
-            </a:r>
-            <a:r>
-              <a:rPr lang="en-US"/>
-              <a:t>the node </a:t>
-            </a:r>
-            <a:r>
-              <a:rPr lang="en-US" i="1">
-                <a:solidFill>
-                  <a:srgbClr val="7030A0"/>
-                </a:solidFill>
-              </a:rPr>
-              <a:t>&lt;Level&gt;&lt;/Level&gt;</a:t>
-            </a:r>
-          </a:p>
-        </p:txBody>
-      </p:sp>
-      <p:sp>
-        <p:nvSpPr>
-          <p:cNvPr id="4" name="TextBox 3"/>
-          <p:cNvSpPr txBox="1"/>
-          <p:nvPr/>
-        </p:nvSpPr>
-        <p:spPr>
-          <a:xfrm>
-            <a:off x="7269017" y="2855190"/>
-            <a:ext cx="3571299" cy="1200329"/>
-          </a:xfrm>
-          <a:prstGeom prst="rect">
-            <a:avLst/>
-          </a:prstGeom>
-          <a:solidFill>
-            <a:schemeClr val="accent4">
-              <a:lumMod val="20000"/>
-              <a:lumOff val="80000"/>
-            </a:schemeClr>
-          </a:solidFill>
-        </p:spPr>
-        <p:txBody>
-          <a:bodyPr wrap="none" rtlCol="0">
-            <a:spAutoFit/>
-          </a:bodyPr>
-          <a:lstStyle/>
-          <a:p>
-            <a:r>
-              <a:rPr lang="en-US">
-                <a:solidFill>
-                  <a:srgbClr val="FF0000"/>
-                </a:solidFill>
-              </a:rPr>
-              <a:t>-d</a:t>
-            </a:r>
-            <a:r>
-              <a:rPr lang="en-US"/>
-              <a:t>: is not </a:t>
-            </a:r>
-            <a:r>
-              <a:rPr lang="en-US">
-                <a:solidFill>
-                  <a:srgbClr val="FF0000"/>
-                </a:solidFill>
-              </a:rPr>
-              <a:t>actually</a:t>
-            </a:r>
-            <a:r>
-              <a:rPr lang="en-US"/>
-              <a:t> deleting the note, </a:t>
-            </a:r>
-          </a:p>
-          <a:p>
-            <a:r>
-              <a:rPr lang="en-US"/>
-              <a:t>only show deleted stream</a:t>
-            </a:r>
-          </a:p>
-          <a:p>
-            <a:endParaRPr lang="en-US"/>
-          </a:p>
-          <a:p>
-            <a:r>
-              <a:rPr lang="en-US" b="1">
-                <a:solidFill>
-                  <a:srgbClr val="7030A0"/>
-                </a:solidFill>
-              </a:rPr>
-              <a:t>How to actually delete a node?</a:t>
-            </a:r>
-          </a:p>
-        </p:txBody>
-      </p:sp>
-    </p:spTree>
-    <p:extLst>
-      <p:ext uri="{BB962C8B-B14F-4D97-AF65-F5344CB8AC3E}">
-        <p14:creationId xmlns:p14="http://schemas.microsoft.com/office/powerpoint/2010/main" val="2352346831"/>
-      </p:ext>
-    </p:extLst>
-  </p:cSld>
-  <p:clrMapOvr>
-    <a:masterClrMapping/>
-  </p:clrMapOvr>
-</p:sld>
-</file>
-
-<file path=ppt/slides/slide44.xml><?xml version="1.0" encoding="utf-8"?>
-<p:sld xmlns:a="http://schemas.openxmlformats.org/drawingml/2006/main" xmlns:r="http://schemas.openxmlformats.org/officeDocument/2006/relationships" xmlns:p="http://schemas.openxmlformats.org/presentationml/2006/main">
-  <p:cSld>
-    <p:spTree>
-      <p:nvGrpSpPr>
-        <p:cNvPr id="1" name=""/>
-        <p:cNvGrpSpPr/>
-        <p:nvPr/>
-      </p:nvGrpSpPr>
-      <p:grpSpPr>
-        <a:xfrm>
-          <a:off x="0" y="0"/>
-          <a:ext cx="0" cy="0"/>
-          <a:chOff x="0" y="0"/>
-          <a:chExt cx="0" cy="0"/>
-        </a:xfrm>
-      </p:grpSpPr>
-      <p:sp>
-        <p:nvSpPr>
-          <p:cNvPr id="2" name="Title 1"/>
-          <p:cNvSpPr>
-            <a:spLocks noGrp="1"/>
-          </p:cNvSpPr>
-          <p:nvPr>
-            <p:ph type="title"/>
-          </p:nvPr>
-        </p:nvSpPr>
-        <p:spPr/>
-        <p:txBody>
-          <a:bodyPr/>
-          <a:lstStyle/>
-          <a:p>
-            <a:r>
-              <a:rPr lang="en-US"/>
-              <a:t>Deleting namespace declarations</a:t>
-            </a:r>
-          </a:p>
-        </p:txBody>
-      </p:sp>
-      <p:sp>
-        <p:nvSpPr>
-          <p:cNvPr id="3" name="Text Placeholder 2"/>
-          <p:cNvSpPr>
-            <a:spLocks noGrp="1"/>
-          </p:cNvSpPr>
-          <p:nvPr>
-            <p:ph type="body" idx="1"/>
-          </p:nvPr>
-        </p:nvSpPr>
-        <p:spPr/>
-        <p:txBody>
-          <a:bodyPr/>
-          <a:lstStyle/>
-          <a:p>
-            <a:endParaRPr lang="en-US"/>
-          </a:p>
-        </p:txBody>
-      </p:sp>
-    </p:spTree>
-    <p:extLst>
-      <p:ext uri="{BB962C8B-B14F-4D97-AF65-F5344CB8AC3E}">
-        <p14:creationId xmlns:p14="http://schemas.microsoft.com/office/powerpoint/2010/main" val="1010073087"/>
-      </p:ext>
-    </p:extLst>
-  </p:cSld>
-  <p:clrMapOvr>
-    <a:masterClrMapping/>
-  </p:clrMapOvr>
-</p:sld>
-</file>
-
-<file path=ppt/slides/slide45.xml><?xml version="1.0" encoding="utf-8"?>
-<p:sld xmlns:a="http://schemas.openxmlformats.org/drawingml/2006/main" xmlns:r="http://schemas.openxmlformats.org/officeDocument/2006/relationships" xmlns:p="http://schemas.openxmlformats.org/presentationml/2006/main">
-  <p:cSld>
-    <p:spTree>
-      <p:nvGrpSpPr>
-        <p:cNvPr id="1" name=""/>
-        <p:cNvGrpSpPr/>
-        <p:nvPr/>
-      </p:nvGrpSpPr>
-      <p:grpSpPr>
-        <a:xfrm>
-          <a:off x="0" y="0"/>
-          <a:ext cx="0" cy="0"/>
-          <a:chOff x="0" y="0"/>
-          <a:chExt cx="0" cy="0"/>
-        </a:xfrm>
-      </p:grpSpPr>
-      <p:pic>
-        <p:nvPicPr>
-          <p:cNvPr id="2" name="Picture 1"/>
-          <p:cNvPicPr>
-            <a:picLocks noChangeAspect="1"/>
-          </p:cNvPicPr>
-          <p:nvPr/>
-        </p:nvPicPr>
-        <p:blipFill>
-          <a:blip r:embed="rId3"/>
-          <a:stretch>
-            <a:fillRect/>
-          </a:stretch>
-        </p:blipFill>
-        <p:spPr>
-          <a:xfrm>
-            <a:off x="1592189" y="1199957"/>
-            <a:ext cx="9007621" cy="4458086"/>
-          </a:xfrm>
-          <a:prstGeom prst="rect">
-            <a:avLst/>
-          </a:prstGeom>
-        </p:spPr>
-      </p:pic>
-      <p:sp>
-        <p:nvSpPr>
-          <p:cNvPr id="3" name="TextBox 2">
-            <a:extLst>
-              <a:ext uri="{FF2B5EF4-FFF2-40B4-BE49-F238E27FC236}">
-                <a16:creationId xmlns:a16="http://schemas.microsoft.com/office/drawing/2014/main" id="{0CA099BB-4022-4256-A17F-713905E134BF}"/>
-              </a:ext>
-            </a:extLst>
-          </p:cNvPr>
-          <p:cNvSpPr txBox="1"/>
-          <p:nvPr/>
-        </p:nvSpPr>
-        <p:spPr>
-          <a:xfrm>
-            <a:off x="1592189" y="830625"/>
-            <a:ext cx="4764189" cy="369332"/>
-          </a:xfrm>
-          <a:prstGeom prst="rect">
-            <a:avLst/>
-          </a:prstGeom>
-          <a:solidFill>
-            <a:srgbClr val="FFC000"/>
-          </a:solidFill>
-        </p:spPr>
-        <p:txBody>
-          <a:bodyPr wrap="none" rtlCol="0">
-            <a:spAutoFit/>
-          </a:bodyPr>
-          <a:lstStyle/>
-          <a:p>
-            <a:r>
-              <a:rPr lang="en-US" dirty="0"/>
-              <a:t>Show the first </a:t>
-            </a:r>
-            <a:r>
-              <a:rPr lang="en-US"/>
-              <a:t>event and remove </a:t>
-            </a:r>
-            <a:r>
-              <a:rPr lang="en-US" dirty="0"/>
-              <a:t>error messages</a:t>
-            </a:r>
-          </a:p>
-        </p:txBody>
-      </p:sp>
-    </p:spTree>
-    <p:extLst>
-      <p:ext uri="{BB962C8B-B14F-4D97-AF65-F5344CB8AC3E}">
-        <p14:creationId xmlns:p14="http://schemas.microsoft.com/office/powerpoint/2010/main" val="2682351958"/>
-      </p:ext>
-    </p:extLst>
-  </p:cSld>
-  <p:clrMapOvr>
-    <a:masterClrMapping/>
-  </p:clrMapOvr>
-</p:sld>
-</file>
-
-<file path=ppt/slides/slide46.xml><?xml version="1.0" encoding="utf-8"?>
-<p:sld xmlns:a="http://schemas.openxmlformats.org/drawingml/2006/main" xmlns:r="http://schemas.openxmlformats.org/officeDocument/2006/relationships" xmlns:p="http://schemas.openxmlformats.org/presentationml/2006/main">
-  <p:cSld>
-    <p:spTree>
-      <p:nvGrpSpPr>
-        <p:cNvPr id="1" name=""/>
-        <p:cNvGrpSpPr/>
-        <p:nvPr/>
-      </p:nvGrpSpPr>
-      <p:grpSpPr>
-        <a:xfrm>
-          <a:off x="0" y="0"/>
-          <a:ext cx="0" cy="0"/>
-          <a:chOff x="0" y="0"/>
-          <a:chExt cx="0" cy="0"/>
-        </a:xfrm>
-      </p:grpSpPr>
-      <p:pic>
-        <p:nvPicPr>
-          <p:cNvPr id="2" name="Picture 1"/>
-          <p:cNvPicPr>
-            <a:picLocks noChangeAspect="1"/>
-          </p:cNvPicPr>
-          <p:nvPr/>
-        </p:nvPicPr>
-        <p:blipFill>
-          <a:blip r:embed="rId3"/>
-          <a:stretch>
-            <a:fillRect/>
-          </a:stretch>
-        </p:blipFill>
-        <p:spPr>
-          <a:xfrm>
-            <a:off x="923456" y="1124787"/>
-            <a:ext cx="9495343" cy="4663844"/>
-          </a:xfrm>
-          <a:prstGeom prst="rect">
-            <a:avLst/>
-          </a:prstGeom>
-        </p:spPr>
-      </p:pic>
-      <p:sp>
-        <p:nvSpPr>
-          <p:cNvPr id="3" name="TextBox 2"/>
-          <p:cNvSpPr txBox="1"/>
-          <p:nvPr/>
-        </p:nvSpPr>
-        <p:spPr>
-          <a:xfrm>
-            <a:off x="923456" y="755455"/>
-            <a:ext cx="4556376" cy="369332"/>
-          </a:xfrm>
-          <a:prstGeom prst="rect">
-            <a:avLst/>
-          </a:prstGeom>
-          <a:solidFill>
-            <a:srgbClr val="FFC000"/>
-          </a:solidFill>
-        </p:spPr>
-        <p:txBody>
-          <a:bodyPr wrap="none" rtlCol="0">
-            <a:spAutoFit/>
-          </a:bodyPr>
-          <a:lstStyle/>
-          <a:p>
-            <a:r>
-              <a:rPr lang="en-US"/>
-              <a:t>Substitute </a:t>
-            </a:r>
-            <a:r>
-              <a:rPr lang="en-US" i="1" err="1">
-                <a:solidFill>
-                  <a:srgbClr val="7030A0"/>
-                </a:solidFill>
-              </a:rPr>
-              <a:t>xmlns</a:t>
-            </a:r>
-            <a:r>
-              <a:rPr lang="en-US">
-                <a:solidFill>
-                  <a:srgbClr val="7030A0"/>
-                </a:solidFill>
-              </a:rPr>
-              <a:t> </a:t>
-            </a:r>
-            <a:r>
-              <a:rPr lang="en-US"/>
-              <a:t>with nothing (remove </a:t>
-            </a:r>
-            <a:r>
-              <a:rPr lang="en-US" i="1" err="1">
-                <a:solidFill>
-                  <a:srgbClr val="7030A0"/>
-                </a:solidFill>
-              </a:rPr>
-              <a:t>xmlns</a:t>
-            </a:r>
-            <a:r>
-              <a:rPr lang="en-US"/>
-              <a:t>)</a:t>
-            </a:r>
-          </a:p>
-        </p:txBody>
-      </p:sp>
-      <p:sp>
-        <p:nvSpPr>
-          <p:cNvPr id="4" name="TextBox 3"/>
-          <p:cNvSpPr txBox="1"/>
-          <p:nvPr/>
-        </p:nvSpPr>
-        <p:spPr>
-          <a:xfrm>
-            <a:off x="7010400" y="2733964"/>
-            <a:ext cx="2496324" cy="1754326"/>
-          </a:xfrm>
-          <a:prstGeom prst="rect">
-            <a:avLst/>
-          </a:prstGeom>
-          <a:solidFill>
-            <a:schemeClr val="accent4">
-              <a:lumMod val="20000"/>
-              <a:lumOff val="80000"/>
-            </a:schemeClr>
-          </a:solidFill>
-        </p:spPr>
-        <p:txBody>
-          <a:bodyPr wrap="none" rtlCol="0">
-            <a:spAutoFit/>
-          </a:bodyPr>
-          <a:lstStyle/>
-          <a:p>
-            <a:pPr marL="285750" indent="-285750">
-              <a:buFont typeface="Arial" panose="020B0604020202020204" pitchFamily="34" charset="0"/>
-              <a:buChar char="•"/>
-            </a:pPr>
-            <a:r>
-              <a:rPr lang="en-US">
-                <a:solidFill>
-                  <a:srgbClr val="FF0000"/>
-                </a:solidFill>
-              </a:rPr>
-              <a:t>-e</a:t>
-            </a:r>
-            <a:r>
-              <a:rPr lang="en-US"/>
-              <a:t>: regular expression</a:t>
-            </a:r>
-          </a:p>
-          <a:p>
-            <a:pPr marL="285750" indent="-285750">
-              <a:buFont typeface="Arial" panose="020B0604020202020204" pitchFamily="34" charset="0"/>
-              <a:buChar char="•"/>
-            </a:pPr>
-            <a:r>
-              <a:rPr lang="en-US">
-                <a:solidFill>
-                  <a:srgbClr val="FF0000"/>
-                </a:solidFill>
-              </a:rPr>
-              <a:t>s/</a:t>
-            </a:r>
-            <a:r>
-              <a:rPr lang="en-US">
-                <a:solidFill>
-                  <a:srgbClr val="7030A0"/>
-                </a:solidFill>
-              </a:rPr>
-              <a:t>e1</a:t>
-            </a:r>
-            <a:r>
-              <a:rPr lang="en-US">
-                <a:solidFill>
-                  <a:srgbClr val="FF0000"/>
-                </a:solidFill>
-              </a:rPr>
-              <a:t>/</a:t>
-            </a:r>
-            <a:r>
-              <a:rPr lang="en-US">
-                <a:solidFill>
-                  <a:srgbClr val="7030A0"/>
-                </a:solidFill>
-              </a:rPr>
-              <a:t>e2</a:t>
-            </a:r>
-            <a:r>
-              <a:rPr lang="en-US">
-                <a:solidFill>
-                  <a:srgbClr val="FF0000"/>
-                </a:solidFill>
-              </a:rPr>
-              <a:t>/g: </a:t>
-            </a:r>
-          </a:p>
-          <a:p>
-            <a:pPr marL="742950" lvl="1" indent="-285750">
-              <a:buFont typeface="Arial" panose="020B0604020202020204" pitchFamily="34" charset="0"/>
-              <a:buChar char="•"/>
-            </a:pPr>
-            <a:r>
-              <a:rPr lang="en-US">
-                <a:solidFill>
-                  <a:srgbClr val="FF0000"/>
-                </a:solidFill>
-              </a:rPr>
-              <a:t>s: </a:t>
-            </a:r>
-            <a:r>
-              <a:rPr lang="en-US"/>
-              <a:t>substitute</a:t>
-            </a:r>
-          </a:p>
-          <a:p>
-            <a:pPr marL="742950" lvl="1" indent="-285750">
-              <a:buFont typeface="Arial" panose="020B0604020202020204" pitchFamily="34" charset="0"/>
-              <a:buChar char="•"/>
-            </a:pPr>
-            <a:r>
-              <a:rPr lang="en-US">
-                <a:solidFill>
-                  <a:srgbClr val="7030A0"/>
-                </a:solidFill>
-              </a:rPr>
-              <a:t>e1: regex</a:t>
-            </a:r>
-          </a:p>
-          <a:p>
-            <a:pPr marL="742950" lvl="1" indent="-285750">
-              <a:buFont typeface="Arial" panose="020B0604020202020204" pitchFamily="34" charset="0"/>
-              <a:buChar char="•"/>
-            </a:pPr>
-            <a:r>
-              <a:rPr lang="en-US">
-                <a:solidFill>
-                  <a:srgbClr val="7030A0"/>
-                </a:solidFill>
-              </a:rPr>
-              <a:t>e2: regex</a:t>
-            </a:r>
-            <a:endParaRPr lang="en-US">
-              <a:solidFill>
-                <a:srgbClr val="FF0000"/>
-              </a:solidFill>
-            </a:endParaRPr>
-          </a:p>
-          <a:p>
-            <a:pPr marL="742950" lvl="1" indent="-285750">
-              <a:buFont typeface="Arial" panose="020B0604020202020204" pitchFamily="34" charset="0"/>
-              <a:buChar char="•"/>
-            </a:pPr>
-            <a:r>
-              <a:rPr lang="en-US">
-                <a:solidFill>
-                  <a:srgbClr val="FF0000"/>
-                </a:solidFill>
-              </a:rPr>
-              <a:t>g: </a:t>
-            </a:r>
-            <a:r>
-              <a:rPr lang="en-US"/>
-              <a:t>globe</a:t>
-            </a:r>
-          </a:p>
-        </p:txBody>
-      </p:sp>
-    </p:spTree>
-    <p:extLst>
-      <p:ext uri="{BB962C8B-B14F-4D97-AF65-F5344CB8AC3E}">
-        <p14:creationId xmlns:p14="http://schemas.microsoft.com/office/powerpoint/2010/main" val="3392738881"/>
-      </p:ext>
-    </p:extLst>
-  </p:cSld>
-  <p:clrMapOvr>
-    <a:masterClrMapping/>
-  </p:clrMapOvr>
-</p:sld>
-</file>
-
-<file path=ppt/slides/slide47.xml><?xml version="1.0" encoding="utf-8"?>
-<p:sld xmlns:a="http://schemas.openxmlformats.org/drawingml/2006/main" xmlns:r="http://schemas.openxmlformats.org/officeDocument/2006/relationships" xmlns:p="http://schemas.openxmlformats.org/presentationml/2006/main">
-  <p:cSld>
-    <p:spTree>
-      <p:nvGrpSpPr>
-        <p:cNvPr id="1" name=""/>
-        <p:cNvGrpSpPr/>
-        <p:nvPr/>
-      </p:nvGrpSpPr>
-      <p:grpSpPr>
-        <a:xfrm>
-          <a:off x="0" y="0"/>
-          <a:ext cx="0" cy="0"/>
-          <a:chOff x="0" y="0"/>
-          <a:chExt cx="0" cy="0"/>
-        </a:xfrm>
-      </p:grpSpPr>
-      <p:pic>
-        <p:nvPicPr>
-          <p:cNvPr id="2" name="Picture 1"/>
-          <p:cNvPicPr>
-            <a:picLocks noChangeAspect="1"/>
-          </p:cNvPicPr>
-          <p:nvPr/>
-        </p:nvPicPr>
-        <p:blipFill>
-          <a:blip r:embed="rId3"/>
-          <a:stretch>
-            <a:fillRect/>
-          </a:stretch>
-        </p:blipFill>
-        <p:spPr>
-          <a:xfrm>
-            <a:off x="1336897" y="845596"/>
-            <a:ext cx="9518205" cy="5166808"/>
-          </a:xfrm>
-          <a:prstGeom prst="rect">
-            <a:avLst/>
-          </a:prstGeom>
-        </p:spPr>
-      </p:pic>
-    </p:spTree>
-    <p:extLst>
-      <p:ext uri="{BB962C8B-B14F-4D97-AF65-F5344CB8AC3E}">
-        <p14:creationId xmlns:p14="http://schemas.microsoft.com/office/powerpoint/2010/main" val="2723471064"/>
-      </p:ext>
-    </p:extLst>
-  </p:cSld>
-  <p:clrMapOvr>
-    <a:masterClrMapping/>
-  </p:clrMapOvr>
-</p:sld>
-</file>
-
-<file path=ppt/slides/slide48.xml><?xml version="1.0" encoding="utf-8"?>
-<p:sld xmlns:a="http://schemas.openxmlformats.org/drawingml/2006/main" xmlns:r="http://schemas.openxmlformats.org/officeDocument/2006/relationships" xmlns:p="http://schemas.openxmlformats.org/presentationml/2006/main">
-  <p:cSld>
-    <p:spTree>
-      <p:nvGrpSpPr>
-        <p:cNvPr id="1" name=""/>
-        <p:cNvGrpSpPr/>
-        <p:nvPr/>
-      </p:nvGrpSpPr>
-      <p:grpSpPr>
-        <a:xfrm>
-          <a:off x="0" y="0"/>
-          <a:ext cx="0" cy="0"/>
-          <a:chOff x="0" y="0"/>
-          <a:chExt cx="0" cy="0"/>
-        </a:xfrm>
-      </p:grpSpPr>
-      <p:sp>
-        <p:nvSpPr>
-          <p:cNvPr id="2" name="Title 1"/>
-          <p:cNvSpPr>
-            <a:spLocks noGrp="1"/>
-          </p:cNvSpPr>
-          <p:nvPr>
-            <p:ph type="title"/>
-          </p:nvPr>
-        </p:nvSpPr>
-        <p:spPr/>
-        <p:txBody>
-          <a:bodyPr/>
-          <a:lstStyle/>
-          <a:p>
-            <a:r>
-              <a:rPr lang="en-US"/>
-              <a:t>Transforming an XML Document into a CSV</a:t>
-            </a:r>
-          </a:p>
-        </p:txBody>
-      </p:sp>
-      <p:sp>
-        <p:nvSpPr>
-          <p:cNvPr id="3" name="Text Placeholder 2"/>
-          <p:cNvSpPr>
-            <a:spLocks noGrp="1"/>
-          </p:cNvSpPr>
-          <p:nvPr>
-            <p:ph type="body" idx="1"/>
-          </p:nvPr>
-        </p:nvSpPr>
-        <p:spPr/>
-        <p:txBody>
-          <a:bodyPr/>
-          <a:lstStyle/>
-          <a:p>
-            <a:endParaRPr lang="en-US"/>
-          </a:p>
-        </p:txBody>
-      </p:sp>
-    </p:spTree>
-    <p:extLst>
-      <p:ext uri="{BB962C8B-B14F-4D97-AF65-F5344CB8AC3E}">
-        <p14:creationId xmlns:p14="http://schemas.microsoft.com/office/powerpoint/2010/main" val="378321875"/>
-      </p:ext>
-    </p:extLst>
-  </p:cSld>
-  <p:clrMapOvr>
-    <a:masterClrMapping/>
-  </p:clrMapOvr>
-</p:sld>
-</file>
-
-<file path=ppt/slides/slide49.xml><?xml version="1.0" encoding="utf-8"?>
+<file path=ppt/slides/slide50.xml><?xml version="1.0" encoding="utf-8"?>
 <p:sld xmlns:a="http://schemas.openxmlformats.org/drawingml/2006/main" xmlns:r="http://schemas.openxmlformats.org/officeDocument/2006/relationships" xmlns:p="http://schemas.openxmlformats.org/presentationml/2006/main">
   <p:cSld>
     <p:spTree>
@@ -16102,7 +16485,7 @@
 </p:sld>
 </file>
 
-<file path=ppt/slides/slide5.xml><?xml version="1.0" encoding="utf-8"?>
+<file path=ppt/slides/slide51.xml><?xml version="1.0" encoding="utf-8"?>
 <p:sld xmlns:a="http://schemas.openxmlformats.org/drawingml/2006/main" xmlns:r="http://schemas.openxmlformats.org/officeDocument/2006/relationships" xmlns:p="http://schemas.openxmlformats.org/presentationml/2006/main">
   <p:cSld>
     <p:spTree>
@@ -16121,129 +16504,6 @@
       </p:grpSpPr>
       <p:sp>
         <p:nvSpPr>
-          <p:cNvPr id="4" name="Title 3">
-            <a:extLst>
-              <a:ext uri="{FF2B5EF4-FFF2-40B4-BE49-F238E27FC236}">
-                <a16:creationId xmlns:a16="http://schemas.microsoft.com/office/drawing/2014/main" id="{4E93FFAF-3A41-495F-89E5-A5172E405081}"/>
-              </a:ext>
-            </a:extLst>
-          </p:cNvPr>
-          <p:cNvSpPr>
-            <a:spLocks noGrp="1"/>
-          </p:cNvSpPr>
-          <p:nvPr>
-            <p:ph type="title"/>
-          </p:nvPr>
-        </p:nvSpPr>
-        <p:spPr/>
-        <p:txBody>
-          <a:bodyPr/>
-          <a:lstStyle/>
-          <a:p>
-            <a:r>
-              <a:rPr lang="en-US" dirty="0"/>
-              <a:t>How to search events?</a:t>
-            </a:r>
-          </a:p>
-        </p:txBody>
-      </p:sp>
-      <p:pic>
-        <p:nvPicPr>
-          <p:cNvPr id="6" name="Picture 5">
-            <a:extLst>
-              <a:ext uri="{FF2B5EF4-FFF2-40B4-BE49-F238E27FC236}">
-                <a16:creationId xmlns:a16="http://schemas.microsoft.com/office/drawing/2014/main" id="{7B62DDD4-AD77-487C-BE30-ADE9DBA74144}"/>
-              </a:ext>
-            </a:extLst>
-          </p:cNvPr>
-          <p:cNvPicPr>
-            <a:picLocks noChangeAspect="1"/>
-          </p:cNvPicPr>
-          <p:nvPr/>
-        </p:nvPicPr>
-        <p:blipFill>
-          <a:blip r:embed="rId2"/>
-          <a:stretch>
-            <a:fillRect/>
-          </a:stretch>
-        </p:blipFill>
-        <p:spPr>
-          <a:xfrm>
-            <a:off x="838200" y="1690688"/>
-            <a:ext cx="7506081" cy="4532630"/>
-          </a:xfrm>
-          <a:prstGeom prst="rect">
-            <a:avLst/>
-          </a:prstGeom>
-        </p:spPr>
-      </p:pic>
-      <p:sp>
-        <p:nvSpPr>
-          <p:cNvPr id="8" name="TextBox 7">
-            <a:extLst>
-              <a:ext uri="{FF2B5EF4-FFF2-40B4-BE49-F238E27FC236}">
-                <a16:creationId xmlns:a16="http://schemas.microsoft.com/office/drawing/2014/main" id="{FFEB6DD8-F063-4B01-9846-0A255FFCA60C}"/>
-              </a:ext>
-            </a:extLst>
-          </p:cNvPr>
-          <p:cNvSpPr txBox="1"/>
-          <p:nvPr/>
-        </p:nvSpPr>
-        <p:spPr>
-          <a:xfrm>
-            <a:off x="732981" y="1398469"/>
-            <a:ext cx="6185979" cy="307777"/>
-          </a:xfrm>
-          <a:prstGeom prst="rect">
-            <a:avLst/>
-          </a:prstGeom>
-          <a:noFill/>
-        </p:spPr>
-        <p:txBody>
-          <a:bodyPr wrap="square">
-            <a:spAutoFit/>
-          </a:bodyPr>
-          <a:lstStyle/>
-          <a:p>
-            <a:r>
-              <a:rPr lang="en-US" sz="1400" dirty="0"/>
-              <a:t>https://www.ultimatewindowssecurity.com/securitylog/encyclopedia/default.aspx</a:t>
-            </a:r>
-          </a:p>
-        </p:txBody>
-      </p:sp>
-    </p:spTree>
-    <p:extLst>
-      <p:ext uri="{BB962C8B-B14F-4D97-AF65-F5344CB8AC3E}">
-        <p14:creationId xmlns:p14="http://schemas.microsoft.com/office/powerpoint/2010/main" val="1823173735"/>
-      </p:ext>
-    </p:extLst>
-  </p:cSld>
-  <p:clrMapOvr>
-    <a:masterClrMapping/>
-  </p:clrMapOvr>
-</p:sld>
-</file>
-
-<file path=ppt/slides/slide50.xml><?xml version="1.0" encoding="utf-8"?>
-<p:sld xmlns:a="http://schemas.openxmlformats.org/drawingml/2006/main" xmlns:r="http://schemas.openxmlformats.org/officeDocument/2006/relationships" xmlns:p="http://schemas.openxmlformats.org/presentationml/2006/main">
-  <p:cSld>
-    <p:spTree>
-      <p:nvGrpSpPr>
-        <p:cNvPr id="1" name=""/>
-        <p:cNvGrpSpPr/>
-        <p:nvPr/>
-      </p:nvGrpSpPr>
-      <p:grpSpPr>
-        <a:xfrm>
-          <a:off x="0" y="0"/>
-          <a:ext cx="0" cy="0"/>
-          <a:chOff x="0" y="0"/>
-          <a:chExt cx="0" cy="0"/>
-        </a:xfrm>
-      </p:grpSpPr>
-      <p:sp>
-        <p:nvSpPr>
           <p:cNvPr id="2" name="Rectangle 1"/>
           <p:cNvSpPr/>
           <p:nvPr/>
@@ -16559,7 +16819,7 @@
 </p:sld>
 </file>
 
-<file path=ppt/slides/slide51.xml><?xml version="1.0" encoding="utf-8"?>
+<file path=ppt/slides/slide52.xml><?xml version="1.0" encoding="utf-8"?>
 <p:sld xmlns:a="http://schemas.openxmlformats.org/drawingml/2006/main" xmlns:r="http://schemas.openxmlformats.org/officeDocument/2006/relationships" xmlns:p="http://schemas.openxmlformats.org/presentationml/2006/main">
   <p:cSld>
     <p:spTree>
@@ -16784,7 +17044,7 @@
 </p:sld>
 </file>
 
-<file path=ppt/slides/slide52.xml><?xml version="1.0" encoding="utf-8"?>
+<file path=ppt/slides/slide53.xml><?xml version="1.0" encoding="utf-8"?>
 <p:sld xmlns:a="http://schemas.openxmlformats.org/drawingml/2006/main" xmlns:r="http://schemas.openxmlformats.org/officeDocument/2006/relationships" xmlns:p="http://schemas.openxmlformats.org/presentationml/2006/main">
   <p:cSld>
     <p:spTree>
@@ -16855,7 +17115,7 @@
 </p:sld>
 </file>
 
-<file path=ppt/slides/slide53.xml><?xml version="1.0" encoding="utf-8"?>
+<file path=ppt/slides/slide54.xml><?xml version="1.0" encoding="utf-8"?>
 <p:sld xmlns:a="http://schemas.openxmlformats.org/drawingml/2006/main" xmlns:r="http://schemas.openxmlformats.org/officeDocument/2006/relationships" xmlns:p="http://schemas.openxmlformats.org/presentationml/2006/main">
   <p:cSld>
     <p:spTree>
@@ -16984,7 +17244,13 @@
       </p:grpSpPr>
       <p:sp>
         <p:nvSpPr>
-          <p:cNvPr id="2" name="Title 1"/>
+          <p:cNvPr id="4" name="Title 3">
+            <a:extLst>
+              <a:ext uri="{FF2B5EF4-FFF2-40B4-BE49-F238E27FC236}">
+                <a16:creationId xmlns:a16="http://schemas.microsoft.com/office/drawing/2014/main" id="{4E93FFAF-3A41-495F-89E5-A5172E405081}"/>
+              </a:ext>
+            </a:extLst>
+          </p:cNvPr>
           <p:cNvSpPr>
             <a:spLocks noGrp="1"/>
           </p:cNvSpPr>
@@ -16999,85 +17265,72 @@
           <a:p>
             <a:r>
               <a:rPr lang="en-US" dirty="0"/>
-              <a:t>Overview</a:t>
-            </a:r>
-          </a:p>
-        </p:txBody>
-      </p:sp>
-      <p:sp>
-        <p:nvSpPr>
-          <p:cNvPr id="3" name="Content Placeholder 2"/>
-          <p:cNvSpPr>
-            <a:spLocks noGrp="1"/>
-          </p:cNvSpPr>
-          <p:nvPr>
-            <p:ph idx="1"/>
-          </p:nvPr>
-        </p:nvSpPr>
-        <p:spPr/>
-        <p:txBody>
-          <a:bodyPr/>
-          <a:lstStyle/>
-          <a:p>
-            <a:r>
-              <a:rPr lang="en-US" dirty="0"/>
-              <a:t>Get a copy of security event log</a:t>
-            </a:r>
-          </a:p>
-          <a:p>
-            <a:r>
-              <a:rPr lang="en-US" dirty="0"/>
-              <a:t>Analyze the event log</a:t>
-            </a:r>
-          </a:p>
-          <a:p>
-            <a:pPr lvl="1"/>
-            <a:r>
-              <a:rPr lang="en-US" dirty="0"/>
-              <a:t>Install XML parser (</a:t>
-            </a:r>
-            <a:r>
-              <a:rPr lang="en-US" dirty="0" err="1"/>
-              <a:t>xmlstarlet</a:t>
-            </a:r>
-            <a:r>
-              <a:rPr lang="en-US" dirty="0"/>
-              <a:t>)</a:t>
-            </a:r>
-          </a:p>
-          <a:p>
-            <a:pPr lvl="1"/>
-            <a:r>
-              <a:rPr lang="en-US" dirty="0"/>
-              <a:t>Validating Security Event Log XML documents</a:t>
-            </a:r>
-          </a:p>
-          <a:p>
-            <a:pPr lvl="1"/>
-            <a:r>
-              <a:rPr lang="en-US" dirty="0"/>
-              <a:t>Display element structure of XML document </a:t>
-            </a:r>
-          </a:p>
-          <a:p>
-            <a:pPr lvl="1"/>
-            <a:r>
-              <a:rPr lang="en-US" dirty="0"/>
-              <a:t>Format XML document </a:t>
-            </a:r>
-          </a:p>
-          <a:p>
-            <a:pPr lvl="1"/>
-            <a:r>
-              <a:rPr lang="en-US" dirty="0"/>
-              <a:t>Query XML documents </a:t>
-            </a:r>
-          </a:p>
-          <a:p>
-            <a:pPr lvl="1"/>
-            <a:r>
-              <a:rPr lang="en-US" dirty="0"/>
-              <a:t>Modify or edit XML documents</a:t>
+              <a:t>How to search events?</a:t>
+            </a:r>
+          </a:p>
+        </p:txBody>
+      </p:sp>
+      <p:pic>
+        <p:nvPicPr>
+          <p:cNvPr id="6" name="Picture 5">
+            <a:extLst>
+              <a:ext uri="{FF2B5EF4-FFF2-40B4-BE49-F238E27FC236}">
+                <a16:creationId xmlns:a16="http://schemas.microsoft.com/office/drawing/2014/main" id="{7B62DDD4-AD77-487C-BE30-ADE9DBA74144}"/>
+              </a:ext>
+            </a:extLst>
+          </p:cNvPr>
+          <p:cNvPicPr>
+            <a:picLocks noChangeAspect="1"/>
+          </p:cNvPicPr>
+          <p:nvPr/>
+        </p:nvPicPr>
+        <p:blipFill>
+          <a:blip r:embed="rId2"/>
+          <a:stretch>
+            <a:fillRect/>
+          </a:stretch>
+        </p:blipFill>
+        <p:spPr>
+          <a:xfrm>
+            <a:off x="838200" y="1690688"/>
+            <a:ext cx="7506081" cy="4532630"/>
+          </a:xfrm>
+          <a:prstGeom prst="rect">
+            <a:avLst/>
+          </a:prstGeom>
+        </p:spPr>
+      </p:pic>
+      <p:sp>
+        <p:nvSpPr>
+          <p:cNvPr id="8" name="TextBox 7">
+            <a:extLst>
+              <a:ext uri="{FF2B5EF4-FFF2-40B4-BE49-F238E27FC236}">
+                <a16:creationId xmlns:a16="http://schemas.microsoft.com/office/drawing/2014/main" id="{FFEB6DD8-F063-4B01-9846-0A255FFCA60C}"/>
+              </a:ext>
+            </a:extLst>
+          </p:cNvPr>
+          <p:cNvSpPr txBox="1"/>
+          <p:nvPr/>
+        </p:nvSpPr>
+        <p:spPr>
+          <a:xfrm>
+            <a:off x="732981" y="1398469"/>
+            <a:ext cx="6185979" cy="307777"/>
+          </a:xfrm>
+          <a:prstGeom prst="rect">
+            <a:avLst/>
+          </a:prstGeom>
+          <a:noFill/>
+        </p:spPr>
+        <p:txBody>
+          <a:bodyPr wrap="square">
+            <a:spAutoFit/>
+          </a:bodyPr>
+          <a:lstStyle/>
+          <a:p>
+            <a:r>
+              <a:rPr lang="en-US" sz="1400" dirty="0"/>
+              <a:t>https://www.ultimatewindowssecurity.com/securitylog/encyclopedia/default.aspx</a:t>
             </a:r>
           </a:p>
         </p:txBody>
@@ -17085,7 +17338,7 @@
     </p:spTree>
     <p:extLst>
       <p:ext uri="{BB962C8B-B14F-4D97-AF65-F5344CB8AC3E}">
-        <p14:creationId xmlns:p14="http://schemas.microsoft.com/office/powerpoint/2010/main" val="4132490787"/>
+        <p14:creationId xmlns:p14="http://schemas.microsoft.com/office/powerpoint/2010/main" val="1823173735"/>
       </p:ext>
     </p:extLst>
   </p:cSld>
@@ -17128,6 +17381,137 @@
           <a:lstStyle/>
           <a:p>
             <a:r>
+              <a:rPr lang="en-US"/>
+              <a:t>Overview approach</a:t>
+            </a:r>
+            <a:endParaRPr lang="en-US" dirty="0"/>
+          </a:p>
+        </p:txBody>
+      </p:sp>
+      <p:sp>
+        <p:nvSpPr>
+          <p:cNvPr id="3" name="Content Placeholder 2"/>
+          <p:cNvSpPr>
+            <a:spLocks noGrp="1"/>
+          </p:cNvSpPr>
+          <p:nvPr>
+            <p:ph idx="1"/>
+          </p:nvPr>
+        </p:nvSpPr>
+        <p:spPr/>
+        <p:txBody>
+          <a:bodyPr/>
+          <a:lstStyle/>
+          <a:p>
+            <a:r>
+              <a:rPr lang="en-US" dirty="0"/>
+              <a:t>Get a copy of security event log</a:t>
+            </a:r>
+          </a:p>
+          <a:p>
+            <a:r>
+              <a:rPr lang="en-US" dirty="0"/>
+              <a:t>Analyze the event log</a:t>
+            </a:r>
+          </a:p>
+          <a:p>
+            <a:pPr lvl="1"/>
+            <a:r>
+              <a:rPr lang="en-US" dirty="0"/>
+              <a:t>Install XML parser (</a:t>
+            </a:r>
+            <a:r>
+              <a:rPr lang="en-US" dirty="0" err="1"/>
+              <a:t>xmlstarlet</a:t>
+            </a:r>
+            <a:r>
+              <a:rPr lang="en-US" dirty="0"/>
+              <a:t>)</a:t>
+            </a:r>
+          </a:p>
+          <a:p>
+            <a:pPr lvl="1"/>
+            <a:r>
+              <a:rPr lang="en-US" dirty="0"/>
+              <a:t>Validating Security Event Log XML documents</a:t>
+            </a:r>
+          </a:p>
+          <a:p>
+            <a:pPr lvl="1"/>
+            <a:r>
+              <a:rPr lang="en-US" dirty="0"/>
+              <a:t>Display element structure of XML document </a:t>
+            </a:r>
+          </a:p>
+          <a:p>
+            <a:pPr lvl="1"/>
+            <a:r>
+              <a:rPr lang="en-US" dirty="0"/>
+              <a:t>Format XML document </a:t>
+            </a:r>
+          </a:p>
+          <a:p>
+            <a:pPr lvl="1"/>
+            <a:r>
+              <a:rPr lang="en-US" dirty="0"/>
+              <a:t>Query XML documents </a:t>
+            </a:r>
+          </a:p>
+          <a:p>
+            <a:pPr lvl="1"/>
+            <a:r>
+              <a:rPr lang="en-US" dirty="0"/>
+              <a:t>Modify or edit XML documents</a:t>
+            </a:r>
+          </a:p>
+        </p:txBody>
+      </p:sp>
+    </p:spTree>
+    <p:extLst>
+      <p:ext uri="{BB962C8B-B14F-4D97-AF65-F5344CB8AC3E}">
+        <p14:creationId xmlns:p14="http://schemas.microsoft.com/office/powerpoint/2010/main" val="4132490787"/>
+      </p:ext>
+    </p:extLst>
+  </p:cSld>
+  <p:clrMapOvr>
+    <a:masterClrMapping/>
+  </p:clrMapOvr>
+</p:sld>
+</file>
+
+<file path=ppt/slides/slide8.xml><?xml version="1.0" encoding="utf-8"?>
+<p:sld xmlns:a="http://schemas.openxmlformats.org/drawingml/2006/main" xmlns:r="http://schemas.openxmlformats.org/officeDocument/2006/relationships" xmlns:p="http://schemas.openxmlformats.org/presentationml/2006/main">
+  <p:cSld>
+    <p:spTree>
+      <p:nvGrpSpPr>
+        <p:cNvPr id="1" name=""/>
+        <p:cNvGrpSpPr/>
+        <p:nvPr/>
+      </p:nvGrpSpPr>
+      <p:grpSpPr>
+        <a:xfrm>
+          <a:off x="0" y="0"/>
+          <a:ext cx="0" cy="0"/>
+          <a:chOff x="0" y="0"/>
+          <a:chExt cx="0" cy="0"/>
+        </a:xfrm>
+      </p:grpSpPr>
+      <p:sp>
+        <p:nvSpPr>
+          <p:cNvPr id="2" name="Title 1"/>
+          <p:cNvSpPr>
+            <a:spLocks noGrp="1"/>
+          </p:cNvSpPr>
+          <p:nvPr>
+            <p:ph type="title"/>
+          </p:nvPr>
+        </p:nvSpPr>
+        <p:spPr/>
+        <p:txBody>
+          <a:bodyPr/>
+          <a:lstStyle/>
+          <a:p>
+            <a:r>
               <a:rPr lang="en-US" dirty="0"/>
               <a:t>Get a copy of security event log</a:t>
             </a:r>
@@ -17252,7 +17636,7 @@
 </p:sld>
 </file>
 
-<file path=ppt/slides/slide8.xml><?xml version="1.0" encoding="utf-8"?>
+<file path=ppt/slides/slide9.xml><?xml version="1.0" encoding="utf-8"?>
 <p:sld xmlns:a="http://schemas.openxmlformats.org/drawingml/2006/main" xmlns:r="http://schemas.openxmlformats.org/officeDocument/2006/relationships" xmlns:p="http://schemas.openxmlformats.org/presentationml/2006/main">
   <p:cSld>
     <p:spTree>
@@ -17340,182 +17724,6 @@
     <p:extLst>
       <p:ext uri="{BB962C8B-B14F-4D97-AF65-F5344CB8AC3E}">
         <p14:creationId xmlns:p14="http://schemas.microsoft.com/office/powerpoint/2010/main" val="322537141"/>
-      </p:ext>
-    </p:extLst>
-  </p:cSld>
-  <p:clrMapOvr>
-    <a:masterClrMapping/>
-  </p:clrMapOvr>
-</p:sld>
-</file>
-
-<file path=ppt/slides/slide9.xml><?xml version="1.0" encoding="utf-8"?>
-<p:sld xmlns:a="http://schemas.openxmlformats.org/drawingml/2006/main" xmlns:r="http://schemas.openxmlformats.org/officeDocument/2006/relationships" xmlns:p="http://schemas.openxmlformats.org/presentationml/2006/main">
-  <p:cSld>
-    <p:spTree>
-      <p:nvGrpSpPr>
-        <p:cNvPr id="1" name=""/>
-        <p:cNvGrpSpPr/>
-        <p:nvPr/>
-      </p:nvGrpSpPr>
-      <p:grpSpPr>
-        <a:xfrm>
-          <a:off x="0" y="0"/>
-          <a:ext cx="0" cy="0"/>
-          <a:chOff x="0" y="0"/>
-          <a:chExt cx="0" cy="0"/>
-        </a:xfrm>
-      </p:grpSpPr>
-      <p:sp>
-        <p:nvSpPr>
-          <p:cNvPr id="2" name="Title 1">
-            <a:extLst>
-              <a:ext uri="{FF2B5EF4-FFF2-40B4-BE49-F238E27FC236}">
-                <a16:creationId xmlns:a16="http://schemas.microsoft.com/office/drawing/2014/main" id="{0CA604A4-E671-18DB-C6F6-501C74D938B4}"/>
-              </a:ext>
-            </a:extLst>
-          </p:cNvPr>
-          <p:cNvSpPr>
-            <a:spLocks noGrp="1"/>
-          </p:cNvSpPr>
-          <p:nvPr>
-            <p:ph type="title"/>
-          </p:nvPr>
-        </p:nvSpPr>
-        <p:spPr/>
-        <p:txBody>
-          <a:bodyPr/>
-          <a:lstStyle/>
-          <a:p>
-            <a:r>
-              <a:rPr lang="en-US" dirty="0"/>
-              <a:t>What is XML</a:t>
-            </a:r>
-          </a:p>
-        </p:txBody>
-      </p:sp>
-      <p:sp>
-        <p:nvSpPr>
-          <p:cNvPr id="3" name="Content Placeholder 2">
-            <a:extLst>
-              <a:ext uri="{FF2B5EF4-FFF2-40B4-BE49-F238E27FC236}">
-                <a16:creationId xmlns:a16="http://schemas.microsoft.com/office/drawing/2014/main" id="{F849B4C1-17D6-864E-BBE9-C3DB2F075A27}"/>
-              </a:ext>
-            </a:extLst>
-          </p:cNvPr>
-          <p:cNvSpPr>
-            <a:spLocks noGrp="1"/>
-          </p:cNvSpPr>
-          <p:nvPr>
-            <p:ph idx="1"/>
-          </p:nvPr>
-        </p:nvSpPr>
-        <p:spPr/>
-        <p:txBody>
-          <a:bodyPr>
-            <a:normAutofit/>
-          </a:bodyPr>
-          <a:lstStyle/>
-          <a:p>
-            <a:r>
-              <a:rPr lang="en-GB" dirty="0"/>
-              <a:t>An XML file is an </a:t>
-            </a:r>
-            <a:r>
-              <a:rPr lang="en-GB" dirty="0" err="1"/>
-              <a:t>e</a:t>
-            </a:r>
-            <a:r>
-              <a:rPr lang="en-GB" b="1" dirty="0" err="1">
-                <a:solidFill>
-                  <a:srgbClr val="FF0000"/>
-                </a:solidFill>
-              </a:rPr>
-              <a:t>X</a:t>
-            </a:r>
-            <a:r>
-              <a:rPr lang="en-GB" dirty="0" err="1"/>
-              <a:t>tensible</a:t>
-            </a:r>
-            <a:r>
-              <a:rPr lang="en-GB" dirty="0"/>
-              <a:t> </a:t>
-            </a:r>
-            <a:r>
-              <a:rPr lang="en-GB" b="1" dirty="0">
-                <a:solidFill>
-                  <a:srgbClr val="FF0000"/>
-                </a:solidFill>
-              </a:rPr>
-              <a:t>M</a:t>
-            </a:r>
-            <a:r>
-              <a:rPr lang="en-GB" dirty="0"/>
-              <a:t>arkup </a:t>
-            </a:r>
-            <a:r>
-              <a:rPr lang="en-GB" b="1" dirty="0">
-                <a:solidFill>
-                  <a:srgbClr val="FF0000"/>
-                </a:solidFill>
-              </a:rPr>
-              <a:t>L</a:t>
-            </a:r>
-            <a:r>
-              <a:rPr lang="en-GB" dirty="0"/>
-              <a:t>anguage file that structures data for storage and transport. </a:t>
-            </a:r>
-          </a:p>
-          <a:p>
-            <a:r>
-              <a:rPr lang="en-GB" dirty="0"/>
-              <a:t>XML files can be used for various purposes</a:t>
-            </a:r>
-          </a:p>
-          <a:p>
-            <a:pPr lvl="1"/>
-            <a:r>
-              <a:rPr lang="en-GB" dirty="0"/>
-              <a:t>Data transfer: XML files can store and retrieve data for different applications.</a:t>
-            </a:r>
-          </a:p>
-          <a:p>
-            <a:pPr lvl="1"/>
-            <a:r>
-              <a:rPr lang="en-GB" dirty="0"/>
-              <a:t>Formatting documents: XML files can define how web pages or other documents are displayed.</a:t>
-            </a:r>
-          </a:p>
-          <a:p>
-            <a:pPr lvl="1"/>
-            <a:r>
-              <a:rPr lang="en-GB" dirty="0"/>
-              <a:t>Web searching: XML files can help search engines index and rank web pages</a:t>
-            </a:r>
-          </a:p>
-          <a:p>
-            <a:pPr lvl="1"/>
-            <a:r>
-              <a:rPr lang="en-GB" dirty="0"/>
-              <a:t>Creating layouts: XML files can design the user interface of mobile applications.</a:t>
-            </a:r>
-          </a:p>
-          <a:p>
-            <a:pPr lvl="1"/>
-            <a:r>
-              <a:rPr lang="en-GB" dirty="0"/>
-              <a:t>Storing configuration data: XML files can store the settings and preferences of an application.</a:t>
-            </a:r>
-          </a:p>
-          <a:p>
-            <a:endParaRPr lang="en-GB" dirty="0"/>
-          </a:p>
-        </p:txBody>
-      </p:sp>
-    </p:spTree>
-    <p:extLst>
-      <p:ext uri="{BB962C8B-B14F-4D97-AF65-F5344CB8AC3E}">
-        <p14:creationId xmlns:p14="http://schemas.microsoft.com/office/powerpoint/2010/main" val="2229056425"/>
       </p:ext>
     </p:extLst>
   </p:cSld>
